--- a/Final Project Draft.pptx
+++ b/Final Project Draft.pptx
@@ -7,10 +7,12 @@
   <p:sldIdLst>
     <p:sldId id="256" r:id="rId2"/>
     <p:sldId id="257" r:id="rId3"/>
-    <p:sldId id="258" r:id="rId4"/>
-    <p:sldId id="259" r:id="rId5"/>
-    <p:sldId id="261" r:id="rId6"/>
-    <p:sldId id="260" r:id="rId7"/>
+    <p:sldId id="263" r:id="rId4"/>
+    <p:sldId id="262" r:id="rId5"/>
+    <p:sldId id="258" r:id="rId6"/>
+    <p:sldId id="259" r:id="rId7"/>
+    <p:sldId id="261" r:id="rId8"/>
+    <p:sldId id="260" r:id="rId9"/>
   </p:sldIdLst>
   <p:sldSz cx="12192000" cy="6858000"/>
   <p:notesSz cx="6858000" cy="9144000"/>
@@ -109,6 +111,11 @@
       </a:defRPr>
     </a:lvl9pPr>
   </p:defaultTextStyle>
+  <p:extLst>
+    <p:ext uri="{EFAFB233-063F-42B5-8137-9DF3F51BA10A}">
+      <p15:sldGuideLst xmlns:p15="http://schemas.microsoft.com/office/powerpoint/2012/main"/>
+    </p:ext>
+  </p:extLst>
 </p:presentation>
 </file>
 
@@ -162,7 +169,7 @@
           <a:noFill/>
           <a:extLst>
             <a:ext uri="{909E8E84-426E-40dd-AFC4-6F175D3DCCD1}">
-              <a14:hiddenFill xmlns:a14="http://schemas.microsoft.com/office/drawing/2010/main" xmlns="">
+              <a14:hiddenFill xmlns="" xmlns:a14="http://schemas.microsoft.com/office/drawing/2010/main">
                 <a:solidFill>
                   <a:srgbClr val="FFFFFF"/>
                 </a:solidFill>
@@ -222,7 +229,7 @@
             </a:ln>
             <a:extLst>
               <a:ext uri="{91240B29-F687-4f45-9708-019B960494DF}">
-                <a14:hiddenLine xmlns:a14="http://schemas.microsoft.com/office/drawing/2010/main" xmlns="" w="9525">
+                <a14:hiddenLine xmlns="" xmlns:a14="http://schemas.microsoft.com/office/drawing/2010/main" w="9525">
                   <a:solidFill>
                     <a:srgbClr val="000000"/>
                   </a:solidFill>
@@ -312,7 +319,7 @@
             </a:ln>
             <a:extLst>
               <a:ext uri="{91240B29-F687-4f45-9708-019B960494DF}">
-                <a14:hiddenLine xmlns:a14="http://schemas.microsoft.com/office/drawing/2010/main" xmlns="" w="9525">
+                <a14:hiddenLine xmlns="" xmlns:a14="http://schemas.microsoft.com/office/drawing/2010/main" w="9525">
                   <a:solidFill>
                     <a:srgbClr val="000000"/>
                   </a:solidFill>
@@ -402,7 +409,7 @@
             </a:ln>
             <a:extLst>
               <a:ext uri="{91240B29-F687-4f45-9708-019B960494DF}">
-                <a14:hiddenLine xmlns:a14="http://schemas.microsoft.com/office/drawing/2010/main" xmlns="" w="9525">
+                <a14:hiddenLine xmlns="" xmlns:a14="http://schemas.microsoft.com/office/drawing/2010/main" w="9525">
                   <a:solidFill>
                     <a:srgbClr val="000000"/>
                   </a:solidFill>
@@ -436,7 +443,7 @@
             </a:ln>
             <a:extLst>
               <a:ext uri="{91240B29-F687-4f45-9708-019B960494DF}">
-                <a14:hiddenLine xmlns:a14="http://schemas.microsoft.com/office/drawing/2010/main" xmlns="" w="9525">
+                <a14:hiddenLine xmlns="" xmlns:a14="http://schemas.microsoft.com/office/drawing/2010/main" w="9525">
                   <a:solidFill>
                     <a:srgbClr val="000000"/>
                   </a:solidFill>
@@ -526,7 +533,7 @@
             </a:ln>
             <a:extLst>
               <a:ext uri="{91240B29-F687-4f45-9708-019B960494DF}">
-                <a14:hiddenLine xmlns:a14="http://schemas.microsoft.com/office/drawing/2010/main" xmlns="" w="9525">
+                <a14:hiddenLine xmlns="" xmlns:a14="http://schemas.microsoft.com/office/drawing/2010/main" w="9525">
                   <a:solidFill>
                     <a:srgbClr val="000000"/>
                   </a:solidFill>
@@ -588,7 +595,7 @@
             </a:ln>
             <a:extLst>
               <a:ext uri="{91240B29-F687-4f45-9708-019B960494DF}">
-                <a14:hiddenLine xmlns:a14="http://schemas.microsoft.com/office/drawing/2010/main" xmlns="" w="9525">
+                <a14:hiddenLine xmlns="" xmlns:a14="http://schemas.microsoft.com/office/drawing/2010/main" w="9525">
                   <a:solidFill>
                     <a:srgbClr val="000000"/>
                   </a:solidFill>
@@ -650,7 +657,7 @@
             </a:ln>
             <a:extLst>
               <a:ext uri="{91240B29-F687-4f45-9708-019B960494DF}">
-                <a14:hiddenLine xmlns:a14="http://schemas.microsoft.com/office/drawing/2010/main" xmlns="" w="9525">
+                <a14:hiddenLine xmlns="" xmlns:a14="http://schemas.microsoft.com/office/drawing/2010/main" w="9525">
                   <a:solidFill>
                     <a:srgbClr val="000000"/>
                   </a:solidFill>
@@ -740,7 +747,7 @@
             </a:ln>
             <a:extLst>
               <a:ext uri="{91240B29-F687-4f45-9708-019B960494DF}">
-                <a14:hiddenLine xmlns:a14="http://schemas.microsoft.com/office/drawing/2010/main" xmlns="" w="9525">
+                <a14:hiddenLine xmlns="" xmlns:a14="http://schemas.microsoft.com/office/drawing/2010/main" w="9525">
                   <a:solidFill>
                     <a:srgbClr val="000000"/>
                   </a:solidFill>
@@ -802,7 +809,7 @@
             </a:ln>
             <a:extLst>
               <a:ext uri="{91240B29-F687-4f45-9708-019B960494DF}">
-                <a14:hiddenLine xmlns:a14="http://schemas.microsoft.com/office/drawing/2010/main" xmlns="" w="9525">
+                <a14:hiddenLine xmlns="" xmlns:a14="http://schemas.microsoft.com/office/drawing/2010/main" w="9525">
                   <a:solidFill>
                     <a:srgbClr val="000000"/>
                   </a:solidFill>
@@ -864,7 +871,7 @@
             </a:ln>
             <a:extLst>
               <a:ext uri="{91240B29-F687-4f45-9708-019B960494DF}">
-                <a14:hiddenLine xmlns:a14="http://schemas.microsoft.com/office/drawing/2010/main" xmlns="" w="9525">
+                <a14:hiddenLine xmlns="" xmlns:a14="http://schemas.microsoft.com/office/drawing/2010/main" w="9525">
                   <a:solidFill>
                     <a:srgbClr val="000000"/>
                   </a:solidFill>
@@ -954,7 +961,7 @@
             </a:ln>
             <a:extLst>
               <a:ext uri="{91240B29-F687-4f45-9708-019B960494DF}">
-                <a14:hiddenLine xmlns:a14="http://schemas.microsoft.com/office/drawing/2010/main" xmlns="" w="9525">
+                <a14:hiddenLine xmlns="" xmlns:a14="http://schemas.microsoft.com/office/drawing/2010/main" w="9525">
                   <a:solidFill>
                     <a:srgbClr val="000000"/>
                   </a:solidFill>
@@ -1044,7 +1051,7 @@
             </a:ln>
             <a:extLst>
               <a:ext uri="{91240B29-F687-4f45-9708-019B960494DF}">
-                <a14:hiddenLine xmlns:a14="http://schemas.microsoft.com/office/drawing/2010/main" xmlns="" w="9525">
+                <a14:hiddenLine xmlns="" xmlns:a14="http://schemas.microsoft.com/office/drawing/2010/main" w="9525">
                   <a:solidFill>
                     <a:srgbClr val="000000"/>
                   </a:solidFill>
@@ -1106,7 +1113,7 @@
             </a:ln>
             <a:extLst>
               <a:ext uri="{91240B29-F687-4f45-9708-019B960494DF}">
-                <a14:hiddenLine xmlns:a14="http://schemas.microsoft.com/office/drawing/2010/main" xmlns="" w="9525">
+                <a14:hiddenLine xmlns="" xmlns:a14="http://schemas.microsoft.com/office/drawing/2010/main" w="9525">
                   <a:solidFill>
                     <a:srgbClr val="000000"/>
                   </a:solidFill>
@@ -1216,7 +1223,7 @@
             </a:ln>
             <a:extLst>
               <a:ext uri="{91240B29-F687-4f45-9708-019B960494DF}">
-                <a14:hiddenLine xmlns:a14="http://schemas.microsoft.com/office/drawing/2010/main" xmlns="" w="9525">
+                <a14:hiddenLine xmlns="" xmlns:a14="http://schemas.microsoft.com/office/drawing/2010/main" w="9525">
                   <a:solidFill>
                     <a:srgbClr val="000000"/>
                   </a:solidFill>
@@ -1278,7 +1285,7 @@
             </a:ln>
             <a:extLst>
               <a:ext uri="{91240B29-F687-4f45-9708-019B960494DF}">
-                <a14:hiddenLine xmlns:a14="http://schemas.microsoft.com/office/drawing/2010/main" xmlns="" w="9525">
+                <a14:hiddenLine xmlns="" xmlns:a14="http://schemas.microsoft.com/office/drawing/2010/main" w="9525">
                   <a:solidFill>
                     <a:srgbClr val="000000"/>
                   </a:solidFill>
@@ -1368,7 +1375,7 @@
             </a:ln>
             <a:extLst>
               <a:ext uri="{91240B29-F687-4f45-9708-019B960494DF}">
-                <a14:hiddenLine xmlns:a14="http://schemas.microsoft.com/office/drawing/2010/main" xmlns="" w="9525">
+                <a14:hiddenLine xmlns="" xmlns:a14="http://schemas.microsoft.com/office/drawing/2010/main" w="9525">
                   <a:solidFill>
                     <a:srgbClr val="000000"/>
                   </a:solidFill>
@@ -1458,7 +1465,7 @@
             </a:ln>
             <a:extLst>
               <a:ext uri="{91240B29-F687-4f45-9708-019B960494DF}">
-                <a14:hiddenLine xmlns:a14="http://schemas.microsoft.com/office/drawing/2010/main" xmlns="" w="9525">
+                <a14:hiddenLine xmlns="" xmlns:a14="http://schemas.microsoft.com/office/drawing/2010/main" w="9525">
                   <a:solidFill>
                     <a:srgbClr val="000000"/>
                   </a:solidFill>
@@ -1520,7 +1527,7 @@
             </a:ln>
             <a:extLst>
               <a:ext uri="{91240B29-F687-4f45-9708-019B960494DF}">
-                <a14:hiddenLine xmlns:a14="http://schemas.microsoft.com/office/drawing/2010/main" xmlns="" w="9525">
+                <a14:hiddenLine xmlns="" xmlns:a14="http://schemas.microsoft.com/office/drawing/2010/main" w="9525">
                   <a:solidFill>
                     <a:srgbClr val="000000"/>
                   </a:solidFill>
@@ -1610,7 +1617,7 @@
             </a:ln>
             <a:extLst>
               <a:ext uri="{91240B29-F687-4f45-9708-019B960494DF}">
-                <a14:hiddenLine xmlns:a14="http://schemas.microsoft.com/office/drawing/2010/main" xmlns="" w="9525">
+                <a14:hiddenLine xmlns="" xmlns:a14="http://schemas.microsoft.com/office/drawing/2010/main" w="9525">
                   <a:solidFill>
                     <a:srgbClr val="000000"/>
                   </a:solidFill>
@@ -1700,7 +1707,7 @@
             </a:ln>
             <a:extLst>
               <a:ext uri="{91240B29-F687-4f45-9708-019B960494DF}">
-                <a14:hiddenLine xmlns:a14="http://schemas.microsoft.com/office/drawing/2010/main" xmlns="" w="9525">
+                <a14:hiddenLine xmlns="" xmlns:a14="http://schemas.microsoft.com/office/drawing/2010/main" w="9525">
                   <a:solidFill>
                     <a:srgbClr val="000000"/>
                   </a:solidFill>
@@ -1756,7 +1763,7 @@
             </a:ln>
             <a:extLst>
               <a:ext uri="{91240B29-F687-4f45-9708-019B960494DF}">
-                <a14:hiddenLine xmlns:a14="http://schemas.microsoft.com/office/drawing/2010/main" xmlns="" w="9525">
+                <a14:hiddenLine xmlns="" xmlns:a14="http://schemas.microsoft.com/office/drawing/2010/main" w="9525">
                   <a:solidFill>
                     <a:srgbClr val="000000"/>
                   </a:solidFill>
@@ -1846,7 +1853,7 @@
             </a:ln>
             <a:extLst>
               <a:ext uri="{91240B29-F687-4f45-9708-019B960494DF}">
-                <a14:hiddenLine xmlns:a14="http://schemas.microsoft.com/office/drawing/2010/main" xmlns="" w="9525">
+                <a14:hiddenLine xmlns="" xmlns:a14="http://schemas.microsoft.com/office/drawing/2010/main" w="9525">
                   <a:solidFill>
                     <a:srgbClr val="000000"/>
                   </a:solidFill>
@@ -1902,7 +1909,7 @@
             </a:ln>
             <a:extLst>
               <a:ext uri="{91240B29-F687-4f45-9708-019B960494DF}">
-                <a14:hiddenLine xmlns:a14="http://schemas.microsoft.com/office/drawing/2010/main" xmlns="" w="9525">
+                <a14:hiddenLine xmlns="" xmlns:a14="http://schemas.microsoft.com/office/drawing/2010/main" w="9525">
                   <a:solidFill>
                     <a:srgbClr val="000000"/>
                   </a:solidFill>
@@ -1992,7 +1999,7 @@
             </a:ln>
             <a:extLst>
               <a:ext uri="{91240B29-F687-4f45-9708-019B960494DF}">
-                <a14:hiddenLine xmlns:a14="http://schemas.microsoft.com/office/drawing/2010/main" xmlns="" w="9525">
+                <a14:hiddenLine xmlns="" xmlns:a14="http://schemas.microsoft.com/office/drawing/2010/main" w="9525">
                   <a:solidFill>
                     <a:srgbClr val="000000"/>
                   </a:solidFill>
@@ -2060,7 +2067,7 @@
             </a:ln>
             <a:extLst>
               <a:ext uri="{91240B29-F687-4f45-9708-019B960494DF}">
-                <a14:hiddenLine xmlns:a14="http://schemas.microsoft.com/office/drawing/2010/main" xmlns="" w="9525">
+                <a14:hiddenLine xmlns="" xmlns:a14="http://schemas.microsoft.com/office/drawing/2010/main" w="9525">
                   <a:solidFill>
                     <a:srgbClr val="000000"/>
                   </a:solidFill>
@@ -2150,7 +2157,7 @@
             </a:ln>
             <a:extLst>
               <a:ext uri="{91240B29-F687-4f45-9708-019B960494DF}">
-                <a14:hiddenLine xmlns:a14="http://schemas.microsoft.com/office/drawing/2010/main" xmlns="" w="9525">
+                <a14:hiddenLine xmlns="" xmlns:a14="http://schemas.microsoft.com/office/drawing/2010/main" w="9525">
                   <a:solidFill>
                     <a:srgbClr val="000000"/>
                   </a:solidFill>
@@ -2218,7 +2225,7 @@
             </a:ln>
             <a:extLst>
               <a:ext uri="{91240B29-F687-4f45-9708-019B960494DF}">
-                <a14:hiddenLine xmlns:a14="http://schemas.microsoft.com/office/drawing/2010/main" xmlns="" w="9525">
+                <a14:hiddenLine xmlns="" xmlns:a14="http://schemas.microsoft.com/office/drawing/2010/main" w="9525">
                   <a:solidFill>
                     <a:srgbClr val="000000"/>
                   </a:solidFill>
@@ -2308,7 +2315,7 @@
             </a:ln>
             <a:extLst>
               <a:ext uri="{91240B29-F687-4f45-9708-019B960494DF}">
-                <a14:hiddenLine xmlns:a14="http://schemas.microsoft.com/office/drawing/2010/main" xmlns="" w="9525">
+                <a14:hiddenLine xmlns="" xmlns:a14="http://schemas.microsoft.com/office/drawing/2010/main" w="9525">
                   <a:solidFill>
                     <a:srgbClr val="000000"/>
                   </a:solidFill>
@@ -2342,7 +2349,7 @@
             </a:ln>
             <a:extLst>
               <a:ext uri="{91240B29-F687-4f45-9708-019B960494DF}">
-                <a14:hiddenLine xmlns:a14="http://schemas.microsoft.com/office/drawing/2010/main" xmlns="" w="9525">
+                <a14:hiddenLine xmlns="" xmlns:a14="http://schemas.microsoft.com/office/drawing/2010/main" w="9525">
                   <a:solidFill>
                     <a:srgbClr val="000000"/>
                   </a:solidFill>
@@ -2432,7 +2439,7 @@
             </a:ln>
             <a:extLst>
               <a:ext uri="{91240B29-F687-4f45-9708-019B960494DF}">
-                <a14:hiddenLine xmlns:a14="http://schemas.microsoft.com/office/drawing/2010/main" xmlns="" w="9525">
+                <a14:hiddenLine xmlns="" xmlns:a14="http://schemas.microsoft.com/office/drawing/2010/main" w="9525">
                   <a:solidFill>
                     <a:srgbClr val="000000"/>
                   </a:solidFill>
@@ -2494,7 +2501,7 @@
             </a:ln>
             <a:extLst>
               <a:ext uri="{91240B29-F687-4f45-9708-019B960494DF}">
-                <a14:hiddenLine xmlns:a14="http://schemas.microsoft.com/office/drawing/2010/main" xmlns="" w="9525">
+                <a14:hiddenLine xmlns="" xmlns:a14="http://schemas.microsoft.com/office/drawing/2010/main" w="9525">
                   <a:solidFill>
                     <a:srgbClr val="000000"/>
                   </a:solidFill>
@@ -2556,7 +2563,7 @@
             </a:ln>
             <a:extLst>
               <a:ext uri="{91240B29-F687-4f45-9708-019B960494DF}">
-                <a14:hiddenLine xmlns:a14="http://schemas.microsoft.com/office/drawing/2010/main" xmlns="" w="9525">
+                <a14:hiddenLine xmlns="" xmlns:a14="http://schemas.microsoft.com/office/drawing/2010/main" w="9525">
                   <a:solidFill>
                     <a:srgbClr val="000000"/>
                   </a:solidFill>
@@ -2646,7 +2653,7 @@
             </a:ln>
             <a:extLst>
               <a:ext uri="{91240B29-F687-4f45-9708-019B960494DF}">
-                <a14:hiddenLine xmlns:a14="http://schemas.microsoft.com/office/drawing/2010/main" xmlns="" w="9525">
+                <a14:hiddenLine xmlns="" xmlns:a14="http://schemas.microsoft.com/office/drawing/2010/main" w="9525">
                   <a:solidFill>
                     <a:srgbClr val="000000"/>
                   </a:solidFill>
@@ -2714,7 +2721,7 @@
             </a:ln>
             <a:extLst>
               <a:ext uri="{91240B29-F687-4f45-9708-019B960494DF}">
-                <a14:hiddenLine xmlns:a14="http://schemas.microsoft.com/office/drawing/2010/main" xmlns="" w="9525">
+                <a14:hiddenLine xmlns="" xmlns:a14="http://schemas.microsoft.com/office/drawing/2010/main" w="9525">
                   <a:solidFill>
                     <a:srgbClr val="000000"/>
                   </a:solidFill>
@@ -2776,7 +2783,7 @@
             </a:ln>
             <a:extLst>
               <a:ext uri="{91240B29-F687-4f45-9708-019B960494DF}">
-                <a14:hiddenLine xmlns:a14="http://schemas.microsoft.com/office/drawing/2010/main" xmlns="" w="9525">
+                <a14:hiddenLine xmlns="" xmlns:a14="http://schemas.microsoft.com/office/drawing/2010/main" w="9525">
                   <a:solidFill>
                     <a:srgbClr val="000000"/>
                   </a:solidFill>
@@ -2866,7 +2873,7 @@
             </a:ln>
             <a:extLst>
               <a:ext uri="{91240B29-F687-4f45-9708-019B960494DF}">
-                <a14:hiddenLine xmlns:a14="http://schemas.microsoft.com/office/drawing/2010/main" xmlns="" w="9525">
+                <a14:hiddenLine xmlns="" xmlns:a14="http://schemas.microsoft.com/office/drawing/2010/main" w="9525">
                   <a:solidFill>
                     <a:srgbClr val="000000"/>
                   </a:solidFill>
@@ -2928,7 +2935,7 @@
             </a:ln>
             <a:extLst>
               <a:ext uri="{91240B29-F687-4f45-9708-019B960494DF}">
-                <a14:hiddenLine xmlns:a14="http://schemas.microsoft.com/office/drawing/2010/main" xmlns="" w="9525">
+                <a14:hiddenLine xmlns="" xmlns:a14="http://schemas.microsoft.com/office/drawing/2010/main" w="9525">
                   <a:solidFill>
                     <a:srgbClr val="000000"/>
                   </a:solidFill>
@@ -3018,7 +3025,7 @@
             </a:ln>
             <a:extLst>
               <a:ext uri="{91240B29-F687-4f45-9708-019B960494DF}">
-                <a14:hiddenLine xmlns:a14="http://schemas.microsoft.com/office/drawing/2010/main" xmlns="" w="9525">
+                <a14:hiddenLine xmlns="" xmlns:a14="http://schemas.microsoft.com/office/drawing/2010/main" w="9525">
                   <a:solidFill>
                     <a:srgbClr val="000000"/>
                   </a:solidFill>
@@ -3080,7 +3087,7 @@
             </a:ln>
             <a:extLst>
               <a:ext uri="{91240B29-F687-4f45-9708-019B960494DF}">
-                <a14:hiddenLine xmlns:a14="http://schemas.microsoft.com/office/drawing/2010/main" xmlns="" w="9525">
+                <a14:hiddenLine xmlns="" xmlns:a14="http://schemas.microsoft.com/office/drawing/2010/main" w="9525">
                   <a:solidFill>
                     <a:srgbClr val="000000"/>
                   </a:solidFill>
@@ -3170,7 +3177,7 @@
             </a:ln>
             <a:extLst>
               <a:ext uri="{91240B29-F687-4f45-9708-019B960494DF}">
-                <a14:hiddenLine xmlns:a14="http://schemas.microsoft.com/office/drawing/2010/main" xmlns="" w="9525">
+                <a14:hiddenLine xmlns="" xmlns:a14="http://schemas.microsoft.com/office/drawing/2010/main" w="9525">
                   <a:solidFill>
                     <a:srgbClr val="000000"/>
                   </a:solidFill>
@@ -3204,7 +3211,7 @@
             </a:ln>
             <a:extLst>
               <a:ext uri="{91240B29-F687-4f45-9708-019B960494DF}">
-                <a14:hiddenLine xmlns:a14="http://schemas.microsoft.com/office/drawing/2010/main" xmlns="" w="9525">
+                <a14:hiddenLine xmlns="" xmlns:a14="http://schemas.microsoft.com/office/drawing/2010/main" w="9525">
                   <a:solidFill>
                     <a:srgbClr val="000000"/>
                   </a:solidFill>
@@ -3269,7 +3276,7 @@
             </a:ln>
             <a:extLst>
               <a:ext uri="{91240B29-F687-4f45-9708-019B960494DF}">
-                <a14:hiddenLine xmlns:a14="http://schemas.microsoft.com/office/drawing/2010/main" xmlns="" w="9525">
+                <a14:hiddenLine xmlns="" xmlns:a14="http://schemas.microsoft.com/office/drawing/2010/main" w="9525">
                   <a:solidFill>
                     <a:srgbClr val="000000"/>
                   </a:solidFill>
@@ -3359,7 +3366,7 @@
             </a:ln>
             <a:extLst>
               <a:ext uri="{91240B29-F687-4f45-9708-019B960494DF}">
-                <a14:hiddenLine xmlns:a14="http://schemas.microsoft.com/office/drawing/2010/main" xmlns="" w="9525">
+                <a14:hiddenLine xmlns="" xmlns:a14="http://schemas.microsoft.com/office/drawing/2010/main" w="9525">
                   <a:solidFill>
                     <a:srgbClr val="000000"/>
                   </a:solidFill>
@@ -3421,7 +3428,7 @@
             </a:ln>
             <a:extLst>
               <a:ext uri="{91240B29-F687-4f45-9708-019B960494DF}">
-                <a14:hiddenLine xmlns:a14="http://schemas.microsoft.com/office/drawing/2010/main" xmlns="" w="9525">
+                <a14:hiddenLine xmlns="" xmlns:a14="http://schemas.microsoft.com/office/drawing/2010/main" w="9525">
                   <a:solidFill>
                     <a:srgbClr val="000000"/>
                   </a:solidFill>
@@ -3511,7 +3518,7 @@
             </a:ln>
             <a:extLst>
               <a:ext uri="{91240B29-F687-4f45-9708-019B960494DF}">
-                <a14:hiddenLine xmlns:a14="http://schemas.microsoft.com/office/drawing/2010/main" xmlns="" w="9525">
+                <a14:hiddenLine xmlns="" xmlns:a14="http://schemas.microsoft.com/office/drawing/2010/main" w="9525">
                   <a:solidFill>
                     <a:srgbClr val="000000"/>
                   </a:solidFill>
@@ -3601,7 +3608,7 @@
             </a:ln>
             <a:extLst>
               <a:ext uri="{91240B29-F687-4f45-9708-019B960494DF}">
-                <a14:hiddenLine xmlns:a14="http://schemas.microsoft.com/office/drawing/2010/main" xmlns="" w="9525">
+                <a14:hiddenLine xmlns="" xmlns:a14="http://schemas.microsoft.com/office/drawing/2010/main" w="9525">
                   <a:solidFill>
                     <a:srgbClr val="000000"/>
                   </a:solidFill>
@@ -3666,7 +3673,7 @@
             </a:ln>
             <a:extLst>
               <a:ext uri="{91240B29-F687-4f45-9708-019B960494DF}">
-                <a14:hiddenLine xmlns:a14="http://schemas.microsoft.com/office/drawing/2010/main" xmlns="" w="9525">
+                <a14:hiddenLine xmlns="" xmlns:a14="http://schemas.microsoft.com/office/drawing/2010/main" w="9525">
                   <a:solidFill>
                     <a:srgbClr val="000000"/>
                   </a:solidFill>
@@ -3728,7 +3735,7 @@
             </a:ln>
             <a:extLst>
               <a:ext uri="{91240B29-F687-4f45-9708-019B960494DF}">
-                <a14:hiddenLine xmlns:a14="http://schemas.microsoft.com/office/drawing/2010/main" xmlns="" w="9525">
+                <a14:hiddenLine xmlns="" xmlns:a14="http://schemas.microsoft.com/office/drawing/2010/main" w="9525">
                   <a:solidFill>
                     <a:srgbClr val="000000"/>
                   </a:solidFill>
@@ -3818,7 +3825,7 @@
             </a:ln>
             <a:extLst>
               <a:ext uri="{91240B29-F687-4f45-9708-019B960494DF}">
-                <a14:hiddenLine xmlns:a14="http://schemas.microsoft.com/office/drawing/2010/main" xmlns="" w="9525">
+                <a14:hiddenLine xmlns="" xmlns:a14="http://schemas.microsoft.com/office/drawing/2010/main" w="9525">
                   <a:solidFill>
                     <a:srgbClr val="000000"/>
                   </a:solidFill>
@@ -3908,7 +3915,7 @@
             </a:ln>
             <a:extLst>
               <a:ext uri="{91240B29-F687-4f45-9708-019B960494DF}">
-                <a14:hiddenLine xmlns:a14="http://schemas.microsoft.com/office/drawing/2010/main" xmlns="" w="9525">
+                <a14:hiddenLine xmlns="" xmlns:a14="http://schemas.microsoft.com/office/drawing/2010/main" w="9525">
                   <a:solidFill>
                     <a:srgbClr val="000000"/>
                   </a:solidFill>
@@ -3970,7 +3977,7 @@
             </a:ln>
             <a:extLst>
               <a:ext uri="{91240B29-F687-4f45-9708-019B960494DF}">
-                <a14:hiddenLine xmlns:a14="http://schemas.microsoft.com/office/drawing/2010/main" xmlns="" w="9525">
+                <a14:hiddenLine xmlns="" xmlns:a14="http://schemas.microsoft.com/office/drawing/2010/main" w="9525">
                   <a:solidFill>
                     <a:srgbClr val="000000"/>
                   </a:solidFill>
@@ -4090,7 +4097,7 @@
             </a:ln>
             <a:extLst>
               <a:ext uri="{91240B29-F687-4f45-9708-019B960494DF}">
-                <a14:hiddenLine xmlns:a14="http://schemas.microsoft.com/office/drawing/2010/main" xmlns="" w="9525">
+                <a14:hiddenLine xmlns="" xmlns:a14="http://schemas.microsoft.com/office/drawing/2010/main" w="9525">
                   <a:solidFill>
                     <a:srgbClr val="000000"/>
                   </a:solidFill>
@@ -4158,7 +4165,7 @@
             </a:ln>
             <a:extLst>
               <a:ext uri="{91240B29-F687-4f45-9708-019B960494DF}">
-                <a14:hiddenLine xmlns:a14="http://schemas.microsoft.com/office/drawing/2010/main" xmlns="" w="9525">
+                <a14:hiddenLine xmlns="" xmlns:a14="http://schemas.microsoft.com/office/drawing/2010/main" w="9525">
                   <a:solidFill>
                     <a:srgbClr val="000000"/>
                   </a:solidFill>
@@ -4248,7 +4255,7 @@
             </a:ln>
             <a:extLst>
               <a:ext uri="{91240B29-F687-4f45-9708-019B960494DF}">
-                <a14:hiddenLine xmlns:a14="http://schemas.microsoft.com/office/drawing/2010/main" xmlns="" w="9525">
+                <a14:hiddenLine xmlns="" xmlns:a14="http://schemas.microsoft.com/office/drawing/2010/main" w="9525">
                   <a:solidFill>
                     <a:srgbClr val="000000"/>
                   </a:solidFill>
@@ -4388,7 +4395,7 @@
           <a:p>
             <a:fld id="{48A87A34-81AB-432B-8DAE-1953F412C126}" type="datetimeFigureOut">
               <a:rPr lang="en-US" smtClean="0"/>
-              <a:t>3/18/2019</a:t>
+              <a:t>3/31/19</a:t>
             </a:fld>
             <a:endParaRPr lang="en-US" dirty="0"/>
           </a:p>
@@ -4655,7 +4662,7 @@
           <a:p>
             <a:fld id="{48A87A34-81AB-432B-8DAE-1953F412C126}" type="datetimeFigureOut">
               <a:rPr lang="en-US" smtClean="0"/>
-              <a:t>3/18/2019</a:t>
+              <a:t>3/31/19</a:t>
             </a:fld>
             <a:endParaRPr lang="en-US" dirty="0"/>
           </a:p>
@@ -4851,7 +4858,7 @@
           <a:p>
             <a:fld id="{48A87A34-81AB-432B-8DAE-1953F412C126}" type="datetimeFigureOut">
               <a:rPr lang="en-US" smtClean="0"/>
-              <a:t>3/18/2019</a:t>
+              <a:t>3/31/19</a:t>
             </a:fld>
             <a:endParaRPr lang="en-US" dirty="0"/>
           </a:p>
@@ -5114,7 +5121,7 @@
           <a:p>
             <a:fld id="{48A87A34-81AB-432B-8DAE-1953F412C126}" type="datetimeFigureOut">
               <a:rPr lang="en-US" smtClean="0"/>
-              <a:t>3/18/2019</a:t>
+              <a:t>3/31/19</a:t>
             </a:fld>
             <a:endParaRPr lang="en-US" dirty="0"/>
           </a:p>
@@ -5548,7 +5555,7 @@
           <a:p>
             <a:fld id="{48A87A34-81AB-432B-8DAE-1953F412C126}" type="datetimeFigureOut">
               <a:rPr lang="en-US" smtClean="0"/>
-              <a:t>3/18/2019</a:t>
+              <a:t>3/31/19</a:t>
             </a:fld>
             <a:endParaRPr lang="en-US" dirty="0"/>
           </a:p>
@@ -6094,7 +6101,7 @@
           <a:p>
             <a:fld id="{48A87A34-81AB-432B-8DAE-1953F412C126}" type="datetimeFigureOut">
               <a:rPr lang="en-US" smtClean="0"/>
-              <a:t>3/18/2019</a:t>
+              <a:t>3/31/19</a:t>
             </a:fld>
             <a:endParaRPr lang="en-US" dirty="0"/>
           </a:p>
@@ -6814,7 +6821,7 @@
           <a:p>
             <a:fld id="{48A87A34-81AB-432B-8DAE-1953F412C126}" type="datetimeFigureOut">
               <a:rPr lang="en-US" smtClean="0"/>
-              <a:t>3/18/2019</a:t>
+              <a:t>3/31/19</a:t>
             </a:fld>
             <a:endParaRPr lang="en-US" dirty="0"/>
           </a:p>
@@ -6984,7 +6991,7 @@
           <a:p>
             <a:fld id="{48A87A34-81AB-432B-8DAE-1953F412C126}" type="datetimeFigureOut">
               <a:rPr lang="en-US" smtClean="0"/>
-              <a:t>3/18/2019</a:t>
+              <a:t>3/31/19</a:t>
             </a:fld>
             <a:endParaRPr lang="en-US" dirty="0"/>
           </a:p>
@@ -7164,7 +7171,7 @@
           <a:p>
             <a:fld id="{48A87A34-81AB-432B-8DAE-1953F412C126}" type="datetimeFigureOut">
               <a:rPr lang="en-US" smtClean="0"/>
-              <a:t>3/18/2019</a:t>
+              <a:t>3/31/19</a:t>
             </a:fld>
             <a:endParaRPr lang="en-US" dirty="0"/>
           </a:p>
@@ -7334,7 +7341,7 @@
           <a:p>
             <a:fld id="{48A87A34-81AB-432B-8DAE-1953F412C126}" type="datetimeFigureOut">
               <a:rPr lang="en-US" smtClean="0"/>
-              <a:t>3/18/2019</a:t>
+              <a:t>3/31/19</a:t>
             </a:fld>
             <a:endParaRPr lang="en-US" dirty="0"/>
           </a:p>
@@ -7584,7 +7591,7 @@
           <a:p>
             <a:fld id="{48A87A34-81AB-432B-8DAE-1953F412C126}" type="datetimeFigureOut">
               <a:rPr lang="en-US" smtClean="0"/>
-              <a:t>3/18/2019</a:t>
+              <a:t>3/31/19</a:t>
             </a:fld>
             <a:endParaRPr lang="en-US" dirty="0"/>
           </a:p>
@@ -7816,7 +7823,7 @@
           <a:p>
             <a:fld id="{48A87A34-81AB-432B-8DAE-1953F412C126}" type="datetimeFigureOut">
               <a:rPr lang="en-US" smtClean="0"/>
-              <a:t>3/18/2019</a:t>
+              <a:t>3/31/19</a:t>
             </a:fld>
             <a:endParaRPr lang="en-US" dirty="0"/>
           </a:p>
@@ -8197,7 +8204,7 @@
           <a:p>
             <a:fld id="{48A87A34-81AB-432B-8DAE-1953F412C126}" type="datetimeFigureOut">
               <a:rPr lang="en-US" smtClean="0"/>
-              <a:t>3/18/2019</a:t>
+              <a:t>3/31/19</a:t>
             </a:fld>
             <a:endParaRPr lang="en-US" dirty="0"/>
           </a:p>
@@ -8315,7 +8322,7 @@
           <a:p>
             <a:fld id="{48A87A34-81AB-432B-8DAE-1953F412C126}" type="datetimeFigureOut">
               <a:rPr lang="en-US" smtClean="0"/>
-              <a:t>3/18/2019</a:t>
+              <a:t>3/31/19</a:t>
             </a:fld>
             <a:endParaRPr lang="en-US" dirty="0"/>
           </a:p>
@@ -8410,7 +8417,7 @@
           <a:p>
             <a:fld id="{48A87A34-81AB-432B-8DAE-1953F412C126}" type="datetimeFigureOut">
               <a:rPr lang="en-US" smtClean="0"/>
-              <a:t>3/18/2019</a:t>
+              <a:t>3/31/19</a:t>
             </a:fld>
             <a:endParaRPr lang="en-US" dirty="0"/>
           </a:p>
@@ -8659,7 +8666,7 @@
           <a:p>
             <a:fld id="{48A87A34-81AB-432B-8DAE-1953F412C126}" type="datetimeFigureOut">
               <a:rPr lang="en-US" smtClean="0"/>
-              <a:t>3/18/2019</a:t>
+              <a:t>3/31/19</a:t>
             </a:fld>
             <a:endParaRPr lang="en-US" dirty="0"/>
           </a:p>
@@ -8939,7 +8946,7 @@
           <a:p>
             <a:fld id="{48A87A34-81AB-432B-8DAE-1953F412C126}" type="datetimeFigureOut">
               <a:rPr lang="en-US" smtClean="0"/>
-              <a:t>3/18/2019</a:t>
+              <a:t>3/31/19</a:t>
             </a:fld>
             <a:endParaRPr lang="en-US" dirty="0"/>
           </a:p>
@@ -9055,7 +9062,7 @@
           <a:noFill/>
           <a:extLst>
             <a:ext uri="{909E8E84-426E-40dd-AFC4-6F175D3DCCD1}">
-              <a14:hiddenFill xmlns:a14="http://schemas.microsoft.com/office/drawing/2010/main" xmlns="">
+              <a14:hiddenFill xmlns="" xmlns:a14="http://schemas.microsoft.com/office/drawing/2010/main">
                 <a:solidFill>
                   <a:srgbClr val="FFFFFF"/>
                 </a:solidFill>
@@ -9129,7 +9136,7 @@
               </a:ln>
               <a:extLst>
                 <a:ext uri="{91240B29-F687-4f45-9708-019B960494DF}">
-                  <a14:hiddenLine xmlns:a14="http://schemas.microsoft.com/office/drawing/2010/main" xmlns="" w="9525">
+                  <a14:hiddenLine xmlns="" xmlns:a14="http://schemas.microsoft.com/office/drawing/2010/main" w="9525">
                     <a:solidFill>
                       <a:srgbClr val="000000"/>
                     </a:solidFill>
@@ -9219,7 +9226,7 @@
               </a:ln>
               <a:extLst>
                 <a:ext uri="{91240B29-F687-4f45-9708-019B960494DF}">
-                  <a14:hiddenLine xmlns:a14="http://schemas.microsoft.com/office/drawing/2010/main" xmlns="" w="9525">
+                  <a14:hiddenLine xmlns="" xmlns:a14="http://schemas.microsoft.com/office/drawing/2010/main" w="9525">
                     <a:solidFill>
                       <a:srgbClr val="000000"/>
                     </a:solidFill>
@@ -9309,7 +9316,7 @@
               </a:ln>
               <a:extLst>
                 <a:ext uri="{91240B29-F687-4f45-9708-019B960494DF}">
-                  <a14:hiddenLine xmlns:a14="http://schemas.microsoft.com/office/drawing/2010/main" xmlns="" w="9525">
+                  <a14:hiddenLine xmlns="" xmlns:a14="http://schemas.microsoft.com/office/drawing/2010/main" w="9525">
                     <a:solidFill>
                       <a:srgbClr val="000000"/>
                     </a:solidFill>
@@ -9371,7 +9378,7 @@
               </a:ln>
               <a:extLst>
                 <a:ext uri="{91240B29-F687-4f45-9708-019B960494DF}">
-                  <a14:hiddenLine xmlns:a14="http://schemas.microsoft.com/office/drawing/2010/main" xmlns="" w="9525">
+                  <a14:hiddenLine xmlns="" xmlns:a14="http://schemas.microsoft.com/office/drawing/2010/main" w="9525">
                     <a:solidFill>
                       <a:srgbClr val="000000"/>
                     </a:solidFill>
@@ -9461,7 +9468,7 @@
               </a:ln>
               <a:extLst>
                 <a:ext uri="{91240B29-F687-4f45-9708-019B960494DF}">
-                  <a14:hiddenLine xmlns:a14="http://schemas.microsoft.com/office/drawing/2010/main" xmlns="" w="9525">
+                  <a14:hiddenLine xmlns="" xmlns:a14="http://schemas.microsoft.com/office/drawing/2010/main" w="9525">
                     <a:solidFill>
                       <a:srgbClr val="000000"/>
                     </a:solidFill>
@@ -9523,7 +9530,7 @@
               </a:ln>
               <a:extLst>
                 <a:ext uri="{91240B29-F687-4f45-9708-019B960494DF}">
-                  <a14:hiddenLine xmlns:a14="http://schemas.microsoft.com/office/drawing/2010/main" xmlns="" w="9525">
+                  <a14:hiddenLine xmlns="" xmlns:a14="http://schemas.microsoft.com/office/drawing/2010/main" w="9525">
                     <a:solidFill>
                       <a:srgbClr val="000000"/>
                     </a:solidFill>
@@ -9585,7 +9592,7 @@
               </a:ln>
               <a:extLst>
                 <a:ext uri="{91240B29-F687-4f45-9708-019B960494DF}">
-                  <a14:hiddenLine xmlns:a14="http://schemas.microsoft.com/office/drawing/2010/main" xmlns="" w="9525">
+                  <a14:hiddenLine xmlns="" xmlns:a14="http://schemas.microsoft.com/office/drawing/2010/main" w="9525">
                     <a:solidFill>
                       <a:srgbClr val="000000"/>
                     </a:solidFill>
@@ -9675,7 +9682,7 @@
               </a:ln>
               <a:extLst>
                 <a:ext uri="{91240B29-F687-4f45-9708-019B960494DF}">
-                  <a14:hiddenLine xmlns:a14="http://schemas.microsoft.com/office/drawing/2010/main" xmlns="" w="9525">
+                  <a14:hiddenLine xmlns="" xmlns:a14="http://schemas.microsoft.com/office/drawing/2010/main" w="9525">
                     <a:solidFill>
                       <a:srgbClr val="000000"/>
                     </a:solidFill>
@@ -9765,7 +9772,7 @@
               </a:ln>
               <a:extLst>
                 <a:ext uri="{91240B29-F687-4f45-9708-019B960494DF}">
-                  <a14:hiddenLine xmlns:a14="http://schemas.microsoft.com/office/drawing/2010/main" xmlns="" w="9525">
+                  <a14:hiddenLine xmlns="" xmlns:a14="http://schemas.microsoft.com/office/drawing/2010/main" w="9525">
                     <a:solidFill>
                       <a:srgbClr val="000000"/>
                     </a:solidFill>
@@ -9827,7 +9834,7 @@
               </a:ln>
               <a:extLst>
                 <a:ext uri="{91240B29-F687-4f45-9708-019B960494DF}">
-                  <a14:hiddenLine xmlns:a14="http://schemas.microsoft.com/office/drawing/2010/main" xmlns="" w="9525">
+                  <a14:hiddenLine xmlns="" xmlns:a14="http://schemas.microsoft.com/office/drawing/2010/main" w="9525">
                     <a:solidFill>
                       <a:srgbClr val="000000"/>
                     </a:solidFill>
@@ -9937,7 +9944,7 @@
               </a:ln>
               <a:extLst>
                 <a:ext uri="{91240B29-F687-4f45-9708-019B960494DF}">
-                  <a14:hiddenLine xmlns:a14="http://schemas.microsoft.com/office/drawing/2010/main" xmlns="" w="9525">
+                  <a14:hiddenLine xmlns="" xmlns:a14="http://schemas.microsoft.com/office/drawing/2010/main" w="9525">
                     <a:solidFill>
                       <a:srgbClr val="000000"/>
                     </a:solidFill>
@@ -10021,7 +10028,7 @@
               </a:ln>
               <a:extLst>
                 <a:ext uri="{91240B29-F687-4f45-9708-019B960494DF}">
-                  <a14:hiddenLine xmlns:a14="http://schemas.microsoft.com/office/drawing/2010/main" xmlns="" w="9525">
+                  <a14:hiddenLine xmlns="" xmlns:a14="http://schemas.microsoft.com/office/drawing/2010/main" w="9525">
                     <a:solidFill>
                       <a:srgbClr val="000000"/>
                     </a:solidFill>
@@ -10083,7 +10090,7 @@
               </a:ln>
               <a:extLst>
                 <a:ext uri="{91240B29-F687-4f45-9708-019B960494DF}">
-                  <a14:hiddenLine xmlns:a14="http://schemas.microsoft.com/office/drawing/2010/main" xmlns="" w="9525">
+                  <a14:hiddenLine xmlns="" xmlns:a14="http://schemas.microsoft.com/office/drawing/2010/main" w="9525">
                     <a:solidFill>
                       <a:srgbClr val="000000"/>
                     </a:solidFill>
@@ -10145,7 +10152,7 @@
               </a:ln>
               <a:extLst>
                 <a:ext uri="{91240B29-F687-4f45-9708-019B960494DF}">
-                  <a14:hiddenLine xmlns:a14="http://schemas.microsoft.com/office/drawing/2010/main" xmlns="" w="9525">
+                  <a14:hiddenLine xmlns="" xmlns:a14="http://schemas.microsoft.com/office/drawing/2010/main" w="9525">
                     <a:solidFill>
                       <a:srgbClr val="000000"/>
                     </a:solidFill>
@@ -10235,7 +10242,7 @@
               </a:ln>
               <a:extLst>
                 <a:ext uri="{91240B29-F687-4f45-9708-019B960494DF}">
-                  <a14:hiddenLine xmlns:a14="http://schemas.microsoft.com/office/drawing/2010/main" xmlns="" w="9525">
+                  <a14:hiddenLine xmlns="" xmlns:a14="http://schemas.microsoft.com/office/drawing/2010/main" w="9525">
                     <a:solidFill>
                       <a:srgbClr val="000000"/>
                     </a:solidFill>
@@ -10269,7 +10276,7 @@
               </a:ln>
               <a:extLst>
                 <a:ext uri="{91240B29-F687-4f45-9708-019B960494DF}">
-                  <a14:hiddenLine xmlns:a14="http://schemas.microsoft.com/office/drawing/2010/main" xmlns="" w="9525">
+                  <a14:hiddenLine xmlns="" xmlns:a14="http://schemas.microsoft.com/office/drawing/2010/main" w="9525">
                     <a:solidFill>
                       <a:srgbClr val="000000"/>
                     </a:solidFill>
@@ -10334,7 +10341,7 @@
               </a:ln>
               <a:extLst>
                 <a:ext uri="{91240B29-F687-4f45-9708-019B960494DF}">
-                  <a14:hiddenLine xmlns:a14="http://schemas.microsoft.com/office/drawing/2010/main" xmlns="" w="9525">
+                  <a14:hiddenLine xmlns="" xmlns:a14="http://schemas.microsoft.com/office/drawing/2010/main" w="9525">
                     <a:solidFill>
                       <a:srgbClr val="000000"/>
                     </a:solidFill>
@@ -10424,7 +10431,7 @@
               </a:ln>
               <a:extLst>
                 <a:ext uri="{91240B29-F687-4f45-9708-019B960494DF}">
-                  <a14:hiddenLine xmlns:a14="http://schemas.microsoft.com/office/drawing/2010/main" xmlns="" w="9525">
+                  <a14:hiddenLine xmlns="" xmlns:a14="http://schemas.microsoft.com/office/drawing/2010/main" w="9525">
                     <a:solidFill>
                       <a:srgbClr val="000000"/>
                     </a:solidFill>
@@ -10486,7 +10493,7 @@
               </a:ln>
               <a:extLst>
                 <a:ext uri="{91240B29-F687-4f45-9708-019B960494DF}">
-                  <a14:hiddenLine xmlns:a14="http://schemas.microsoft.com/office/drawing/2010/main" xmlns="" w="9525">
+                  <a14:hiddenLine xmlns="" xmlns:a14="http://schemas.microsoft.com/office/drawing/2010/main" w="9525">
                     <a:solidFill>
                       <a:srgbClr val="000000"/>
                     </a:solidFill>
@@ -10576,7 +10583,7 @@
               </a:ln>
               <a:extLst>
                 <a:ext uri="{91240B29-F687-4f45-9708-019B960494DF}">
-                  <a14:hiddenLine xmlns:a14="http://schemas.microsoft.com/office/drawing/2010/main" xmlns="" w="9525">
+                  <a14:hiddenLine xmlns="" xmlns:a14="http://schemas.microsoft.com/office/drawing/2010/main" w="9525">
                     <a:solidFill>
                       <a:srgbClr val="000000"/>
                     </a:solidFill>
@@ -10641,7 +10648,7 @@
               </a:ln>
               <a:extLst>
                 <a:ext uri="{91240B29-F687-4f45-9708-019B960494DF}">
-                  <a14:hiddenLine xmlns:a14="http://schemas.microsoft.com/office/drawing/2010/main" xmlns="" w="9525">
+                  <a14:hiddenLine xmlns="" xmlns:a14="http://schemas.microsoft.com/office/drawing/2010/main" w="9525">
                     <a:solidFill>
                       <a:srgbClr val="000000"/>
                     </a:solidFill>
@@ -10703,7 +10710,7 @@
               </a:ln>
               <a:extLst>
                 <a:ext uri="{91240B29-F687-4f45-9708-019B960494DF}">
-                  <a14:hiddenLine xmlns:a14="http://schemas.microsoft.com/office/drawing/2010/main" xmlns="" w="9525">
+                  <a14:hiddenLine xmlns="" xmlns:a14="http://schemas.microsoft.com/office/drawing/2010/main" w="9525">
                     <a:solidFill>
                       <a:srgbClr val="000000"/>
                     </a:solidFill>
@@ -10793,7 +10800,7 @@
               </a:ln>
               <a:extLst>
                 <a:ext uri="{91240B29-F687-4f45-9708-019B960494DF}">
-                  <a14:hiddenLine xmlns:a14="http://schemas.microsoft.com/office/drawing/2010/main" xmlns="" w="9525">
+                  <a14:hiddenLine xmlns="" xmlns:a14="http://schemas.microsoft.com/office/drawing/2010/main" w="9525">
                     <a:solidFill>
                       <a:srgbClr val="000000"/>
                     </a:solidFill>
@@ -10883,7 +10890,7 @@
               </a:ln>
               <a:extLst>
                 <a:ext uri="{91240B29-F687-4f45-9708-019B960494DF}">
-                  <a14:hiddenLine xmlns:a14="http://schemas.microsoft.com/office/drawing/2010/main" xmlns="" w="9525">
+                  <a14:hiddenLine xmlns="" xmlns:a14="http://schemas.microsoft.com/office/drawing/2010/main" w="9525">
                     <a:solidFill>
                       <a:srgbClr val="000000"/>
                     </a:solidFill>
@@ -10948,7 +10955,7 @@
               </a:ln>
               <a:extLst>
                 <a:ext uri="{91240B29-F687-4f45-9708-019B960494DF}">
-                  <a14:hiddenLine xmlns:a14="http://schemas.microsoft.com/office/drawing/2010/main" xmlns="" w="9525">
+                  <a14:hiddenLine xmlns="" xmlns:a14="http://schemas.microsoft.com/office/drawing/2010/main" w="9525">
                     <a:solidFill>
                       <a:srgbClr val="000000"/>
                     </a:solidFill>
@@ -11068,7 +11075,7 @@
               </a:ln>
               <a:extLst>
                 <a:ext uri="{91240B29-F687-4f45-9708-019B960494DF}">
-                  <a14:hiddenLine xmlns:a14="http://schemas.microsoft.com/office/drawing/2010/main" xmlns="" w="9525">
+                  <a14:hiddenLine xmlns="" xmlns:a14="http://schemas.microsoft.com/office/drawing/2010/main" w="9525">
                     <a:solidFill>
                       <a:srgbClr val="000000"/>
                     </a:solidFill>
@@ -11166,7 +11173,7 @@
               </a:ln>
               <a:extLst>
                 <a:ext uri="{91240B29-F687-4f45-9708-019B960494DF}">
-                  <a14:hiddenLine xmlns:a14="http://schemas.microsoft.com/office/drawing/2010/main" xmlns="" w="9525">
+                  <a14:hiddenLine xmlns="" xmlns:a14="http://schemas.microsoft.com/office/drawing/2010/main" w="9525">
                     <a:solidFill>
                       <a:srgbClr val="000000"/>
                     </a:solidFill>
@@ -11281,7 +11288,7 @@
               </a:ln>
               <a:extLst>
                 <a:ext uri="{91240B29-F687-4f45-9708-019B960494DF}">
-                  <a14:hiddenLine xmlns:a14="http://schemas.microsoft.com/office/drawing/2010/main" xmlns="" w="9525">
+                  <a14:hiddenLine xmlns="" xmlns:a14="http://schemas.microsoft.com/office/drawing/2010/main" w="9525">
                     <a:solidFill>
                       <a:srgbClr val="000000"/>
                     </a:solidFill>
@@ -11371,7 +11378,7 @@
               </a:ln>
               <a:extLst>
                 <a:ext uri="{91240B29-F687-4f45-9708-019B960494DF}">
-                  <a14:hiddenLine xmlns:a14="http://schemas.microsoft.com/office/drawing/2010/main" xmlns="" w="9525">
+                  <a14:hiddenLine xmlns="" xmlns:a14="http://schemas.microsoft.com/office/drawing/2010/main" w="9525">
                     <a:solidFill>
                       <a:srgbClr val="000000"/>
                     </a:solidFill>
@@ -11436,7 +11443,7 @@
               </a:ln>
               <a:extLst>
                 <a:ext uri="{91240B29-F687-4f45-9708-019B960494DF}">
-                  <a14:hiddenLine xmlns:a14="http://schemas.microsoft.com/office/drawing/2010/main" xmlns="" w="9525">
+                  <a14:hiddenLine xmlns="" xmlns:a14="http://schemas.microsoft.com/office/drawing/2010/main" w="9525">
                     <a:solidFill>
                       <a:srgbClr val="000000"/>
                     </a:solidFill>
@@ -11526,7 +11533,7 @@
               </a:ln>
               <a:extLst>
                 <a:ext uri="{91240B29-F687-4f45-9708-019B960494DF}">
-                  <a14:hiddenLine xmlns:a14="http://schemas.microsoft.com/office/drawing/2010/main" xmlns="" w="9525">
+                  <a14:hiddenLine xmlns="" xmlns:a14="http://schemas.microsoft.com/office/drawing/2010/main" w="9525">
                     <a:solidFill>
                       <a:srgbClr val="000000"/>
                     </a:solidFill>
@@ -11594,7 +11601,7 @@
               </a:ln>
               <a:extLst>
                 <a:ext uri="{91240B29-F687-4f45-9708-019B960494DF}">
-                  <a14:hiddenLine xmlns:a14="http://schemas.microsoft.com/office/drawing/2010/main" xmlns="" w="9525">
+                  <a14:hiddenLine xmlns="" xmlns:a14="http://schemas.microsoft.com/office/drawing/2010/main" w="9525">
                     <a:solidFill>
                       <a:srgbClr val="000000"/>
                     </a:solidFill>
@@ -11684,7 +11691,7 @@
               </a:ln>
               <a:extLst>
                 <a:ext uri="{91240B29-F687-4f45-9708-019B960494DF}">
-                  <a14:hiddenLine xmlns:a14="http://schemas.microsoft.com/office/drawing/2010/main" xmlns="" w="9525">
+                  <a14:hiddenLine xmlns="" xmlns:a14="http://schemas.microsoft.com/office/drawing/2010/main" w="9525">
                     <a:solidFill>
                       <a:srgbClr val="000000"/>
                     </a:solidFill>
@@ -11752,7 +11759,7 @@
               </a:ln>
               <a:extLst>
                 <a:ext uri="{91240B29-F687-4f45-9708-019B960494DF}">
-                  <a14:hiddenLine xmlns:a14="http://schemas.microsoft.com/office/drawing/2010/main" xmlns="" w="9525">
+                  <a14:hiddenLine xmlns="" xmlns:a14="http://schemas.microsoft.com/office/drawing/2010/main" w="9525">
                     <a:solidFill>
                       <a:srgbClr val="000000"/>
                     </a:solidFill>
@@ -11842,7 +11849,7 @@
               </a:ln>
               <a:extLst>
                 <a:ext uri="{91240B29-F687-4f45-9708-019B960494DF}">
-                  <a14:hiddenLine xmlns:a14="http://schemas.microsoft.com/office/drawing/2010/main" xmlns="" w="9525">
+                  <a14:hiddenLine xmlns="" xmlns:a14="http://schemas.microsoft.com/office/drawing/2010/main" w="9525">
                     <a:solidFill>
                       <a:srgbClr val="000000"/>
                     </a:solidFill>
@@ -11876,7 +11883,7 @@
               </a:ln>
               <a:extLst>
                 <a:ext uri="{91240B29-F687-4f45-9708-019B960494DF}">
-                  <a14:hiddenLine xmlns:a14="http://schemas.microsoft.com/office/drawing/2010/main" xmlns="" w="9525">
+                  <a14:hiddenLine xmlns="" xmlns:a14="http://schemas.microsoft.com/office/drawing/2010/main" w="9525">
                     <a:solidFill>
                       <a:srgbClr val="000000"/>
                     </a:solidFill>
@@ -12017,7 +12024,7 @@
             <a:fld id="{48A87A34-81AB-432B-8DAE-1953F412C126}" type="datetimeFigureOut">
               <a:rPr lang="en-US" smtClean="0"/>
               <a:pPr/>
-              <a:t>3/18/2019</a:t>
+              <a:t>3/31/19</a:t>
             </a:fld>
             <a:endParaRPr lang="en-US" dirty="0"/>
           </a:p>
@@ -12805,6 +12812,708 @@
       </p:grpSpPr>
       <p:sp>
         <p:nvSpPr>
+          <p:cNvPr id="5" name="TextBox 4">
+            <a:extLst>
+              <a:ext uri="{FF2B5EF4-FFF2-40B4-BE49-F238E27FC236}">
+                <a16:creationId xmlns:a16="http://schemas.microsoft.com/office/drawing/2014/main" id="{A4DCDF8D-7785-F245-BA83-13B4E82F6E6A}"/>
+              </a:ext>
+            </a:extLst>
+          </p:cNvPr>
+          <p:cNvSpPr txBox="1"/>
+          <p:nvPr/>
+        </p:nvSpPr>
+        <p:spPr>
+          <a:xfrm>
+            <a:off x="543338" y="2001078"/>
+            <a:ext cx="11290853" cy="492443"/>
+          </a:xfrm>
+          <a:prstGeom prst="rect">
+            <a:avLst/>
+          </a:prstGeom>
+          <a:noFill/>
+        </p:spPr>
+        <p:txBody>
+          <a:bodyPr wrap="square" rtlCol="0">
+            <a:spAutoFit/>
+          </a:bodyPr>
+          <a:lstStyle/>
+          <a:p>
+            <a:r>
+              <a:rPr lang="en-US" sz="2600" dirty="0"/>
+              <a:t>Classes: 0=Angry, 1=Disgust, 2=Fear, 3=Happy, 4=Sad, 5=Surprise, 6=Neutral</a:t>
+            </a:r>
+          </a:p>
+        </p:txBody>
+      </p:sp>
+      <p:pic>
+        <p:nvPicPr>
+          <p:cNvPr id="6" name="Picture 5">
+            <a:extLst>
+              <a:ext uri="{FF2B5EF4-FFF2-40B4-BE49-F238E27FC236}">
+                <a16:creationId xmlns:a16="http://schemas.microsoft.com/office/drawing/2014/main" id="{241E2366-F09A-FE45-A8BB-C6D157765E3B}"/>
+              </a:ext>
+            </a:extLst>
+          </p:cNvPr>
+          <p:cNvPicPr>
+            <a:picLocks noChangeAspect="1"/>
+          </p:cNvPicPr>
+          <p:nvPr/>
+        </p:nvPicPr>
+        <p:blipFill>
+          <a:blip r:embed="rId2"/>
+          <a:stretch>
+            <a:fillRect/>
+          </a:stretch>
+        </p:blipFill>
+        <p:spPr>
+          <a:xfrm>
+            <a:off x="951086" y="2658116"/>
+            <a:ext cx="1898294" cy="1891748"/>
+          </a:xfrm>
+          <a:prstGeom prst="rect">
+            <a:avLst/>
+          </a:prstGeom>
+        </p:spPr>
+      </p:pic>
+      <p:pic>
+        <p:nvPicPr>
+          <p:cNvPr id="8" name="Picture 7">
+            <a:extLst>
+              <a:ext uri="{FF2B5EF4-FFF2-40B4-BE49-F238E27FC236}">
+                <a16:creationId xmlns:a16="http://schemas.microsoft.com/office/drawing/2014/main" id="{7FBD65BA-5874-A946-973E-C3283D31A024}"/>
+              </a:ext>
+            </a:extLst>
+          </p:cNvPr>
+          <p:cNvPicPr>
+            <a:picLocks noChangeAspect="1"/>
+          </p:cNvPicPr>
+          <p:nvPr/>
+        </p:nvPicPr>
+        <p:blipFill>
+          <a:blip r:embed="rId3"/>
+          <a:stretch>
+            <a:fillRect/>
+          </a:stretch>
+        </p:blipFill>
+        <p:spPr>
+          <a:xfrm>
+            <a:off x="5132971" y="2663689"/>
+            <a:ext cx="1898294" cy="1891748"/>
+          </a:xfrm>
+          <a:prstGeom prst="rect">
+            <a:avLst/>
+          </a:prstGeom>
+        </p:spPr>
+      </p:pic>
+      <p:pic>
+        <p:nvPicPr>
+          <p:cNvPr id="9" name="Picture 8">
+            <a:extLst>
+              <a:ext uri="{FF2B5EF4-FFF2-40B4-BE49-F238E27FC236}">
+                <a16:creationId xmlns:a16="http://schemas.microsoft.com/office/drawing/2014/main" id="{CB8BC27D-9977-5144-9E08-AF02E35AF7A9}"/>
+              </a:ext>
+            </a:extLst>
+          </p:cNvPr>
+          <p:cNvPicPr>
+            <a:picLocks noChangeAspect="1"/>
+          </p:cNvPicPr>
+          <p:nvPr/>
+        </p:nvPicPr>
+        <p:blipFill>
+          <a:blip r:embed="rId4"/>
+          <a:stretch>
+            <a:fillRect/>
+          </a:stretch>
+        </p:blipFill>
+        <p:spPr>
+          <a:xfrm>
+            <a:off x="7172797" y="2658116"/>
+            <a:ext cx="1898294" cy="1891748"/>
+          </a:xfrm>
+          <a:prstGeom prst="rect">
+            <a:avLst/>
+          </a:prstGeom>
+        </p:spPr>
+      </p:pic>
+      <p:pic>
+        <p:nvPicPr>
+          <p:cNvPr id="10" name="Picture 9">
+            <a:extLst>
+              <a:ext uri="{FF2B5EF4-FFF2-40B4-BE49-F238E27FC236}">
+                <a16:creationId xmlns:a16="http://schemas.microsoft.com/office/drawing/2014/main" id="{08F33DA0-A051-4F44-8916-AD5DC0475633}"/>
+              </a:ext>
+            </a:extLst>
+          </p:cNvPr>
+          <p:cNvPicPr>
+            <a:picLocks noChangeAspect="1"/>
+          </p:cNvPicPr>
+          <p:nvPr/>
+        </p:nvPicPr>
+        <p:blipFill>
+          <a:blip r:embed="rId5"/>
+          <a:stretch>
+            <a:fillRect/>
+          </a:stretch>
+        </p:blipFill>
+        <p:spPr>
+          <a:xfrm>
+            <a:off x="9212623" y="2676488"/>
+            <a:ext cx="1898294" cy="1891748"/>
+          </a:xfrm>
+          <a:prstGeom prst="rect">
+            <a:avLst/>
+          </a:prstGeom>
+        </p:spPr>
+      </p:pic>
+      <p:pic>
+        <p:nvPicPr>
+          <p:cNvPr id="11" name="Picture 10">
+            <a:extLst>
+              <a:ext uri="{FF2B5EF4-FFF2-40B4-BE49-F238E27FC236}">
+                <a16:creationId xmlns:a16="http://schemas.microsoft.com/office/drawing/2014/main" id="{426C6092-B2DC-044B-9E5F-34CAFCF0E173}"/>
+              </a:ext>
+            </a:extLst>
+          </p:cNvPr>
+          <p:cNvPicPr>
+            <a:picLocks noChangeAspect="1"/>
+          </p:cNvPicPr>
+          <p:nvPr/>
+        </p:nvPicPr>
+        <p:blipFill>
+          <a:blip r:embed="rId6"/>
+          <a:stretch>
+            <a:fillRect/>
+          </a:stretch>
+        </p:blipFill>
+        <p:spPr>
+          <a:xfrm>
+            <a:off x="3622688" y="4714460"/>
+            <a:ext cx="1898295" cy="1891749"/>
+          </a:xfrm>
+          <a:prstGeom prst="rect">
+            <a:avLst/>
+          </a:prstGeom>
+        </p:spPr>
+      </p:pic>
+      <p:pic>
+        <p:nvPicPr>
+          <p:cNvPr id="12" name="Picture 11">
+            <a:extLst>
+              <a:ext uri="{FF2B5EF4-FFF2-40B4-BE49-F238E27FC236}">
+                <a16:creationId xmlns:a16="http://schemas.microsoft.com/office/drawing/2014/main" id="{EB377905-4BC6-124F-906F-B0FF5BF986EC}"/>
+              </a:ext>
+            </a:extLst>
+          </p:cNvPr>
+          <p:cNvPicPr>
+            <a:picLocks noChangeAspect="1"/>
+          </p:cNvPicPr>
+          <p:nvPr/>
+        </p:nvPicPr>
+        <p:blipFill>
+          <a:blip r:embed="rId7"/>
+          <a:stretch>
+            <a:fillRect/>
+          </a:stretch>
+        </p:blipFill>
+        <p:spPr>
+          <a:xfrm>
+            <a:off x="5721871" y="4714460"/>
+            <a:ext cx="1898295" cy="1891749"/>
+          </a:xfrm>
+          <a:prstGeom prst="rect">
+            <a:avLst/>
+          </a:prstGeom>
+        </p:spPr>
+      </p:pic>
+      <p:pic>
+        <p:nvPicPr>
+          <p:cNvPr id="13" name="Picture 12">
+            <a:extLst>
+              <a:ext uri="{FF2B5EF4-FFF2-40B4-BE49-F238E27FC236}">
+                <a16:creationId xmlns:a16="http://schemas.microsoft.com/office/drawing/2014/main" id="{2E9BD830-194C-974F-8FAA-DD760FF040B5}"/>
+              </a:ext>
+            </a:extLst>
+          </p:cNvPr>
+          <p:cNvPicPr>
+            <a:picLocks noChangeAspect="1"/>
+          </p:cNvPicPr>
+          <p:nvPr/>
+        </p:nvPicPr>
+        <p:blipFill>
+          <a:blip r:embed="rId8"/>
+          <a:stretch>
+            <a:fillRect/>
+          </a:stretch>
+        </p:blipFill>
+        <p:spPr>
+          <a:xfrm>
+            <a:off x="3042028" y="2671517"/>
+            <a:ext cx="1898295" cy="1891749"/>
+          </a:xfrm>
+          <a:prstGeom prst="rect">
+            <a:avLst/>
+          </a:prstGeom>
+        </p:spPr>
+      </p:pic>
+    </p:spTree>
+    <p:extLst>
+      <p:ext uri="{BB962C8B-B14F-4D97-AF65-F5344CB8AC3E}">
+        <p14:creationId xmlns:p14="http://schemas.microsoft.com/office/powerpoint/2010/main" val="2764635835"/>
+      </p:ext>
+    </p:extLst>
+  </p:cSld>
+  <p:clrMapOvr>
+    <a:masterClrMapping/>
+  </p:clrMapOvr>
+</p:sld>
+</file>
+
+<file path=ppt/slides/slide4.xml><?xml version="1.0" encoding="utf-8"?>
+<p:sld xmlns:a="http://schemas.openxmlformats.org/drawingml/2006/main" xmlns:r="http://schemas.openxmlformats.org/officeDocument/2006/relationships" xmlns:p="http://schemas.openxmlformats.org/presentationml/2006/main">
+  <p:cSld>
+    <p:spTree>
+      <p:nvGrpSpPr>
+        <p:cNvPr id="1" name=""/>
+        <p:cNvGrpSpPr/>
+        <p:nvPr/>
+      </p:nvGrpSpPr>
+      <p:grpSpPr>
+        <a:xfrm>
+          <a:off x="0" y="0"/>
+          <a:ext cx="0" cy="0"/>
+          <a:chOff x="0" y="0"/>
+          <a:chExt cx="0" cy="0"/>
+        </a:xfrm>
+      </p:grpSpPr>
+      <p:pic>
+        <p:nvPicPr>
+          <p:cNvPr id="6" name="Picture 5">
+            <a:extLst>
+              <a:ext uri="{FF2B5EF4-FFF2-40B4-BE49-F238E27FC236}">
+                <a16:creationId xmlns:a16="http://schemas.microsoft.com/office/drawing/2014/main" id="{5D56938D-3BE8-CE48-AA21-BE82D471014E}"/>
+              </a:ext>
+            </a:extLst>
+          </p:cNvPr>
+          <p:cNvPicPr>
+            <a:picLocks noChangeAspect="1"/>
+          </p:cNvPicPr>
+          <p:nvPr/>
+        </p:nvPicPr>
+        <p:blipFill>
+          <a:blip r:embed="rId2"/>
+          <a:stretch>
+            <a:fillRect/>
+          </a:stretch>
+        </p:blipFill>
+        <p:spPr>
+          <a:xfrm>
+            <a:off x="622852" y="2249557"/>
+            <a:ext cx="1860550" cy="1879600"/>
+          </a:xfrm>
+          <a:prstGeom prst="rect">
+            <a:avLst/>
+          </a:prstGeom>
+        </p:spPr>
+      </p:pic>
+      <p:sp>
+        <p:nvSpPr>
+          <p:cNvPr id="7" name="TextBox 6">
+            <a:extLst>
+              <a:ext uri="{FF2B5EF4-FFF2-40B4-BE49-F238E27FC236}">
+                <a16:creationId xmlns:a16="http://schemas.microsoft.com/office/drawing/2014/main" id="{D915B283-25CC-1646-BC03-AAA3C5A9F1CF}"/>
+              </a:ext>
+            </a:extLst>
+          </p:cNvPr>
+          <p:cNvSpPr txBox="1"/>
+          <p:nvPr/>
+        </p:nvSpPr>
+        <p:spPr>
+          <a:xfrm>
+            <a:off x="1289272" y="1294369"/>
+            <a:ext cx="643125" cy="461665"/>
+          </a:xfrm>
+          <a:prstGeom prst="rect">
+            <a:avLst/>
+          </a:prstGeom>
+          <a:noFill/>
+        </p:spPr>
+        <p:txBody>
+          <a:bodyPr wrap="none" rtlCol="0">
+            <a:spAutoFit/>
+          </a:bodyPr>
+          <a:lstStyle/>
+          <a:p>
+            <a:r>
+              <a:rPr lang="en-US" sz="2400" dirty="0"/>
+              <a:t>Left</a:t>
+            </a:r>
+          </a:p>
+        </p:txBody>
+      </p:sp>
+      <p:sp>
+        <p:nvSpPr>
+          <p:cNvPr id="8" name="TextBox 7">
+            <a:extLst>
+              <a:ext uri="{FF2B5EF4-FFF2-40B4-BE49-F238E27FC236}">
+                <a16:creationId xmlns:a16="http://schemas.microsoft.com/office/drawing/2014/main" id="{77363FA3-080C-7D46-AEA8-CC10D34C1207}"/>
+              </a:ext>
+            </a:extLst>
+          </p:cNvPr>
+          <p:cNvSpPr txBox="1"/>
+          <p:nvPr/>
+        </p:nvSpPr>
+        <p:spPr>
+          <a:xfrm>
+            <a:off x="1232366" y="5300870"/>
+            <a:ext cx="793807" cy="461665"/>
+          </a:xfrm>
+          <a:prstGeom prst="rect">
+            <a:avLst/>
+          </a:prstGeom>
+          <a:noFill/>
+        </p:spPr>
+        <p:txBody>
+          <a:bodyPr wrap="none" rtlCol="0">
+            <a:spAutoFit/>
+          </a:bodyPr>
+          <a:lstStyle/>
+          <a:p>
+            <a:r>
+              <a:rPr lang="en-US" sz="2400" dirty="0"/>
+              <a:t>Right</a:t>
+            </a:r>
+          </a:p>
+        </p:txBody>
+      </p:sp>
+      <p:pic>
+        <p:nvPicPr>
+          <p:cNvPr id="9" name="Picture 8">
+            <a:extLst>
+              <a:ext uri="{FF2B5EF4-FFF2-40B4-BE49-F238E27FC236}">
+                <a16:creationId xmlns:a16="http://schemas.microsoft.com/office/drawing/2014/main" id="{FF582211-B22A-104F-8420-2A250CBCAA9E}"/>
+              </a:ext>
+            </a:extLst>
+          </p:cNvPr>
+          <p:cNvPicPr>
+            <a:picLocks noChangeAspect="1"/>
+          </p:cNvPicPr>
+          <p:nvPr/>
+        </p:nvPicPr>
+        <p:blipFill>
+          <a:blip r:embed="rId3"/>
+          <a:stretch>
+            <a:fillRect/>
+          </a:stretch>
+        </p:blipFill>
+        <p:spPr>
+          <a:xfrm>
+            <a:off x="3366052" y="764064"/>
+            <a:ext cx="1953316" cy="1973315"/>
+          </a:xfrm>
+          <a:prstGeom prst="rect">
+            <a:avLst/>
+          </a:prstGeom>
+        </p:spPr>
+      </p:pic>
+      <p:pic>
+        <p:nvPicPr>
+          <p:cNvPr id="10" name="Picture 9">
+            <a:extLst>
+              <a:ext uri="{FF2B5EF4-FFF2-40B4-BE49-F238E27FC236}">
+                <a16:creationId xmlns:a16="http://schemas.microsoft.com/office/drawing/2014/main" id="{64C88E78-58A0-AA4F-8247-DD709B7A6D22}"/>
+              </a:ext>
+            </a:extLst>
+          </p:cNvPr>
+          <p:cNvPicPr>
+            <a:picLocks noChangeAspect="1"/>
+          </p:cNvPicPr>
+          <p:nvPr/>
+        </p:nvPicPr>
+        <p:blipFill>
+          <a:blip r:embed="rId4"/>
+          <a:stretch>
+            <a:fillRect/>
+          </a:stretch>
+        </p:blipFill>
+        <p:spPr>
+          <a:xfrm>
+            <a:off x="5852189" y="764065"/>
+            <a:ext cx="1953316" cy="1973316"/>
+          </a:xfrm>
+          <a:prstGeom prst="rect">
+            <a:avLst/>
+          </a:prstGeom>
+        </p:spPr>
+      </p:pic>
+      <p:pic>
+        <p:nvPicPr>
+          <p:cNvPr id="11" name="Picture 10">
+            <a:extLst>
+              <a:ext uri="{FF2B5EF4-FFF2-40B4-BE49-F238E27FC236}">
+                <a16:creationId xmlns:a16="http://schemas.microsoft.com/office/drawing/2014/main" id="{58BB88A8-9BD7-0741-B3D1-AF9BD689186F}"/>
+              </a:ext>
+            </a:extLst>
+          </p:cNvPr>
+          <p:cNvPicPr>
+            <a:picLocks noChangeAspect="1"/>
+          </p:cNvPicPr>
+          <p:nvPr/>
+        </p:nvPicPr>
+        <p:blipFill>
+          <a:blip r:embed="rId5"/>
+          <a:stretch>
+            <a:fillRect/>
+          </a:stretch>
+        </p:blipFill>
+        <p:spPr>
+          <a:xfrm>
+            <a:off x="8688155" y="764064"/>
+            <a:ext cx="1953316" cy="1973316"/>
+          </a:xfrm>
+          <a:prstGeom prst="rect">
+            <a:avLst/>
+          </a:prstGeom>
+        </p:spPr>
+      </p:pic>
+      <p:pic>
+        <p:nvPicPr>
+          <p:cNvPr id="12" name="Picture 11">
+            <a:extLst>
+              <a:ext uri="{FF2B5EF4-FFF2-40B4-BE49-F238E27FC236}">
+                <a16:creationId xmlns:a16="http://schemas.microsoft.com/office/drawing/2014/main" id="{E7ACC8CD-4378-9048-8D98-21A2B9229B32}"/>
+              </a:ext>
+            </a:extLst>
+          </p:cNvPr>
+          <p:cNvPicPr>
+            <a:picLocks noChangeAspect="1"/>
+          </p:cNvPicPr>
+          <p:nvPr/>
+        </p:nvPicPr>
+        <p:blipFill>
+          <a:blip r:embed="rId6"/>
+          <a:stretch>
+            <a:fillRect/>
+          </a:stretch>
+        </p:blipFill>
+        <p:spPr>
+          <a:xfrm>
+            <a:off x="3290529" y="3968029"/>
+            <a:ext cx="2104361" cy="2125907"/>
+          </a:xfrm>
+          <a:prstGeom prst="rect">
+            <a:avLst/>
+          </a:prstGeom>
+        </p:spPr>
+      </p:pic>
+      <p:pic>
+        <p:nvPicPr>
+          <p:cNvPr id="13" name="Picture 12">
+            <a:extLst>
+              <a:ext uri="{FF2B5EF4-FFF2-40B4-BE49-F238E27FC236}">
+                <a16:creationId xmlns:a16="http://schemas.microsoft.com/office/drawing/2014/main" id="{8241D1AC-3E3B-4B48-BA98-D299381640D0}"/>
+              </a:ext>
+            </a:extLst>
+          </p:cNvPr>
+          <p:cNvPicPr>
+            <a:picLocks noChangeAspect="1"/>
+          </p:cNvPicPr>
+          <p:nvPr/>
+        </p:nvPicPr>
+        <p:blipFill>
+          <a:blip r:embed="rId7"/>
+          <a:stretch>
+            <a:fillRect/>
+          </a:stretch>
+        </p:blipFill>
+        <p:spPr>
+          <a:xfrm>
+            <a:off x="5852189" y="3968027"/>
+            <a:ext cx="2104362" cy="2125908"/>
+          </a:xfrm>
+          <a:prstGeom prst="rect">
+            <a:avLst/>
+          </a:prstGeom>
+        </p:spPr>
+      </p:pic>
+      <p:pic>
+        <p:nvPicPr>
+          <p:cNvPr id="14" name="Picture 13">
+            <a:extLst>
+              <a:ext uri="{FF2B5EF4-FFF2-40B4-BE49-F238E27FC236}">
+                <a16:creationId xmlns:a16="http://schemas.microsoft.com/office/drawing/2014/main" id="{E0EA4702-2322-264D-A590-075F66A6A62D}"/>
+              </a:ext>
+            </a:extLst>
+          </p:cNvPr>
+          <p:cNvPicPr>
+            <a:picLocks noChangeAspect="1"/>
+          </p:cNvPicPr>
+          <p:nvPr/>
+        </p:nvPicPr>
+        <p:blipFill>
+          <a:blip r:embed="rId8"/>
+          <a:stretch>
+            <a:fillRect/>
+          </a:stretch>
+        </p:blipFill>
+        <p:spPr>
+          <a:xfrm>
+            <a:off x="8688155" y="3968027"/>
+            <a:ext cx="2133264" cy="2125908"/>
+          </a:xfrm>
+          <a:prstGeom prst="rect">
+            <a:avLst/>
+          </a:prstGeom>
+        </p:spPr>
+      </p:pic>
+      <p:sp>
+        <p:nvSpPr>
+          <p:cNvPr id="15" name="TextBox 14">
+            <a:extLst>
+              <a:ext uri="{FF2B5EF4-FFF2-40B4-BE49-F238E27FC236}">
+                <a16:creationId xmlns:a16="http://schemas.microsoft.com/office/drawing/2014/main" id="{37F33105-3CB6-5448-993D-18286D514369}"/>
+              </a:ext>
+            </a:extLst>
+          </p:cNvPr>
+          <p:cNvSpPr txBox="1"/>
+          <p:nvPr/>
+        </p:nvSpPr>
+        <p:spPr>
+          <a:xfrm>
+            <a:off x="3778291" y="236809"/>
+            <a:ext cx="1382110" cy="461665"/>
+          </a:xfrm>
+          <a:prstGeom prst="rect">
+            <a:avLst/>
+          </a:prstGeom>
+          <a:noFill/>
+        </p:spPr>
+        <p:txBody>
+          <a:bodyPr wrap="none" rtlCol="0">
+            <a:spAutoFit/>
+          </a:bodyPr>
+          <a:lstStyle/>
+          <a:p>
+            <a:r>
+              <a:rPr lang="en-US" dirty="0"/>
+              <a:t>3 </a:t>
+            </a:r>
+            <a:r>
+              <a:rPr lang="en-US" sz="2400" dirty="0"/>
+              <a:t>degrees</a:t>
+            </a:r>
+          </a:p>
+        </p:txBody>
+      </p:sp>
+      <p:sp>
+        <p:nvSpPr>
+          <p:cNvPr id="16" name="TextBox 15">
+            <a:extLst>
+              <a:ext uri="{FF2B5EF4-FFF2-40B4-BE49-F238E27FC236}">
+                <a16:creationId xmlns:a16="http://schemas.microsoft.com/office/drawing/2014/main" id="{2D9E2BE1-00EA-4649-A03B-4CA2B529D5AD}"/>
+              </a:ext>
+            </a:extLst>
+          </p:cNvPr>
+          <p:cNvSpPr txBox="1"/>
+          <p:nvPr/>
+        </p:nvSpPr>
+        <p:spPr>
+          <a:xfrm>
+            <a:off x="6339952" y="236809"/>
+            <a:ext cx="1382110" cy="461665"/>
+          </a:xfrm>
+          <a:prstGeom prst="rect">
+            <a:avLst/>
+          </a:prstGeom>
+          <a:noFill/>
+        </p:spPr>
+        <p:txBody>
+          <a:bodyPr wrap="none" rtlCol="0">
+            <a:spAutoFit/>
+          </a:bodyPr>
+          <a:lstStyle/>
+          <a:p>
+            <a:r>
+              <a:rPr lang="en-US" dirty="0"/>
+              <a:t>6 </a:t>
+            </a:r>
+            <a:r>
+              <a:rPr lang="en-US" sz="2400" dirty="0"/>
+              <a:t>degrees</a:t>
+            </a:r>
+          </a:p>
+        </p:txBody>
+      </p:sp>
+      <p:sp>
+        <p:nvSpPr>
+          <p:cNvPr id="17" name="TextBox 16">
+            <a:extLst>
+              <a:ext uri="{FF2B5EF4-FFF2-40B4-BE49-F238E27FC236}">
+                <a16:creationId xmlns:a16="http://schemas.microsoft.com/office/drawing/2014/main" id="{A97E85AB-C406-4348-9B0F-C64047D9B338}"/>
+              </a:ext>
+            </a:extLst>
+          </p:cNvPr>
+          <p:cNvSpPr txBox="1"/>
+          <p:nvPr/>
+        </p:nvSpPr>
+        <p:spPr>
+          <a:xfrm>
+            <a:off x="8910440" y="236808"/>
+            <a:ext cx="1508746" cy="461665"/>
+          </a:xfrm>
+          <a:prstGeom prst="rect">
+            <a:avLst/>
+          </a:prstGeom>
+          <a:noFill/>
+        </p:spPr>
+        <p:txBody>
+          <a:bodyPr wrap="none" rtlCol="0">
+            <a:spAutoFit/>
+          </a:bodyPr>
+          <a:lstStyle/>
+          <a:p>
+            <a:r>
+              <a:rPr lang="en-US" dirty="0"/>
+              <a:t>10 </a:t>
+            </a:r>
+            <a:r>
+              <a:rPr lang="en-US" sz="2400" dirty="0"/>
+              <a:t>degrees</a:t>
+            </a:r>
+          </a:p>
+        </p:txBody>
+      </p:sp>
+    </p:spTree>
+    <p:extLst>
+      <p:ext uri="{BB962C8B-B14F-4D97-AF65-F5344CB8AC3E}">
+        <p14:creationId xmlns:p14="http://schemas.microsoft.com/office/powerpoint/2010/main" val="1968058337"/>
+      </p:ext>
+    </p:extLst>
+  </p:cSld>
+  <p:clrMapOvr>
+    <a:masterClrMapping/>
+  </p:clrMapOvr>
+</p:sld>
+</file>
+
+<file path=ppt/slides/slide5.xml><?xml version="1.0" encoding="utf-8"?>
+<p:sld xmlns:a="http://schemas.openxmlformats.org/drawingml/2006/main" xmlns:r="http://schemas.openxmlformats.org/officeDocument/2006/relationships" xmlns:p="http://schemas.openxmlformats.org/presentationml/2006/main">
+  <p:cSld>
+    <p:spTree>
+      <p:nvGrpSpPr>
+        <p:cNvPr id="1" name=""/>
+        <p:cNvGrpSpPr/>
+        <p:nvPr/>
+      </p:nvGrpSpPr>
+      <p:grpSpPr>
+        <a:xfrm>
+          <a:off x="0" y="0"/>
+          <a:ext cx="0" cy="0"/>
+          <a:chOff x="0" y="0"/>
+          <a:chExt cx="0" cy="0"/>
+        </a:xfrm>
+      </p:grpSpPr>
+      <p:sp>
+        <p:nvSpPr>
           <p:cNvPr id="2" name="Title 1">
             <a:extLst>
               <a:ext uri="{FF2B5EF4-FFF2-40B4-BE49-F238E27FC236}">
@@ -12896,7 +13605,7 @@
 </p:sld>
 </file>
 
-<file path=ppt/slides/slide4.xml><?xml version="1.0" encoding="utf-8"?>
+<file path=ppt/slides/slide6.xml><?xml version="1.0" encoding="utf-8"?>
 <p:sld xmlns:a="http://schemas.openxmlformats.org/drawingml/2006/main" xmlns:r="http://schemas.openxmlformats.org/officeDocument/2006/relationships" xmlns:p="http://schemas.openxmlformats.org/presentationml/2006/main">
   <p:cSld>
     <p:spTree>
@@ -13004,7 +13713,7 @@
 </p:sld>
 </file>
 
-<file path=ppt/slides/slide5.xml><?xml version="1.0" encoding="utf-8"?>
+<file path=ppt/slides/slide7.xml><?xml version="1.0" encoding="utf-8"?>
 <p:sld xmlns:a="http://schemas.openxmlformats.org/drawingml/2006/main" xmlns:r="http://schemas.openxmlformats.org/officeDocument/2006/relationships" xmlns:p="http://schemas.openxmlformats.org/presentationml/2006/main">
   <p:cSld>
     <p:spTree>
@@ -13119,7 +13828,7 @@
 </p:sld>
 </file>
 
-<file path=ppt/slides/slide6.xml><?xml version="1.0" encoding="utf-8"?>
+<file path=ppt/slides/slide8.xml><?xml version="1.0" encoding="utf-8"?>
 <p:sld xmlns:a="http://schemas.openxmlformats.org/drawingml/2006/main" xmlns:r="http://schemas.openxmlformats.org/officeDocument/2006/relationships" xmlns:p="http://schemas.openxmlformats.org/presentationml/2006/main">
   <p:cSld>
     <p:spTree>
@@ -13159,63 +13868,102 @@
           <a:p>
             <a:r>
               <a:rPr lang="en-US" dirty="0"/>
-              <a:t>linear </a:t>
+              <a:t>linear classifier</a:t>
             </a:r>
-            <a:r>
-              <a:rPr lang="en-US" dirty="0" err="1"/>
-              <a:t>classifer</a:t>
-            </a:r>
-            <a:endParaRPr lang="en-US" dirty="0"/>
           </a:p>
         </p:txBody>
       </p:sp>
-      <p:sp>
-        <p:nvSpPr>
-          <p:cNvPr id="3" name="Content Placeholder 2">
+      <p:pic>
+        <p:nvPicPr>
+          <p:cNvPr id="5" name="Picture 4">
             <a:extLst>
               <a:ext uri="{FF2B5EF4-FFF2-40B4-BE49-F238E27FC236}">
-                <a16:creationId xmlns:a16="http://schemas.microsoft.com/office/drawing/2014/main" id="{2741BDF0-E40A-4D69-A621-89BCB4E5B51E}"/>
+                <a16:creationId xmlns:a16="http://schemas.microsoft.com/office/drawing/2014/main" id="{C6DCA446-9741-F641-9A2E-EBE48C542704}"/>
               </a:ext>
             </a:extLst>
           </p:cNvPr>
-          <p:cNvSpPr>
-            <a:spLocks noGrp="1"/>
-          </p:cNvSpPr>
-          <p:nvPr>
-            <p:ph sz="half" idx="1"/>
-          </p:nvPr>
-        </p:nvSpPr>
-        <p:spPr/>
-        <p:txBody>
-          <a:bodyPr/>
-          <a:lstStyle/>
-          <a:p>
-            <a:endParaRPr lang="en-US"/>
-          </a:p>
-        </p:txBody>
-      </p:sp>
+          <p:cNvPicPr>
+            <a:picLocks noChangeAspect="1"/>
+          </p:cNvPicPr>
+          <p:nvPr/>
+        </p:nvPicPr>
+        <p:blipFill>
+          <a:blip r:embed="rId2"/>
+          <a:stretch>
+            <a:fillRect/>
+          </a:stretch>
+        </p:blipFill>
+        <p:spPr>
+          <a:xfrm>
+            <a:off x="6535664" y="867949"/>
+            <a:ext cx="4958940" cy="2458278"/>
+          </a:xfrm>
+          <a:prstGeom prst="rect">
+            <a:avLst/>
+          </a:prstGeom>
+        </p:spPr>
+      </p:pic>
       <p:sp>
         <p:nvSpPr>
-          <p:cNvPr id="4" name="Content Placeholder 3">
+          <p:cNvPr id="7" name="TextBox 6">
             <a:extLst>
               <a:ext uri="{FF2B5EF4-FFF2-40B4-BE49-F238E27FC236}">
-                <a16:creationId xmlns:a16="http://schemas.microsoft.com/office/drawing/2014/main" id="{C2E6D0F0-36FC-4CE8-8252-E2A12EEB9BAE}"/>
+                <a16:creationId xmlns:a16="http://schemas.microsoft.com/office/drawing/2014/main" id="{8D0767D8-301B-0741-A1B6-F8297F8239C8}"/>
               </a:ext>
             </a:extLst>
           </p:cNvPr>
-          <p:cNvSpPr>
-            <a:spLocks noGrp="1"/>
-          </p:cNvSpPr>
-          <p:nvPr>
-            <p:ph sz="half" idx="2"/>
-          </p:nvPr>
+          <p:cNvSpPr txBox="1"/>
+          <p:nvPr/>
         </p:nvSpPr>
-        <p:spPr/>
+        <p:spPr>
+          <a:xfrm>
+            <a:off x="1141413" y="2199860"/>
+            <a:ext cx="4514924" cy="3046988"/>
+          </a:xfrm>
+          <a:prstGeom prst="rect">
+            <a:avLst/>
+          </a:prstGeom>
+          <a:noFill/>
+        </p:spPr>
         <p:txBody>
-          <a:bodyPr/>
+          <a:bodyPr wrap="square" rtlCol="0">
+            <a:spAutoFit/>
+          </a:bodyPr>
           <a:lstStyle/>
           <a:p>
-            <a:endParaRPr lang="en-US"/>
+            <a:r>
+              <a:rPr lang="en-US" sz="2400" dirty="0"/>
+              <a:t>42% Accuracy on Test Data</a:t>
+            </a:r>
+          </a:p>
+          <a:p>
+            <a:r>
+              <a:rPr lang="en-US" sz="2400" dirty="0"/>
+              <a:t>37% Accuracy on Training Data</a:t>
+            </a:r>
+          </a:p>
+          <a:p>
+            <a:endParaRPr lang="en-US" sz="2400" dirty="0"/>
+          </a:p>
+          <a:p>
+            <a:r>
+              <a:rPr lang="en-US" sz="2400" dirty="0"/>
+              <a:t>Using original dataset + 6 degree + 10 degree rotations</a:t>
+            </a:r>
+          </a:p>
+          <a:p>
+            <a:endParaRPr lang="en-US" sz="2400" dirty="0"/>
+          </a:p>
+          <a:p>
+            <a:r>
+              <a:rPr lang="en-US" sz="2400" dirty="0"/>
+              <a:t>Attempted to use PCA, yet accuracy was </a:t>
+            </a:r>
+            <a:r>
+              <a:rPr lang="en-US" sz="2400"/>
+              <a:t>much worse</a:t>
+            </a:r>
+            <a:endParaRPr lang="en-US" sz="2400" dirty="0"/>
           </a:p>
         </p:txBody>
       </p:sp>

--- a/Final Project Draft.pptx
+++ b/Final Project Draft.pptx
@@ -7,12 +7,14 @@
   <p:sldIdLst>
     <p:sldId id="256" r:id="rId2"/>
     <p:sldId id="257" r:id="rId3"/>
-    <p:sldId id="263" r:id="rId4"/>
-    <p:sldId id="262" r:id="rId5"/>
-    <p:sldId id="258" r:id="rId6"/>
-    <p:sldId id="259" r:id="rId7"/>
-    <p:sldId id="261" r:id="rId8"/>
-    <p:sldId id="260" r:id="rId9"/>
+    <p:sldId id="265" r:id="rId4"/>
+    <p:sldId id="266" r:id="rId5"/>
+    <p:sldId id="262" r:id="rId6"/>
+    <p:sldId id="260" r:id="rId7"/>
+    <p:sldId id="259" r:id="rId8"/>
+    <p:sldId id="261" r:id="rId9"/>
+    <p:sldId id="263" r:id="rId10"/>
+    <p:sldId id="258" r:id="rId11"/>
   </p:sldIdLst>
   <p:sldSz cx="12192000" cy="6858000"/>
   <p:notesSz cx="6858000" cy="9144000"/>
@@ -169,7 +171,7 @@
           <a:noFill/>
           <a:extLst>
             <a:ext uri="{909E8E84-426E-40dd-AFC4-6F175D3DCCD1}">
-              <a14:hiddenFill xmlns="" xmlns:a14="http://schemas.microsoft.com/office/drawing/2010/main">
+              <a14:hiddenFill xmlns:a14="http://schemas.microsoft.com/office/drawing/2010/main" xmlns="">
                 <a:solidFill>
                   <a:srgbClr val="FFFFFF"/>
                 </a:solidFill>
@@ -229,7 +231,7 @@
             </a:ln>
             <a:extLst>
               <a:ext uri="{91240B29-F687-4f45-9708-019B960494DF}">
-                <a14:hiddenLine xmlns="" xmlns:a14="http://schemas.microsoft.com/office/drawing/2010/main" w="9525">
+                <a14:hiddenLine xmlns:a14="http://schemas.microsoft.com/office/drawing/2010/main" xmlns="" w="9525">
                   <a:solidFill>
                     <a:srgbClr val="000000"/>
                   </a:solidFill>
@@ -319,7 +321,7 @@
             </a:ln>
             <a:extLst>
               <a:ext uri="{91240B29-F687-4f45-9708-019B960494DF}">
-                <a14:hiddenLine xmlns="" xmlns:a14="http://schemas.microsoft.com/office/drawing/2010/main" w="9525">
+                <a14:hiddenLine xmlns:a14="http://schemas.microsoft.com/office/drawing/2010/main" xmlns="" w="9525">
                   <a:solidFill>
                     <a:srgbClr val="000000"/>
                   </a:solidFill>
@@ -409,7 +411,7 @@
             </a:ln>
             <a:extLst>
               <a:ext uri="{91240B29-F687-4f45-9708-019B960494DF}">
-                <a14:hiddenLine xmlns="" xmlns:a14="http://schemas.microsoft.com/office/drawing/2010/main" w="9525">
+                <a14:hiddenLine xmlns:a14="http://schemas.microsoft.com/office/drawing/2010/main" xmlns="" w="9525">
                   <a:solidFill>
                     <a:srgbClr val="000000"/>
                   </a:solidFill>
@@ -443,7 +445,7 @@
             </a:ln>
             <a:extLst>
               <a:ext uri="{91240B29-F687-4f45-9708-019B960494DF}">
-                <a14:hiddenLine xmlns="" xmlns:a14="http://schemas.microsoft.com/office/drawing/2010/main" w="9525">
+                <a14:hiddenLine xmlns:a14="http://schemas.microsoft.com/office/drawing/2010/main" xmlns="" w="9525">
                   <a:solidFill>
                     <a:srgbClr val="000000"/>
                   </a:solidFill>
@@ -533,7 +535,7 @@
             </a:ln>
             <a:extLst>
               <a:ext uri="{91240B29-F687-4f45-9708-019B960494DF}">
-                <a14:hiddenLine xmlns="" xmlns:a14="http://schemas.microsoft.com/office/drawing/2010/main" w="9525">
+                <a14:hiddenLine xmlns:a14="http://schemas.microsoft.com/office/drawing/2010/main" xmlns="" w="9525">
                   <a:solidFill>
                     <a:srgbClr val="000000"/>
                   </a:solidFill>
@@ -595,7 +597,7 @@
             </a:ln>
             <a:extLst>
               <a:ext uri="{91240B29-F687-4f45-9708-019B960494DF}">
-                <a14:hiddenLine xmlns="" xmlns:a14="http://schemas.microsoft.com/office/drawing/2010/main" w="9525">
+                <a14:hiddenLine xmlns:a14="http://schemas.microsoft.com/office/drawing/2010/main" xmlns="" w="9525">
                   <a:solidFill>
                     <a:srgbClr val="000000"/>
                   </a:solidFill>
@@ -657,7 +659,7 @@
             </a:ln>
             <a:extLst>
               <a:ext uri="{91240B29-F687-4f45-9708-019B960494DF}">
-                <a14:hiddenLine xmlns="" xmlns:a14="http://schemas.microsoft.com/office/drawing/2010/main" w="9525">
+                <a14:hiddenLine xmlns:a14="http://schemas.microsoft.com/office/drawing/2010/main" xmlns="" w="9525">
                   <a:solidFill>
                     <a:srgbClr val="000000"/>
                   </a:solidFill>
@@ -747,7 +749,7 @@
             </a:ln>
             <a:extLst>
               <a:ext uri="{91240B29-F687-4f45-9708-019B960494DF}">
-                <a14:hiddenLine xmlns="" xmlns:a14="http://schemas.microsoft.com/office/drawing/2010/main" w="9525">
+                <a14:hiddenLine xmlns:a14="http://schemas.microsoft.com/office/drawing/2010/main" xmlns="" w="9525">
                   <a:solidFill>
                     <a:srgbClr val="000000"/>
                   </a:solidFill>
@@ -809,7 +811,7 @@
             </a:ln>
             <a:extLst>
               <a:ext uri="{91240B29-F687-4f45-9708-019B960494DF}">
-                <a14:hiddenLine xmlns="" xmlns:a14="http://schemas.microsoft.com/office/drawing/2010/main" w="9525">
+                <a14:hiddenLine xmlns:a14="http://schemas.microsoft.com/office/drawing/2010/main" xmlns="" w="9525">
                   <a:solidFill>
                     <a:srgbClr val="000000"/>
                   </a:solidFill>
@@ -871,7 +873,7 @@
             </a:ln>
             <a:extLst>
               <a:ext uri="{91240B29-F687-4f45-9708-019B960494DF}">
-                <a14:hiddenLine xmlns="" xmlns:a14="http://schemas.microsoft.com/office/drawing/2010/main" w="9525">
+                <a14:hiddenLine xmlns:a14="http://schemas.microsoft.com/office/drawing/2010/main" xmlns="" w="9525">
                   <a:solidFill>
                     <a:srgbClr val="000000"/>
                   </a:solidFill>
@@ -961,7 +963,7 @@
             </a:ln>
             <a:extLst>
               <a:ext uri="{91240B29-F687-4f45-9708-019B960494DF}">
-                <a14:hiddenLine xmlns="" xmlns:a14="http://schemas.microsoft.com/office/drawing/2010/main" w="9525">
+                <a14:hiddenLine xmlns:a14="http://schemas.microsoft.com/office/drawing/2010/main" xmlns="" w="9525">
                   <a:solidFill>
                     <a:srgbClr val="000000"/>
                   </a:solidFill>
@@ -1051,7 +1053,7 @@
             </a:ln>
             <a:extLst>
               <a:ext uri="{91240B29-F687-4f45-9708-019B960494DF}">
-                <a14:hiddenLine xmlns="" xmlns:a14="http://schemas.microsoft.com/office/drawing/2010/main" w="9525">
+                <a14:hiddenLine xmlns:a14="http://schemas.microsoft.com/office/drawing/2010/main" xmlns="" w="9525">
                   <a:solidFill>
                     <a:srgbClr val="000000"/>
                   </a:solidFill>
@@ -1113,7 +1115,7 @@
             </a:ln>
             <a:extLst>
               <a:ext uri="{91240B29-F687-4f45-9708-019B960494DF}">
-                <a14:hiddenLine xmlns="" xmlns:a14="http://schemas.microsoft.com/office/drawing/2010/main" w="9525">
+                <a14:hiddenLine xmlns:a14="http://schemas.microsoft.com/office/drawing/2010/main" xmlns="" w="9525">
                   <a:solidFill>
                     <a:srgbClr val="000000"/>
                   </a:solidFill>
@@ -1223,7 +1225,7 @@
             </a:ln>
             <a:extLst>
               <a:ext uri="{91240B29-F687-4f45-9708-019B960494DF}">
-                <a14:hiddenLine xmlns="" xmlns:a14="http://schemas.microsoft.com/office/drawing/2010/main" w="9525">
+                <a14:hiddenLine xmlns:a14="http://schemas.microsoft.com/office/drawing/2010/main" xmlns="" w="9525">
                   <a:solidFill>
                     <a:srgbClr val="000000"/>
                   </a:solidFill>
@@ -1285,7 +1287,7 @@
             </a:ln>
             <a:extLst>
               <a:ext uri="{91240B29-F687-4f45-9708-019B960494DF}">
-                <a14:hiddenLine xmlns="" xmlns:a14="http://schemas.microsoft.com/office/drawing/2010/main" w="9525">
+                <a14:hiddenLine xmlns:a14="http://schemas.microsoft.com/office/drawing/2010/main" xmlns="" w="9525">
                   <a:solidFill>
                     <a:srgbClr val="000000"/>
                   </a:solidFill>
@@ -1375,7 +1377,7 @@
             </a:ln>
             <a:extLst>
               <a:ext uri="{91240B29-F687-4f45-9708-019B960494DF}">
-                <a14:hiddenLine xmlns="" xmlns:a14="http://schemas.microsoft.com/office/drawing/2010/main" w="9525">
+                <a14:hiddenLine xmlns:a14="http://schemas.microsoft.com/office/drawing/2010/main" xmlns="" w="9525">
                   <a:solidFill>
                     <a:srgbClr val="000000"/>
                   </a:solidFill>
@@ -1465,7 +1467,7 @@
             </a:ln>
             <a:extLst>
               <a:ext uri="{91240B29-F687-4f45-9708-019B960494DF}">
-                <a14:hiddenLine xmlns="" xmlns:a14="http://schemas.microsoft.com/office/drawing/2010/main" w="9525">
+                <a14:hiddenLine xmlns:a14="http://schemas.microsoft.com/office/drawing/2010/main" xmlns="" w="9525">
                   <a:solidFill>
                     <a:srgbClr val="000000"/>
                   </a:solidFill>
@@ -1527,7 +1529,7 @@
             </a:ln>
             <a:extLst>
               <a:ext uri="{91240B29-F687-4f45-9708-019B960494DF}">
-                <a14:hiddenLine xmlns="" xmlns:a14="http://schemas.microsoft.com/office/drawing/2010/main" w="9525">
+                <a14:hiddenLine xmlns:a14="http://schemas.microsoft.com/office/drawing/2010/main" xmlns="" w="9525">
                   <a:solidFill>
                     <a:srgbClr val="000000"/>
                   </a:solidFill>
@@ -1617,7 +1619,7 @@
             </a:ln>
             <a:extLst>
               <a:ext uri="{91240B29-F687-4f45-9708-019B960494DF}">
-                <a14:hiddenLine xmlns="" xmlns:a14="http://schemas.microsoft.com/office/drawing/2010/main" w="9525">
+                <a14:hiddenLine xmlns:a14="http://schemas.microsoft.com/office/drawing/2010/main" xmlns="" w="9525">
                   <a:solidFill>
                     <a:srgbClr val="000000"/>
                   </a:solidFill>
@@ -1707,7 +1709,7 @@
             </a:ln>
             <a:extLst>
               <a:ext uri="{91240B29-F687-4f45-9708-019B960494DF}">
-                <a14:hiddenLine xmlns="" xmlns:a14="http://schemas.microsoft.com/office/drawing/2010/main" w="9525">
+                <a14:hiddenLine xmlns:a14="http://schemas.microsoft.com/office/drawing/2010/main" xmlns="" w="9525">
                   <a:solidFill>
                     <a:srgbClr val="000000"/>
                   </a:solidFill>
@@ -1763,7 +1765,7 @@
             </a:ln>
             <a:extLst>
               <a:ext uri="{91240B29-F687-4f45-9708-019B960494DF}">
-                <a14:hiddenLine xmlns="" xmlns:a14="http://schemas.microsoft.com/office/drawing/2010/main" w="9525">
+                <a14:hiddenLine xmlns:a14="http://schemas.microsoft.com/office/drawing/2010/main" xmlns="" w="9525">
                   <a:solidFill>
                     <a:srgbClr val="000000"/>
                   </a:solidFill>
@@ -1853,7 +1855,7 @@
             </a:ln>
             <a:extLst>
               <a:ext uri="{91240B29-F687-4f45-9708-019B960494DF}">
-                <a14:hiddenLine xmlns="" xmlns:a14="http://schemas.microsoft.com/office/drawing/2010/main" w="9525">
+                <a14:hiddenLine xmlns:a14="http://schemas.microsoft.com/office/drawing/2010/main" xmlns="" w="9525">
                   <a:solidFill>
                     <a:srgbClr val="000000"/>
                   </a:solidFill>
@@ -1909,7 +1911,7 @@
             </a:ln>
             <a:extLst>
               <a:ext uri="{91240B29-F687-4f45-9708-019B960494DF}">
-                <a14:hiddenLine xmlns="" xmlns:a14="http://schemas.microsoft.com/office/drawing/2010/main" w="9525">
+                <a14:hiddenLine xmlns:a14="http://schemas.microsoft.com/office/drawing/2010/main" xmlns="" w="9525">
                   <a:solidFill>
                     <a:srgbClr val="000000"/>
                   </a:solidFill>
@@ -1999,7 +2001,7 @@
             </a:ln>
             <a:extLst>
               <a:ext uri="{91240B29-F687-4f45-9708-019B960494DF}">
-                <a14:hiddenLine xmlns="" xmlns:a14="http://schemas.microsoft.com/office/drawing/2010/main" w="9525">
+                <a14:hiddenLine xmlns:a14="http://schemas.microsoft.com/office/drawing/2010/main" xmlns="" w="9525">
                   <a:solidFill>
                     <a:srgbClr val="000000"/>
                   </a:solidFill>
@@ -2067,7 +2069,7 @@
             </a:ln>
             <a:extLst>
               <a:ext uri="{91240B29-F687-4f45-9708-019B960494DF}">
-                <a14:hiddenLine xmlns="" xmlns:a14="http://schemas.microsoft.com/office/drawing/2010/main" w="9525">
+                <a14:hiddenLine xmlns:a14="http://schemas.microsoft.com/office/drawing/2010/main" xmlns="" w="9525">
                   <a:solidFill>
                     <a:srgbClr val="000000"/>
                   </a:solidFill>
@@ -2157,7 +2159,7 @@
             </a:ln>
             <a:extLst>
               <a:ext uri="{91240B29-F687-4f45-9708-019B960494DF}">
-                <a14:hiddenLine xmlns="" xmlns:a14="http://schemas.microsoft.com/office/drawing/2010/main" w="9525">
+                <a14:hiddenLine xmlns:a14="http://schemas.microsoft.com/office/drawing/2010/main" xmlns="" w="9525">
                   <a:solidFill>
                     <a:srgbClr val="000000"/>
                   </a:solidFill>
@@ -2225,7 +2227,7 @@
             </a:ln>
             <a:extLst>
               <a:ext uri="{91240B29-F687-4f45-9708-019B960494DF}">
-                <a14:hiddenLine xmlns="" xmlns:a14="http://schemas.microsoft.com/office/drawing/2010/main" w="9525">
+                <a14:hiddenLine xmlns:a14="http://schemas.microsoft.com/office/drawing/2010/main" xmlns="" w="9525">
                   <a:solidFill>
                     <a:srgbClr val="000000"/>
                   </a:solidFill>
@@ -2315,7 +2317,7 @@
             </a:ln>
             <a:extLst>
               <a:ext uri="{91240B29-F687-4f45-9708-019B960494DF}">
-                <a14:hiddenLine xmlns="" xmlns:a14="http://schemas.microsoft.com/office/drawing/2010/main" w="9525">
+                <a14:hiddenLine xmlns:a14="http://schemas.microsoft.com/office/drawing/2010/main" xmlns="" w="9525">
                   <a:solidFill>
                     <a:srgbClr val="000000"/>
                   </a:solidFill>
@@ -2349,7 +2351,7 @@
             </a:ln>
             <a:extLst>
               <a:ext uri="{91240B29-F687-4f45-9708-019B960494DF}">
-                <a14:hiddenLine xmlns="" xmlns:a14="http://schemas.microsoft.com/office/drawing/2010/main" w="9525">
+                <a14:hiddenLine xmlns:a14="http://schemas.microsoft.com/office/drawing/2010/main" xmlns="" w="9525">
                   <a:solidFill>
                     <a:srgbClr val="000000"/>
                   </a:solidFill>
@@ -2439,7 +2441,7 @@
             </a:ln>
             <a:extLst>
               <a:ext uri="{91240B29-F687-4f45-9708-019B960494DF}">
-                <a14:hiddenLine xmlns="" xmlns:a14="http://schemas.microsoft.com/office/drawing/2010/main" w="9525">
+                <a14:hiddenLine xmlns:a14="http://schemas.microsoft.com/office/drawing/2010/main" xmlns="" w="9525">
                   <a:solidFill>
                     <a:srgbClr val="000000"/>
                   </a:solidFill>
@@ -2501,7 +2503,7 @@
             </a:ln>
             <a:extLst>
               <a:ext uri="{91240B29-F687-4f45-9708-019B960494DF}">
-                <a14:hiddenLine xmlns="" xmlns:a14="http://schemas.microsoft.com/office/drawing/2010/main" w="9525">
+                <a14:hiddenLine xmlns:a14="http://schemas.microsoft.com/office/drawing/2010/main" xmlns="" w="9525">
                   <a:solidFill>
                     <a:srgbClr val="000000"/>
                   </a:solidFill>
@@ -2563,7 +2565,7 @@
             </a:ln>
             <a:extLst>
               <a:ext uri="{91240B29-F687-4f45-9708-019B960494DF}">
-                <a14:hiddenLine xmlns="" xmlns:a14="http://schemas.microsoft.com/office/drawing/2010/main" w="9525">
+                <a14:hiddenLine xmlns:a14="http://schemas.microsoft.com/office/drawing/2010/main" xmlns="" w="9525">
                   <a:solidFill>
                     <a:srgbClr val="000000"/>
                   </a:solidFill>
@@ -2653,7 +2655,7 @@
             </a:ln>
             <a:extLst>
               <a:ext uri="{91240B29-F687-4f45-9708-019B960494DF}">
-                <a14:hiddenLine xmlns="" xmlns:a14="http://schemas.microsoft.com/office/drawing/2010/main" w="9525">
+                <a14:hiddenLine xmlns:a14="http://schemas.microsoft.com/office/drawing/2010/main" xmlns="" w="9525">
                   <a:solidFill>
                     <a:srgbClr val="000000"/>
                   </a:solidFill>
@@ -2721,7 +2723,7 @@
             </a:ln>
             <a:extLst>
               <a:ext uri="{91240B29-F687-4f45-9708-019B960494DF}">
-                <a14:hiddenLine xmlns="" xmlns:a14="http://schemas.microsoft.com/office/drawing/2010/main" w="9525">
+                <a14:hiddenLine xmlns:a14="http://schemas.microsoft.com/office/drawing/2010/main" xmlns="" w="9525">
                   <a:solidFill>
                     <a:srgbClr val="000000"/>
                   </a:solidFill>
@@ -2783,7 +2785,7 @@
             </a:ln>
             <a:extLst>
               <a:ext uri="{91240B29-F687-4f45-9708-019B960494DF}">
-                <a14:hiddenLine xmlns="" xmlns:a14="http://schemas.microsoft.com/office/drawing/2010/main" w="9525">
+                <a14:hiddenLine xmlns:a14="http://schemas.microsoft.com/office/drawing/2010/main" xmlns="" w="9525">
                   <a:solidFill>
                     <a:srgbClr val="000000"/>
                   </a:solidFill>
@@ -2873,7 +2875,7 @@
             </a:ln>
             <a:extLst>
               <a:ext uri="{91240B29-F687-4f45-9708-019B960494DF}">
-                <a14:hiddenLine xmlns="" xmlns:a14="http://schemas.microsoft.com/office/drawing/2010/main" w="9525">
+                <a14:hiddenLine xmlns:a14="http://schemas.microsoft.com/office/drawing/2010/main" xmlns="" w="9525">
                   <a:solidFill>
                     <a:srgbClr val="000000"/>
                   </a:solidFill>
@@ -2935,7 +2937,7 @@
             </a:ln>
             <a:extLst>
               <a:ext uri="{91240B29-F687-4f45-9708-019B960494DF}">
-                <a14:hiddenLine xmlns="" xmlns:a14="http://schemas.microsoft.com/office/drawing/2010/main" w="9525">
+                <a14:hiddenLine xmlns:a14="http://schemas.microsoft.com/office/drawing/2010/main" xmlns="" w="9525">
                   <a:solidFill>
                     <a:srgbClr val="000000"/>
                   </a:solidFill>
@@ -3025,7 +3027,7 @@
             </a:ln>
             <a:extLst>
               <a:ext uri="{91240B29-F687-4f45-9708-019B960494DF}">
-                <a14:hiddenLine xmlns="" xmlns:a14="http://schemas.microsoft.com/office/drawing/2010/main" w="9525">
+                <a14:hiddenLine xmlns:a14="http://schemas.microsoft.com/office/drawing/2010/main" xmlns="" w="9525">
                   <a:solidFill>
                     <a:srgbClr val="000000"/>
                   </a:solidFill>
@@ -3087,7 +3089,7 @@
             </a:ln>
             <a:extLst>
               <a:ext uri="{91240B29-F687-4f45-9708-019B960494DF}">
-                <a14:hiddenLine xmlns="" xmlns:a14="http://schemas.microsoft.com/office/drawing/2010/main" w="9525">
+                <a14:hiddenLine xmlns:a14="http://schemas.microsoft.com/office/drawing/2010/main" xmlns="" w="9525">
                   <a:solidFill>
                     <a:srgbClr val="000000"/>
                   </a:solidFill>
@@ -3177,7 +3179,7 @@
             </a:ln>
             <a:extLst>
               <a:ext uri="{91240B29-F687-4f45-9708-019B960494DF}">
-                <a14:hiddenLine xmlns="" xmlns:a14="http://schemas.microsoft.com/office/drawing/2010/main" w="9525">
+                <a14:hiddenLine xmlns:a14="http://schemas.microsoft.com/office/drawing/2010/main" xmlns="" w="9525">
                   <a:solidFill>
                     <a:srgbClr val="000000"/>
                   </a:solidFill>
@@ -3211,7 +3213,7 @@
             </a:ln>
             <a:extLst>
               <a:ext uri="{91240B29-F687-4f45-9708-019B960494DF}">
-                <a14:hiddenLine xmlns="" xmlns:a14="http://schemas.microsoft.com/office/drawing/2010/main" w="9525">
+                <a14:hiddenLine xmlns:a14="http://schemas.microsoft.com/office/drawing/2010/main" xmlns="" w="9525">
                   <a:solidFill>
                     <a:srgbClr val="000000"/>
                   </a:solidFill>
@@ -3276,7 +3278,7 @@
             </a:ln>
             <a:extLst>
               <a:ext uri="{91240B29-F687-4f45-9708-019B960494DF}">
-                <a14:hiddenLine xmlns="" xmlns:a14="http://schemas.microsoft.com/office/drawing/2010/main" w="9525">
+                <a14:hiddenLine xmlns:a14="http://schemas.microsoft.com/office/drawing/2010/main" xmlns="" w="9525">
                   <a:solidFill>
                     <a:srgbClr val="000000"/>
                   </a:solidFill>
@@ -3366,7 +3368,7 @@
             </a:ln>
             <a:extLst>
               <a:ext uri="{91240B29-F687-4f45-9708-019B960494DF}">
-                <a14:hiddenLine xmlns="" xmlns:a14="http://schemas.microsoft.com/office/drawing/2010/main" w="9525">
+                <a14:hiddenLine xmlns:a14="http://schemas.microsoft.com/office/drawing/2010/main" xmlns="" w="9525">
                   <a:solidFill>
                     <a:srgbClr val="000000"/>
                   </a:solidFill>
@@ -3428,7 +3430,7 @@
             </a:ln>
             <a:extLst>
               <a:ext uri="{91240B29-F687-4f45-9708-019B960494DF}">
-                <a14:hiddenLine xmlns="" xmlns:a14="http://schemas.microsoft.com/office/drawing/2010/main" w="9525">
+                <a14:hiddenLine xmlns:a14="http://schemas.microsoft.com/office/drawing/2010/main" xmlns="" w="9525">
                   <a:solidFill>
                     <a:srgbClr val="000000"/>
                   </a:solidFill>
@@ -3518,7 +3520,7 @@
             </a:ln>
             <a:extLst>
               <a:ext uri="{91240B29-F687-4f45-9708-019B960494DF}">
-                <a14:hiddenLine xmlns="" xmlns:a14="http://schemas.microsoft.com/office/drawing/2010/main" w="9525">
+                <a14:hiddenLine xmlns:a14="http://schemas.microsoft.com/office/drawing/2010/main" xmlns="" w="9525">
                   <a:solidFill>
                     <a:srgbClr val="000000"/>
                   </a:solidFill>
@@ -3608,7 +3610,7 @@
             </a:ln>
             <a:extLst>
               <a:ext uri="{91240B29-F687-4f45-9708-019B960494DF}">
-                <a14:hiddenLine xmlns="" xmlns:a14="http://schemas.microsoft.com/office/drawing/2010/main" w="9525">
+                <a14:hiddenLine xmlns:a14="http://schemas.microsoft.com/office/drawing/2010/main" xmlns="" w="9525">
                   <a:solidFill>
                     <a:srgbClr val="000000"/>
                   </a:solidFill>
@@ -3673,7 +3675,7 @@
             </a:ln>
             <a:extLst>
               <a:ext uri="{91240B29-F687-4f45-9708-019B960494DF}">
-                <a14:hiddenLine xmlns="" xmlns:a14="http://schemas.microsoft.com/office/drawing/2010/main" w="9525">
+                <a14:hiddenLine xmlns:a14="http://schemas.microsoft.com/office/drawing/2010/main" xmlns="" w="9525">
                   <a:solidFill>
                     <a:srgbClr val="000000"/>
                   </a:solidFill>
@@ -3735,7 +3737,7 @@
             </a:ln>
             <a:extLst>
               <a:ext uri="{91240B29-F687-4f45-9708-019B960494DF}">
-                <a14:hiddenLine xmlns="" xmlns:a14="http://schemas.microsoft.com/office/drawing/2010/main" w="9525">
+                <a14:hiddenLine xmlns:a14="http://schemas.microsoft.com/office/drawing/2010/main" xmlns="" w="9525">
                   <a:solidFill>
                     <a:srgbClr val="000000"/>
                   </a:solidFill>
@@ -3825,7 +3827,7 @@
             </a:ln>
             <a:extLst>
               <a:ext uri="{91240B29-F687-4f45-9708-019B960494DF}">
-                <a14:hiddenLine xmlns="" xmlns:a14="http://schemas.microsoft.com/office/drawing/2010/main" w="9525">
+                <a14:hiddenLine xmlns:a14="http://schemas.microsoft.com/office/drawing/2010/main" xmlns="" w="9525">
                   <a:solidFill>
                     <a:srgbClr val="000000"/>
                   </a:solidFill>
@@ -3915,7 +3917,7 @@
             </a:ln>
             <a:extLst>
               <a:ext uri="{91240B29-F687-4f45-9708-019B960494DF}">
-                <a14:hiddenLine xmlns="" xmlns:a14="http://schemas.microsoft.com/office/drawing/2010/main" w="9525">
+                <a14:hiddenLine xmlns:a14="http://schemas.microsoft.com/office/drawing/2010/main" xmlns="" w="9525">
                   <a:solidFill>
                     <a:srgbClr val="000000"/>
                   </a:solidFill>
@@ -3977,7 +3979,7 @@
             </a:ln>
             <a:extLst>
               <a:ext uri="{91240B29-F687-4f45-9708-019B960494DF}">
-                <a14:hiddenLine xmlns="" xmlns:a14="http://schemas.microsoft.com/office/drawing/2010/main" w="9525">
+                <a14:hiddenLine xmlns:a14="http://schemas.microsoft.com/office/drawing/2010/main" xmlns="" w="9525">
                   <a:solidFill>
                     <a:srgbClr val="000000"/>
                   </a:solidFill>
@@ -4097,7 +4099,7 @@
             </a:ln>
             <a:extLst>
               <a:ext uri="{91240B29-F687-4f45-9708-019B960494DF}">
-                <a14:hiddenLine xmlns="" xmlns:a14="http://schemas.microsoft.com/office/drawing/2010/main" w="9525">
+                <a14:hiddenLine xmlns:a14="http://schemas.microsoft.com/office/drawing/2010/main" xmlns="" w="9525">
                   <a:solidFill>
                     <a:srgbClr val="000000"/>
                   </a:solidFill>
@@ -4165,7 +4167,7 @@
             </a:ln>
             <a:extLst>
               <a:ext uri="{91240B29-F687-4f45-9708-019B960494DF}">
-                <a14:hiddenLine xmlns="" xmlns:a14="http://schemas.microsoft.com/office/drawing/2010/main" w="9525">
+                <a14:hiddenLine xmlns:a14="http://schemas.microsoft.com/office/drawing/2010/main" xmlns="" w="9525">
                   <a:solidFill>
                     <a:srgbClr val="000000"/>
                   </a:solidFill>
@@ -4255,7 +4257,7 @@
             </a:ln>
             <a:extLst>
               <a:ext uri="{91240B29-F687-4f45-9708-019B960494DF}">
-                <a14:hiddenLine xmlns="" xmlns:a14="http://schemas.microsoft.com/office/drawing/2010/main" w="9525">
+                <a14:hiddenLine xmlns:a14="http://schemas.microsoft.com/office/drawing/2010/main" xmlns="" w="9525">
                   <a:solidFill>
                     <a:srgbClr val="000000"/>
                   </a:solidFill>
@@ -4395,7 +4397,7 @@
           <a:p>
             <a:fld id="{48A87A34-81AB-432B-8DAE-1953F412C126}" type="datetimeFigureOut">
               <a:rPr lang="en-US" smtClean="0"/>
-              <a:t>3/31/19</a:t>
+              <a:t>4/1/2019</a:t>
             </a:fld>
             <a:endParaRPr lang="en-US" dirty="0"/>
           </a:p>
@@ -4662,7 +4664,7 @@
           <a:p>
             <a:fld id="{48A87A34-81AB-432B-8DAE-1953F412C126}" type="datetimeFigureOut">
               <a:rPr lang="en-US" smtClean="0"/>
-              <a:t>3/31/19</a:t>
+              <a:t>4/1/2019</a:t>
             </a:fld>
             <a:endParaRPr lang="en-US" dirty="0"/>
           </a:p>
@@ -4858,7 +4860,7 @@
           <a:p>
             <a:fld id="{48A87A34-81AB-432B-8DAE-1953F412C126}" type="datetimeFigureOut">
               <a:rPr lang="en-US" smtClean="0"/>
-              <a:t>3/31/19</a:t>
+              <a:t>4/1/2019</a:t>
             </a:fld>
             <a:endParaRPr lang="en-US" dirty="0"/>
           </a:p>
@@ -5121,7 +5123,7 @@
           <a:p>
             <a:fld id="{48A87A34-81AB-432B-8DAE-1953F412C126}" type="datetimeFigureOut">
               <a:rPr lang="en-US" smtClean="0"/>
-              <a:t>3/31/19</a:t>
+              <a:t>4/1/2019</a:t>
             </a:fld>
             <a:endParaRPr lang="en-US" dirty="0"/>
           </a:p>
@@ -5555,7 +5557,7 @@
           <a:p>
             <a:fld id="{48A87A34-81AB-432B-8DAE-1953F412C126}" type="datetimeFigureOut">
               <a:rPr lang="en-US" smtClean="0"/>
-              <a:t>3/31/19</a:t>
+              <a:t>4/1/2019</a:t>
             </a:fld>
             <a:endParaRPr lang="en-US" dirty="0"/>
           </a:p>
@@ -6101,7 +6103,7 @@
           <a:p>
             <a:fld id="{48A87A34-81AB-432B-8DAE-1953F412C126}" type="datetimeFigureOut">
               <a:rPr lang="en-US" smtClean="0"/>
-              <a:t>3/31/19</a:t>
+              <a:t>4/1/2019</a:t>
             </a:fld>
             <a:endParaRPr lang="en-US" dirty="0"/>
           </a:p>
@@ -6821,7 +6823,7 @@
           <a:p>
             <a:fld id="{48A87A34-81AB-432B-8DAE-1953F412C126}" type="datetimeFigureOut">
               <a:rPr lang="en-US" smtClean="0"/>
-              <a:t>3/31/19</a:t>
+              <a:t>4/1/2019</a:t>
             </a:fld>
             <a:endParaRPr lang="en-US" dirty="0"/>
           </a:p>
@@ -6991,7 +6993,7 @@
           <a:p>
             <a:fld id="{48A87A34-81AB-432B-8DAE-1953F412C126}" type="datetimeFigureOut">
               <a:rPr lang="en-US" smtClean="0"/>
-              <a:t>3/31/19</a:t>
+              <a:t>4/1/2019</a:t>
             </a:fld>
             <a:endParaRPr lang="en-US" dirty="0"/>
           </a:p>
@@ -7171,7 +7173,7 @@
           <a:p>
             <a:fld id="{48A87A34-81AB-432B-8DAE-1953F412C126}" type="datetimeFigureOut">
               <a:rPr lang="en-US" smtClean="0"/>
-              <a:t>3/31/19</a:t>
+              <a:t>4/1/2019</a:t>
             </a:fld>
             <a:endParaRPr lang="en-US" dirty="0"/>
           </a:p>
@@ -7341,7 +7343,7 @@
           <a:p>
             <a:fld id="{48A87A34-81AB-432B-8DAE-1953F412C126}" type="datetimeFigureOut">
               <a:rPr lang="en-US" smtClean="0"/>
-              <a:t>3/31/19</a:t>
+              <a:t>4/1/2019</a:t>
             </a:fld>
             <a:endParaRPr lang="en-US" dirty="0"/>
           </a:p>
@@ -7591,7 +7593,7 @@
           <a:p>
             <a:fld id="{48A87A34-81AB-432B-8DAE-1953F412C126}" type="datetimeFigureOut">
               <a:rPr lang="en-US" smtClean="0"/>
-              <a:t>3/31/19</a:t>
+              <a:t>4/1/2019</a:t>
             </a:fld>
             <a:endParaRPr lang="en-US" dirty="0"/>
           </a:p>
@@ -7823,7 +7825,7 @@
           <a:p>
             <a:fld id="{48A87A34-81AB-432B-8DAE-1953F412C126}" type="datetimeFigureOut">
               <a:rPr lang="en-US" smtClean="0"/>
-              <a:t>3/31/19</a:t>
+              <a:t>4/1/2019</a:t>
             </a:fld>
             <a:endParaRPr lang="en-US" dirty="0"/>
           </a:p>
@@ -8204,7 +8206,7 @@
           <a:p>
             <a:fld id="{48A87A34-81AB-432B-8DAE-1953F412C126}" type="datetimeFigureOut">
               <a:rPr lang="en-US" smtClean="0"/>
-              <a:t>3/31/19</a:t>
+              <a:t>4/1/2019</a:t>
             </a:fld>
             <a:endParaRPr lang="en-US" dirty="0"/>
           </a:p>
@@ -8322,7 +8324,7 @@
           <a:p>
             <a:fld id="{48A87A34-81AB-432B-8DAE-1953F412C126}" type="datetimeFigureOut">
               <a:rPr lang="en-US" smtClean="0"/>
-              <a:t>3/31/19</a:t>
+              <a:t>4/1/2019</a:t>
             </a:fld>
             <a:endParaRPr lang="en-US" dirty="0"/>
           </a:p>
@@ -8417,7 +8419,7 @@
           <a:p>
             <a:fld id="{48A87A34-81AB-432B-8DAE-1953F412C126}" type="datetimeFigureOut">
               <a:rPr lang="en-US" smtClean="0"/>
-              <a:t>3/31/19</a:t>
+              <a:t>4/1/2019</a:t>
             </a:fld>
             <a:endParaRPr lang="en-US" dirty="0"/>
           </a:p>
@@ -8666,7 +8668,7 @@
           <a:p>
             <a:fld id="{48A87A34-81AB-432B-8DAE-1953F412C126}" type="datetimeFigureOut">
               <a:rPr lang="en-US" smtClean="0"/>
-              <a:t>3/31/19</a:t>
+              <a:t>4/1/2019</a:t>
             </a:fld>
             <a:endParaRPr lang="en-US" dirty="0"/>
           </a:p>
@@ -8946,7 +8948,7 @@
           <a:p>
             <a:fld id="{48A87A34-81AB-432B-8DAE-1953F412C126}" type="datetimeFigureOut">
               <a:rPr lang="en-US" smtClean="0"/>
-              <a:t>3/31/19</a:t>
+              <a:t>4/1/2019</a:t>
             </a:fld>
             <a:endParaRPr lang="en-US" dirty="0"/>
           </a:p>
@@ -9062,7 +9064,7 @@
           <a:noFill/>
           <a:extLst>
             <a:ext uri="{909E8E84-426E-40dd-AFC4-6F175D3DCCD1}">
-              <a14:hiddenFill xmlns="" xmlns:a14="http://schemas.microsoft.com/office/drawing/2010/main">
+              <a14:hiddenFill xmlns:a14="http://schemas.microsoft.com/office/drawing/2010/main" xmlns="">
                 <a:solidFill>
                   <a:srgbClr val="FFFFFF"/>
                 </a:solidFill>
@@ -9136,7 +9138,7 @@
               </a:ln>
               <a:extLst>
                 <a:ext uri="{91240B29-F687-4f45-9708-019B960494DF}">
-                  <a14:hiddenLine xmlns="" xmlns:a14="http://schemas.microsoft.com/office/drawing/2010/main" w="9525">
+                  <a14:hiddenLine xmlns:a14="http://schemas.microsoft.com/office/drawing/2010/main" xmlns="" w="9525">
                     <a:solidFill>
                       <a:srgbClr val="000000"/>
                     </a:solidFill>
@@ -9226,7 +9228,7 @@
               </a:ln>
               <a:extLst>
                 <a:ext uri="{91240B29-F687-4f45-9708-019B960494DF}">
-                  <a14:hiddenLine xmlns="" xmlns:a14="http://schemas.microsoft.com/office/drawing/2010/main" w="9525">
+                  <a14:hiddenLine xmlns:a14="http://schemas.microsoft.com/office/drawing/2010/main" xmlns="" w="9525">
                     <a:solidFill>
                       <a:srgbClr val="000000"/>
                     </a:solidFill>
@@ -9316,7 +9318,7 @@
               </a:ln>
               <a:extLst>
                 <a:ext uri="{91240B29-F687-4f45-9708-019B960494DF}">
-                  <a14:hiddenLine xmlns="" xmlns:a14="http://schemas.microsoft.com/office/drawing/2010/main" w="9525">
+                  <a14:hiddenLine xmlns:a14="http://schemas.microsoft.com/office/drawing/2010/main" xmlns="" w="9525">
                     <a:solidFill>
                       <a:srgbClr val="000000"/>
                     </a:solidFill>
@@ -9378,7 +9380,7 @@
               </a:ln>
               <a:extLst>
                 <a:ext uri="{91240B29-F687-4f45-9708-019B960494DF}">
-                  <a14:hiddenLine xmlns="" xmlns:a14="http://schemas.microsoft.com/office/drawing/2010/main" w="9525">
+                  <a14:hiddenLine xmlns:a14="http://schemas.microsoft.com/office/drawing/2010/main" xmlns="" w="9525">
                     <a:solidFill>
                       <a:srgbClr val="000000"/>
                     </a:solidFill>
@@ -9468,7 +9470,7 @@
               </a:ln>
               <a:extLst>
                 <a:ext uri="{91240B29-F687-4f45-9708-019B960494DF}">
-                  <a14:hiddenLine xmlns="" xmlns:a14="http://schemas.microsoft.com/office/drawing/2010/main" w="9525">
+                  <a14:hiddenLine xmlns:a14="http://schemas.microsoft.com/office/drawing/2010/main" xmlns="" w="9525">
                     <a:solidFill>
                       <a:srgbClr val="000000"/>
                     </a:solidFill>
@@ -9530,7 +9532,7 @@
               </a:ln>
               <a:extLst>
                 <a:ext uri="{91240B29-F687-4f45-9708-019B960494DF}">
-                  <a14:hiddenLine xmlns="" xmlns:a14="http://schemas.microsoft.com/office/drawing/2010/main" w="9525">
+                  <a14:hiddenLine xmlns:a14="http://schemas.microsoft.com/office/drawing/2010/main" xmlns="" w="9525">
                     <a:solidFill>
                       <a:srgbClr val="000000"/>
                     </a:solidFill>
@@ -9592,7 +9594,7 @@
               </a:ln>
               <a:extLst>
                 <a:ext uri="{91240B29-F687-4f45-9708-019B960494DF}">
-                  <a14:hiddenLine xmlns="" xmlns:a14="http://schemas.microsoft.com/office/drawing/2010/main" w="9525">
+                  <a14:hiddenLine xmlns:a14="http://schemas.microsoft.com/office/drawing/2010/main" xmlns="" w="9525">
                     <a:solidFill>
                       <a:srgbClr val="000000"/>
                     </a:solidFill>
@@ -9682,7 +9684,7 @@
               </a:ln>
               <a:extLst>
                 <a:ext uri="{91240B29-F687-4f45-9708-019B960494DF}">
-                  <a14:hiddenLine xmlns="" xmlns:a14="http://schemas.microsoft.com/office/drawing/2010/main" w="9525">
+                  <a14:hiddenLine xmlns:a14="http://schemas.microsoft.com/office/drawing/2010/main" xmlns="" w="9525">
                     <a:solidFill>
                       <a:srgbClr val="000000"/>
                     </a:solidFill>
@@ -9772,7 +9774,7 @@
               </a:ln>
               <a:extLst>
                 <a:ext uri="{91240B29-F687-4f45-9708-019B960494DF}">
-                  <a14:hiddenLine xmlns="" xmlns:a14="http://schemas.microsoft.com/office/drawing/2010/main" w="9525">
+                  <a14:hiddenLine xmlns:a14="http://schemas.microsoft.com/office/drawing/2010/main" xmlns="" w="9525">
                     <a:solidFill>
                       <a:srgbClr val="000000"/>
                     </a:solidFill>
@@ -9834,7 +9836,7 @@
               </a:ln>
               <a:extLst>
                 <a:ext uri="{91240B29-F687-4f45-9708-019B960494DF}">
-                  <a14:hiddenLine xmlns="" xmlns:a14="http://schemas.microsoft.com/office/drawing/2010/main" w="9525">
+                  <a14:hiddenLine xmlns:a14="http://schemas.microsoft.com/office/drawing/2010/main" xmlns="" w="9525">
                     <a:solidFill>
                       <a:srgbClr val="000000"/>
                     </a:solidFill>
@@ -9944,7 +9946,7 @@
               </a:ln>
               <a:extLst>
                 <a:ext uri="{91240B29-F687-4f45-9708-019B960494DF}">
-                  <a14:hiddenLine xmlns="" xmlns:a14="http://schemas.microsoft.com/office/drawing/2010/main" w="9525">
+                  <a14:hiddenLine xmlns:a14="http://schemas.microsoft.com/office/drawing/2010/main" xmlns="" w="9525">
                     <a:solidFill>
                       <a:srgbClr val="000000"/>
                     </a:solidFill>
@@ -10028,7 +10030,7 @@
               </a:ln>
               <a:extLst>
                 <a:ext uri="{91240B29-F687-4f45-9708-019B960494DF}">
-                  <a14:hiddenLine xmlns="" xmlns:a14="http://schemas.microsoft.com/office/drawing/2010/main" w="9525">
+                  <a14:hiddenLine xmlns:a14="http://schemas.microsoft.com/office/drawing/2010/main" xmlns="" w="9525">
                     <a:solidFill>
                       <a:srgbClr val="000000"/>
                     </a:solidFill>
@@ -10090,7 +10092,7 @@
               </a:ln>
               <a:extLst>
                 <a:ext uri="{91240B29-F687-4f45-9708-019B960494DF}">
-                  <a14:hiddenLine xmlns="" xmlns:a14="http://schemas.microsoft.com/office/drawing/2010/main" w="9525">
+                  <a14:hiddenLine xmlns:a14="http://schemas.microsoft.com/office/drawing/2010/main" xmlns="" w="9525">
                     <a:solidFill>
                       <a:srgbClr val="000000"/>
                     </a:solidFill>
@@ -10152,7 +10154,7 @@
               </a:ln>
               <a:extLst>
                 <a:ext uri="{91240B29-F687-4f45-9708-019B960494DF}">
-                  <a14:hiddenLine xmlns="" xmlns:a14="http://schemas.microsoft.com/office/drawing/2010/main" w="9525">
+                  <a14:hiddenLine xmlns:a14="http://schemas.microsoft.com/office/drawing/2010/main" xmlns="" w="9525">
                     <a:solidFill>
                       <a:srgbClr val="000000"/>
                     </a:solidFill>
@@ -10242,7 +10244,7 @@
               </a:ln>
               <a:extLst>
                 <a:ext uri="{91240B29-F687-4f45-9708-019B960494DF}">
-                  <a14:hiddenLine xmlns="" xmlns:a14="http://schemas.microsoft.com/office/drawing/2010/main" w="9525">
+                  <a14:hiddenLine xmlns:a14="http://schemas.microsoft.com/office/drawing/2010/main" xmlns="" w="9525">
                     <a:solidFill>
                       <a:srgbClr val="000000"/>
                     </a:solidFill>
@@ -10276,7 +10278,7 @@
               </a:ln>
               <a:extLst>
                 <a:ext uri="{91240B29-F687-4f45-9708-019B960494DF}">
-                  <a14:hiddenLine xmlns="" xmlns:a14="http://schemas.microsoft.com/office/drawing/2010/main" w="9525">
+                  <a14:hiddenLine xmlns:a14="http://schemas.microsoft.com/office/drawing/2010/main" xmlns="" w="9525">
                     <a:solidFill>
                       <a:srgbClr val="000000"/>
                     </a:solidFill>
@@ -10341,7 +10343,7 @@
               </a:ln>
               <a:extLst>
                 <a:ext uri="{91240B29-F687-4f45-9708-019B960494DF}">
-                  <a14:hiddenLine xmlns="" xmlns:a14="http://schemas.microsoft.com/office/drawing/2010/main" w="9525">
+                  <a14:hiddenLine xmlns:a14="http://schemas.microsoft.com/office/drawing/2010/main" xmlns="" w="9525">
                     <a:solidFill>
                       <a:srgbClr val="000000"/>
                     </a:solidFill>
@@ -10431,7 +10433,7 @@
               </a:ln>
               <a:extLst>
                 <a:ext uri="{91240B29-F687-4f45-9708-019B960494DF}">
-                  <a14:hiddenLine xmlns="" xmlns:a14="http://schemas.microsoft.com/office/drawing/2010/main" w="9525">
+                  <a14:hiddenLine xmlns:a14="http://schemas.microsoft.com/office/drawing/2010/main" xmlns="" w="9525">
                     <a:solidFill>
                       <a:srgbClr val="000000"/>
                     </a:solidFill>
@@ -10493,7 +10495,7 @@
               </a:ln>
               <a:extLst>
                 <a:ext uri="{91240B29-F687-4f45-9708-019B960494DF}">
-                  <a14:hiddenLine xmlns="" xmlns:a14="http://schemas.microsoft.com/office/drawing/2010/main" w="9525">
+                  <a14:hiddenLine xmlns:a14="http://schemas.microsoft.com/office/drawing/2010/main" xmlns="" w="9525">
                     <a:solidFill>
                       <a:srgbClr val="000000"/>
                     </a:solidFill>
@@ -10583,7 +10585,7 @@
               </a:ln>
               <a:extLst>
                 <a:ext uri="{91240B29-F687-4f45-9708-019B960494DF}">
-                  <a14:hiddenLine xmlns="" xmlns:a14="http://schemas.microsoft.com/office/drawing/2010/main" w="9525">
+                  <a14:hiddenLine xmlns:a14="http://schemas.microsoft.com/office/drawing/2010/main" xmlns="" w="9525">
                     <a:solidFill>
                       <a:srgbClr val="000000"/>
                     </a:solidFill>
@@ -10648,7 +10650,7 @@
               </a:ln>
               <a:extLst>
                 <a:ext uri="{91240B29-F687-4f45-9708-019B960494DF}">
-                  <a14:hiddenLine xmlns="" xmlns:a14="http://schemas.microsoft.com/office/drawing/2010/main" w="9525">
+                  <a14:hiddenLine xmlns:a14="http://schemas.microsoft.com/office/drawing/2010/main" xmlns="" w="9525">
                     <a:solidFill>
                       <a:srgbClr val="000000"/>
                     </a:solidFill>
@@ -10710,7 +10712,7 @@
               </a:ln>
               <a:extLst>
                 <a:ext uri="{91240B29-F687-4f45-9708-019B960494DF}">
-                  <a14:hiddenLine xmlns="" xmlns:a14="http://schemas.microsoft.com/office/drawing/2010/main" w="9525">
+                  <a14:hiddenLine xmlns:a14="http://schemas.microsoft.com/office/drawing/2010/main" xmlns="" w="9525">
                     <a:solidFill>
                       <a:srgbClr val="000000"/>
                     </a:solidFill>
@@ -10800,7 +10802,7 @@
               </a:ln>
               <a:extLst>
                 <a:ext uri="{91240B29-F687-4f45-9708-019B960494DF}">
-                  <a14:hiddenLine xmlns="" xmlns:a14="http://schemas.microsoft.com/office/drawing/2010/main" w="9525">
+                  <a14:hiddenLine xmlns:a14="http://schemas.microsoft.com/office/drawing/2010/main" xmlns="" w="9525">
                     <a:solidFill>
                       <a:srgbClr val="000000"/>
                     </a:solidFill>
@@ -10890,7 +10892,7 @@
               </a:ln>
               <a:extLst>
                 <a:ext uri="{91240B29-F687-4f45-9708-019B960494DF}">
-                  <a14:hiddenLine xmlns="" xmlns:a14="http://schemas.microsoft.com/office/drawing/2010/main" w="9525">
+                  <a14:hiddenLine xmlns:a14="http://schemas.microsoft.com/office/drawing/2010/main" xmlns="" w="9525">
                     <a:solidFill>
                       <a:srgbClr val="000000"/>
                     </a:solidFill>
@@ -10955,7 +10957,7 @@
               </a:ln>
               <a:extLst>
                 <a:ext uri="{91240B29-F687-4f45-9708-019B960494DF}">
-                  <a14:hiddenLine xmlns="" xmlns:a14="http://schemas.microsoft.com/office/drawing/2010/main" w="9525">
+                  <a14:hiddenLine xmlns:a14="http://schemas.microsoft.com/office/drawing/2010/main" xmlns="" w="9525">
                     <a:solidFill>
                       <a:srgbClr val="000000"/>
                     </a:solidFill>
@@ -11075,7 +11077,7 @@
               </a:ln>
               <a:extLst>
                 <a:ext uri="{91240B29-F687-4f45-9708-019B960494DF}">
-                  <a14:hiddenLine xmlns="" xmlns:a14="http://schemas.microsoft.com/office/drawing/2010/main" w="9525">
+                  <a14:hiddenLine xmlns:a14="http://schemas.microsoft.com/office/drawing/2010/main" xmlns="" w="9525">
                     <a:solidFill>
                       <a:srgbClr val="000000"/>
                     </a:solidFill>
@@ -11173,7 +11175,7 @@
               </a:ln>
               <a:extLst>
                 <a:ext uri="{91240B29-F687-4f45-9708-019B960494DF}">
-                  <a14:hiddenLine xmlns="" xmlns:a14="http://schemas.microsoft.com/office/drawing/2010/main" w="9525">
+                  <a14:hiddenLine xmlns:a14="http://schemas.microsoft.com/office/drawing/2010/main" xmlns="" w="9525">
                     <a:solidFill>
                       <a:srgbClr val="000000"/>
                     </a:solidFill>
@@ -11288,7 +11290,7 @@
               </a:ln>
               <a:extLst>
                 <a:ext uri="{91240B29-F687-4f45-9708-019B960494DF}">
-                  <a14:hiddenLine xmlns="" xmlns:a14="http://schemas.microsoft.com/office/drawing/2010/main" w="9525">
+                  <a14:hiddenLine xmlns:a14="http://schemas.microsoft.com/office/drawing/2010/main" xmlns="" w="9525">
                     <a:solidFill>
                       <a:srgbClr val="000000"/>
                     </a:solidFill>
@@ -11378,7 +11380,7 @@
               </a:ln>
               <a:extLst>
                 <a:ext uri="{91240B29-F687-4f45-9708-019B960494DF}">
-                  <a14:hiddenLine xmlns="" xmlns:a14="http://schemas.microsoft.com/office/drawing/2010/main" w="9525">
+                  <a14:hiddenLine xmlns:a14="http://schemas.microsoft.com/office/drawing/2010/main" xmlns="" w="9525">
                     <a:solidFill>
                       <a:srgbClr val="000000"/>
                     </a:solidFill>
@@ -11443,7 +11445,7 @@
               </a:ln>
               <a:extLst>
                 <a:ext uri="{91240B29-F687-4f45-9708-019B960494DF}">
-                  <a14:hiddenLine xmlns="" xmlns:a14="http://schemas.microsoft.com/office/drawing/2010/main" w="9525">
+                  <a14:hiddenLine xmlns:a14="http://schemas.microsoft.com/office/drawing/2010/main" xmlns="" w="9525">
                     <a:solidFill>
                       <a:srgbClr val="000000"/>
                     </a:solidFill>
@@ -11533,7 +11535,7 @@
               </a:ln>
               <a:extLst>
                 <a:ext uri="{91240B29-F687-4f45-9708-019B960494DF}">
-                  <a14:hiddenLine xmlns="" xmlns:a14="http://schemas.microsoft.com/office/drawing/2010/main" w="9525">
+                  <a14:hiddenLine xmlns:a14="http://schemas.microsoft.com/office/drawing/2010/main" xmlns="" w="9525">
                     <a:solidFill>
                       <a:srgbClr val="000000"/>
                     </a:solidFill>
@@ -11601,7 +11603,7 @@
               </a:ln>
               <a:extLst>
                 <a:ext uri="{91240B29-F687-4f45-9708-019B960494DF}">
-                  <a14:hiddenLine xmlns="" xmlns:a14="http://schemas.microsoft.com/office/drawing/2010/main" w="9525">
+                  <a14:hiddenLine xmlns:a14="http://schemas.microsoft.com/office/drawing/2010/main" xmlns="" w="9525">
                     <a:solidFill>
                       <a:srgbClr val="000000"/>
                     </a:solidFill>
@@ -11691,7 +11693,7 @@
               </a:ln>
               <a:extLst>
                 <a:ext uri="{91240B29-F687-4f45-9708-019B960494DF}">
-                  <a14:hiddenLine xmlns="" xmlns:a14="http://schemas.microsoft.com/office/drawing/2010/main" w="9525">
+                  <a14:hiddenLine xmlns:a14="http://schemas.microsoft.com/office/drawing/2010/main" xmlns="" w="9525">
                     <a:solidFill>
                       <a:srgbClr val="000000"/>
                     </a:solidFill>
@@ -11759,7 +11761,7 @@
               </a:ln>
               <a:extLst>
                 <a:ext uri="{91240B29-F687-4f45-9708-019B960494DF}">
-                  <a14:hiddenLine xmlns="" xmlns:a14="http://schemas.microsoft.com/office/drawing/2010/main" w="9525">
+                  <a14:hiddenLine xmlns:a14="http://schemas.microsoft.com/office/drawing/2010/main" xmlns="" w="9525">
                     <a:solidFill>
                       <a:srgbClr val="000000"/>
                     </a:solidFill>
@@ -11849,7 +11851,7 @@
               </a:ln>
               <a:extLst>
                 <a:ext uri="{91240B29-F687-4f45-9708-019B960494DF}">
-                  <a14:hiddenLine xmlns="" xmlns:a14="http://schemas.microsoft.com/office/drawing/2010/main" w="9525">
+                  <a14:hiddenLine xmlns:a14="http://schemas.microsoft.com/office/drawing/2010/main" xmlns="" w="9525">
                     <a:solidFill>
                       <a:srgbClr val="000000"/>
                     </a:solidFill>
@@ -11883,7 +11885,7 @@
               </a:ln>
               <a:extLst>
                 <a:ext uri="{91240B29-F687-4f45-9708-019B960494DF}">
-                  <a14:hiddenLine xmlns="" xmlns:a14="http://schemas.microsoft.com/office/drawing/2010/main" w="9525">
+                  <a14:hiddenLine xmlns:a14="http://schemas.microsoft.com/office/drawing/2010/main" xmlns="" w="9525">
                     <a:solidFill>
                       <a:srgbClr val="000000"/>
                     </a:solidFill>
@@ -12024,7 +12026,7 @@
             <a:fld id="{48A87A34-81AB-432B-8DAE-1953F412C126}" type="datetimeFigureOut">
               <a:rPr lang="en-US" smtClean="0"/>
               <a:pPr/>
-              <a:t>3/31/19</a:t>
+              <a:t>4/1/2019</a:t>
             </a:fld>
             <a:endParaRPr lang="en-US" dirty="0"/>
           </a:p>
@@ -12463,7 +12465,7 @@
         </p:nvSpPr>
         <p:spPr>
           <a:xfrm>
-            <a:off x="1876424" y="1028699"/>
+            <a:off x="1883611" y="200818"/>
             <a:ext cx="8791575" cy="931863"/>
           </a:xfrm>
         </p:spPr>
@@ -12497,8 +12499,8 @@
         </p:nvSpPr>
         <p:spPr>
           <a:xfrm>
-            <a:off x="2155823" y="5001420"/>
-            <a:ext cx="9896477" cy="1655762"/>
+            <a:off x="2385391" y="5001420"/>
+            <a:ext cx="9666909" cy="1655762"/>
           </a:xfrm>
         </p:spPr>
         <p:txBody>
@@ -12568,13 +12570,8 @@
             </a:r>
             <a:r>
               <a:rPr lang="en-US" dirty="0"/>
-              <a:t>	 Gaurav </a:t>
+              <a:t>	 Gaurav FNU</a:t>
             </a:r>
-            <a:r>
-              <a:rPr lang="en-US" dirty="0" err="1"/>
-              <a:t>girdhar</a:t>
-            </a:r>
-            <a:endParaRPr lang="en-US" dirty="0"/>
           </a:p>
           <a:p>
             <a:r>
@@ -12602,10 +12599,10 @@
       </p:sp>
       <p:pic>
         <p:nvPicPr>
-          <p:cNvPr id="13" name="Picture 12">
+          <p:cNvPr id="6" name="Picture 5">
             <a:extLst>
               <a:ext uri="{FF2B5EF4-FFF2-40B4-BE49-F238E27FC236}">
-                <a16:creationId xmlns:a16="http://schemas.microsoft.com/office/drawing/2014/main" id="{12D09113-8410-4092-A8AC-77B20FCDEF21}"/>
+                <a16:creationId xmlns:a16="http://schemas.microsoft.com/office/drawing/2014/main" id="{C04D2CE3-FADE-4444-BF01-5877D5BCC980}"/>
               </a:ext>
             </a:extLst>
           </p:cNvPr>
@@ -12622,18 +12619,347 @@
         </p:blipFill>
         <p:spPr>
           <a:xfrm>
-            <a:off x="5328116" y="2351315"/>
-            <a:ext cx="1535767" cy="1420585"/>
+            <a:off x="392754" y="1250831"/>
+            <a:ext cx="1513831" cy="1508611"/>
           </a:xfrm>
           <a:prstGeom prst="rect">
             <a:avLst/>
           </a:prstGeom>
         </p:spPr>
       </p:pic>
+      <p:pic>
+        <p:nvPicPr>
+          <p:cNvPr id="7" name="Picture 6">
+            <a:extLst>
+              <a:ext uri="{FF2B5EF4-FFF2-40B4-BE49-F238E27FC236}">
+                <a16:creationId xmlns:a16="http://schemas.microsoft.com/office/drawing/2014/main" id="{2A8D4E12-6DAC-43E1-B8A5-DAB48EDC7D6E}"/>
+              </a:ext>
+            </a:extLst>
+          </p:cNvPr>
+          <p:cNvPicPr>
+            <a:picLocks noChangeAspect="1"/>
+          </p:cNvPicPr>
+          <p:nvPr/>
+        </p:nvPicPr>
+        <p:blipFill>
+          <a:blip r:embed="rId3"/>
+          <a:stretch>
+            <a:fillRect/>
+          </a:stretch>
+        </p:blipFill>
+        <p:spPr>
+          <a:xfrm>
+            <a:off x="3766263" y="1243150"/>
+            <a:ext cx="1513831" cy="1508611"/>
+          </a:xfrm>
+          <a:prstGeom prst="rect">
+            <a:avLst/>
+          </a:prstGeom>
+        </p:spPr>
+      </p:pic>
+      <p:pic>
+        <p:nvPicPr>
+          <p:cNvPr id="8" name="Picture 7">
+            <a:extLst>
+              <a:ext uri="{FF2B5EF4-FFF2-40B4-BE49-F238E27FC236}">
+                <a16:creationId xmlns:a16="http://schemas.microsoft.com/office/drawing/2014/main" id="{DEC9A47A-34DF-4FB6-877F-3C1541D6D98D}"/>
+              </a:ext>
+            </a:extLst>
+          </p:cNvPr>
+          <p:cNvPicPr>
+            <a:picLocks noChangeAspect="1"/>
+          </p:cNvPicPr>
+          <p:nvPr/>
+        </p:nvPicPr>
+        <p:blipFill>
+          <a:blip r:embed="rId4"/>
+          <a:stretch>
+            <a:fillRect/>
+          </a:stretch>
+        </p:blipFill>
+        <p:spPr>
+          <a:xfrm>
+            <a:off x="5395070" y="1237428"/>
+            <a:ext cx="1513832" cy="1508612"/>
+          </a:xfrm>
+          <a:prstGeom prst="rect">
+            <a:avLst/>
+          </a:prstGeom>
+        </p:spPr>
+      </p:pic>
+      <p:pic>
+        <p:nvPicPr>
+          <p:cNvPr id="9" name="Picture 8">
+            <a:extLst>
+              <a:ext uri="{FF2B5EF4-FFF2-40B4-BE49-F238E27FC236}">
+                <a16:creationId xmlns:a16="http://schemas.microsoft.com/office/drawing/2014/main" id="{75A97654-9ACF-43A2-BA5E-3ACE534F6BB1}"/>
+              </a:ext>
+            </a:extLst>
+          </p:cNvPr>
+          <p:cNvPicPr>
+            <a:picLocks noChangeAspect="1"/>
+          </p:cNvPicPr>
+          <p:nvPr/>
+        </p:nvPicPr>
+        <p:blipFill>
+          <a:blip r:embed="rId5"/>
+          <a:stretch>
+            <a:fillRect/>
+          </a:stretch>
+        </p:blipFill>
+        <p:spPr>
+          <a:xfrm>
+            <a:off x="7050582" y="1229294"/>
+            <a:ext cx="1513832" cy="1508612"/>
+          </a:xfrm>
+          <a:prstGeom prst="rect">
+            <a:avLst/>
+          </a:prstGeom>
+        </p:spPr>
+      </p:pic>
+      <p:pic>
+        <p:nvPicPr>
+          <p:cNvPr id="10" name="Picture 9">
+            <a:extLst>
+              <a:ext uri="{FF2B5EF4-FFF2-40B4-BE49-F238E27FC236}">
+                <a16:creationId xmlns:a16="http://schemas.microsoft.com/office/drawing/2014/main" id="{9B7E195B-B314-46BB-9947-09C095EEE81B}"/>
+              </a:ext>
+            </a:extLst>
+          </p:cNvPr>
+          <p:cNvPicPr>
+            <a:picLocks noChangeAspect="1"/>
+          </p:cNvPicPr>
+          <p:nvPr/>
+        </p:nvPicPr>
+        <p:blipFill>
+          <a:blip r:embed="rId6"/>
+          <a:stretch>
+            <a:fillRect/>
+          </a:stretch>
+        </p:blipFill>
+        <p:spPr>
+          <a:xfrm>
+            <a:off x="8712816" y="1244130"/>
+            <a:ext cx="1507107" cy="1501910"/>
+          </a:xfrm>
+          <a:prstGeom prst="rect">
+            <a:avLst/>
+          </a:prstGeom>
+        </p:spPr>
+      </p:pic>
+      <p:pic>
+        <p:nvPicPr>
+          <p:cNvPr id="11" name="Picture 10">
+            <a:extLst>
+              <a:ext uri="{FF2B5EF4-FFF2-40B4-BE49-F238E27FC236}">
+                <a16:creationId xmlns:a16="http://schemas.microsoft.com/office/drawing/2014/main" id="{EBF10B3E-7F59-4AE2-B659-45D4C2DBBC08}"/>
+              </a:ext>
+            </a:extLst>
+          </p:cNvPr>
+          <p:cNvPicPr>
+            <a:picLocks noChangeAspect="1"/>
+          </p:cNvPicPr>
+          <p:nvPr/>
+        </p:nvPicPr>
+        <p:blipFill>
+          <a:blip r:embed="rId7"/>
+          <a:stretch>
+            <a:fillRect/>
+          </a:stretch>
+        </p:blipFill>
+        <p:spPr>
+          <a:xfrm>
+            <a:off x="10371077" y="1244130"/>
+            <a:ext cx="1507107" cy="1501910"/>
+          </a:xfrm>
+          <a:prstGeom prst="rect">
+            <a:avLst/>
+          </a:prstGeom>
+        </p:spPr>
+      </p:pic>
+      <p:pic>
+        <p:nvPicPr>
+          <p:cNvPr id="12" name="Picture 11">
+            <a:extLst>
+              <a:ext uri="{FF2B5EF4-FFF2-40B4-BE49-F238E27FC236}">
+                <a16:creationId xmlns:a16="http://schemas.microsoft.com/office/drawing/2014/main" id="{F3A2CC9D-FB19-4D63-894F-B0AE04B6056D}"/>
+              </a:ext>
+            </a:extLst>
+          </p:cNvPr>
+          <p:cNvPicPr>
+            <a:picLocks noChangeAspect="1"/>
+          </p:cNvPicPr>
+          <p:nvPr/>
+        </p:nvPicPr>
+        <p:blipFill>
+          <a:blip r:embed="rId8"/>
+          <a:stretch>
+            <a:fillRect/>
+          </a:stretch>
+        </p:blipFill>
+        <p:spPr>
+          <a:xfrm>
+            <a:off x="2099190" y="1250831"/>
+            <a:ext cx="1513831" cy="1508611"/>
+          </a:xfrm>
+          <a:prstGeom prst="rect">
+            <a:avLst/>
+          </a:prstGeom>
+        </p:spPr>
+      </p:pic>
+      <p:sp>
+        <p:nvSpPr>
+          <p:cNvPr id="14" name="TextBox 13">
+            <a:extLst>
+              <a:ext uri="{FF2B5EF4-FFF2-40B4-BE49-F238E27FC236}">
+                <a16:creationId xmlns:a16="http://schemas.microsoft.com/office/drawing/2014/main" id="{6F9E1177-B80E-4CEF-A256-343DFAE24982}"/>
+              </a:ext>
+            </a:extLst>
+          </p:cNvPr>
+          <p:cNvSpPr txBox="1"/>
+          <p:nvPr/>
+        </p:nvSpPr>
+        <p:spPr>
+          <a:xfrm>
+            <a:off x="543338" y="2915478"/>
+            <a:ext cx="11290853" cy="492443"/>
+          </a:xfrm>
+          <a:prstGeom prst="rect">
+            <a:avLst/>
+          </a:prstGeom>
+          <a:noFill/>
+        </p:spPr>
+        <p:txBody>
+          <a:bodyPr wrap="square" rtlCol="0">
+            <a:spAutoFit/>
+          </a:bodyPr>
+          <a:lstStyle/>
+          <a:p>
+            <a:r>
+              <a:rPr lang="en-US" sz="2600" b="1" dirty="0"/>
+              <a:t>Classes:</a:t>
+            </a:r>
+            <a:r>
+              <a:rPr lang="en-US" sz="2600" dirty="0"/>
+              <a:t> 0=Angry, 1=Disgust, 2=Fear, 3=Happy, 4=Sad, 5=Surprise, 6=Neutral</a:t>
+            </a:r>
+          </a:p>
+        </p:txBody>
+      </p:sp>
     </p:spTree>
     <p:extLst>
       <p:ext uri="{BB962C8B-B14F-4D97-AF65-F5344CB8AC3E}">
         <p14:creationId xmlns:p14="http://schemas.microsoft.com/office/powerpoint/2010/main" val="1174980217"/>
+      </p:ext>
+    </p:extLst>
+  </p:cSld>
+  <p:clrMapOvr>
+    <a:masterClrMapping/>
+  </p:clrMapOvr>
+</p:sld>
+</file>
+
+<file path=ppt/slides/slide10.xml><?xml version="1.0" encoding="utf-8"?>
+<p:sld xmlns:a="http://schemas.openxmlformats.org/drawingml/2006/main" xmlns:r="http://schemas.openxmlformats.org/officeDocument/2006/relationships" xmlns:p="http://schemas.openxmlformats.org/presentationml/2006/main">
+  <p:cSld>
+    <p:spTree>
+      <p:nvGrpSpPr>
+        <p:cNvPr id="1" name=""/>
+        <p:cNvGrpSpPr/>
+        <p:nvPr/>
+      </p:nvGrpSpPr>
+      <p:grpSpPr>
+        <a:xfrm>
+          <a:off x="0" y="0"/>
+          <a:ext cx="0" cy="0"/>
+          <a:chOff x="0" y="0"/>
+          <a:chExt cx="0" cy="0"/>
+        </a:xfrm>
+      </p:grpSpPr>
+      <p:sp>
+        <p:nvSpPr>
+          <p:cNvPr id="2" name="Title 1">
+            <a:extLst>
+              <a:ext uri="{FF2B5EF4-FFF2-40B4-BE49-F238E27FC236}">
+                <a16:creationId xmlns:a16="http://schemas.microsoft.com/office/drawing/2014/main" id="{6AEBB5A1-F934-4332-9BD3-85C1F9DE1846}"/>
+              </a:ext>
+            </a:extLst>
+          </p:cNvPr>
+          <p:cNvSpPr>
+            <a:spLocks noGrp="1"/>
+          </p:cNvSpPr>
+          <p:nvPr>
+            <p:ph type="title"/>
+          </p:nvPr>
+        </p:nvSpPr>
+        <p:spPr/>
+        <p:txBody>
+          <a:bodyPr>
+            <a:normAutofit/>
+          </a:bodyPr>
+          <a:lstStyle/>
+          <a:p>
+            <a:r>
+              <a:rPr lang="en-US" dirty="0"/>
+              <a:t>Histogram classifier results</a:t>
+            </a:r>
+          </a:p>
+        </p:txBody>
+      </p:sp>
+      <p:sp>
+        <p:nvSpPr>
+          <p:cNvPr id="3" name="Content Placeholder 2">
+            <a:extLst>
+              <a:ext uri="{FF2B5EF4-FFF2-40B4-BE49-F238E27FC236}">
+                <a16:creationId xmlns:a16="http://schemas.microsoft.com/office/drawing/2014/main" id="{D0053B46-A715-4C18-808B-247F667DCCD6}"/>
+              </a:ext>
+            </a:extLst>
+          </p:cNvPr>
+          <p:cNvSpPr>
+            <a:spLocks noGrp="1"/>
+          </p:cNvSpPr>
+          <p:nvPr>
+            <p:ph sz="half" idx="1"/>
+          </p:nvPr>
+        </p:nvSpPr>
+        <p:spPr/>
+        <p:txBody>
+          <a:bodyPr/>
+          <a:lstStyle/>
+          <a:p>
+            <a:endParaRPr lang="en-US"/>
+          </a:p>
+        </p:txBody>
+      </p:sp>
+      <p:sp>
+        <p:nvSpPr>
+          <p:cNvPr id="4" name="Content Placeholder 3">
+            <a:extLst>
+              <a:ext uri="{FF2B5EF4-FFF2-40B4-BE49-F238E27FC236}">
+                <a16:creationId xmlns:a16="http://schemas.microsoft.com/office/drawing/2014/main" id="{8B00685F-05AE-4218-8A6C-B8181DD361B4}"/>
+              </a:ext>
+            </a:extLst>
+          </p:cNvPr>
+          <p:cNvSpPr>
+            <a:spLocks noGrp="1"/>
+          </p:cNvSpPr>
+          <p:nvPr>
+            <p:ph sz="half" idx="2"/>
+          </p:nvPr>
+        </p:nvSpPr>
+        <p:spPr/>
+        <p:txBody>
+          <a:bodyPr/>
+          <a:lstStyle/>
+          <a:p>
+            <a:endParaRPr lang="en-US"/>
+          </a:p>
+        </p:txBody>
+      </p:sp>
+    </p:spTree>
+    <p:extLst>
+      <p:ext uri="{BB962C8B-B14F-4D97-AF65-F5344CB8AC3E}">
+        <p14:creationId xmlns:p14="http://schemas.microsoft.com/office/powerpoint/2010/main" val="1567941571"/>
       </p:ext>
     </p:extLst>
   </p:cSld>
@@ -12716,7 +13042,9 @@
         </p:nvSpPr>
         <p:spPr/>
         <p:txBody>
-          <a:bodyPr/>
+          <a:bodyPr>
+            <a:normAutofit/>
+          </a:bodyPr>
           <a:lstStyle/>
           <a:p>
             <a:r>
@@ -12742,41 +13070,69 @@
             <p:ph sz="half" idx="2"/>
           </p:nvPr>
         </p:nvSpPr>
-        <p:spPr/>
+        <p:spPr>
+          <a:xfrm>
+            <a:off x="4545496" y="2249486"/>
+            <a:ext cx="6501915" cy="3541714"/>
+          </a:xfrm>
+        </p:spPr>
         <p:txBody>
-          <a:bodyPr/>
+          <a:bodyPr>
+            <a:normAutofit/>
+          </a:bodyPr>
           <a:lstStyle/>
           <a:p>
+            <a:pPr marL="0" indent="0">
+              <a:buNone/>
+            </a:pPr>
             <a:r>
               <a:rPr lang="en-US" dirty="0"/>
               <a:t>Methodology:</a:t>
             </a:r>
-            <a:br>
-              <a:rPr lang="en-US" dirty="0"/>
-            </a:br>
+          </a:p>
+          <a:p>
+            <a:pPr marL="457200" indent="-457200">
+              <a:buFont typeface="+mj-lt"/>
+              <a:buAutoNum type="arabicPeriod"/>
+            </a:pPr>
             <a:r>
-              <a:rPr lang="en-US" dirty="0"/>
-              <a:t>1. Histogram</a:t>
+              <a:rPr lang="en-US" sz="2000" dirty="0"/>
+              <a:t>Linear Classification Analysis</a:t>
+            </a:r>
+          </a:p>
+          <a:p>
+            <a:pPr marL="457200" indent="-457200">
+              <a:buFont typeface="+mj-lt"/>
+              <a:buAutoNum type="arabicPeriod"/>
+            </a:pPr>
+            <a:r>
+              <a:rPr lang="en-US" sz="2000" dirty="0"/>
+              <a:t>Logistic Regression Analysis</a:t>
+            </a:r>
+          </a:p>
+          <a:p>
+            <a:pPr marL="457200" indent="-457200">
+              <a:buFont typeface="+mj-lt"/>
+              <a:buAutoNum type="arabicPeriod"/>
+            </a:pPr>
+            <a:r>
+              <a:rPr lang="en-US" sz="2000" dirty="0"/>
+              <a:t>Principal Component Analysis</a:t>
+            </a:r>
+          </a:p>
+          <a:p>
+            <a:pPr marL="457200" indent="-457200">
+              <a:buFont typeface="+mj-lt"/>
+              <a:buAutoNum type="arabicPeriod"/>
+            </a:pPr>
+            <a:r>
+              <a:rPr lang="en-US" sz="2000" dirty="0"/>
+              <a:t>Neural Networks</a:t>
             </a:r>
             <a:br>
-              <a:rPr lang="en-US" dirty="0"/>
+              <a:rPr lang="en-US" sz="2000" dirty="0"/>
             </a:br>
-            <a:r>
-              <a:rPr lang="en-US" dirty="0"/>
-              <a:t>2. Principal component analysis</a:t>
-            </a:r>
-            <a:br>
-              <a:rPr lang="en-US" dirty="0"/>
-            </a:br>
-            <a:r>
-              <a:rPr lang="en-US" dirty="0"/>
-              <a:t>3. linear </a:t>
-            </a:r>
-            <a:r>
-              <a:rPr lang="en-US" dirty="0" err="1"/>
-              <a:t>classifer</a:t>
-            </a:r>
-            <a:endParaRPr lang="en-US" dirty="0"/>
+            <a:endParaRPr lang="en-US" sz="2000" dirty="0"/>
           </a:p>
         </p:txBody>
       </p:sp>
@@ -12812,253 +13168,86 @@
       </p:grpSpPr>
       <p:sp>
         <p:nvSpPr>
-          <p:cNvPr id="5" name="TextBox 4">
+          <p:cNvPr id="2" name="Title 1">
             <a:extLst>
               <a:ext uri="{FF2B5EF4-FFF2-40B4-BE49-F238E27FC236}">
-                <a16:creationId xmlns:a16="http://schemas.microsoft.com/office/drawing/2014/main" id="{A4DCDF8D-7785-F245-BA83-13B4E82F6E6A}"/>
+                <a16:creationId xmlns:a16="http://schemas.microsoft.com/office/drawing/2014/main" id="{DACA88CE-21C6-4B0E-A7F8-45202789E753}"/>
               </a:ext>
             </a:extLst>
           </p:cNvPr>
-          <p:cNvSpPr txBox="1"/>
-          <p:nvPr/>
+          <p:cNvSpPr>
+            <a:spLocks noGrp="1"/>
+          </p:cNvSpPr>
+          <p:nvPr>
+            <p:ph type="title"/>
+          </p:nvPr>
         </p:nvSpPr>
-        <p:spPr>
-          <a:xfrm>
-            <a:off x="543338" y="2001078"/>
-            <a:ext cx="11290853" cy="492443"/>
-          </a:xfrm>
-          <a:prstGeom prst="rect">
-            <a:avLst/>
-          </a:prstGeom>
-          <a:noFill/>
-        </p:spPr>
+        <p:spPr/>
         <p:txBody>
-          <a:bodyPr wrap="square" rtlCol="0">
-            <a:spAutoFit/>
-          </a:bodyPr>
+          <a:bodyPr/>
           <a:lstStyle/>
           <a:p>
             <a:r>
-              <a:rPr lang="en-US" sz="2600" dirty="0"/>
-              <a:t>Classes: 0=Angry, 1=Disgust, 2=Fear, 3=Happy, 4=Sad, 5=Surprise, 6=Neutral</a:t>
+              <a:rPr lang="en-US" dirty="0"/>
+              <a:t>Linear classifier</a:t>
             </a:r>
           </a:p>
         </p:txBody>
       </p:sp>
-      <p:pic>
-        <p:nvPicPr>
-          <p:cNvPr id="6" name="Picture 5">
+      <p:sp>
+        <p:nvSpPr>
+          <p:cNvPr id="3" name="Content Placeholder 2">
             <a:extLst>
               <a:ext uri="{FF2B5EF4-FFF2-40B4-BE49-F238E27FC236}">
-                <a16:creationId xmlns:a16="http://schemas.microsoft.com/office/drawing/2014/main" id="{241E2366-F09A-FE45-A8BB-C6D157765E3B}"/>
+                <a16:creationId xmlns:a16="http://schemas.microsoft.com/office/drawing/2014/main" id="{FA0C8D5D-E5D2-44E2-84C9-DB263BC00B11}"/>
               </a:ext>
             </a:extLst>
           </p:cNvPr>
-          <p:cNvPicPr>
-            <a:picLocks noChangeAspect="1"/>
-          </p:cNvPicPr>
-          <p:nvPr/>
-        </p:nvPicPr>
-        <p:blipFill>
-          <a:blip r:embed="rId2"/>
-          <a:stretch>
-            <a:fillRect/>
-          </a:stretch>
-        </p:blipFill>
-        <p:spPr>
-          <a:xfrm>
-            <a:off x="951086" y="2658116"/>
-            <a:ext cx="1898294" cy="1891748"/>
-          </a:xfrm>
-          <a:prstGeom prst="rect">
-            <a:avLst/>
-          </a:prstGeom>
-        </p:spPr>
-      </p:pic>
-      <p:pic>
-        <p:nvPicPr>
-          <p:cNvPr id="8" name="Picture 7">
+          <p:cNvSpPr>
+            <a:spLocks noGrp="1"/>
+          </p:cNvSpPr>
+          <p:nvPr>
+            <p:ph sz="half" idx="1"/>
+          </p:nvPr>
+        </p:nvSpPr>
+        <p:spPr/>
+        <p:txBody>
+          <a:bodyPr/>
+          <a:lstStyle/>
+          <a:p>
+            <a:endParaRPr lang="en-US"/>
+          </a:p>
+        </p:txBody>
+      </p:sp>
+      <p:sp>
+        <p:nvSpPr>
+          <p:cNvPr id="4" name="Content Placeholder 3">
             <a:extLst>
               <a:ext uri="{FF2B5EF4-FFF2-40B4-BE49-F238E27FC236}">
-                <a16:creationId xmlns:a16="http://schemas.microsoft.com/office/drawing/2014/main" id="{7FBD65BA-5874-A946-973E-C3283D31A024}"/>
+                <a16:creationId xmlns:a16="http://schemas.microsoft.com/office/drawing/2014/main" id="{18B30F1E-0F8D-4C56-9A12-89065408D6AB}"/>
               </a:ext>
             </a:extLst>
           </p:cNvPr>
-          <p:cNvPicPr>
-            <a:picLocks noChangeAspect="1"/>
-          </p:cNvPicPr>
-          <p:nvPr/>
-        </p:nvPicPr>
-        <p:blipFill>
-          <a:blip r:embed="rId3"/>
-          <a:stretch>
-            <a:fillRect/>
-          </a:stretch>
-        </p:blipFill>
-        <p:spPr>
-          <a:xfrm>
-            <a:off x="5132971" y="2663689"/>
-            <a:ext cx="1898294" cy="1891748"/>
-          </a:xfrm>
-          <a:prstGeom prst="rect">
-            <a:avLst/>
-          </a:prstGeom>
-        </p:spPr>
-      </p:pic>
-      <p:pic>
-        <p:nvPicPr>
-          <p:cNvPr id="9" name="Picture 8">
-            <a:extLst>
-              <a:ext uri="{FF2B5EF4-FFF2-40B4-BE49-F238E27FC236}">
-                <a16:creationId xmlns:a16="http://schemas.microsoft.com/office/drawing/2014/main" id="{CB8BC27D-9977-5144-9E08-AF02E35AF7A9}"/>
-              </a:ext>
-            </a:extLst>
-          </p:cNvPr>
-          <p:cNvPicPr>
-            <a:picLocks noChangeAspect="1"/>
-          </p:cNvPicPr>
-          <p:nvPr/>
-        </p:nvPicPr>
-        <p:blipFill>
-          <a:blip r:embed="rId4"/>
-          <a:stretch>
-            <a:fillRect/>
-          </a:stretch>
-        </p:blipFill>
-        <p:spPr>
-          <a:xfrm>
-            <a:off x="7172797" y="2658116"/>
-            <a:ext cx="1898294" cy="1891748"/>
-          </a:xfrm>
-          <a:prstGeom prst="rect">
-            <a:avLst/>
-          </a:prstGeom>
-        </p:spPr>
-      </p:pic>
-      <p:pic>
-        <p:nvPicPr>
-          <p:cNvPr id="10" name="Picture 9">
-            <a:extLst>
-              <a:ext uri="{FF2B5EF4-FFF2-40B4-BE49-F238E27FC236}">
-                <a16:creationId xmlns:a16="http://schemas.microsoft.com/office/drawing/2014/main" id="{08F33DA0-A051-4F44-8916-AD5DC0475633}"/>
-              </a:ext>
-            </a:extLst>
-          </p:cNvPr>
-          <p:cNvPicPr>
-            <a:picLocks noChangeAspect="1"/>
-          </p:cNvPicPr>
-          <p:nvPr/>
-        </p:nvPicPr>
-        <p:blipFill>
-          <a:blip r:embed="rId5"/>
-          <a:stretch>
-            <a:fillRect/>
-          </a:stretch>
-        </p:blipFill>
-        <p:spPr>
-          <a:xfrm>
-            <a:off x="9212623" y="2676488"/>
-            <a:ext cx="1898294" cy="1891748"/>
-          </a:xfrm>
-          <a:prstGeom prst="rect">
-            <a:avLst/>
-          </a:prstGeom>
-        </p:spPr>
-      </p:pic>
-      <p:pic>
-        <p:nvPicPr>
-          <p:cNvPr id="11" name="Picture 10">
-            <a:extLst>
-              <a:ext uri="{FF2B5EF4-FFF2-40B4-BE49-F238E27FC236}">
-                <a16:creationId xmlns:a16="http://schemas.microsoft.com/office/drawing/2014/main" id="{426C6092-B2DC-044B-9E5F-34CAFCF0E173}"/>
-              </a:ext>
-            </a:extLst>
-          </p:cNvPr>
-          <p:cNvPicPr>
-            <a:picLocks noChangeAspect="1"/>
-          </p:cNvPicPr>
-          <p:nvPr/>
-        </p:nvPicPr>
-        <p:blipFill>
-          <a:blip r:embed="rId6"/>
-          <a:stretch>
-            <a:fillRect/>
-          </a:stretch>
-        </p:blipFill>
-        <p:spPr>
-          <a:xfrm>
-            <a:off x="3622688" y="4714460"/>
-            <a:ext cx="1898295" cy="1891749"/>
-          </a:xfrm>
-          <a:prstGeom prst="rect">
-            <a:avLst/>
-          </a:prstGeom>
-        </p:spPr>
-      </p:pic>
-      <p:pic>
-        <p:nvPicPr>
-          <p:cNvPr id="12" name="Picture 11">
-            <a:extLst>
-              <a:ext uri="{FF2B5EF4-FFF2-40B4-BE49-F238E27FC236}">
-                <a16:creationId xmlns:a16="http://schemas.microsoft.com/office/drawing/2014/main" id="{EB377905-4BC6-124F-906F-B0FF5BF986EC}"/>
-              </a:ext>
-            </a:extLst>
-          </p:cNvPr>
-          <p:cNvPicPr>
-            <a:picLocks noChangeAspect="1"/>
-          </p:cNvPicPr>
-          <p:nvPr/>
-        </p:nvPicPr>
-        <p:blipFill>
-          <a:blip r:embed="rId7"/>
-          <a:stretch>
-            <a:fillRect/>
-          </a:stretch>
-        </p:blipFill>
-        <p:spPr>
-          <a:xfrm>
-            <a:off x="5721871" y="4714460"/>
-            <a:ext cx="1898295" cy="1891749"/>
-          </a:xfrm>
-          <a:prstGeom prst="rect">
-            <a:avLst/>
-          </a:prstGeom>
-        </p:spPr>
-      </p:pic>
-      <p:pic>
-        <p:nvPicPr>
-          <p:cNvPr id="13" name="Picture 12">
-            <a:extLst>
-              <a:ext uri="{FF2B5EF4-FFF2-40B4-BE49-F238E27FC236}">
-                <a16:creationId xmlns:a16="http://schemas.microsoft.com/office/drawing/2014/main" id="{2E9BD830-194C-974F-8FAA-DD760FF040B5}"/>
-              </a:ext>
-            </a:extLst>
-          </p:cNvPr>
-          <p:cNvPicPr>
-            <a:picLocks noChangeAspect="1"/>
-          </p:cNvPicPr>
-          <p:nvPr/>
-        </p:nvPicPr>
-        <p:blipFill>
-          <a:blip r:embed="rId8"/>
-          <a:stretch>
-            <a:fillRect/>
-          </a:stretch>
-        </p:blipFill>
-        <p:spPr>
-          <a:xfrm>
-            <a:off x="3042028" y="2671517"/>
-            <a:ext cx="1898295" cy="1891749"/>
-          </a:xfrm>
-          <a:prstGeom prst="rect">
-            <a:avLst/>
-          </a:prstGeom>
-        </p:spPr>
-      </p:pic>
+          <p:cNvSpPr>
+            <a:spLocks noGrp="1"/>
+          </p:cNvSpPr>
+          <p:nvPr>
+            <p:ph sz="half" idx="2"/>
+          </p:nvPr>
+        </p:nvSpPr>
+        <p:spPr/>
+        <p:txBody>
+          <a:bodyPr/>
+          <a:lstStyle/>
+          <a:p>
+            <a:endParaRPr lang="en-US"/>
+          </a:p>
+        </p:txBody>
+      </p:sp>
     </p:spTree>
     <p:extLst>
       <p:ext uri="{BB962C8B-B14F-4D97-AF65-F5344CB8AC3E}">
-        <p14:creationId xmlns:p14="http://schemas.microsoft.com/office/powerpoint/2010/main" val="2764635835"/>
+        <p14:creationId xmlns:p14="http://schemas.microsoft.com/office/powerpoint/2010/main" val="3348931744"/>
       </p:ext>
     </p:extLst>
   </p:cSld>
@@ -13069,6 +13258,115 @@
 </file>
 
 <file path=ppt/slides/slide4.xml><?xml version="1.0" encoding="utf-8"?>
+<p:sld xmlns:a="http://schemas.openxmlformats.org/drawingml/2006/main" xmlns:r="http://schemas.openxmlformats.org/officeDocument/2006/relationships" xmlns:p="http://schemas.openxmlformats.org/presentationml/2006/main">
+  <p:cSld>
+    <p:spTree>
+      <p:nvGrpSpPr>
+        <p:cNvPr id="1" name=""/>
+        <p:cNvGrpSpPr/>
+        <p:nvPr/>
+      </p:nvGrpSpPr>
+      <p:grpSpPr>
+        <a:xfrm>
+          <a:off x="0" y="0"/>
+          <a:ext cx="0" cy="0"/>
+          <a:chOff x="0" y="0"/>
+          <a:chExt cx="0" cy="0"/>
+        </a:xfrm>
+      </p:grpSpPr>
+      <p:sp>
+        <p:nvSpPr>
+          <p:cNvPr id="2" name="Title 1">
+            <a:extLst>
+              <a:ext uri="{FF2B5EF4-FFF2-40B4-BE49-F238E27FC236}">
+                <a16:creationId xmlns:a16="http://schemas.microsoft.com/office/drawing/2014/main" id="{DACA88CE-21C6-4B0E-A7F8-45202789E753}"/>
+              </a:ext>
+            </a:extLst>
+          </p:cNvPr>
+          <p:cNvSpPr>
+            <a:spLocks noGrp="1"/>
+          </p:cNvSpPr>
+          <p:nvPr>
+            <p:ph type="title"/>
+          </p:nvPr>
+        </p:nvSpPr>
+        <p:spPr/>
+        <p:txBody>
+          <a:bodyPr/>
+          <a:lstStyle/>
+          <a:p>
+            <a:r>
+              <a:rPr lang="en-US"/>
+              <a:t>Logistic Regression</a:t>
+            </a:r>
+            <a:endParaRPr lang="en-US" dirty="0"/>
+          </a:p>
+        </p:txBody>
+      </p:sp>
+      <p:sp>
+        <p:nvSpPr>
+          <p:cNvPr id="3" name="Content Placeholder 2">
+            <a:extLst>
+              <a:ext uri="{FF2B5EF4-FFF2-40B4-BE49-F238E27FC236}">
+                <a16:creationId xmlns:a16="http://schemas.microsoft.com/office/drawing/2014/main" id="{FA0C8D5D-E5D2-44E2-84C9-DB263BC00B11}"/>
+              </a:ext>
+            </a:extLst>
+          </p:cNvPr>
+          <p:cNvSpPr>
+            <a:spLocks noGrp="1"/>
+          </p:cNvSpPr>
+          <p:nvPr>
+            <p:ph sz="half" idx="1"/>
+          </p:nvPr>
+        </p:nvSpPr>
+        <p:spPr/>
+        <p:txBody>
+          <a:bodyPr/>
+          <a:lstStyle/>
+          <a:p>
+            <a:endParaRPr lang="en-US"/>
+          </a:p>
+        </p:txBody>
+      </p:sp>
+      <p:sp>
+        <p:nvSpPr>
+          <p:cNvPr id="4" name="Content Placeholder 3">
+            <a:extLst>
+              <a:ext uri="{FF2B5EF4-FFF2-40B4-BE49-F238E27FC236}">
+                <a16:creationId xmlns:a16="http://schemas.microsoft.com/office/drawing/2014/main" id="{18B30F1E-0F8D-4C56-9A12-89065408D6AB}"/>
+              </a:ext>
+            </a:extLst>
+          </p:cNvPr>
+          <p:cNvSpPr>
+            <a:spLocks noGrp="1"/>
+          </p:cNvSpPr>
+          <p:nvPr>
+            <p:ph sz="half" idx="2"/>
+          </p:nvPr>
+        </p:nvSpPr>
+        <p:spPr/>
+        <p:txBody>
+          <a:bodyPr/>
+          <a:lstStyle/>
+          <a:p>
+            <a:endParaRPr lang="en-US"/>
+          </a:p>
+        </p:txBody>
+      </p:sp>
+    </p:spTree>
+    <p:extLst>
+      <p:ext uri="{BB962C8B-B14F-4D97-AF65-F5344CB8AC3E}">
+        <p14:creationId xmlns:p14="http://schemas.microsoft.com/office/powerpoint/2010/main" val="3167898224"/>
+      </p:ext>
+    </p:extLst>
+  </p:cSld>
+  <p:clrMapOvr>
+    <a:masterClrMapping/>
+  </p:clrMapOvr>
+</p:sld>
+</file>
+
+<file path=ppt/slides/slide5.xml><?xml version="1.0" encoding="utf-8"?>
 <p:sld xmlns:a="http://schemas.openxmlformats.org/drawingml/2006/main" xmlns:r="http://schemas.openxmlformats.org/officeDocument/2006/relationships" xmlns:p="http://schemas.openxmlformats.org/presentationml/2006/main">
   <p:cSld>
     <p:spTree>
@@ -13107,7 +13405,7 @@
         </p:blipFill>
         <p:spPr>
           <a:xfrm>
-            <a:off x="622852" y="2249557"/>
+            <a:off x="622852" y="3124201"/>
             <a:ext cx="1860550" cy="1879600"/>
           </a:xfrm>
           <a:prstGeom prst="rect">
@@ -13129,7 +13427,7 @@
         </p:nvSpPr>
         <p:spPr>
           <a:xfrm>
-            <a:off x="1289272" y="1294369"/>
+            <a:off x="1289272" y="1956977"/>
             <a:ext cx="643125" cy="461665"/>
           </a:xfrm>
           <a:prstGeom prst="rect">
@@ -13207,8 +13505,8 @@
         </p:blipFill>
         <p:spPr>
           <a:xfrm>
-            <a:off x="3366052" y="764064"/>
-            <a:ext cx="1953316" cy="1973315"/>
+            <a:off x="3290528" y="1386160"/>
+            <a:ext cx="2104361" cy="2125906"/>
           </a:xfrm>
           <a:prstGeom prst="rect">
             <a:avLst/>
@@ -13237,8 +13535,8 @@
         </p:blipFill>
         <p:spPr>
           <a:xfrm>
-            <a:off x="5852189" y="764065"/>
-            <a:ext cx="1953316" cy="1973316"/>
+            <a:off x="6024463" y="1342675"/>
+            <a:ext cx="2104362" cy="2125909"/>
           </a:xfrm>
           <a:prstGeom prst="rect">
             <a:avLst/>
@@ -13267,8 +13565,8 @@
         </p:blipFill>
         <p:spPr>
           <a:xfrm>
-            <a:off x="8688155" y="764064"/>
-            <a:ext cx="1953316" cy="1973316"/>
+            <a:off x="8688156" y="1328076"/>
+            <a:ext cx="2133263" cy="2155105"/>
           </a:xfrm>
           <a:prstGeom prst="rect">
             <a:avLst/>
@@ -13297,7 +13595,7 @@
         </p:blipFill>
         <p:spPr>
           <a:xfrm>
-            <a:off x="3290529" y="3968029"/>
+            <a:off x="3290529" y="4352342"/>
             <a:ext cx="2104361" cy="2125907"/>
           </a:xfrm>
           <a:prstGeom prst="rect">
@@ -13327,7 +13625,7 @@
         </p:blipFill>
         <p:spPr>
           <a:xfrm>
-            <a:off x="5852189" y="3968027"/>
+            <a:off x="5989341" y="4352341"/>
             <a:ext cx="2104362" cy="2125908"/>
           </a:xfrm>
           <a:prstGeom prst="rect">
@@ -13357,7 +13655,7 @@
         </p:blipFill>
         <p:spPr>
           <a:xfrm>
-            <a:off x="8688155" y="3968027"/>
+            <a:off x="8688155" y="4352341"/>
             <a:ext cx="2133264" cy="2125908"/>
           </a:xfrm>
           <a:prstGeom prst="rect">
@@ -13379,7 +13677,7 @@
         </p:nvSpPr>
         <p:spPr>
           <a:xfrm>
-            <a:off x="3778291" y="236809"/>
+            <a:off x="3687528" y="735190"/>
             <a:ext cx="1382110" cy="461665"/>
           </a:xfrm>
           <a:prstGeom prst="rect">
@@ -13418,7 +13716,7 @@
         </p:nvSpPr>
         <p:spPr>
           <a:xfrm>
-            <a:off x="6339952" y="236809"/>
+            <a:off x="6350467" y="698473"/>
             <a:ext cx="1382110" cy="461665"/>
           </a:xfrm>
           <a:prstGeom prst="rect">
@@ -13457,7 +13755,7 @@
         </p:nvSpPr>
         <p:spPr>
           <a:xfrm>
-            <a:off x="8910440" y="236808"/>
+            <a:off x="8844180" y="698473"/>
             <a:ext cx="1508746" cy="461665"/>
           </a:xfrm>
           <a:prstGeom prst="rect">
@@ -13478,6 +13776,48 @@
             <a:r>
               <a:rPr lang="en-US" sz="2400" dirty="0"/>
               <a:t>degrees</a:t>
+            </a:r>
+          </a:p>
+        </p:txBody>
+      </p:sp>
+      <p:sp>
+        <p:nvSpPr>
+          <p:cNvPr id="2" name="Rectangle 1">
+            <a:extLst>
+              <a:ext uri="{FF2B5EF4-FFF2-40B4-BE49-F238E27FC236}">
+                <a16:creationId xmlns:a16="http://schemas.microsoft.com/office/drawing/2014/main" id="{E3222E19-2670-4835-9385-7B4B7C92EB90}"/>
+              </a:ext>
+            </a:extLst>
+          </p:cNvPr>
+          <p:cNvSpPr/>
+          <p:nvPr/>
+        </p:nvSpPr>
+        <p:spPr>
+          <a:xfrm>
+            <a:off x="967409" y="117713"/>
+            <a:ext cx="11224591" cy="646331"/>
+          </a:xfrm>
+          <a:prstGeom prst="rect">
+            <a:avLst/>
+          </a:prstGeom>
+        </p:spPr>
+        <p:txBody>
+          <a:bodyPr wrap="square">
+            <a:spAutoFit/>
+          </a:bodyPr>
+          <a:lstStyle/>
+          <a:p>
+            <a:r>
+              <a:rPr lang="en-US" sz="3600" dirty="0"/>
+              <a:t>Linear Classifier: </a:t>
+            </a:r>
+            <a:r>
+              <a:rPr lang="en-US" sz="3600" dirty="0">
+                <a:solidFill>
+                  <a:schemeClr val="bg1"/>
+                </a:solidFill>
+              </a:rPr>
+              <a:t>Data Size Increase using Image Rotation</a:t>
             </a:r>
           </a:p>
         </p:txBody>
@@ -13495,7 +13835,7 @@
 </p:sld>
 </file>
 
-<file path=ppt/slides/slide5.xml><?xml version="1.0" encoding="utf-8"?>
+<file path=ppt/slides/slide6.xml><?xml version="1.0" encoding="utf-8"?>
 <p:sld xmlns:a="http://schemas.openxmlformats.org/drawingml/2006/main" xmlns:r="http://schemas.openxmlformats.org/officeDocument/2006/relationships" xmlns:p="http://schemas.openxmlformats.org/presentationml/2006/main">
   <p:cSld>
     <p:spTree>
@@ -13517,7 +13857,7 @@
           <p:cNvPr id="2" name="Title 1">
             <a:extLst>
               <a:ext uri="{FF2B5EF4-FFF2-40B4-BE49-F238E27FC236}">
-                <a16:creationId xmlns:a16="http://schemas.microsoft.com/office/drawing/2014/main" id="{6AEBB5A1-F934-4332-9BD3-85C1F9DE1846}"/>
+                <a16:creationId xmlns:a16="http://schemas.microsoft.com/office/drawing/2014/main" id="{C55C24C6-B163-4227-BDFA-DB2684557434}"/>
               </a:ext>
             </a:extLst>
           </p:cNvPr>
@@ -13530,72 +13870,114 @@
         </p:nvSpPr>
         <p:spPr/>
         <p:txBody>
-          <a:bodyPr>
-            <a:normAutofit/>
-          </a:bodyPr>
+          <a:bodyPr/>
           <a:lstStyle/>
           <a:p>
             <a:r>
               <a:rPr lang="en-US" dirty="0"/>
-              <a:t>Histogram classifier results</a:t>
+              <a:t>linear classifier</a:t>
             </a:r>
           </a:p>
         </p:txBody>
       </p:sp>
-      <p:sp>
-        <p:nvSpPr>
-          <p:cNvPr id="3" name="Content Placeholder 2">
+      <p:pic>
+        <p:nvPicPr>
+          <p:cNvPr id="5" name="Picture 4">
             <a:extLst>
               <a:ext uri="{FF2B5EF4-FFF2-40B4-BE49-F238E27FC236}">
-                <a16:creationId xmlns:a16="http://schemas.microsoft.com/office/drawing/2014/main" id="{D0053B46-A715-4C18-808B-247F667DCCD6}"/>
+                <a16:creationId xmlns:a16="http://schemas.microsoft.com/office/drawing/2014/main" id="{C6DCA446-9741-F641-9A2E-EBE48C542704}"/>
               </a:ext>
             </a:extLst>
           </p:cNvPr>
-          <p:cNvSpPr>
-            <a:spLocks noGrp="1"/>
-          </p:cNvSpPr>
-          <p:nvPr>
-            <p:ph sz="half" idx="1"/>
-          </p:nvPr>
-        </p:nvSpPr>
-        <p:spPr/>
-        <p:txBody>
-          <a:bodyPr/>
-          <a:lstStyle/>
-          <a:p>
-            <a:endParaRPr lang="en-US"/>
-          </a:p>
-        </p:txBody>
-      </p:sp>
+          <p:cNvPicPr>
+            <a:picLocks noChangeAspect="1"/>
+          </p:cNvPicPr>
+          <p:nvPr/>
+        </p:nvPicPr>
+        <p:blipFill>
+          <a:blip r:embed="rId2"/>
+          <a:stretch>
+            <a:fillRect/>
+          </a:stretch>
+        </p:blipFill>
+        <p:spPr>
+          <a:xfrm>
+            <a:off x="6094412" y="2302635"/>
+            <a:ext cx="4958940" cy="2458278"/>
+          </a:xfrm>
+          <a:prstGeom prst="rect">
+            <a:avLst/>
+          </a:prstGeom>
+        </p:spPr>
+      </p:pic>
       <p:sp>
         <p:nvSpPr>
-          <p:cNvPr id="4" name="Content Placeholder 3">
+          <p:cNvPr id="7" name="TextBox 6">
             <a:extLst>
               <a:ext uri="{FF2B5EF4-FFF2-40B4-BE49-F238E27FC236}">
-                <a16:creationId xmlns:a16="http://schemas.microsoft.com/office/drawing/2014/main" id="{8B00685F-05AE-4218-8A6C-B8181DD361B4}"/>
+                <a16:creationId xmlns:a16="http://schemas.microsoft.com/office/drawing/2014/main" id="{8D0767D8-301B-0741-A1B6-F8297F8239C8}"/>
               </a:ext>
             </a:extLst>
           </p:cNvPr>
-          <p:cNvSpPr>
-            <a:spLocks noGrp="1"/>
-          </p:cNvSpPr>
-          <p:nvPr>
-            <p:ph sz="half" idx="2"/>
-          </p:nvPr>
+          <p:cNvSpPr txBox="1"/>
+          <p:nvPr/>
         </p:nvSpPr>
-        <p:spPr/>
+        <p:spPr>
+          <a:xfrm>
+            <a:off x="1141413" y="2199860"/>
+            <a:ext cx="4514924" cy="3046988"/>
+          </a:xfrm>
+          <a:prstGeom prst="rect">
+            <a:avLst/>
+          </a:prstGeom>
+          <a:noFill/>
+        </p:spPr>
         <p:txBody>
-          <a:bodyPr/>
+          <a:bodyPr wrap="square" rtlCol="0">
+            <a:spAutoFit/>
+          </a:bodyPr>
           <a:lstStyle/>
           <a:p>
-            <a:endParaRPr lang="en-US"/>
+            <a:r>
+              <a:rPr lang="en-US" sz="2400" dirty="0"/>
+              <a:t>42% Accuracy on Test Data</a:t>
+            </a:r>
+          </a:p>
+          <a:p>
+            <a:r>
+              <a:rPr lang="en-US" sz="2400" dirty="0"/>
+              <a:t>37% Accuracy on Training Data</a:t>
+            </a:r>
+          </a:p>
+          <a:p>
+            <a:endParaRPr lang="en-US" sz="2400" dirty="0"/>
+          </a:p>
+          <a:p>
+            <a:r>
+              <a:rPr lang="en-US" sz="2400" dirty="0"/>
+              <a:t>Using original dataset + 6 degree + 10 degree rotations</a:t>
+            </a:r>
+          </a:p>
+          <a:p>
+            <a:endParaRPr lang="en-US" sz="2400" dirty="0"/>
+          </a:p>
+          <a:p>
+            <a:r>
+              <a:rPr lang="en-US" sz="2400" dirty="0"/>
+              <a:t>Attempted to use PCA, yet accuracy was </a:t>
+            </a:r>
+            <a:r>
+              <a:rPr lang="en-US" sz="2400"/>
+              <a:t>much worse</a:t>
+            </a:r>
+            <a:endParaRPr lang="en-US" sz="2400" dirty="0"/>
           </a:p>
         </p:txBody>
       </p:sp>
     </p:spTree>
     <p:extLst>
       <p:ext uri="{BB962C8B-B14F-4D97-AF65-F5344CB8AC3E}">
-        <p14:creationId xmlns:p14="http://schemas.microsoft.com/office/powerpoint/2010/main" val="1567941571"/>
+        <p14:creationId xmlns:p14="http://schemas.microsoft.com/office/powerpoint/2010/main" val="4041029037"/>
       </p:ext>
     </p:extLst>
   </p:cSld>
@@ -13605,7 +13987,7 @@
 </p:sld>
 </file>
 
-<file path=ppt/slides/slide6.xml><?xml version="1.0" encoding="utf-8"?>
+<file path=ppt/slides/slide7.xml><?xml version="1.0" encoding="utf-8"?>
 <p:sld xmlns:a="http://schemas.openxmlformats.org/drawingml/2006/main" xmlns:r="http://schemas.openxmlformats.org/officeDocument/2006/relationships" xmlns:p="http://schemas.openxmlformats.org/presentationml/2006/main">
   <p:cSld>
     <p:spTree>
@@ -13713,7 +14095,7 @@
 </p:sld>
 </file>
 
-<file path=ppt/slides/slide7.xml><?xml version="1.0" encoding="utf-8"?>
+<file path=ppt/slides/slide8.xml><?xml version="1.0" encoding="utf-8"?>
 <p:sld xmlns:a="http://schemas.openxmlformats.org/drawingml/2006/main" xmlns:r="http://schemas.openxmlformats.org/officeDocument/2006/relationships" xmlns:p="http://schemas.openxmlformats.org/presentationml/2006/main">
   <p:cSld>
     <p:spTree>
@@ -13828,7 +14210,7 @@
 </p:sld>
 </file>
 
-<file path=ppt/slides/slide8.xml><?xml version="1.0" encoding="utf-8"?>
+<file path=ppt/slides/slide9.xml><?xml version="1.0" encoding="utf-8"?>
 <p:sld xmlns:a="http://schemas.openxmlformats.org/drawingml/2006/main" xmlns:r="http://schemas.openxmlformats.org/officeDocument/2006/relationships" xmlns:p="http://schemas.openxmlformats.org/presentationml/2006/main">
   <p:cSld>
     <p:spTree>
@@ -13850,7 +14232,7 @@
           <p:cNvPr id="2" name="Title 1">
             <a:extLst>
               <a:ext uri="{FF2B5EF4-FFF2-40B4-BE49-F238E27FC236}">
-                <a16:creationId xmlns:a16="http://schemas.microsoft.com/office/drawing/2014/main" id="{C55C24C6-B163-4227-BDFA-DB2684557434}"/>
+                <a16:creationId xmlns:a16="http://schemas.microsoft.com/office/drawing/2014/main" id="{DACA88CE-21C6-4B0E-A7F8-45202789E753}"/>
               </a:ext>
             </a:extLst>
           </p:cNvPr>
@@ -13868,109 +14250,65 @@
           <a:p>
             <a:r>
               <a:rPr lang="en-US" dirty="0"/>
-              <a:t>linear classifier</a:t>
+              <a:t>Expectation maximization analysis </a:t>
             </a:r>
           </a:p>
         </p:txBody>
       </p:sp>
-      <p:pic>
-        <p:nvPicPr>
-          <p:cNvPr id="5" name="Picture 4">
+      <p:sp>
+        <p:nvSpPr>
+          <p:cNvPr id="3" name="Content Placeholder 2">
             <a:extLst>
               <a:ext uri="{FF2B5EF4-FFF2-40B4-BE49-F238E27FC236}">
-                <a16:creationId xmlns:a16="http://schemas.microsoft.com/office/drawing/2014/main" id="{C6DCA446-9741-F641-9A2E-EBE48C542704}"/>
+                <a16:creationId xmlns:a16="http://schemas.microsoft.com/office/drawing/2014/main" id="{FA0C8D5D-E5D2-44E2-84C9-DB263BC00B11}"/>
               </a:ext>
             </a:extLst>
           </p:cNvPr>
-          <p:cNvPicPr>
-            <a:picLocks noChangeAspect="1"/>
-          </p:cNvPicPr>
-          <p:nvPr/>
-        </p:nvPicPr>
-        <p:blipFill>
-          <a:blip r:embed="rId2"/>
-          <a:stretch>
-            <a:fillRect/>
-          </a:stretch>
-        </p:blipFill>
-        <p:spPr>
-          <a:xfrm>
-            <a:off x="6535664" y="867949"/>
-            <a:ext cx="4958940" cy="2458278"/>
-          </a:xfrm>
-          <a:prstGeom prst="rect">
-            <a:avLst/>
-          </a:prstGeom>
-        </p:spPr>
-      </p:pic>
+          <p:cNvSpPr>
+            <a:spLocks noGrp="1"/>
+          </p:cNvSpPr>
+          <p:nvPr>
+            <p:ph sz="half" idx="1"/>
+          </p:nvPr>
+        </p:nvSpPr>
+        <p:spPr/>
+        <p:txBody>
+          <a:bodyPr/>
+          <a:lstStyle/>
+          <a:p>
+            <a:endParaRPr lang="en-US"/>
+          </a:p>
+        </p:txBody>
+      </p:sp>
       <p:sp>
         <p:nvSpPr>
-          <p:cNvPr id="7" name="TextBox 6">
+          <p:cNvPr id="4" name="Content Placeholder 3">
             <a:extLst>
               <a:ext uri="{FF2B5EF4-FFF2-40B4-BE49-F238E27FC236}">
-                <a16:creationId xmlns:a16="http://schemas.microsoft.com/office/drawing/2014/main" id="{8D0767D8-301B-0741-A1B6-F8297F8239C8}"/>
+                <a16:creationId xmlns:a16="http://schemas.microsoft.com/office/drawing/2014/main" id="{18B30F1E-0F8D-4C56-9A12-89065408D6AB}"/>
               </a:ext>
             </a:extLst>
           </p:cNvPr>
-          <p:cNvSpPr txBox="1"/>
-          <p:nvPr/>
+          <p:cNvSpPr>
+            <a:spLocks noGrp="1"/>
+          </p:cNvSpPr>
+          <p:nvPr>
+            <p:ph sz="half" idx="2"/>
+          </p:nvPr>
         </p:nvSpPr>
-        <p:spPr>
-          <a:xfrm>
-            <a:off x="1141413" y="2199860"/>
-            <a:ext cx="4514924" cy="3046988"/>
-          </a:xfrm>
-          <a:prstGeom prst="rect">
-            <a:avLst/>
-          </a:prstGeom>
-          <a:noFill/>
-        </p:spPr>
+        <p:spPr/>
         <p:txBody>
-          <a:bodyPr wrap="square" rtlCol="0">
-            <a:spAutoFit/>
-          </a:bodyPr>
+          <a:bodyPr/>
           <a:lstStyle/>
           <a:p>
-            <a:r>
-              <a:rPr lang="en-US" sz="2400" dirty="0"/>
-              <a:t>42% Accuracy on Test Data</a:t>
-            </a:r>
-          </a:p>
-          <a:p>
-            <a:r>
-              <a:rPr lang="en-US" sz="2400" dirty="0"/>
-              <a:t>37% Accuracy on Training Data</a:t>
-            </a:r>
-          </a:p>
-          <a:p>
-            <a:endParaRPr lang="en-US" sz="2400" dirty="0"/>
-          </a:p>
-          <a:p>
-            <a:r>
-              <a:rPr lang="en-US" sz="2400" dirty="0"/>
-              <a:t>Using original dataset + 6 degree + 10 degree rotations</a:t>
-            </a:r>
-          </a:p>
-          <a:p>
-            <a:endParaRPr lang="en-US" sz="2400" dirty="0"/>
-          </a:p>
-          <a:p>
-            <a:r>
-              <a:rPr lang="en-US" sz="2400" dirty="0"/>
-              <a:t>Attempted to use PCA, yet accuracy was </a:t>
-            </a:r>
-            <a:r>
-              <a:rPr lang="en-US" sz="2400"/>
-              <a:t>much worse</a:t>
-            </a:r>
-            <a:endParaRPr lang="en-US" sz="2400" dirty="0"/>
+            <a:endParaRPr lang="en-US"/>
           </a:p>
         </p:txBody>
       </p:sp>
     </p:spTree>
     <p:extLst>
       <p:ext uri="{BB962C8B-B14F-4D97-AF65-F5344CB8AC3E}">
-        <p14:creationId xmlns:p14="http://schemas.microsoft.com/office/powerpoint/2010/main" val="4041029037"/>
+        <p14:creationId xmlns:p14="http://schemas.microsoft.com/office/powerpoint/2010/main" val="3632896207"/>
       </p:ext>
     </p:extLst>
   </p:cSld>

--- a/Final Project Draft.pptx
+++ b/Final Project Draft.pptx
@@ -4,17 +4,20 @@
   <p:sldMasterIdLst>
     <p:sldMasterId id="2147483669" r:id="rId1"/>
   </p:sldMasterIdLst>
+  <p:notesMasterIdLst>
+    <p:notesMasterId r:id="rId12"/>
+  </p:notesMasterIdLst>
   <p:sldIdLst>
     <p:sldId id="256" r:id="rId2"/>
     <p:sldId id="257" r:id="rId3"/>
-    <p:sldId id="265" r:id="rId4"/>
-    <p:sldId id="266" r:id="rId5"/>
-    <p:sldId id="262" r:id="rId6"/>
+    <p:sldId id="262" r:id="rId4"/>
+    <p:sldId id="268" r:id="rId5"/>
+    <p:sldId id="266" r:id="rId6"/>
     <p:sldId id="260" r:id="rId7"/>
-    <p:sldId id="259" r:id="rId8"/>
-    <p:sldId id="261" r:id="rId9"/>
-    <p:sldId id="263" r:id="rId10"/>
-    <p:sldId id="258" r:id="rId11"/>
+    <p:sldId id="270" r:id="rId8"/>
+    <p:sldId id="271" r:id="rId9"/>
+    <p:sldId id="267" r:id="rId10"/>
+    <p:sldId id="269" r:id="rId11"/>
   </p:sldIdLst>
   <p:sldSz cx="12192000" cy="6858000"/>
   <p:notesSz cx="6858000" cy="9144000"/>
@@ -121,6 +124,440 @@
 </p:presentation>
 </file>
 
+<file path=ppt/notesMasters/notesMaster1.xml><?xml version="1.0" encoding="utf-8"?>
+<p:notesMaster xmlns:a="http://schemas.openxmlformats.org/drawingml/2006/main" xmlns:r="http://schemas.openxmlformats.org/officeDocument/2006/relationships" xmlns:p="http://schemas.openxmlformats.org/presentationml/2006/main">
+  <p:cSld>
+    <p:bg>
+      <p:bgRef idx="1001">
+        <a:schemeClr val="bg1"/>
+      </p:bgRef>
+    </p:bg>
+    <p:spTree>
+      <p:nvGrpSpPr>
+        <p:cNvPr id="1" name=""/>
+        <p:cNvGrpSpPr/>
+        <p:nvPr/>
+      </p:nvGrpSpPr>
+      <p:grpSpPr>
+        <a:xfrm>
+          <a:off x="0" y="0"/>
+          <a:ext cx="0" cy="0"/>
+          <a:chOff x="0" y="0"/>
+          <a:chExt cx="0" cy="0"/>
+        </a:xfrm>
+      </p:grpSpPr>
+      <p:sp>
+        <p:nvSpPr>
+          <p:cNvPr id="2" name="Header Placeholder 1"/>
+          <p:cNvSpPr>
+            <a:spLocks noGrp="1"/>
+          </p:cNvSpPr>
+          <p:nvPr>
+            <p:ph type="hdr" sz="quarter"/>
+          </p:nvPr>
+        </p:nvSpPr>
+        <p:spPr>
+          <a:xfrm>
+            <a:off x="0" y="0"/>
+            <a:ext cx="2971800" cy="458788"/>
+          </a:xfrm>
+          <a:prstGeom prst="rect">
+            <a:avLst/>
+          </a:prstGeom>
+        </p:spPr>
+        <p:txBody>
+          <a:bodyPr vert="horz" lIns="91440" tIns="45720" rIns="91440" bIns="45720" rtlCol="0"/>
+          <a:lstStyle>
+            <a:lvl1pPr algn="l">
+              <a:defRPr sz="1200"/>
+            </a:lvl1pPr>
+          </a:lstStyle>
+          <a:p>
+            <a:endParaRPr lang="en-IN"/>
+          </a:p>
+        </p:txBody>
+      </p:sp>
+      <p:sp>
+        <p:nvSpPr>
+          <p:cNvPr id="3" name="Date Placeholder 2"/>
+          <p:cNvSpPr>
+            <a:spLocks noGrp="1"/>
+          </p:cNvSpPr>
+          <p:nvPr>
+            <p:ph type="dt" idx="1"/>
+          </p:nvPr>
+        </p:nvSpPr>
+        <p:spPr>
+          <a:xfrm>
+            <a:off x="3884613" y="0"/>
+            <a:ext cx="2971800" cy="458788"/>
+          </a:xfrm>
+          <a:prstGeom prst="rect">
+            <a:avLst/>
+          </a:prstGeom>
+        </p:spPr>
+        <p:txBody>
+          <a:bodyPr vert="horz" lIns="91440" tIns="45720" rIns="91440" bIns="45720" rtlCol="0"/>
+          <a:lstStyle>
+            <a:lvl1pPr algn="r">
+              <a:defRPr sz="1200"/>
+            </a:lvl1pPr>
+          </a:lstStyle>
+          <a:p>
+            <a:fld id="{FFD76870-CC5D-4085-9740-AAC045ACB719}" type="datetimeFigureOut">
+              <a:rPr lang="en-IN" smtClean="0"/>
+              <a:t>01-04-2019</a:t>
+            </a:fld>
+            <a:endParaRPr lang="en-IN"/>
+          </a:p>
+        </p:txBody>
+      </p:sp>
+      <p:sp>
+        <p:nvSpPr>
+          <p:cNvPr id="4" name="Slide Image Placeholder 3"/>
+          <p:cNvSpPr>
+            <a:spLocks noGrp="1" noRot="1" noChangeAspect="1"/>
+          </p:cNvSpPr>
+          <p:nvPr>
+            <p:ph type="sldImg" idx="2"/>
+          </p:nvPr>
+        </p:nvSpPr>
+        <p:spPr>
+          <a:xfrm>
+            <a:off x="685800" y="1143000"/>
+            <a:ext cx="5486400" cy="3086100"/>
+          </a:xfrm>
+          <a:prstGeom prst="rect">
+            <a:avLst/>
+          </a:prstGeom>
+          <a:noFill/>
+          <a:ln w="12700">
+            <a:solidFill>
+              <a:prstClr val="black"/>
+            </a:solidFill>
+          </a:ln>
+        </p:spPr>
+        <p:txBody>
+          <a:bodyPr vert="horz" lIns="91440" tIns="45720" rIns="91440" bIns="45720" rtlCol="0" anchor="ctr"/>
+          <a:lstStyle/>
+          <a:p>
+            <a:endParaRPr lang="en-IN"/>
+          </a:p>
+        </p:txBody>
+      </p:sp>
+      <p:sp>
+        <p:nvSpPr>
+          <p:cNvPr id="5" name="Notes Placeholder 4"/>
+          <p:cNvSpPr>
+            <a:spLocks noGrp="1"/>
+          </p:cNvSpPr>
+          <p:nvPr>
+            <p:ph type="body" sz="quarter" idx="3"/>
+          </p:nvPr>
+        </p:nvSpPr>
+        <p:spPr>
+          <a:xfrm>
+            <a:off x="685800" y="4400550"/>
+            <a:ext cx="5486400" cy="3600450"/>
+          </a:xfrm>
+          <a:prstGeom prst="rect">
+            <a:avLst/>
+          </a:prstGeom>
+        </p:spPr>
+        <p:txBody>
+          <a:bodyPr vert="horz" lIns="91440" tIns="45720" rIns="91440" bIns="45720" rtlCol="0"/>
+          <a:lstStyle/>
+          <a:p>
+            <a:pPr lvl="0"/>
+            <a:r>
+              <a:rPr lang="en-US" smtClean="0"/>
+              <a:t>Edit Master text styles</a:t>
+            </a:r>
+          </a:p>
+          <a:p>
+            <a:pPr lvl="1"/>
+            <a:r>
+              <a:rPr lang="en-US" smtClean="0"/>
+              <a:t>Second level</a:t>
+            </a:r>
+          </a:p>
+          <a:p>
+            <a:pPr lvl="2"/>
+            <a:r>
+              <a:rPr lang="en-US" smtClean="0"/>
+              <a:t>Third level</a:t>
+            </a:r>
+          </a:p>
+          <a:p>
+            <a:pPr lvl="3"/>
+            <a:r>
+              <a:rPr lang="en-US" smtClean="0"/>
+              <a:t>Fourth level</a:t>
+            </a:r>
+          </a:p>
+          <a:p>
+            <a:pPr lvl="4"/>
+            <a:r>
+              <a:rPr lang="en-US" smtClean="0"/>
+              <a:t>Fifth level</a:t>
+            </a:r>
+            <a:endParaRPr lang="en-IN"/>
+          </a:p>
+        </p:txBody>
+      </p:sp>
+      <p:sp>
+        <p:nvSpPr>
+          <p:cNvPr id="6" name="Footer Placeholder 5"/>
+          <p:cNvSpPr>
+            <a:spLocks noGrp="1"/>
+          </p:cNvSpPr>
+          <p:nvPr>
+            <p:ph type="ftr" sz="quarter" idx="4"/>
+          </p:nvPr>
+        </p:nvSpPr>
+        <p:spPr>
+          <a:xfrm>
+            <a:off x="0" y="8685213"/>
+            <a:ext cx="2971800" cy="458787"/>
+          </a:xfrm>
+          <a:prstGeom prst="rect">
+            <a:avLst/>
+          </a:prstGeom>
+        </p:spPr>
+        <p:txBody>
+          <a:bodyPr vert="horz" lIns="91440" tIns="45720" rIns="91440" bIns="45720" rtlCol="0" anchor="b"/>
+          <a:lstStyle>
+            <a:lvl1pPr algn="l">
+              <a:defRPr sz="1200"/>
+            </a:lvl1pPr>
+          </a:lstStyle>
+          <a:p>
+            <a:endParaRPr lang="en-IN"/>
+          </a:p>
+        </p:txBody>
+      </p:sp>
+      <p:sp>
+        <p:nvSpPr>
+          <p:cNvPr id="7" name="Slide Number Placeholder 6"/>
+          <p:cNvSpPr>
+            <a:spLocks noGrp="1"/>
+          </p:cNvSpPr>
+          <p:nvPr>
+            <p:ph type="sldNum" sz="quarter" idx="5"/>
+          </p:nvPr>
+        </p:nvSpPr>
+        <p:spPr>
+          <a:xfrm>
+            <a:off x="3884613" y="8685213"/>
+            <a:ext cx="2971800" cy="458787"/>
+          </a:xfrm>
+          <a:prstGeom prst="rect">
+            <a:avLst/>
+          </a:prstGeom>
+        </p:spPr>
+        <p:txBody>
+          <a:bodyPr vert="horz" lIns="91440" tIns="45720" rIns="91440" bIns="45720" rtlCol="0" anchor="b"/>
+          <a:lstStyle>
+            <a:lvl1pPr algn="r">
+              <a:defRPr sz="1200"/>
+            </a:lvl1pPr>
+          </a:lstStyle>
+          <a:p>
+            <a:fld id="{994D0557-01E8-4E04-B9A6-228EA0CD95B9}" type="slidenum">
+              <a:rPr lang="en-IN" smtClean="0"/>
+              <a:t>‹#›</a:t>
+            </a:fld>
+            <a:endParaRPr lang="en-IN"/>
+          </a:p>
+        </p:txBody>
+      </p:sp>
+    </p:spTree>
+    <p:extLst>
+      <p:ext uri="{BB962C8B-B14F-4D97-AF65-F5344CB8AC3E}">
+        <p14:creationId xmlns:p14="http://schemas.microsoft.com/office/powerpoint/2010/main" val="20045479"/>
+      </p:ext>
+    </p:extLst>
+  </p:cSld>
+  <p:clrMap bg1="lt1" tx1="dk1" bg2="lt2" tx2="dk2" accent1="accent1" accent2="accent2" accent3="accent3" accent4="accent4" accent5="accent5" accent6="accent6" hlink="hlink" folHlink="folHlink"/>
+  <p:notesStyle>
+    <a:lvl1pPr marL="0" algn="l" defTabSz="914400" rtl="0" eaLnBrk="1" latinLnBrk="0" hangingPunct="1">
+      <a:defRPr sz="1200" kern="1200">
+        <a:solidFill>
+          <a:schemeClr val="tx1"/>
+        </a:solidFill>
+        <a:latin typeface="+mn-lt"/>
+        <a:ea typeface="+mn-ea"/>
+        <a:cs typeface="+mn-cs"/>
+      </a:defRPr>
+    </a:lvl1pPr>
+    <a:lvl2pPr marL="457200" algn="l" defTabSz="914400" rtl="0" eaLnBrk="1" latinLnBrk="0" hangingPunct="1">
+      <a:defRPr sz="1200" kern="1200">
+        <a:solidFill>
+          <a:schemeClr val="tx1"/>
+        </a:solidFill>
+        <a:latin typeface="+mn-lt"/>
+        <a:ea typeface="+mn-ea"/>
+        <a:cs typeface="+mn-cs"/>
+      </a:defRPr>
+    </a:lvl2pPr>
+    <a:lvl3pPr marL="914400" algn="l" defTabSz="914400" rtl="0" eaLnBrk="1" latinLnBrk="0" hangingPunct="1">
+      <a:defRPr sz="1200" kern="1200">
+        <a:solidFill>
+          <a:schemeClr val="tx1"/>
+        </a:solidFill>
+        <a:latin typeface="+mn-lt"/>
+        <a:ea typeface="+mn-ea"/>
+        <a:cs typeface="+mn-cs"/>
+      </a:defRPr>
+    </a:lvl3pPr>
+    <a:lvl4pPr marL="1371600" algn="l" defTabSz="914400" rtl="0" eaLnBrk="1" latinLnBrk="0" hangingPunct="1">
+      <a:defRPr sz="1200" kern="1200">
+        <a:solidFill>
+          <a:schemeClr val="tx1"/>
+        </a:solidFill>
+        <a:latin typeface="+mn-lt"/>
+        <a:ea typeface="+mn-ea"/>
+        <a:cs typeface="+mn-cs"/>
+      </a:defRPr>
+    </a:lvl4pPr>
+    <a:lvl5pPr marL="1828800" algn="l" defTabSz="914400" rtl="0" eaLnBrk="1" latinLnBrk="0" hangingPunct="1">
+      <a:defRPr sz="1200" kern="1200">
+        <a:solidFill>
+          <a:schemeClr val="tx1"/>
+        </a:solidFill>
+        <a:latin typeface="+mn-lt"/>
+        <a:ea typeface="+mn-ea"/>
+        <a:cs typeface="+mn-cs"/>
+      </a:defRPr>
+    </a:lvl5pPr>
+    <a:lvl6pPr marL="2286000" algn="l" defTabSz="914400" rtl="0" eaLnBrk="1" latinLnBrk="0" hangingPunct="1">
+      <a:defRPr sz="1200" kern="1200">
+        <a:solidFill>
+          <a:schemeClr val="tx1"/>
+        </a:solidFill>
+        <a:latin typeface="+mn-lt"/>
+        <a:ea typeface="+mn-ea"/>
+        <a:cs typeface="+mn-cs"/>
+      </a:defRPr>
+    </a:lvl6pPr>
+    <a:lvl7pPr marL="2743200" algn="l" defTabSz="914400" rtl="0" eaLnBrk="1" latinLnBrk="0" hangingPunct="1">
+      <a:defRPr sz="1200" kern="1200">
+        <a:solidFill>
+          <a:schemeClr val="tx1"/>
+        </a:solidFill>
+        <a:latin typeface="+mn-lt"/>
+        <a:ea typeface="+mn-ea"/>
+        <a:cs typeface="+mn-cs"/>
+      </a:defRPr>
+    </a:lvl7pPr>
+    <a:lvl8pPr marL="3200400" algn="l" defTabSz="914400" rtl="0" eaLnBrk="1" latinLnBrk="0" hangingPunct="1">
+      <a:defRPr sz="1200" kern="1200">
+        <a:solidFill>
+          <a:schemeClr val="tx1"/>
+        </a:solidFill>
+        <a:latin typeface="+mn-lt"/>
+        <a:ea typeface="+mn-ea"/>
+        <a:cs typeface="+mn-cs"/>
+      </a:defRPr>
+    </a:lvl8pPr>
+    <a:lvl9pPr marL="3657600" algn="l" defTabSz="914400" rtl="0" eaLnBrk="1" latinLnBrk="0" hangingPunct="1">
+      <a:defRPr sz="1200" kern="1200">
+        <a:solidFill>
+          <a:schemeClr val="tx1"/>
+        </a:solidFill>
+        <a:latin typeface="+mn-lt"/>
+        <a:ea typeface="+mn-ea"/>
+        <a:cs typeface="+mn-cs"/>
+      </a:defRPr>
+    </a:lvl9pPr>
+  </p:notesStyle>
+</p:notesMaster>
+</file>
+
+<file path=ppt/notesSlides/notesSlide1.xml><?xml version="1.0" encoding="utf-8"?>
+<p:notes xmlns:a="http://schemas.openxmlformats.org/drawingml/2006/main" xmlns:r="http://schemas.openxmlformats.org/officeDocument/2006/relationships" xmlns:p="http://schemas.openxmlformats.org/presentationml/2006/main">
+  <p:cSld>
+    <p:spTree>
+      <p:nvGrpSpPr>
+        <p:cNvPr id="1" name=""/>
+        <p:cNvGrpSpPr/>
+        <p:nvPr/>
+      </p:nvGrpSpPr>
+      <p:grpSpPr>
+        <a:xfrm>
+          <a:off x="0" y="0"/>
+          <a:ext cx="0" cy="0"/>
+          <a:chOff x="0" y="0"/>
+          <a:chExt cx="0" cy="0"/>
+        </a:xfrm>
+      </p:grpSpPr>
+      <p:sp>
+        <p:nvSpPr>
+          <p:cNvPr id="2" name="Slide Image Placeholder 1"/>
+          <p:cNvSpPr>
+            <a:spLocks noGrp="1" noRot="1" noChangeAspect="1"/>
+          </p:cNvSpPr>
+          <p:nvPr>
+            <p:ph type="sldImg"/>
+          </p:nvPr>
+        </p:nvSpPr>
+        <p:spPr/>
+      </p:sp>
+      <p:sp>
+        <p:nvSpPr>
+          <p:cNvPr id="3" name="Notes Placeholder 2"/>
+          <p:cNvSpPr>
+            <a:spLocks noGrp="1"/>
+          </p:cNvSpPr>
+          <p:nvPr>
+            <p:ph type="body" idx="1"/>
+          </p:nvPr>
+        </p:nvSpPr>
+        <p:spPr/>
+        <p:txBody>
+          <a:bodyPr/>
+          <a:lstStyle/>
+          <a:p>
+            <a:endParaRPr lang="en-IN"/>
+          </a:p>
+        </p:txBody>
+      </p:sp>
+      <p:sp>
+        <p:nvSpPr>
+          <p:cNvPr id="4" name="Slide Number Placeholder 3"/>
+          <p:cNvSpPr>
+            <a:spLocks noGrp="1"/>
+          </p:cNvSpPr>
+          <p:nvPr>
+            <p:ph type="sldNum" sz="quarter" idx="10"/>
+          </p:nvPr>
+        </p:nvSpPr>
+        <p:spPr/>
+        <p:txBody>
+          <a:bodyPr/>
+          <a:lstStyle/>
+          <a:p>
+            <a:fld id="{994D0557-01E8-4E04-B9A6-228EA0CD95B9}" type="slidenum">
+              <a:rPr lang="en-IN" smtClean="0"/>
+              <a:t>9</a:t>
+            </a:fld>
+            <a:endParaRPr lang="en-IN"/>
+          </a:p>
+        </p:txBody>
+      </p:sp>
+    </p:spTree>
+    <p:extLst>
+      <p:ext uri="{BB962C8B-B14F-4D97-AF65-F5344CB8AC3E}">
+        <p14:creationId xmlns:p14="http://schemas.microsoft.com/office/powerpoint/2010/main" val="119053311"/>
+      </p:ext>
+    </p:extLst>
+  </p:cSld>
+  <p:clrMapOvr>
+    <a:masterClrMapping/>
+  </p:clrMapOvr>
+</p:notes>
+</file>
+
 <file path=ppt/slideLayouts/slideLayout1.xml><?xml version="1.0" encoding="utf-8"?>
 <p:sldLayout xmlns:a="http://schemas.openxmlformats.org/drawingml/2006/main" xmlns:r="http://schemas.openxmlformats.org/officeDocument/2006/relationships" xmlns:p="http://schemas.openxmlformats.org/presentationml/2006/main" showMasterSp="0" type="title" preserve="1">
   <p:cSld name="Title Slide">
@@ -171,7 +608,7 @@
           <a:noFill/>
           <a:extLst>
             <a:ext uri="{909E8E84-426E-40dd-AFC4-6F175D3DCCD1}">
-              <a14:hiddenFill xmlns:a14="http://schemas.microsoft.com/office/drawing/2010/main" xmlns="">
+              <a14:hiddenFill xmlns="" xmlns:a14="http://schemas.microsoft.com/office/drawing/2010/main">
                 <a:solidFill>
                   <a:srgbClr val="FFFFFF"/>
                 </a:solidFill>
@@ -231,7 +668,7 @@
             </a:ln>
             <a:extLst>
               <a:ext uri="{91240B29-F687-4f45-9708-019B960494DF}">
-                <a14:hiddenLine xmlns:a14="http://schemas.microsoft.com/office/drawing/2010/main" xmlns="" w="9525">
+                <a14:hiddenLine xmlns="" xmlns:a14="http://schemas.microsoft.com/office/drawing/2010/main" w="9525">
                   <a:solidFill>
                     <a:srgbClr val="000000"/>
                   </a:solidFill>
@@ -321,7 +758,7 @@
             </a:ln>
             <a:extLst>
               <a:ext uri="{91240B29-F687-4f45-9708-019B960494DF}">
-                <a14:hiddenLine xmlns:a14="http://schemas.microsoft.com/office/drawing/2010/main" xmlns="" w="9525">
+                <a14:hiddenLine xmlns="" xmlns:a14="http://schemas.microsoft.com/office/drawing/2010/main" w="9525">
                   <a:solidFill>
                     <a:srgbClr val="000000"/>
                   </a:solidFill>
@@ -411,7 +848,7 @@
             </a:ln>
             <a:extLst>
               <a:ext uri="{91240B29-F687-4f45-9708-019B960494DF}">
-                <a14:hiddenLine xmlns:a14="http://schemas.microsoft.com/office/drawing/2010/main" xmlns="" w="9525">
+                <a14:hiddenLine xmlns="" xmlns:a14="http://schemas.microsoft.com/office/drawing/2010/main" w="9525">
                   <a:solidFill>
                     <a:srgbClr val="000000"/>
                   </a:solidFill>
@@ -445,7 +882,7 @@
             </a:ln>
             <a:extLst>
               <a:ext uri="{91240B29-F687-4f45-9708-019B960494DF}">
-                <a14:hiddenLine xmlns:a14="http://schemas.microsoft.com/office/drawing/2010/main" xmlns="" w="9525">
+                <a14:hiddenLine xmlns="" xmlns:a14="http://schemas.microsoft.com/office/drawing/2010/main" w="9525">
                   <a:solidFill>
                     <a:srgbClr val="000000"/>
                   </a:solidFill>
@@ -535,7 +972,7 @@
             </a:ln>
             <a:extLst>
               <a:ext uri="{91240B29-F687-4f45-9708-019B960494DF}">
-                <a14:hiddenLine xmlns:a14="http://schemas.microsoft.com/office/drawing/2010/main" xmlns="" w="9525">
+                <a14:hiddenLine xmlns="" xmlns:a14="http://schemas.microsoft.com/office/drawing/2010/main" w="9525">
                   <a:solidFill>
                     <a:srgbClr val="000000"/>
                   </a:solidFill>
@@ -597,7 +1034,7 @@
             </a:ln>
             <a:extLst>
               <a:ext uri="{91240B29-F687-4f45-9708-019B960494DF}">
-                <a14:hiddenLine xmlns:a14="http://schemas.microsoft.com/office/drawing/2010/main" xmlns="" w="9525">
+                <a14:hiddenLine xmlns="" xmlns:a14="http://schemas.microsoft.com/office/drawing/2010/main" w="9525">
                   <a:solidFill>
                     <a:srgbClr val="000000"/>
                   </a:solidFill>
@@ -659,7 +1096,7 @@
             </a:ln>
             <a:extLst>
               <a:ext uri="{91240B29-F687-4f45-9708-019B960494DF}">
-                <a14:hiddenLine xmlns:a14="http://schemas.microsoft.com/office/drawing/2010/main" xmlns="" w="9525">
+                <a14:hiddenLine xmlns="" xmlns:a14="http://schemas.microsoft.com/office/drawing/2010/main" w="9525">
                   <a:solidFill>
                     <a:srgbClr val="000000"/>
                   </a:solidFill>
@@ -749,7 +1186,7 @@
             </a:ln>
             <a:extLst>
               <a:ext uri="{91240B29-F687-4f45-9708-019B960494DF}">
-                <a14:hiddenLine xmlns:a14="http://schemas.microsoft.com/office/drawing/2010/main" xmlns="" w="9525">
+                <a14:hiddenLine xmlns="" xmlns:a14="http://schemas.microsoft.com/office/drawing/2010/main" w="9525">
                   <a:solidFill>
                     <a:srgbClr val="000000"/>
                   </a:solidFill>
@@ -811,7 +1248,7 @@
             </a:ln>
             <a:extLst>
               <a:ext uri="{91240B29-F687-4f45-9708-019B960494DF}">
-                <a14:hiddenLine xmlns:a14="http://schemas.microsoft.com/office/drawing/2010/main" xmlns="" w="9525">
+                <a14:hiddenLine xmlns="" xmlns:a14="http://schemas.microsoft.com/office/drawing/2010/main" w="9525">
                   <a:solidFill>
                     <a:srgbClr val="000000"/>
                   </a:solidFill>
@@ -873,7 +1310,7 @@
             </a:ln>
             <a:extLst>
               <a:ext uri="{91240B29-F687-4f45-9708-019B960494DF}">
-                <a14:hiddenLine xmlns:a14="http://schemas.microsoft.com/office/drawing/2010/main" xmlns="" w="9525">
+                <a14:hiddenLine xmlns="" xmlns:a14="http://schemas.microsoft.com/office/drawing/2010/main" w="9525">
                   <a:solidFill>
                     <a:srgbClr val="000000"/>
                   </a:solidFill>
@@ -963,7 +1400,7 @@
             </a:ln>
             <a:extLst>
               <a:ext uri="{91240B29-F687-4f45-9708-019B960494DF}">
-                <a14:hiddenLine xmlns:a14="http://schemas.microsoft.com/office/drawing/2010/main" xmlns="" w="9525">
+                <a14:hiddenLine xmlns="" xmlns:a14="http://schemas.microsoft.com/office/drawing/2010/main" w="9525">
                   <a:solidFill>
                     <a:srgbClr val="000000"/>
                   </a:solidFill>
@@ -1053,7 +1490,7 @@
             </a:ln>
             <a:extLst>
               <a:ext uri="{91240B29-F687-4f45-9708-019B960494DF}">
-                <a14:hiddenLine xmlns:a14="http://schemas.microsoft.com/office/drawing/2010/main" xmlns="" w="9525">
+                <a14:hiddenLine xmlns="" xmlns:a14="http://schemas.microsoft.com/office/drawing/2010/main" w="9525">
                   <a:solidFill>
                     <a:srgbClr val="000000"/>
                   </a:solidFill>
@@ -1115,7 +1552,7 @@
             </a:ln>
             <a:extLst>
               <a:ext uri="{91240B29-F687-4f45-9708-019B960494DF}">
-                <a14:hiddenLine xmlns:a14="http://schemas.microsoft.com/office/drawing/2010/main" xmlns="" w="9525">
+                <a14:hiddenLine xmlns="" xmlns:a14="http://schemas.microsoft.com/office/drawing/2010/main" w="9525">
                   <a:solidFill>
                     <a:srgbClr val="000000"/>
                   </a:solidFill>
@@ -1225,7 +1662,7 @@
             </a:ln>
             <a:extLst>
               <a:ext uri="{91240B29-F687-4f45-9708-019B960494DF}">
-                <a14:hiddenLine xmlns:a14="http://schemas.microsoft.com/office/drawing/2010/main" xmlns="" w="9525">
+                <a14:hiddenLine xmlns="" xmlns:a14="http://schemas.microsoft.com/office/drawing/2010/main" w="9525">
                   <a:solidFill>
                     <a:srgbClr val="000000"/>
                   </a:solidFill>
@@ -1287,7 +1724,7 @@
             </a:ln>
             <a:extLst>
               <a:ext uri="{91240B29-F687-4f45-9708-019B960494DF}">
-                <a14:hiddenLine xmlns:a14="http://schemas.microsoft.com/office/drawing/2010/main" xmlns="" w="9525">
+                <a14:hiddenLine xmlns="" xmlns:a14="http://schemas.microsoft.com/office/drawing/2010/main" w="9525">
                   <a:solidFill>
                     <a:srgbClr val="000000"/>
                   </a:solidFill>
@@ -1377,7 +1814,7 @@
             </a:ln>
             <a:extLst>
               <a:ext uri="{91240B29-F687-4f45-9708-019B960494DF}">
-                <a14:hiddenLine xmlns:a14="http://schemas.microsoft.com/office/drawing/2010/main" xmlns="" w="9525">
+                <a14:hiddenLine xmlns="" xmlns:a14="http://schemas.microsoft.com/office/drawing/2010/main" w="9525">
                   <a:solidFill>
                     <a:srgbClr val="000000"/>
                   </a:solidFill>
@@ -1467,7 +1904,7 @@
             </a:ln>
             <a:extLst>
               <a:ext uri="{91240B29-F687-4f45-9708-019B960494DF}">
-                <a14:hiddenLine xmlns:a14="http://schemas.microsoft.com/office/drawing/2010/main" xmlns="" w="9525">
+                <a14:hiddenLine xmlns="" xmlns:a14="http://schemas.microsoft.com/office/drawing/2010/main" w="9525">
                   <a:solidFill>
                     <a:srgbClr val="000000"/>
                   </a:solidFill>
@@ -1529,7 +1966,7 @@
             </a:ln>
             <a:extLst>
               <a:ext uri="{91240B29-F687-4f45-9708-019B960494DF}">
-                <a14:hiddenLine xmlns:a14="http://schemas.microsoft.com/office/drawing/2010/main" xmlns="" w="9525">
+                <a14:hiddenLine xmlns="" xmlns:a14="http://schemas.microsoft.com/office/drawing/2010/main" w="9525">
                   <a:solidFill>
                     <a:srgbClr val="000000"/>
                   </a:solidFill>
@@ -1619,7 +2056,7 @@
             </a:ln>
             <a:extLst>
               <a:ext uri="{91240B29-F687-4f45-9708-019B960494DF}">
-                <a14:hiddenLine xmlns:a14="http://schemas.microsoft.com/office/drawing/2010/main" xmlns="" w="9525">
+                <a14:hiddenLine xmlns="" xmlns:a14="http://schemas.microsoft.com/office/drawing/2010/main" w="9525">
                   <a:solidFill>
                     <a:srgbClr val="000000"/>
                   </a:solidFill>
@@ -1709,7 +2146,7 @@
             </a:ln>
             <a:extLst>
               <a:ext uri="{91240B29-F687-4f45-9708-019B960494DF}">
-                <a14:hiddenLine xmlns:a14="http://schemas.microsoft.com/office/drawing/2010/main" xmlns="" w="9525">
+                <a14:hiddenLine xmlns="" xmlns:a14="http://schemas.microsoft.com/office/drawing/2010/main" w="9525">
                   <a:solidFill>
                     <a:srgbClr val="000000"/>
                   </a:solidFill>
@@ -1765,7 +2202,7 @@
             </a:ln>
             <a:extLst>
               <a:ext uri="{91240B29-F687-4f45-9708-019B960494DF}">
-                <a14:hiddenLine xmlns:a14="http://schemas.microsoft.com/office/drawing/2010/main" xmlns="" w="9525">
+                <a14:hiddenLine xmlns="" xmlns:a14="http://schemas.microsoft.com/office/drawing/2010/main" w="9525">
                   <a:solidFill>
                     <a:srgbClr val="000000"/>
                   </a:solidFill>
@@ -1855,7 +2292,7 @@
             </a:ln>
             <a:extLst>
               <a:ext uri="{91240B29-F687-4f45-9708-019B960494DF}">
-                <a14:hiddenLine xmlns:a14="http://schemas.microsoft.com/office/drawing/2010/main" xmlns="" w="9525">
+                <a14:hiddenLine xmlns="" xmlns:a14="http://schemas.microsoft.com/office/drawing/2010/main" w="9525">
                   <a:solidFill>
                     <a:srgbClr val="000000"/>
                   </a:solidFill>
@@ -1911,7 +2348,7 @@
             </a:ln>
             <a:extLst>
               <a:ext uri="{91240B29-F687-4f45-9708-019B960494DF}">
-                <a14:hiddenLine xmlns:a14="http://schemas.microsoft.com/office/drawing/2010/main" xmlns="" w="9525">
+                <a14:hiddenLine xmlns="" xmlns:a14="http://schemas.microsoft.com/office/drawing/2010/main" w="9525">
                   <a:solidFill>
                     <a:srgbClr val="000000"/>
                   </a:solidFill>
@@ -2001,7 +2438,7 @@
             </a:ln>
             <a:extLst>
               <a:ext uri="{91240B29-F687-4f45-9708-019B960494DF}">
-                <a14:hiddenLine xmlns:a14="http://schemas.microsoft.com/office/drawing/2010/main" xmlns="" w="9525">
+                <a14:hiddenLine xmlns="" xmlns:a14="http://schemas.microsoft.com/office/drawing/2010/main" w="9525">
                   <a:solidFill>
                     <a:srgbClr val="000000"/>
                   </a:solidFill>
@@ -2069,7 +2506,7 @@
             </a:ln>
             <a:extLst>
               <a:ext uri="{91240B29-F687-4f45-9708-019B960494DF}">
-                <a14:hiddenLine xmlns:a14="http://schemas.microsoft.com/office/drawing/2010/main" xmlns="" w="9525">
+                <a14:hiddenLine xmlns="" xmlns:a14="http://schemas.microsoft.com/office/drawing/2010/main" w="9525">
                   <a:solidFill>
                     <a:srgbClr val="000000"/>
                   </a:solidFill>
@@ -2159,7 +2596,7 @@
             </a:ln>
             <a:extLst>
               <a:ext uri="{91240B29-F687-4f45-9708-019B960494DF}">
-                <a14:hiddenLine xmlns:a14="http://schemas.microsoft.com/office/drawing/2010/main" xmlns="" w="9525">
+                <a14:hiddenLine xmlns="" xmlns:a14="http://schemas.microsoft.com/office/drawing/2010/main" w="9525">
                   <a:solidFill>
                     <a:srgbClr val="000000"/>
                   </a:solidFill>
@@ -2227,7 +2664,7 @@
             </a:ln>
             <a:extLst>
               <a:ext uri="{91240B29-F687-4f45-9708-019B960494DF}">
-                <a14:hiddenLine xmlns:a14="http://schemas.microsoft.com/office/drawing/2010/main" xmlns="" w="9525">
+                <a14:hiddenLine xmlns="" xmlns:a14="http://schemas.microsoft.com/office/drawing/2010/main" w="9525">
                   <a:solidFill>
                     <a:srgbClr val="000000"/>
                   </a:solidFill>
@@ -2317,7 +2754,7 @@
             </a:ln>
             <a:extLst>
               <a:ext uri="{91240B29-F687-4f45-9708-019B960494DF}">
-                <a14:hiddenLine xmlns:a14="http://schemas.microsoft.com/office/drawing/2010/main" xmlns="" w="9525">
+                <a14:hiddenLine xmlns="" xmlns:a14="http://schemas.microsoft.com/office/drawing/2010/main" w="9525">
                   <a:solidFill>
                     <a:srgbClr val="000000"/>
                   </a:solidFill>
@@ -2351,7 +2788,7 @@
             </a:ln>
             <a:extLst>
               <a:ext uri="{91240B29-F687-4f45-9708-019B960494DF}">
-                <a14:hiddenLine xmlns:a14="http://schemas.microsoft.com/office/drawing/2010/main" xmlns="" w="9525">
+                <a14:hiddenLine xmlns="" xmlns:a14="http://schemas.microsoft.com/office/drawing/2010/main" w="9525">
                   <a:solidFill>
                     <a:srgbClr val="000000"/>
                   </a:solidFill>
@@ -2441,7 +2878,7 @@
             </a:ln>
             <a:extLst>
               <a:ext uri="{91240B29-F687-4f45-9708-019B960494DF}">
-                <a14:hiddenLine xmlns:a14="http://schemas.microsoft.com/office/drawing/2010/main" xmlns="" w="9525">
+                <a14:hiddenLine xmlns="" xmlns:a14="http://schemas.microsoft.com/office/drawing/2010/main" w="9525">
                   <a:solidFill>
                     <a:srgbClr val="000000"/>
                   </a:solidFill>
@@ -2503,7 +2940,7 @@
             </a:ln>
             <a:extLst>
               <a:ext uri="{91240B29-F687-4f45-9708-019B960494DF}">
-                <a14:hiddenLine xmlns:a14="http://schemas.microsoft.com/office/drawing/2010/main" xmlns="" w="9525">
+                <a14:hiddenLine xmlns="" xmlns:a14="http://schemas.microsoft.com/office/drawing/2010/main" w="9525">
                   <a:solidFill>
                     <a:srgbClr val="000000"/>
                   </a:solidFill>
@@ -2565,7 +3002,7 @@
             </a:ln>
             <a:extLst>
               <a:ext uri="{91240B29-F687-4f45-9708-019B960494DF}">
-                <a14:hiddenLine xmlns:a14="http://schemas.microsoft.com/office/drawing/2010/main" xmlns="" w="9525">
+                <a14:hiddenLine xmlns="" xmlns:a14="http://schemas.microsoft.com/office/drawing/2010/main" w="9525">
                   <a:solidFill>
                     <a:srgbClr val="000000"/>
                   </a:solidFill>
@@ -2655,7 +3092,7 @@
             </a:ln>
             <a:extLst>
               <a:ext uri="{91240B29-F687-4f45-9708-019B960494DF}">
-                <a14:hiddenLine xmlns:a14="http://schemas.microsoft.com/office/drawing/2010/main" xmlns="" w="9525">
+                <a14:hiddenLine xmlns="" xmlns:a14="http://schemas.microsoft.com/office/drawing/2010/main" w="9525">
                   <a:solidFill>
                     <a:srgbClr val="000000"/>
                   </a:solidFill>
@@ -2723,7 +3160,7 @@
             </a:ln>
             <a:extLst>
               <a:ext uri="{91240B29-F687-4f45-9708-019B960494DF}">
-                <a14:hiddenLine xmlns:a14="http://schemas.microsoft.com/office/drawing/2010/main" xmlns="" w="9525">
+                <a14:hiddenLine xmlns="" xmlns:a14="http://schemas.microsoft.com/office/drawing/2010/main" w="9525">
                   <a:solidFill>
                     <a:srgbClr val="000000"/>
                   </a:solidFill>
@@ -2785,7 +3222,7 @@
             </a:ln>
             <a:extLst>
               <a:ext uri="{91240B29-F687-4f45-9708-019B960494DF}">
-                <a14:hiddenLine xmlns:a14="http://schemas.microsoft.com/office/drawing/2010/main" xmlns="" w="9525">
+                <a14:hiddenLine xmlns="" xmlns:a14="http://schemas.microsoft.com/office/drawing/2010/main" w="9525">
                   <a:solidFill>
                     <a:srgbClr val="000000"/>
                   </a:solidFill>
@@ -2875,7 +3312,7 @@
             </a:ln>
             <a:extLst>
               <a:ext uri="{91240B29-F687-4f45-9708-019B960494DF}">
-                <a14:hiddenLine xmlns:a14="http://schemas.microsoft.com/office/drawing/2010/main" xmlns="" w="9525">
+                <a14:hiddenLine xmlns="" xmlns:a14="http://schemas.microsoft.com/office/drawing/2010/main" w="9525">
                   <a:solidFill>
                     <a:srgbClr val="000000"/>
                   </a:solidFill>
@@ -2937,7 +3374,7 @@
             </a:ln>
             <a:extLst>
               <a:ext uri="{91240B29-F687-4f45-9708-019B960494DF}">
-                <a14:hiddenLine xmlns:a14="http://schemas.microsoft.com/office/drawing/2010/main" xmlns="" w="9525">
+                <a14:hiddenLine xmlns="" xmlns:a14="http://schemas.microsoft.com/office/drawing/2010/main" w="9525">
                   <a:solidFill>
                     <a:srgbClr val="000000"/>
                   </a:solidFill>
@@ -3027,7 +3464,7 @@
             </a:ln>
             <a:extLst>
               <a:ext uri="{91240B29-F687-4f45-9708-019B960494DF}">
-                <a14:hiddenLine xmlns:a14="http://schemas.microsoft.com/office/drawing/2010/main" xmlns="" w="9525">
+                <a14:hiddenLine xmlns="" xmlns:a14="http://schemas.microsoft.com/office/drawing/2010/main" w="9525">
                   <a:solidFill>
                     <a:srgbClr val="000000"/>
                   </a:solidFill>
@@ -3089,7 +3526,7 @@
             </a:ln>
             <a:extLst>
               <a:ext uri="{91240B29-F687-4f45-9708-019B960494DF}">
-                <a14:hiddenLine xmlns:a14="http://schemas.microsoft.com/office/drawing/2010/main" xmlns="" w="9525">
+                <a14:hiddenLine xmlns="" xmlns:a14="http://schemas.microsoft.com/office/drawing/2010/main" w="9525">
                   <a:solidFill>
                     <a:srgbClr val="000000"/>
                   </a:solidFill>
@@ -3179,7 +3616,7 @@
             </a:ln>
             <a:extLst>
               <a:ext uri="{91240B29-F687-4f45-9708-019B960494DF}">
-                <a14:hiddenLine xmlns:a14="http://schemas.microsoft.com/office/drawing/2010/main" xmlns="" w="9525">
+                <a14:hiddenLine xmlns="" xmlns:a14="http://schemas.microsoft.com/office/drawing/2010/main" w="9525">
                   <a:solidFill>
                     <a:srgbClr val="000000"/>
                   </a:solidFill>
@@ -3213,7 +3650,7 @@
             </a:ln>
             <a:extLst>
               <a:ext uri="{91240B29-F687-4f45-9708-019B960494DF}">
-                <a14:hiddenLine xmlns:a14="http://schemas.microsoft.com/office/drawing/2010/main" xmlns="" w="9525">
+                <a14:hiddenLine xmlns="" xmlns:a14="http://schemas.microsoft.com/office/drawing/2010/main" w="9525">
                   <a:solidFill>
                     <a:srgbClr val="000000"/>
                   </a:solidFill>
@@ -3278,7 +3715,7 @@
             </a:ln>
             <a:extLst>
               <a:ext uri="{91240B29-F687-4f45-9708-019B960494DF}">
-                <a14:hiddenLine xmlns:a14="http://schemas.microsoft.com/office/drawing/2010/main" xmlns="" w="9525">
+                <a14:hiddenLine xmlns="" xmlns:a14="http://schemas.microsoft.com/office/drawing/2010/main" w="9525">
                   <a:solidFill>
                     <a:srgbClr val="000000"/>
                   </a:solidFill>
@@ -3368,7 +3805,7 @@
             </a:ln>
             <a:extLst>
               <a:ext uri="{91240B29-F687-4f45-9708-019B960494DF}">
-                <a14:hiddenLine xmlns:a14="http://schemas.microsoft.com/office/drawing/2010/main" xmlns="" w="9525">
+                <a14:hiddenLine xmlns="" xmlns:a14="http://schemas.microsoft.com/office/drawing/2010/main" w="9525">
                   <a:solidFill>
                     <a:srgbClr val="000000"/>
                   </a:solidFill>
@@ -3430,7 +3867,7 @@
             </a:ln>
             <a:extLst>
               <a:ext uri="{91240B29-F687-4f45-9708-019B960494DF}">
-                <a14:hiddenLine xmlns:a14="http://schemas.microsoft.com/office/drawing/2010/main" xmlns="" w="9525">
+                <a14:hiddenLine xmlns="" xmlns:a14="http://schemas.microsoft.com/office/drawing/2010/main" w="9525">
                   <a:solidFill>
                     <a:srgbClr val="000000"/>
                   </a:solidFill>
@@ -3520,7 +3957,7 @@
             </a:ln>
             <a:extLst>
               <a:ext uri="{91240B29-F687-4f45-9708-019B960494DF}">
-                <a14:hiddenLine xmlns:a14="http://schemas.microsoft.com/office/drawing/2010/main" xmlns="" w="9525">
+                <a14:hiddenLine xmlns="" xmlns:a14="http://schemas.microsoft.com/office/drawing/2010/main" w="9525">
                   <a:solidFill>
                     <a:srgbClr val="000000"/>
                   </a:solidFill>
@@ -3610,7 +4047,7 @@
             </a:ln>
             <a:extLst>
               <a:ext uri="{91240B29-F687-4f45-9708-019B960494DF}">
-                <a14:hiddenLine xmlns:a14="http://schemas.microsoft.com/office/drawing/2010/main" xmlns="" w="9525">
+                <a14:hiddenLine xmlns="" xmlns:a14="http://schemas.microsoft.com/office/drawing/2010/main" w="9525">
                   <a:solidFill>
                     <a:srgbClr val="000000"/>
                   </a:solidFill>
@@ -3675,7 +4112,7 @@
             </a:ln>
             <a:extLst>
               <a:ext uri="{91240B29-F687-4f45-9708-019B960494DF}">
-                <a14:hiddenLine xmlns:a14="http://schemas.microsoft.com/office/drawing/2010/main" xmlns="" w="9525">
+                <a14:hiddenLine xmlns="" xmlns:a14="http://schemas.microsoft.com/office/drawing/2010/main" w="9525">
                   <a:solidFill>
                     <a:srgbClr val="000000"/>
                   </a:solidFill>
@@ -3737,7 +4174,7 @@
             </a:ln>
             <a:extLst>
               <a:ext uri="{91240B29-F687-4f45-9708-019B960494DF}">
-                <a14:hiddenLine xmlns:a14="http://schemas.microsoft.com/office/drawing/2010/main" xmlns="" w="9525">
+                <a14:hiddenLine xmlns="" xmlns:a14="http://schemas.microsoft.com/office/drawing/2010/main" w="9525">
                   <a:solidFill>
                     <a:srgbClr val="000000"/>
                   </a:solidFill>
@@ -3827,7 +4264,7 @@
             </a:ln>
             <a:extLst>
               <a:ext uri="{91240B29-F687-4f45-9708-019B960494DF}">
-                <a14:hiddenLine xmlns:a14="http://schemas.microsoft.com/office/drawing/2010/main" xmlns="" w="9525">
+                <a14:hiddenLine xmlns="" xmlns:a14="http://schemas.microsoft.com/office/drawing/2010/main" w="9525">
                   <a:solidFill>
                     <a:srgbClr val="000000"/>
                   </a:solidFill>
@@ -3917,7 +4354,7 @@
             </a:ln>
             <a:extLst>
               <a:ext uri="{91240B29-F687-4f45-9708-019B960494DF}">
-                <a14:hiddenLine xmlns:a14="http://schemas.microsoft.com/office/drawing/2010/main" xmlns="" w="9525">
+                <a14:hiddenLine xmlns="" xmlns:a14="http://schemas.microsoft.com/office/drawing/2010/main" w="9525">
                   <a:solidFill>
                     <a:srgbClr val="000000"/>
                   </a:solidFill>
@@ -3979,7 +4416,7 @@
             </a:ln>
             <a:extLst>
               <a:ext uri="{91240B29-F687-4f45-9708-019B960494DF}">
-                <a14:hiddenLine xmlns:a14="http://schemas.microsoft.com/office/drawing/2010/main" xmlns="" w="9525">
+                <a14:hiddenLine xmlns="" xmlns:a14="http://schemas.microsoft.com/office/drawing/2010/main" w="9525">
                   <a:solidFill>
                     <a:srgbClr val="000000"/>
                   </a:solidFill>
@@ -4099,7 +4536,7 @@
             </a:ln>
             <a:extLst>
               <a:ext uri="{91240B29-F687-4f45-9708-019B960494DF}">
-                <a14:hiddenLine xmlns:a14="http://schemas.microsoft.com/office/drawing/2010/main" xmlns="" w="9525">
+                <a14:hiddenLine xmlns="" xmlns:a14="http://schemas.microsoft.com/office/drawing/2010/main" w="9525">
                   <a:solidFill>
                     <a:srgbClr val="000000"/>
                   </a:solidFill>
@@ -4167,7 +4604,7 @@
             </a:ln>
             <a:extLst>
               <a:ext uri="{91240B29-F687-4f45-9708-019B960494DF}">
-                <a14:hiddenLine xmlns:a14="http://schemas.microsoft.com/office/drawing/2010/main" xmlns="" w="9525">
+                <a14:hiddenLine xmlns="" xmlns:a14="http://schemas.microsoft.com/office/drawing/2010/main" w="9525">
                   <a:solidFill>
                     <a:srgbClr val="000000"/>
                   </a:solidFill>
@@ -4257,7 +4694,7 @@
             </a:ln>
             <a:extLst>
               <a:ext uri="{91240B29-F687-4f45-9708-019B960494DF}">
-                <a14:hiddenLine xmlns:a14="http://schemas.microsoft.com/office/drawing/2010/main" xmlns="" w="9525">
+                <a14:hiddenLine xmlns="" xmlns:a14="http://schemas.microsoft.com/office/drawing/2010/main" w="9525">
                   <a:solidFill>
                     <a:srgbClr val="000000"/>
                   </a:solidFill>
@@ -9013,8 +9450,8 @@
 <p:sldMaster xmlns:a="http://schemas.openxmlformats.org/drawingml/2006/main" xmlns:r="http://schemas.openxmlformats.org/officeDocument/2006/relationships" xmlns:p="http://schemas.openxmlformats.org/presentationml/2006/main">
   <p:cSld>
     <p:bg>
-      <p:bgRef idx="1003">
-        <a:schemeClr val="bg2"/>
+      <p:bgRef idx="1001">
+        <a:schemeClr val="bg1"/>
       </p:bgRef>
     </p:bg>
     <p:spTree>
@@ -9064,7 +9501,7 @@
           <a:noFill/>
           <a:extLst>
             <a:ext uri="{909E8E84-426E-40dd-AFC4-6F175D3DCCD1}">
-              <a14:hiddenFill xmlns:a14="http://schemas.microsoft.com/office/drawing/2010/main" xmlns="">
+              <a14:hiddenFill xmlns="" xmlns:a14="http://schemas.microsoft.com/office/drawing/2010/main">
                 <a:solidFill>
                   <a:srgbClr val="FFFFFF"/>
                 </a:solidFill>
@@ -9138,7 +9575,7 @@
               </a:ln>
               <a:extLst>
                 <a:ext uri="{91240B29-F687-4f45-9708-019B960494DF}">
-                  <a14:hiddenLine xmlns:a14="http://schemas.microsoft.com/office/drawing/2010/main" xmlns="" w="9525">
+                  <a14:hiddenLine xmlns="" xmlns:a14="http://schemas.microsoft.com/office/drawing/2010/main" w="9525">
                     <a:solidFill>
                       <a:srgbClr val="000000"/>
                     </a:solidFill>
@@ -9228,7 +9665,7 @@
               </a:ln>
               <a:extLst>
                 <a:ext uri="{91240B29-F687-4f45-9708-019B960494DF}">
-                  <a14:hiddenLine xmlns:a14="http://schemas.microsoft.com/office/drawing/2010/main" xmlns="" w="9525">
+                  <a14:hiddenLine xmlns="" xmlns:a14="http://schemas.microsoft.com/office/drawing/2010/main" w="9525">
                     <a:solidFill>
                       <a:srgbClr val="000000"/>
                     </a:solidFill>
@@ -9318,7 +9755,7 @@
               </a:ln>
               <a:extLst>
                 <a:ext uri="{91240B29-F687-4f45-9708-019B960494DF}">
-                  <a14:hiddenLine xmlns:a14="http://schemas.microsoft.com/office/drawing/2010/main" xmlns="" w="9525">
+                  <a14:hiddenLine xmlns="" xmlns:a14="http://schemas.microsoft.com/office/drawing/2010/main" w="9525">
                     <a:solidFill>
                       <a:srgbClr val="000000"/>
                     </a:solidFill>
@@ -9380,7 +9817,7 @@
               </a:ln>
               <a:extLst>
                 <a:ext uri="{91240B29-F687-4f45-9708-019B960494DF}">
-                  <a14:hiddenLine xmlns:a14="http://schemas.microsoft.com/office/drawing/2010/main" xmlns="" w="9525">
+                  <a14:hiddenLine xmlns="" xmlns:a14="http://schemas.microsoft.com/office/drawing/2010/main" w="9525">
                     <a:solidFill>
                       <a:srgbClr val="000000"/>
                     </a:solidFill>
@@ -9470,7 +9907,7 @@
               </a:ln>
               <a:extLst>
                 <a:ext uri="{91240B29-F687-4f45-9708-019B960494DF}">
-                  <a14:hiddenLine xmlns:a14="http://schemas.microsoft.com/office/drawing/2010/main" xmlns="" w="9525">
+                  <a14:hiddenLine xmlns="" xmlns:a14="http://schemas.microsoft.com/office/drawing/2010/main" w="9525">
                     <a:solidFill>
                       <a:srgbClr val="000000"/>
                     </a:solidFill>
@@ -9532,7 +9969,7 @@
               </a:ln>
               <a:extLst>
                 <a:ext uri="{91240B29-F687-4f45-9708-019B960494DF}">
-                  <a14:hiddenLine xmlns:a14="http://schemas.microsoft.com/office/drawing/2010/main" xmlns="" w="9525">
+                  <a14:hiddenLine xmlns="" xmlns:a14="http://schemas.microsoft.com/office/drawing/2010/main" w="9525">
                     <a:solidFill>
                       <a:srgbClr val="000000"/>
                     </a:solidFill>
@@ -9594,7 +10031,7 @@
               </a:ln>
               <a:extLst>
                 <a:ext uri="{91240B29-F687-4f45-9708-019B960494DF}">
-                  <a14:hiddenLine xmlns:a14="http://schemas.microsoft.com/office/drawing/2010/main" xmlns="" w="9525">
+                  <a14:hiddenLine xmlns="" xmlns:a14="http://schemas.microsoft.com/office/drawing/2010/main" w="9525">
                     <a:solidFill>
                       <a:srgbClr val="000000"/>
                     </a:solidFill>
@@ -9684,7 +10121,7 @@
               </a:ln>
               <a:extLst>
                 <a:ext uri="{91240B29-F687-4f45-9708-019B960494DF}">
-                  <a14:hiddenLine xmlns:a14="http://schemas.microsoft.com/office/drawing/2010/main" xmlns="" w="9525">
+                  <a14:hiddenLine xmlns="" xmlns:a14="http://schemas.microsoft.com/office/drawing/2010/main" w="9525">
                     <a:solidFill>
                       <a:srgbClr val="000000"/>
                     </a:solidFill>
@@ -9774,7 +10211,7 @@
               </a:ln>
               <a:extLst>
                 <a:ext uri="{91240B29-F687-4f45-9708-019B960494DF}">
-                  <a14:hiddenLine xmlns:a14="http://schemas.microsoft.com/office/drawing/2010/main" xmlns="" w="9525">
+                  <a14:hiddenLine xmlns="" xmlns:a14="http://schemas.microsoft.com/office/drawing/2010/main" w="9525">
                     <a:solidFill>
                       <a:srgbClr val="000000"/>
                     </a:solidFill>
@@ -9836,7 +10273,7 @@
               </a:ln>
               <a:extLst>
                 <a:ext uri="{91240B29-F687-4f45-9708-019B960494DF}">
-                  <a14:hiddenLine xmlns:a14="http://schemas.microsoft.com/office/drawing/2010/main" xmlns="" w="9525">
+                  <a14:hiddenLine xmlns="" xmlns:a14="http://schemas.microsoft.com/office/drawing/2010/main" w="9525">
                     <a:solidFill>
                       <a:srgbClr val="000000"/>
                     </a:solidFill>
@@ -9946,7 +10383,7 @@
               </a:ln>
               <a:extLst>
                 <a:ext uri="{91240B29-F687-4f45-9708-019B960494DF}">
-                  <a14:hiddenLine xmlns:a14="http://schemas.microsoft.com/office/drawing/2010/main" xmlns="" w="9525">
+                  <a14:hiddenLine xmlns="" xmlns:a14="http://schemas.microsoft.com/office/drawing/2010/main" w="9525">
                     <a:solidFill>
                       <a:srgbClr val="000000"/>
                     </a:solidFill>
@@ -10030,7 +10467,7 @@
               </a:ln>
               <a:extLst>
                 <a:ext uri="{91240B29-F687-4f45-9708-019B960494DF}">
-                  <a14:hiddenLine xmlns:a14="http://schemas.microsoft.com/office/drawing/2010/main" xmlns="" w="9525">
+                  <a14:hiddenLine xmlns="" xmlns:a14="http://schemas.microsoft.com/office/drawing/2010/main" w="9525">
                     <a:solidFill>
                       <a:srgbClr val="000000"/>
                     </a:solidFill>
@@ -10092,7 +10529,7 @@
               </a:ln>
               <a:extLst>
                 <a:ext uri="{91240B29-F687-4f45-9708-019B960494DF}">
-                  <a14:hiddenLine xmlns:a14="http://schemas.microsoft.com/office/drawing/2010/main" xmlns="" w="9525">
+                  <a14:hiddenLine xmlns="" xmlns:a14="http://schemas.microsoft.com/office/drawing/2010/main" w="9525">
                     <a:solidFill>
                       <a:srgbClr val="000000"/>
                     </a:solidFill>
@@ -10154,7 +10591,7 @@
               </a:ln>
               <a:extLst>
                 <a:ext uri="{91240B29-F687-4f45-9708-019B960494DF}">
-                  <a14:hiddenLine xmlns:a14="http://schemas.microsoft.com/office/drawing/2010/main" xmlns="" w="9525">
+                  <a14:hiddenLine xmlns="" xmlns:a14="http://schemas.microsoft.com/office/drawing/2010/main" w="9525">
                     <a:solidFill>
                       <a:srgbClr val="000000"/>
                     </a:solidFill>
@@ -10244,7 +10681,7 @@
               </a:ln>
               <a:extLst>
                 <a:ext uri="{91240B29-F687-4f45-9708-019B960494DF}">
-                  <a14:hiddenLine xmlns:a14="http://schemas.microsoft.com/office/drawing/2010/main" xmlns="" w="9525">
+                  <a14:hiddenLine xmlns="" xmlns:a14="http://schemas.microsoft.com/office/drawing/2010/main" w="9525">
                     <a:solidFill>
                       <a:srgbClr val="000000"/>
                     </a:solidFill>
@@ -10278,7 +10715,7 @@
               </a:ln>
               <a:extLst>
                 <a:ext uri="{91240B29-F687-4f45-9708-019B960494DF}">
-                  <a14:hiddenLine xmlns:a14="http://schemas.microsoft.com/office/drawing/2010/main" xmlns="" w="9525">
+                  <a14:hiddenLine xmlns="" xmlns:a14="http://schemas.microsoft.com/office/drawing/2010/main" w="9525">
                     <a:solidFill>
                       <a:srgbClr val="000000"/>
                     </a:solidFill>
@@ -10343,7 +10780,7 @@
               </a:ln>
               <a:extLst>
                 <a:ext uri="{91240B29-F687-4f45-9708-019B960494DF}">
-                  <a14:hiddenLine xmlns:a14="http://schemas.microsoft.com/office/drawing/2010/main" xmlns="" w="9525">
+                  <a14:hiddenLine xmlns="" xmlns:a14="http://schemas.microsoft.com/office/drawing/2010/main" w="9525">
                     <a:solidFill>
                       <a:srgbClr val="000000"/>
                     </a:solidFill>
@@ -10433,7 +10870,7 @@
               </a:ln>
               <a:extLst>
                 <a:ext uri="{91240B29-F687-4f45-9708-019B960494DF}">
-                  <a14:hiddenLine xmlns:a14="http://schemas.microsoft.com/office/drawing/2010/main" xmlns="" w="9525">
+                  <a14:hiddenLine xmlns="" xmlns:a14="http://schemas.microsoft.com/office/drawing/2010/main" w="9525">
                     <a:solidFill>
                       <a:srgbClr val="000000"/>
                     </a:solidFill>
@@ -10495,7 +10932,7 @@
               </a:ln>
               <a:extLst>
                 <a:ext uri="{91240B29-F687-4f45-9708-019B960494DF}">
-                  <a14:hiddenLine xmlns:a14="http://schemas.microsoft.com/office/drawing/2010/main" xmlns="" w="9525">
+                  <a14:hiddenLine xmlns="" xmlns:a14="http://schemas.microsoft.com/office/drawing/2010/main" w="9525">
                     <a:solidFill>
                       <a:srgbClr val="000000"/>
                     </a:solidFill>
@@ -10585,7 +11022,7 @@
               </a:ln>
               <a:extLst>
                 <a:ext uri="{91240B29-F687-4f45-9708-019B960494DF}">
-                  <a14:hiddenLine xmlns:a14="http://schemas.microsoft.com/office/drawing/2010/main" xmlns="" w="9525">
+                  <a14:hiddenLine xmlns="" xmlns:a14="http://schemas.microsoft.com/office/drawing/2010/main" w="9525">
                     <a:solidFill>
                       <a:srgbClr val="000000"/>
                     </a:solidFill>
@@ -10650,7 +11087,7 @@
               </a:ln>
               <a:extLst>
                 <a:ext uri="{91240B29-F687-4f45-9708-019B960494DF}">
-                  <a14:hiddenLine xmlns:a14="http://schemas.microsoft.com/office/drawing/2010/main" xmlns="" w="9525">
+                  <a14:hiddenLine xmlns="" xmlns:a14="http://schemas.microsoft.com/office/drawing/2010/main" w="9525">
                     <a:solidFill>
                       <a:srgbClr val="000000"/>
                     </a:solidFill>
@@ -10712,7 +11149,7 @@
               </a:ln>
               <a:extLst>
                 <a:ext uri="{91240B29-F687-4f45-9708-019B960494DF}">
-                  <a14:hiddenLine xmlns:a14="http://schemas.microsoft.com/office/drawing/2010/main" xmlns="" w="9525">
+                  <a14:hiddenLine xmlns="" xmlns:a14="http://schemas.microsoft.com/office/drawing/2010/main" w="9525">
                     <a:solidFill>
                       <a:srgbClr val="000000"/>
                     </a:solidFill>
@@ -10802,7 +11239,7 @@
               </a:ln>
               <a:extLst>
                 <a:ext uri="{91240B29-F687-4f45-9708-019B960494DF}">
-                  <a14:hiddenLine xmlns:a14="http://schemas.microsoft.com/office/drawing/2010/main" xmlns="" w="9525">
+                  <a14:hiddenLine xmlns="" xmlns:a14="http://schemas.microsoft.com/office/drawing/2010/main" w="9525">
                     <a:solidFill>
                       <a:srgbClr val="000000"/>
                     </a:solidFill>
@@ -10892,7 +11329,7 @@
               </a:ln>
               <a:extLst>
                 <a:ext uri="{91240B29-F687-4f45-9708-019B960494DF}">
-                  <a14:hiddenLine xmlns:a14="http://schemas.microsoft.com/office/drawing/2010/main" xmlns="" w="9525">
+                  <a14:hiddenLine xmlns="" xmlns:a14="http://schemas.microsoft.com/office/drawing/2010/main" w="9525">
                     <a:solidFill>
                       <a:srgbClr val="000000"/>
                     </a:solidFill>
@@ -10957,7 +11394,7 @@
               </a:ln>
               <a:extLst>
                 <a:ext uri="{91240B29-F687-4f45-9708-019B960494DF}">
-                  <a14:hiddenLine xmlns:a14="http://schemas.microsoft.com/office/drawing/2010/main" xmlns="" w="9525">
+                  <a14:hiddenLine xmlns="" xmlns:a14="http://schemas.microsoft.com/office/drawing/2010/main" w="9525">
                     <a:solidFill>
                       <a:srgbClr val="000000"/>
                     </a:solidFill>
@@ -11077,7 +11514,7 @@
               </a:ln>
               <a:extLst>
                 <a:ext uri="{91240B29-F687-4f45-9708-019B960494DF}">
-                  <a14:hiddenLine xmlns:a14="http://schemas.microsoft.com/office/drawing/2010/main" xmlns="" w="9525">
+                  <a14:hiddenLine xmlns="" xmlns:a14="http://schemas.microsoft.com/office/drawing/2010/main" w="9525">
                     <a:solidFill>
                       <a:srgbClr val="000000"/>
                     </a:solidFill>
@@ -11175,7 +11612,7 @@
               </a:ln>
               <a:extLst>
                 <a:ext uri="{91240B29-F687-4f45-9708-019B960494DF}">
-                  <a14:hiddenLine xmlns:a14="http://schemas.microsoft.com/office/drawing/2010/main" xmlns="" w="9525">
+                  <a14:hiddenLine xmlns="" xmlns:a14="http://schemas.microsoft.com/office/drawing/2010/main" w="9525">
                     <a:solidFill>
                       <a:srgbClr val="000000"/>
                     </a:solidFill>
@@ -11290,7 +11727,7 @@
               </a:ln>
               <a:extLst>
                 <a:ext uri="{91240B29-F687-4f45-9708-019B960494DF}">
-                  <a14:hiddenLine xmlns:a14="http://schemas.microsoft.com/office/drawing/2010/main" xmlns="" w="9525">
+                  <a14:hiddenLine xmlns="" xmlns:a14="http://schemas.microsoft.com/office/drawing/2010/main" w="9525">
                     <a:solidFill>
                       <a:srgbClr val="000000"/>
                     </a:solidFill>
@@ -11380,7 +11817,7 @@
               </a:ln>
               <a:extLst>
                 <a:ext uri="{91240B29-F687-4f45-9708-019B960494DF}">
-                  <a14:hiddenLine xmlns:a14="http://schemas.microsoft.com/office/drawing/2010/main" xmlns="" w="9525">
+                  <a14:hiddenLine xmlns="" xmlns:a14="http://schemas.microsoft.com/office/drawing/2010/main" w="9525">
                     <a:solidFill>
                       <a:srgbClr val="000000"/>
                     </a:solidFill>
@@ -11445,7 +11882,7 @@
               </a:ln>
               <a:extLst>
                 <a:ext uri="{91240B29-F687-4f45-9708-019B960494DF}">
-                  <a14:hiddenLine xmlns:a14="http://schemas.microsoft.com/office/drawing/2010/main" xmlns="" w="9525">
+                  <a14:hiddenLine xmlns="" xmlns:a14="http://schemas.microsoft.com/office/drawing/2010/main" w="9525">
                     <a:solidFill>
                       <a:srgbClr val="000000"/>
                     </a:solidFill>
@@ -11535,7 +11972,7 @@
               </a:ln>
               <a:extLst>
                 <a:ext uri="{91240B29-F687-4f45-9708-019B960494DF}">
-                  <a14:hiddenLine xmlns:a14="http://schemas.microsoft.com/office/drawing/2010/main" xmlns="" w="9525">
+                  <a14:hiddenLine xmlns="" xmlns:a14="http://schemas.microsoft.com/office/drawing/2010/main" w="9525">
                     <a:solidFill>
                       <a:srgbClr val="000000"/>
                     </a:solidFill>
@@ -11603,7 +12040,7 @@
               </a:ln>
               <a:extLst>
                 <a:ext uri="{91240B29-F687-4f45-9708-019B960494DF}">
-                  <a14:hiddenLine xmlns:a14="http://schemas.microsoft.com/office/drawing/2010/main" xmlns="" w="9525">
+                  <a14:hiddenLine xmlns="" xmlns:a14="http://schemas.microsoft.com/office/drawing/2010/main" w="9525">
                     <a:solidFill>
                       <a:srgbClr val="000000"/>
                     </a:solidFill>
@@ -11693,7 +12130,7 @@
               </a:ln>
               <a:extLst>
                 <a:ext uri="{91240B29-F687-4f45-9708-019B960494DF}">
-                  <a14:hiddenLine xmlns:a14="http://schemas.microsoft.com/office/drawing/2010/main" xmlns="" w="9525">
+                  <a14:hiddenLine xmlns="" xmlns:a14="http://schemas.microsoft.com/office/drawing/2010/main" w="9525">
                     <a:solidFill>
                       <a:srgbClr val="000000"/>
                     </a:solidFill>
@@ -11761,7 +12198,7 @@
               </a:ln>
               <a:extLst>
                 <a:ext uri="{91240B29-F687-4f45-9708-019B960494DF}">
-                  <a14:hiddenLine xmlns:a14="http://schemas.microsoft.com/office/drawing/2010/main" xmlns="" w="9525">
+                  <a14:hiddenLine xmlns="" xmlns:a14="http://schemas.microsoft.com/office/drawing/2010/main" w="9525">
                     <a:solidFill>
                       <a:srgbClr val="000000"/>
                     </a:solidFill>
@@ -11851,7 +12288,7 @@
               </a:ln>
               <a:extLst>
                 <a:ext uri="{91240B29-F687-4f45-9708-019B960494DF}">
-                  <a14:hiddenLine xmlns:a14="http://schemas.microsoft.com/office/drawing/2010/main" xmlns="" w="9525">
+                  <a14:hiddenLine xmlns="" xmlns:a14="http://schemas.microsoft.com/office/drawing/2010/main" w="9525">
                     <a:solidFill>
                       <a:srgbClr val="000000"/>
                     </a:solidFill>
@@ -11885,7 +12322,7 @@
               </a:ln>
               <a:extLst>
                 <a:ext uri="{91240B29-F687-4f45-9708-019B960494DF}">
-                  <a14:hiddenLine xmlns:a14="http://schemas.microsoft.com/office/drawing/2010/main" xmlns="" w="9525">
+                  <a14:hiddenLine xmlns="" xmlns:a14="http://schemas.microsoft.com/office/drawing/2010/main" w="9525">
                     <a:solidFill>
                       <a:srgbClr val="000000"/>
                     </a:solidFill>
@@ -12118,7 +12555,7 @@
       </p:ext>
     </p:extLst>
   </p:cSld>
-  <p:clrMap bg1="dk1" tx1="lt1" bg2="dk2" tx2="lt2" accent1="accent1" accent2="accent2" accent3="accent3" accent4="accent4" accent5="accent5" accent6="accent6" hlink="hlink" folHlink="folHlink"/>
+  <p:clrMap bg1="lt1" tx1="dk1" bg2="lt2" tx2="dk2" accent1="accent1" accent2="accent2" accent3="accent3" accent4="accent4" accent5="accent5" accent6="accent6" hlink="hlink" folHlink="folHlink"/>
   <p:sldLayoutIdLst>
     <p:sldLayoutId id="2147483670" r:id="rId1"/>
     <p:sldLayoutId id="2147483671" r:id="rId2"/>
@@ -12856,6 +13293,13 @@
   <p:clrMapOvr>
     <a:masterClrMapping/>
   </p:clrMapOvr>
+  <p:timing>
+    <p:tnLst>
+      <p:par>
+        <p:cTn id="1" dur="indefinite" restart="never" nodeType="tmRoot"/>
+      </p:par>
+    </p:tnLst>
+  </p:timing>
 </p:sld>
 </file>
 
@@ -12878,13 +13322,7 @@
       </p:grpSpPr>
       <p:sp>
         <p:nvSpPr>
-          <p:cNvPr id="2" name="Title 1">
-            <a:extLst>
-              <a:ext uri="{FF2B5EF4-FFF2-40B4-BE49-F238E27FC236}">
-                <a16:creationId xmlns:a16="http://schemas.microsoft.com/office/drawing/2014/main" id="{6AEBB5A1-F934-4332-9BD3-85C1F9DE1846}"/>
-              </a:ext>
-            </a:extLst>
-          </p:cNvPr>
+          <p:cNvPr id="2" name="Title 1"/>
           <p:cNvSpPr>
             <a:spLocks noGrp="1"/>
           </p:cNvSpPr>
@@ -12894,27 +13332,20 @@
         </p:nvSpPr>
         <p:spPr/>
         <p:txBody>
-          <a:bodyPr>
-            <a:normAutofit/>
-          </a:bodyPr>
+          <a:bodyPr/>
           <a:lstStyle/>
           <a:p>
             <a:r>
-              <a:rPr lang="en-US" dirty="0"/>
-              <a:t>Histogram classifier results</a:t>
+              <a:rPr lang="en-IN" dirty="0" smtClean="0"/>
+              <a:t>Interesting Observations</a:t>
             </a:r>
+            <a:endParaRPr lang="en-IN" dirty="0"/>
           </a:p>
         </p:txBody>
       </p:sp>
       <p:sp>
         <p:nvSpPr>
-          <p:cNvPr id="3" name="Content Placeholder 2">
-            <a:extLst>
-              <a:ext uri="{FF2B5EF4-FFF2-40B4-BE49-F238E27FC236}">
-                <a16:creationId xmlns:a16="http://schemas.microsoft.com/office/drawing/2014/main" id="{D0053B46-A715-4C18-808B-247F667DCCD6}"/>
-              </a:ext>
-            </a:extLst>
-          </p:cNvPr>
+          <p:cNvPr id="3" name="Content Placeholder 2"/>
           <p:cNvSpPr>
             <a:spLocks noGrp="1"/>
           </p:cNvSpPr>
@@ -12927,45 +13358,31 @@
           <a:bodyPr/>
           <a:lstStyle/>
           <a:p>
-            <a:endParaRPr lang="en-US"/>
-          </a:p>
-        </p:txBody>
-      </p:sp>
-      <p:sp>
-        <p:nvSpPr>
-          <p:cNvPr id="4" name="Content Placeholder 3">
-            <a:extLst>
-              <a:ext uri="{FF2B5EF4-FFF2-40B4-BE49-F238E27FC236}">
-                <a16:creationId xmlns:a16="http://schemas.microsoft.com/office/drawing/2014/main" id="{8B00685F-05AE-4218-8A6C-B8181DD361B4}"/>
-              </a:ext>
-            </a:extLst>
-          </p:cNvPr>
-          <p:cNvSpPr>
-            <a:spLocks noGrp="1"/>
-          </p:cNvSpPr>
-          <p:nvPr>
-            <p:ph sz="half" idx="2"/>
-          </p:nvPr>
-        </p:nvSpPr>
-        <p:spPr/>
-        <p:txBody>
-          <a:bodyPr/>
-          <a:lstStyle/>
-          <a:p>
-            <a:endParaRPr lang="en-US"/>
+            <a:r>
+              <a:rPr lang="en-IN" dirty="0" smtClean="0"/>
+              <a:t>Why histogram classifier did not work?</a:t>
+            </a:r>
+            <a:endParaRPr lang="en-IN" dirty="0"/>
           </a:p>
         </p:txBody>
       </p:sp>
     </p:spTree>
     <p:extLst>
       <p:ext uri="{BB962C8B-B14F-4D97-AF65-F5344CB8AC3E}">
-        <p14:creationId xmlns:p14="http://schemas.microsoft.com/office/powerpoint/2010/main" val="1567941571"/>
+        <p14:creationId xmlns:p14="http://schemas.microsoft.com/office/powerpoint/2010/main" val="3204091810"/>
       </p:ext>
     </p:extLst>
   </p:cSld>
   <p:clrMapOvr>
     <a:masterClrMapping/>
   </p:clrMapOvr>
+  <p:timing>
+    <p:tnLst>
+      <p:par>
+        <p:cTn id="1" dur="indefinite" restart="never" nodeType="tmRoot"/>
+      </p:par>
+    </p:tnLst>
+  </p:timing>
 </p:sld>
 </file>
 
@@ -13049,8 +13466,19 @@
           <a:p>
             <a:r>
               <a:rPr lang="en-US" dirty="0"/>
-              <a:t>Training data size</a:t>
+              <a:t>Training data </a:t>
             </a:r>
+            <a:r>
+              <a:rPr lang="en-US" dirty="0" smtClean="0"/>
+              <a:t>size</a:t>
+            </a:r>
+          </a:p>
+          <a:p>
+            <a:r>
+              <a:rPr lang="en-US" dirty="0" smtClean="0"/>
+              <a:t>***elaborate count info</a:t>
+            </a:r>
+            <a:endParaRPr lang="en-US" dirty="0"/>
           </a:p>
         </p:txBody>
       </p:sp>
@@ -13096,8 +13524,12 @@
               <a:buAutoNum type="arabicPeriod"/>
             </a:pPr>
             <a:r>
+              <a:rPr lang="en-US" sz="2000" dirty="0" smtClean="0"/>
+              <a:t>Linear </a:t>
+            </a:r>
+            <a:r>
               <a:rPr lang="en-US" sz="2000" dirty="0"/>
-              <a:t>Linear Classification Analysis</a:t>
+              <a:t>Classification Analysis</a:t>
             </a:r>
           </a:p>
           <a:p>
@@ -13146,227 +13578,17 @@
   <p:clrMapOvr>
     <a:masterClrMapping/>
   </p:clrMapOvr>
+  <p:timing>
+    <p:tnLst>
+      <p:par>
+        <p:cTn id="1" dur="indefinite" restart="never" nodeType="tmRoot"/>
+      </p:par>
+    </p:tnLst>
+  </p:timing>
 </p:sld>
 </file>
 
 <file path=ppt/slides/slide3.xml><?xml version="1.0" encoding="utf-8"?>
-<p:sld xmlns:a="http://schemas.openxmlformats.org/drawingml/2006/main" xmlns:r="http://schemas.openxmlformats.org/officeDocument/2006/relationships" xmlns:p="http://schemas.openxmlformats.org/presentationml/2006/main">
-  <p:cSld>
-    <p:spTree>
-      <p:nvGrpSpPr>
-        <p:cNvPr id="1" name=""/>
-        <p:cNvGrpSpPr/>
-        <p:nvPr/>
-      </p:nvGrpSpPr>
-      <p:grpSpPr>
-        <a:xfrm>
-          <a:off x="0" y="0"/>
-          <a:ext cx="0" cy="0"/>
-          <a:chOff x="0" y="0"/>
-          <a:chExt cx="0" cy="0"/>
-        </a:xfrm>
-      </p:grpSpPr>
-      <p:sp>
-        <p:nvSpPr>
-          <p:cNvPr id="2" name="Title 1">
-            <a:extLst>
-              <a:ext uri="{FF2B5EF4-FFF2-40B4-BE49-F238E27FC236}">
-                <a16:creationId xmlns:a16="http://schemas.microsoft.com/office/drawing/2014/main" id="{DACA88CE-21C6-4B0E-A7F8-45202789E753}"/>
-              </a:ext>
-            </a:extLst>
-          </p:cNvPr>
-          <p:cNvSpPr>
-            <a:spLocks noGrp="1"/>
-          </p:cNvSpPr>
-          <p:nvPr>
-            <p:ph type="title"/>
-          </p:nvPr>
-        </p:nvSpPr>
-        <p:spPr/>
-        <p:txBody>
-          <a:bodyPr/>
-          <a:lstStyle/>
-          <a:p>
-            <a:r>
-              <a:rPr lang="en-US" dirty="0"/>
-              <a:t>Linear classifier</a:t>
-            </a:r>
-          </a:p>
-        </p:txBody>
-      </p:sp>
-      <p:sp>
-        <p:nvSpPr>
-          <p:cNvPr id="3" name="Content Placeholder 2">
-            <a:extLst>
-              <a:ext uri="{FF2B5EF4-FFF2-40B4-BE49-F238E27FC236}">
-                <a16:creationId xmlns:a16="http://schemas.microsoft.com/office/drawing/2014/main" id="{FA0C8D5D-E5D2-44E2-84C9-DB263BC00B11}"/>
-              </a:ext>
-            </a:extLst>
-          </p:cNvPr>
-          <p:cNvSpPr>
-            <a:spLocks noGrp="1"/>
-          </p:cNvSpPr>
-          <p:nvPr>
-            <p:ph sz="half" idx="1"/>
-          </p:nvPr>
-        </p:nvSpPr>
-        <p:spPr/>
-        <p:txBody>
-          <a:bodyPr/>
-          <a:lstStyle/>
-          <a:p>
-            <a:endParaRPr lang="en-US"/>
-          </a:p>
-        </p:txBody>
-      </p:sp>
-      <p:sp>
-        <p:nvSpPr>
-          <p:cNvPr id="4" name="Content Placeholder 3">
-            <a:extLst>
-              <a:ext uri="{FF2B5EF4-FFF2-40B4-BE49-F238E27FC236}">
-                <a16:creationId xmlns:a16="http://schemas.microsoft.com/office/drawing/2014/main" id="{18B30F1E-0F8D-4C56-9A12-89065408D6AB}"/>
-              </a:ext>
-            </a:extLst>
-          </p:cNvPr>
-          <p:cNvSpPr>
-            <a:spLocks noGrp="1"/>
-          </p:cNvSpPr>
-          <p:nvPr>
-            <p:ph sz="half" idx="2"/>
-          </p:nvPr>
-        </p:nvSpPr>
-        <p:spPr/>
-        <p:txBody>
-          <a:bodyPr/>
-          <a:lstStyle/>
-          <a:p>
-            <a:endParaRPr lang="en-US"/>
-          </a:p>
-        </p:txBody>
-      </p:sp>
-    </p:spTree>
-    <p:extLst>
-      <p:ext uri="{BB962C8B-B14F-4D97-AF65-F5344CB8AC3E}">
-        <p14:creationId xmlns:p14="http://schemas.microsoft.com/office/powerpoint/2010/main" val="3348931744"/>
-      </p:ext>
-    </p:extLst>
-  </p:cSld>
-  <p:clrMapOvr>
-    <a:masterClrMapping/>
-  </p:clrMapOvr>
-</p:sld>
-</file>
-
-<file path=ppt/slides/slide4.xml><?xml version="1.0" encoding="utf-8"?>
-<p:sld xmlns:a="http://schemas.openxmlformats.org/drawingml/2006/main" xmlns:r="http://schemas.openxmlformats.org/officeDocument/2006/relationships" xmlns:p="http://schemas.openxmlformats.org/presentationml/2006/main">
-  <p:cSld>
-    <p:spTree>
-      <p:nvGrpSpPr>
-        <p:cNvPr id="1" name=""/>
-        <p:cNvGrpSpPr/>
-        <p:nvPr/>
-      </p:nvGrpSpPr>
-      <p:grpSpPr>
-        <a:xfrm>
-          <a:off x="0" y="0"/>
-          <a:ext cx="0" cy="0"/>
-          <a:chOff x="0" y="0"/>
-          <a:chExt cx="0" cy="0"/>
-        </a:xfrm>
-      </p:grpSpPr>
-      <p:sp>
-        <p:nvSpPr>
-          <p:cNvPr id="2" name="Title 1">
-            <a:extLst>
-              <a:ext uri="{FF2B5EF4-FFF2-40B4-BE49-F238E27FC236}">
-                <a16:creationId xmlns:a16="http://schemas.microsoft.com/office/drawing/2014/main" id="{DACA88CE-21C6-4B0E-A7F8-45202789E753}"/>
-              </a:ext>
-            </a:extLst>
-          </p:cNvPr>
-          <p:cNvSpPr>
-            <a:spLocks noGrp="1"/>
-          </p:cNvSpPr>
-          <p:nvPr>
-            <p:ph type="title"/>
-          </p:nvPr>
-        </p:nvSpPr>
-        <p:spPr/>
-        <p:txBody>
-          <a:bodyPr/>
-          <a:lstStyle/>
-          <a:p>
-            <a:r>
-              <a:rPr lang="en-US"/>
-              <a:t>Logistic Regression</a:t>
-            </a:r>
-            <a:endParaRPr lang="en-US" dirty="0"/>
-          </a:p>
-        </p:txBody>
-      </p:sp>
-      <p:sp>
-        <p:nvSpPr>
-          <p:cNvPr id="3" name="Content Placeholder 2">
-            <a:extLst>
-              <a:ext uri="{FF2B5EF4-FFF2-40B4-BE49-F238E27FC236}">
-                <a16:creationId xmlns:a16="http://schemas.microsoft.com/office/drawing/2014/main" id="{FA0C8D5D-E5D2-44E2-84C9-DB263BC00B11}"/>
-              </a:ext>
-            </a:extLst>
-          </p:cNvPr>
-          <p:cNvSpPr>
-            <a:spLocks noGrp="1"/>
-          </p:cNvSpPr>
-          <p:nvPr>
-            <p:ph sz="half" idx="1"/>
-          </p:nvPr>
-        </p:nvSpPr>
-        <p:spPr/>
-        <p:txBody>
-          <a:bodyPr/>
-          <a:lstStyle/>
-          <a:p>
-            <a:endParaRPr lang="en-US"/>
-          </a:p>
-        </p:txBody>
-      </p:sp>
-      <p:sp>
-        <p:nvSpPr>
-          <p:cNvPr id="4" name="Content Placeholder 3">
-            <a:extLst>
-              <a:ext uri="{FF2B5EF4-FFF2-40B4-BE49-F238E27FC236}">
-                <a16:creationId xmlns:a16="http://schemas.microsoft.com/office/drawing/2014/main" id="{18B30F1E-0F8D-4C56-9A12-89065408D6AB}"/>
-              </a:ext>
-            </a:extLst>
-          </p:cNvPr>
-          <p:cNvSpPr>
-            <a:spLocks noGrp="1"/>
-          </p:cNvSpPr>
-          <p:nvPr>
-            <p:ph sz="half" idx="2"/>
-          </p:nvPr>
-        </p:nvSpPr>
-        <p:spPr/>
-        <p:txBody>
-          <a:bodyPr/>
-          <a:lstStyle/>
-          <a:p>
-            <a:endParaRPr lang="en-US"/>
-          </a:p>
-        </p:txBody>
-      </p:sp>
-    </p:spTree>
-    <p:extLst>
-      <p:ext uri="{BB962C8B-B14F-4D97-AF65-F5344CB8AC3E}">
-        <p14:creationId xmlns:p14="http://schemas.microsoft.com/office/powerpoint/2010/main" val="3167898224"/>
-      </p:ext>
-    </p:extLst>
-  </p:cSld>
-  <p:clrMapOvr>
-    <a:masterClrMapping/>
-  </p:clrMapOvr>
-</p:sld>
-</file>
-
-<file path=ppt/slides/slide5.xml><?xml version="1.0" encoding="utf-8"?>
 <p:sld xmlns:a="http://schemas.openxmlformats.org/drawingml/2006/main" xmlns:r="http://schemas.openxmlformats.org/officeDocument/2006/relationships" xmlns:p="http://schemas.openxmlformats.org/presentationml/2006/main">
   <p:cSld>
     <p:spTree>
@@ -13794,7 +14016,7 @@
         </p:nvSpPr>
         <p:spPr>
           <a:xfrm>
-            <a:off x="967409" y="117713"/>
+            <a:off x="758401" y="117713"/>
             <a:ext cx="11224591" cy="646331"/>
           </a:xfrm>
           <a:prstGeom prst="rect">
@@ -13808,15 +14030,11 @@
           <a:lstStyle/>
           <a:p>
             <a:r>
-              <a:rPr lang="en-US" sz="3600" dirty="0"/>
-              <a:t>Linear Classifier: </a:t>
+              <a:rPr lang="en-US" sz="3600" dirty="0" smtClean="0"/>
+              <a:t>Data Augmentation: </a:t>
             </a:r>
             <a:r>
-              <a:rPr lang="en-US" sz="3600" dirty="0">
-                <a:solidFill>
-                  <a:schemeClr val="bg1"/>
-                </a:solidFill>
-              </a:rPr>
+              <a:rPr lang="en-US" sz="3600" dirty="0"/>
               <a:t>Data Size Increase using Image Rotation</a:t>
             </a:r>
           </a:p>
@@ -13832,6 +14050,231 @@
   <p:clrMapOvr>
     <a:masterClrMapping/>
   </p:clrMapOvr>
+  <p:timing>
+    <p:tnLst>
+      <p:par>
+        <p:cTn id="1" dur="indefinite" restart="never" nodeType="tmRoot"/>
+      </p:par>
+    </p:tnLst>
+  </p:timing>
+</p:sld>
+</file>
+
+<file path=ppt/slides/slide4.xml><?xml version="1.0" encoding="utf-8"?>
+<p:sld xmlns:a="http://schemas.openxmlformats.org/drawingml/2006/main" xmlns:r="http://schemas.openxmlformats.org/officeDocument/2006/relationships" xmlns:p="http://schemas.openxmlformats.org/presentationml/2006/main">
+  <p:cSld>
+    <p:spTree>
+      <p:nvGrpSpPr>
+        <p:cNvPr id="1" name=""/>
+        <p:cNvGrpSpPr/>
+        <p:nvPr/>
+      </p:nvGrpSpPr>
+      <p:grpSpPr>
+        <a:xfrm>
+          <a:off x="0" y="0"/>
+          <a:ext cx="0" cy="0"/>
+          <a:chOff x="0" y="0"/>
+          <a:chExt cx="0" cy="0"/>
+        </a:xfrm>
+      </p:grpSpPr>
+      <p:sp>
+        <p:nvSpPr>
+          <p:cNvPr id="2" name="Title 1"/>
+          <p:cNvSpPr>
+            <a:spLocks noGrp="1"/>
+          </p:cNvSpPr>
+          <p:nvPr>
+            <p:ph type="title"/>
+          </p:nvPr>
+        </p:nvSpPr>
+        <p:spPr/>
+        <p:txBody>
+          <a:bodyPr/>
+          <a:lstStyle/>
+          <a:p>
+            <a:r>
+              <a:rPr lang="en-IN" dirty="0" smtClean="0"/>
+              <a:t>K-means, Cluster purity &amp; Expectation Maximization</a:t>
+            </a:r>
+            <a:endParaRPr lang="en-IN" dirty="0"/>
+          </a:p>
+        </p:txBody>
+      </p:sp>
+      <p:sp>
+        <p:nvSpPr>
+          <p:cNvPr id="3" name="Content Placeholder 2"/>
+          <p:cNvSpPr>
+            <a:spLocks noGrp="1"/>
+          </p:cNvSpPr>
+          <p:nvPr>
+            <p:ph sz="half" idx="1"/>
+          </p:nvPr>
+        </p:nvSpPr>
+        <p:spPr/>
+        <p:txBody>
+          <a:bodyPr/>
+          <a:lstStyle/>
+          <a:p>
+            <a:endParaRPr lang="en-IN"/>
+          </a:p>
+        </p:txBody>
+      </p:sp>
+      <p:sp>
+        <p:nvSpPr>
+          <p:cNvPr id="4" name="Content Placeholder 3"/>
+          <p:cNvSpPr>
+            <a:spLocks noGrp="1"/>
+          </p:cNvSpPr>
+          <p:nvPr>
+            <p:ph sz="half" idx="2"/>
+          </p:nvPr>
+        </p:nvSpPr>
+        <p:spPr/>
+        <p:txBody>
+          <a:bodyPr/>
+          <a:lstStyle/>
+          <a:p>
+            <a:endParaRPr lang="en-IN"/>
+          </a:p>
+        </p:txBody>
+      </p:sp>
+    </p:spTree>
+    <p:extLst>
+      <p:ext uri="{BB962C8B-B14F-4D97-AF65-F5344CB8AC3E}">
+        <p14:creationId xmlns:p14="http://schemas.microsoft.com/office/powerpoint/2010/main" val="3192785003"/>
+      </p:ext>
+    </p:extLst>
+  </p:cSld>
+  <p:clrMapOvr>
+    <a:masterClrMapping/>
+  </p:clrMapOvr>
+  <p:timing>
+    <p:tnLst>
+      <p:par>
+        <p:cTn id="1" dur="indefinite" restart="never" nodeType="tmRoot"/>
+      </p:par>
+    </p:tnLst>
+  </p:timing>
+</p:sld>
+</file>
+
+<file path=ppt/slides/slide5.xml><?xml version="1.0" encoding="utf-8"?>
+<p:sld xmlns:a="http://schemas.openxmlformats.org/drawingml/2006/main" xmlns:r="http://schemas.openxmlformats.org/officeDocument/2006/relationships" xmlns:p="http://schemas.openxmlformats.org/presentationml/2006/main">
+  <p:cSld>
+    <p:spTree>
+      <p:nvGrpSpPr>
+        <p:cNvPr id="1" name=""/>
+        <p:cNvGrpSpPr/>
+        <p:nvPr/>
+      </p:nvGrpSpPr>
+      <p:grpSpPr>
+        <a:xfrm>
+          <a:off x="0" y="0"/>
+          <a:ext cx="0" cy="0"/>
+          <a:chOff x="0" y="0"/>
+          <a:chExt cx="0" cy="0"/>
+        </a:xfrm>
+      </p:grpSpPr>
+      <p:sp>
+        <p:nvSpPr>
+          <p:cNvPr id="2" name="Title 1">
+            <a:extLst>
+              <a:ext uri="{FF2B5EF4-FFF2-40B4-BE49-F238E27FC236}">
+                <a16:creationId xmlns:a16="http://schemas.microsoft.com/office/drawing/2014/main" id="{DACA88CE-21C6-4B0E-A7F8-45202789E753}"/>
+              </a:ext>
+            </a:extLst>
+          </p:cNvPr>
+          <p:cNvSpPr>
+            <a:spLocks noGrp="1"/>
+          </p:cNvSpPr>
+          <p:nvPr>
+            <p:ph type="title"/>
+          </p:nvPr>
+        </p:nvSpPr>
+        <p:spPr/>
+        <p:txBody>
+          <a:bodyPr/>
+          <a:lstStyle/>
+          <a:p>
+            <a:r>
+              <a:rPr lang="en-US" dirty="0"/>
+              <a:t>Logistic </a:t>
+            </a:r>
+            <a:r>
+              <a:rPr lang="en-US" dirty="0" smtClean="0"/>
+              <a:t>Regression classifier</a:t>
+            </a:r>
+            <a:endParaRPr lang="en-US" dirty="0"/>
+          </a:p>
+        </p:txBody>
+      </p:sp>
+      <p:sp>
+        <p:nvSpPr>
+          <p:cNvPr id="3" name="Content Placeholder 2">
+            <a:extLst>
+              <a:ext uri="{FF2B5EF4-FFF2-40B4-BE49-F238E27FC236}">
+                <a16:creationId xmlns:a16="http://schemas.microsoft.com/office/drawing/2014/main" id="{FA0C8D5D-E5D2-44E2-84C9-DB263BC00B11}"/>
+              </a:ext>
+            </a:extLst>
+          </p:cNvPr>
+          <p:cNvSpPr>
+            <a:spLocks noGrp="1"/>
+          </p:cNvSpPr>
+          <p:nvPr>
+            <p:ph sz="half" idx="1"/>
+          </p:nvPr>
+        </p:nvSpPr>
+        <p:spPr/>
+        <p:txBody>
+          <a:bodyPr/>
+          <a:lstStyle/>
+          <a:p>
+            <a:endParaRPr lang="en-US"/>
+          </a:p>
+        </p:txBody>
+      </p:sp>
+      <p:sp>
+        <p:nvSpPr>
+          <p:cNvPr id="4" name="Content Placeholder 3">
+            <a:extLst>
+              <a:ext uri="{FF2B5EF4-FFF2-40B4-BE49-F238E27FC236}">
+                <a16:creationId xmlns:a16="http://schemas.microsoft.com/office/drawing/2014/main" id="{18B30F1E-0F8D-4C56-9A12-89065408D6AB}"/>
+              </a:ext>
+            </a:extLst>
+          </p:cNvPr>
+          <p:cNvSpPr>
+            <a:spLocks noGrp="1"/>
+          </p:cNvSpPr>
+          <p:nvPr>
+            <p:ph sz="half" idx="2"/>
+          </p:nvPr>
+        </p:nvSpPr>
+        <p:spPr/>
+        <p:txBody>
+          <a:bodyPr/>
+          <a:lstStyle/>
+          <a:p>
+            <a:endParaRPr lang="en-US"/>
+          </a:p>
+        </p:txBody>
+      </p:sp>
+    </p:spTree>
+    <p:extLst>
+      <p:ext uri="{BB962C8B-B14F-4D97-AF65-F5344CB8AC3E}">
+        <p14:creationId xmlns:p14="http://schemas.microsoft.com/office/powerpoint/2010/main" val="3167898224"/>
+      </p:ext>
+    </p:extLst>
+  </p:cSld>
+  <p:clrMapOvr>
+    <a:masterClrMapping/>
+  </p:clrMapOvr>
+  <p:timing>
+    <p:tnLst>
+      <p:par>
+        <p:cTn id="1" dur="indefinite" restart="never" nodeType="tmRoot"/>
+      </p:par>
+    </p:tnLst>
+  </p:timing>
 </p:sld>
 </file>
 
@@ -13984,6 +14427,13 @@
   <p:clrMapOvr>
     <a:masterClrMapping/>
   </p:clrMapOvr>
+  <p:timing>
+    <p:tnLst>
+      <p:par>
+        <p:cTn id="1" dur="indefinite" restart="never" nodeType="tmRoot"/>
+      </p:par>
+    </p:tnLst>
+  </p:timing>
 </p:sld>
 </file>
 
@@ -14006,13 +14456,7 @@
       </p:grpSpPr>
       <p:sp>
         <p:nvSpPr>
-          <p:cNvPr id="2" name="Title 1">
-            <a:extLst>
-              <a:ext uri="{FF2B5EF4-FFF2-40B4-BE49-F238E27FC236}">
-                <a16:creationId xmlns:a16="http://schemas.microsoft.com/office/drawing/2014/main" id="{5A2299DF-38A4-408F-8B9B-699620AC0299}"/>
-              </a:ext>
-            </a:extLst>
-          </p:cNvPr>
+          <p:cNvPr id="2" name="Title 1"/>
           <p:cNvSpPr>
             <a:spLocks noGrp="1"/>
           </p:cNvSpPr>
@@ -14026,21 +14470,16 @@
           <a:lstStyle/>
           <a:p>
             <a:r>
-              <a:rPr lang="en-US" dirty="0"/>
-              <a:t>Principal component analysis (original data set with class label data bias) results</a:t>
+              <a:rPr lang="en-IN" dirty="0" smtClean="0"/>
+              <a:t>Bayesian Classifier</a:t>
             </a:r>
+            <a:endParaRPr lang="en-IN" dirty="0"/>
           </a:p>
         </p:txBody>
       </p:sp>
       <p:sp>
         <p:nvSpPr>
-          <p:cNvPr id="3" name="Content Placeholder 2">
-            <a:extLst>
-              <a:ext uri="{FF2B5EF4-FFF2-40B4-BE49-F238E27FC236}">
-                <a16:creationId xmlns:a16="http://schemas.microsoft.com/office/drawing/2014/main" id="{AC360282-D4FF-4668-80C7-268673CE5732}"/>
-              </a:ext>
-            </a:extLst>
-          </p:cNvPr>
+          <p:cNvPr id="3" name="Content Placeholder 2"/>
           <p:cNvSpPr>
             <a:spLocks noGrp="1"/>
           </p:cNvSpPr>
@@ -14053,19 +14492,13 @@
           <a:bodyPr/>
           <a:lstStyle/>
           <a:p>
-            <a:endParaRPr lang="en-US"/>
+            <a:endParaRPr lang="en-IN"/>
           </a:p>
         </p:txBody>
       </p:sp>
       <p:sp>
         <p:nvSpPr>
-          <p:cNvPr id="4" name="Content Placeholder 3">
-            <a:extLst>
-              <a:ext uri="{FF2B5EF4-FFF2-40B4-BE49-F238E27FC236}">
-                <a16:creationId xmlns:a16="http://schemas.microsoft.com/office/drawing/2014/main" id="{C313296D-20A5-45C5-9F8B-AAB3C25D05B5}"/>
-              </a:ext>
-            </a:extLst>
-          </p:cNvPr>
+          <p:cNvPr id="4" name="Content Placeholder 3"/>
           <p:cNvSpPr>
             <a:spLocks noGrp="1"/>
           </p:cNvSpPr>
@@ -14078,20 +14511,27 @@
           <a:bodyPr/>
           <a:lstStyle/>
           <a:p>
-            <a:endParaRPr lang="en-US"/>
+            <a:endParaRPr lang="en-IN"/>
           </a:p>
         </p:txBody>
       </p:sp>
     </p:spTree>
     <p:extLst>
       <p:ext uri="{BB962C8B-B14F-4D97-AF65-F5344CB8AC3E}">
-        <p14:creationId xmlns:p14="http://schemas.microsoft.com/office/powerpoint/2010/main" val="1829405168"/>
+        <p14:creationId xmlns:p14="http://schemas.microsoft.com/office/powerpoint/2010/main" val="3436128571"/>
       </p:ext>
     </p:extLst>
   </p:cSld>
   <p:clrMapOvr>
     <a:masterClrMapping/>
   </p:clrMapOvr>
+  <p:timing>
+    <p:tnLst>
+      <p:par>
+        <p:cTn id="1" dur="indefinite" restart="never" nodeType="tmRoot"/>
+      </p:par>
+    </p:tnLst>
+  </p:timing>
 </p:sld>
 </file>
 
@@ -14114,13 +14554,7 @@
       </p:grpSpPr>
       <p:sp>
         <p:nvSpPr>
-          <p:cNvPr id="2" name="Title 1">
-            <a:extLst>
-              <a:ext uri="{FF2B5EF4-FFF2-40B4-BE49-F238E27FC236}">
-                <a16:creationId xmlns:a16="http://schemas.microsoft.com/office/drawing/2014/main" id="{DACA88CE-21C6-4B0E-A7F8-45202789E753}"/>
-              </a:ext>
-            </a:extLst>
-          </p:cNvPr>
+          <p:cNvPr id="2" name="Title 1"/>
           <p:cNvSpPr>
             <a:spLocks noGrp="1"/>
           </p:cNvSpPr>
@@ -14134,28 +14568,16 @@
           <a:lstStyle/>
           <a:p>
             <a:r>
-              <a:rPr lang="en-US" dirty="0"/>
-              <a:t>Principal component analysis </a:t>
+              <a:rPr lang="en-IN" dirty="0" smtClean="0"/>
+              <a:t>Neural Network</a:t>
             </a:r>
-            <a:br>
-              <a:rPr lang="en-US" dirty="0"/>
-            </a:br>
-            <a:r>
-              <a:rPr lang="en-US" dirty="0"/>
-              <a:t>alternate (bias removed) results</a:t>
-            </a:r>
+            <a:endParaRPr lang="en-IN" dirty="0"/>
           </a:p>
         </p:txBody>
       </p:sp>
       <p:sp>
         <p:nvSpPr>
-          <p:cNvPr id="3" name="Content Placeholder 2">
-            <a:extLst>
-              <a:ext uri="{FF2B5EF4-FFF2-40B4-BE49-F238E27FC236}">
-                <a16:creationId xmlns:a16="http://schemas.microsoft.com/office/drawing/2014/main" id="{FA0C8D5D-E5D2-44E2-84C9-DB263BC00B11}"/>
-              </a:ext>
-            </a:extLst>
-          </p:cNvPr>
+          <p:cNvPr id="3" name="Content Placeholder 2"/>
           <p:cNvSpPr>
             <a:spLocks noGrp="1"/>
           </p:cNvSpPr>
@@ -14168,19 +14590,13 @@
           <a:bodyPr/>
           <a:lstStyle/>
           <a:p>
-            <a:endParaRPr lang="en-US"/>
+            <a:endParaRPr lang="en-IN"/>
           </a:p>
         </p:txBody>
       </p:sp>
       <p:sp>
         <p:nvSpPr>
-          <p:cNvPr id="4" name="Content Placeholder 3">
-            <a:extLst>
-              <a:ext uri="{FF2B5EF4-FFF2-40B4-BE49-F238E27FC236}">
-                <a16:creationId xmlns:a16="http://schemas.microsoft.com/office/drawing/2014/main" id="{18B30F1E-0F8D-4C56-9A12-89065408D6AB}"/>
-              </a:ext>
-            </a:extLst>
-          </p:cNvPr>
+          <p:cNvPr id="4" name="Content Placeholder 3"/>
           <p:cNvSpPr>
             <a:spLocks noGrp="1"/>
           </p:cNvSpPr>
@@ -14193,20 +14609,27 @@
           <a:bodyPr/>
           <a:lstStyle/>
           <a:p>
-            <a:endParaRPr lang="en-US"/>
+            <a:endParaRPr lang="en-IN"/>
           </a:p>
         </p:txBody>
       </p:sp>
     </p:spTree>
     <p:extLst>
       <p:ext uri="{BB962C8B-B14F-4D97-AF65-F5344CB8AC3E}">
-        <p14:creationId xmlns:p14="http://schemas.microsoft.com/office/powerpoint/2010/main" val="2416550189"/>
+        <p14:creationId xmlns:p14="http://schemas.microsoft.com/office/powerpoint/2010/main" val="2331576351"/>
       </p:ext>
     </p:extLst>
   </p:cSld>
   <p:clrMapOvr>
     <a:masterClrMapping/>
   </p:clrMapOvr>
+  <p:timing>
+    <p:tnLst>
+      <p:par>
+        <p:cTn id="1" dur="indefinite" restart="never" nodeType="tmRoot"/>
+      </p:par>
+    </p:tnLst>
+  </p:timing>
 </p:sld>
 </file>
 
@@ -14229,13 +14652,7 @@
       </p:grpSpPr>
       <p:sp>
         <p:nvSpPr>
-          <p:cNvPr id="2" name="Title 1">
-            <a:extLst>
-              <a:ext uri="{FF2B5EF4-FFF2-40B4-BE49-F238E27FC236}">
-                <a16:creationId xmlns:a16="http://schemas.microsoft.com/office/drawing/2014/main" id="{DACA88CE-21C6-4B0E-A7F8-45202789E753}"/>
-              </a:ext>
-            </a:extLst>
-          </p:cNvPr>
+          <p:cNvPr id="2" name="Title 1"/>
           <p:cNvSpPr>
             <a:spLocks noGrp="1"/>
           </p:cNvSpPr>
@@ -14249,72 +14666,421 @@
           <a:lstStyle/>
           <a:p>
             <a:r>
-              <a:rPr lang="en-US" dirty="0"/>
-              <a:t>Expectation maximization analysis </a:t>
+              <a:rPr lang="en-IN" dirty="0" smtClean="0"/>
+              <a:t>Model performance - Summary</a:t>
             </a:r>
+            <a:endParaRPr lang="en-IN" dirty="0"/>
           </a:p>
         </p:txBody>
       </p:sp>
-      <p:sp>
-        <p:nvSpPr>
-          <p:cNvPr id="3" name="Content Placeholder 2">
-            <a:extLst>
-              <a:ext uri="{FF2B5EF4-FFF2-40B4-BE49-F238E27FC236}">
-                <a16:creationId xmlns:a16="http://schemas.microsoft.com/office/drawing/2014/main" id="{FA0C8D5D-E5D2-44E2-84C9-DB263BC00B11}"/>
-              </a:ext>
-            </a:extLst>
-          </p:cNvPr>
-          <p:cNvSpPr>
-            <a:spLocks noGrp="1"/>
-          </p:cNvSpPr>
+      <p:graphicFrame>
+        <p:nvGraphicFramePr>
+          <p:cNvPr id="5" name="Content Placeholder 4"/>
+          <p:cNvGraphicFramePr>
+            <a:graphicFrameLocks noGrp="1"/>
+          </p:cNvGraphicFramePr>
           <p:nvPr>
             <p:ph sz="half" idx="1"/>
+            <p:extLst>
+              <p:ext uri="{D42A27DB-BD31-4B8C-83A1-F6EECF244321}">
+                <p14:modId xmlns:p14="http://schemas.microsoft.com/office/powerpoint/2010/main" val="2311923243"/>
+              </p:ext>
+            </p:extLst>
           </p:nvPr>
-        </p:nvSpPr>
-        <p:spPr/>
-        <p:txBody>
-          <a:bodyPr/>
-          <a:lstStyle/>
-          <a:p>
-            <a:endParaRPr lang="en-US"/>
-          </a:p>
-        </p:txBody>
-      </p:sp>
-      <p:sp>
-        <p:nvSpPr>
-          <p:cNvPr id="4" name="Content Placeholder 3">
-            <a:extLst>
-              <a:ext uri="{FF2B5EF4-FFF2-40B4-BE49-F238E27FC236}">
-                <a16:creationId xmlns:a16="http://schemas.microsoft.com/office/drawing/2014/main" id="{18B30F1E-0F8D-4C56-9A12-89065408D6AB}"/>
-              </a:ext>
-            </a:extLst>
-          </p:cNvPr>
-          <p:cNvSpPr>
-            <a:spLocks noGrp="1"/>
-          </p:cNvSpPr>
-          <p:nvPr>
-            <p:ph sz="half" idx="2"/>
-          </p:nvPr>
-        </p:nvSpPr>
-        <p:spPr/>
-        <p:txBody>
-          <a:bodyPr/>
-          <a:lstStyle/>
-          <a:p>
-            <a:endParaRPr lang="en-US"/>
-          </a:p>
-        </p:txBody>
-      </p:sp>
+        </p:nvGraphicFramePr>
+        <p:xfrm>
+          <a:off x="631959" y="1916418"/>
+          <a:ext cx="10928670" cy="4483894"/>
+        </p:xfrm>
+        <a:graphic>
+          <a:graphicData uri="http://schemas.openxmlformats.org/drawingml/2006/table">
+            <a:tbl>
+              <a:tblPr firstRow="1" bandRow="1">
+                <a:tableStyleId>{BC89EF96-8CEA-46FF-86C4-4CE0E7609802}</a:tableStyleId>
+              </a:tblPr>
+              <a:tblGrid>
+                <a:gridCol w="2185734">
+                  <a:extLst>
+                    <a:ext uri="{9D8B030D-6E8A-4147-A177-3AD203B41FA5}">
+                      <a16:colId xmlns:a16="http://schemas.microsoft.com/office/drawing/2014/main" val="3550727435"/>
+                    </a:ext>
+                  </a:extLst>
+                </a:gridCol>
+                <a:gridCol w="2015564">
+                  <a:extLst>
+                    <a:ext uri="{9D8B030D-6E8A-4147-A177-3AD203B41FA5}">
+                      <a16:colId xmlns:a16="http://schemas.microsoft.com/office/drawing/2014/main" val="3295678948"/>
+                    </a:ext>
+                  </a:extLst>
+                </a:gridCol>
+                <a:gridCol w="2355904">
+                  <a:extLst>
+                    <a:ext uri="{9D8B030D-6E8A-4147-A177-3AD203B41FA5}">
+                      <a16:colId xmlns:a16="http://schemas.microsoft.com/office/drawing/2014/main" val="485902210"/>
+                    </a:ext>
+                  </a:extLst>
+                </a:gridCol>
+                <a:gridCol w="1758896">
+                  <a:extLst>
+                    <a:ext uri="{9D8B030D-6E8A-4147-A177-3AD203B41FA5}">
+                      <a16:colId xmlns:a16="http://schemas.microsoft.com/office/drawing/2014/main" val="1751447481"/>
+                    </a:ext>
+                  </a:extLst>
+                </a:gridCol>
+                <a:gridCol w="2612572">
+                  <a:extLst>
+                    <a:ext uri="{9D8B030D-6E8A-4147-A177-3AD203B41FA5}">
+                      <a16:colId xmlns:a16="http://schemas.microsoft.com/office/drawing/2014/main" val="788984757"/>
+                    </a:ext>
+                  </a:extLst>
+                </a:gridCol>
+              </a:tblGrid>
+              <a:tr h="944351">
+                <a:tc>
+                  <a:txBody>
+                    <a:bodyPr/>
+                    <a:lstStyle/>
+                    <a:p>
+                      <a:endParaRPr lang="en-IN" dirty="0"/>
+                    </a:p>
+                  </a:txBody>
+                  <a:tcPr/>
+                </a:tc>
+                <a:tc>
+                  <a:txBody>
+                    <a:bodyPr/>
+                    <a:lstStyle/>
+                    <a:p>
+                      <a:r>
+                        <a:rPr lang="en-IN" dirty="0" smtClean="0"/>
+                        <a:t>Training Set Accuracy</a:t>
+                      </a:r>
+                      <a:endParaRPr lang="en-IN" dirty="0"/>
+                    </a:p>
+                  </a:txBody>
+                  <a:tcPr/>
+                </a:tc>
+                <a:tc>
+                  <a:txBody>
+                    <a:bodyPr/>
+                    <a:lstStyle/>
+                    <a:p>
+                      <a:r>
+                        <a:rPr lang="en-IN" dirty="0" smtClean="0"/>
+                        <a:t>Test Set Accuracy</a:t>
+                      </a:r>
+                      <a:endParaRPr lang="en-IN" dirty="0"/>
+                    </a:p>
+                  </a:txBody>
+                  <a:tcPr/>
+                </a:tc>
+                <a:tc>
+                  <a:txBody>
+                    <a:bodyPr/>
+                    <a:lstStyle/>
+                    <a:p>
+                      <a:r>
+                        <a:rPr lang="en-IN" dirty="0" smtClean="0"/>
+                        <a:t>With PCA - </a:t>
+                      </a:r>
+                      <a:r>
+                        <a:rPr lang="en-IN" dirty="0" smtClean="0"/>
+                        <a:t>Test</a:t>
+                      </a:r>
+                      <a:r>
+                        <a:rPr lang="en-IN" baseline="0" dirty="0" smtClean="0"/>
+                        <a:t> Accuracy </a:t>
+                      </a:r>
+                      <a:endParaRPr lang="en-IN" dirty="0"/>
+                    </a:p>
+                  </a:txBody>
+                  <a:tcPr/>
+                </a:tc>
+                <a:tc>
+                  <a:txBody>
+                    <a:bodyPr/>
+                    <a:lstStyle/>
+                    <a:p>
+                      <a:r>
+                        <a:rPr lang="en-IN" dirty="0" smtClean="0"/>
+                        <a:t>With Data Augmentation – Test Accuracy</a:t>
+                      </a:r>
+                      <a:endParaRPr lang="en-IN" dirty="0"/>
+                    </a:p>
+                  </a:txBody>
+                  <a:tcPr/>
+                </a:tc>
+                <a:extLst>
+                  <a:ext uri="{0D108BD9-81ED-4DB2-BD59-A6C34878D82A}">
+                    <a16:rowId xmlns:a16="http://schemas.microsoft.com/office/drawing/2014/main" val="418414485"/>
+                  </a:ext>
+                </a:extLst>
+              </a:tr>
+              <a:tr h="1158299">
+                <a:tc>
+                  <a:txBody>
+                    <a:bodyPr/>
+                    <a:lstStyle/>
+                    <a:p>
+                      <a:r>
+                        <a:rPr lang="en-US" sz="1800" dirty="0" smtClean="0"/>
+                        <a:t>Linear Classification Analysis</a:t>
+                      </a:r>
+                      <a:endParaRPr lang="en-IN" dirty="0"/>
+                    </a:p>
+                  </a:txBody>
+                  <a:tcPr/>
+                </a:tc>
+                <a:tc>
+                  <a:txBody>
+                    <a:bodyPr/>
+                    <a:lstStyle/>
+                    <a:p>
+                      <a:endParaRPr lang="en-IN"/>
+                    </a:p>
+                  </a:txBody>
+                  <a:tcPr/>
+                </a:tc>
+                <a:tc>
+                  <a:txBody>
+                    <a:bodyPr/>
+                    <a:lstStyle/>
+                    <a:p>
+                      <a:endParaRPr lang="en-IN"/>
+                    </a:p>
+                  </a:txBody>
+                  <a:tcPr/>
+                </a:tc>
+                <a:tc>
+                  <a:txBody>
+                    <a:bodyPr/>
+                    <a:lstStyle/>
+                    <a:p>
+                      <a:endParaRPr lang="en-IN" dirty="0"/>
+                    </a:p>
+                  </a:txBody>
+                  <a:tcPr/>
+                </a:tc>
+                <a:tc>
+                  <a:txBody>
+                    <a:bodyPr/>
+                    <a:lstStyle/>
+                    <a:p>
+                      <a:endParaRPr lang="en-IN" dirty="0"/>
+                    </a:p>
+                  </a:txBody>
+                  <a:tcPr/>
+                </a:tc>
+                <a:extLst>
+                  <a:ext uri="{0D108BD9-81ED-4DB2-BD59-A6C34878D82A}">
+                    <a16:rowId xmlns:a16="http://schemas.microsoft.com/office/drawing/2014/main" val="2740143975"/>
+                  </a:ext>
+                </a:extLst>
+              </a:tr>
+              <a:tr h="810810">
+                <a:tc>
+                  <a:txBody>
+                    <a:bodyPr/>
+                    <a:lstStyle/>
+                    <a:p>
+                      <a:r>
+                        <a:rPr lang="en-IN" dirty="0" smtClean="0"/>
+                        <a:t>Bayesian Classifier</a:t>
+                      </a:r>
+                      <a:endParaRPr lang="en-IN" dirty="0"/>
+                    </a:p>
+                  </a:txBody>
+                  <a:tcPr/>
+                </a:tc>
+                <a:tc>
+                  <a:txBody>
+                    <a:bodyPr/>
+                    <a:lstStyle/>
+                    <a:p>
+                      <a:endParaRPr lang="en-IN"/>
+                    </a:p>
+                  </a:txBody>
+                  <a:tcPr/>
+                </a:tc>
+                <a:tc>
+                  <a:txBody>
+                    <a:bodyPr/>
+                    <a:lstStyle/>
+                    <a:p>
+                      <a:endParaRPr lang="en-IN"/>
+                    </a:p>
+                  </a:txBody>
+                  <a:tcPr/>
+                </a:tc>
+                <a:tc>
+                  <a:txBody>
+                    <a:bodyPr/>
+                    <a:lstStyle/>
+                    <a:p>
+                      <a:endParaRPr lang="en-IN"/>
+                    </a:p>
+                  </a:txBody>
+                  <a:tcPr/>
+                </a:tc>
+                <a:tc>
+                  <a:txBody>
+                    <a:bodyPr/>
+                    <a:lstStyle/>
+                    <a:p>
+                      <a:endParaRPr lang="en-IN"/>
+                    </a:p>
+                  </a:txBody>
+                  <a:tcPr/>
+                </a:tc>
+                <a:extLst>
+                  <a:ext uri="{0D108BD9-81ED-4DB2-BD59-A6C34878D82A}">
+                    <a16:rowId xmlns:a16="http://schemas.microsoft.com/office/drawing/2014/main" val="4075877440"/>
+                  </a:ext>
+                </a:extLst>
+              </a:tr>
+              <a:tr h="816840">
+                <a:tc>
+                  <a:txBody>
+                    <a:bodyPr/>
+                    <a:lstStyle/>
+                    <a:p>
+                      <a:r>
+                        <a:rPr lang="en-US" sz="1800" dirty="0" smtClean="0"/>
+                        <a:t>Logistic Regression Analysis</a:t>
+                      </a:r>
+                      <a:endParaRPr lang="en-IN" dirty="0"/>
+                    </a:p>
+                  </a:txBody>
+                  <a:tcPr/>
+                </a:tc>
+                <a:tc>
+                  <a:txBody>
+                    <a:bodyPr/>
+                    <a:lstStyle/>
+                    <a:p>
+                      <a:endParaRPr lang="en-IN" dirty="0"/>
+                    </a:p>
+                  </a:txBody>
+                  <a:tcPr/>
+                </a:tc>
+                <a:tc>
+                  <a:txBody>
+                    <a:bodyPr/>
+                    <a:lstStyle/>
+                    <a:p>
+                      <a:endParaRPr lang="en-IN"/>
+                    </a:p>
+                  </a:txBody>
+                  <a:tcPr/>
+                </a:tc>
+                <a:tc>
+                  <a:txBody>
+                    <a:bodyPr/>
+                    <a:lstStyle/>
+                    <a:p>
+                      <a:endParaRPr lang="en-IN"/>
+                    </a:p>
+                  </a:txBody>
+                  <a:tcPr/>
+                </a:tc>
+                <a:tc>
+                  <a:txBody>
+                    <a:bodyPr/>
+                    <a:lstStyle/>
+                    <a:p>
+                      <a:endParaRPr lang="en-IN"/>
+                    </a:p>
+                  </a:txBody>
+                  <a:tcPr/>
+                </a:tc>
+                <a:extLst>
+                  <a:ext uri="{0D108BD9-81ED-4DB2-BD59-A6C34878D82A}">
+                    <a16:rowId xmlns:a16="http://schemas.microsoft.com/office/drawing/2014/main" val="541031661"/>
+                  </a:ext>
+                </a:extLst>
+              </a:tr>
+              <a:tr h="753594">
+                <a:tc>
+                  <a:txBody>
+                    <a:bodyPr/>
+                    <a:lstStyle/>
+                    <a:p>
+                      <a:r>
+                        <a:rPr lang="en-IN" dirty="0" smtClean="0"/>
+                        <a:t>Neural Network</a:t>
+                      </a:r>
+                      <a:endParaRPr lang="en-IN" dirty="0"/>
+                    </a:p>
+                  </a:txBody>
+                  <a:tcPr/>
+                </a:tc>
+                <a:tc>
+                  <a:txBody>
+                    <a:bodyPr/>
+                    <a:lstStyle/>
+                    <a:p>
+                      <a:endParaRPr lang="en-IN"/>
+                    </a:p>
+                  </a:txBody>
+                  <a:tcPr/>
+                </a:tc>
+                <a:tc>
+                  <a:txBody>
+                    <a:bodyPr/>
+                    <a:lstStyle/>
+                    <a:p>
+                      <a:endParaRPr lang="en-IN"/>
+                    </a:p>
+                  </a:txBody>
+                  <a:tcPr/>
+                </a:tc>
+                <a:tc>
+                  <a:txBody>
+                    <a:bodyPr/>
+                    <a:lstStyle/>
+                    <a:p>
+                      <a:endParaRPr lang="en-IN"/>
+                    </a:p>
+                  </a:txBody>
+                  <a:tcPr/>
+                </a:tc>
+                <a:tc>
+                  <a:txBody>
+                    <a:bodyPr/>
+                    <a:lstStyle/>
+                    <a:p>
+                      <a:endParaRPr lang="en-IN" dirty="0"/>
+                    </a:p>
+                  </a:txBody>
+                  <a:tcPr/>
+                </a:tc>
+                <a:extLst>
+                  <a:ext uri="{0D108BD9-81ED-4DB2-BD59-A6C34878D82A}">
+                    <a16:rowId xmlns:a16="http://schemas.microsoft.com/office/drawing/2014/main" val="1396813758"/>
+                  </a:ext>
+                </a:extLst>
+              </a:tr>
+            </a:tbl>
+          </a:graphicData>
+        </a:graphic>
+      </p:graphicFrame>
     </p:spTree>
     <p:extLst>
       <p:ext uri="{BB962C8B-B14F-4D97-AF65-F5344CB8AC3E}">
-        <p14:creationId xmlns:p14="http://schemas.microsoft.com/office/powerpoint/2010/main" val="3632896207"/>
+        <p14:creationId xmlns:p14="http://schemas.microsoft.com/office/powerpoint/2010/main" val="2834241000"/>
       </p:ext>
     </p:extLst>
   </p:cSld>
   <p:clrMapOvr>
     <a:masterClrMapping/>
   </p:clrMapOvr>
+  <p:timing>
+    <p:tnLst>
+      <p:par>
+        <p:cTn id="1" dur="indefinite" restart="never" nodeType="tmRoot"/>
+      </p:par>
+    </p:tnLst>
+  </p:timing>
 </p:sld>
 </file>
 
@@ -14567,4 +15333,265 @@
     </a:ext>
   </a:extLst>
 </a:theme>
+</file>
+
+<file path=ppt/theme/theme2.xml><?xml version="1.0" encoding="utf-8"?>
+<a:theme xmlns:a="http://schemas.openxmlformats.org/drawingml/2006/main" name="Office Theme">
+  <a:themeElements>
+    <a:clrScheme name="Office">
+      <a:dk1>
+        <a:sysClr val="windowText" lastClr="000000"/>
+      </a:dk1>
+      <a:lt1>
+        <a:sysClr val="window" lastClr="FFFFFF"/>
+      </a:lt1>
+      <a:dk2>
+        <a:srgbClr val="44546A"/>
+      </a:dk2>
+      <a:lt2>
+        <a:srgbClr val="E7E6E6"/>
+      </a:lt2>
+      <a:accent1>
+        <a:srgbClr val="5B9BD5"/>
+      </a:accent1>
+      <a:accent2>
+        <a:srgbClr val="ED7D31"/>
+      </a:accent2>
+      <a:accent3>
+        <a:srgbClr val="A5A5A5"/>
+      </a:accent3>
+      <a:accent4>
+        <a:srgbClr val="FFC000"/>
+      </a:accent4>
+      <a:accent5>
+        <a:srgbClr val="4472C4"/>
+      </a:accent5>
+      <a:accent6>
+        <a:srgbClr val="70AD47"/>
+      </a:accent6>
+      <a:hlink>
+        <a:srgbClr val="0563C1"/>
+      </a:hlink>
+      <a:folHlink>
+        <a:srgbClr val="954F72"/>
+      </a:folHlink>
+    </a:clrScheme>
+    <a:fontScheme name="Office">
+      <a:majorFont>
+        <a:latin typeface="Calibri Light" panose="020F0302020204030204"/>
+        <a:ea typeface=""/>
+        <a:cs typeface=""/>
+        <a:font script="Jpan" typeface="游ゴシック Light"/>
+        <a:font script="Hang" typeface="맑은 고딕"/>
+        <a:font script="Hans" typeface="等线 Light"/>
+        <a:font script="Hant" typeface="新細明體"/>
+        <a:font script="Arab" typeface="Times New Roman"/>
+        <a:font script="Hebr" typeface="Times New Roman"/>
+        <a:font script="Thai" typeface="Angsana New"/>
+        <a:font script="Ethi" typeface="Nyala"/>
+        <a:font script="Beng" typeface="Vrinda"/>
+        <a:font script="Gujr" typeface="Shruti"/>
+        <a:font script="Khmr" typeface="MoolBoran"/>
+        <a:font script="Knda" typeface="Tunga"/>
+        <a:font script="Guru" typeface="Raavi"/>
+        <a:font script="Cans" typeface="Euphemia"/>
+        <a:font script="Cher" typeface="Plantagenet Cherokee"/>
+        <a:font script="Yiii" typeface="Microsoft Yi Baiti"/>
+        <a:font script="Tibt" typeface="Microsoft Himalaya"/>
+        <a:font script="Thaa" typeface="MV Boli"/>
+        <a:font script="Deva" typeface="Mangal"/>
+        <a:font script="Telu" typeface="Gautami"/>
+        <a:font script="Taml" typeface="Latha"/>
+        <a:font script="Syrc" typeface="Estrangelo Edessa"/>
+        <a:font script="Orya" typeface="Kalinga"/>
+        <a:font script="Mlym" typeface="Kartika"/>
+        <a:font script="Laoo" typeface="DokChampa"/>
+        <a:font script="Sinh" typeface="Iskoola Pota"/>
+        <a:font script="Mong" typeface="Mongolian Baiti"/>
+        <a:font script="Viet" typeface="Times New Roman"/>
+        <a:font script="Uigh" typeface="Microsoft Uighur"/>
+        <a:font script="Geor" typeface="Sylfaen"/>
+      </a:majorFont>
+      <a:minorFont>
+        <a:latin typeface="Calibri" panose="020F0502020204030204"/>
+        <a:ea typeface=""/>
+        <a:cs typeface=""/>
+        <a:font script="Jpan" typeface="游ゴシック"/>
+        <a:font script="Hang" typeface="맑은 고딕"/>
+        <a:font script="Hans" typeface="等线"/>
+        <a:font script="Hant" typeface="新細明體"/>
+        <a:font script="Arab" typeface="Arial"/>
+        <a:font script="Hebr" typeface="Arial"/>
+        <a:font script="Thai" typeface="Cordia New"/>
+        <a:font script="Ethi" typeface="Nyala"/>
+        <a:font script="Beng" typeface="Vrinda"/>
+        <a:font script="Gujr" typeface="Shruti"/>
+        <a:font script="Khmr" typeface="DaunPenh"/>
+        <a:font script="Knda" typeface="Tunga"/>
+        <a:font script="Guru" typeface="Raavi"/>
+        <a:font script="Cans" typeface="Euphemia"/>
+        <a:font script="Cher" typeface="Plantagenet Cherokee"/>
+        <a:font script="Yiii" typeface="Microsoft Yi Baiti"/>
+        <a:font script="Tibt" typeface="Microsoft Himalaya"/>
+        <a:font script="Thaa" typeface="MV Boli"/>
+        <a:font script="Deva" typeface="Mangal"/>
+        <a:font script="Telu" typeface="Gautami"/>
+        <a:font script="Taml" typeface="Latha"/>
+        <a:font script="Syrc" typeface="Estrangelo Edessa"/>
+        <a:font script="Orya" typeface="Kalinga"/>
+        <a:font script="Mlym" typeface="Kartika"/>
+        <a:font script="Laoo" typeface="DokChampa"/>
+        <a:font script="Sinh" typeface="Iskoola Pota"/>
+        <a:font script="Mong" typeface="Mongolian Baiti"/>
+        <a:font script="Viet" typeface="Arial"/>
+        <a:font script="Uigh" typeface="Microsoft Uighur"/>
+        <a:font script="Geor" typeface="Sylfaen"/>
+      </a:minorFont>
+    </a:fontScheme>
+    <a:fmtScheme name="Office">
+      <a:fillStyleLst>
+        <a:solidFill>
+          <a:schemeClr val="phClr"/>
+        </a:solidFill>
+        <a:gradFill rotWithShape="1">
+          <a:gsLst>
+            <a:gs pos="0">
+              <a:schemeClr val="phClr">
+                <a:lumMod val="110000"/>
+                <a:satMod val="105000"/>
+                <a:tint val="67000"/>
+              </a:schemeClr>
+            </a:gs>
+            <a:gs pos="50000">
+              <a:schemeClr val="phClr">
+                <a:lumMod val="105000"/>
+                <a:satMod val="103000"/>
+                <a:tint val="73000"/>
+              </a:schemeClr>
+            </a:gs>
+            <a:gs pos="100000">
+              <a:schemeClr val="phClr">
+                <a:lumMod val="105000"/>
+                <a:satMod val="109000"/>
+                <a:tint val="81000"/>
+              </a:schemeClr>
+            </a:gs>
+          </a:gsLst>
+          <a:lin ang="5400000" scaled="0"/>
+        </a:gradFill>
+        <a:gradFill rotWithShape="1">
+          <a:gsLst>
+            <a:gs pos="0">
+              <a:schemeClr val="phClr">
+                <a:satMod val="103000"/>
+                <a:lumMod val="102000"/>
+                <a:tint val="94000"/>
+              </a:schemeClr>
+            </a:gs>
+            <a:gs pos="50000">
+              <a:schemeClr val="phClr">
+                <a:satMod val="110000"/>
+                <a:lumMod val="100000"/>
+                <a:shade val="100000"/>
+              </a:schemeClr>
+            </a:gs>
+            <a:gs pos="100000">
+              <a:schemeClr val="phClr">
+                <a:lumMod val="99000"/>
+                <a:satMod val="120000"/>
+                <a:shade val="78000"/>
+              </a:schemeClr>
+            </a:gs>
+          </a:gsLst>
+          <a:lin ang="5400000" scaled="0"/>
+        </a:gradFill>
+      </a:fillStyleLst>
+      <a:lnStyleLst>
+        <a:ln w="6350" cap="flat" cmpd="sng" algn="ctr">
+          <a:solidFill>
+            <a:schemeClr val="phClr"/>
+          </a:solidFill>
+          <a:prstDash val="solid"/>
+          <a:miter lim="800000"/>
+        </a:ln>
+        <a:ln w="12700" cap="flat" cmpd="sng" algn="ctr">
+          <a:solidFill>
+            <a:schemeClr val="phClr"/>
+          </a:solidFill>
+          <a:prstDash val="solid"/>
+          <a:miter lim="800000"/>
+        </a:ln>
+        <a:ln w="19050" cap="flat" cmpd="sng" algn="ctr">
+          <a:solidFill>
+            <a:schemeClr val="phClr"/>
+          </a:solidFill>
+          <a:prstDash val="solid"/>
+          <a:miter lim="800000"/>
+        </a:ln>
+      </a:lnStyleLst>
+      <a:effectStyleLst>
+        <a:effectStyle>
+          <a:effectLst/>
+        </a:effectStyle>
+        <a:effectStyle>
+          <a:effectLst/>
+        </a:effectStyle>
+        <a:effectStyle>
+          <a:effectLst>
+            <a:outerShdw blurRad="57150" dist="19050" dir="5400000" algn="ctr" rotWithShape="0">
+              <a:srgbClr val="000000">
+                <a:alpha val="63000"/>
+              </a:srgbClr>
+            </a:outerShdw>
+          </a:effectLst>
+        </a:effectStyle>
+      </a:effectStyleLst>
+      <a:bgFillStyleLst>
+        <a:solidFill>
+          <a:schemeClr val="phClr"/>
+        </a:solidFill>
+        <a:solidFill>
+          <a:schemeClr val="phClr">
+            <a:tint val="95000"/>
+            <a:satMod val="170000"/>
+          </a:schemeClr>
+        </a:solidFill>
+        <a:gradFill rotWithShape="1">
+          <a:gsLst>
+            <a:gs pos="0">
+              <a:schemeClr val="phClr">
+                <a:tint val="93000"/>
+                <a:satMod val="150000"/>
+                <a:shade val="98000"/>
+                <a:lumMod val="102000"/>
+              </a:schemeClr>
+            </a:gs>
+            <a:gs pos="50000">
+              <a:schemeClr val="phClr">
+                <a:tint val="98000"/>
+                <a:satMod val="130000"/>
+                <a:shade val="90000"/>
+                <a:lumMod val="103000"/>
+              </a:schemeClr>
+            </a:gs>
+            <a:gs pos="100000">
+              <a:schemeClr val="phClr">
+                <a:shade val="63000"/>
+                <a:satMod val="120000"/>
+              </a:schemeClr>
+            </a:gs>
+          </a:gsLst>
+          <a:lin ang="5400000" scaled="0"/>
+        </a:gradFill>
+      </a:bgFillStyleLst>
+    </a:fmtScheme>
+  </a:themeElements>
+  <a:objectDefaults/>
+  <a:extraClrSchemeLst/>
+  <a:extLst>
+    <a:ext uri="{05A4C25C-085E-4340-85A3-A5531E510DB2}">
+      <thm15:themeFamily xmlns:thm15="http://schemas.microsoft.com/office/thememl/2012/main" name="Office Theme" id="{62F939B6-93AF-4DB8-9C6B-D6C7DFDC589F}" vid="{4A3C46E8-61CC-4603-A589-7422A47A8E4A}"/>
+    </a:ext>
+  </a:extLst>
+</a:theme>
 </file>
--- a/Final Project Draft.pptx
+++ b/Final Project Draft.pptx
@@ -118,7 +118,7 @@
   </p:defaultTextStyle>
   <p:extLst>
     <p:ext uri="{EFAFB233-063F-42B5-8137-9DF3F51BA10A}">
-      <p15:sldGuideLst xmlns:p15="http://schemas.microsoft.com/office/powerpoint/2012/main"/>
+      <p15:sldGuideLst xmlns:p15="http://schemas.microsoft.com/office/powerpoint/2012/main" xmlns=""/>
     </p:ext>
   </p:extLst>
 </p:presentation>
@@ -206,7 +206,7 @@
           <a:p>
             <a:fld id="{FFD76870-CC5D-4085-9740-AAC045ACB719}" type="datetimeFigureOut">
               <a:rPr lang="en-IN" smtClean="0"/>
-              <a:t>01-04-2019</a:t>
+              <a:t>04-04-2019</a:t>
             </a:fld>
             <a:endParaRPr lang="en-IN"/>
           </a:p>
@@ -607,8 +607,8 @@
           </a:prstGeom>
           <a:noFill/>
           <a:extLst>
-            <a:ext uri="{909E8E84-426E-40dd-AFC4-6F175D3DCCD1}">
-              <a14:hiddenFill xmlns="" xmlns:a14="http://schemas.microsoft.com/office/drawing/2010/main">
+            <a:ext uri="{909E8E84-426E-40DD-AFC4-6F175D3DCCD1}">
+              <a14:hiddenFill xmlns:a14="http://schemas.microsoft.com/office/drawing/2010/main">
                 <a:solidFill>
                   <a:srgbClr val="FFFFFF"/>
                 </a:solidFill>
@@ -667,8 +667,8 @@
               <a:noFill/>
             </a:ln>
             <a:extLst>
-              <a:ext uri="{91240B29-F687-4f45-9708-019B960494DF}">
-                <a14:hiddenLine xmlns="" xmlns:a14="http://schemas.microsoft.com/office/drawing/2010/main" w="9525">
+              <a:ext uri="{91240B29-F687-4F45-9708-019B960494DF}">
+                <a14:hiddenLine xmlns:a14="http://schemas.microsoft.com/office/drawing/2010/main" w="9525">
                   <a:solidFill>
                     <a:srgbClr val="000000"/>
                   </a:solidFill>
@@ -757,8 +757,8 @@
               <a:noFill/>
             </a:ln>
             <a:extLst>
-              <a:ext uri="{91240B29-F687-4f45-9708-019B960494DF}">
-                <a14:hiddenLine xmlns="" xmlns:a14="http://schemas.microsoft.com/office/drawing/2010/main" w="9525">
+              <a:ext uri="{91240B29-F687-4F45-9708-019B960494DF}">
+                <a14:hiddenLine xmlns:a14="http://schemas.microsoft.com/office/drawing/2010/main" w="9525">
                   <a:solidFill>
                     <a:srgbClr val="000000"/>
                   </a:solidFill>
@@ -847,8 +847,8 @@
               <a:noFill/>
             </a:ln>
             <a:extLst>
-              <a:ext uri="{91240B29-F687-4f45-9708-019B960494DF}">
-                <a14:hiddenLine xmlns="" xmlns:a14="http://schemas.microsoft.com/office/drawing/2010/main" w="9525">
+              <a:ext uri="{91240B29-F687-4F45-9708-019B960494DF}">
+                <a14:hiddenLine xmlns:a14="http://schemas.microsoft.com/office/drawing/2010/main" w="9525">
                   <a:solidFill>
                     <a:srgbClr val="000000"/>
                   </a:solidFill>
@@ -881,8 +881,8 @@
               <a:noFill/>
             </a:ln>
             <a:extLst>
-              <a:ext uri="{91240B29-F687-4f45-9708-019B960494DF}">
-                <a14:hiddenLine xmlns="" xmlns:a14="http://schemas.microsoft.com/office/drawing/2010/main" w="9525">
+              <a:ext uri="{91240B29-F687-4F45-9708-019B960494DF}">
+                <a14:hiddenLine xmlns:a14="http://schemas.microsoft.com/office/drawing/2010/main" w="9525">
                   <a:solidFill>
                     <a:srgbClr val="000000"/>
                   </a:solidFill>
@@ -971,8 +971,8 @@
               <a:noFill/>
             </a:ln>
             <a:extLst>
-              <a:ext uri="{91240B29-F687-4f45-9708-019B960494DF}">
-                <a14:hiddenLine xmlns="" xmlns:a14="http://schemas.microsoft.com/office/drawing/2010/main" w="9525">
+              <a:ext uri="{91240B29-F687-4F45-9708-019B960494DF}">
+                <a14:hiddenLine xmlns:a14="http://schemas.microsoft.com/office/drawing/2010/main" w="9525">
                   <a:solidFill>
                     <a:srgbClr val="000000"/>
                   </a:solidFill>
@@ -1033,8 +1033,8 @@
               <a:noFill/>
             </a:ln>
             <a:extLst>
-              <a:ext uri="{91240B29-F687-4f45-9708-019B960494DF}">
-                <a14:hiddenLine xmlns="" xmlns:a14="http://schemas.microsoft.com/office/drawing/2010/main" w="9525">
+              <a:ext uri="{91240B29-F687-4F45-9708-019B960494DF}">
+                <a14:hiddenLine xmlns:a14="http://schemas.microsoft.com/office/drawing/2010/main" w="9525">
                   <a:solidFill>
                     <a:srgbClr val="000000"/>
                   </a:solidFill>
@@ -1095,8 +1095,8 @@
               <a:noFill/>
             </a:ln>
             <a:extLst>
-              <a:ext uri="{91240B29-F687-4f45-9708-019B960494DF}">
-                <a14:hiddenLine xmlns="" xmlns:a14="http://schemas.microsoft.com/office/drawing/2010/main" w="9525">
+              <a:ext uri="{91240B29-F687-4F45-9708-019B960494DF}">
+                <a14:hiddenLine xmlns:a14="http://schemas.microsoft.com/office/drawing/2010/main" w="9525">
                   <a:solidFill>
                     <a:srgbClr val="000000"/>
                   </a:solidFill>
@@ -1185,8 +1185,8 @@
               <a:noFill/>
             </a:ln>
             <a:extLst>
-              <a:ext uri="{91240B29-F687-4f45-9708-019B960494DF}">
-                <a14:hiddenLine xmlns="" xmlns:a14="http://schemas.microsoft.com/office/drawing/2010/main" w="9525">
+              <a:ext uri="{91240B29-F687-4F45-9708-019B960494DF}">
+                <a14:hiddenLine xmlns:a14="http://schemas.microsoft.com/office/drawing/2010/main" w="9525">
                   <a:solidFill>
                     <a:srgbClr val="000000"/>
                   </a:solidFill>
@@ -1247,8 +1247,8 @@
               <a:noFill/>
             </a:ln>
             <a:extLst>
-              <a:ext uri="{91240B29-F687-4f45-9708-019B960494DF}">
-                <a14:hiddenLine xmlns="" xmlns:a14="http://schemas.microsoft.com/office/drawing/2010/main" w="9525">
+              <a:ext uri="{91240B29-F687-4F45-9708-019B960494DF}">
+                <a14:hiddenLine xmlns:a14="http://schemas.microsoft.com/office/drawing/2010/main" w="9525">
                   <a:solidFill>
                     <a:srgbClr val="000000"/>
                   </a:solidFill>
@@ -1309,8 +1309,8 @@
               <a:noFill/>
             </a:ln>
             <a:extLst>
-              <a:ext uri="{91240B29-F687-4f45-9708-019B960494DF}">
-                <a14:hiddenLine xmlns="" xmlns:a14="http://schemas.microsoft.com/office/drawing/2010/main" w="9525">
+              <a:ext uri="{91240B29-F687-4F45-9708-019B960494DF}">
+                <a14:hiddenLine xmlns:a14="http://schemas.microsoft.com/office/drawing/2010/main" w="9525">
                   <a:solidFill>
                     <a:srgbClr val="000000"/>
                   </a:solidFill>
@@ -1399,8 +1399,8 @@
               <a:noFill/>
             </a:ln>
             <a:extLst>
-              <a:ext uri="{91240B29-F687-4f45-9708-019B960494DF}">
-                <a14:hiddenLine xmlns="" xmlns:a14="http://schemas.microsoft.com/office/drawing/2010/main" w="9525">
+              <a:ext uri="{91240B29-F687-4F45-9708-019B960494DF}">
+                <a14:hiddenLine xmlns:a14="http://schemas.microsoft.com/office/drawing/2010/main" w="9525">
                   <a:solidFill>
                     <a:srgbClr val="000000"/>
                   </a:solidFill>
@@ -1489,8 +1489,8 @@
               <a:noFill/>
             </a:ln>
             <a:extLst>
-              <a:ext uri="{91240B29-F687-4f45-9708-019B960494DF}">
-                <a14:hiddenLine xmlns="" xmlns:a14="http://schemas.microsoft.com/office/drawing/2010/main" w="9525">
+              <a:ext uri="{91240B29-F687-4F45-9708-019B960494DF}">
+                <a14:hiddenLine xmlns:a14="http://schemas.microsoft.com/office/drawing/2010/main" w="9525">
                   <a:solidFill>
                     <a:srgbClr val="000000"/>
                   </a:solidFill>
@@ -1551,8 +1551,8 @@
               <a:noFill/>
             </a:ln>
             <a:extLst>
-              <a:ext uri="{91240B29-F687-4f45-9708-019B960494DF}">
-                <a14:hiddenLine xmlns="" xmlns:a14="http://schemas.microsoft.com/office/drawing/2010/main" w="9525">
+              <a:ext uri="{91240B29-F687-4F45-9708-019B960494DF}">
+                <a14:hiddenLine xmlns:a14="http://schemas.microsoft.com/office/drawing/2010/main" w="9525">
                   <a:solidFill>
                     <a:srgbClr val="000000"/>
                   </a:solidFill>
@@ -1661,8 +1661,8 @@
               <a:noFill/>
             </a:ln>
             <a:extLst>
-              <a:ext uri="{91240B29-F687-4f45-9708-019B960494DF}">
-                <a14:hiddenLine xmlns="" xmlns:a14="http://schemas.microsoft.com/office/drawing/2010/main" w="9525">
+              <a:ext uri="{91240B29-F687-4F45-9708-019B960494DF}">
+                <a14:hiddenLine xmlns:a14="http://schemas.microsoft.com/office/drawing/2010/main" w="9525">
                   <a:solidFill>
                     <a:srgbClr val="000000"/>
                   </a:solidFill>
@@ -1723,8 +1723,8 @@
               <a:noFill/>
             </a:ln>
             <a:extLst>
-              <a:ext uri="{91240B29-F687-4f45-9708-019B960494DF}">
-                <a14:hiddenLine xmlns="" xmlns:a14="http://schemas.microsoft.com/office/drawing/2010/main" w="9525">
+              <a:ext uri="{91240B29-F687-4F45-9708-019B960494DF}">
+                <a14:hiddenLine xmlns:a14="http://schemas.microsoft.com/office/drawing/2010/main" w="9525">
                   <a:solidFill>
                     <a:srgbClr val="000000"/>
                   </a:solidFill>
@@ -1813,8 +1813,8 @@
               <a:noFill/>
             </a:ln>
             <a:extLst>
-              <a:ext uri="{91240B29-F687-4f45-9708-019B960494DF}">
-                <a14:hiddenLine xmlns="" xmlns:a14="http://schemas.microsoft.com/office/drawing/2010/main" w="9525">
+              <a:ext uri="{91240B29-F687-4F45-9708-019B960494DF}">
+                <a14:hiddenLine xmlns:a14="http://schemas.microsoft.com/office/drawing/2010/main" w="9525">
                   <a:solidFill>
                     <a:srgbClr val="000000"/>
                   </a:solidFill>
@@ -1903,8 +1903,8 @@
               <a:noFill/>
             </a:ln>
             <a:extLst>
-              <a:ext uri="{91240B29-F687-4f45-9708-019B960494DF}">
-                <a14:hiddenLine xmlns="" xmlns:a14="http://schemas.microsoft.com/office/drawing/2010/main" w="9525">
+              <a:ext uri="{91240B29-F687-4F45-9708-019B960494DF}">
+                <a14:hiddenLine xmlns:a14="http://schemas.microsoft.com/office/drawing/2010/main" w="9525">
                   <a:solidFill>
                     <a:srgbClr val="000000"/>
                   </a:solidFill>
@@ -1965,8 +1965,8 @@
               <a:noFill/>
             </a:ln>
             <a:extLst>
-              <a:ext uri="{91240B29-F687-4f45-9708-019B960494DF}">
-                <a14:hiddenLine xmlns="" xmlns:a14="http://schemas.microsoft.com/office/drawing/2010/main" w="9525">
+              <a:ext uri="{91240B29-F687-4F45-9708-019B960494DF}">
+                <a14:hiddenLine xmlns:a14="http://schemas.microsoft.com/office/drawing/2010/main" w="9525">
                   <a:solidFill>
                     <a:srgbClr val="000000"/>
                   </a:solidFill>
@@ -2055,8 +2055,8 @@
               <a:noFill/>
             </a:ln>
             <a:extLst>
-              <a:ext uri="{91240B29-F687-4f45-9708-019B960494DF}">
-                <a14:hiddenLine xmlns="" xmlns:a14="http://schemas.microsoft.com/office/drawing/2010/main" w="9525">
+              <a:ext uri="{91240B29-F687-4F45-9708-019B960494DF}">
+                <a14:hiddenLine xmlns:a14="http://schemas.microsoft.com/office/drawing/2010/main" w="9525">
                   <a:solidFill>
                     <a:srgbClr val="000000"/>
                   </a:solidFill>
@@ -2145,8 +2145,8 @@
               <a:noFill/>
             </a:ln>
             <a:extLst>
-              <a:ext uri="{91240B29-F687-4f45-9708-019B960494DF}">
-                <a14:hiddenLine xmlns="" xmlns:a14="http://schemas.microsoft.com/office/drawing/2010/main" w="9525">
+              <a:ext uri="{91240B29-F687-4F45-9708-019B960494DF}">
+                <a14:hiddenLine xmlns:a14="http://schemas.microsoft.com/office/drawing/2010/main" w="9525">
                   <a:solidFill>
                     <a:srgbClr val="000000"/>
                   </a:solidFill>
@@ -2201,8 +2201,8 @@
               <a:noFill/>
             </a:ln>
             <a:extLst>
-              <a:ext uri="{91240B29-F687-4f45-9708-019B960494DF}">
-                <a14:hiddenLine xmlns="" xmlns:a14="http://schemas.microsoft.com/office/drawing/2010/main" w="9525">
+              <a:ext uri="{91240B29-F687-4F45-9708-019B960494DF}">
+                <a14:hiddenLine xmlns:a14="http://schemas.microsoft.com/office/drawing/2010/main" w="9525">
                   <a:solidFill>
                     <a:srgbClr val="000000"/>
                   </a:solidFill>
@@ -2291,8 +2291,8 @@
               <a:noFill/>
             </a:ln>
             <a:extLst>
-              <a:ext uri="{91240B29-F687-4f45-9708-019B960494DF}">
-                <a14:hiddenLine xmlns="" xmlns:a14="http://schemas.microsoft.com/office/drawing/2010/main" w="9525">
+              <a:ext uri="{91240B29-F687-4F45-9708-019B960494DF}">
+                <a14:hiddenLine xmlns:a14="http://schemas.microsoft.com/office/drawing/2010/main" w="9525">
                   <a:solidFill>
                     <a:srgbClr val="000000"/>
                   </a:solidFill>
@@ -2347,8 +2347,8 @@
               <a:noFill/>
             </a:ln>
             <a:extLst>
-              <a:ext uri="{91240B29-F687-4f45-9708-019B960494DF}">
-                <a14:hiddenLine xmlns="" xmlns:a14="http://schemas.microsoft.com/office/drawing/2010/main" w="9525">
+              <a:ext uri="{91240B29-F687-4F45-9708-019B960494DF}">
+                <a14:hiddenLine xmlns:a14="http://schemas.microsoft.com/office/drawing/2010/main" w="9525">
                   <a:solidFill>
                     <a:srgbClr val="000000"/>
                   </a:solidFill>
@@ -2437,8 +2437,8 @@
               <a:noFill/>
             </a:ln>
             <a:extLst>
-              <a:ext uri="{91240B29-F687-4f45-9708-019B960494DF}">
-                <a14:hiddenLine xmlns="" xmlns:a14="http://schemas.microsoft.com/office/drawing/2010/main" w="9525">
+              <a:ext uri="{91240B29-F687-4F45-9708-019B960494DF}">
+                <a14:hiddenLine xmlns:a14="http://schemas.microsoft.com/office/drawing/2010/main" w="9525">
                   <a:solidFill>
                     <a:srgbClr val="000000"/>
                   </a:solidFill>
@@ -2505,8 +2505,8 @@
               <a:noFill/>
             </a:ln>
             <a:extLst>
-              <a:ext uri="{91240B29-F687-4f45-9708-019B960494DF}">
-                <a14:hiddenLine xmlns="" xmlns:a14="http://schemas.microsoft.com/office/drawing/2010/main" w="9525">
+              <a:ext uri="{91240B29-F687-4F45-9708-019B960494DF}">
+                <a14:hiddenLine xmlns:a14="http://schemas.microsoft.com/office/drawing/2010/main" w="9525">
                   <a:solidFill>
                     <a:srgbClr val="000000"/>
                   </a:solidFill>
@@ -2595,8 +2595,8 @@
               <a:noFill/>
             </a:ln>
             <a:extLst>
-              <a:ext uri="{91240B29-F687-4f45-9708-019B960494DF}">
-                <a14:hiddenLine xmlns="" xmlns:a14="http://schemas.microsoft.com/office/drawing/2010/main" w="9525">
+              <a:ext uri="{91240B29-F687-4F45-9708-019B960494DF}">
+                <a14:hiddenLine xmlns:a14="http://schemas.microsoft.com/office/drawing/2010/main" w="9525">
                   <a:solidFill>
                     <a:srgbClr val="000000"/>
                   </a:solidFill>
@@ -2663,8 +2663,8 @@
               <a:noFill/>
             </a:ln>
             <a:extLst>
-              <a:ext uri="{91240B29-F687-4f45-9708-019B960494DF}">
-                <a14:hiddenLine xmlns="" xmlns:a14="http://schemas.microsoft.com/office/drawing/2010/main" w="9525">
+              <a:ext uri="{91240B29-F687-4F45-9708-019B960494DF}">
+                <a14:hiddenLine xmlns:a14="http://schemas.microsoft.com/office/drawing/2010/main" w="9525">
                   <a:solidFill>
                     <a:srgbClr val="000000"/>
                   </a:solidFill>
@@ -2753,8 +2753,8 @@
               <a:noFill/>
             </a:ln>
             <a:extLst>
-              <a:ext uri="{91240B29-F687-4f45-9708-019B960494DF}">
-                <a14:hiddenLine xmlns="" xmlns:a14="http://schemas.microsoft.com/office/drawing/2010/main" w="9525">
+              <a:ext uri="{91240B29-F687-4F45-9708-019B960494DF}">
+                <a14:hiddenLine xmlns:a14="http://schemas.microsoft.com/office/drawing/2010/main" w="9525">
                   <a:solidFill>
                     <a:srgbClr val="000000"/>
                   </a:solidFill>
@@ -2787,8 +2787,8 @@
               <a:noFill/>
             </a:ln>
             <a:extLst>
-              <a:ext uri="{91240B29-F687-4f45-9708-019B960494DF}">
-                <a14:hiddenLine xmlns="" xmlns:a14="http://schemas.microsoft.com/office/drawing/2010/main" w="9525">
+              <a:ext uri="{91240B29-F687-4F45-9708-019B960494DF}">
+                <a14:hiddenLine xmlns:a14="http://schemas.microsoft.com/office/drawing/2010/main" w="9525">
                   <a:solidFill>
                     <a:srgbClr val="000000"/>
                   </a:solidFill>
@@ -2877,8 +2877,8 @@
               <a:noFill/>
             </a:ln>
             <a:extLst>
-              <a:ext uri="{91240B29-F687-4f45-9708-019B960494DF}">
-                <a14:hiddenLine xmlns="" xmlns:a14="http://schemas.microsoft.com/office/drawing/2010/main" w="9525">
+              <a:ext uri="{91240B29-F687-4F45-9708-019B960494DF}">
+                <a14:hiddenLine xmlns:a14="http://schemas.microsoft.com/office/drawing/2010/main" w="9525">
                   <a:solidFill>
                     <a:srgbClr val="000000"/>
                   </a:solidFill>
@@ -2939,8 +2939,8 @@
               <a:noFill/>
             </a:ln>
             <a:extLst>
-              <a:ext uri="{91240B29-F687-4f45-9708-019B960494DF}">
-                <a14:hiddenLine xmlns="" xmlns:a14="http://schemas.microsoft.com/office/drawing/2010/main" w="9525">
+              <a:ext uri="{91240B29-F687-4F45-9708-019B960494DF}">
+                <a14:hiddenLine xmlns:a14="http://schemas.microsoft.com/office/drawing/2010/main" w="9525">
                   <a:solidFill>
                     <a:srgbClr val="000000"/>
                   </a:solidFill>
@@ -3001,8 +3001,8 @@
               <a:noFill/>
             </a:ln>
             <a:extLst>
-              <a:ext uri="{91240B29-F687-4f45-9708-019B960494DF}">
-                <a14:hiddenLine xmlns="" xmlns:a14="http://schemas.microsoft.com/office/drawing/2010/main" w="9525">
+              <a:ext uri="{91240B29-F687-4F45-9708-019B960494DF}">
+                <a14:hiddenLine xmlns:a14="http://schemas.microsoft.com/office/drawing/2010/main" w="9525">
                   <a:solidFill>
                     <a:srgbClr val="000000"/>
                   </a:solidFill>
@@ -3091,8 +3091,8 @@
               <a:noFill/>
             </a:ln>
             <a:extLst>
-              <a:ext uri="{91240B29-F687-4f45-9708-019B960494DF}">
-                <a14:hiddenLine xmlns="" xmlns:a14="http://schemas.microsoft.com/office/drawing/2010/main" w="9525">
+              <a:ext uri="{91240B29-F687-4F45-9708-019B960494DF}">
+                <a14:hiddenLine xmlns:a14="http://schemas.microsoft.com/office/drawing/2010/main" w="9525">
                   <a:solidFill>
                     <a:srgbClr val="000000"/>
                   </a:solidFill>
@@ -3159,8 +3159,8 @@
               <a:noFill/>
             </a:ln>
             <a:extLst>
-              <a:ext uri="{91240B29-F687-4f45-9708-019B960494DF}">
-                <a14:hiddenLine xmlns="" xmlns:a14="http://schemas.microsoft.com/office/drawing/2010/main" w="9525">
+              <a:ext uri="{91240B29-F687-4F45-9708-019B960494DF}">
+                <a14:hiddenLine xmlns:a14="http://schemas.microsoft.com/office/drawing/2010/main" w="9525">
                   <a:solidFill>
                     <a:srgbClr val="000000"/>
                   </a:solidFill>
@@ -3221,8 +3221,8 @@
               <a:noFill/>
             </a:ln>
             <a:extLst>
-              <a:ext uri="{91240B29-F687-4f45-9708-019B960494DF}">
-                <a14:hiddenLine xmlns="" xmlns:a14="http://schemas.microsoft.com/office/drawing/2010/main" w="9525">
+              <a:ext uri="{91240B29-F687-4F45-9708-019B960494DF}">
+                <a14:hiddenLine xmlns:a14="http://schemas.microsoft.com/office/drawing/2010/main" w="9525">
                   <a:solidFill>
                     <a:srgbClr val="000000"/>
                   </a:solidFill>
@@ -3311,8 +3311,8 @@
               <a:noFill/>
             </a:ln>
             <a:extLst>
-              <a:ext uri="{91240B29-F687-4f45-9708-019B960494DF}">
-                <a14:hiddenLine xmlns="" xmlns:a14="http://schemas.microsoft.com/office/drawing/2010/main" w="9525">
+              <a:ext uri="{91240B29-F687-4F45-9708-019B960494DF}">
+                <a14:hiddenLine xmlns:a14="http://schemas.microsoft.com/office/drawing/2010/main" w="9525">
                   <a:solidFill>
                     <a:srgbClr val="000000"/>
                   </a:solidFill>
@@ -3373,8 +3373,8 @@
               <a:noFill/>
             </a:ln>
             <a:extLst>
-              <a:ext uri="{91240B29-F687-4f45-9708-019B960494DF}">
-                <a14:hiddenLine xmlns="" xmlns:a14="http://schemas.microsoft.com/office/drawing/2010/main" w="9525">
+              <a:ext uri="{91240B29-F687-4F45-9708-019B960494DF}">
+                <a14:hiddenLine xmlns:a14="http://schemas.microsoft.com/office/drawing/2010/main" w="9525">
                   <a:solidFill>
                     <a:srgbClr val="000000"/>
                   </a:solidFill>
@@ -3463,8 +3463,8 @@
               <a:noFill/>
             </a:ln>
             <a:extLst>
-              <a:ext uri="{91240B29-F687-4f45-9708-019B960494DF}">
-                <a14:hiddenLine xmlns="" xmlns:a14="http://schemas.microsoft.com/office/drawing/2010/main" w="9525">
+              <a:ext uri="{91240B29-F687-4F45-9708-019B960494DF}">
+                <a14:hiddenLine xmlns:a14="http://schemas.microsoft.com/office/drawing/2010/main" w="9525">
                   <a:solidFill>
                     <a:srgbClr val="000000"/>
                   </a:solidFill>
@@ -3525,8 +3525,8 @@
               <a:noFill/>
             </a:ln>
             <a:extLst>
-              <a:ext uri="{91240B29-F687-4f45-9708-019B960494DF}">
-                <a14:hiddenLine xmlns="" xmlns:a14="http://schemas.microsoft.com/office/drawing/2010/main" w="9525">
+              <a:ext uri="{91240B29-F687-4F45-9708-019B960494DF}">
+                <a14:hiddenLine xmlns:a14="http://schemas.microsoft.com/office/drawing/2010/main" w="9525">
                   <a:solidFill>
                     <a:srgbClr val="000000"/>
                   </a:solidFill>
@@ -3615,8 +3615,8 @@
               <a:noFill/>
             </a:ln>
             <a:extLst>
-              <a:ext uri="{91240B29-F687-4f45-9708-019B960494DF}">
-                <a14:hiddenLine xmlns="" xmlns:a14="http://schemas.microsoft.com/office/drawing/2010/main" w="9525">
+              <a:ext uri="{91240B29-F687-4F45-9708-019B960494DF}">
+                <a14:hiddenLine xmlns:a14="http://schemas.microsoft.com/office/drawing/2010/main" w="9525">
                   <a:solidFill>
                     <a:srgbClr val="000000"/>
                   </a:solidFill>
@@ -3649,8 +3649,8 @@
               <a:noFill/>
             </a:ln>
             <a:extLst>
-              <a:ext uri="{91240B29-F687-4f45-9708-019B960494DF}">
-                <a14:hiddenLine xmlns="" xmlns:a14="http://schemas.microsoft.com/office/drawing/2010/main" w="9525">
+              <a:ext uri="{91240B29-F687-4F45-9708-019B960494DF}">
+                <a14:hiddenLine xmlns:a14="http://schemas.microsoft.com/office/drawing/2010/main" w="9525">
                   <a:solidFill>
                     <a:srgbClr val="000000"/>
                   </a:solidFill>
@@ -3714,8 +3714,8 @@
               <a:noFill/>
             </a:ln>
             <a:extLst>
-              <a:ext uri="{91240B29-F687-4f45-9708-019B960494DF}">
-                <a14:hiddenLine xmlns="" xmlns:a14="http://schemas.microsoft.com/office/drawing/2010/main" w="9525">
+              <a:ext uri="{91240B29-F687-4F45-9708-019B960494DF}">
+                <a14:hiddenLine xmlns:a14="http://schemas.microsoft.com/office/drawing/2010/main" w="9525">
                   <a:solidFill>
                     <a:srgbClr val="000000"/>
                   </a:solidFill>
@@ -3804,8 +3804,8 @@
               <a:noFill/>
             </a:ln>
             <a:extLst>
-              <a:ext uri="{91240B29-F687-4f45-9708-019B960494DF}">
-                <a14:hiddenLine xmlns="" xmlns:a14="http://schemas.microsoft.com/office/drawing/2010/main" w="9525">
+              <a:ext uri="{91240B29-F687-4F45-9708-019B960494DF}">
+                <a14:hiddenLine xmlns:a14="http://schemas.microsoft.com/office/drawing/2010/main" w="9525">
                   <a:solidFill>
                     <a:srgbClr val="000000"/>
                   </a:solidFill>
@@ -3866,8 +3866,8 @@
               <a:noFill/>
             </a:ln>
             <a:extLst>
-              <a:ext uri="{91240B29-F687-4f45-9708-019B960494DF}">
-                <a14:hiddenLine xmlns="" xmlns:a14="http://schemas.microsoft.com/office/drawing/2010/main" w="9525">
+              <a:ext uri="{91240B29-F687-4F45-9708-019B960494DF}">
+                <a14:hiddenLine xmlns:a14="http://schemas.microsoft.com/office/drawing/2010/main" w="9525">
                   <a:solidFill>
                     <a:srgbClr val="000000"/>
                   </a:solidFill>
@@ -3956,8 +3956,8 @@
               <a:noFill/>
             </a:ln>
             <a:extLst>
-              <a:ext uri="{91240B29-F687-4f45-9708-019B960494DF}">
-                <a14:hiddenLine xmlns="" xmlns:a14="http://schemas.microsoft.com/office/drawing/2010/main" w="9525">
+              <a:ext uri="{91240B29-F687-4F45-9708-019B960494DF}">
+                <a14:hiddenLine xmlns:a14="http://schemas.microsoft.com/office/drawing/2010/main" w="9525">
                   <a:solidFill>
                     <a:srgbClr val="000000"/>
                   </a:solidFill>
@@ -4046,8 +4046,8 @@
               <a:noFill/>
             </a:ln>
             <a:extLst>
-              <a:ext uri="{91240B29-F687-4f45-9708-019B960494DF}">
-                <a14:hiddenLine xmlns="" xmlns:a14="http://schemas.microsoft.com/office/drawing/2010/main" w="9525">
+              <a:ext uri="{91240B29-F687-4F45-9708-019B960494DF}">
+                <a14:hiddenLine xmlns:a14="http://schemas.microsoft.com/office/drawing/2010/main" w="9525">
                   <a:solidFill>
                     <a:srgbClr val="000000"/>
                   </a:solidFill>
@@ -4111,8 +4111,8 @@
               <a:noFill/>
             </a:ln>
             <a:extLst>
-              <a:ext uri="{91240B29-F687-4f45-9708-019B960494DF}">
-                <a14:hiddenLine xmlns="" xmlns:a14="http://schemas.microsoft.com/office/drawing/2010/main" w="9525">
+              <a:ext uri="{91240B29-F687-4F45-9708-019B960494DF}">
+                <a14:hiddenLine xmlns:a14="http://schemas.microsoft.com/office/drawing/2010/main" w="9525">
                   <a:solidFill>
                     <a:srgbClr val="000000"/>
                   </a:solidFill>
@@ -4173,8 +4173,8 @@
               <a:noFill/>
             </a:ln>
             <a:extLst>
-              <a:ext uri="{91240B29-F687-4f45-9708-019B960494DF}">
-                <a14:hiddenLine xmlns="" xmlns:a14="http://schemas.microsoft.com/office/drawing/2010/main" w="9525">
+              <a:ext uri="{91240B29-F687-4F45-9708-019B960494DF}">
+                <a14:hiddenLine xmlns:a14="http://schemas.microsoft.com/office/drawing/2010/main" w="9525">
                   <a:solidFill>
                     <a:srgbClr val="000000"/>
                   </a:solidFill>
@@ -4263,8 +4263,8 @@
               <a:noFill/>
             </a:ln>
             <a:extLst>
-              <a:ext uri="{91240B29-F687-4f45-9708-019B960494DF}">
-                <a14:hiddenLine xmlns="" xmlns:a14="http://schemas.microsoft.com/office/drawing/2010/main" w="9525">
+              <a:ext uri="{91240B29-F687-4F45-9708-019B960494DF}">
+                <a14:hiddenLine xmlns:a14="http://schemas.microsoft.com/office/drawing/2010/main" w="9525">
                   <a:solidFill>
                     <a:srgbClr val="000000"/>
                   </a:solidFill>
@@ -4353,8 +4353,8 @@
               <a:noFill/>
             </a:ln>
             <a:extLst>
-              <a:ext uri="{91240B29-F687-4f45-9708-019B960494DF}">
-                <a14:hiddenLine xmlns="" xmlns:a14="http://schemas.microsoft.com/office/drawing/2010/main" w="9525">
+              <a:ext uri="{91240B29-F687-4F45-9708-019B960494DF}">
+                <a14:hiddenLine xmlns:a14="http://schemas.microsoft.com/office/drawing/2010/main" w="9525">
                   <a:solidFill>
                     <a:srgbClr val="000000"/>
                   </a:solidFill>
@@ -4415,8 +4415,8 @@
               <a:noFill/>
             </a:ln>
             <a:extLst>
-              <a:ext uri="{91240B29-F687-4f45-9708-019B960494DF}">
-                <a14:hiddenLine xmlns="" xmlns:a14="http://schemas.microsoft.com/office/drawing/2010/main" w="9525">
+              <a:ext uri="{91240B29-F687-4F45-9708-019B960494DF}">
+                <a14:hiddenLine xmlns:a14="http://schemas.microsoft.com/office/drawing/2010/main" w="9525">
                   <a:solidFill>
                     <a:srgbClr val="000000"/>
                   </a:solidFill>
@@ -4535,8 +4535,8 @@
               <a:noFill/>
             </a:ln>
             <a:extLst>
-              <a:ext uri="{91240B29-F687-4f45-9708-019B960494DF}">
-                <a14:hiddenLine xmlns="" xmlns:a14="http://schemas.microsoft.com/office/drawing/2010/main" w="9525">
+              <a:ext uri="{91240B29-F687-4F45-9708-019B960494DF}">
+                <a14:hiddenLine xmlns:a14="http://schemas.microsoft.com/office/drawing/2010/main" w="9525">
                   <a:solidFill>
                     <a:srgbClr val="000000"/>
                   </a:solidFill>
@@ -4603,8 +4603,8 @@
               <a:noFill/>
             </a:ln>
             <a:extLst>
-              <a:ext uri="{91240B29-F687-4f45-9708-019B960494DF}">
-                <a14:hiddenLine xmlns="" xmlns:a14="http://schemas.microsoft.com/office/drawing/2010/main" w="9525">
+              <a:ext uri="{91240B29-F687-4F45-9708-019B960494DF}">
+                <a14:hiddenLine xmlns:a14="http://schemas.microsoft.com/office/drawing/2010/main" w="9525">
                   <a:solidFill>
                     <a:srgbClr val="000000"/>
                   </a:solidFill>
@@ -4693,8 +4693,8 @@
               <a:noFill/>
             </a:ln>
             <a:extLst>
-              <a:ext uri="{91240B29-F687-4f45-9708-019B960494DF}">
-                <a14:hiddenLine xmlns="" xmlns:a14="http://schemas.microsoft.com/office/drawing/2010/main" w="9525">
+              <a:ext uri="{91240B29-F687-4F45-9708-019B960494DF}">
+                <a14:hiddenLine xmlns:a14="http://schemas.microsoft.com/office/drawing/2010/main" w="9525">
                   <a:solidFill>
                     <a:srgbClr val="000000"/>
                   </a:solidFill>
@@ -4834,7 +4834,7 @@
           <a:p>
             <a:fld id="{48A87A34-81AB-432B-8DAE-1953F412C126}" type="datetimeFigureOut">
               <a:rPr lang="en-US" smtClean="0"/>
-              <a:t>4/1/2019</a:t>
+              <a:t>4/4/2019</a:t>
             </a:fld>
             <a:endParaRPr lang="en-US" dirty="0"/>
           </a:p>
@@ -5101,7 +5101,7 @@
           <a:p>
             <a:fld id="{48A87A34-81AB-432B-8DAE-1953F412C126}" type="datetimeFigureOut">
               <a:rPr lang="en-US" smtClean="0"/>
-              <a:t>4/1/2019</a:t>
+              <a:t>4/4/2019</a:t>
             </a:fld>
             <a:endParaRPr lang="en-US" dirty="0"/>
           </a:p>
@@ -5297,7 +5297,7 @@
           <a:p>
             <a:fld id="{48A87A34-81AB-432B-8DAE-1953F412C126}" type="datetimeFigureOut">
               <a:rPr lang="en-US" smtClean="0"/>
-              <a:t>4/1/2019</a:t>
+              <a:t>4/4/2019</a:t>
             </a:fld>
             <a:endParaRPr lang="en-US" dirty="0"/>
           </a:p>
@@ -5560,7 +5560,7 @@
           <a:p>
             <a:fld id="{48A87A34-81AB-432B-8DAE-1953F412C126}" type="datetimeFigureOut">
               <a:rPr lang="en-US" smtClean="0"/>
-              <a:t>4/1/2019</a:t>
+              <a:t>4/4/2019</a:t>
             </a:fld>
             <a:endParaRPr lang="en-US" dirty="0"/>
           </a:p>
@@ -5994,7 +5994,7 @@
           <a:p>
             <a:fld id="{48A87A34-81AB-432B-8DAE-1953F412C126}" type="datetimeFigureOut">
               <a:rPr lang="en-US" smtClean="0"/>
-              <a:t>4/1/2019</a:t>
+              <a:t>4/4/2019</a:t>
             </a:fld>
             <a:endParaRPr lang="en-US" dirty="0"/>
           </a:p>
@@ -6540,7 +6540,7 @@
           <a:p>
             <a:fld id="{48A87A34-81AB-432B-8DAE-1953F412C126}" type="datetimeFigureOut">
               <a:rPr lang="en-US" smtClean="0"/>
-              <a:t>4/1/2019</a:t>
+              <a:t>4/4/2019</a:t>
             </a:fld>
             <a:endParaRPr lang="en-US" dirty="0"/>
           </a:p>
@@ -7260,7 +7260,7 @@
           <a:p>
             <a:fld id="{48A87A34-81AB-432B-8DAE-1953F412C126}" type="datetimeFigureOut">
               <a:rPr lang="en-US" smtClean="0"/>
-              <a:t>4/1/2019</a:t>
+              <a:t>4/4/2019</a:t>
             </a:fld>
             <a:endParaRPr lang="en-US" dirty="0"/>
           </a:p>
@@ -7430,7 +7430,7 @@
           <a:p>
             <a:fld id="{48A87A34-81AB-432B-8DAE-1953F412C126}" type="datetimeFigureOut">
               <a:rPr lang="en-US" smtClean="0"/>
-              <a:t>4/1/2019</a:t>
+              <a:t>4/4/2019</a:t>
             </a:fld>
             <a:endParaRPr lang="en-US" dirty="0"/>
           </a:p>
@@ -7610,7 +7610,7 @@
           <a:p>
             <a:fld id="{48A87A34-81AB-432B-8DAE-1953F412C126}" type="datetimeFigureOut">
               <a:rPr lang="en-US" smtClean="0"/>
-              <a:t>4/1/2019</a:t>
+              <a:t>4/4/2019</a:t>
             </a:fld>
             <a:endParaRPr lang="en-US" dirty="0"/>
           </a:p>
@@ -7780,7 +7780,7 @@
           <a:p>
             <a:fld id="{48A87A34-81AB-432B-8DAE-1953F412C126}" type="datetimeFigureOut">
               <a:rPr lang="en-US" smtClean="0"/>
-              <a:t>4/1/2019</a:t>
+              <a:t>4/4/2019</a:t>
             </a:fld>
             <a:endParaRPr lang="en-US" dirty="0"/>
           </a:p>
@@ -8030,7 +8030,7 @@
           <a:p>
             <a:fld id="{48A87A34-81AB-432B-8DAE-1953F412C126}" type="datetimeFigureOut">
               <a:rPr lang="en-US" smtClean="0"/>
-              <a:t>4/1/2019</a:t>
+              <a:t>4/4/2019</a:t>
             </a:fld>
             <a:endParaRPr lang="en-US" dirty="0"/>
           </a:p>
@@ -8262,7 +8262,7 @@
           <a:p>
             <a:fld id="{48A87A34-81AB-432B-8DAE-1953F412C126}" type="datetimeFigureOut">
               <a:rPr lang="en-US" smtClean="0"/>
-              <a:t>4/1/2019</a:t>
+              <a:t>4/4/2019</a:t>
             </a:fld>
             <a:endParaRPr lang="en-US" dirty="0"/>
           </a:p>
@@ -8643,7 +8643,7 @@
           <a:p>
             <a:fld id="{48A87A34-81AB-432B-8DAE-1953F412C126}" type="datetimeFigureOut">
               <a:rPr lang="en-US" smtClean="0"/>
-              <a:t>4/1/2019</a:t>
+              <a:t>4/4/2019</a:t>
             </a:fld>
             <a:endParaRPr lang="en-US" dirty="0"/>
           </a:p>
@@ -8761,7 +8761,7 @@
           <a:p>
             <a:fld id="{48A87A34-81AB-432B-8DAE-1953F412C126}" type="datetimeFigureOut">
               <a:rPr lang="en-US" smtClean="0"/>
-              <a:t>4/1/2019</a:t>
+              <a:t>4/4/2019</a:t>
             </a:fld>
             <a:endParaRPr lang="en-US" dirty="0"/>
           </a:p>
@@ -8856,7 +8856,7 @@
           <a:p>
             <a:fld id="{48A87A34-81AB-432B-8DAE-1953F412C126}" type="datetimeFigureOut">
               <a:rPr lang="en-US" smtClean="0"/>
-              <a:t>4/1/2019</a:t>
+              <a:t>4/4/2019</a:t>
             </a:fld>
             <a:endParaRPr lang="en-US" dirty="0"/>
           </a:p>
@@ -9105,7 +9105,7 @@
           <a:p>
             <a:fld id="{48A87A34-81AB-432B-8DAE-1953F412C126}" type="datetimeFigureOut">
               <a:rPr lang="en-US" smtClean="0"/>
-              <a:t>4/1/2019</a:t>
+              <a:t>4/4/2019</a:t>
             </a:fld>
             <a:endParaRPr lang="en-US" dirty="0"/>
           </a:p>
@@ -9385,7 +9385,7 @@
           <a:p>
             <a:fld id="{48A87A34-81AB-432B-8DAE-1953F412C126}" type="datetimeFigureOut">
               <a:rPr lang="en-US" smtClean="0"/>
-              <a:t>4/1/2019</a:t>
+              <a:t>4/4/2019</a:t>
             </a:fld>
             <a:endParaRPr lang="en-US" dirty="0"/>
           </a:p>
@@ -9500,8 +9500,8 @@
           </a:prstGeom>
           <a:noFill/>
           <a:extLst>
-            <a:ext uri="{909E8E84-426E-40dd-AFC4-6F175D3DCCD1}">
-              <a14:hiddenFill xmlns="" xmlns:a14="http://schemas.microsoft.com/office/drawing/2010/main">
+            <a:ext uri="{909E8E84-426E-40DD-AFC4-6F175D3DCCD1}">
+              <a14:hiddenFill xmlns:a14="http://schemas.microsoft.com/office/drawing/2010/main">
                 <a:solidFill>
                   <a:srgbClr val="FFFFFF"/>
                 </a:solidFill>
@@ -9574,8 +9574,8 @@
                 <a:noFill/>
               </a:ln>
               <a:extLst>
-                <a:ext uri="{91240B29-F687-4f45-9708-019B960494DF}">
-                  <a14:hiddenLine xmlns="" xmlns:a14="http://schemas.microsoft.com/office/drawing/2010/main" w="9525">
+                <a:ext uri="{91240B29-F687-4F45-9708-019B960494DF}">
+                  <a14:hiddenLine xmlns:a14="http://schemas.microsoft.com/office/drawing/2010/main" w="9525">
                     <a:solidFill>
                       <a:srgbClr val="000000"/>
                     </a:solidFill>
@@ -9664,8 +9664,8 @@
                 <a:noFill/>
               </a:ln>
               <a:extLst>
-                <a:ext uri="{91240B29-F687-4f45-9708-019B960494DF}">
-                  <a14:hiddenLine xmlns="" xmlns:a14="http://schemas.microsoft.com/office/drawing/2010/main" w="9525">
+                <a:ext uri="{91240B29-F687-4F45-9708-019B960494DF}">
+                  <a14:hiddenLine xmlns:a14="http://schemas.microsoft.com/office/drawing/2010/main" w="9525">
                     <a:solidFill>
                       <a:srgbClr val="000000"/>
                     </a:solidFill>
@@ -9754,8 +9754,8 @@
                 <a:noFill/>
               </a:ln>
               <a:extLst>
-                <a:ext uri="{91240B29-F687-4f45-9708-019B960494DF}">
-                  <a14:hiddenLine xmlns="" xmlns:a14="http://schemas.microsoft.com/office/drawing/2010/main" w="9525">
+                <a:ext uri="{91240B29-F687-4F45-9708-019B960494DF}">
+                  <a14:hiddenLine xmlns:a14="http://schemas.microsoft.com/office/drawing/2010/main" w="9525">
                     <a:solidFill>
                       <a:srgbClr val="000000"/>
                     </a:solidFill>
@@ -9816,8 +9816,8 @@
                 <a:noFill/>
               </a:ln>
               <a:extLst>
-                <a:ext uri="{91240B29-F687-4f45-9708-019B960494DF}">
-                  <a14:hiddenLine xmlns="" xmlns:a14="http://schemas.microsoft.com/office/drawing/2010/main" w="9525">
+                <a:ext uri="{91240B29-F687-4F45-9708-019B960494DF}">
+                  <a14:hiddenLine xmlns:a14="http://schemas.microsoft.com/office/drawing/2010/main" w="9525">
                     <a:solidFill>
                       <a:srgbClr val="000000"/>
                     </a:solidFill>
@@ -9906,8 +9906,8 @@
                 <a:noFill/>
               </a:ln>
               <a:extLst>
-                <a:ext uri="{91240B29-F687-4f45-9708-019B960494DF}">
-                  <a14:hiddenLine xmlns="" xmlns:a14="http://schemas.microsoft.com/office/drawing/2010/main" w="9525">
+                <a:ext uri="{91240B29-F687-4F45-9708-019B960494DF}">
+                  <a14:hiddenLine xmlns:a14="http://schemas.microsoft.com/office/drawing/2010/main" w="9525">
                     <a:solidFill>
                       <a:srgbClr val="000000"/>
                     </a:solidFill>
@@ -9968,8 +9968,8 @@
                 <a:noFill/>
               </a:ln>
               <a:extLst>
-                <a:ext uri="{91240B29-F687-4f45-9708-019B960494DF}">
-                  <a14:hiddenLine xmlns="" xmlns:a14="http://schemas.microsoft.com/office/drawing/2010/main" w="9525">
+                <a:ext uri="{91240B29-F687-4F45-9708-019B960494DF}">
+                  <a14:hiddenLine xmlns:a14="http://schemas.microsoft.com/office/drawing/2010/main" w="9525">
                     <a:solidFill>
                       <a:srgbClr val="000000"/>
                     </a:solidFill>
@@ -10030,8 +10030,8 @@
                 <a:noFill/>
               </a:ln>
               <a:extLst>
-                <a:ext uri="{91240B29-F687-4f45-9708-019B960494DF}">
-                  <a14:hiddenLine xmlns="" xmlns:a14="http://schemas.microsoft.com/office/drawing/2010/main" w="9525">
+                <a:ext uri="{91240B29-F687-4F45-9708-019B960494DF}">
+                  <a14:hiddenLine xmlns:a14="http://schemas.microsoft.com/office/drawing/2010/main" w="9525">
                     <a:solidFill>
                       <a:srgbClr val="000000"/>
                     </a:solidFill>
@@ -10120,8 +10120,8 @@
                 <a:noFill/>
               </a:ln>
               <a:extLst>
-                <a:ext uri="{91240B29-F687-4f45-9708-019B960494DF}">
-                  <a14:hiddenLine xmlns="" xmlns:a14="http://schemas.microsoft.com/office/drawing/2010/main" w="9525">
+                <a:ext uri="{91240B29-F687-4F45-9708-019B960494DF}">
+                  <a14:hiddenLine xmlns:a14="http://schemas.microsoft.com/office/drawing/2010/main" w="9525">
                     <a:solidFill>
                       <a:srgbClr val="000000"/>
                     </a:solidFill>
@@ -10210,8 +10210,8 @@
                 <a:noFill/>
               </a:ln>
               <a:extLst>
-                <a:ext uri="{91240B29-F687-4f45-9708-019B960494DF}">
-                  <a14:hiddenLine xmlns="" xmlns:a14="http://schemas.microsoft.com/office/drawing/2010/main" w="9525">
+                <a:ext uri="{91240B29-F687-4F45-9708-019B960494DF}">
+                  <a14:hiddenLine xmlns:a14="http://schemas.microsoft.com/office/drawing/2010/main" w="9525">
                     <a:solidFill>
                       <a:srgbClr val="000000"/>
                     </a:solidFill>
@@ -10272,8 +10272,8 @@
                 <a:noFill/>
               </a:ln>
               <a:extLst>
-                <a:ext uri="{91240B29-F687-4f45-9708-019B960494DF}">
-                  <a14:hiddenLine xmlns="" xmlns:a14="http://schemas.microsoft.com/office/drawing/2010/main" w="9525">
+                <a:ext uri="{91240B29-F687-4F45-9708-019B960494DF}">
+                  <a14:hiddenLine xmlns:a14="http://schemas.microsoft.com/office/drawing/2010/main" w="9525">
                     <a:solidFill>
                       <a:srgbClr val="000000"/>
                     </a:solidFill>
@@ -10382,8 +10382,8 @@
                 <a:noFill/>
               </a:ln>
               <a:extLst>
-                <a:ext uri="{91240B29-F687-4f45-9708-019B960494DF}">
-                  <a14:hiddenLine xmlns="" xmlns:a14="http://schemas.microsoft.com/office/drawing/2010/main" w="9525">
+                <a:ext uri="{91240B29-F687-4F45-9708-019B960494DF}">
+                  <a14:hiddenLine xmlns:a14="http://schemas.microsoft.com/office/drawing/2010/main" w="9525">
                     <a:solidFill>
                       <a:srgbClr val="000000"/>
                     </a:solidFill>
@@ -10466,8 +10466,8 @@
                 <a:noFill/>
               </a:ln>
               <a:extLst>
-                <a:ext uri="{91240B29-F687-4f45-9708-019B960494DF}">
-                  <a14:hiddenLine xmlns="" xmlns:a14="http://schemas.microsoft.com/office/drawing/2010/main" w="9525">
+                <a:ext uri="{91240B29-F687-4F45-9708-019B960494DF}">
+                  <a14:hiddenLine xmlns:a14="http://schemas.microsoft.com/office/drawing/2010/main" w="9525">
                     <a:solidFill>
                       <a:srgbClr val="000000"/>
                     </a:solidFill>
@@ -10528,8 +10528,8 @@
                 <a:noFill/>
               </a:ln>
               <a:extLst>
-                <a:ext uri="{91240B29-F687-4f45-9708-019B960494DF}">
-                  <a14:hiddenLine xmlns="" xmlns:a14="http://schemas.microsoft.com/office/drawing/2010/main" w="9525">
+                <a:ext uri="{91240B29-F687-4F45-9708-019B960494DF}">
+                  <a14:hiddenLine xmlns:a14="http://schemas.microsoft.com/office/drawing/2010/main" w="9525">
                     <a:solidFill>
                       <a:srgbClr val="000000"/>
                     </a:solidFill>
@@ -10590,8 +10590,8 @@
                 <a:noFill/>
               </a:ln>
               <a:extLst>
-                <a:ext uri="{91240B29-F687-4f45-9708-019B960494DF}">
-                  <a14:hiddenLine xmlns="" xmlns:a14="http://schemas.microsoft.com/office/drawing/2010/main" w="9525">
+                <a:ext uri="{91240B29-F687-4F45-9708-019B960494DF}">
+                  <a14:hiddenLine xmlns:a14="http://schemas.microsoft.com/office/drawing/2010/main" w="9525">
                     <a:solidFill>
                       <a:srgbClr val="000000"/>
                     </a:solidFill>
@@ -10680,8 +10680,8 @@
                 <a:noFill/>
               </a:ln>
               <a:extLst>
-                <a:ext uri="{91240B29-F687-4f45-9708-019B960494DF}">
-                  <a14:hiddenLine xmlns="" xmlns:a14="http://schemas.microsoft.com/office/drawing/2010/main" w="9525">
+                <a:ext uri="{91240B29-F687-4F45-9708-019B960494DF}">
+                  <a14:hiddenLine xmlns:a14="http://schemas.microsoft.com/office/drawing/2010/main" w="9525">
                     <a:solidFill>
                       <a:srgbClr val="000000"/>
                     </a:solidFill>
@@ -10714,8 +10714,8 @@
                 <a:noFill/>
               </a:ln>
               <a:extLst>
-                <a:ext uri="{91240B29-F687-4f45-9708-019B960494DF}">
-                  <a14:hiddenLine xmlns="" xmlns:a14="http://schemas.microsoft.com/office/drawing/2010/main" w="9525">
+                <a:ext uri="{91240B29-F687-4F45-9708-019B960494DF}">
+                  <a14:hiddenLine xmlns:a14="http://schemas.microsoft.com/office/drawing/2010/main" w="9525">
                     <a:solidFill>
                       <a:srgbClr val="000000"/>
                     </a:solidFill>
@@ -10779,8 +10779,8 @@
                 <a:noFill/>
               </a:ln>
               <a:extLst>
-                <a:ext uri="{91240B29-F687-4f45-9708-019B960494DF}">
-                  <a14:hiddenLine xmlns="" xmlns:a14="http://schemas.microsoft.com/office/drawing/2010/main" w="9525">
+                <a:ext uri="{91240B29-F687-4F45-9708-019B960494DF}">
+                  <a14:hiddenLine xmlns:a14="http://schemas.microsoft.com/office/drawing/2010/main" w="9525">
                     <a:solidFill>
                       <a:srgbClr val="000000"/>
                     </a:solidFill>
@@ -10869,8 +10869,8 @@
                 <a:noFill/>
               </a:ln>
               <a:extLst>
-                <a:ext uri="{91240B29-F687-4f45-9708-019B960494DF}">
-                  <a14:hiddenLine xmlns="" xmlns:a14="http://schemas.microsoft.com/office/drawing/2010/main" w="9525">
+                <a:ext uri="{91240B29-F687-4F45-9708-019B960494DF}">
+                  <a14:hiddenLine xmlns:a14="http://schemas.microsoft.com/office/drawing/2010/main" w="9525">
                     <a:solidFill>
                       <a:srgbClr val="000000"/>
                     </a:solidFill>
@@ -10931,8 +10931,8 @@
                 <a:noFill/>
               </a:ln>
               <a:extLst>
-                <a:ext uri="{91240B29-F687-4f45-9708-019B960494DF}">
-                  <a14:hiddenLine xmlns="" xmlns:a14="http://schemas.microsoft.com/office/drawing/2010/main" w="9525">
+                <a:ext uri="{91240B29-F687-4F45-9708-019B960494DF}">
+                  <a14:hiddenLine xmlns:a14="http://schemas.microsoft.com/office/drawing/2010/main" w="9525">
                     <a:solidFill>
                       <a:srgbClr val="000000"/>
                     </a:solidFill>
@@ -11021,8 +11021,8 @@
                 <a:noFill/>
               </a:ln>
               <a:extLst>
-                <a:ext uri="{91240B29-F687-4f45-9708-019B960494DF}">
-                  <a14:hiddenLine xmlns="" xmlns:a14="http://schemas.microsoft.com/office/drawing/2010/main" w="9525">
+                <a:ext uri="{91240B29-F687-4F45-9708-019B960494DF}">
+                  <a14:hiddenLine xmlns:a14="http://schemas.microsoft.com/office/drawing/2010/main" w="9525">
                     <a:solidFill>
                       <a:srgbClr val="000000"/>
                     </a:solidFill>
@@ -11086,8 +11086,8 @@
                 <a:noFill/>
               </a:ln>
               <a:extLst>
-                <a:ext uri="{91240B29-F687-4f45-9708-019B960494DF}">
-                  <a14:hiddenLine xmlns="" xmlns:a14="http://schemas.microsoft.com/office/drawing/2010/main" w="9525">
+                <a:ext uri="{91240B29-F687-4F45-9708-019B960494DF}">
+                  <a14:hiddenLine xmlns:a14="http://schemas.microsoft.com/office/drawing/2010/main" w="9525">
                     <a:solidFill>
                       <a:srgbClr val="000000"/>
                     </a:solidFill>
@@ -11148,8 +11148,8 @@
                 <a:noFill/>
               </a:ln>
               <a:extLst>
-                <a:ext uri="{91240B29-F687-4f45-9708-019B960494DF}">
-                  <a14:hiddenLine xmlns="" xmlns:a14="http://schemas.microsoft.com/office/drawing/2010/main" w="9525">
+                <a:ext uri="{91240B29-F687-4F45-9708-019B960494DF}">
+                  <a14:hiddenLine xmlns:a14="http://schemas.microsoft.com/office/drawing/2010/main" w="9525">
                     <a:solidFill>
                       <a:srgbClr val="000000"/>
                     </a:solidFill>
@@ -11238,8 +11238,8 @@
                 <a:noFill/>
               </a:ln>
               <a:extLst>
-                <a:ext uri="{91240B29-F687-4f45-9708-019B960494DF}">
-                  <a14:hiddenLine xmlns="" xmlns:a14="http://schemas.microsoft.com/office/drawing/2010/main" w="9525">
+                <a:ext uri="{91240B29-F687-4F45-9708-019B960494DF}">
+                  <a14:hiddenLine xmlns:a14="http://schemas.microsoft.com/office/drawing/2010/main" w="9525">
                     <a:solidFill>
                       <a:srgbClr val="000000"/>
                     </a:solidFill>
@@ -11328,8 +11328,8 @@
                 <a:noFill/>
               </a:ln>
               <a:extLst>
-                <a:ext uri="{91240B29-F687-4f45-9708-019B960494DF}">
-                  <a14:hiddenLine xmlns="" xmlns:a14="http://schemas.microsoft.com/office/drawing/2010/main" w="9525">
+                <a:ext uri="{91240B29-F687-4F45-9708-019B960494DF}">
+                  <a14:hiddenLine xmlns:a14="http://schemas.microsoft.com/office/drawing/2010/main" w="9525">
                     <a:solidFill>
                       <a:srgbClr val="000000"/>
                     </a:solidFill>
@@ -11393,8 +11393,8 @@
                 <a:noFill/>
               </a:ln>
               <a:extLst>
-                <a:ext uri="{91240B29-F687-4f45-9708-019B960494DF}">
-                  <a14:hiddenLine xmlns="" xmlns:a14="http://schemas.microsoft.com/office/drawing/2010/main" w="9525">
+                <a:ext uri="{91240B29-F687-4F45-9708-019B960494DF}">
+                  <a14:hiddenLine xmlns:a14="http://schemas.microsoft.com/office/drawing/2010/main" w="9525">
                     <a:solidFill>
                       <a:srgbClr val="000000"/>
                     </a:solidFill>
@@ -11513,8 +11513,8 @@
                 <a:noFill/>
               </a:ln>
               <a:extLst>
-                <a:ext uri="{91240B29-F687-4f45-9708-019B960494DF}">
-                  <a14:hiddenLine xmlns="" xmlns:a14="http://schemas.microsoft.com/office/drawing/2010/main" w="9525">
+                <a:ext uri="{91240B29-F687-4F45-9708-019B960494DF}">
+                  <a14:hiddenLine xmlns:a14="http://schemas.microsoft.com/office/drawing/2010/main" w="9525">
                     <a:solidFill>
                       <a:srgbClr val="000000"/>
                     </a:solidFill>
@@ -11611,8 +11611,8 @@
                 <a:noFill/>
               </a:ln>
               <a:extLst>
-                <a:ext uri="{91240B29-F687-4f45-9708-019B960494DF}">
-                  <a14:hiddenLine xmlns="" xmlns:a14="http://schemas.microsoft.com/office/drawing/2010/main" w="9525">
+                <a:ext uri="{91240B29-F687-4F45-9708-019B960494DF}">
+                  <a14:hiddenLine xmlns:a14="http://schemas.microsoft.com/office/drawing/2010/main" w="9525">
                     <a:solidFill>
                       <a:srgbClr val="000000"/>
                     </a:solidFill>
@@ -11726,8 +11726,8 @@
                 <a:noFill/>
               </a:ln>
               <a:extLst>
-                <a:ext uri="{91240B29-F687-4f45-9708-019B960494DF}">
-                  <a14:hiddenLine xmlns="" xmlns:a14="http://schemas.microsoft.com/office/drawing/2010/main" w="9525">
+                <a:ext uri="{91240B29-F687-4F45-9708-019B960494DF}">
+                  <a14:hiddenLine xmlns:a14="http://schemas.microsoft.com/office/drawing/2010/main" w="9525">
                     <a:solidFill>
                       <a:srgbClr val="000000"/>
                     </a:solidFill>
@@ -11816,8 +11816,8 @@
                 <a:noFill/>
               </a:ln>
               <a:extLst>
-                <a:ext uri="{91240B29-F687-4f45-9708-019B960494DF}">
-                  <a14:hiddenLine xmlns="" xmlns:a14="http://schemas.microsoft.com/office/drawing/2010/main" w="9525">
+                <a:ext uri="{91240B29-F687-4F45-9708-019B960494DF}">
+                  <a14:hiddenLine xmlns:a14="http://schemas.microsoft.com/office/drawing/2010/main" w="9525">
                     <a:solidFill>
                       <a:srgbClr val="000000"/>
                     </a:solidFill>
@@ -11881,8 +11881,8 @@
                 <a:noFill/>
               </a:ln>
               <a:extLst>
-                <a:ext uri="{91240B29-F687-4f45-9708-019B960494DF}">
-                  <a14:hiddenLine xmlns="" xmlns:a14="http://schemas.microsoft.com/office/drawing/2010/main" w="9525">
+                <a:ext uri="{91240B29-F687-4F45-9708-019B960494DF}">
+                  <a14:hiddenLine xmlns:a14="http://schemas.microsoft.com/office/drawing/2010/main" w="9525">
                     <a:solidFill>
                       <a:srgbClr val="000000"/>
                     </a:solidFill>
@@ -11971,8 +11971,8 @@
                 <a:noFill/>
               </a:ln>
               <a:extLst>
-                <a:ext uri="{91240B29-F687-4f45-9708-019B960494DF}">
-                  <a14:hiddenLine xmlns="" xmlns:a14="http://schemas.microsoft.com/office/drawing/2010/main" w="9525">
+                <a:ext uri="{91240B29-F687-4F45-9708-019B960494DF}">
+                  <a14:hiddenLine xmlns:a14="http://schemas.microsoft.com/office/drawing/2010/main" w="9525">
                     <a:solidFill>
                       <a:srgbClr val="000000"/>
                     </a:solidFill>
@@ -12039,8 +12039,8 @@
                 <a:noFill/>
               </a:ln>
               <a:extLst>
-                <a:ext uri="{91240B29-F687-4f45-9708-019B960494DF}">
-                  <a14:hiddenLine xmlns="" xmlns:a14="http://schemas.microsoft.com/office/drawing/2010/main" w="9525">
+                <a:ext uri="{91240B29-F687-4F45-9708-019B960494DF}">
+                  <a14:hiddenLine xmlns:a14="http://schemas.microsoft.com/office/drawing/2010/main" w="9525">
                     <a:solidFill>
                       <a:srgbClr val="000000"/>
                     </a:solidFill>
@@ -12129,8 +12129,8 @@
                 <a:noFill/>
               </a:ln>
               <a:extLst>
-                <a:ext uri="{91240B29-F687-4f45-9708-019B960494DF}">
-                  <a14:hiddenLine xmlns="" xmlns:a14="http://schemas.microsoft.com/office/drawing/2010/main" w="9525">
+                <a:ext uri="{91240B29-F687-4F45-9708-019B960494DF}">
+                  <a14:hiddenLine xmlns:a14="http://schemas.microsoft.com/office/drawing/2010/main" w="9525">
                     <a:solidFill>
                       <a:srgbClr val="000000"/>
                     </a:solidFill>
@@ -12197,8 +12197,8 @@
                 <a:noFill/>
               </a:ln>
               <a:extLst>
-                <a:ext uri="{91240B29-F687-4f45-9708-019B960494DF}">
-                  <a14:hiddenLine xmlns="" xmlns:a14="http://schemas.microsoft.com/office/drawing/2010/main" w="9525">
+                <a:ext uri="{91240B29-F687-4F45-9708-019B960494DF}">
+                  <a14:hiddenLine xmlns:a14="http://schemas.microsoft.com/office/drawing/2010/main" w="9525">
                     <a:solidFill>
                       <a:srgbClr val="000000"/>
                     </a:solidFill>
@@ -12287,8 +12287,8 @@
                 <a:noFill/>
               </a:ln>
               <a:extLst>
-                <a:ext uri="{91240B29-F687-4f45-9708-019B960494DF}">
-                  <a14:hiddenLine xmlns="" xmlns:a14="http://schemas.microsoft.com/office/drawing/2010/main" w="9525">
+                <a:ext uri="{91240B29-F687-4F45-9708-019B960494DF}">
+                  <a14:hiddenLine xmlns:a14="http://schemas.microsoft.com/office/drawing/2010/main" w="9525">
                     <a:solidFill>
                       <a:srgbClr val="000000"/>
                     </a:solidFill>
@@ -12321,8 +12321,8 @@
                 <a:noFill/>
               </a:ln>
               <a:extLst>
-                <a:ext uri="{91240B29-F687-4f45-9708-019B960494DF}">
-                  <a14:hiddenLine xmlns="" xmlns:a14="http://schemas.microsoft.com/office/drawing/2010/main" w="9525">
+                <a:ext uri="{91240B29-F687-4F45-9708-019B960494DF}">
+                  <a14:hiddenLine xmlns:a14="http://schemas.microsoft.com/office/drawing/2010/main" w="9525">
                     <a:solidFill>
                       <a:srgbClr val="000000"/>
                     </a:solidFill>
@@ -12463,7 +12463,7 @@
             <a:fld id="{48A87A34-81AB-432B-8DAE-1953F412C126}" type="datetimeFigureOut">
               <a:rPr lang="en-US" smtClean="0"/>
               <a:pPr/>
-              <a:t>4/1/2019</a:t>
+              <a:t>4/4/2019</a:t>
             </a:fld>
             <a:endParaRPr lang="en-US" dirty="0"/>
           </a:p>
@@ -12889,7 +12889,7 @@
           <p:cNvPr id="2" name="Title 1">
             <a:extLst>
               <a:ext uri="{FF2B5EF4-FFF2-40B4-BE49-F238E27FC236}">
-                <a16:creationId xmlns:a16="http://schemas.microsoft.com/office/drawing/2014/main" id="{C8971EAA-0D3C-48DE-9FFF-6A535ABFC033}"/>
+                <a16:creationId xmlns:a16="http://schemas.microsoft.com/office/drawing/2014/main" xmlns="" id="{C8971EAA-0D3C-48DE-9FFF-6A535ABFC033}"/>
               </a:ext>
             </a:extLst>
           </p:cNvPr>
@@ -12923,7 +12923,7 @@
           <p:cNvPr id="5" name="Subtitle 4">
             <a:extLst>
               <a:ext uri="{FF2B5EF4-FFF2-40B4-BE49-F238E27FC236}">
-                <a16:creationId xmlns:a16="http://schemas.microsoft.com/office/drawing/2014/main" id="{46AD44FD-08F9-4FAD-9C48-D5370D6B5C4A}"/>
+                <a16:creationId xmlns:a16="http://schemas.microsoft.com/office/drawing/2014/main" xmlns="" id="{46AD44FD-08F9-4FAD-9C48-D5370D6B5C4A}"/>
               </a:ext>
             </a:extLst>
           </p:cNvPr>
@@ -13039,7 +13039,7 @@
           <p:cNvPr id="6" name="Picture 5">
             <a:extLst>
               <a:ext uri="{FF2B5EF4-FFF2-40B4-BE49-F238E27FC236}">
-                <a16:creationId xmlns:a16="http://schemas.microsoft.com/office/drawing/2014/main" id="{C04D2CE3-FADE-4444-BF01-5877D5BCC980}"/>
+                <a16:creationId xmlns:a16="http://schemas.microsoft.com/office/drawing/2014/main" xmlns="" id="{C04D2CE3-FADE-4444-BF01-5877D5BCC980}"/>
               </a:ext>
             </a:extLst>
           </p:cNvPr>
@@ -13069,7 +13069,7 @@
           <p:cNvPr id="7" name="Picture 6">
             <a:extLst>
               <a:ext uri="{FF2B5EF4-FFF2-40B4-BE49-F238E27FC236}">
-                <a16:creationId xmlns:a16="http://schemas.microsoft.com/office/drawing/2014/main" id="{2A8D4E12-6DAC-43E1-B8A5-DAB48EDC7D6E}"/>
+                <a16:creationId xmlns:a16="http://schemas.microsoft.com/office/drawing/2014/main" xmlns="" id="{2A8D4E12-6DAC-43E1-B8A5-DAB48EDC7D6E}"/>
               </a:ext>
             </a:extLst>
           </p:cNvPr>
@@ -13099,7 +13099,7 @@
           <p:cNvPr id="8" name="Picture 7">
             <a:extLst>
               <a:ext uri="{FF2B5EF4-FFF2-40B4-BE49-F238E27FC236}">
-                <a16:creationId xmlns:a16="http://schemas.microsoft.com/office/drawing/2014/main" id="{DEC9A47A-34DF-4FB6-877F-3C1541D6D98D}"/>
+                <a16:creationId xmlns:a16="http://schemas.microsoft.com/office/drawing/2014/main" xmlns="" id="{DEC9A47A-34DF-4FB6-877F-3C1541D6D98D}"/>
               </a:ext>
             </a:extLst>
           </p:cNvPr>
@@ -13129,7 +13129,7 @@
           <p:cNvPr id="9" name="Picture 8">
             <a:extLst>
               <a:ext uri="{FF2B5EF4-FFF2-40B4-BE49-F238E27FC236}">
-                <a16:creationId xmlns:a16="http://schemas.microsoft.com/office/drawing/2014/main" id="{75A97654-9ACF-43A2-BA5E-3ACE534F6BB1}"/>
+                <a16:creationId xmlns:a16="http://schemas.microsoft.com/office/drawing/2014/main" xmlns="" id="{75A97654-9ACF-43A2-BA5E-3ACE534F6BB1}"/>
               </a:ext>
             </a:extLst>
           </p:cNvPr>
@@ -13159,7 +13159,7 @@
           <p:cNvPr id="10" name="Picture 9">
             <a:extLst>
               <a:ext uri="{FF2B5EF4-FFF2-40B4-BE49-F238E27FC236}">
-                <a16:creationId xmlns:a16="http://schemas.microsoft.com/office/drawing/2014/main" id="{9B7E195B-B314-46BB-9947-09C095EEE81B}"/>
+                <a16:creationId xmlns:a16="http://schemas.microsoft.com/office/drawing/2014/main" xmlns="" id="{9B7E195B-B314-46BB-9947-09C095EEE81B}"/>
               </a:ext>
             </a:extLst>
           </p:cNvPr>
@@ -13189,7 +13189,7 @@
           <p:cNvPr id="11" name="Picture 10">
             <a:extLst>
               <a:ext uri="{FF2B5EF4-FFF2-40B4-BE49-F238E27FC236}">
-                <a16:creationId xmlns:a16="http://schemas.microsoft.com/office/drawing/2014/main" id="{EBF10B3E-7F59-4AE2-B659-45D4C2DBBC08}"/>
+                <a16:creationId xmlns:a16="http://schemas.microsoft.com/office/drawing/2014/main" xmlns="" id="{EBF10B3E-7F59-4AE2-B659-45D4C2DBBC08}"/>
               </a:ext>
             </a:extLst>
           </p:cNvPr>
@@ -13219,7 +13219,7 @@
           <p:cNvPr id="12" name="Picture 11">
             <a:extLst>
               <a:ext uri="{FF2B5EF4-FFF2-40B4-BE49-F238E27FC236}">
-                <a16:creationId xmlns:a16="http://schemas.microsoft.com/office/drawing/2014/main" id="{F3A2CC9D-FB19-4D63-894F-B0AE04B6056D}"/>
+                <a16:creationId xmlns:a16="http://schemas.microsoft.com/office/drawing/2014/main" xmlns="" id="{F3A2CC9D-FB19-4D63-894F-B0AE04B6056D}"/>
               </a:ext>
             </a:extLst>
           </p:cNvPr>
@@ -13249,7 +13249,7 @@
           <p:cNvPr id="14" name="TextBox 13">
             <a:extLst>
               <a:ext uri="{FF2B5EF4-FFF2-40B4-BE49-F238E27FC236}">
-                <a16:creationId xmlns:a16="http://schemas.microsoft.com/office/drawing/2014/main" id="{6F9E1177-B80E-4CEF-A256-343DFAE24982}"/>
+                <a16:creationId xmlns:a16="http://schemas.microsoft.com/office/drawing/2014/main" xmlns="" id="{6F9E1177-B80E-4CEF-A256-343DFAE24982}"/>
               </a:ext>
             </a:extLst>
           </p:cNvPr>
@@ -13353,19 +13353,245 @@
             <p:ph sz="half" idx="1"/>
           </p:nvPr>
         </p:nvSpPr>
-        <p:spPr/>
+        <p:spPr>
+          <a:xfrm>
+            <a:off x="1280203" y="1751465"/>
+            <a:ext cx="4304167" cy="1791835"/>
+          </a:xfrm>
+        </p:spPr>
         <p:txBody>
-          <a:bodyPr/>
+          <a:bodyPr>
+            <a:normAutofit fontScale="55000" lnSpcReduction="20000"/>
+          </a:bodyPr>
           <a:lstStyle/>
           <a:p>
             <a:r>
               <a:rPr lang="en-IN" dirty="0" smtClean="0"/>
-              <a:t>Why histogram classifier did not work?</a:t>
+              <a:t>Why did Histogram classifier not work?</a:t>
+            </a:r>
+          </a:p>
+          <a:p>
+            <a:pPr>
+              <a:buFont typeface="Wingdings"/>
+              <a:buChar char="Ø"/>
+            </a:pPr>
+            <a:r>
+              <a:rPr lang="en-IN" dirty="0" smtClean="0"/>
+              <a:t>Say, we use 8 PC features, and 8 bins, we have ~17million bins in a histogram, but only 28709 data points. So, very sparsely populated histogram.</a:t>
+            </a:r>
+          </a:p>
+          <a:p>
+            <a:pPr>
+              <a:buFont typeface="Wingdings"/>
+              <a:buChar char="Ø"/>
+            </a:pPr>
+            <a:r>
+              <a:rPr lang="en-IN" dirty="0" smtClean="0"/>
+              <a:t>When we look to predict with such a histogram, bins corresponding to queries are likely empty, resulting in no prediction.</a:t>
             </a:r>
             <a:endParaRPr lang="en-IN" dirty="0"/>
           </a:p>
         </p:txBody>
       </p:sp>
+      <p:sp>
+        <p:nvSpPr>
+          <p:cNvPr id="4" name="Content Placeholder 2"/>
+          <p:cNvSpPr>
+            <a:spLocks noGrp="1"/>
+          </p:cNvSpPr>
+          <p:nvPr>
+            <p:ph sz="half" idx="1"/>
+          </p:nvPr>
+        </p:nvSpPr>
+        <p:spPr>
+          <a:xfrm>
+            <a:off x="1318304" y="3731079"/>
+            <a:ext cx="5860144" cy="2837180"/>
+          </a:xfrm>
+        </p:spPr>
+        <p:txBody>
+          <a:bodyPr>
+            <a:noAutofit/>
+          </a:bodyPr>
+          <a:lstStyle/>
+          <a:p>
+            <a:r>
+              <a:rPr lang="en-IN" sz="1300" dirty="0"/>
+              <a:t>Bayesian classifier accuracy falls after a certain number of Principal Components</a:t>
+            </a:r>
+          </a:p>
+          <a:p>
+            <a:pPr>
+              <a:lnSpc>
+                <a:spcPct val="100000"/>
+              </a:lnSpc>
+              <a:buFont typeface="Wingdings"/>
+              <a:buChar char="Ø"/>
+            </a:pPr>
+            <a:r>
+              <a:rPr lang="en-IN" sz="1300" dirty="0"/>
+              <a:t>PCA gave us 2304 PCs. And initially, </a:t>
+            </a:r>
+            <a:r>
+              <a:rPr lang="en-IN" sz="1300" dirty="0" smtClean="0"/>
+              <a:t>for the </a:t>
+            </a:r>
+            <a:r>
+              <a:rPr lang="en-IN" sz="1300" dirty="0"/>
+              <a:t>first </a:t>
+            </a:r>
+            <a:r>
+              <a:rPr lang="en-IN" sz="1300" dirty="0" smtClean="0"/>
+              <a:t>~360 </a:t>
+            </a:r>
+            <a:r>
+              <a:rPr lang="en-IN" sz="1300" dirty="0"/>
+              <a:t>components, adding them </a:t>
+            </a:r>
+            <a:r>
+              <a:rPr lang="en-IN" sz="1300" dirty="0" smtClean="0"/>
+              <a:t>to training set improved the </a:t>
+            </a:r>
+            <a:r>
+              <a:rPr lang="en-IN" sz="1300" dirty="0"/>
+              <a:t>accuracy. But beyond that, accuracy </a:t>
+            </a:r>
+            <a:r>
+              <a:rPr lang="en-IN" sz="1300" dirty="0" smtClean="0"/>
+              <a:t>started </a:t>
+            </a:r>
+            <a:r>
+              <a:rPr lang="en-IN" sz="1300" dirty="0"/>
+              <a:t>to decline.</a:t>
+            </a:r>
+          </a:p>
+          <a:p>
+            <a:pPr>
+              <a:lnSpc>
+                <a:spcPct val="100000"/>
+              </a:lnSpc>
+              <a:buFont typeface="Wingdings"/>
+              <a:buChar char="Ø"/>
+            </a:pPr>
+            <a:r>
+              <a:rPr lang="en-IN" sz="1300" dirty="0" smtClean="0"/>
+              <a:t>Beyond 370 PCs, the covariance matrices get quite large, and unstable. Many cases, the determinant evaluates to a negative value, preventing predictions as well.</a:t>
+            </a:r>
+          </a:p>
+          <a:p>
+            <a:pPr marL="0" indent="0">
+              <a:lnSpc>
+                <a:spcPct val="100000"/>
+              </a:lnSpc>
+              <a:buNone/>
+            </a:pPr>
+            <a:r>
+              <a:rPr lang="en-IN" sz="1300" dirty="0" smtClean="0"/>
+              <a:t>NOTE: even for lesser number of PCs, switched to ‘</a:t>
+            </a:r>
+            <a:r>
+              <a:rPr lang="en-IN" sz="1300" dirty="0" err="1" smtClean="0"/>
+              <a:t>numpy.linalg.slogdet</a:t>
+            </a:r>
+            <a:r>
+              <a:rPr lang="en-IN" sz="1300" dirty="0" smtClean="0"/>
+              <a:t>()’ and determined ‘pdf’ on a log scale, as </a:t>
+            </a:r>
+            <a:r>
+              <a:rPr lang="en-IN" sz="1300" dirty="0"/>
+              <a:t>‘</a:t>
+            </a:r>
+            <a:r>
+              <a:rPr lang="en-IN" sz="1300" dirty="0" err="1" smtClean="0"/>
+              <a:t>numpy.linalg.det</a:t>
+            </a:r>
+            <a:r>
+              <a:rPr lang="en-IN" sz="1300" dirty="0" smtClean="0"/>
+              <a:t>()’ fails with</a:t>
+            </a:r>
+            <a:r>
+              <a:rPr lang="en-IN" sz="1300" dirty="0"/>
+              <a:t> “</a:t>
+            </a:r>
+            <a:r>
+              <a:rPr lang="en-US" sz="1300" dirty="0" err="1"/>
+              <a:t>RuntimeWarning</a:t>
+            </a:r>
+            <a:r>
+              <a:rPr lang="en-US" sz="1300" dirty="0"/>
+              <a:t>: overflow encountered</a:t>
+            </a:r>
+            <a:r>
+              <a:rPr lang="en-IN" sz="1300" dirty="0"/>
+              <a:t>”.</a:t>
+            </a:r>
+          </a:p>
+          <a:p>
+            <a:pPr>
+              <a:lnSpc>
+                <a:spcPct val="100000"/>
+              </a:lnSpc>
+              <a:buFont typeface="Wingdings"/>
+              <a:buChar char="Ø"/>
+            </a:pPr>
+            <a:endParaRPr lang="en-IN" sz="1300" dirty="0"/>
+          </a:p>
+        </p:txBody>
+      </p:sp>
+      <p:pic>
+        <p:nvPicPr>
+          <p:cNvPr id="1026" name="Picture 2"/>
+          <p:cNvPicPr>
+            <a:picLocks noChangeAspect="1" noChangeArrowheads="1"/>
+          </p:cNvPicPr>
+          <p:nvPr/>
+        </p:nvPicPr>
+        <p:blipFill>
+          <a:blip r:embed="rId2">
+            <a:extLst>
+              <a:ext uri="{28A0092B-C50C-407E-A947-70E740481C1C}">
+                <a14:useLocalDpi xmlns:a14="http://schemas.microsoft.com/office/drawing/2010/main" val="0"/>
+              </a:ext>
+            </a:extLst>
+          </a:blip>
+          <a:srcRect/>
+          <a:stretch>
+            <a:fillRect/>
+          </a:stretch>
+        </p:blipFill>
+        <p:spPr bwMode="auto">
+          <a:xfrm>
+            <a:off x="7186613" y="3335571"/>
+            <a:ext cx="4088267" cy="3092862"/>
+          </a:xfrm>
+          <a:prstGeom prst="rect">
+            <a:avLst/>
+          </a:prstGeom>
+          <a:noFill/>
+          <a:ln>
+            <a:noFill/>
+          </a:ln>
+          <a:extLst>
+            <a:ext uri="{909E8E84-426E-40DD-AFC4-6F175D3DCCD1}">
+              <a14:hiddenFill xmlns:a14="http://schemas.microsoft.com/office/drawing/2010/main">
+                <a:solidFill>
+                  <a:schemeClr val="accent1"/>
+                </a:solidFill>
+              </a14:hiddenFill>
+            </a:ext>
+            <a:ext uri="{91240B29-F687-4F45-9708-019B960494DF}">
+              <a14:hiddenLine xmlns:a14="http://schemas.microsoft.com/office/drawing/2010/main" w="9525">
+                <a:solidFill>
+                  <a:schemeClr val="tx1"/>
+                </a:solidFill>
+                <a:miter lim="800000"/>
+                <a:headEnd/>
+                <a:tailEnd/>
+              </a14:hiddenLine>
+            </a:ext>
+          </a:extLst>
+        </p:spPr>
+      </p:pic>
     </p:spTree>
     <p:extLst>
       <p:ext uri="{BB962C8B-B14F-4D97-AF65-F5344CB8AC3E}">
@@ -13408,7 +13634,7 @@
           <p:cNvPr id="2" name="Title 1">
             <a:extLst>
               <a:ext uri="{FF2B5EF4-FFF2-40B4-BE49-F238E27FC236}">
-                <a16:creationId xmlns:a16="http://schemas.microsoft.com/office/drawing/2014/main" id="{58293DE5-6A3F-4CB5-9B2D-B26F445310F7}"/>
+                <a16:creationId xmlns:a16="http://schemas.microsoft.com/office/drawing/2014/main" xmlns="" id="{58293DE5-6A3F-4CB5-9B2D-B26F445310F7}"/>
               </a:ext>
             </a:extLst>
           </p:cNvPr>
@@ -13446,7 +13672,7 @@
           <p:cNvPr id="3" name="Content Placeholder 2">
             <a:extLst>
               <a:ext uri="{FF2B5EF4-FFF2-40B4-BE49-F238E27FC236}">
-                <a16:creationId xmlns:a16="http://schemas.microsoft.com/office/drawing/2014/main" id="{AEF930C9-DE34-42D1-B51C-D4367365A454}"/>
+                <a16:creationId xmlns:a16="http://schemas.microsoft.com/office/drawing/2014/main" xmlns="" id="{AEF930C9-DE34-42D1-B51C-D4367365A454}"/>
               </a:ext>
             </a:extLst>
           </p:cNvPr>
@@ -13460,7 +13686,7 @@
         <p:spPr/>
         <p:txBody>
           <a:bodyPr>
-            <a:normAutofit/>
+            <a:normAutofit fontScale="92500" lnSpcReduction="10000"/>
           </a:bodyPr>
           <a:lstStyle/>
           <a:p>
@@ -13470,13 +13696,45 @@
             </a:r>
             <a:r>
               <a:rPr lang="en-US" dirty="0" smtClean="0"/>
-              <a:t>size</a:t>
-            </a:r>
-          </a:p>
-          <a:p>
+              <a:t>size: </a:t>
+            </a:r>
+            <a:r>
+              <a:rPr lang="en-US" dirty="0"/>
+              <a:t>28709 </a:t>
+            </a:r>
             <a:r>
               <a:rPr lang="en-US" dirty="0" smtClean="0"/>
+              <a:t>samples (80% of complete set), each 2304 features long (48x48 grayscale image)</a:t>
+            </a:r>
+          </a:p>
+          <a:p>
+            <a:r>
+              <a:rPr lang="en-US" dirty="0" smtClean="0">
+                <a:solidFill>
+                  <a:srgbClr val="FF0000"/>
+                </a:solidFill>
+              </a:rPr>
               <a:t>***elaborate count info</a:t>
+            </a:r>
+          </a:p>
+          <a:p>
+            <a:r>
+              <a:rPr lang="en-US" dirty="0" smtClean="0"/>
+              <a:t>Class counts: [3995</a:t>
+            </a:r>
+            <a:r>
+              <a:rPr lang="en-US" dirty="0"/>
+              <a:t>, 436, 4097, 7215, 4830, 3171, 4965</a:t>
+            </a:r>
+            <a:r>
+              <a:rPr lang="en-US" dirty="0" smtClean="0"/>
+              <a:t>]</a:t>
+            </a:r>
+          </a:p>
+          <a:p>
+            <a:r>
+              <a:rPr lang="en-US" dirty="0" smtClean="0"/>
+              <a:t>Test set: 3589 samples (10% of complete set)</a:t>
             </a:r>
             <a:endParaRPr lang="en-US" dirty="0"/>
           </a:p>
@@ -13487,7 +13745,7 @@
           <p:cNvPr id="4" name="Content Placeholder 3">
             <a:extLst>
               <a:ext uri="{FF2B5EF4-FFF2-40B4-BE49-F238E27FC236}">
-                <a16:creationId xmlns:a16="http://schemas.microsoft.com/office/drawing/2014/main" id="{B2018AEE-6A81-49B2-AD03-CBA865B5659F}"/>
+                <a16:creationId xmlns:a16="http://schemas.microsoft.com/office/drawing/2014/main" xmlns="" id="{B2018AEE-6A81-49B2-AD03-CBA865B5659F}"/>
               </a:ext>
             </a:extLst>
           </p:cNvPr>
@@ -13500,13 +13758,13 @@
         </p:nvSpPr>
         <p:spPr>
           <a:xfrm>
-            <a:off x="4545496" y="2249486"/>
-            <a:ext cx="6501915" cy="3541714"/>
+            <a:off x="6090557" y="2249486"/>
+            <a:ext cx="4956854" cy="3541714"/>
           </a:xfrm>
         </p:spPr>
         <p:txBody>
           <a:bodyPr>
-            <a:normAutofit/>
+            <a:normAutofit fontScale="92500" lnSpcReduction="10000"/>
           </a:bodyPr>
           <a:lstStyle/>
           <a:p>
@@ -13610,7 +13868,7 @@
           <p:cNvPr id="6" name="Picture 5">
             <a:extLst>
               <a:ext uri="{FF2B5EF4-FFF2-40B4-BE49-F238E27FC236}">
-                <a16:creationId xmlns:a16="http://schemas.microsoft.com/office/drawing/2014/main" id="{5D56938D-3BE8-CE48-AA21-BE82D471014E}"/>
+                <a16:creationId xmlns:a16="http://schemas.microsoft.com/office/drawing/2014/main" xmlns="" id="{5D56938D-3BE8-CE48-AA21-BE82D471014E}"/>
               </a:ext>
             </a:extLst>
           </p:cNvPr>
@@ -13640,7 +13898,7 @@
           <p:cNvPr id="7" name="TextBox 6">
             <a:extLst>
               <a:ext uri="{FF2B5EF4-FFF2-40B4-BE49-F238E27FC236}">
-                <a16:creationId xmlns:a16="http://schemas.microsoft.com/office/drawing/2014/main" id="{D915B283-25CC-1646-BC03-AAA3C5A9F1CF}"/>
+                <a16:creationId xmlns:a16="http://schemas.microsoft.com/office/drawing/2014/main" xmlns="" id="{D915B283-25CC-1646-BC03-AAA3C5A9F1CF}"/>
               </a:ext>
             </a:extLst>
           </p:cNvPr>
@@ -13675,7 +13933,7 @@
           <p:cNvPr id="8" name="TextBox 7">
             <a:extLst>
               <a:ext uri="{FF2B5EF4-FFF2-40B4-BE49-F238E27FC236}">
-                <a16:creationId xmlns:a16="http://schemas.microsoft.com/office/drawing/2014/main" id="{77363FA3-080C-7D46-AEA8-CC10D34C1207}"/>
+                <a16:creationId xmlns:a16="http://schemas.microsoft.com/office/drawing/2014/main" xmlns="" id="{77363FA3-080C-7D46-AEA8-CC10D34C1207}"/>
               </a:ext>
             </a:extLst>
           </p:cNvPr>
@@ -13710,7 +13968,7 @@
           <p:cNvPr id="9" name="Picture 8">
             <a:extLst>
               <a:ext uri="{FF2B5EF4-FFF2-40B4-BE49-F238E27FC236}">
-                <a16:creationId xmlns:a16="http://schemas.microsoft.com/office/drawing/2014/main" id="{FF582211-B22A-104F-8420-2A250CBCAA9E}"/>
+                <a16:creationId xmlns:a16="http://schemas.microsoft.com/office/drawing/2014/main" xmlns="" id="{FF582211-B22A-104F-8420-2A250CBCAA9E}"/>
               </a:ext>
             </a:extLst>
           </p:cNvPr>
@@ -13740,7 +13998,7 @@
           <p:cNvPr id="10" name="Picture 9">
             <a:extLst>
               <a:ext uri="{FF2B5EF4-FFF2-40B4-BE49-F238E27FC236}">
-                <a16:creationId xmlns:a16="http://schemas.microsoft.com/office/drawing/2014/main" id="{64C88E78-58A0-AA4F-8247-DD709B7A6D22}"/>
+                <a16:creationId xmlns:a16="http://schemas.microsoft.com/office/drawing/2014/main" xmlns="" id="{64C88E78-58A0-AA4F-8247-DD709B7A6D22}"/>
               </a:ext>
             </a:extLst>
           </p:cNvPr>
@@ -13770,7 +14028,7 @@
           <p:cNvPr id="11" name="Picture 10">
             <a:extLst>
               <a:ext uri="{FF2B5EF4-FFF2-40B4-BE49-F238E27FC236}">
-                <a16:creationId xmlns:a16="http://schemas.microsoft.com/office/drawing/2014/main" id="{58BB88A8-9BD7-0741-B3D1-AF9BD689186F}"/>
+                <a16:creationId xmlns:a16="http://schemas.microsoft.com/office/drawing/2014/main" xmlns="" id="{58BB88A8-9BD7-0741-B3D1-AF9BD689186F}"/>
               </a:ext>
             </a:extLst>
           </p:cNvPr>
@@ -13800,7 +14058,7 @@
           <p:cNvPr id="12" name="Picture 11">
             <a:extLst>
               <a:ext uri="{FF2B5EF4-FFF2-40B4-BE49-F238E27FC236}">
-                <a16:creationId xmlns:a16="http://schemas.microsoft.com/office/drawing/2014/main" id="{E7ACC8CD-4378-9048-8D98-21A2B9229B32}"/>
+                <a16:creationId xmlns:a16="http://schemas.microsoft.com/office/drawing/2014/main" xmlns="" id="{E7ACC8CD-4378-9048-8D98-21A2B9229B32}"/>
               </a:ext>
             </a:extLst>
           </p:cNvPr>
@@ -13830,7 +14088,7 @@
           <p:cNvPr id="13" name="Picture 12">
             <a:extLst>
               <a:ext uri="{FF2B5EF4-FFF2-40B4-BE49-F238E27FC236}">
-                <a16:creationId xmlns:a16="http://schemas.microsoft.com/office/drawing/2014/main" id="{8241D1AC-3E3B-4B48-BA98-D299381640D0}"/>
+                <a16:creationId xmlns:a16="http://schemas.microsoft.com/office/drawing/2014/main" xmlns="" id="{8241D1AC-3E3B-4B48-BA98-D299381640D0}"/>
               </a:ext>
             </a:extLst>
           </p:cNvPr>
@@ -13860,7 +14118,7 @@
           <p:cNvPr id="14" name="Picture 13">
             <a:extLst>
               <a:ext uri="{FF2B5EF4-FFF2-40B4-BE49-F238E27FC236}">
-                <a16:creationId xmlns:a16="http://schemas.microsoft.com/office/drawing/2014/main" id="{E0EA4702-2322-264D-A590-075F66A6A62D}"/>
+                <a16:creationId xmlns:a16="http://schemas.microsoft.com/office/drawing/2014/main" xmlns="" id="{E0EA4702-2322-264D-A590-075F66A6A62D}"/>
               </a:ext>
             </a:extLst>
           </p:cNvPr>
@@ -13890,7 +14148,7 @@
           <p:cNvPr id="15" name="TextBox 14">
             <a:extLst>
               <a:ext uri="{FF2B5EF4-FFF2-40B4-BE49-F238E27FC236}">
-                <a16:creationId xmlns:a16="http://schemas.microsoft.com/office/drawing/2014/main" id="{37F33105-3CB6-5448-993D-18286D514369}"/>
+                <a16:creationId xmlns:a16="http://schemas.microsoft.com/office/drawing/2014/main" xmlns="" id="{37F33105-3CB6-5448-993D-18286D514369}"/>
               </a:ext>
             </a:extLst>
           </p:cNvPr>
@@ -13929,7 +14187,7 @@
           <p:cNvPr id="16" name="TextBox 15">
             <a:extLst>
               <a:ext uri="{FF2B5EF4-FFF2-40B4-BE49-F238E27FC236}">
-                <a16:creationId xmlns:a16="http://schemas.microsoft.com/office/drawing/2014/main" id="{2D9E2BE1-00EA-4649-A03B-4CA2B529D5AD}"/>
+                <a16:creationId xmlns:a16="http://schemas.microsoft.com/office/drawing/2014/main" xmlns="" id="{2D9E2BE1-00EA-4649-A03B-4CA2B529D5AD}"/>
               </a:ext>
             </a:extLst>
           </p:cNvPr>
@@ -13968,7 +14226,7 @@
           <p:cNvPr id="17" name="TextBox 16">
             <a:extLst>
               <a:ext uri="{FF2B5EF4-FFF2-40B4-BE49-F238E27FC236}">
-                <a16:creationId xmlns:a16="http://schemas.microsoft.com/office/drawing/2014/main" id="{A97E85AB-C406-4348-9B0F-C64047D9B338}"/>
+                <a16:creationId xmlns:a16="http://schemas.microsoft.com/office/drawing/2014/main" xmlns="" id="{A97E85AB-C406-4348-9B0F-C64047D9B338}"/>
               </a:ext>
             </a:extLst>
           </p:cNvPr>
@@ -14007,7 +14265,7 @@
           <p:cNvPr id="2" name="Rectangle 1">
             <a:extLst>
               <a:ext uri="{FF2B5EF4-FFF2-40B4-BE49-F238E27FC236}">
-                <a16:creationId xmlns:a16="http://schemas.microsoft.com/office/drawing/2014/main" id="{E3222E19-2670-4835-9385-7B4B7C92EB90}"/>
+                <a16:creationId xmlns:a16="http://schemas.microsoft.com/office/drawing/2014/main" xmlns="" id="{E3222E19-2670-4835-9385-7B4B7C92EB90}"/>
               </a:ext>
             </a:extLst>
           </p:cNvPr>
@@ -14180,7 +14438,7 @@
           <p:cNvPr id="2" name="Title 1">
             <a:extLst>
               <a:ext uri="{FF2B5EF4-FFF2-40B4-BE49-F238E27FC236}">
-                <a16:creationId xmlns:a16="http://schemas.microsoft.com/office/drawing/2014/main" id="{DACA88CE-21C6-4B0E-A7F8-45202789E753}"/>
+                <a16:creationId xmlns:a16="http://schemas.microsoft.com/office/drawing/2014/main" xmlns="" id="{DACA88CE-21C6-4B0E-A7F8-45202789E753}"/>
               </a:ext>
             </a:extLst>
           </p:cNvPr>
@@ -14213,7 +14471,7 @@
           <p:cNvPr id="3" name="Content Placeholder 2">
             <a:extLst>
               <a:ext uri="{FF2B5EF4-FFF2-40B4-BE49-F238E27FC236}">
-                <a16:creationId xmlns:a16="http://schemas.microsoft.com/office/drawing/2014/main" id="{FA0C8D5D-E5D2-44E2-84C9-DB263BC00B11}"/>
+                <a16:creationId xmlns:a16="http://schemas.microsoft.com/office/drawing/2014/main" xmlns="" id="{FA0C8D5D-E5D2-44E2-84C9-DB263BC00B11}"/>
               </a:ext>
             </a:extLst>
           </p:cNvPr>
@@ -14238,7 +14496,7 @@
           <p:cNvPr id="4" name="Content Placeholder 3">
             <a:extLst>
               <a:ext uri="{FF2B5EF4-FFF2-40B4-BE49-F238E27FC236}">
-                <a16:creationId xmlns:a16="http://schemas.microsoft.com/office/drawing/2014/main" id="{18B30F1E-0F8D-4C56-9A12-89065408D6AB}"/>
+                <a16:creationId xmlns:a16="http://schemas.microsoft.com/office/drawing/2014/main" xmlns="" id="{18B30F1E-0F8D-4C56-9A12-89065408D6AB}"/>
               </a:ext>
             </a:extLst>
           </p:cNvPr>
@@ -14300,7 +14558,7 @@
           <p:cNvPr id="2" name="Title 1">
             <a:extLst>
               <a:ext uri="{FF2B5EF4-FFF2-40B4-BE49-F238E27FC236}">
-                <a16:creationId xmlns:a16="http://schemas.microsoft.com/office/drawing/2014/main" id="{C55C24C6-B163-4227-BDFA-DB2684557434}"/>
+                <a16:creationId xmlns:a16="http://schemas.microsoft.com/office/drawing/2014/main" xmlns="" id="{C55C24C6-B163-4227-BDFA-DB2684557434}"/>
               </a:ext>
             </a:extLst>
           </p:cNvPr>
@@ -14328,7 +14586,7 @@
           <p:cNvPr id="5" name="Picture 4">
             <a:extLst>
               <a:ext uri="{FF2B5EF4-FFF2-40B4-BE49-F238E27FC236}">
-                <a16:creationId xmlns:a16="http://schemas.microsoft.com/office/drawing/2014/main" id="{C6DCA446-9741-F641-9A2E-EBE48C542704}"/>
+                <a16:creationId xmlns:a16="http://schemas.microsoft.com/office/drawing/2014/main" xmlns="" id="{C6DCA446-9741-F641-9A2E-EBE48C542704}"/>
               </a:ext>
             </a:extLst>
           </p:cNvPr>
@@ -14358,7 +14616,7 @@
           <p:cNvPr id="7" name="TextBox 6">
             <a:extLst>
               <a:ext uri="{FF2B5EF4-FFF2-40B4-BE49-F238E27FC236}">
-                <a16:creationId xmlns:a16="http://schemas.microsoft.com/office/drawing/2014/main" id="{8D0767D8-301B-0741-A1B6-F8297F8239C8}"/>
+                <a16:creationId xmlns:a16="http://schemas.microsoft.com/office/drawing/2014/main" xmlns="" id="{8D0767D8-301B-0741-A1B6-F8297F8239C8}"/>
               </a:ext>
             </a:extLst>
           </p:cNvPr>
@@ -14407,13 +14665,8 @@
           <a:p>
             <a:r>
               <a:rPr lang="en-US" sz="2400" dirty="0"/>
-              <a:t>Attempted to use PCA, yet accuracy was </a:t>
-            </a:r>
-            <a:r>
-              <a:rPr lang="en-US" sz="2400"/>
-              <a:t>much worse</a:t>
-            </a:r>
-            <a:endParaRPr lang="en-US" sz="2400" dirty="0"/>
+              <a:t>Attempted to use PCA, yet accuracy was much worse</a:t>
+            </a:r>
           </a:p>
         </p:txBody>
       </p:sp>
@@ -14487,31 +14740,63 @@
             <p:ph sz="half" idx="1"/>
           </p:nvPr>
         </p:nvSpPr>
-        <p:spPr/>
+        <p:spPr>
+          <a:xfrm>
+            <a:off x="1141410" y="1959429"/>
+            <a:ext cx="4878389" cy="3831771"/>
+          </a:xfrm>
+        </p:spPr>
         <p:txBody>
-          <a:bodyPr/>
+          <a:bodyPr>
+            <a:normAutofit/>
+          </a:bodyPr>
           <a:lstStyle/>
           <a:p>
-            <a:endParaRPr lang="en-IN"/>
-          </a:p>
-        </p:txBody>
-      </p:sp>
-      <p:sp>
-        <p:nvSpPr>
-          <p:cNvPr id="4" name="Content Placeholder 3"/>
-          <p:cNvSpPr>
-            <a:spLocks noGrp="1"/>
-          </p:cNvSpPr>
-          <p:nvPr>
-            <p:ph sz="half" idx="2"/>
-          </p:nvPr>
-        </p:nvSpPr>
-        <p:spPr/>
-        <p:txBody>
-          <a:bodyPr/>
-          <a:lstStyle/>
-          <a:p>
-            <a:endParaRPr lang="en-IN"/>
+            <a:r>
+              <a:rPr lang="en-IN" sz="1300" dirty="0" smtClean="0"/>
+              <a:t>Trained on all 2304 original components, gave low accuracy of 18.86%</a:t>
+            </a:r>
+          </a:p>
+          <a:p>
+            <a:r>
+              <a:rPr lang="en-IN" sz="1300" dirty="0" smtClean="0"/>
+              <a:t>Performed PCA, and got better accuracy of 44.25% with first 360 PCs</a:t>
+            </a:r>
+          </a:p>
+          <a:p>
+            <a:r>
+              <a:rPr lang="en-IN" sz="1300" dirty="0" smtClean="0"/>
+              <a:t>Tried couple of other approaches </a:t>
+            </a:r>
+            <a:endParaRPr lang="en-IN" sz="1300" dirty="0"/>
+          </a:p>
+          <a:p>
+            <a:pPr marL="342900" indent="-342900">
+              <a:buAutoNum type="alphaLcPeriod"/>
+            </a:pPr>
+            <a:r>
+              <a:rPr lang="en-IN" sz="1300" dirty="0" smtClean="0"/>
+              <a:t>augment the training set with 3 &amp; 6 degree rotations, </a:t>
+            </a:r>
+          </a:p>
+          <a:p>
+            <a:pPr marL="342900" indent="-342900">
+              <a:buAutoNum type="alphaLcPeriod"/>
+            </a:pPr>
+            <a:r>
+              <a:rPr lang="en-IN" sz="1300" dirty="0" smtClean="0"/>
+              <a:t>balance the training set with random over-sampling </a:t>
+            </a:r>
+          </a:p>
+          <a:p>
+            <a:pPr marL="0" indent="0">
+              <a:buNone/>
+            </a:pPr>
+            <a:r>
+              <a:rPr lang="en-IN" sz="1300" dirty="0" smtClean="0"/>
+              <a:t>to get accuracy of 42.46% and 43.83%, respectively</a:t>
+            </a:r>
+            <a:endParaRPr lang="en-IN" sz="1300" dirty="0"/>
           </a:p>
         </p:txBody>
       </p:sp>
@@ -14683,14 +14968,14 @@
             <p:ph sz="half" idx="1"/>
             <p:extLst>
               <p:ext uri="{D42A27DB-BD31-4B8C-83A1-F6EECF244321}">
-                <p14:modId xmlns:p14="http://schemas.microsoft.com/office/powerpoint/2010/main" val="2311923243"/>
+                <p14:modId xmlns:p14="http://schemas.microsoft.com/office/powerpoint/2010/main" val="3769771017"/>
               </p:ext>
             </p:extLst>
           </p:nvPr>
         </p:nvGraphicFramePr>
         <p:xfrm>
-          <a:off x="631959" y="1916418"/>
-          <a:ext cx="10928670" cy="4483894"/>
+          <a:off x="656451" y="1826611"/>
+          <a:ext cx="10928670" cy="4492546"/>
         </p:xfrm>
         <a:graphic>
           <a:graphicData uri="http://schemas.openxmlformats.org/drawingml/2006/table">
@@ -14699,44 +14984,95 @@
                 <a:tableStyleId>{BC89EF96-8CEA-46FF-86C4-4CE0E7609802}</a:tableStyleId>
               </a:tblPr>
               <a:tblGrid>
-                <a:gridCol w="2185734">
+                <a:gridCol w="1709407">
                   <a:extLst>
                     <a:ext uri="{9D8B030D-6E8A-4147-A177-3AD203B41FA5}">
-                      <a16:colId xmlns:a16="http://schemas.microsoft.com/office/drawing/2014/main" val="3550727435"/>
+                      <a16:colId xmlns:a16="http://schemas.microsoft.com/office/drawing/2014/main" xmlns="" val="3550727435"/>
                     </a:ext>
                   </a:extLst>
                 </a:gridCol>
-                <a:gridCol w="2015564">
+                <a:gridCol w="1487685">
                   <a:extLst>
                     <a:ext uri="{9D8B030D-6E8A-4147-A177-3AD203B41FA5}">
-                      <a16:colId xmlns:a16="http://schemas.microsoft.com/office/drawing/2014/main" val="3295678948"/>
+                      <a16:colId xmlns:a16="http://schemas.microsoft.com/office/drawing/2014/main" xmlns="" val="3295678948"/>
                     </a:ext>
                   </a:extLst>
                 </a:gridCol>
-                <a:gridCol w="2355904">
+                <a:gridCol w="1592036">
                   <a:extLst>
                     <a:ext uri="{9D8B030D-6E8A-4147-A177-3AD203B41FA5}">
-                      <a16:colId xmlns:a16="http://schemas.microsoft.com/office/drawing/2014/main" val="485902210"/>
+                      <a16:colId xmlns:a16="http://schemas.microsoft.com/office/drawing/2014/main" xmlns="" val="485902210"/>
                     </a:ext>
                   </a:extLst>
                 </a:gridCol>
-                <a:gridCol w="1758896">
+                <a:gridCol w="1534885"/>
+                <a:gridCol w="1502229">
                   <a:extLst>
                     <a:ext uri="{9D8B030D-6E8A-4147-A177-3AD203B41FA5}">
-                      <a16:colId xmlns:a16="http://schemas.microsoft.com/office/drawing/2014/main" val="1751447481"/>
+                      <a16:colId xmlns:a16="http://schemas.microsoft.com/office/drawing/2014/main" xmlns="" val="1751447481"/>
                     </a:ext>
                   </a:extLst>
                 </a:gridCol>
-                <a:gridCol w="2612572">
+                <a:gridCol w="3102428">
                   <a:extLst>
                     <a:ext uri="{9D8B030D-6E8A-4147-A177-3AD203B41FA5}">
-                      <a16:colId xmlns:a16="http://schemas.microsoft.com/office/drawing/2014/main" val="788984757"/>
+                      <a16:colId xmlns:a16="http://schemas.microsoft.com/office/drawing/2014/main" xmlns="" val="788984757"/>
                     </a:ext>
                   </a:extLst>
                 </a:gridCol>
               </a:tblGrid>
-              <a:tr h="944351">
-                <a:tc>
+              <a:tr h="679825">
+                <a:tc rowSpan="2">
+                  <a:txBody>
+                    <a:bodyPr/>
+                    <a:lstStyle/>
+                    <a:p>
+                      <a:endParaRPr lang="en-IN" dirty="0"/>
+                    </a:p>
+                  </a:txBody>
+                  <a:tcPr/>
+                </a:tc>
+                <a:tc gridSpan="2">
+                  <a:txBody>
+                    <a:bodyPr/>
+                    <a:lstStyle/>
+                    <a:p>
+                      <a:pPr algn="ctr"/>
+                      <a:r>
+                        <a:rPr lang="en-IN" dirty="0" smtClean="0"/>
+                        <a:t>Original components</a:t>
+                      </a:r>
+                      <a:endParaRPr lang="en-IN" dirty="0"/>
+                    </a:p>
+                  </a:txBody>
+                  <a:tcPr/>
+                </a:tc>
+                <a:tc hMerge="1">
+                  <a:txBody>
+                    <a:bodyPr/>
+                    <a:lstStyle/>
+                    <a:p>
+                      <a:endParaRPr lang="en-IN" dirty="0"/>
+                    </a:p>
+                  </a:txBody>
+                  <a:tcPr/>
+                </a:tc>
+                <a:tc gridSpan="2">
+                  <a:txBody>
+                    <a:bodyPr/>
+                    <a:lstStyle/>
+                    <a:p>
+                      <a:pPr algn="ctr"/>
+                      <a:r>
+                        <a:rPr lang="en-IN" dirty="0" smtClean="0"/>
+                        <a:t>With PCA</a:t>
+                      </a:r>
+                      <a:endParaRPr lang="en-IN" dirty="0"/>
+                    </a:p>
+                  </a:txBody>
+                  <a:tcPr/>
+                </a:tc>
+                <a:tc hMerge="1">
                   <a:txBody>
                     <a:bodyPr/>
                     <a:lstStyle/>
@@ -14751,6 +15087,99 @@
                     <a:bodyPr/>
                     <a:lstStyle/>
                     <a:p>
+                      <a:pPr algn="ctr"/>
+                      <a:r>
+                        <a:rPr lang="en-IN" dirty="0" smtClean="0"/>
+                        <a:t>With Data Augmentation – Test Accuracy</a:t>
+                      </a:r>
+                      <a:endParaRPr lang="en-IN" dirty="0"/>
+                    </a:p>
+                  </a:txBody>
+                  <a:tcPr/>
+                </a:tc>
+                <a:extLst>
+                  <a:ext uri="{0D108BD9-81ED-4DB2-BD59-A6C34878D82A}">
+                    <a16:rowId xmlns:a16="http://schemas.microsoft.com/office/drawing/2014/main" xmlns="" val="418414485"/>
+                  </a:ext>
+                </a:extLst>
+              </a:tr>
+              <a:tr h="266152">
+                <a:tc vMerge="1">
+                  <a:txBody>
+                    <a:bodyPr/>
+                    <a:lstStyle/>
+                    <a:p>
+                      <a:endParaRPr lang="en-IN" dirty="0"/>
+                    </a:p>
+                  </a:txBody>
+                  <a:tcPr/>
+                </a:tc>
+                <a:tc>
+                  <a:txBody>
+                    <a:bodyPr/>
+                    <a:lstStyle/>
+                    <a:p>
+                      <a:pPr marL="0" marR="0" indent="0" algn="ctr" defTabSz="914400" rtl="0" eaLnBrk="1" fontAlgn="auto" latinLnBrk="0" hangingPunct="1">
+                        <a:lnSpc>
+                          <a:spcPct val="100000"/>
+                        </a:lnSpc>
+                        <a:spcBef>
+                          <a:spcPts val="0"/>
+                        </a:spcBef>
+                        <a:spcAft>
+                          <a:spcPts val="0"/>
+                        </a:spcAft>
+                        <a:buClrTx/>
+                        <a:buSzTx/>
+                        <a:buFontTx/>
+                        <a:buNone/>
+                        <a:tabLst/>
+                        <a:defRPr/>
+                      </a:pPr>
+                      <a:r>
+                        <a:rPr lang="en-IN" dirty="0" smtClean="0"/>
+                        <a:t>Training Set Accuracy</a:t>
+                      </a:r>
+                    </a:p>
+                  </a:txBody>
+                  <a:tcPr/>
+                </a:tc>
+                <a:tc>
+                  <a:txBody>
+                    <a:bodyPr/>
+                    <a:lstStyle/>
+                    <a:p>
+                      <a:pPr marL="0" marR="0" indent="0" algn="ctr" defTabSz="914400" rtl="0" eaLnBrk="1" fontAlgn="auto" latinLnBrk="0" hangingPunct="1">
+                        <a:lnSpc>
+                          <a:spcPct val="100000"/>
+                        </a:lnSpc>
+                        <a:spcBef>
+                          <a:spcPts val="0"/>
+                        </a:spcBef>
+                        <a:spcAft>
+                          <a:spcPts val="0"/>
+                        </a:spcAft>
+                        <a:buClrTx/>
+                        <a:buSzTx/>
+                        <a:buFontTx/>
+                        <a:buNone/>
+                        <a:tabLst/>
+                        <a:defRPr/>
+                      </a:pPr>
+                      <a:r>
+                        <a:rPr lang="en-IN" dirty="0" smtClean="0"/>
+                        <a:t>Test Set Accuracy</a:t>
+                      </a:r>
+                    </a:p>
+                  </a:txBody>
+                  <a:tcPr/>
+                </a:tc>
+                <a:tc>
+                  <a:txBody>
+                    <a:bodyPr/>
+                    <a:lstStyle/>
+                    <a:p>
+                      <a:pPr algn="ctr"/>
                       <a:r>
                         <a:rPr lang="en-IN" dirty="0" smtClean="0"/>
                         <a:t>Training Set Accuracy</a:t>
@@ -14765,6 +15194,7 @@
                     <a:bodyPr/>
                     <a:lstStyle/>
                     <a:p>
+                      <a:pPr algn="ctr"/>
                       <a:r>
                         <a:rPr lang="en-IN" dirty="0" smtClean="0"/>
                         <a:t>Test Set Accuracy</a:t>
@@ -14779,44 +15209,14 @@
                     <a:bodyPr/>
                     <a:lstStyle/>
                     <a:p>
-                      <a:r>
-                        <a:rPr lang="en-IN" dirty="0" smtClean="0"/>
-                        <a:t>With PCA - </a:t>
-                      </a:r>
-                      <a:r>
-                        <a:rPr lang="en-IN" dirty="0" smtClean="0"/>
-                        <a:t>Test</a:t>
-                      </a:r>
-                      <a:r>
-                        <a:rPr lang="en-IN" baseline="0" dirty="0" smtClean="0"/>
-                        <a:t> Accuracy </a:t>
-                      </a:r>
+                      <a:pPr algn="ctr"/>
                       <a:endParaRPr lang="en-IN" dirty="0"/>
                     </a:p>
                   </a:txBody>
                   <a:tcPr/>
                 </a:tc>
-                <a:tc>
-                  <a:txBody>
-                    <a:bodyPr/>
-                    <a:lstStyle/>
-                    <a:p>
-                      <a:r>
-                        <a:rPr lang="en-IN" dirty="0" smtClean="0"/>
-                        <a:t>With Data Augmentation – Test Accuracy</a:t>
-                      </a:r>
-                      <a:endParaRPr lang="en-IN" dirty="0"/>
-                    </a:p>
-                  </a:txBody>
-                  <a:tcPr/>
-                </a:tc>
-                <a:extLst>
-                  <a:ext uri="{0D108BD9-81ED-4DB2-BD59-A6C34878D82A}">
-                    <a16:rowId xmlns:a16="http://schemas.microsoft.com/office/drawing/2014/main" val="418414485"/>
-                  </a:ext>
-                </a:extLst>
               </a:tr>
-              <a:tr h="1158299">
+              <a:tr h="894806">
                 <a:tc>
                   <a:txBody>
                     <a:bodyPr/>
@@ -14836,26 +15236,7 @@
                     <a:bodyPr/>
                     <a:lstStyle/>
                     <a:p>
-                      <a:endParaRPr lang="en-IN"/>
-                    </a:p>
-                  </a:txBody>
-                  <a:tcPr/>
-                </a:tc>
-                <a:tc>
-                  <a:txBody>
-                    <a:bodyPr/>
-                    <a:lstStyle/>
-                    <a:p>
-                      <a:endParaRPr lang="en-IN"/>
-                    </a:p>
-                  </a:txBody>
-                  <a:tcPr/>
-                </a:tc>
-                <a:tc>
-                  <a:txBody>
-                    <a:bodyPr/>
-                    <a:lstStyle/>
-                    <a:p>
+                      <a:pPr algn="ctr"/>
                       <a:endParaRPr lang="en-IN" dirty="0"/>
                     </a:p>
                   </a:txBody>
@@ -14866,6 +15247,40 @@
                     <a:bodyPr/>
                     <a:lstStyle/>
                     <a:p>
+                      <a:pPr algn="ctr"/>
+                      <a:endParaRPr lang="en-IN" dirty="0"/>
+                    </a:p>
+                  </a:txBody>
+                  <a:tcPr/>
+                </a:tc>
+                <a:tc>
+                  <a:txBody>
+                    <a:bodyPr/>
+                    <a:lstStyle/>
+                    <a:p>
+                      <a:pPr algn="ctr"/>
+                      <a:endParaRPr lang="en-IN" dirty="0"/>
+                    </a:p>
+                  </a:txBody>
+                  <a:tcPr/>
+                </a:tc>
+                <a:tc>
+                  <a:txBody>
+                    <a:bodyPr/>
+                    <a:lstStyle/>
+                    <a:p>
+                      <a:pPr algn="ctr"/>
+                      <a:endParaRPr lang="en-IN" dirty="0"/>
+                    </a:p>
+                  </a:txBody>
+                  <a:tcPr/>
+                </a:tc>
+                <a:tc>
+                  <a:txBody>
+                    <a:bodyPr/>
+                    <a:lstStyle/>
+                    <a:p>
+                      <a:pPr algn="ctr"/>
                       <a:endParaRPr lang="en-IN" dirty="0"/>
                     </a:p>
                   </a:txBody>
@@ -14873,11 +15288,11 @@
                 </a:tc>
                 <a:extLst>
                   <a:ext uri="{0D108BD9-81ED-4DB2-BD59-A6C34878D82A}">
-                    <a16:rowId xmlns:a16="http://schemas.microsoft.com/office/drawing/2014/main" val="2740143975"/>
+                    <a16:rowId xmlns:a16="http://schemas.microsoft.com/office/drawing/2014/main" xmlns="" val="2740143975"/>
                   </a:ext>
                 </a:extLst>
               </a:tr>
-              <a:tr h="810810">
+              <a:tr h="723356">
                 <a:tc>
                   <a:txBody>
                     <a:bodyPr/>
@@ -14897,7 +15312,12 @@
                     <a:bodyPr/>
                     <a:lstStyle/>
                     <a:p>
-                      <a:endParaRPr lang="en-IN"/>
+                      <a:pPr algn="ctr"/>
+                      <a:r>
+                        <a:rPr lang="en-IN" dirty="0" smtClean="0"/>
+                        <a:t>50.73%</a:t>
+                      </a:r>
+                      <a:endParaRPr lang="en-IN" dirty="0"/>
                     </a:p>
                   </a:txBody>
                   <a:tcPr/>
@@ -14907,7 +15327,12 @@
                     <a:bodyPr/>
                     <a:lstStyle/>
                     <a:p>
-                      <a:endParaRPr lang="en-IN"/>
+                      <a:pPr algn="ctr"/>
+                      <a:r>
+                        <a:rPr lang="en-IN" dirty="0" smtClean="0"/>
+                        <a:t>18.86%</a:t>
+                      </a:r>
+                      <a:endParaRPr lang="en-IN" dirty="0"/>
                     </a:p>
                   </a:txBody>
                   <a:tcPr/>
@@ -14917,7 +15342,12 @@
                     <a:bodyPr/>
                     <a:lstStyle/>
                     <a:p>
-                      <a:endParaRPr lang="en-IN"/>
+                      <a:pPr algn="ctr"/>
+                      <a:r>
+                        <a:rPr lang="en-IN" dirty="0" smtClean="0"/>
+                        <a:t>76.61%</a:t>
+                      </a:r>
+                      <a:endParaRPr lang="en-IN" dirty="0"/>
                     </a:p>
                   </a:txBody>
                   <a:tcPr/>
@@ -14927,18 +15357,38 @@
                     <a:bodyPr/>
                     <a:lstStyle/>
                     <a:p>
-                      <a:endParaRPr lang="en-IN"/>
+                      <a:pPr algn="ctr"/>
+                      <a:r>
+                        <a:rPr lang="en-IN" dirty="0" smtClean="0"/>
+                        <a:t>44.25%</a:t>
+                      </a:r>
+                      <a:endParaRPr lang="en-IN" dirty="0"/>
+                    </a:p>
+                  </a:txBody>
+                  <a:tcPr/>
+                </a:tc>
+                <a:tc>
+                  <a:txBody>
+                    <a:bodyPr/>
+                    <a:lstStyle/>
+                    <a:p>
+                      <a:pPr algn="ctr"/>
+                      <a:r>
+                        <a:rPr lang="en-IN" dirty="0" smtClean="0"/>
+                        <a:t>41.38%</a:t>
+                      </a:r>
+                      <a:endParaRPr lang="en-IN" dirty="0"/>
                     </a:p>
                   </a:txBody>
                   <a:tcPr/>
                 </a:tc>
                 <a:extLst>
                   <a:ext uri="{0D108BD9-81ED-4DB2-BD59-A6C34878D82A}">
-                    <a16:rowId xmlns:a16="http://schemas.microsoft.com/office/drawing/2014/main" val="4075877440"/>
+                    <a16:rowId xmlns:a16="http://schemas.microsoft.com/office/drawing/2014/main" xmlns="" val="4075877440"/>
                   </a:ext>
                 </a:extLst>
               </a:tr>
-              <a:tr h="816840">
+              <a:tr h="889907">
                 <a:tc>
                   <a:txBody>
                     <a:bodyPr/>
@@ -14958,6 +15408,7 @@
                     <a:bodyPr/>
                     <a:lstStyle/>
                     <a:p>
+                      <a:pPr algn="ctr"/>
                       <a:endParaRPr lang="en-IN" dirty="0"/>
                     </a:p>
                   </a:txBody>
@@ -14968,7 +15419,8 @@
                     <a:bodyPr/>
                     <a:lstStyle/>
                     <a:p>
-                      <a:endParaRPr lang="en-IN"/>
+                      <a:pPr algn="ctr"/>
+                      <a:endParaRPr lang="en-IN" dirty="0"/>
                     </a:p>
                   </a:txBody>
                   <a:tcPr/>
@@ -14978,7 +15430,8 @@
                     <a:bodyPr/>
                     <a:lstStyle/>
                     <a:p>
-                      <a:endParaRPr lang="en-IN"/>
+                      <a:pPr algn="ctr"/>
+                      <a:endParaRPr lang="en-IN" dirty="0"/>
                     </a:p>
                   </a:txBody>
                   <a:tcPr/>
@@ -14988,18 +15441,30 @@
                     <a:bodyPr/>
                     <a:lstStyle/>
                     <a:p>
-                      <a:endParaRPr lang="en-IN"/>
+                      <a:pPr algn="ctr"/>
+                      <a:endParaRPr lang="en-IN" dirty="0"/>
+                    </a:p>
+                  </a:txBody>
+                  <a:tcPr/>
+                </a:tc>
+                <a:tc>
+                  <a:txBody>
+                    <a:bodyPr/>
+                    <a:lstStyle/>
+                    <a:p>
+                      <a:pPr algn="ctr"/>
+                      <a:endParaRPr lang="en-IN" dirty="0"/>
                     </a:p>
                   </a:txBody>
                   <a:tcPr/>
                 </a:tc>
                 <a:extLst>
                   <a:ext uri="{0D108BD9-81ED-4DB2-BD59-A6C34878D82A}">
-                    <a16:rowId xmlns:a16="http://schemas.microsoft.com/office/drawing/2014/main" val="541031661"/>
+                    <a16:rowId xmlns:a16="http://schemas.microsoft.com/office/drawing/2014/main" xmlns="" val="541031661"/>
                   </a:ext>
                 </a:extLst>
               </a:tr>
-              <a:tr h="753594">
+              <a:tr h="620485">
                 <a:tc>
                   <a:txBody>
                     <a:bodyPr/>
@@ -15019,6 +15484,18 @@
                     <a:bodyPr/>
                     <a:lstStyle/>
                     <a:p>
+                      <a:pPr algn="ctr"/>
+                      <a:endParaRPr lang="en-IN" dirty="0"/>
+                    </a:p>
+                  </a:txBody>
+                  <a:tcPr/>
+                </a:tc>
+                <a:tc>
+                  <a:txBody>
+                    <a:bodyPr/>
+                    <a:lstStyle/>
+                    <a:p>
+                      <a:pPr algn="ctr"/>
                       <a:endParaRPr lang="en-IN"/>
                     </a:p>
                   </a:txBody>
@@ -15029,6 +15506,18 @@
                     <a:bodyPr/>
                     <a:lstStyle/>
                     <a:p>
+                      <a:pPr algn="ctr"/>
+                      <a:endParaRPr lang="en-IN" dirty="0"/>
+                    </a:p>
+                  </a:txBody>
+                  <a:tcPr/>
+                </a:tc>
+                <a:tc>
+                  <a:txBody>
+                    <a:bodyPr/>
+                    <a:lstStyle/>
+                    <a:p>
+                      <a:pPr algn="ctr"/>
                       <a:endParaRPr lang="en-IN"/>
                     </a:p>
                   </a:txBody>
@@ -15039,16 +15528,7 @@
                     <a:bodyPr/>
                     <a:lstStyle/>
                     <a:p>
-                      <a:endParaRPr lang="en-IN"/>
-                    </a:p>
-                  </a:txBody>
-                  <a:tcPr/>
-                </a:tc>
-                <a:tc>
-                  <a:txBody>
-                    <a:bodyPr/>
-                    <a:lstStyle/>
-                    <a:p>
+                      <a:pPr algn="ctr"/>
                       <a:endParaRPr lang="en-IN" dirty="0"/>
                     </a:p>
                   </a:txBody>
@@ -15056,7 +15536,7 @@
                 </a:tc>
                 <a:extLst>
                   <a:ext uri="{0D108BD9-81ED-4DB2-BD59-A6C34878D82A}">
-                    <a16:rowId xmlns:a16="http://schemas.microsoft.com/office/drawing/2014/main" val="1396813758"/>
+                    <a16:rowId xmlns:a16="http://schemas.microsoft.com/office/drawing/2014/main" xmlns="" val="1396813758"/>
                   </a:ext>
                 </a:extLst>
               </a:tr>
@@ -15329,7 +15809,7 @@
   <a:extraClrSchemeLst/>
   <a:extLst>
     <a:ext uri="{05A4C25C-085E-4340-85A3-A5531E510DB2}">
-      <thm15:themeFamily xmlns:thm15="http://schemas.microsoft.com/office/thememl/2012/main" name="Circuit" id="{0AC2F7E7-15F5-431C-B2A2-456FE929F56C}" vid="{0911B802-464C-4241-8DD9-B60FF88E379F}"/>
+      <thm15:themeFamily xmlns:thm15="http://schemas.microsoft.com/office/thememl/2012/main" xmlns="" name="Circuit" id="{0AC2F7E7-15F5-431C-B2A2-456FE929F56C}" vid="{0911B802-464C-4241-8DD9-B60FF88E379F}"/>
     </a:ext>
   </a:extLst>
 </a:theme>
@@ -15590,7 +16070,7 @@
   <a:extraClrSchemeLst/>
   <a:extLst>
     <a:ext uri="{05A4C25C-085E-4340-85A3-A5531E510DB2}">
-      <thm15:themeFamily xmlns:thm15="http://schemas.microsoft.com/office/thememl/2012/main" name="Office Theme" id="{62F939B6-93AF-4DB8-9C6B-D6C7DFDC589F}" vid="{4A3C46E8-61CC-4603-A589-7422A47A8E4A}"/>
+      <thm15:themeFamily xmlns:thm15="http://schemas.microsoft.com/office/thememl/2012/main" xmlns="" name="Office Theme" id="{62F939B6-93AF-4DB8-9C6B-D6C7DFDC589F}" vid="{4A3C46E8-61CC-4603-A589-7422A47A8E4A}"/>
     </a:ext>
   </a:extLst>
 </a:theme>

--- a/Final Project Draft.pptx
+++ b/Final Project Draft.pptx
@@ -5,7 +5,7 @@
     <p:sldMasterId id="2147483669" r:id="rId1"/>
   </p:sldMasterIdLst>
   <p:notesMasterIdLst>
-    <p:notesMasterId r:id="rId12"/>
+    <p:notesMasterId r:id="rId13"/>
   </p:notesMasterIdLst>
   <p:sldIdLst>
     <p:sldId id="256" r:id="rId2"/>
@@ -18,6 +18,7 @@
     <p:sldId id="271" r:id="rId9"/>
     <p:sldId id="267" r:id="rId10"/>
     <p:sldId id="269" r:id="rId11"/>
+    <p:sldId id="273" r:id="rId12"/>
   </p:sldIdLst>
   <p:sldSz cx="12192000" cy="6858000"/>
   <p:notesSz cx="6858000" cy="9144000"/>
@@ -118,7 +119,7 @@
   </p:defaultTextStyle>
   <p:extLst>
     <p:ext uri="{EFAFB233-063F-42B5-8137-9DF3F51BA10A}">
-      <p15:sldGuideLst xmlns:p15="http://schemas.microsoft.com/office/powerpoint/2012/main" xmlns=""/>
+      <p15:sldGuideLst xmlns="" xmlns:p15="http://schemas.microsoft.com/office/powerpoint/2012/main"/>
     </p:ext>
   </p:extLst>
 </p:presentation>
@@ -12889,7 +12890,7 @@
           <p:cNvPr id="2" name="Title 1">
             <a:extLst>
               <a:ext uri="{FF2B5EF4-FFF2-40B4-BE49-F238E27FC236}">
-                <a16:creationId xmlns:a16="http://schemas.microsoft.com/office/drawing/2014/main" xmlns="" id="{C8971EAA-0D3C-48DE-9FFF-6A535ABFC033}"/>
+                <a16:creationId xmlns="" xmlns:a16="http://schemas.microsoft.com/office/drawing/2014/main" id="{C8971EAA-0D3C-48DE-9FFF-6A535ABFC033}"/>
               </a:ext>
             </a:extLst>
           </p:cNvPr>
@@ -12923,7 +12924,7 @@
           <p:cNvPr id="5" name="Subtitle 4">
             <a:extLst>
               <a:ext uri="{FF2B5EF4-FFF2-40B4-BE49-F238E27FC236}">
-                <a16:creationId xmlns:a16="http://schemas.microsoft.com/office/drawing/2014/main" xmlns="" id="{46AD44FD-08F9-4FAD-9C48-D5370D6B5C4A}"/>
+                <a16:creationId xmlns="" xmlns:a16="http://schemas.microsoft.com/office/drawing/2014/main" id="{46AD44FD-08F9-4FAD-9C48-D5370D6B5C4A}"/>
               </a:ext>
             </a:extLst>
           </p:cNvPr>
@@ -13039,7 +13040,7 @@
           <p:cNvPr id="6" name="Picture 5">
             <a:extLst>
               <a:ext uri="{FF2B5EF4-FFF2-40B4-BE49-F238E27FC236}">
-                <a16:creationId xmlns:a16="http://schemas.microsoft.com/office/drawing/2014/main" xmlns="" id="{C04D2CE3-FADE-4444-BF01-5877D5BCC980}"/>
+                <a16:creationId xmlns="" xmlns:a16="http://schemas.microsoft.com/office/drawing/2014/main" id="{C04D2CE3-FADE-4444-BF01-5877D5BCC980}"/>
               </a:ext>
             </a:extLst>
           </p:cNvPr>
@@ -13069,7 +13070,7 @@
           <p:cNvPr id="7" name="Picture 6">
             <a:extLst>
               <a:ext uri="{FF2B5EF4-FFF2-40B4-BE49-F238E27FC236}">
-                <a16:creationId xmlns:a16="http://schemas.microsoft.com/office/drawing/2014/main" xmlns="" id="{2A8D4E12-6DAC-43E1-B8A5-DAB48EDC7D6E}"/>
+                <a16:creationId xmlns="" xmlns:a16="http://schemas.microsoft.com/office/drawing/2014/main" id="{2A8D4E12-6DAC-43E1-B8A5-DAB48EDC7D6E}"/>
               </a:ext>
             </a:extLst>
           </p:cNvPr>
@@ -13099,7 +13100,7 @@
           <p:cNvPr id="8" name="Picture 7">
             <a:extLst>
               <a:ext uri="{FF2B5EF4-FFF2-40B4-BE49-F238E27FC236}">
-                <a16:creationId xmlns:a16="http://schemas.microsoft.com/office/drawing/2014/main" xmlns="" id="{DEC9A47A-34DF-4FB6-877F-3C1541D6D98D}"/>
+                <a16:creationId xmlns="" xmlns:a16="http://schemas.microsoft.com/office/drawing/2014/main" id="{DEC9A47A-34DF-4FB6-877F-3C1541D6D98D}"/>
               </a:ext>
             </a:extLst>
           </p:cNvPr>
@@ -13129,7 +13130,7 @@
           <p:cNvPr id="9" name="Picture 8">
             <a:extLst>
               <a:ext uri="{FF2B5EF4-FFF2-40B4-BE49-F238E27FC236}">
-                <a16:creationId xmlns:a16="http://schemas.microsoft.com/office/drawing/2014/main" xmlns="" id="{75A97654-9ACF-43A2-BA5E-3ACE534F6BB1}"/>
+                <a16:creationId xmlns="" xmlns:a16="http://schemas.microsoft.com/office/drawing/2014/main" id="{75A97654-9ACF-43A2-BA5E-3ACE534F6BB1}"/>
               </a:ext>
             </a:extLst>
           </p:cNvPr>
@@ -13159,7 +13160,7 @@
           <p:cNvPr id="10" name="Picture 9">
             <a:extLst>
               <a:ext uri="{FF2B5EF4-FFF2-40B4-BE49-F238E27FC236}">
-                <a16:creationId xmlns:a16="http://schemas.microsoft.com/office/drawing/2014/main" xmlns="" id="{9B7E195B-B314-46BB-9947-09C095EEE81B}"/>
+                <a16:creationId xmlns="" xmlns:a16="http://schemas.microsoft.com/office/drawing/2014/main" id="{9B7E195B-B314-46BB-9947-09C095EEE81B}"/>
               </a:ext>
             </a:extLst>
           </p:cNvPr>
@@ -13189,7 +13190,7 @@
           <p:cNvPr id="11" name="Picture 10">
             <a:extLst>
               <a:ext uri="{FF2B5EF4-FFF2-40B4-BE49-F238E27FC236}">
-                <a16:creationId xmlns:a16="http://schemas.microsoft.com/office/drawing/2014/main" xmlns="" id="{EBF10B3E-7F59-4AE2-B659-45D4C2DBBC08}"/>
+                <a16:creationId xmlns="" xmlns:a16="http://schemas.microsoft.com/office/drawing/2014/main" id="{EBF10B3E-7F59-4AE2-B659-45D4C2DBBC08}"/>
               </a:ext>
             </a:extLst>
           </p:cNvPr>
@@ -13219,7 +13220,7 @@
           <p:cNvPr id="12" name="Picture 11">
             <a:extLst>
               <a:ext uri="{FF2B5EF4-FFF2-40B4-BE49-F238E27FC236}">
-                <a16:creationId xmlns:a16="http://schemas.microsoft.com/office/drawing/2014/main" xmlns="" id="{F3A2CC9D-FB19-4D63-894F-B0AE04B6056D}"/>
+                <a16:creationId xmlns="" xmlns:a16="http://schemas.microsoft.com/office/drawing/2014/main" id="{F3A2CC9D-FB19-4D63-894F-B0AE04B6056D}"/>
               </a:ext>
             </a:extLst>
           </p:cNvPr>
@@ -13249,7 +13250,7 @@
           <p:cNvPr id="14" name="TextBox 13">
             <a:extLst>
               <a:ext uri="{FF2B5EF4-FFF2-40B4-BE49-F238E27FC236}">
-                <a16:creationId xmlns:a16="http://schemas.microsoft.com/office/drawing/2014/main" xmlns="" id="{6F9E1177-B80E-4CEF-A256-343DFAE24982}"/>
+                <a16:creationId xmlns="" xmlns:a16="http://schemas.microsoft.com/office/drawing/2014/main" id="{6F9E1177-B80E-4CEF-A256-343DFAE24982}"/>
               </a:ext>
             </a:extLst>
           </p:cNvPr>
@@ -13356,17 +13357,17 @@
         <p:spPr>
           <a:xfrm>
             <a:off x="1280203" y="1751465"/>
-            <a:ext cx="4304167" cy="1791835"/>
+            <a:ext cx="4548029" cy="4632243"/>
           </a:xfrm>
         </p:spPr>
         <p:txBody>
           <a:bodyPr>
-            <a:normAutofit fontScale="55000" lnSpcReduction="20000"/>
+            <a:normAutofit/>
           </a:bodyPr>
           <a:lstStyle/>
           <a:p>
             <a:r>
-              <a:rPr lang="en-IN" dirty="0" smtClean="0"/>
+              <a:rPr lang="en-IN" sz="1600" dirty="0" smtClean="0"/>
               <a:t>Why did Histogram classifier not work?</a:t>
             </a:r>
           </a:p>
@@ -13376,8 +13377,16 @@
               <a:buChar char="Ø"/>
             </a:pPr>
             <a:r>
-              <a:rPr lang="en-IN" dirty="0" smtClean="0"/>
-              <a:t>Say, we use 8 PC features, and 8 bins, we have ~17million bins in a histogram, but only 28709 data points. So, very sparsely populated histogram.</a:t>
+              <a:rPr lang="en-IN" sz="1600" dirty="0" smtClean="0"/>
+              <a:t>Say, we use 8 PC features, and 8 bins, we have ~17million bins in a histogram, but only 28709 data points. So, </a:t>
+            </a:r>
+            <a:r>
+              <a:rPr lang="en-IN" sz="1600" dirty="0" smtClean="0"/>
+              <a:t>a very </a:t>
+            </a:r>
+            <a:r>
+              <a:rPr lang="en-IN" sz="1600" dirty="0" smtClean="0"/>
+              <a:t>sparsely populated histogram.</a:t>
             </a:r>
           </a:p>
           <a:p>
@@ -13386,161 +13395,44 @@
               <a:buChar char="Ø"/>
             </a:pPr>
             <a:r>
-              <a:rPr lang="en-IN" dirty="0" smtClean="0"/>
-              <a:t>When we look to predict with such a histogram, bins corresponding to queries are likely empty, resulting in no prediction.</a:t>
-            </a:r>
-            <a:endParaRPr lang="en-IN" dirty="0"/>
-          </a:p>
-        </p:txBody>
-      </p:sp>
-      <p:sp>
-        <p:nvSpPr>
-          <p:cNvPr id="4" name="Content Placeholder 2"/>
-          <p:cNvSpPr>
-            <a:spLocks noGrp="1"/>
-          </p:cNvSpPr>
-          <p:nvPr>
-            <p:ph sz="half" idx="1"/>
-          </p:nvPr>
-        </p:nvSpPr>
-        <p:spPr>
-          <a:xfrm>
-            <a:off x="1318304" y="3731079"/>
-            <a:ext cx="5860144" cy="2837180"/>
-          </a:xfrm>
-        </p:spPr>
-        <p:txBody>
-          <a:bodyPr>
-            <a:noAutofit/>
-          </a:bodyPr>
-          <a:lstStyle/>
-          <a:p>
-            <a:r>
-              <a:rPr lang="en-IN" sz="1300" dirty="0"/>
-              <a:t>Bayesian classifier accuracy falls after a certain number of Principal Components</a:t>
+              <a:rPr lang="en-IN" sz="1600" dirty="0" smtClean="0"/>
+              <a:t>When we look to predict with such a histogram, bins corresponding to queries are likely empty, resulting in no prediction</a:t>
+            </a:r>
+            <a:r>
+              <a:rPr lang="en-IN" sz="1600" dirty="0" smtClean="0"/>
+              <a:t>.</a:t>
             </a:r>
           </a:p>
           <a:p>
             <a:pPr>
-              <a:lnSpc>
-                <a:spcPct val="100000"/>
-              </a:lnSpc>
               <a:buFont typeface="Wingdings"/>
               <a:buChar char="Ø"/>
             </a:pPr>
             <a:r>
-              <a:rPr lang="en-IN" sz="1300" dirty="0"/>
-              <a:t>PCA gave us 2304 PCs. And initially, </a:t>
-            </a:r>
-            <a:r>
-              <a:rPr lang="en-IN" sz="1300" dirty="0" smtClean="0"/>
-              <a:t>for the </a:t>
-            </a:r>
-            <a:r>
-              <a:rPr lang="en-IN" sz="1300" dirty="0"/>
-              <a:t>first </a:t>
-            </a:r>
-            <a:r>
-              <a:rPr lang="en-IN" sz="1300" dirty="0" smtClean="0"/>
-              <a:t>~360 </a:t>
-            </a:r>
-            <a:r>
-              <a:rPr lang="en-IN" sz="1300" dirty="0"/>
-              <a:t>components, adding them </a:t>
-            </a:r>
-            <a:r>
-              <a:rPr lang="en-IN" sz="1300" dirty="0" smtClean="0"/>
-              <a:t>to training set improved the </a:t>
-            </a:r>
-            <a:r>
-              <a:rPr lang="en-IN" sz="1300" dirty="0"/>
-              <a:t>accuracy. But beyond that, accuracy </a:t>
-            </a:r>
-            <a:r>
-              <a:rPr lang="en-IN" sz="1300" dirty="0" smtClean="0"/>
-              <a:t>started </a:t>
-            </a:r>
-            <a:r>
-              <a:rPr lang="en-IN" sz="1300" dirty="0"/>
-              <a:t>to decline.</a:t>
-            </a:r>
+              <a:rPr lang="en-IN" sz="1600" dirty="0" smtClean="0"/>
+              <a:t>Table shown to the right indicates this condition.</a:t>
+            </a:r>
+            <a:endParaRPr lang="en-IN" sz="1600" dirty="0" smtClean="0"/>
           </a:p>
           <a:p>
             <a:pPr>
-              <a:lnSpc>
-                <a:spcPct val="100000"/>
-              </a:lnSpc>
               <a:buFont typeface="Wingdings"/>
               <a:buChar char="Ø"/>
             </a:pPr>
-            <a:r>
-              <a:rPr lang="en-IN" sz="1300" dirty="0" smtClean="0"/>
-              <a:t>Beyond 370 PCs, the covariance matrices get quite large, and unstable. Many cases, the determinant evaluates to a negative value, preventing predictions as well.</a:t>
-            </a:r>
-          </a:p>
-          <a:p>
-            <a:pPr marL="0" indent="0">
-              <a:lnSpc>
-                <a:spcPct val="100000"/>
-              </a:lnSpc>
-              <a:buNone/>
-            </a:pPr>
-            <a:r>
-              <a:rPr lang="en-IN" sz="1300" dirty="0" smtClean="0"/>
-              <a:t>NOTE: even for lesser number of PCs, switched to ‘</a:t>
-            </a:r>
-            <a:r>
-              <a:rPr lang="en-IN" sz="1300" dirty="0" err="1" smtClean="0"/>
-              <a:t>numpy.linalg.slogdet</a:t>
-            </a:r>
-            <a:r>
-              <a:rPr lang="en-IN" sz="1300" dirty="0" smtClean="0"/>
-              <a:t>()’ and determined ‘pdf’ on a log scale, as </a:t>
-            </a:r>
-            <a:r>
-              <a:rPr lang="en-IN" sz="1300" dirty="0"/>
-              <a:t>‘</a:t>
-            </a:r>
-            <a:r>
-              <a:rPr lang="en-IN" sz="1300" dirty="0" err="1" smtClean="0"/>
-              <a:t>numpy.linalg.det</a:t>
-            </a:r>
-            <a:r>
-              <a:rPr lang="en-IN" sz="1300" dirty="0" smtClean="0"/>
-              <a:t>()’ fails with</a:t>
-            </a:r>
-            <a:r>
-              <a:rPr lang="en-IN" sz="1300" dirty="0"/>
-              <a:t> “</a:t>
-            </a:r>
-            <a:r>
-              <a:rPr lang="en-US" sz="1300" dirty="0" err="1"/>
-              <a:t>RuntimeWarning</a:t>
-            </a:r>
-            <a:r>
-              <a:rPr lang="en-US" sz="1300" dirty="0"/>
-              <a:t>: overflow encountered</a:t>
-            </a:r>
-            <a:r>
-              <a:rPr lang="en-IN" sz="1300" dirty="0"/>
-              <a:t>”.</a:t>
-            </a:r>
+            <a:endParaRPr lang="en-IN" dirty="0" smtClean="0"/>
           </a:p>
           <a:p>
             <a:pPr>
-              <a:lnSpc>
-                <a:spcPct val="100000"/>
-              </a:lnSpc>
               <a:buFont typeface="Wingdings"/>
               <a:buChar char="Ø"/>
             </a:pPr>
-            <a:endParaRPr lang="en-IN" sz="1300" dirty="0"/>
+            <a:endParaRPr lang="en-IN" dirty="0"/>
           </a:p>
         </p:txBody>
       </p:sp>
       <p:pic>
         <p:nvPicPr>
-          <p:cNvPr id="1026" name="Picture 2"/>
+          <p:cNvPr id="5" name="Picture 2"/>
           <p:cNvPicPr>
             <a:picLocks noChangeAspect="1" noChangeArrowheads="1"/>
           </p:cNvPicPr>
@@ -13561,8 +13453,8 @@
         </p:blipFill>
         <p:spPr bwMode="auto">
           <a:xfrm>
-            <a:off x="7186613" y="3335571"/>
-            <a:ext cx="4088267" cy="3092862"/>
+            <a:off x="6708450" y="221266"/>
+            <a:ext cx="4614728" cy="6316267"/>
           </a:xfrm>
           <a:prstGeom prst="rect">
             <a:avLst/>
@@ -13612,6 +13504,265 @@
 </p:sld>
 </file>
 
+<file path=ppt/slides/slide11.xml><?xml version="1.0" encoding="utf-8"?>
+<p:sld xmlns:a="http://schemas.openxmlformats.org/drawingml/2006/main" xmlns:r="http://schemas.openxmlformats.org/officeDocument/2006/relationships" xmlns:p="http://schemas.openxmlformats.org/presentationml/2006/main">
+  <p:cSld>
+    <p:spTree>
+      <p:nvGrpSpPr>
+        <p:cNvPr id="1" name=""/>
+        <p:cNvGrpSpPr/>
+        <p:nvPr/>
+      </p:nvGrpSpPr>
+      <p:grpSpPr>
+        <a:xfrm>
+          <a:off x="0" y="0"/>
+          <a:ext cx="0" cy="0"/>
+          <a:chOff x="0" y="0"/>
+          <a:chExt cx="0" cy="0"/>
+        </a:xfrm>
+      </p:grpSpPr>
+      <p:sp>
+        <p:nvSpPr>
+          <p:cNvPr id="2" name="Title 1"/>
+          <p:cNvSpPr>
+            <a:spLocks noGrp="1"/>
+          </p:cNvSpPr>
+          <p:nvPr>
+            <p:ph type="title"/>
+          </p:nvPr>
+        </p:nvSpPr>
+        <p:spPr/>
+        <p:txBody>
+          <a:bodyPr/>
+          <a:lstStyle/>
+          <a:p>
+            <a:r>
+              <a:rPr lang="en-IN" dirty="0" smtClean="0"/>
+              <a:t>Interesting Observations</a:t>
+            </a:r>
+            <a:endParaRPr lang="en-IN" dirty="0"/>
+          </a:p>
+        </p:txBody>
+      </p:sp>
+      <p:sp>
+        <p:nvSpPr>
+          <p:cNvPr id="4" name="Content Placeholder 2"/>
+          <p:cNvSpPr>
+            <a:spLocks noGrp="1"/>
+          </p:cNvSpPr>
+          <p:nvPr>
+            <p:ph sz="half" idx="1"/>
+          </p:nvPr>
+        </p:nvSpPr>
+        <p:spPr>
+          <a:xfrm>
+            <a:off x="1318304" y="1754598"/>
+            <a:ext cx="4749210" cy="3537959"/>
+          </a:xfrm>
+        </p:spPr>
+        <p:txBody>
+          <a:bodyPr>
+            <a:noAutofit/>
+          </a:bodyPr>
+          <a:lstStyle/>
+          <a:p>
+            <a:r>
+              <a:rPr lang="en-IN" sz="1400" dirty="0"/>
+              <a:t>Bayesian classifier accuracy falls after a certain number of Principal Components</a:t>
+            </a:r>
+          </a:p>
+          <a:p>
+            <a:pPr>
+              <a:lnSpc>
+                <a:spcPct val="100000"/>
+              </a:lnSpc>
+              <a:buFont typeface="Wingdings"/>
+              <a:buChar char="Ø"/>
+            </a:pPr>
+            <a:r>
+              <a:rPr lang="en-IN" sz="1400" dirty="0"/>
+              <a:t>PCA gave us 2304 PCs. And initially, </a:t>
+            </a:r>
+            <a:r>
+              <a:rPr lang="en-IN" sz="1400" dirty="0" smtClean="0"/>
+              <a:t>for the </a:t>
+            </a:r>
+            <a:r>
+              <a:rPr lang="en-IN" sz="1400" dirty="0"/>
+              <a:t>first </a:t>
+            </a:r>
+            <a:r>
+              <a:rPr lang="en-IN" sz="1400" dirty="0" smtClean="0"/>
+              <a:t>~360 </a:t>
+            </a:r>
+            <a:r>
+              <a:rPr lang="en-IN" sz="1400" dirty="0"/>
+              <a:t>components, adding them </a:t>
+            </a:r>
+            <a:r>
+              <a:rPr lang="en-IN" sz="1400" dirty="0" smtClean="0"/>
+              <a:t>to training set improved the </a:t>
+            </a:r>
+            <a:r>
+              <a:rPr lang="en-IN" sz="1400" dirty="0"/>
+              <a:t>accuracy. But beyond that, accuracy </a:t>
+            </a:r>
+            <a:r>
+              <a:rPr lang="en-IN" sz="1400" dirty="0" smtClean="0"/>
+              <a:t>started </a:t>
+            </a:r>
+            <a:r>
+              <a:rPr lang="en-IN" sz="1400" dirty="0"/>
+              <a:t>to decline.</a:t>
+            </a:r>
+          </a:p>
+          <a:p>
+            <a:pPr>
+              <a:lnSpc>
+                <a:spcPct val="100000"/>
+              </a:lnSpc>
+              <a:buFont typeface="Wingdings"/>
+              <a:buChar char="Ø"/>
+            </a:pPr>
+            <a:r>
+              <a:rPr lang="en-IN" sz="1400" dirty="0" smtClean="0"/>
+              <a:t>Beyond 370 PCs, the covariance matrices get quite large, and unstable. Many cases, the determinant evaluates to a negative value, preventing predictions as well.</a:t>
+            </a:r>
+          </a:p>
+          <a:p>
+            <a:pPr marL="0" indent="0">
+              <a:lnSpc>
+                <a:spcPct val="100000"/>
+              </a:lnSpc>
+              <a:buNone/>
+            </a:pPr>
+            <a:r>
+              <a:rPr lang="en-IN" sz="1400" dirty="0" smtClean="0"/>
+              <a:t>NOTE: even for lesser number of PCs, switched to ‘</a:t>
+            </a:r>
+            <a:r>
+              <a:rPr lang="en-IN" sz="1400" dirty="0" err="1" smtClean="0"/>
+              <a:t>numpy.linalg.slogdet</a:t>
+            </a:r>
+            <a:r>
+              <a:rPr lang="en-IN" sz="1400" dirty="0" smtClean="0"/>
+              <a:t>()’ and determined ‘pdf’ on a log scale, as </a:t>
+            </a:r>
+            <a:r>
+              <a:rPr lang="en-IN" sz="1400" dirty="0"/>
+              <a:t>‘</a:t>
+            </a:r>
+            <a:r>
+              <a:rPr lang="en-IN" sz="1400" dirty="0" err="1" smtClean="0"/>
+              <a:t>numpy.linalg.det</a:t>
+            </a:r>
+            <a:r>
+              <a:rPr lang="en-IN" sz="1400" dirty="0" smtClean="0"/>
+              <a:t>()’ fails with</a:t>
+            </a:r>
+            <a:r>
+              <a:rPr lang="en-IN" sz="1400" dirty="0"/>
+              <a:t> “</a:t>
+            </a:r>
+            <a:r>
+              <a:rPr lang="en-US" sz="1400" dirty="0" err="1"/>
+              <a:t>RuntimeWarning</a:t>
+            </a:r>
+            <a:r>
+              <a:rPr lang="en-US" sz="1400" dirty="0"/>
+              <a:t>: overflow encountered</a:t>
+            </a:r>
+            <a:r>
+              <a:rPr lang="en-IN" sz="1400" dirty="0"/>
+              <a:t>”.</a:t>
+            </a:r>
+          </a:p>
+          <a:p>
+            <a:pPr>
+              <a:lnSpc>
+                <a:spcPct val="100000"/>
+              </a:lnSpc>
+              <a:buFont typeface="Wingdings"/>
+              <a:buChar char="Ø"/>
+            </a:pPr>
+            <a:endParaRPr lang="en-IN" sz="1300" dirty="0"/>
+          </a:p>
+        </p:txBody>
+      </p:sp>
+      <p:pic>
+        <p:nvPicPr>
+          <p:cNvPr id="1026" name="Picture 2"/>
+          <p:cNvPicPr>
+            <a:picLocks noChangeAspect="1" noChangeArrowheads="1"/>
+          </p:cNvPicPr>
+          <p:nvPr/>
+        </p:nvPicPr>
+        <p:blipFill>
+          <a:blip r:embed="rId2">
+            <a:extLst>
+              <a:ext uri="{28A0092B-C50C-407E-A947-70E740481C1C}">
+                <a14:useLocalDpi xmlns:a14="http://schemas.microsoft.com/office/drawing/2010/main" val="0"/>
+              </a:ext>
+            </a:extLst>
+          </a:blip>
+          <a:srcRect/>
+          <a:stretch>
+            <a:fillRect/>
+          </a:stretch>
+        </p:blipFill>
+        <p:spPr bwMode="auto">
+          <a:xfrm>
+            <a:off x="6092751" y="1728961"/>
+            <a:ext cx="5050965" cy="3821164"/>
+          </a:xfrm>
+          <a:prstGeom prst="rect">
+            <a:avLst/>
+          </a:prstGeom>
+          <a:noFill/>
+          <a:ln>
+            <a:noFill/>
+          </a:ln>
+          <a:extLst>
+            <a:ext uri="{909E8E84-426E-40DD-AFC4-6F175D3DCCD1}">
+              <a14:hiddenFill xmlns:a14="http://schemas.microsoft.com/office/drawing/2010/main">
+                <a:solidFill>
+                  <a:schemeClr val="accent1"/>
+                </a:solidFill>
+              </a14:hiddenFill>
+            </a:ext>
+            <a:ext uri="{91240B29-F687-4F45-9708-019B960494DF}">
+              <a14:hiddenLine xmlns:a14="http://schemas.microsoft.com/office/drawing/2010/main" w="9525">
+                <a:solidFill>
+                  <a:schemeClr val="tx1"/>
+                </a:solidFill>
+                <a:miter lim="800000"/>
+                <a:headEnd/>
+                <a:tailEnd/>
+              </a14:hiddenLine>
+            </a:ext>
+          </a:extLst>
+        </p:spPr>
+      </p:pic>
+    </p:spTree>
+    <p:extLst>
+      <p:ext uri="{BB962C8B-B14F-4D97-AF65-F5344CB8AC3E}">
+        <p14:creationId xmlns:p14="http://schemas.microsoft.com/office/powerpoint/2010/main" val="3346745492"/>
+      </p:ext>
+    </p:extLst>
+  </p:cSld>
+  <p:clrMapOvr>
+    <a:masterClrMapping/>
+  </p:clrMapOvr>
+  <p:timing>
+    <p:tnLst>
+      <p:par>
+        <p:cTn id="1" dur="indefinite" restart="never" nodeType="tmRoot"/>
+      </p:par>
+    </p:tnLst>
+  </p:timing>
+</p:sld>
+</file>
+
 <file path=ppt/slides/slide2.xml><?xml version="1.0" encoding="utf-8"?>
 <p:sld xmlns:a="http://schemas.openxmlformats.org/drawingml/2006/main" xmlns:r="http://schemas.openxmlformats.org/officeDocument/2006/relationships" xmlns:p="http://schemas.openxmlformats.org/presentationml/2006/main">
   <p:cSld>
@@ -13634,7 +13785,7 @@
           <p:cNvPr id="2" name="Title 1">
             <a:extLst>
               <a:ext uri="{FF2B5EF4-FFF2-40B4-BE49-F238E27FC236}">
-                <a16:creationId xmlns:a16="http://schemas.microsoft.com/office/drawing/2014/main" xmlns="" id="{58293DE5-6A3F-4CB5-9B2D-B26F445310F7}"/>
+                <a16:creationId xmlns="" xmlns:a16="http://schemas.microsoft.com/office/drawing/2014/main" id="{58293DE5-6A3F-4CB5-9B2D-B26F445310F7}"/>
               </a:ext>
             </a:extLst>
           </p:cNvPr>
@@ -13672,7 +13823,7 @@
           <p:cNvPr id="3" name="Content Placeholder 2">
             <a:extLst>
               <a:ext uri="{FF2B5EF4-FFF2-40B4-BE49-F238E27FC236}">
-                <a16:creationId xmlns:a16="http://schemas.microsoft.com/office/drawing/2014/main" xmlns="" id="{AEF930C9-DE34-42D1-B51C-D4367365A454}"/>
+                <a16:creationId xmlns="" xmlns:a16="http://schemas.microsoft.com/office/drawing/2014/main" id="{AEF930C9-DE34-42D1-B51C-D4367365A454}"/>
               </a:ext>
             </a:extLst>
           </p:cNvPr>
@@ -13745,7 +13896,7 @@
           <p:cNvPr id="4" name="Content Placeholder 3">
             <a:extLst>
               <a:ext uri="{FF2B5EF4-FFF2-40B4-BE49-F238E27FC236}">
-                <a16:creationId xmlns:a16="http://schemas.microsoft.com/office/drawing/2014/main" xmlns="" id="{B2018AEE-6A81-49B2-AD03-CBA865B5659F}"/>
+                <a16:creationId xmlns="" xmlns:a16="http://schemas.microsoft.com/office/drawing/2014/main" id="{B2018AEE-6A81-49B2-AD03-CBA865B5659F}"/>
               </a:ext>
             </a:extLst>
           </p:cNvPr>
@@ -13868,7 +14019,7 @@
           <p:cNvPr id="6" name="Picture 5">
             <a:extLst>
               <a:ext uri="{FF2B5EF4-FFF2-40B4-BE49-F238E27FC236}">
-                <a16:creationId xmlns:a16="http://schemas.microsoft.com/office/drawing/2014/main" xmlns="" id="{5D56938D-3BE8-CE48-AA21-BE82D471014E}"/>
+                <a16:creationId xmlns="" xmlns:a16="http://schemas.microsoft.com/office/drawing/2014/main" id="{5D56938D-3BE8-CE48-AA21-BE82D471014E}"/>
               </a:ext>
             </a:extLst>
           </p:cNvPr>
@@ -13898,7 +14049,7 @@
           <p:cNvPr id="7" name="TextBox 6">
             <a:extLst>
               <a:ext uri="{FF2B5EF4-FFF2-40B4-BE49-F238E27FC236}">
-                <a16:creationId xmlns:a16="http://schemas.microsoft.com/office/drawing/2014/main" xmlns="" id="{D915B283-25CC-1646-BC03-AAA3C5A9F1CF}"/>
+                <a16:creationId xmlns="" xmlns:a16="http://schemas.microsoft.com/office/drawing/2014/main" id="{D915B283-25CC-1646-BC03-AAA3C5A9F1CF}"/>
               </a:ext>
             </a:extLst>
           </p:cNvPr>
@@ -13933,7 +14084,7 @@
           <p:cNvPr id="8" name="TextBox 7">
             <a:extLst>
               <a:ext uri="{FF2B5EF4-FFF2-40B4-BE49-F238E27FC236}">
-                <a16:creationId xmlns:a16="http://schemas.microsoft.com/office/drawing/2014/main" xmlns="" id="{77363FA3-080C-7D46-AEA8-CC10D34C1207}"/>
+                <a16:creationId xmlns="" xmlns:a16="http://schemas.microsoft.com/office/drawing/2014/main" id="{77363FA3-080C-7D46-AEA8-CC10D34C1207}"/>
               </a:ext>
             </a:extLst>
           </p:cNvPr>
@@ -13968,7 +14119,7 @@
           <p:cNvPr id="9" name="Picture 8">
             <a:extLst>
               <a:ext uri="{FF2B5EF4-FFF2-40B4-BE49-F238E27FC236}">
-                <a16:creationId xmlns:a16="http://schemas.microsoft.com/office/drawing/2014/main" xmlns="" id="{FF582211-B22A-104F-8420-2A250CBCAA9E}"/>
+                <a16:creationId xmlns="" xmlns:a16="http://schemas.microsoft.com/office/drawing/2014/main" id="{FF582211-B22A-104F-8420-2A250CBCAA9E}"/>
               </a:ext>
             </a:extLst>
           </p:cNvPr>
@@ -13998,7 +14149,7 @@
           <p:cNvPr id="10" name="Picture 9">
             <a:extLst>
               <a:ext uri="{FF2B5EF4-FFF2-40B4-BE49-F238E27FC236}">
-                <a16:creationId xmlns:a16="http://schemas.microsoft.com/office/drawing/2014/main" xmlns="" id="{64C88E78-58A0-AA4F-8247-DD709B7A6D22}"/>
+                <a16:creationId xmlns="" xmlns:a16="http://schemas.microsoft.com/office/drawing/2014/main" id="{64C88E78-58A0-AA4F-8247-DD709B7A6D22}"/>
               </a:ext>
             </a:extLst>
           </p:cNvPr>
@@ -14028,7 +14179,7 @@
           <p:cNvPr id="11" name="Picture 10">
             <a:extLst>
               <a:ext uri="{FF2B5EF4-FFF2-40B4-BE49-F238E27FC236}">
-                <a16:creationId xmlns:a16="http://schemas.microsoft.com/office/drawing/2014/main" xmlns="" id="{58BB88A8-9BD7-0741-B3D1-AF9BD689186F}"/>
+                <a16:creationId xmlns="" xmlns:a16="http://schemas.microsoft.com/office/drawing/2014/main" id="{58BB88A8-9BD7-0741-B3D1-AF9BD689186F}"/>
               </a:ext>
             </a:extLst>
           </p:cNvPr>
@@ -14058,7 +14209,7 @@
           <p:cNvPr id="12" name="Picture 11">
             <a:extLst>
               <a:ext uri="{FF2B5EF4-FFF2-40B4-BE49-F238E27FC236}">
-                <a16:creationId xmlns:a16="http://schemas.microsoft.com/office/drawing/2014/main" xmlns="" id="{E7ACC8CD-4378-9048-8D98-21A2B9229B32}"/>
+                <a16:creationId xmlns="" xmlns:a16="http://schemas.microsoft.com/office/drawing/2014/main" id="{E7ACC8CD-4378-9048-8D98-21A2B9229B32}"/>
               </a:ext>
             </a:extLst>
           </p:cNvPr>
@@ -14088,7 +14239,7 @@
           <p:cNvPr id="13" name="Picture 12">
             <a:extLst>
               <a:ext uri="{FF2B5EF4-FFF2-40B4-BE49-F238E27FC236}">
-                <a16:creationId xmlns:a16="http://schemas.microsoft.com/office/drawing/2014/main" xmlns="" id="{8241D1AC-3E3B-4B48-BA98-D299381640D0}"/>
+                <a16:creationId xmlns="" xmlns:a16="http://schemas.microsoft.com/office/drawing/2014/main" id="{8241D1AC-3E3B-4B48-BA98-D299381640D0}"/>
               </a:ext>
             </a:extLst>
           </p:cNvPr>
@@ -14118,7 +14269,7 @@
           <p:cNvPr id="14" name="Picture 13">
             <a:extLst>
               <a:ext uri="{FF2B5EF4-FFF2-40B4-BE49-F238E27FC236}">
-                <a16:creationId xmlns:a16="http://schemas.microsoft.com/office/drawing/2014/main" xmlns="" id="{E0EA4702-2322-264D-A590-075F66A6A62D}"/>
+                <a16:creationId xmlns="" xmlns:a16="http://schemas.microsoft.com/office/drawing/2014/main" id="{E0EA4702-2322-264D-A590-075F66A6A62D}"/>
               </a:ext>
             </a:extLst>
           </p:cNvPr>
@@ -14148,7 +14299,7 @@
           <p:cNvPr id="15" name="TextBox 14">
             <a:extLst>
               <a:ext uri="{FF2B5EF4-FFF2-40B4-BE49-F238E27FC236}">
-                <a16:creationId xmlns:a16="http://schemas.microsoft.com/office/drawing/2014/main" xmlns="" id="{37F33105-3CB6-5448-993D-18286D514369}"/>
+                <a16:creationId xmlns="" xmlns:a16="http://schemas.microsoft.com/office/drawing/2014/main" id="{37F33105-3CB6-5448-993D-18286D514369}"/>
               </a:ext>
             </a:extLst>
           </p:cNvPr>
@@ -14187,7 +14338,7 @@
           <p:cNvPr id="16" name="TextBox 15">
             <a:extLst>
               <a:ext uri="{FF2B5EF4-FFF2-40B4-BE49-F238E27FC236}">
-                <a16:creationId xmlns:a16="http://schemas.microsoft.com/office/drawing/2014/main" xmlns="" id="{2D9E2BE1-00EA-4649-A03B-4CA2B529D5AD}"/>
+                <a16:creationId xmlns="" xmlns:a16="http://schemas.microsoft.com/office/drawing/2014/main" id="{2D9E2BE1-00EA-4649-A03B-4CA2B529D5AD}"/>
               </a:ext>
             </a:extLst>
           </p:cNvPr>
@@ -14226,7 +14377,7 @@
           <p:cNvPr id="17" name="TextBox 16">
             <a:extLst>
               <a:ext uri="{FF2B5EF4-FFF2-40B4-BE49-F238E27FC236}">
-                <a16:creationId xmlns:a16="http://schemas.microsoft.com/office/drawing/2014/main" xmlns="" id="{A97E85AB-C406-4348-9B0F-C64047D9B338}"/>
+                <a16:creationId xmlns="" xmlns:a16="http://schemas.microsoft.com/office/drawing/2014/main" id="{A97E85AB-C406-4348-9B0F-C64047D9B338}"/>
               </a:ext>
             </a:extLst>
           </p:cNvPr>
@@ -14265,7 +14416,7 @@
           <p:cNvPr id="2" name="Rectangle 1">
             <a:extLst>
               <a:ext uri="{FF2B5EF4-FFF2-40B4-BE49-F238E27FC236}">
-                <a16:creationId xmlns:a16="http://schemas.microsoft.com/office/drawing/2014/main" xmlns="" id="{E3222E19-2670-4835-9385-7B4B7C92EB90}"/>
+                <a16:creationId xmlns="" xmlns:a16="http://schemas.microsoft.com/office/drawing/2014/main" id="{E3222E19-2670-4835-9385-7B4B7C92EB90}"/>
               </a:ext>
             </a:extLst>
           </p:cNvPr>
@@ -14438,7 +14589,7 @@
           <p:cNvPr id="2" name="Title 1">
             <a:extLst>
               <a:ext uri="{FF2B5EF4-FFF2-40B4-BE49-F238E27FC236}">
-                <a16:creationId xmlns:a16="http://schemas.microsoft.com/office/drawing/2014/main" xmlns="" id="{DACA88CE-21C6-4B0E-A7F8-45202789E753}"/>
+                <a16:creationId xmlns="" xmlns:a16="http://schemas.microsoft.com/office/drawing/2014/main" id="{DACA88CE-21C6-4B0E-A7F8-45202789E753}"/>
               </a:ext>
             </a:extLst>
           </p:cNvPr>
@@ -14471,7 +14622,7 @@
           <p:cNvPr id="3" name="Content Placeholder 2">
             <a:extLst>
               <a:ext uri="{FF2B5EF4-FFF2-40B4-BE49-F238E27FC236}">
-                <a16:creationId xmlns:a16="http://schemas.microsoft.com/office/drawing/2014/main" xmlns="" id="{FA0C8D5D-E5D2-44E2-84C9-DB263BC00B11}"/>
+                <a16:creationId xmlns="" xmlns:a16="http://schemas.microsoft.com/office/drawing/2014/main" id="{FA0C8D5D-E5D2-44E2-84C9-DB263BC00B11}"/>
               </a:ext>
             </a:extLst>
           </p:cNvPr>
@@ -14496,7 +14647,7 @@
           <p:cNvPr id="4" name="Content Placeholder 3">
             <a:extLst>
               <a:ext uri="{FF2B5EF4-FFF2-40B4-BE49-F238E27FC236}">
-                <a16:creationId xmlns:a16="http://schemas.microsoft.com/office/drawing/2014/main" xmlns="" id="{18B30F1E-0F8D-4C56-9A12-89065408D6AB}"/>
+                <a16:creationId xmlns="" xmlns:a16="http://schemas.microsoft.com/office/drawing/2014/main" id="{18B30F1E-0F8D-4C56-9A12-89065408D6AB}"/>
               </a:ext>
             </a:extLst>
           </p:cNvPr>
@@ -14558,7 +14709,7 @@
           <p:cNvPr id="2" name="Title 1">
             <a:extLst>
               <a:ext uri="{FF2B5EF4-FFF2-40B4-BE49-F238E27FC236}">
-                <a16:creationId xmlns:a16="http://schemas.microsoft.com/office/drawing/2014/main" xmlns="" id="{C55C24C6-B163-4227-BDFA-DB2684557434}"/>
+                <a16:creationId xmlns="" xmlns:a16="http://schemas.microsoft.com/office/drawing/2014/main" id="{C55C24C6-B163-4227-BDFA-DB2684557434}"/>
               </a:ext>
             </a:extLst>
           </p:cNvPr>
@@ -14586,7 +14737,7 @@
           <p:cNvPr id="5" name="Picture 4">
             <a:extLst>
               <a:ext uri="{FF2B5EF4-FFF2-40B4-BE49-F238E27FC236}">
-                <a16:creationId xmlns:a16="http://schemas.microsoft.com/office/drawing/2014/main" xmlns="" id="{C6DCA446-9741-F641-9A2E-EBE48C542704}"/>
+                <a16:creationId xmlns="" xmlns:a16="http://schemas.microsoft.com/office/drawing/2014/main" id="{C6DCA446-9741-F641-9A2E-EBE48C542704}"/>
               </a:ext>
             </a:extLst>
           </p:cNvPr>
@@ -14616,7 +14767,7 @@
           <p:cNvPr id="7" name="TextBox 6">
             <a:extLst>
               <a:ext uri="{FF2B5EF4-FFF2-40B4-BE49-F238E27FC236}">
-                <a16:creationId xmlns:a16="http://schemas.microsoft.com/office/drawing/2014/main" xmlns="" id="{8D0767D8-301B-0741-A1B6-F8297F8239C8}"/>
+                <a16:creationId xmlns="" xmlns:a16="http://schemas.microsoft.com/office/drawing/2014/main" id="{8D0767D8-301B-0741-A1B6-F8297F8239C8}"/>
               </a:ext>
             </a:extLst>
           </p:cNvPr>
@@ -14742,8 +14893,8 @@
         </p:nvSpPr>
         <p:spPr>
           <a:xfrm>
-            <a:off x="1141410" y="1959429"/>
-            <a:ext cx="4878389" cy="3831771"/>
+            <a:off x="1141411" y="1959429"/>
+            <a:ext cx="4191537" cy="2988586"/>
           </a:xfrm>
         </p:spPr>
         <p:txBody>
@@ -14760,13 +14911,21 @@
           <a:p>
             <a:r>
               <a:rPr lang="en-IN" sz="1300" dirty="0" smtClean="0"/>
-              <a:t>Performed PCA, and got better accuracy of 44.25% with first 360 PCs</a:t>
-            </a:r>
-          </a:p>
-          <a:p>
+              <a:t>Performed PCA, and got better accuracy of 44.25% with first 360 </a:t>
+            </a:r>
             <a:r>
               <a:rPr lang="en-IN" sz="1300" dirty="0" smtClean="0"/>
-              <a:t>Tried couple of other approaches </a:t>
+              <a:t>PCs (more metrics shown in table below)</a:t>
+            </a:r>
+          </a:p>
+          <a:p>
+            <a:r>
+              <a:rPr lang="en-IN" sz="1300" dirty="0" smtClean="0"/>
+              <a:t>Tried </a:t>
+            </a:r>
+            <a:r>
+              <a:rPr lang="en-IN" sz="1300" dirty="0" smtClean="0"/>
+              <a:t>couple of other approaches </a:t>
             </a:r>
             <a:endParaRPr lang="en-IN" sz="1300" dirty="0"/>
           </a:p>
@@ -14794,9 +14953,571 @@
             </a:pPr>
             <a:r>
               <a:rPr lang="en-IN" sz="1300" dirty="0" smtClean="0"/>
-              <a:t>to get accuracy of 42.46% and 43.83%, respectively</a:t>
-            </a:r>
+              <a:t>to get accuracy of 42.46% and 43.83%, </a:t>
+            </a:r>
+            <a:r>
+              <a:rPr lang="en-IN" sz="1300" dirty="0" smtClean="0"/>
+              <a:t>respectively</a:t>
+            </a:r>
+          </a:p>
+          <a:p>
+            <a:pPr marL="0" indent="0">
+              <a:buNone/>
+            </a:pPr>
             <a:endParaRPr lang="en-IN" sz="1300" dirty="0"/>
+          </a:p>
+          <a:p>
+            <a:pPr marL="0" indent="0">
+              <a:buNone/>
+            </a:pPr>
+            <a:endParaRPr lang="en-IN" sz="1300" dirty="0"/>
+          </a:p>
+        </p:txBody>
+      </p:sp>
+      <p:pic>
+        <p:nvPicPr>
+          <p:cNvPr id="2050" name="Picture 2"/>
+          <p:cNvPicPr>
+            <a:picLocks noChangeAspect="1" noChangeArrowheads="1"/>
+          </p:cNvPicPr>
+          <p:nvPr/>
+        </p:nvPicPr>
+        <p:blipFill>
+          <a:blip r:embed="rId2">
+            <a:extLst>
+              <a:ext uri="{28A0092B-C50C-407E-A947-70E740481C1C}">
+                <a14:useLocalDpi xmlns:a14="http://schemas.microsoft.com/office/drawing/2010/main" val="0"/>
+              </a:ext>
+            </a:extLst>
+          </a:blip>
+          <a:srcRect/>
+          <a:stretch>
+            <a:fillRect/>
+          </a:stretch>
+        </p:blipFill>
+        <p:spPr bwMode="auto">
+          <a:xfrm>
+            <a:off x="5435497" y="1808119"/>
+            <a:ext cx="6205158" cy="3225353"/>
+          </a:xfrm>
+          <a:prstGeom prst="rect">
+            <a:avLst/>
+          </a:prstGeom>
+          <a:noFill/>
+          <a:ln>
+            <a:noFill/>
+          </a:ln>
+          <a:extLst>
+            <a:ext uri="{909E8E84-426E-40DD-AFC4-6F175D3DCCD1}">
+              <a14:hiddenFill xmlns:a14="http://schemas.microsoft.com/office/drawing/2010/main">
+                <a:solidFill>
+                  <a:schemeClr val="accent1"/>
+                </a:solidFill>
+              </a14:hiddenFill>
+            </a:ext>
+            <a:ext uri="{91240B29-F687-4F45-9708-019B960494DF}">
+              <a14:hiddenLine xmlns:a14="http://schemas.microsoft.com/office/drawing/2010/main" w="9525">
+                <a:solidFill>
+                  <a:schemeClr val="tx1"/>
+                </a:solidFill>
+                <a:miter lim="800000"/>
+                <a:headEnd/>
+                <a:tailEnd/>
+              </a14:hiddenLine>
+            </a:ext>
+          </a:extLst>
+        </p:spPr>
+      </p:pic>
+      <p:graphicFrame>
+        <p:nvGraphicFramePr>
+          <p:cNvPr id="4" name="Table 3"/>
+          <p:cNvGraphicFramePr>
+            <a:graphicFrameLocks noGrp="1"/>
+          </p:cNvGraphicFramePr>
+          <p:nvPr>
+            <p:extLst>
+              <p:ext uri="{D42A27DB-BD31-4B8C-83A1-F6EECF244321}">
+                <p14:modId xmlns:p14="http://schemas.microsoft.com/office/powerpoint/2010/main" val="530040992"/>
+              </p:ext>
+            </p:extLst>
+          </p:nvPr>
+        </p:nvGraphicFramePr>
+        <p:xfrm>
+          <a:off x="2527652" y="5266028"/>
+          <a:ext cx="7411107" cy="975360"/>
+        </p:xfrm>
+        <a:graphic>
+          <a:graphicData uri="http://schemas.openxmlformats.org/drawingml/2006/table">
+            <a:tbl>
+              <a:tblPr firstRow="1" bandRow="1">
+                <a:tableStyleId>{5C22544A-7EE6-4342-B048-85BDC9FD1C3A}</a:tableStyleId>
+              </a:tblPr>
+              <a:tblGrid>
+                <a:gridCol w="1058793"/>
+                <a:gridCol w="775875"/>
+                <a:gridCol w="917335"/>
+                <a:gridCol w="917335"/>
+                <a:gridCol w="917335"/>
+                <a:gridCol w="917335"/>
+                <a:gridCol w="965521"/>
+                <a:gridCol w="941578"/>
+              </a:tblGrid>
+              <a:tr h="335809">
+                <a:tc>
+                  <a:txBody>
+                    <a:bodyPr/>
+                    <a:lstStyle/>
+                    <a:p>
+                      <a:endParaRPr lang="en-US" dirty="0"/>
+                    </a:p>
+                  </a:txBody>
+                  <a:tcPr/>
+                </a:tc>
+                <a:tc>
+                  <a:txBody>
+                    <a:bodyPr/>
+                    <a:lstStyle/>
+                    <a:p>
+                      <a:pPr algn="ctr"/>
+                      <a:r>
+                        <a:rPr lang="en-US" sz="1400" dirty="0" smtClean="0"/>
+                        <a:t>ANGRY</a:t>
+                      </a:r>
+                      <a:endParaRPr lang="en-US" sz="1400" dirty="0"/>
+                    </a:p>
+                  </a:txBody>
+                  <a:tcPr/>
+                </a:tc>
+                <a:tc>
+                  <a:txBody>
+                    <a:bodyPr/>
+                    <a:lstStyle/>
+                    <a:p>
+                      <a:pPr algn="ctr"/>
+                      <a:r>
+                        <a:rPr lang="en-US" sz="1400" dirty="0" smtClean="0"/>
+                        <a:t>DISGUST</a:t>
+                      </a:r>
+                      <a:endParaRPr lang="en-US" sz="1400" dirty="0"/>
+                    </a:p>
+                  </a:txBody>
+                  <a:tcPr/>
+                </a:tc>
+                <a:tc>
+                  <a:txBody>
+                    <a:bodyPr/>
+                    <a:lstStyle/>
+                    <a:p>
+                      <a:pPr algn="ctr"/>
+                      <a:r>
+                        <a:rPr lang="en-US" sz="1400" dirty="0" smtClean="0"/>
+                        <a:t>FEAR</a:t>
+                      </a:r>
+                      <a:endParaRPr lang="en-US" sz="1400" dirty="0"/>
+                    </a:p>
+                  </a:txBody>
+                  <a:tcPr/>
+                </a:tc>
+                <a:tc>
+                  <a:txBody>
+                    <a:bodyPr/>
+                    <a:lstStyle/>
+                    <a:p>
+                      <a:pPr algn="ctr"/>
+                      <a:r>
+                        <a:rPr lang="en-US" sz="1400" dirty="0" smtClean="0"/>
+                        <a:t>HAPPY</a:t>
+                      </a:r>
+                      <a:endParaRPr lang="en-US" sz="1400" dirty="0"/>
+                    </a:p>
+                  </a:txBody>
+                  <a:tcPr/>
+                </a:tc>
+                <a:tc>
+                  <a:txBody>
+                    <a:bodyPr/>
+                    <a:lstStyle/>
+                    <a:p>
+                      <a:pPr algn="ctr"/>
+                      <a:r>
+                        <a:rPr lang="en-US" sz="1400" dirty="0" smtClean="0"/>
+                        <a:t>SAD</a:t>
+                      </a:r>
+                      <a:endParaRPr lang="en-US" sz="1400" dirty="0"/>
+                    </a:p>
+                  </a:txBody>
+                  <a:tcPr/>
+                </a:tc>
+                <a:tc>
+                  <a:txBody>
+                    <a:bodyPr/>
+                    <a:lstStyle/>
+                    <a:p>
+                      <a:pPr algn="ctr"/>
+                      <a:r>
+                        <a:rPr lang="en-US" sz="1400" dirty="0" smtClean="0"/>
+                        <a:t>SURPRISE</a:t>
+                      </a:r>
+                      <a:endParaRPr lang="en-US" sz="1400" dirty="0"/>
+                    </a:p>
+                  </a:txBody>
+                  <a:tcPr/>
+                </a:tc>
+                <a:tc>
+                  <a:txBody>
+                    <a:bodyPr/>
+                    <a:lstStyle/>
+                    <a:p>
+                      <a:pPr algn="ctr"/>
+                      <a:r>
+                        <a:rPr lang="en-US" sz="1400" dirty="0" smtClean="0"/>
+                        <a:t>NEUTRAL</a:t>
+                      </a:r>
+                      <a:endParaRPr lang="en-US" sz="1400" dirty="0"/>
+                    </a:p>
+                  </a:txBody>
+                  <a:tcPr/>
+                </a:tc>
+              </a:tr>
+              <a:tr h="279841">
+                <a:tc>
+                  <a:txBody>
+                    <a:bodyPr/>
+                    <a:lstStyle/>
+                    <a:p>
+                      <a:r>
+                        <a:rPr lang="en-US" sz="1400" dirty="0" smtClean="0"/>
+                        <a:t>PPV</a:t>
+                      </a:r>
+                      <a:endParaRPr lang="en-US" sz="1400" dirty="0"/>
+                    </a:p>
+                  </a:txBody>
+                  <a:tcPr/>
+                </a:tc>
+                <a:tc>
+                  <a:txBody>
+                    <a:bodyPr/>
+                    <a:lstStyle/>
+                    <a:p>
+                      <a:pPr algn="ctr"/>
+                      <a:r>
+                        <a:rPr lang="en-US" sz="1400" dirty="0" smtClean="0"/>
+                        <a:t>39.4%</a:t>
+                      </a:r>
+                      <a:endParaRPr lang="en-US" sz="1400" dirty="0"/>
+                    </a:p>
+                  </a:txBody>
+                  <a:tcPr/>
+                </a:tc>
+                <a:tc>
+                  <a:txBody>
+                    <a:bodyPr/>
+                    <a:lstStyle/>
+                    <a:p>
+                      <a:pPr algn="ctr"/>
+                      <a:r>
+                        <a:rPr lang="en-US" sz="1400" dirty="0" smtClean="0"/>
+                        <a:t>100</a:t>
+                      </a:r>
+                      <a:r>
+                        <a:rPr lang="en-US" sz="1400" dirty="0" smtClean="0"/>
+                        <a:t>%</a:t>
+                      </a:r>
+                      <a:endParaRPr lang="en-US" sz="1400" dirty="0"/>
+                    </a:p>
+                  </a:txBody>
+                  <a:tcPr/>
+                </a:tc>
+                <a:tc>
+                  <a:txBody>
+                    <a:bodyPr/>
+                    <a:lstStyle/>
+                    <a:p>
+                      <a:pPr algn="ctr"/>
+                      <a:r>
+                        <a:rPr lang="en-US" sz="1400" dirty="0" smtClean="0"/>
+                        <a:t>37.2</a:t>
+                      </a:r>
+                      <a:r>
+                        <a:rPr lang="en-US" sz="1400" dirty="0" smtClean="0"/>
+                        <a:t>%</a:t>
+                      </a:r>
+                      <a:endParaRPr lang="en-US" sz="1400" dirty="0"/>
+                    </a:p>
+                  </a:txBody>
+                  <a:tcPr/>
+                </a:tc>
+                <a:tc>
+                  <a:txBody>
+                    <a:bodyPr/>
+                    <a:lstStyle/>
+                    <a:p>
+                      <a:pPr algn="ctr"/>
+                      <a:r>
+                        <a:rPr lang="en-US" sz="1400" dirty="0" smtClean="0"/>
+                        <a:t>57.5</a:t>
+                      </a:r>
+                      <a:r>
+                        <a:rPr lang="en-US" sz="1400" dirty="0" smtClean="0"/>
+                        <a:t>%</a:t>
+                      </a:r>
+                      <a:endParaRPr lang="en-US" sz="1400" dirty="0"/>
+                    </a:p>
+                  </a:txBody>
+                  <a:tcPr/>
+                </a:tc>
+                <a:tc>
+                  <a:txBody>
+                    <a:bodyPr/>
+                    <a:lstStyle/>
+                    <a:p>
+                      <a:pPr algn="ctr"/>
+                      <a:r>
+                        <a:rPr lang="en-US" sz="1400" dirty="0" smtClean="0"/>
+                        <a:t>31.2</a:t>
+                      </a:r>
+                      <a:r>
+                        <a:rPr lang="en-US" sz="1400" dirty="0" smtClean="0"/>
+                        <a:t>%</a:t>
+                      </a:r>
+                      <a:endParaRPr lang="en-US" sz="1400" dirty="0"/>
+                    </a:p>
+                  </a:txBody>
+                  <a:tcPr/>
+                </a:tc>
+                <a:tc>
+                  <a:txBody>
+                    <a:bodyPr/>
+                    <a:lstStyle/>
+                    <a:p>
+                      <a:pPr algn="ctr"/>
+                      <a:r>
+                        <a:rPr lang="en-US" sz="1400" dirty="0" smtClean="0"/>
+                        <a:t>67.6</a:t>
+                      </a:r>
+                      <a:r>
+                        <a:rPr lang="en-US" sz="1400" dirty="0" smtClean="0"/>
+                        <a:t>%</a:t>
+                      </a:r>
+                      <a:endParaRPr lang="en-US" sz="1400" dirty="0"/>
+                    </a:p>
+                  </a:txBody>
+                  <a:tcPr/>
+                </a:tc>
+                <a:tc>
+                  <a:txBody>
+                    <a:bodyPr/>
+                    <a:lstStyle/>
+                    <a:p>
+                      <a:pPr algn="ctr"/>
+                      <a:r>
+                        <a:rPr lang="en-US" sz="1400" dirty="0" smtClean="0"/>
+                        <a:t>36.5</a:t>
+                      </a:r>
+                      <a:r>
+                        <a:rPr lang="en-US" sz="1400" dirty="0" smtClean="0"/>
+                        <a:t>%</a:t>
+                      </a:r>
+                      <a:endParaRPr lang="en-US" sz="1400" dirty="0"/>
+                    </a:p>
+                  </a:txBody>
+                  <a:tcPr/>
+                </a:tc>
+              </a:tr>
+              <a:tr h="279841">
+                <a:tc>
+                  <a:txBody>
+                    <a:bodyPr/>
+                    <a:lstStyle/>
+                    <a:p>
+                      <a:r>
+                        <a:rPr lang="en-US" sz="1400" dirty="0" smtClean="0"/>
+                        <a:t>Sensitivity</a:t>
+                      </a:r>
+                      <a:endParaRPr lang="en-US" sz="1400" dirty="0"/>
+                    </a:p>
+                  </a:txBody>
+                  <a:tcPr/>
+                </a:tc>
+                <a:tc>
+                  <a:txBody>
+                    <a:bodyPr/>
+                    <a:lstStyle/>
+                    <a:p>
+                      <a:pPr algn="ctr"/>
+                      <a:r>
+                        <a:rPr lang="en-US" sz="1400" dirty="0" smtClean="0">
+                          <a:effectLst/>
+                        </a:rPr>
+                        <a:t>22.2</a:t>
+                      </a:r>
+                      <a:r>
+                        <a:rPr lang="en-US" sz="1400" dirty="0" smtClean="0">
+                          <a:effectLst/>
+                        </a:rPr>
+                        <a:t>%</a:t>
+                      </a:r>
+                      <a:r>
+                        <a:rPr lang="en-US" sz="1400" dirty="0" smtClean="0">
+                          <a:effectLst/>
+                        </a:rPr>
+                        <a:t> </a:t>
+                      </a:r>
+                      <a:endParaRPr lang="en-US" sz="1400" dirty="0"/>
+                    </a:p>
+                  </a:txBody>
+                  <a:tcPr/>
+                </a:tc>
+                <a:tc>
+                  <a:txBody>
+                    <a:bodyPr/>
+                    <a:lstStyle/>
+                    <a:p>
+                      <a:pPr algn="ctr"/>
+                      <a:r>
+                        <a:rPr lang="en-US" sz="1400" dirty="0" smtClean="0">
+                          <a:effectLst/>
+                        </a:rPr>
+                        <a:t>29.1%</a:t>
+                      </a:r>
+                      <a:endParaRPr lang="en-US" sz="1400" dirty="0"/>
+                    </a:p>
+                  </a:txBody>
+                  <a:tcPr/>
+                </a:tc>
+                <a:tc>
+                  <a:txBody>
+                    <a:bodyPr/>
+                    <a:lstStyle/>
+                    <a:p>
+                      <a:pPr algn="ctr"/>
+                      <a:r>
+                        <a:rPr lang="en-US" sz="1400" dirty="0" smtClean="0">
+                          <a:effectLst/>
+                        </a:rPr>
+                        <a:t>27.7%</a:t>
+                      </a:r>
+                      <a:endParaRPr lang="en-US" sz="1400" dirty="0"/>
+                    </a:p>
+                  </a:txBody>
+                  <a:tcPr/>
+                </a:tc>
+                <a:tc>
+                  <a:txBody>
+                    <a:bodyPr/>
+                    <a:lstStyle/>
+                    <a:p>
+                      <a:pPr algn="ctr"/>
+                      <a:r>
+                        <a:rPr lang="en-US" sz="1400" dirty="0" smtClean="0">
+                          <a:effectLst/>
+                        </a:rPr>
+                        <a:t>60.9%</a:t>
+                      </a:r>
+                      <a:endParaRPr lang="en-US" sz="1400" dirty="0"/>
+                    </a:p>
+                  </a:txBody>
+                  <a:tcPr/>
+                </a:tc>
+                <a:tc>
+                  <a:txBody>
+                    <a:bodyPr/>
+                    <a:lstStyle/>
+                    <a:p>
+                      <a:pPr algn="ctr"/>
+                      <a:r>
+                        <a:rPr lang="en-US" sz="1400" dirty="0" smtClean="0">
+                          <a:effectLst/>
+                        </a:rPr>
+                        <a:t>40.9%</a:t>
+                      </a:r>
+                      <a:endParaRPr lang="en-US" sz="1400" dirty="0"/>
+                    </a:p>
+                  </a:txBody>
+                  <a:tcPr/>
+                </a:tc>
+                <a:tc>
+                  <a:txBody>
+                    <a:bodyPr/>
+                    <a:lstStyle/>
+                    <a:p>
+                      <a:pPr algn="ctr"/>
+                      <a:r>
+                        <a:rPr lang="en-US" sz="1400" dirty="0" smtClean="0">
+                          <a:effectLst/>
+                        </a:rPr>
+                        <a:t>54.1%</a:t>
+                      </a:r>
+                      <a:endParaRPr lang="en-US" sz="1400" dirty="0"/>
+                    </a:p>
+                  </a:txBody>
+                  <a:tcPr/>
+                </a:tc>
+                <a:tc>
+                  <a:txBody>
+                    <a:bodyPr/>
+                    <a:lstStyle/>
+                    <a:p>
+                      <a:pPr marL="0" marR="0" indent="0" algn="ctr" defTabSz="914400" rtl="0" eaLnBrk="1" fontAlgn="auto" latinLnBrk="0" hangingPunct="1">
+                        <a:lnSpc>
+                          <a:spcPct val="100000"/>
+                        </a:lnSpc>
+                        <a:spcBef>
+                          <a:spcPts val="0"/>
+                        </a:spcBef>
+                        <a:spcAft>
+                          <a:spcPts val="0"/>
+                        </a:spcAft>
+                        <a:buClrTx/>
+                        <a:buSzTx/>
+                        <a:buFontTx/>
+                        <a:buNone/>
+                        <a:tabLst/>
+                        <a:defRPr/>
+                      </a:pPr>
+                      <a:r>
+                        <a:rPr lang="en-US" sz="1400" dirty="0" smtClean="0">
+                          <a:effectLst/>
+                        </a:rPr>
+                        <a:t>50.2%</a:t>
+                      </a:r>
+                      <a:endParaRPr lang="en-US" sz="1400" dirty="0" smtClean="0"/>
+                    </a:p>
+                  </a:txBody>
+                  <a:tcPr/>
+                </a:tc>
+              </a:tr>
+            </a:tbl>
+          </a:graphicData>
+        </a:graphic>
+      </p:graphicFrame>
+      <p:sp>
+        <p:nvSpPr>
+          <p:cNvPr id="5" name="TextBox 4"/>
+          <p:cNvSpPr txBox="1"/>
+          <p:nvPr/>
+        </p:nvSpPr>
+        <p:spPr>
+          <a:xfrm>
+            <a:off x="5999148" y="1471709"/>
+            <a:ext cx="5392396" cy="292388"/>
+          </a:xfrm>
+          <a:prstGeom prst="rect">
+            <a:avLst/>
+          </a:prstGeom>
+          <a:noFill/>
+        </p:spPr>
+        <p:txBody>
+          <a:bodyPr wrap="square" rtlCol="0">
+            <a:spAutoFit/>
+          </a:bodyPr>
+          <a:lstStyle/>
+          <a:p>
+            <a:r>
+              <a:rPr lang="en-US" sz="1300" dirty="0" smtClean="0"/>
+              <a:t>Scatter plot across the first two PCs, with each class shown in a separate plot</a:t>
+            </a:r>
+            <a:endParaRPr lang="en-US" sz="1300" dirty="0"/>
           </a:p>
         </p:txBody>
       </p:sp>
@@ -14987,21 +15708,21 @@
                 <a:gridCol w="1709407">
                   <a:extLst>
                     <a:ext uri="{9D8B030D-6E8A-4147-A177-3AD203B41FA5}">
-                      <a16:colId xmlns:a16="http://schemas.microsoft.com/office/drawing/2014/main" xmlns="" val="3550727435"/>
+                      <a16:colId xmlns="" xmlns:a16="http://schemas.microsoft.com/office/drawing/2014/main" val="3550727435"/>
                     </a:ext>
                   </a:extLst>
                 </a:gridCol>
                 <a:gridCol w="1487685">
                   <a:extLst>
                     <a:ext uri="{9D8B030D-6E8A-4147-A177-3AD203B41FA5}">
-                      <a16:colId xmlns:a16="http://schemas.microsoft.com/office/drawing/2014/main" xmlns="" val="3295678948"/>
+                      <a16:colId xmlns="" xmlns:a16="http://schemas.microsoft.com/office/drawing/2014/main" val="3295678948"/>
                     </a:ext>
                   </a:extLst>
                 </a:gridCol>
                 <a:gridCol w="1592036">
                   <a:extLst>
                     <a:ext uri="{9D8B030D-6E8A-4147-A177-3AD203B41FA5}">
-                      <a16:colId xmlns:a16="http://schemas.microsoft.com/office/drawing/2014/main" xmlns="" val="485902210"/>
+                      <a16:colId xmlns="" xmlns:a16="http://schemas.microsoft.com/office/drawing/2014/main" val="485902210"/>
                     </a:ext>
                   </a:extLst>
                 </a:gridCol>
@@ -15009,14 +15730,14 @@
                 <a:gridCol w="1502229">
                   <a:extLst>
                     <a:ext uri="{9D8B030D-6E8A-4147-A177-3AD203B41FA5}">
-                      <a16:colId xmlns:a16="http://schemas.microsoft.com/office/drawing/2014/main" xmlns="" val="1751447481"/>
+                      <a16:colId xmlns="" xmlns:a16="http://schemas.microsoft.com/office/drawing/2014/main" val="1751447481"/>
                     </a:ext>
                   </a:extLst>
                 </a:gridCol>
                 <a:gridCol w="3102428">
                   <a:extLst>
                     <a:ext uri="{9D8B030D-6E8A-4147-A177-3AD203B41FA5}">
-                      <a16:colId xmlns:a16="http://schemas.microsoft.com/office/drawing/2014/main" xmlns="" val="788984757"/>
+                      <a16:colId xmlns="" xmlns:a16="http://schemas.microsoft.com/office/drawing/2014/main" val="788984757"/>
                     </a:ext>
                   </a:extLst>
                 </a:gridCol>
@@ -15099,7 +15820,7 @@
                 </a:tc>
                 <a:extLst>
                   <a:ext uri="{0D108BD9-81ED-4DB2-BD59-A6C34878D82A}">
-                    <a16:rowId xmlns:a16="http://schemas.microsoft.com/office/drawing/2014/main" xmlns="" val="418414485"/>
+                    <a16:rowId xmlns="" xmlns:a16="http://schemas.microsoft.com/office/drawing/2014/main" val="418414485"/>
                   </a:ext>
                 </a:extLst>
               </a:tr>
@@ -15288,7 +16009,7 @@
                 </a:tc>
                 <a:extLst>
                   <a:ext uri="{0D108BD9-81ED-4DB2-BD59-A6C34878D82A}">
-                    <a16:rowId xmlns:a16="http://schemas.microsoft.com/office/drawing/2014/main" xmlns="" val="2740143975"/>
+                    <a16:rowId xmlns="" xmlns:a16="http://schemas.microsoft.com/office/drawing/2014/main" val="2740143975"/>
                   </a:ext>
                 </a:extLst>
               </a:tr>
@@ -15384,7 +16105,7 @@
                 </a:tc>
                 <a:extLst>
                   <a:ext uri="{0D108BD9-81ED-4DB2-BD59-A6C34878D82A}">
-                    <a16:rowId xmlns:a16="http://schemas.microsoft.com/office/drawing/2014/main" xmlns="" val="4075877440"/>
+                    <a16:rowId xmlns="" xmlns:a16="http://schemas.microsoft.com/office/drawing/2014/main" val="4075877440"/>
                   </a:ext>
                 </a:extLst>
               </a:tr>
@@ -15460,7 +16181,7 @@
                 </a:tc>
                 <a:extLst>
                   <a:ext uri="{0D108BD9-81ED-4DB2-BD59-A6C34878D82A}">
-                    <a16:rowId xmlns:a16="http://schemas.microsoft.com/office/drawing/2014/main" xmlns="" val="541031661"/>
+                    <a16:rowId xmlns="" xmlns:a16="http://schemas.microsoft.com/office/drawing/2014/main" val="541031661"/>
                   </a:ext>
                 </a:extLst>
               </a:tr>
@@ -15536,7 +16257,7 @@
                 </a:tc>
                 <a:extLst>
                   <a:ext uri="{0D108BD9-81ED-4DB2-BD59-A6C34878D82A}">
-                    <a16:rowId xmlns:a16="http://schemas.microsoft.com/office/drawing/2014/main" xmlns="" val="1396813758"/>
+                    <a16:rowId xmlns="" xmlns:a16="http://schemas.microsoft.com/office/drawing/2014/main" val="1396813758"/>
                   </a:ext>
                 </a:extLst>
               </a:tr>
@@ -15809,7 +16530,7 @@
   <a:extraClrSchemeLst/>
   <a:extLst>
     <a:ext uri="{05A4C25C-085E-4340-85A3-A5531E510DB2}">
-      <thm15:themeFamily xmlns:thm15="http://schemas.microsoft.com/office/thememl/2012/main" xmlns="" name="Circuit" id="{0AC2F7E7-15F5-431C-B2A2-456FE929F56C}" vid="{0911B802-464C-4241-8DD9-B60FF88E379F}"/>
+      <thm15:themeFamily xmlns="" xmlns:thm15="http://schemas.microsoft.com/office/thememl/2012/main" name="Circuit" id="{0AC2F7E7-15F5-431C-B2A2-456FE929F56C}" vid="{0911B802-464C-4241-8DD9-B60FF88E379F}"/>
     </a:ext>
   </a:extLst>
 </a:theme>
@@ -16070,7 +16791,7 @@
   <a:extraClrSchemeLst/>
   <a:extLst>
     <a:ext uri="{05A4C25C-085E-4340-85A3-A5531E510DB2}">
-      <thm15:themeFamily xmlns:thm15="http://schemas.microsoft.com/office/thememl/2012/main" xmlns="" name="Office Theme" id="{62F939B6-93AF-4DB8-9C6B-D6C7DFDC589F}" vid="{4A3C46E8-61CC-4603-A589-7422A47A8E4A}"/>
+      <thm15:themeFamily xmlns="" xmlns:thm15="http://schemas.microsoft.com/office/thememl/2012/main" name="Office Theme" id="{62F939B6-93AF-4DB8-9C6B-D6C7DFDC589F}" vid="{4A3C46E8-61CC-4603-A589-7422A47A8E4A}"/>
     </a:ext>
   </a:extLst>
 </a:theme>

--- a/Final Project Draft.pptx
+++ b/Final Project Draft.pptx
@@ -119,7 +119,18 @@
   </p:defaultTextStyle>
   <p:extLst>
     <p:ext uri="{EFAFB233-063F-42B5-8137-9DF3F51BA10A}">
-      <p15:sldGuideLst xmlns="" xmlns:p15="http://schemas.microsoft.com/office/powerpoint/2012/main"/>
+      <p15:sldGuideLst xmlns:p15="http://schemas.microsoft.com/office/powerpoint/2012/main">
+        <p15:guide id="1" orient="horz" pos="2160">
+          <p15:clr>
+            <a:srgbClr val="A4A3A4"/>
+          </p15:clr>
+        </p15:guide>
+        <p15:guide id="2" pos="3840">
+          <p15:clr>
+            <a:srgbClr val="A4A3A4"/>
+          </p15:clr>
+        </p15:guide>
+      </p15:sldGuideLst>
     </p:ext>
   </p:extLst>
 </p:presentation>
@@ -207,7 +218,7 @@
           <a:p>
             <a:fld id="{FFD76870-CC5D-4085-9740-AAC045ACB719}" type="datetimeFigureOut">
               <a:rPr lang="en-IN" smtClean="0"/>
-              <a:t>04-04-2019</a:t>
+              <a:t>05/04/19</a:t>
             </a:fld>
             <a:endParaRPr lang="en-IN"/>
           </a:p>
@@ -271,35 +282,35 @@
           <a:p>
             <a:pPr lvl="0"/>
             <a:r>
-              <a:rPr lang="en-US" smtClean="0"/>
+              <a:rPr lang="en-US"/>
               <a:t>Edit Master text styles</a:t>
             </a:r>
           </a:p>
           <a:p>
             <a:pPr lvl="1"/>
             <a:r>
-              <a:rPr lang="en-US" smtClean="0"/>
+              <a:rPr lang="en-US"/>
               <a:t>Second level</a:t>
             </a:r>
           </a:p>
           <a:p>
             <a:pPr lvl="2"/>
             <a:r>
-              <a:rPr lang="en-US" smtClean="0"/>
+              <a:rPr lang="en-US"/>
               <a:t>Third level</a:t>
             </a:r>
           </a:p>
           <a:p>
             <a:pPr lvl="3"/>
             <a:r>
-              <a:rPr lang="en-US" smtClean="0"/>
+              <a:rPr lang="en-US"/>
               <a:t>Fourth level</a:t>
             </a:r>
           </a:p>
           <a:p>
             <a:pPr lvl="4"/>
             <a:r>
-              <a:rPr lang="en-US" smtClean="0"/>
+              <a:rPr lang="en-US"/>
               <a:t>Fifth level</a:t>
             </a:r>
             <a:endParaRPr lang="en-IN"/>
@@ -4835,7 +4846,7 @@
           <a:p>
             <a:fld id="{48A87A34-81AB-432B-8DAE-1953F412C126}" type="datetimeFigureOut">
               <a:rPr lang="en-US" smtClean="0"/>
-              <a:t>4/4/2019</a:t>
+              <a:t>4/5/19</a:t>
             </a:fld>
             <a:endParaRPr lang="en-US" dirty="0"/>
           </a:p>
@@ -5102,7 +5113,7 @@
           <a:p>
             <a:fld id="{48A87A34-81AB-432B-8DAE-1953F412C126}" type="datetimeFigureOut">
               <a:rPr lang="en-US" smtClean="0"/>
-              <a:t>4/4/2019</a:t>
+              <a:t>4/5/19</a:t>
             </a:fld>
             <a:endParaRPr lang="en-US" dirty="0"/>
           </a:p>
@@ -5298,7 +5309,7 @@
           <a:p>
             <a:fld id="{48A87A34-81AB-432B-8DAE-1953F412C126}" type="datetimeFigureOut">
               <a:rPr lang="en-US" smtClean="0"/>
-              <a:t>4/4/2019</a:t>
+              <a:t>4/5/19</a:t>
             </a:fld>
             <a:endParaRPr lang="en-US" dirty="0"/>
           </a:p>
@@ -5561,7 +5572,7 @@
           <a:p>
             <a:fld id="{48A87A34-81AB-432B-8DAE-1953F412C126}" type="datetimeFigureOut">
               <a:rPr lang="en-US" smtClean="0"/>
-              <a:t>4/4/2019</a:t>
+              <a:t>4/5/19</a:t>
             </a:fld>
             <a:endParaRPr lang="en-US" dirty="0"/>
           </a:p>
@@ -5995,7 +6006,7 @@
           <a:p>
             <a:fld id="{48A87A34-81AB-432B-8DAE-1953F412C126}" type="datetimeFigureOut">
               <a:rPr lang="en-US" smtClean="0"/>
-              <a:t>4/4/2019</a:t>
+              <a:t>4/5/19</a:t>
             </a:fld>
             <a:endParaRPr lang="en-US" dirty="0"/>
           </a:p>
@@ -6541,7 +6552,7 @@
           <a:p>
             <a:fld id="{48A87A34-81AB-432B-8DAE-1953F412C126}" type="datetimeFigureOut">
               <a:rPr lang="en-US" smtClean="0"/>
-              <a:t>4/4/2019</a:t>
+              <a:t>4/5/19</a:t>
             </a:fld>
             <a:endParaRPr lang="en-US" dirty="0"/>
           </a:p>
@@ -7261,7 +7272,7 @@
           <a:p>
             <a:fld id="{48A87A34-81AB-432B-8DAE-1953F412C126}" type="datetimeFigureOut">
               <a:rPr lang="en-US" smtClean="0"/>
-              <a:t>4/4/2019</a:t>
+              <a:t>4/5/19</a:t>
             </a:fld>
             <a:endParaRPr lang="en-US" dirty="0"/>
           </a:p>
@@ -7431,7 +7442,7 @@
           <a:p>
             <a:fld id="{48A87A34-81AB-432B-8DAE-1953F412C126}" type="datetimeFigureOut">
               <a:rPr lang="en-US" smtClean="0"/>
-              <a:t>4/4/2019</a:t>
+              <a:t>4/5/19</a:t>
             </a:fld>
             <a:endParaRPr lang="en-US" dirty="0"/>
           </a:p>
@@ -7611,7 +7622,7 @@
           <a:p>
             <a:fld id="{48A87A34-81AB-432B-8DAE-1953F412C126}" type="datetimeFigureOut">
               <a:rPr lang="en-US" smtClean="0"/>
-              <a:t>4/4/2019</a:t>
+              <a:t>4/5/19</a:t>
             </a:fld>
             <a:endParaRPr lang="en-US" dirty="0"/>
           </a:p>
@@ -7781,7 +7792,7 @@
           <a:p>
             <a:fld id="{48A87A34-81AB-432B-8DAE-1953F412C126}" type="datetimeFigureOut">
               <a:rPr lang="en-US" smtClean="0"/>
-              <a:t>4/4/2019</a:t>
+              <a:t>4/5/19</a:t>
             </a:fld>
             <a:endParaRPr lang="en-US" dirty="0"/>
           </a:p>
@@ -8031,7 +8042,7 @@
           <a:p>
             <a:fld id="{48A87A34-81AB-432B-8DAE-1953F412C126}" type="datetimeFigureOut">
               <a:rPr lang="en-US" smtClean="0"/>
-              <a:t>4/4/2019</a:t>
+              <a:t>4/5/19</a:t>
             </a:fld>
             <a:endParaRPr lang="en-US" dirty="0"/>
           </a:p>
@@ -8263,7 +8274,7 @@
           <a:p>
             <a:fld id="{48A87A34-81AB-432B-8DAE-1953F412C126}" type="datetimeFigureOut">
               <a:rPr lang="en-US" smtClean="0"/>
-              <a:t>4/4/2019</a:t>
+              <a:t>4/5/19</a:t>
             </a:fld>
             <a:endParaRPr lang="en-US" dirty="0"/>
           </a:p>
@@ -8644,7 +8655,7 @@
           <a:p>
             <a:fld id="{48A87A34-81AB-432B-8DAE-1953F412C126}" type="datetimeFigureOut">
               <a:rPr lang="en-US" smtClean="0"/>
-              <a:t>4/4/2019</a:t>
+              <a:t>4/5/19</a:t>
             </a:fld>
             <a:endParaRPr lang="en-US" dirty="0"/>
           </a:p>
@@ -8762,7 +8773,7 @@
           <a:p>
             <a:fld id="{48A87A34-81AB-432B-8DAE-1953F412C126}" type="datetimeFigureOut">
               <a:rPr lang="en-US" smtClean="0"/>
-              <a:t>4/4/2019</a:t>
+              <a:t>4/5/19</a:t>
             </a:fld>
             <a:endParaRPr lang="en-US" dirty="0"/>
           </a:p>
@@ -8857,7 +8868,7 @@
           <a:p>
             <a:fld id="{48A87A34-81AB-432B-8DAE-1953F412C126}" type="datetimeFigureOut">
               <a:rPr lang="en-US" smtClean="0"/>
-              <a:t>4/4/2019</a:t>
+              <a:t>4/5/19</a:t>
             </a:fld>
             <a:endParaRPr lang="en-US" dirty="0"/>
           </a:p>
@@ -9106,7 +9117,7 @@
           <a:p>
             <a:fld id="{48A87A34-81AB-432B-8DAE-1953F412C126}" type="datetimeFigureOut">
               <a:rPr lang="en-US" smtClean="0"/>
-              <a:t>4/4/2019</a:t>
+              <a:t>4/5/19</a:t>
             </a:fld>
             <a:endParaRPr lang="en-US" dirty="0"/>
           </a:p>
@@ -9386,7 +9397,7 @@
           <a:p>
             <a:fld id="{48A87A34-81AB-432B-8DAE-1953F412C126}" type="datetimeFigureOut">
               <a:rPr lang="en-US" smtClean="0"/>
-              <a:t>4/4/2019</a:t>
+              <a:t>4/5/19</a:t>
             </a:fld>
             <a:endParaRPr lang="en-US" dirty="0"/>
           </a:p>
@@ -12464,7 +12475,7 @@
             <a:fld id="{48A87A34-81AB-432B-8DAE-1953F412C126}" type="datetimeFigureOut">
               <a:rPr lang="en-US" smtClean="0"/>
               <a:pPr/>
-              <a:t>4/4/2019</a:t>
+              <a:t>4/5/19</a:t>
             </a:fld>
             <a:endParaRPr lang="en-US" dirty="0"/>
           </a:p>
@@ -12890,7 +12901,7 @@
           <p:cNvPr id="2" name="Title 1">
             <a:extLst>
               <a:ext uri="{FF2B5EF4-FFF2-40B4-BE49-F238E27FC236}">
-                <a16:creationId xmlns="" xmlns:a16="http://schemas.microsoft.com/office/drawing/2014/main" id="{C8971EAA-0D3C-48DE-9FFF-6A535ABFC033}"/>
+                <a16:creationId xmlns:a16="http://schemas.microsoft.com/office/drawing/2014/main" id="{C8971EAA-0D3C-48DE-9FFF-6A535ABFC033}"/>
               </a:ext>
             </a:extLst>
           </p:cNvPr>
@@ -12924,7 +12935,7 @@
           <p:cNvPr id="5" name="Subtitle 4">
             <a:extLst>
               <a:ext uri="{FF2B5EF4-FFF2-40B4-BE49-F238E27FC236}">
-                <a16:creationId xmlns="" xmlns:a16="http://schemas.microsoft.com/office/drawing/2014/main" id="{46AD44FD-08F9-4FAD-9C48-D5370D6B5C4A}"/>
+                <a16:creationId xmlns:a16="http://schemas.microsoft.com/office/drawing/2014/main" id="{46AD44FD-08F9-4FAD-9C48-D5370D6B5C4A}"/>
               </a:ext>
             </a:extLst>
           </p:cNvPr>
@@ -13040,7 +13051,7 @@
           <p:cNvPr id="6" name="Picture 5">
             <a:extLst>
               <a:ext uri="{FF2B5EF4-FFF2-40B4-BE49-F238E27FC236}">
-                <a16:creationId xmlns="" xmlns:a16="http://schemas.microsoft.com/office/drawing/2014/main" id="{C04D2CE3-FADE-4444-BF01-5877D5BCC980}"/>
+                <a16:creationId xmlns:a16="http://schemas.microsoft.com/office/drawing/2014/main" id="{C04D2CE3-FADE-4444-BF01-5877D5BCC980}"/>
               </a:ext>
             </a:extLst>
           </p:cNvPr>
@@ -13070,7 +13081,7 @@
           <p:cNvPr id="7" name="Picture 6">
             <a:extLst>
               <a:ext uri="{FF2B5EF4-FFF2-40B4-BE49-F238E27FC236}">
-                <a16:creationId xmlns="" xmlns:a16="http://schemas.microsoft.com/office/drawing/2014/main" id="{2A8D4E12-6DAC-43E1-B8A5-DAB48EDC7D6E}"/>
+                <a16:creationId xmlns:a16="http://schemas.microsoft.com/office/drawing/2014/main" id="{2A8D4E12-6DAC-43E1-B8A5-DAB48EDC7D6E}"/>
               </a:ext>
             </a:extLst>
           </p:cNvPr>
@@ -13100,7 +13111,7 @@
           <p:cNvPr id="8" name="Picture 7">
             <a:extLst>
               <a:ext uri="{FF2B5EF4-FFF2-40B4-BE49-F238E27FC236}">
-                <a16:creationId xmlns="" xmlns:a16="http://schemas.microsoft.com/office/drawing/2014/main" id="{DEC9A47A-34DF-4FB6-877F-3C1541D6D98D}"/>
+                <a16:creationId xmlns:a16="http://schemas.microsoft.com/office/drawing/2014/main" id="{DEC9A47A-34DF-4FB6-877F-3C1541D6D98D}"/>
               </a:ext>
             </a:extLst>
           </p:cNvPr>
@@ -13130,7 +13141,7 @@
           <p:cNvPr id="9" name="Picture 8">
             <a:extLst>
               <a:ext uri="{FF2B5EF4-FFF2-40B4-BE49-F238E27FC236}">
-                <a16:creationId xmlns="" xmlns:a16="http://schemas.microsoft.com/office/drawing/2014/main" id="{75A97654-9ACF-43A2-BA5E-3ACE534F6BB1}"/>
+                <a16:creationId xmlns:a16="http://schemas.microsoft.com/office/drawing/2014/main" id="{75A97654-9ACF-43A2-BA5E-3ACE534F6BB1}"/>
               </a:ext>
             </a:extLst>
           </p:cNvPr>
@@ -13160,7 +13171,7 @@
           <p:cNvPr id="10" name="Picture 9">
             <a:extLst>
               <a:ext uri="{FF2B5EF4-FFF2-40B4-BE49-F238E27FC236}">
-                <a16:creationId xmlns="" xmlns:a16="http://schemas.microsoft.com/office/drawing/2014/main" id="{9B7E195B-B314-46BB-9947-09C095EEE81B}"/>
+                <a16:creationId xmlns:a16="http://schemas.microsoft.com/office/drawing/2014/main" id="{9B7E195B-B314-46BB-9947-09C095EEE81B}"/>
               </a:ext>
             </a:extLst>
           </p:cNvPr>
@@ -13190,7 +13201,7 @@
           <p:cNvPr id="11" name="Picture 10">
             <a:extLst>
               <a:ext uri="{FF2B5EF4-FFF2-40B4-BE49-F238E27FC236}">
-                <a16:creationId xmlns="" xmlns:a16="http://schemas.microsoft.com/office/drawing/2014/main" id="{EBF10B3E-7F59-4AE2-B659-45D4C2DBBC08}"/>
+                <a16:creationId xmlns:a16="http://schemas.microsoft.com/office/drawing/2014/main" id="{EBF10B3E-7F59-4AE2-B659-45D4C2DBBC08}"/>
               </a:ext>
             </a:extLst>
           </p:cNvPr>
@@ -13220,7 +13231,7 @@
           <p:cNvPr id="12" name="Picture 11">
             <a:extLst>
               <a:ext uri="{FF2B5EF4-FFF2-40B4-BE49-F238E27FC236}">
-                <a16:creationId xmlns="" xmlns:a16="http://schemas.microsoft.com/office/drawing/2014/main" id="{F3A2CC9D-FB19-4D63-894F-B0AE04B6056D}"/>
+                <a16:creationId xmlns:a16="http://schemas.microsoft.com/office/drawing/2014/main" id="{F3A2CC9D-FB19-4D63-894F-B0AE04B6056D}"/>
               </a:ext>
             </a:extLst>
           </p:cNvPr>
@@ -13250,7 +13261,7 @@
           <p:cNvPr id="14" name="TextBox 13">
             <a:extLst>
               <a:ext uri="{FF2B5EF4-FFF2-40B4-BE49-F238E27FC236}">
-                <a16:creationId xmlns="" xmlns:a16="http://schemas.microsoft.com/office/drawing/2014/main" id="{6F9E1177-B80E-4CEF-A256-343DFAE24982}"/>
+                <a16:creationId xmlns:a16="http://schemas.microsoft.com/office/drawing/2014/main" id="{6F9E1177-B80E-4CEF-A256-343DFAE24982}"/>
               </a:ext>
             </a:extLst>
           </p:cNvPr>
@@ -13294,13 +13305,6 @@
   <p:clrMapOvr>
     <a:masterClrMapping/>
   </p:clrMapOvr>
-  <p:timing>
-    <p:tnLst>
-      <p:par>
-        <p:cTn id="1" dur="indefinite" restart="never" nodeType="tmRoot"/>
-      </p:par>
-    </p:tnLst>
-  </p:timing>
 </p:sld>
 </file>
 
@@ -13337,10 +13341,9 @@
           <a:lstStyle/>
           <a:p>
             <a:r>
-              <a:rPr lang="en-IN" dirty="0" smtClean="0"/>
+              <a:rPr lang="en-IN" dirty="0"/>
               <a:t>Interesting Observations</a:t>
             </a:r>
-            <a:endParaRPr lang="en-IN" dirty="0"/>
           </a:p>
         </p:txBody>
       </p:sp>
@@ -13367,7 +13370,7 @@
           <a:lstStyle/>
           <a:p>
             <a:r>
-              <a:rPr lang="en-IN" sz="1600" dirty="0" smtClean="0"/>
+              <a:rPr lang="en-IN" sz="1600" dirty="0"/>
               <a:t>Why did Histogram classifier not work?</a:t>
             </a:r>
           </a:p>
@@ -13377,16 +13380,8 @@
               <a:buChar char="Ø"/>
             </a:pPr>
             <a:r>
-              <a:rPr lang="en-IN" sz="1600" dirty="0" smtClean="0"/>
-              <a:t>Say, we use 8 PC features, and 8 bins, we have ~17million bins in a histogram, but only 28709 data points. So, </a:t>
-            </a:r>
-            <a:r>
-              <a:rPr lang="en-IN" sz="1600" dirty="0" smtClean="0"/>
-              <a:t>a very </a:t>
-            </a:r>
-            <a:r>
-              <a:rPr lang="en-IN" sz="1600" dirty="0" smtClean="0"/>
-              <a:t>sparsely populated histogram.</a:t>
+              <a:rPr lang="en-IN" sz="1600" dirty="0"/>
+              <a:t>Say, we use 8 PC features, and 8 bins, we have ~17million bins in a histogram, but only 28709 data points. So, a very sparsely populated histogram.</a:t>
             </a:r>
           </a:p>
           <a:p>
@@ -13395,12 +13390,8 @@
               <a:buChar char="Ø"/>
             </a:pPr>
             <a:r>
-              <a:rPr lang="en-IN" sz="1600" dirty="0" smtClean="0"/>
-              <a:t>When we look to predict with such a histogram, bins corresponding to queries are likely empty, resulting in no prediction</a:t>
-            </a:r>
-            <a:r>
-              <a:rPr lang="en-IN" sz="1600" dirty="0" smtClean="0"/>
-              <a:t>.</a:t>
+              <a:rPr lang="en-IN" sz="1600" dirty="0"/>
+              <a:t>When we look to predict with such a histogram, bins corresponding to queries are likely empty, resulting in no prediction.</a:t>
             </a:r>
           </a:p>
           <a:p>
@@ -13409,17 +13400,16 @@
               <a:buChar char="Ø"/>
             </a:pPr>
             <a:r>
-              <a:rPr lang="en-IN" sz="1600" dirty="0" smtClean="0"/>
+              <a:rPr lang="en-IN" sz="1600" dirty="0"/>
               <a:t>Table shown to the right indicates this condition.</a:t>
             </a:r>
-            <a:endParaRPr lang="en-IN" sz="1600" dirty="0" smtClean="0"/>
           </a:p>
           <a:p>
             <a:pPr>
               <a:buFont typeface="Wingdings"/>
               <a:buChar char="Ø"/>
             </a:pPr>
-            <a:endParaRPr lang="en-IN" dirty="0" smtClean="0"/>
+            <a:endParaRPr lang="en-IN" dirty="0"/>
           </a:p>
           <a:p>
             <a:pPr>
@@ -13494,13 +13484,6 @@
   <p:clrMapOvr>
     <a:masterClrMapping/>
   </p:clrMapOvr>
-  <p:timing>
-    <p:tnLst>
-      <p:par>
-        <p:cTn id="1" dur="indefinite" restart="never" nodeType="tmRoot"/>
-      </p:par>
-    </p:tnLst>
-  </p:timing>
 </p:sld>
 </file>
 
@@ -13537,10 +13520,9 @@
           <a:lstStyle/>
           <a:p>
             <a:r>
-              <a:rPr lang="en-IN" dirty="0" smtClean="0"/>
+              <a:rPr lang="en-IN" dirty="0"/>
               <a:t>Interesting Observations</a:t>
             </a:r>
-            <a:endParaRPr lang="en-IN" dirty="0"/>
           </a:p>
         </p:txBody>
       </p:sp>
@@ -13581,39 +13563,7 @@
             </a:pPr>
             <a:r>
               <a:rPr lang="en-IN" sz="1400" dirty="0"/>
-              <a:t>PCA gave us 2304 PCs. And initially, </a:t>
-            </a:r>
-            <a:r>
-              <a:rPr lang="en-IN" sz="1400" dirty="0" smtClean="0"/>
-              <a:t>for the </a:t>
-            </a:r>
-            <a:r>
-              <a:rPr lang="en-IN" sz="1400" dirty="0"/>
-              <a:t>first </a:t>
-            </a:r>
-            <a:r>
-              <a:rPr lang="en-IN" sz="1400" dirty="0" smtClean="0"/>
-              <a:t>~360 </a:t>
-            </a:r>
-            <a:r>
-              <a:rPr lang="en-IN" sz="1400" dirty="0"/>
-              <a:t>components, adding them </a:t>
-            </a:r>
-            <a:r>
-              <a:rPr lang="en-IN" sz="1400" dirty="0" smtClean="0"/>
-              <a:t>to training set improved the </a:t>
-            </a:r>
-            <a:r>
-              <a:rPr lang="en-IN" sz="1400" dirty="0"/>
-              <a:t>accuracy. But beyond that, accuracy </a:t>
-            </a:r>
-            <a:r>
-              <a:rPr lang="en-IN" sz="1400" dirty="0" smtClean="0"/>
-              <a:t>started </a:t>
-            </a:r>
-            <a:r>
-              <a:rPr lang="en-IN" sz="1400" dirty="0"/>
-              <a:t>to decline.</a:t>
+              <a:t>PCA gave us 2304 PCs. And initially, for the first ~360 components, adding them to training set improved the accuracy. But beyond that, accuracy started to decline.</a:t>
             </a:r>
           </a:p>
           <a:p>
@@ -13625,7 +13575,7 @@
               <a:buChar char="Ø"/>
             </a:pPr>
             <a:r>
-              <a:rPr lang="en-IN" sz="1400" dirty="0" smtClean="0"/>
+              <a:rPr lang="en-IN" sz="1400" dirty="0"/>
               <a:t>Beyond 370 PCs, the covariance matrices get quite large, and unstable. Many cases, the determinant evaluates to a negative value, preventing predictions as well.</a:t>
             </a:r>
           </a:p>
@@ -13637,32 +13587,24 @@
               <a:buNone/>
             </a:pPr>
             <a:r>
-              <a:rPr lang="en-IN" sz="1400" dirty="0" smtClean="0"/>
+              <a:rPr lang="en-IN" sz="1400" dirty="0"/>
               <a:t>NOTE: even for lesser number of PCs, switched to ‘</a:t>
             </a:r>
             <a:r>
-              <a:rPr lang="en-IN" sz="1400" dirty="0" err="1" smtClean="0"/>
+              <a:rPr lang="en-IN" sz="1400" dirty="0" err="1"/>
               <a:t>numpy.linalg.slogdet</a:t>
             </a:r>
             <a:r>
-              <a:rPr lang="en-IN" sz="1400" dirty="0" smtClean="0"/>
-              <a:t>()’ and determined ‘pdf’ on a log scale, as </a:t>
-            </a:r>
-            <a:r>
               <a:rPr lang="en-IN" sz="1400" dirty="0"/>
-              <a:t>‘</a:t>
-            </a:r>
-            <a:r>
-              <a:rPr lang="en-IN" sz="1400" dirty="0" err="1" smtClean="0"/>
+              <a:t>()’ and determined ‘pdf’ on a log scale, as ‘</a:t>
+            </a:r>
+            <a:r>
+              <a:rPr lang="en-IN" sz="1400" dirty="0" err="1"/>
               <a:t>numpy.linalg.det</a:t>
             </a:r>
             <a:r>
-              <a:rPr lang="en-IN" sz="1400" dirty="0" smtClean="0"/>
-              <a:t>()’ fails with</a:t>
-            </a:r>
-            <a:r>
               <a:rPr lang="en-IN" sz="1400" dirty="0"/>
-              <a:t> “</a:t>
+              <a:t>()’ fails with “</a:t>
             </a:r>
             <a:r>
               <a:rPr lang="en-US" sz="1400" dirty="0" err="1"/>
@@ -13753,13 +13695,6 @@
   <p:clrMapOvr>
     <a:masterClrMapping/>
   </p:clrMapOvr>
-  <p:timing>
-    <p:tnLst>
-      <p:par>
-        <p:cTn id="1" dur="indefinite" restart="never" nodeType="tmRoot"/>
-      </p:par>
-    </p:tnLst>
-  </p:timing>
 </p:sld>
 </file>
 
@@ -13785,7 +13720,7 @@
           <p:cNvPr id="2" name="Title 1">
             <a:extLst>
               <a:ext uri="{FF2B5EF4-FFF2-40B4-BE49-F238E27FC236}">
-                <a16:creationId xmlns="" xmlns:a16="http://schemas.microsoft.com/office/drawing/2014/main" id="{58293DE5-6A3F-4CB5-9B2D-B26F445310F7}"/>
+                <a16:creationId xmlns:a16="http://schemas.microsoft.com/office/drawing/2014/main" id="{58293DE5-6A3F-4CB5-9B2D-B26F445310F7}"/>
               </a:ext>
             </a:extLst>
           </p:cNvPr>
@@ -13823,7 +13758,7 @@
           <p:cNvPr id="3" name="Content Placeholder 2">
             <a:extLst>
               <a:ext uri="{FF2B5EF4-FFF2-40B4-BE49-F238E27FC236}">
-                <a16:creationId xmlns="" xmlns:a16="http://schemas.microsoft.com/office/drawing/2014/main" id="{AEF930C9-DE34-42D1-B51C-D4367365A454}"/>
+                <a16:creationId xmlns:a16="http://schemas.microsoft.com/office/drawing/2014/main" id="{AEF930C9-DE34-42D1-B51C-D4367365A454}"/>
               </a:ext>
             </a:extLst>
           </p:cNvPr>
@@ -13843,24 +13778,12 @@
           <a:p>
             <a:r>
               <a:rPr lang="en-US" dirty="0"/>
-              <a:t>Training data </a:t>
-            </a:r>
-            <a:r>
-              <a:rPr lang="en-US" dirty="0" smtClean="0"/>
-              <a:t>size: </a:t>
-            </a:r>
-            <a:r>
-              <a:rPr lang="en-US" dirty="0"/>
-              <a:t>28709 </a:t>
-            </a:r>
-            <a:r>
-              <a:rPr lang="en-US" dirty="0" smtClean="0"/>
-              <a:t>samples (80% of complete set), each 2304 features long (48x48 grayscale image)</a:t>
-            </a:r>
-          </a:p>
-          <a:p>
-            <a:r>
-              <a:rPr lang="en-US" dirty="0" smtClean="0">
+              <a:t>Training data size: 28709 samples (80% of complete set), each 2304 features long (48x48 grayscale image)</a:t>
+            </a:r>
+          </a:p>
+          <a:p>
+            <a:r>
+              <a:rPr lang="en-US" dirty="0">
                 <a:solidFill>
                   <a:srgbClr val="FF0000"/>
                 </a:solidFill>
@@ -13870,24 +13793,15 @@
           </a:p>
           <a:p>
             <a:r>
-              <a:rPr lang="en-US" dirty="0" smtClean="0"/>
-              <a:t>Class counts: [3995</a:t>
-            </a:r>
-            <a:r>
               <a:rPr lang="en-US" dirty="0"/>
-              <a:t>, 436, 4097, 7215, 4830, 3171, 4965</a:t>
-            </a:r>
-            <a:r>
-              <a:rPr lang="en-US" dirty="0" smtClean="0"/>
-              <a:t>]</a:t>
-            </a:r>
-          </a:p>
-          <a:p>
-            <a:r>
-              <a:rPr lang="en-US" dirty="0" smtClean="0"/>
+              <a:t>Class counts: [3995, 436, 4097, 7215, 4830, 3171, 4965]</a:t>
+            </a:r>
+          </a:p>
+          <a:p>
+            <a:r>
+              <a:rPr lang="en-US" dirty="0"/>
               <a:t>Test set: 3589 samples (10% of complete set)</a:t>
             </a:r>
-            <a:endParaRPr lang="en-US" dirty="0"/>
           </a:p>
         </p:txBody>
       </p:sp>
@@ -13896,7 +13810,7 @@
           <p:cNvPr id="4" name="Content Placeholder 3">
             <a:extLst>
               <a:ext uri="{FF2B5EF4-FFF2-40B4-BE49-F238E27FC236}">
-                <a16:creationId xmlns="" xmlns:a16="http://schemas.microsoft.com/office/drawing/2014/main" id="{B2018AEE-6A81-49B2-AD03-CBA865B5659F}"/>
+                <a16:creationId xmlns:a16="http://schemas.microsoft.com/office/drawing/2014/main" id="{B2018AEE-6A81-49B2-AD03-CBA865B5659F}"/>
               </a:ext>
             </a:extLst>
           </p:cNvPr>
@@ -13933,12 +13847,8 @@
               <a:buAutoNum type="arabicPeriod"/>
             </a:pPr>
             <a:r>
-              <a:rPr lang="en-US" sz="2000" dirty="0" smtClean="0"/>
-              <a:t>Linear </a:t>
-            </a:r>
-            <a:r>
               <a:rPr lang="en-US" sz="2000" dirty="0"/>
-              <a:t>Classification Analysis</a:t>
+              <a:t>Linear Classification Analysis</a:t>
             </a:r>
           </a:p>
           <a:p>
@@ -13987,13 +13897,6 @@
   <p:clrMapOvr>
     <a:masterClrMapping/>
   </p:clrMapOvr>
-  <p:timing>
-    <p:tnLst>
-      <p:par>
-        <p:cTn id="1" dur="indefinite" restart="never" nodeType="tmRoot"/>
-      </p:par>
-    </p:tnLst>
-  </p:timing>
 </p:sld>
 </file>
 
@@ -14019,7 +13922,7 @@
           <p:cNvPr id="6" name="Picture 5">
             <a:extLst>
               <a:ext uri="{FF2B5EF4-FFF2-40B4-BE49-F238E27FC236}">
-                <a16:creationId xmlns="" xmlns:a16="http://schemas.microsoft.com/office/drawing/2014/main" id="{5D56938D-3BE8-CE48-AA21-BE82D471014E}"/>
+                <a16:creationId xmlns:a16="http://schemas.microsoft.com/office/drawing/2014/main" id="{5D56938D-3BE8-CE48-AA21-BE82D471014E}"/>
               </a:ext>
             </a:extLst>
           </p:cNvPr>
@@ -14049,7 +13952,7 @@
           <p:cNvPr id="7" name="TextBox 6">
             <a:extLst>
               <a:ext uri="{FF2B5EF4-FFF2-40B4-BE49-F238E27FC236}">
-                <a16:creationId xmlns="" xmlns:a16="http://schemas.microsoft.com/office/drawing/2014/main" id="{D915B283-25CC-1646-BC03-AAA3C5A9F1CF}"/>
+                <a16:creationId xmlns:a16="http://schemas.microsoft.com/office/drawing/2014/main" id="{D915B283-25CC-1646-BC03-AAA3C5A9F1CF}"/>
               </a:ext>
             </a:extLst>
           </p:cNvPr>
@@ -14084,7 +13987,7 @@
           <p:cNvPr id="8" name="TextBox 7">
             <a:extLst>
               <a:ext uri="{FF2B5EF4-FFF2-40B4-BE49-F238E27FC236}">
-                <a16:creationId xmlns="" xmlns:a16="http://schemas.microsoft.com/office/drawing/2014/main" id="{77363FA3-080C-7D46-AEA8-CC10D34C1207}"/>
+                <a16:creationId xmlns:a16="http://schemas.microsoft.com/office/drawing/2014/main" id="{77363FA3-080C-7D46-AEA8-CC10D34C1207}"/>
               </a:ext>
             </a:extLst>
           </p:cNvPr>
@@ -14119,7 +14022,7 @@
           <p:cNvPr id="9" name="Picture 8">
             <a:extLst>
               <a:ext uri="{FF2B5EF4-FFF2-40B4-BE49-F238E27FC236}">
-                <a16:creationId xmlns="" xmlns:a16="http://schemas.microsoft.com/office/drawing/2014/main" id="{FF582211-B22A-104F-8420-2A250CBCAA9E}"/>
+                <a16:creationId xmlns:a16="http://schemas.microsoft.com/office/drawing/2014/main" id="{FF582211-B22A-104F-8420-2A250CBCAA9E}"/>
               </a:ext>
             </a:extLst>
           </p:cNvPr>
@@ -14149,7 +14052,7 @@
           <p:cNvPr id="10" name="Picture 9">
             <a:extLst>
               <a:ext uri="{FF2B5EF4-FFF2-40B4-BE49-F238E27FC236}">
-                <a16:creationId xmlns="" xmlns:a16="http://schemas.microsoft.com/office/drawing/2014/main" id="{64C88E78-58A0-AA4F-8247-DD709B7A6D22}"/>
+                <a16:creationId xmlns:a16="http://schemas.microsoft.com/office/drawing/2014/main" id="{64C88E78-58A0-AA4F-8247-DD709B7A6D22}"/>
               </a:ext>
             </a:extLst>
           </p:cNvPr>
@@ -14179,7 +14082,7 @@
           <p:cNvPr id="11" name="Picture 10">
             <a:extLst>
               <a:ext uri="{FF2B5EF4-FFF2-40B4-BE49-F238E27FC236}">
-                <a16:creationId xmlns="" xmlns:a16="http://schemas.microsoft.com/office/drawing/2014/main" id="{58BB88A8-9BD7-0741-B3D1-AF9BD689186F}"/>
+                <a16:creationId xmlns:a16="http://schemas.microsoft.com/office/drawing/2014/main" id="{58BB88A8-9BD7-0741-B3D1-AF9BD689186F}"/>
               </a:ext>
             </a:extLst>
           </p:cNvPr>
@@ -14209,7 +14112,7 @@
           <p:cNvPr id="12" name="Picture 11">
             <a:extLst>
               <a:ext uri="{FF2B5EF4-FFF2-40B4-BE49-F238E27FC236}">
-                <a16:creationId xmlns="" xmlns:a16="http://schemas.microsoft.com/office/drawing/2014/main" id="{E7ACC8CD-4378-9048-8D98-21A2B9229B32}"/>
+                <a16:creationId xmlns:a16="http://schemas.microsoft.com/office/drawing/2014/main" id="{E7ACC8CD-4378-9048-8D98-21A2B9229B32}"/>
               </a:ext>
             </a:extLst>
           </p:cNvPr>
@@ -14239,7 +14142,7 @@
           <p:cNvPr id="13" name="Picture 12">
             <a:extLst>
               <a:ext uri="{FF2B5EF4-FFF2-40B4-BE49-F238E27FC236}">
-                <a16:creationId xmlns="" xmlns:a16="http://schemas.microsoft.com/office/drawing/2014/main" id="{8241D1AC-3E3B-4B48-BA98-D299381640D0}"/>
+                <a16:creationId xmlns:a16="http://schemas.microsoft.com/office/drawing/2014/main" id="{8241D1AC-3E3B-4B48-BA98-D299381640D0}"/>
               </a:ext>
             </a:extLst>
           </p:cNvPr>
@@ -14269,7 +14172,7 @@
           <p:cNvPr id="14" name="Picture 13">
             <a:extLst>
               <a:ext uri="{FF2B5EF4-FFF2-40B4-BE49-F238E27FC236}">
-                <a16:creationId xmlns="" xmlns:a16="http://schemas.microsoft.com/office/drawing/2014/main" id="{E0EA4702-2322-264D-A590-075F66A6A62D}"/>
+                <a16:creationId xmlns:a16="http://schemas.microsoft.com/office/drawing/2014/main" id="{E0EA4702-2322-264D-A590-075F66A6A62D}"/>
               </a:ext>
             </a:extLst>
           </p:cNvPr>
@@ -14299,7 +14202,7 @@
           <p:cNvPr id="15" name="TextBox 14">
             <a:extLst>
               <a:ext uri="{FF2B5EF4-FFF2-40B4-BE49-F238E27FC236}">
-                <a16:creationId xmlns="" xmlns:a16="http://schemas.microsoft.com/office/drawing/2014/main" id="{37F33105-3CB6-5448-993D-18286D514369}"/>
+                <a16:creationId xmlns:a16="http://schemas.microsoft.com/office/drawing/2014/main" id="{37F33105-3CB6-5448-993D-18286D514369}"/>
               </a:ext>
             </a:extLst>
           </p:cNvPr>
@@ -14338,7 +14241,7 @@
           <p:cNvPr id="16" name="TextBox 15">
             <a:extLst>
               <a:ext uri="{FF2B5EF4-FFF2-40B4-BE49-F238E27FC236}">
-                <a16:creationId xmlns="" xmlns:a16="http://schemas.microsoft.com/office/drawing/2014/main" id="{2D9E2BE1-00EA-4649-A03B-4CA2B529D5AD}"/>
+                <a16:creationId xmlns:a16="http://schemas.microsoft.com/office/drawing/2014/main" id="{2D9E2BE1-00EA-4649-A03B-4CA2B529D5AD}"/>
               </a:ext>
             </a:extLst>
           </p:cNvPr>
@@ -14377,7 +14280,7 @@
           <p:cNvPr id="17" name="TextBox 16">
             <a:extLst>
               <a:ext uri="{FF2B5EF4-FFF2-40B4-BE49-F238E27FC236}">
-                <a16:creationId xmlns="" xmlns:a16="http://schemas.microsoft.com/office/drawing/2014/main" id="{A97E85AB-C406-4348-9B0F-C64047D9B338}"/>
+                <a16:creationId xmlns:a16="http://schemas.microsoft.com/office/drawing/2014/main" id="{A97E85AB-C406-4348-9B0F-C64047D9B338}"/>
               </a:ext>
             </a:extLst>
           </p:cNvPr>
@@ -14416,7 +14319,7 @@
           <p:cNvPr id="2" name="Rectangle 1">
             <a:extLst>
               <a:ext uri="{FF2B5EF4-FFF2-40B4-BE49-F238E27FC236}">
-                <a16:creationId xmlns="" xmlns:a16="http://schemas.microsoft.com/office/drawing/2014/main" id="{E3222E19-2670-4835-9385-7B4B7C92EB90}"/>
+                <a16:creationId xmlns:a16="http://schemas.microsoft.com/office/drawing/2014/main" id="{E3222E19-2670-4835-9385-7B4B7C92EB90}"/>
               </a:ext>
             </a:extLst>
           </p:cNvPr>
@@ -14439,12 +14342,8 @@
           <a:lstStyle/>
           <a:p>
             <a:r>
-              <a:rPr lang="en-US" sz="3600" dirty="0" smtClean="0"/>
-              <a:t>Data Augmentation: </a:t>
-            </a:r>
-            <a:r>
               <a:rPr lang="en-US" sz="3600" dirty="0"/>
-              <a:t>Data Size Increase using Image Rotation</a:t>
+              <a:t>Data Augmentation: Data Size Increase using Image Rotation</a:t>
             </a:r>
           </a:p>
         </p:txBody>
@@ -14459,13 +14358,6 @@
   <p:clrMapOvr>
     <a:masterClrMapping/>
   </p:clrMapOvr>
-  <p:timing>
-    <p:tnLst>
-      <p:par>
-        <p:cTn id="1" dur="indefinite" restart="never" nodeType="tmRoot"/>
-      </p:par>
-    </p:tnLst>
-  </p:timing>
 </p:sld>
 </file>
 
@@ -14502,10 +14394,9 @@
           <a:lstStyle/>
           <a:p>
             <a:r>
-              <a:rPr lang="en-IN" dirty="0" smtClean="0"/>
+              <a:rPr lang="en-IN" dirty="0"/>
               <a:t>K-means, Cluster purity &amp; Expectation Maximization</a:t>
             </a:r>
-            <a:endParaRPr lang="en-IN" dirty="0"/>
           </a:p>
         </p:txBody>
       </p:sp>
@@ -14557,13 +14448,6 @@
   <p:clrMapOvr>
     <a:masterClrMapping/>
   </p:clrMapOvr>
-  <p:timing>
-    <p:tnLst>
-      <p:par>
-        <p:cTn id="1" dur="indefinite" restart="never" nodeType="tmRoot"/>
-      </p:par>
-    </p:tnLst>
-  </p:timing>
 </p:sld>
 </file>
 
@@ -14589,7 +14473,7 @@
           <p:cNvPr id="2" name="Title 1">
             <a:extLst>
               <a:ext uri="{FF2B5EF4-FFF2-40B4-BE49-F238E27FC236}">
-                <a16:creationId xmlns="" xmlns:a16="http://schemas.microsoft.com/office/drawing/2014/main" id="{DACA88CE-21C6-4B0E-A7F8-45202789E753}"/>
+                <a16:creationId xmlns:a16="http://schemas.microsoft.com/office/drawing/2014/main" id="{DACA88CE-21C6-4B0E-A7F8-45202789E753}"/>
               </a:ext>
             </a:extLst>
           </p:cNvPr>
@@ -14607,13 +14491,8 @@
           <a:p>
             <a:r>
               <a:rPr lang="en-US" dirty="0"/>
-              <a:t>Logistic </a:t>
-            </a:r>
-            <a:r>
-              <a:rPr lang="en-US" dirty="0" smtClean="0"/>
-              <a:t>Regression classifier</a:t>
-            </a:r>
-            <a:endParaRPr lang="en-US" dirty="0"/>
+              <a:t>Logistic Regression classifier</a:t>
+            </a:r>
           </a:p>
         </p:txBody>
       </p:sp>
@@ -14622,7 +14501,7 @@
           <p:cNvPr id="3" name="Content Placeholder 2">
             <a:extLst>
               <a:ext uri="{FF2B5EF4-FFF2-40B4-BE49-F238E27FC236}">
-                <a16:creationId xmlns="" xmlns:a16="http://schemas.microsoft.com/office/drawing/2014/main" id="{FA0C8D5D-E5D2-44E2-84C9-DB263BC00B11}"/>
+                <a16:creationId xmlns:a16="http://schemas.microsoft.com/office/drawing/2014/main" id="{FA0C8D5D-E5D2-44E2-84C9-DB263BC00B11}"/>
               </a:ext>
             </a:extLst>
           </p:cNvPr>
@@ -14647,7 +14526,7 @@
           <p:cNvPr id="4" name="Content Placeholder 3">
             <a:extLst>
               <a:ext uri="{FF2B5EF4-FFF2-40B4-BE49-F238E27FC236}">
-                <a16:creationId xmlns="" xmlns:a16="http://schemas.microsoft.com/office/drawing/2014/main" id="{18B30F1E-0F8D-4C56-9A12-89065408D6AB}"/>
+                <a16:creationId xmlns:a16="http://schemas.microsoft.com/office/drawing/2014/main" id="{18B30F1E-0F8D-4C56-9A12-89065408D6AB}"/>
               </a:ext>
             </a:extLst>
           </p:cNvPr>
@@ -14677,13 +14556,6 @@
   <p:clrMapOvr>
     <a:masterClrMapping/>
   </p:clrMapOvr>
-  <p:timing>
-    <p:tnLst>
-      <p:par>
-        <p:cTn id="1" dur="indefinite" restart="never" nodeType="tmRoot"/>
-      </p:par>
-    </p:tnLst>
-  </p:timing>
 </p:sld>
 </file>
 
@@ -14709,7 +14581,7 @@
           <p:cNvPr id="2" name="Title 1">
             <a:extLst>
               <a:ext uri="{FF2B5EF4-FFF2-40B4-BE49-F238E27FC236}">
-                <a16:creationId xmlns="" xmlns:a16="http://schemas.microsoft.com/office/drawing/2014/main" id="{C55C24C6-B163-4227-BDFA-DB2684557434}"/>
+                <a16:creationId xmlns:a16="http://schemas.microsoft.com/office/drawing/2014/main" id="{C55C24C6-B163-4227-BDFA-DB2684557434}"/>
               </a:ext>
             </a:extLst>
           </p:cNvPr>
@@ -14732,12 +14604,62 @@
           </a:p>
         </p:txBody>
       </p:sp>
+      <p:sp>
+        <p:nvSpPr>
+          <p:cNvPr id="7" name="TextBox 6">
+            <a:extLst>
+              <a:ext uri="{FF2B5EF4-FFF2-40B4-BE49-F238E27FC236}">
+                <a16:creationId xmlns:a16="http://schemas.microsoft.com/office/drawing/2014/main" id="{8D0767D8-301B-0741-A1B6-F8297F8239C8}"/>
+              </a:ext>
+            </a:extLst>
+          </p:cNvPr>
+          <p:cNvSpPr txBox="1"/>
+          <p:nvPr/>
+        </p:nvSpPr>
+        <p:spPr>
+          <a:xfrm>
+            <a:off x="1141413" y="2199860"/>
+            <a:ext cx="4514924" cy="2308324"/>
+          </a:xfrm>
+          <a:prstGeom prst="rect">
+            <a:avLst/>
+          </a:prstGeom>
+          <a:noFill/>
+        </p:spPr>
+        <p:txBody>
+          <a:bodyPr wrap="square" rtlCol="0">
+            <a:spAutoFit/>
+          </a:bodyPr>
+          <a:lstStyle/>
+          <a:p>
+            <a:r>
+              <a:rPr lang="en-US" sz="2400" dirty="0"/>
+              <a:t>48% Accuracy on Test Data</a:t>
+            </a:r>
+          </a:p>
+          <a:p>
+            <a:r>
+              <a:rPr lang="en-US" sz="2400" dirty="0"/>
+              <a:t>34% Accuracy on Training Data</a:t>
+            </a:r>
+          </a:p>
+          <a:p>
+            <a:endParaRPr lang="en-US" sz="2400" dirty="0"/>
+          </a:p>
+          <a:p>
+            <a:r>
+              <a:rPr lang="en-US" sz="2400" dirty="0"/>
+              <a:t>Attempted to use PCA with 350 components, yet accuracy was slightly worse.</a:t>
+            </a:r>
+          </a:p>
+        </p:txBody>
+      </p:sp>
       <p:pic>
         <p:nvPicPr>
-          <p:cNvPr id="5" name="Picture 4">
+          <p:cNvPr id="4" name="Picture 3">
             <a:extLst>
               <a:ext uri="{FF2B5EF4-FFF2-40B4-BE49-F238E27FC236}">
-                <a16:creationId xmlns="" xmlns:a16="http://schemas.microsoft.com/office/drawing/2014/main" id="{C6DCA446-9741-F641-9A2E-EBE48C542704}"/>
+                <a16:creationId xmlns:a16="http://schemas.microsoft.com/office/drawing/2014/main" id="{52C56562-CF38-2D43-BDA9-EEE249A4623B}"/>
               </a:ext>
             </a:extLst>
           </p:cNvPr>
@@ -14754,8 +14676,8 @@
         </p:blipFill>
         <p:spPr>
           <a:xfrm>
-            <a:off x="6094412" y="2302635"/>
-            <a:ext cx="4958940" cy="2458278"/>
+            <a:off x="3121452" y="4184339"/>
+            <a:ext cx="3327340" cy="2214058"/>
           </a:xfrm>
           <a:prstGeom prst="rect">
             <a:avLst/>
@@ -14764,10 +14686,10 @@
       </p:pic>
       <p:sp>
         <p:nvSpPr>
-          <p:cNvPr id="7" name="TextBox 6">
+          <p:cNvPr id="6" name="TextBox 5">
             <a:extLst>
               <a:ext uri="{FF2B5EF4-FFF2-40B4-BE49-F238E27FC236}">
-                <a16:creationId xmlns="" xmlns:a16="http://schemas.microsoft.com/office/drawing/2014/main" id="{8D0767D8-301B-0741-A1B6-F8297F8239C8}"/>
+                <a16:creationId xmlns:a16="http://schemas.microsoft.com/office/drawing/2014/main" id="{0C603B1F-1F97-3F47-A1FB-49F34A0EE4CD}"/>
               </a:ext>
             </a:extLst>
           </p:cNvPr>
@@ -14776,8 +14698,8 @@
         </p:nvSpPr>
         <p:spPr>
           <a:xfrm>
-            <a:off x="1141413" y="2199860"/>
-            <a:ext cx="4514924" cy="3046988"/>
+            <a:off x="7118369" y="1132459"/>
+            <a:ext cx="3679469" cy="461665"/>
           </a:xfrm>
           <a:prstGeom prst="rect">
             <a:avLst/>
@@ -14785,38 +14707,156 @@
           <a:noFill/>
         </p:spPr>
         <p:txBody>
-          <a:bodyPr wrap="square" rtlCol="0">
+          <a:bodyPr wrap="none" rtlCol="0">
             <a:spAutoFit/>
           </a:bodyPr>
           <a:lstStyle/>
           <a:p>
             <a:r>
               <a:rPr lang="en-US" sz="2400" dirty="0"/>
-              <a:t>42% Accuracy on Test Data</a:t>
-            </a:r>
-          </a:p>
-          <a:p>
-            <a:r>
-              <a:rPr lang="en-US" sz="2400" dirty="0"/>
-              <a:t>37% Accuracy on Training Data</a:t>
-            </a:r>
-          </a:p>
-          <a:p>
-            <a:endParaRPr lang="en-US" sz="2400" dirty="0"/>
-          </a:p>
-          <a:p>
-            <a:r>
-              <a:rPr lang="en-US" sz="2400" dirty="0"/>
-              <a:t>Using original dataset + 6 degree + 10 degree rotations</a:t>
-            </a:r>
-          </a:p>
-          <a:p>
-            <a:endParaRPr lang="en-US" sz="2400" dirty="0"/>
-          </a:p>
-          <a:p>
-            <a:r>
-              <a:rPr lang="en-US" sz="2400" dirty="0"/>
-              <a:t>Attempted to use PCA, yet accuracy was much worse</a:t>
+              <a:t>16% Accuracy on New Data</a:t>
+            </a:r>
+          </a:p>
+        </p:txBody>
+      </p:sp>
+      <p:pic>
+        <p:nvPicPr>
+          <p:cNvPr id="8" name="Picture 7">
+            <a:extLst>
+              <a:ext uri="{FF2B5EF4-FFF2-40B4-BE49-F238E27FC236}">
+                <a16:creationId xmlns:a16="http://schemas.microsoft.com/office/drawing/2014/main" id="{4F12DBDF-1060-474A-8A8F-FCC1497E6E0D}"/>
+              </a:ext>
+            </a:extLst>
+          </p:cNvPr>
+          <p:cNvPicPr>
+            <a:picLocks noChangeAspect="1"/>
+          </p:cNvPicPr>
+          <p:nvPr/>
+        </p:nvPicPr>
+        <p:blipFill>
+          <a:blip r:embed="rId3"/>
+          <a:stretch>
+            <a:fillRect/>
+          </a:stretch>
+        </p:blipFill>
+        <p:spPr>
+          <a:xfrm>
+            <a:off x="7335515" y="1692732"/>
+            <a:ext cx="2292460" cy="2308325"/>
+          </a:xfrm>
+          <a:prstGeom prst="rect">
+            <a:avLst/>
+          </a:prstGeom>
+        </p:spPr>
+      </p:pic>
+      <p:sp>
+        <p:nvSpPr>
+          <p:cNvPr id="9" name="TextBox 8">
+            <a:extLst>
+              <a:ext uri="{FF2B5EF4-FFF2-40B4-BE49-F238E27FC236}">
+                <a16:creationId xmlns:a16="http://schemas.microsoft.com/office/drawing/2014/main" id="{0C67FCF7-2BF8-C14B-B7D9-A01E4568A068}"/>
+              </a:ext>
+            </a:extLst>
+          </p:cNvPr>
+          <p:cNvSpPr txBox="1"/>
+          <p:nvPr/>
+        </p:nvSpPr>
+        <p:spPr>
+          <a:xfrm>
+            <a:off x="9654544" y="2494382"/>
+            <a:ext cx="2286588" cy="646331"/>
+          </a:xfrm>
+          <a:prstGeom prst="rect">
+            <a:avLst/>
+          </a:prstGeom>
+          <a:noFill/>
+        </p:spPr>
+        <p:txBody>
+          <a:bodyPr wrap="none" rtlCol="0">
+            <a:spAutoFit/>
+          </a:bodyPr>
+          <a:lstStyle/>
+          <a:p>
+            <a:r>
+              <a:rPr lang="en-US" dirty="0"/>
+              <a:t>Label = 1 (Disgust)</a:t>
+            </a:r>
+          </a:p>
+          <a:p>
+            <a:r>
+              <a:rPr lang="en-US" dirty="0"/>
+              <a:t>Predicted = 3 (Happy)</a:t>
+            </a:r>
+          </a:p>
+        </p:txBody>
+      </p:sp>
+      <p:pic>
+        <p:nvPicPr>
+          <p:cNvPr id="11" name="Picture 10">
+            <a:extLst>
+              <a:ext uri="{FF2B5EF4-FFF2-40B4-BE49-F238E27FC236}">
+                <a16:creationId xmlns:a16="http://schemas.microsoft.com/office/drawing/2014/main" id="{3CEEFBBA-2F68-E84C-A33A-83887726A5C4}"/>
+              </a:ext>
+            </a:extLst>
+          </p:cNvPr>
+          <p:cNvPicPr>
+            <a:picLocks noChangeAspect="1"/>
+          </p:cNvPicPr>
+          <p:nvPr/>
+        </p:nvPicPr>
+        <p:blipFill>
+          <a:blip r:embed="rId4"/>
+          <a:stretch>
+            <a:fillRect/>
+          </a:stretch>
+        </p:blipFill>
+        <p:spPr>
+          <a:xfrm>
+            <a:off x="7335515" y="4017554"/>
+            <a:ext cx="2292460" cy="2308325"/>
+          </a:xfrm>
+          <a:prstGeom prst="rect">
+            <a:avLst/>
+          </a:prstGeom>
+        </p:spPr>
+      </p:pic>
+      <p:sp>
+        <p:nvSpPr>
+          <p:cNvPr id="12" name="TextBox 11">
+            <a:extLst>
+              <a:ext uri="{FF2B5EF4-FFF2-40B4-BE49-F238E27FC236}">
+                <a16:creationId xmlns:a16="http://schemas.microsoft.com/office/drawing/2014/main" id="{0DFC4A9A-4943-CB4C-ADFB-D51C461B19C8}"/>
+              </a:ext>
+            </a:extLst>
+          </p:cNvPr>
+          <p:cNvSpPr txBox="1"/>
+          <p:nvPr/>
+        </p:nvSpPr>
+        <p:spPr>
+          <a:xfrm>
+            <a:off x="9740956" y="4562825"/>
+            <a:ext cx="2346476" cy="646331"/>
+          </a:xfrm>
+          <a:prstGeom prst="rect">
+            <a:avLst/>
+          </a:prstGeom>
+          <a:noFill/>
+        </p:spPr>
+        <p:txBody>
+          <a:bodyPr wrap="none" rtlCol="0">
+            <a:spAutoFit/>
+          </a:bodyPr>
+          <a:lstStyle/>
+          <a:p>
+            <a:r>
+              <a:rPr lang="en-US" dirty="0"/>
+              <a:t>Label = 6 (Neutral)</a:t>
+            </a:r>
+          </a:p>
+          <a:p>
+            <a:r>
+              <a:rPr lang="en-US" dirty="0"/>
+              <a:t>Predicted = 6 (Neutral)</a:t>
             </a:r>
           </a:p>
         </p:txBody>
@@ -14831,13 +14871,6 @@
   <p:clrMapOvr>
     <a:masterClrMapping/>
   </p:clrMapOvr>
-  <p:timing>
-    <p:tnLst>
-      <p:par>
-        <p:cTn id="1" dur="indefinite" restart="never" nodeType="tmRoot"/>
-      </p:par>
-    </p:tnLst>
-  </p:timing>
 </p:sld>
 </file>
 
@@ -14874,10 +14907,9 @@
           <a:lstStyle/>
           <a:p>
             <a:r>
-              <a:rPr lang="en-IN" dirty="0" smtClean="0"/>
+              <a:rPr lang="en-IN" dirty="0"/>
               <a:t>Bayesian Classifier</a:t>
             </a:r>
-            <a:endParaRPr lang="en-IN" dirty="0"/>
           </a:p>
         </p:txBody>
       </p:sp>
@@ -14904,37 +14936,28 @@
           <a:lstStyle/>
           <a:p>
             <a:r>
-              <a:rPr lang="en-IN" sz="1300" dirty="0" smtClean="0"/>
+              <a:rPr lang="en-IN" sz="1300" dirty="0"/>
               <a:t>Trained on all 2304 original components, gave low accuracy of 18.86%</a:t>
             </a:r>
           </a:p>
           <a:p>
             <a:r>
-              <a:rPr lang="en-IN" sz="1300" dirty="0" smtClean="0"/>
-              <a:t>Performed PCA, and got better accuracy of 44.25% with first 360 </a:t>
-            </a:r>
-            <a:r>
-              <a:rPr lang="en-IN" sz="1300" dirty="0" smtClean="0"/>
-              <a:t>PCs (more metrics shown in table below)</a:t>
-            </a:r>
-          </a:p>
-          <a:p>
-            <a:r>
-              <a:rPr lang="en-IN" sz="1300" dirty="0" smtClean="0"/>
-              <a:t>Tried </a:t>
-            </a:r>
-            <a:r>
-              <a:rPr lang="en-IN" sz="1300" dirty="0" smtClean="0"/>
-              <a:t>couple of other approaches </a:t>
-            </a:r>
-            <a:endParaRPr lang="en-IN" sz="1300" dirty="0"/>
+              <a:rPr lang="en-IN" sz="1300" dirty="0"/>
+              <a:t>Performed PCA, and got better accuracy of 44.25% with first 360 PCs (more metrics shown in table below)</a:t>
+            </a:r>
+          </a:p>
+          <a:p>
+            <a:r>
+              <a:rPr lang="en-IN" sz="1300" dirty="0"/>
+              <a:t>Tried couple of other approaches </a:t>
+            </a:r>
           </a:p>
           <a:p>
             <a:pPr marL="342900" indent="-342900">
               <a:buAutoNum type="alphaLcPeriod"/>
             </a:pPr>
             <a:r>
-              <a:rPr lang="en-IN" sz="1300" dirty="0" smtClean="0"/>
+              <a:rPr lang="en-IN" sz="1300" dirty="0"/>
               <a:t>augment the training set with 3 &amp; 6 degree rotations, </a:t>
             </a:r>
           </a:p>
@@ -14943,7 +14966,7 @@
               <a:buAutoNum type="alphaLcPeriod"/>
             </a:pPr>
             <a:r>
-              <a:rPr lang="en-IN" sz="1300" dirty="0" smtClean="0"/>
+              <a:rPr lang="en-IN" sz="1300" dirty="0"/>
               <a:t>balance the training set with random over-sampling </a:t>
             </a:r>
           </a:p>
@@ -14952,12 +14975,8 @@
               <a:buNone/>
             </a:pPr>
             <a:r>
-              <a:rPr lang="en-IN" sz="1300" dirty="0" smtClean="0"/>
-              <a:t>to get accuracy of 42.46% and 43.83%, </a:t>
-            </a:r>
-            <a:r>
-              <a:rPr lang="en-IN" sz="1300" dirty="0" smtClean="0"/>
-              <a:t>respectively</a:t>
+              <a:rPr lang="en-IN" sz="1300" dirty="0"/>
+              <a:t>to get accuracy of 42.46% and 43.83%, respectively</a:t>
             </a:r>
           </a:p>
           <a:p>
@@ -15053,14 +15072,62 @@
                 <a:tableStyleId>{5C22544A-7EE6-4342-B048-85BDC9FD1C3A}</a:tableStyleId>
               </a:tblPr>
               <a:tblGrid>
-                <a:gridCol w="1058793"/>
-                <a:gridCol w="775875"/>
-                <a:gridCol w="917335"/>
-                <a:gridCol w="917335"/>
-                <a:gridCol w="917335"/>
-                <a:gridCol w="917335"/>
-                <a:gridCol w="965521"/>
-                <a:gridCol w="941578"/>
+                <a:gridCol w="1058793">
+                  <a:extLst>
+                    <a:ext uri="{9D8B030D-6E8A-4147-A177-3AD203B41FA5}">
+                      <a16:colId xmlns:a16="http://schemas.microsoft.com/office/drawing/2014/main" val="20000"/>
+                    </a:ext>
+                  </a:extLst>
+                </a:gridCol>
+                <a:gridCol w="775875">
+                  <a:extLst>
+                    <a:ext uri="{9D8B030D-6E8A-4147-A177-3AD203B41FA5}">
+                      <a16:colId xmlns:a16="http://schemas.microsoft.com/office/drawing/2014/main" val="20001"/>
+                    </a:ext>
+                  </a:extLst>
+                </a:gridCol>
+                <a:gridCol w="917335">
+                  <a:extLst>
+                    <a:ext uri="{9D8B030D-6E8A-4147-A177-3AD203B41FA5}">
+                      <a16:colId xmlns:a16="http://schemas.microsoft.com/office/drawing/2014/main" val="20002"/>
+                    </a:ext>
+                  </a:extLst>
+                </a:gridCol>
+                <a:gridCol w="917335">
+                  <a:extLst>
+                    <a:ext uri="{9D8B030D-6E8A-4147-A177-3AD203B41FA5}">
+                      <a16:colId xmlns:a16="http://schemas.microsoft.com/office/drawing/2014/main" val="20003"/>
+                    </a:ext>
+                  </a:extLst>
+                </a:gridCol>
+                <a:gridCol w="917335">
+                  <a:extLst>
+                    <a:ext uri="{9D8B030D-6E8A-4147-A177-3AD203B41FA5}">
+                      <a16:colId xmlns:a16="http://schemas.microsoft.com/office/drawing/2014/main" val="20004"/>
+                    </a:ext>
+                  </a:extLst>
+                </a:gridCol>
+                <a:gridCol w="917335">
+                  <a:extLst>
+                    <a:ext uri="{9D8B030D-6E8A-4147-A177-3AD203B41FA5}">
+                      <a16:colId xmlns:a16="http://schemas.microsoft.com/office/drawing/2014/main" val="20005"/>
+                    </a:ext>
+                  </a:extLst>
+                </a:gridCol>
+                <a:gridCol w="965521">
+                  <a:extLst>
+                    <a:ext uri="{9D8B030D-6E8A-4147-A177-3AD203B41FA5}">
+                      <a16:colId xmlns:a16="http://schemas.microsoft.com/office/drawing/2014/main" val="20006"/>
+                    </a:ext>
+                  </a:extLst>
+                </a:gridCol>
+                <a:gridCol w="941578">
+                  <a:extLst>
+                    <a:ext uri="{9D8B030D-6E8A-4147-A177-3AD203B41FA5}">
+                      <a16:colId xmlns:a16="http://schemas.microsoft.com/office/drawing/2014/main" val="20007"/>
+                    </a:ext>
+                  </a:extLst>
+                </a:gridCol>
               </a:tblGrid>
               <a:tr h="335809">
                 <a:tc>
@@ -15080,8 +15147,246 @@
                     <a:p>
                       <a:pPr algn="ctr"/>
                       <a:r>
-                        <a:rPr lang="en-US" sz="1400" dirty="0" smtClean="0"/>
+                        <a:rPr lang="en-US" sz="1400" dirty="0"/>
                         <a:t>ANGRY</a:t>
+                      </a:r>
+                    </a:p>
+                  </a:txBody>
+                  <a:tcPr/>
+                </a:tc>
+                <a:tc>
+                  <a:txBody>
+                    <a:bodyPr/>
+                    <a:lstStyle/>
+                    <a:p>
+                      <a:pPr algn="ctr"/>
+                      <a:r>
+                        <a:rPr lang="en-US" sz="1400" dirty="0"/>
+                        <a:t>DISGUST</a:t>
+                      </a:r>
+                    </a:p>
+                  </a:txBody>
+                  <a:tcPr/>
+                </a:tc>
+                <a:tc>
+                  <a:txBody>
+                    <a:bodyPr/>
+                    <a:lstStyle/>
+                    <a:p>
+                      <a:pPr algn="ctr"/>
+                      <a:r>
+                        <a:rPr lang="en-US" sz="1400" dirty="0"/>
+                        <a:t>FEAR</a:t>
+                      </a:r>
+                    </a:p>
+                  </a:txBody>
+                  <a:tcPr/>
+                </a:tc>
+                <a:tc>
+                  <a:txBody>
+                    <a:bodyPr/>
+                    <a:lstStyle/>
+                    <a:p>
+                      <a:pPr algn="ctr"/>
+                      <a:r>
+                        <a:rPr lang="en-US" sz="1400" dirty="0"/>
+                        <a:t>HAPPY</a:t>
+                      </a:r>
+                    </a:p>
+                  </a:txBody>
+                  <a:tcPr/>
+                </a:tc>
+                <a:tc>
+                  <a:txBody>
+                    <a:bodyPr/>
+                    <a:lstStyle/>
+                    <a:p>
+                      <a:pPr algn="ctr"/>
+                      <a:r>
+                        <a:rPr lang="en-US" sz="1400" dirty="0"/>
+                        <a:t>SAD</a:t>
+                      </a:r>
+                    </a:p>
+                  </a:txBody>
+                  <a:tcPr/>
+                </a:tc>
+                <a:tc>
+                  <a:txBody>
+                    <a:bodyPr/>
+                    <a:lstStyle/>
+                    <a:p>
+                      <a:pPr algn="ctr"/>
+                      <a:r>
+                        <a:rPr lang="en-US" sz="1400" dirty="0"/>
+                        <a:t>SURPRISE</a:t>
+                      </a:r>
+                    </a:p>
+                  </a:txBody>
+                  <a:tcPr/>
+                </a:tc>
+                <a:tc>
+                  <a:txBody>
+                    <a:bodyPr/>
+                    <a:lstStyle/>
+                    <a:p>
+                      <a:pPr algn="ctr"/>
+                      <a:r>
+                        <a:rPr lang="en-US" sz="1400" dirty="0"/>
+                        <a:t>NEUTRAL</a:t>
+                      </a:r>
+                    </a:p>
+                  </a:txBody>
+                  <a:tcPr/>
+                </a:tc>
+                <a:extLst>
+                  <a:ext uri="{0D108BD9-81ED-4DB2-BD59-A6C34878D82A}">
+                    <a16:rowId xmlns:a16="http://schemas.microsoft.com/office/drawing/2014/main" val="10000"/>
+                  </a:ext>
+                </a:extLst>
+              </a:tr>
+              <a:tr h="279841">
+                <a:tc>
+                  <a:txBody>
+                    <a:bodyPr/>
+                    <a:lstStyle/>
+                    <a:p>
+                      <a:r>
+                        <a:rPr lang="en-US" sz="1400" dirty="0"/>
+                        <a:t>PPV</a:t>
+                      </a:r>
+                    </a:p>
+                  </a:txBody>
+                  <a:tcPr/>
+                </a:tc>
+                <a:tc>
+                  <a:txBody>
+                    <a:bodyPr/>
+                    <a:lstStyle/>
+                    <a:p>
+                      <a:pPr algn="ctr"/>
+                      <a:r>
+                        <a:rPr lang="en-US" sz="1400" dirty="0"/>
+                        <a:t>39.4%</a:t>
+                      </a:r>
+                    </a:p>
+                  </a:txBody>
+                  <a:tcPr/>
+                </a:tc>
+                <a:tc>
+                  <a:txBody>
+                    <a:bodyPr/>
+                    <a:lstStyle/>
+                    <a:p>
+                      <a:pPr algn="ctr"/>
+                      <a:r>
+                        <a:rPr lang="en-US" sz="1400" dirty="0"/>
+                        <a:t>100%</a:t>
+                      </a:r>
+                    </a:p>
+                  </a:txBody>
+                  <a:tcPr/>
+                </a:tc>
+                <a:tc>
+                  <a:txBody>
+                    <a:bodyPr/>
+                    <a:lstStyle/>
+                    <a:p>
+                      <a:pPr algn="ctr"/>
+                      <a:r>
+                        <a:rPr lang="en-US" sz="1400" dirty="0"/>
+                        <a:t>37.2%</a:t>
+                      </a:r>
+                    </a:p>
+                  </a:txBody>
+                  <a:tcPr/>
+                </a:tc>
+                <a:tc>
+                  <a:txBody>
+                    <a:bodyPr/>
+                    <a:lstStyle/>
+                    <a:p>
+                      <a:pPr algn="ctr"/>
+                      <a:r>
+                        <a:rPr lang="en-US" sz="1400" dirty="0"/>
+                        <a:t>57.5%</a:t>
+                      </a:r>
+                    </a:p>
+                  </a:txBody>
+                  <a:tcPr/>
+                </a:tc>
+                <a:tc>
+                  <a:txBody>
+                    <a:bodyPr/>
+                    <a:lstStyle/>
+                    <a:p>
+                      <a:pPr algn="ctr"/>
+                      <a:r>
+                        <a:rPr lang="en-US" sz="1400" dirty="0"/>
+                        <a:t>31.2%</a:t>
+                      </a:r>
+                    </a:p>
+                  </a:txBody>
+                  <a:tcPr/>
+                </a:tc>
+                <a:tc>
+                  <a:txBody>
+                    <a:bodyPr/>
+                    <a:lstStyle/>
+                    <a:p>
+                      <a:pPr algn="ctr"/>
+                      <a:r>
+                        <a:rPr lang="en-US" sz="1400" dirty="0"/>
+                        <a:t>67.6%</a:t>
+                      </a:r>
+                    </a:p>
+                  </a:txBody>
+                  <a:tcPr/>
+                </a:tc>
+                <a:tc>
+                  <a:txBody>
+                    <a:bodyPr/>
+                    <a:lstStyle/>
+                    <a:p>
+                      <a:pPr algn="ctr"/>
+                      <a:r>
+                        <a:rPr lang="en-US" sz="1400" dirty="0"/>
+                        <a:t>36.5%</a:t>
+                      </a:r>
+                    </a:p>
+                  </a:txBody>
+                  <a:tcPr/>
+                </a:tc>
+                <a:extLst>
+                  <a:ext uri="{0D108BD9-81ED-4DB2-BD59-A6C34878D82A}">
+                    <a16:rowId xmlns:a16="http://schemas.microsoft.com/office/drawing/2014/main" val="10001"/>
+                  </a:ext>
+                </a:extLst>
+              </a:tr>
+              <a:tr h="279841">
+                <a:tc>
+                  <a:txBody>
+                    <a:bodyPr/>
+                    <a:lstStyle/>
+                    <a:p>
+                      <a:r>
+                        <a:rPr lang="en-US" sz="1400" dirty="0"/>
+                        <a:t>Sensitivity</a:t>
+                      </a:r>
+                    </a:p>
+                  </a:txBody>
+                  <a:tcPr/>
+                </a:tc>
+                <a:tc>
+                  <a:txBody>
+                    <a:bodyPr/>
+                    <a:lstStyle/>
+                    <a:p>
+                      <a:pPr algn="ctr"/>
+                      <a:r>
+                        <a:rPr lang="en-US" sz="1400" dirty="0">
+                          <a:effectLst/>
+                        </a:rPr>
+                        <a:t>22.2% </a:t>
                       </a:r>
                       <a:endParaRPr lang="en-US" sz="1400" dirty="0"/>
                     </a:p>
@@ -15095,287 +15400,7 @@
                     <a:p>
                       <a:pPr algn="ctr"/>
                       <a:r>
-                        <a:rPr lang="en-US" sz="1400" dirty="0" smtClean="0"/>
-                        <a:t>DISGUST</a:t>
-                      </a:r>
-                      <a:endParaRPr lang="en-US" sz="1400" dirty="0"/>
-                    </a:p>
-                  </a:txBody>
-                  <a:tcPr/>
-                </a:tc>
-                <a:tc>
-                  <a:txBody>
-                    <a:bodyPr/>
-                    <a:lstStyle/>
-                    <a:p>
-                      <a:pPr algn="ctr"/>
-                      <a:r>
-                        <a:rPr lang="en-US" sz="1400" dirty="0" smtClean="0"/>
-                        <a:t>FEAR</a:t>
-                      </a:r>
-                      <a:endParaRPr lang="en-US" sz="1400" dirty="0"/>
-                    </a:p>
-                  </a:txBody>
-                  <a:tcPr/>
-                </a:tc>
-                <a:tc>
-                  <a:txBody>
-                    <a:bodyPr/>
-                    <a:lstStyle/>
-                    <a:p>
-                      <a:pPr algn="ctr"/>
-                      <a:r>
-                        <a:rPr lang="en-US" sz="1400" dirty="0" smtClean="0"/>
-                        <a:t>HAPPY</a:t>
-                      </a:r>
-                      <a:endParaRPr lang="en-US" sz="1400" dirty="0"/>
-                    </a:p>
-                  </a:txBody>
-                  <a:tcPr/>
-                </a:tc>
-                <a:tc>
-                  <a:txBody>
-                    <a:bodyPr/>
-                    <a:lstStyle/>
-                    <a:p>
-                      <a:pPr algn="ctr"/>
-                      <a:r>
-                        <a:rPr lang="en-US" sz="1400" dirty="0" smtClean="0"/>
-                        <a:t>SAD</a:t>
-                      </a:r>
-                      <a:endParaRPr lang="en-US" sz="1400" dirty="0"/>
-                    </a:p>
-                  </a:txBody>
-                  <a:tcPr/>
-                </a:tc>
-                <a:tc>
-                  <a:txBody>
-                    <a:bodyPr/>
-                    <a:lstStyle/>
-                    <a:p>
-                      <a:pPr algn="ctr"/>
-                      <a:r>
-                        <a:rPr lang="en-US" sz="1400" dirty="0" smtClean="0"/>
-                        <a:t>SURPRISE</a:t>
-                      </a:r>
-                      <a:endParaRPr lang="en-US" sz="1400" dirty="0"/>
-                    </a:p>
-                  </a:txBody>
-                  <a:tcPr/>
-                </a:tc>
-                <a:tc>
-                  <a:txBody>
-                    <a:bodyPr/>
-                    <a:lstStyle/>
-                    <a:p>
-                      <a:pPr algn="ctr"/>
-                      <a:r>
-                        <a:rPr lang="en-US" sz="1400" dirty="0" smtClean="0"/>
-                        <a:t>NEUTRAL</a:t>
-                      </a:r>
-                      <a:endParaRPr lang="en-US" sz="1400" dirty="0"/>
-                    </a:p>
-                  </a:txBody>
-                  <a:tcPr/>
-                </a:tc>
-              </a:tr>
-              <a:tr h="279841">
-                <a:tc>
-                  <a:txBody>
-                    <a:bodyPr/>
-                    <a:lstStyle/>
-                    <a:p>
-                      <a:r>
-                        <a:rPr lang="en-US" sz="1400" dirty="0" smtClean="0"/>
-                        <a:t>PPV</a:t>
-                      </a:r>
-                      <a:endParaRPr lang="en-US" sz="1400" dirty="0"/>
-                    </a:p>
-                  </a:txBody>
-                  <a:tcPr/>
-                </a:tc>
-                <a:tc>
-                  <a:txBody>
-                    <a:bodyPr/>
-                    <a:lstStyle/>
-                    <a:p>
-                      <a:pPr algn="ctr"/>
-                      <a:r>
-                        <a:rPr lang="en-US" sz="1400" dirty="0" smtClean="0"/>
-                        <a:t>39.4%</a:t>
-                      </a:r>
-                      <a:endParaRPr lang="en-US" sz="1400" dirty="0"/>
-                    </a:p>
-                  </a:txBody>
-                  <a:tcPr/>
-                </a:tc>
-                <a:tc>
-                  <a:txBody>
-                    <a:bodyPr/>
-                    <a:lstStyle/>
-                    <a:p>
-                      <a:pPr algn="ctr"/>
-                      <a:r>
-                        <a:rPr lang="en-US" sz="1400" dirty="0" smtClean="0"/>
-                        <a:t>100</a:t>
-                      </a:r>
-                      <a:r>
-                        <a:rPr lang="en-US" sz="1400" dirty="0" smtClean="0"/>
-                        <a:t>%</a:t>
-                      </a:r>
-                      <a:endParaRPr lang="en-US" sz="1400" dirty="0"/>
-                    </a:p>
-                  </a:txBody>
-                  <a:tcPr/>
-                </a:tc>
-                <a:tc>
-                  <a:txBody>
-                    <a:bodyPr/>
-                    <a:lstStyle/>
-                    <a:p>
-                      <a:pPr algn="ctr"/>
-                      <a:r>
-                        <a:rPr lang="en-US" sz="1400" dirty="0" smtClean="0"/>
-                        <a:t>37.2</a:t>
-                      </a:r>
-                      <a:r>
-                        <a:rPr lang="en-US" sz="1400" dirty="0" smtClean="0"/>
-                        <a:t>%</a:t>
-                      </a:r>
-                      <a:endParaRPr lang="en-US" sz="1400" dirty="0"/>
-                    </a:p>
-                  </a:txBody>
-                  <a:tcPr/>
-                </a:tc>
-                <a:tc>
-                  <a:txBody>
-                    <a:bodyPr/>
-                    <a:lstStyle/>
-                    <a:p>
-                      <a:pPr algn="ctr"/>
-                      <a:r>
-                        <a:rPr lang="en-US" sz="1400" dirty="0" smtClean="0"/>
-                        <a:t>57.5</a:t>
-                      </a:r>
-                      <a:r>
-                        <a:rPr lang="en-US" sz="1400" dirty="0" smtClean="0"/>
-                        <a:t>%</a:t>
-                      </a:r>
-                      <a:endParaRPr lang="en-US" sz="1400" dirty="0"/>
-                    </a:p>
-                  </a:txBody>
-                  <a:tcPr/>
-                </a:tc>
-                <a:tc>
-                  <a:txBody>
-                    <a:bodyPr/>
-                    <a:lstStyle/>
-                    <a:p>
-                      <a:pPr algn="ctr"/>
-                      <a:r>
-                        <a:rPr lang="en-US" sz="1400" dirty="0" smtClean="0"/>
-                        <a:t>31.2</a:t>
-                      </a:r>
-                      <a:r>
-                        <a:rPr lang="en-US" sz="1400" dirty="0" smtClean="0"/>
-                        <a:t>%</a:t>
-                      </a:r>
-                      <a:endParaRPr lang="en-US" sz="1400" dirty="0"/>
-                    </a:p>
-                  </a:txBody>
-                  <a:tcPr/>
-                </a:tc>
-                <a:tc>
-                  <a:txBody>
-                    <a:bodyPr/>
-                    <a:lstStyle/>
-                    <a:p>
-                      <a:pPr algn="ctr"/>
-                      <a:r>
-                        <a:rPr lang="en-US" sz="1400" dirty="0" smtClean="0"/>
-                        <a:t>67.6</a:t>
-                      </a:r>
-                      <a:r>
-                        <a:rPr lang="en-US" sz="1400" dirty="0" smtClean="0"/>
-                        <a:t>%</a:t>
-                      </a:r>
-                      <a:endParaRPr lang="en-US" sz="1400" dirty="0"/>
-                    </a:p>
-                  </a:txBody>
-                  <a:tcPr/>
-                </a:tc>
-                <a:tc>
-                  <a:txBody>
-                    <a:bodyPr/>
-                    <a:lstStyle/>
-                    <a:p>
-                      <a:pPr algn="ctr"/>
-                      <a:r>
-                        <a:rPr lang="en-US" sz="1400" dirty="0" smtClean="0"/>
-                        <a:t>36.5</a:t>
-                      </a:r>
-                      <a:r>
-                        <a:rPr lang="en-US" sz="1400" dirty="0" smtClean="0"/>
-                        <a:t>%</a:t>
-                      </a:r>
-                      <a:endParaRPr lang="en-US" sz="1400" dirty="0"/>
-                    </a:p>
-                  </a:txBody>
-                  <a:tcPr/>
-                </a:tc>
-              </a:tr>
-              <a:tr h="279841">
-                <a:tc>
-                  <a:txBody>
-                    <a:bodyPr/>
-                    <a:lstStyle/>
-                    <a:p>
-                      <a:r>
-                        <a:rPr lang="en-US" sz="1400" dirty="0" smtClean="0"/>
-                        <a:t>Sensitivity</a:t>
-                      </a:r>
-                      <a:endParaRPr lang="en-US" sz="1400" dirty="0"/>
-                    </a:p>
-                  </a:txBody>
-                  <a:tcPr/>
-                </a:tc>
-                <a:tc>
-                  <a:txBody>
-                    <a:bodyPr/>
-                    <a:lstStyle/>
-                    <a:p>
-                      <a:pPr algn="ctr"/>
-                      <a:r>
-                        <a:rPr lang="en-US" sz="1400" dirty="0" smtClean="0">
-                          <a:effectLst/>
-                        </a:rPr>
-                        <a:t>22.2</a:t>
-                      </a:r>
-                      <a:r>
-                        <a:rPr lang="en-US" sz="1400" dirty="0" smtClean="0">
-                          <a:effectLst/>
-                        </a:rPr>
-                        <a:t>%</a:t>
-                      </a:r>
-                      <a:r>
-                        <a:rPr lang="en-US" sz="1400" dirty="0" smtClean="0">
-                          <a:effectLst/>
-                        </a:rPr>
-                        <a:t> </a:t>
-                      </a:r>
-                      <a:endParaRPr lang="en-US" sz="1400" dirty="0"/>
-                    </a:p>
-                  </a:txBody>
-                  <a:tcPr/>
-                </a:tc>
-                <a:tc>
-                  <a:txBody>
-                    <a:bodyPr/>
-                    <a:lstStyle/>
-                    <a:p>
-                      <a:pPr algn="ctr"/>
-                      <a:r>
-                        <a:rPr lang="en-US" sz="1400" dirty="0" smtClean="0">
+                        <a:rPr lang="en-US" sz="1400" dirty="0">
                           <a:effectLst/>
                         </a:rPr>
                         <a:t>29.1%</a:t>
@@ -15392,7 +15417,7 @@
                     <a:p>
                       <a:pPr algn="ctr"/>
                       <a:r>
-                        <a:rPr lang="en-US" sz="1400" dirty="0" smtClean="0">
+                        <a:rPr lang="en-US" sz="1400" dirty="0">
                           <a:effectLst/>
                         </a:rPr>
                         <a:t>27.7%</a:t>
@@ -15409,7 +15434,7 @@
                     <a:p>
                       <a:pPr algn="ctr"/>
                       <a:r>
-                        <a:rPr lang="en-US" sz="1400" dirty="0" smtClean="0">
+                        <a:rPr lang="en-US" sz="1400" dirty="0">
                           <a:effectLst/>
                         </a:rPr>
                         <a:t>60.9%</a:t>
@@ -15426,7 +15451,7 @@
                     <a:p>
                       <a:pPr algn="ctr"/>
                       <a:r>
-                        <a:rPr lang="en-US" sz="1400" dirty="0" smtClean="0">
+                        <a:rPr lang="en-US" sz="1400" dirty="0">
                           <a:effectLst/>
                         </a:rPr>
                         <a:t>40.9%</a:t>
@@ -15443,7 +15468,7 @@
                     <a:p>
                       <a:pPr algn="ctr"/>
                       <a:r>
-                        <a:rPr lang="en-US" sz="1400" dirty="0" smtClean="0">
+                        <a:rPr lang="en-US" sz="1400" dirty="0">
                           <a:effectLst/>
                         </a:rPr>
                         <a:t>54.1%</a:t>
@@ -15476,16 +15501,21 @@
                         <a:defRPr/>
                       </a:pPr>
                       <a:r>
-                        <a:rPr lang="en-US" sz="1400" dirty="0" smtClean="0">
+                        <a:rPr lang="en-US" sz="1400" dirty="0">
                           <a:effectLst/>
                         </a:rPr>
                         <a:t>50.2%</a:t>
                       </a:r>
-                      <a:endParaRPr lang="en-US" sz="1400" dirty="0" smtClean="0"/>
+                      <a:endParaRPr lang="en-US" sz="1400" dirty="0"/>
                     </a:p>
                   </a:txBody>
                   <a:tcPr/>
                 </a:tc>
+                <a:extLst>
+                  <a:ext uri="{0D108BD9-81ED-4DB2-BD59-A6C34878D82A}">
+                    <a16:rowId xmlns:a16="http://schemas.microsoft.com/office/drawing/2014/main" val="10002"/>
+                  </a:ext>
+                </a:extLst>
               </a:tr>
             </a:tbl>
           </a:graphicData>
@@ -15514,10 +15544,9 @@
           <a:lstStyle/>
           <a:p>
             <a:r>
-              <a:rPr lang="en-US" sz="1300" dirty="0" smtClean="0"/>
+              <a:rPr lang="en-US" sz="1300" dirty="0"/>
               <a:t>Scatter plot across the first two PCs, with each class shown in a separate plot</a:t>
             </a:r>
-            <a:endParaRPr lang="en-US" sz="1300" dirty="0"/>
           </a:p>
         </p:txBody>
       </p:sp>
@@ -15531,13 +15560,6 @@
   <p:clrMapOvr>
     <a:masterClrMapping/>
   </p:clrMapOvr>
-  <p:timing>
-    <p:tnLst>
-      <p:par>
-        <p:cTn id="1" dur="indefinite" restart="never" nodeType="tmRoot"/>
-      </p:par>
-    </p:tnLst>
-  </p:timing>
 </p:sld>
 </file>
 
@@ -15574,10 +15596,9 @@
           <a:lstStyle/>
           <a:p>
             <a:r>
-              <a:rPr lang="en-IN" dirty="0" smtClean="0"/>
+              <a:rPr lang="en-IN" dirty="0"/>
               <a:t>Neural Network</a:t>
             </a:r>
-            <a:endParaRPr lang="en-IN" dirty="0"/>
           </a:p>
         </p:txBody>
       </p:sp>
@@ -15629,13 +15650,6 @@
   <p:clrMapOvr>
     <a:masterClrMapping/>
   </p:clrMapOvr>
-  <p:timing>
-    <p:tnLst>
-      <p:par>
-        <p:cTn id="1" dur="indefinite" restart="never" nodeType="tmRoot"/>
-      </p:par>
-    </p:tnLst>
-  </p:timing>
 </p:sld>
 </file>
 
@@ -15672,10 +15686,9 @@
           <a:lstStyle/>
           <a:p>
             <a:r>
-              <a:rPr lang="en-IN" dirty="0" smtClean="0"/>
+              <a:rPr lang="en-IN" dirty="0"/>
               <a:t>Model performance - Summary</a:t>
             </a:r>
-            <a:endParaRPr lang="en-IN" dirty="0"/>
           </a:p>
         </p:txBody>
       </p:sp>
@@ -15689,7 +15702,7 @@
             <p:ph sz="half" idx="1"/>
             <p:extLst>
               <p:ext uri="{D42A27DB-BD31-4B8C-83A1-F6EECF244321}">
-                <p14:modId xmlns:p14="http://schemas.microsoft.com/office/powerpoint/2010/main" val="3769771017"/>
+                <p14:modId xmlns:p14="http://schemas.microsoft.com/office/powerpoint/2010/main" val="3311935798"/>
               </p:ext>
             </p:extLst>
           </p:nvPr>
@@ -15708,36 +15721,42 @@
                 <a:gridCol w="1709407">
                   <a:extLst>
                     <a:ext uri="{9D8B030D-6E8A-4147-A177-3AD203B41FA5}">
-                      <a16:colId xmlns="" xmlns:a16="http://schemas.microsoft.com/office/drawing/2014/main" val="3550727435"/>
+                      <a16:colId xmlns:a16="http://schemas.microsoft.com/office/drawing/2014/main" val="3550727435"/>
                     </a:ext>
                   </a:extLst>
                 </a:gridCol>
                 <a:gridCol w="1487685">
                   <a:extLst>
                     <a:ext uri="{9D8B030D-6E8A-4147-A177-3AD203B41FA5}">
-                      <a16:colId xmlns="" xmlns:a16="http://schemas.microsoft.com/office/drawing/2014/main" val="3295678948"/>
+                      <a16:colId xmlns:a16="http://schemas.microsoft.com/office/drawing/2014/main" val="3295678948"/>
                     </a:ext>
                   </a:extLst>
                 </a:gridCol>
                 <a:gridCol w="1592036">
                   <a:extLst>
                     <a:ext uri="{9D8B030D-6E8A-4147-A177-3AD203B41FA5}">
-                      <a16:colId xmlns="" xmlns:a16="http://schemas.microsoft.com/office/drawing/2014/main" val="485902210"/>
+                      <a16:colId xmlns:a16="http://schemas.microsoft.com/office/drawing/2014/main" val="485902210"/>
                     </a:ext>
                   </a:extLst>
                 </a:gridCol>
-                <a:gridCol w="1534885"/>
+                <a:gridCol w="1534885">
+                  <a:extLst>
+                    <a:ext uri="{9D8B030D-6E8A-4147-A177-3AD203B41FA5}">
+                      <a16:colId xmlns:a16="http://schemas.microsoft.com/office/drawing/2014/main" val="20003"/>
+                    </a:ext>
+                  </a:extLst>
+                </a:gridCol>
                 <a:gridCol w="1502229">
                   <a:extLst>
                     <a:ext uri="{9D8B030D-6E8A-4147-A177-3AD203B41FA5}">
-                      <a16:colId xmlns="" xmlns:a16="http://schemas.microsoft.com/office/drawing/2014/main" val="1751447481"/>
+                      <a16:colId xmlns:a16="http://schemas.microsoft.com/office/drawing/2014/main" val="1751447481"/>
                     </a:ext>
                   </a:extLst>
                 </a:gridCol>
                 <a:gridCol w="3102428">
                   <a:extLst>
                     <a:ext uri="{9D8B030D-6E8A-4147-A177-3AD203B41FA5}">
-                      <a16:colId xmlns="" xmlns:a16="http://schemas.microsoft.com/office/drawing/2014/main" val="788984757"/>
+                      <a16:colId xmlns:a16="http://schemas.microsoft.com/office/drawing/2014/main" val="788984757"/>
                     </a:ext>
                   </a:extLst>
                 </a:gridCol>
@@ -15760,10 +15779,9 @@
                     <a:p>
                       <a:pPr algn="ctr"/>
                       <a:r>
-                        <a:rPr lang="en-IN" dirty="0" smtClean="0"/>
+                        <a:rPr lang="en-IN" dirty="0"/>
                         <a:t>Original components</a:t>
                       </a:r>
-                      <a:endParaRPr lang="en-IN" dirty="0"/>
                     </a:p>
                   </a:txBody>
                   <a:tcPr/>
@@ -15785,10 +15803,9 @@
                     <a:p>
                       <a:pPr algn="ctr"/>
                       <a:r>
-                        <a:rPr lang="en-IN" dirty="0" smtClean="0"/>
+                        <a:rPr lang="en-IN" dirty="0"/>
                         <a:t>With PCA</a:t>
                       </a:r>
-                      <a:endParaRPr lang="en-IN" dirty="0"/>
                     </a:p>
                   </a:txBody>
                   <a:tcPr/>
@@ -15810,17 +15827,16 @@
                     <a:p>
                       <a:pPr algn="ctr"/>
                       <a:r>
-                        <a:rPr lang="en-IN" dirty="0" smtClean="0"/>
+                        <a:rPr lang="en-IN" dirty="0"/>
                         <a:t>With Data Augmentation – Test Accuracy</a:t>
                       </a:r>
-                      <a:endParaRPr lang="en-IN" dirty="0"/>
                     </a:p>
                   </a:txBody>
                   <a:tcPr/>
                 </a:tc>
                 <a:extLst>
                   <a:ext uri="{0D108BD9-81ED-4DB2-BD59-A6C34878D82A}">
-                    <a16:rowId xmlns="" xmlns:a16="http://schemas.microsoft.com/office/drawing/2014/main" val="418414485"/>
+                    <a16:rowId xmlns:a16="http://schemas.microsoft.com/office/drawing/2014/main" val="418414485"/>
                   </a:ext>
                 </a:extLst>
               </a:tr>
@@ -15858,7 +15874,7 @@
                         <a:defRPr/>
                       </a:pPr>
                       <a:r>
-                        <a:rPr lang="en-IN" dirty="0" smtClean="0"/>
+                        <a:rPr lang="en-IN" dirty="0"/>
                         <a:t>Training Set Accuracy</a:t>
                       </a:r>
                     </a:p>
@@ -15888,7 +15904,7 @@
                         <a:defRPr/>
                       </a:pPr>
                       <a:r>
-                        <a:rPr lang="en-IN" dirty="0" smtClean="0"/>
+                        <a:rPr lang="en-IN" dirty="0"/>
                         <a:t>Test Set Accuracy</a:t>
                       </a:r>
                     </a:p>
@@ -15902,10 +15918,9 @@
                     <a:p>
                       <a:pPr algn="ctr"/>
                       <a:r>
-                        <a:rPr lang="en-IN" dirty="0" smtClean="0"/>
+                        <a:rPr lang="en-IN" dirty="0"/>
                         <a:t>Training Set Accuracy</a:t>
                       </a:r>
-                      <a:endParaRPr lang="en-IN" dirty="0"/>
                     </a:p>
                   </a:txBody>
                   <a:tcPr/>
@@ -15917,81 +15932,9 @@
                     <a:p>
                       <a:pPr algn="ctr"/>
                       <a:r>
-                        <a:rPr lang="en-IN" dirty="0" smtClean="0"/>
+                        <a:rPr lang="en-IN" dirty="0"/>
                         <a:t>Test Set Accuracy</a:t>
                       </a:r>
-                      <a:endParaRPr lang="en-IN" dirty="0"/>
-                    </a:p>
-                  </a:txBody>
-                  <a:tcPr/>
-                </a:tc>
-                <a:tc>
-                  <a:txBody>
-                    <a:bodyPr/>
-                    <a:lstStyle/>
-                    <a:p>
-                      <a:pPr algn="ctr"/>
-                      <a:endParaRPr lang="en-IN" dirty="0"/>
-                    </a:p>
-                  </a:txBody>
-                  <a:tcPr/>
-                </a:tc>
-              </a:tr>
-              <a:tr h="894806">
-                <a:tc>
-                  <a:txBody>
-                    <a:bodyPr/>
-                    <a:lstStyle/>
-                    <a:p>
-                      <a:r>
-                        <a:rPr lang="en-US" sz="1800" dirty="0" smtClean="0"/>
-                        <a:t>Linear Classification Analysis</a:t>
-                      </a:r>
-                      <a:endParaRPr lang="en-IN" dirty="0"/>
-                    </a:p>
-                  </a:txBody>
-                  <a:tcPr/>
-                </a:tc>
-                <a:tc>
-                  <a:txBody>
-                    <a:bodyPr/>
-                    <a:lstStyle/>
-                    <a:p>
-                      <a:pPr algn="ctr"/>
-                      <a:endParaRPr lang="en-IN" dirty="0"/>
-                    </a:p>
-                  </a:txBody>
-                  <a:tcPr/>
-                </a:tc>
-                <a:tc>
-                  <a:txBody>
-                    <a:bodyPr/>
-                    <a:lstStyle/>
-                    <a:p>
-                      <a:pPr algn="ctr"/>
-                      <a:endParaRPr lang="en-IN" dirty="0"/>
-                    </a:p>
-                  </a:txBody>
-                  <a:tcPr/>
-                </a:tc>
-                <a:tc>
-                  <a:txBody>
-                    <a:bodyPr/>
-                    <a:lstStyle/>
-                    <a:p>
-                      <a:pPr algn="ctr"/>
-                      <a:endParaRPr lang="en-IN" dirty="0"/>
-                    </a:p>
-                  </a:txBody>
-                  <a:tcPr/>
-                </a:tc>
-                <a:tc>
-                  <a:txBody>
-                    <a:bodyPr/>
-                    <a:lstStyle/>
-                    <a:p>
-                      <a:pPr algn="ctr"/>
-                      <a:endParaRPr lang="en-IN" dirty="0"/>
                     </a:p>
                   </a:txBody>
                   <a:tcPr/>
@@ -16009,19 +15952,19 @@
                 </a:tc>
                 <a:extLst>
                   <a:ext uri="{0D108BD9-81ED-4DB2-BD59-A6C34878D82A}">
-                    <a16:rowId xmlns="" xmlns:a16="http://schemas.microsoft.com/office/drawing/2014/main" val="2740143975"/>
+                    <a16:rowId xmlns:a16="http://schemas.microsoft.com/office/drawing/2014/main" val="10001"/>
                   </a:ext>
                 </a:extLst>
               </a:tr>
-              <a:tr h="723356">
+              <a:tr h="894806">
                 <a:tc>
                   <a:txBody>
                     <a:bodyPr/>
                     <a:lstStyle/>
                     <a:p>
                       <a:r>
-                        <a:rPr lang="en-IN" dirty="0" smtClean="0"/>
-                        <a:t>Bayesian Classifier</a:t>
+                        <a:rPr lang="en-US" sz="1800" dirty="0"/>
+                        <a:t>Linear Classification Analysis</a:t>
                       </a:r>
                       <a:endParaRPr lang="en-IN" dirty="0"/>
                     </a:p>
@@ -16035,10 +15978,9 @@
                     <a:p>
                       <a:pPr algn="ctr"/>
                       <a:r>
-                        <a:rPr lang="en-IN" dirty="0" smtClean="0"/>
-                        <a:t>50.73%</a:t>
+                        <a:rPr lang="en-IN" dirty="0"/>
+                        <a:t>48.30%</a:t>
                       </a:r>
-                      <a:endParaRPr lang="en-IN" dirty="0"/>
                     </a:p>
                   </a:txBody>
                   <a:tcPr/>
@@ -16050,10 +15992,9 @@
                     <a:p>
                       <a:pPr algn="ctr"/>
                       <a:r>
-                        <a:rPr lang="en-IN" dirty="0" smtClean="0"/>
-                        <a:t>18.86%</a:t>
+                        <a:rPr lang="en-IN" dirty="0"/>
+                        <a:t>34.88%</a:t>
                       </a:r>
-                      <a:endParaRPr lang="en-IN" dirty="0"/>
                     </a:p>
                   </a:txBody>
                   <a:tcPr/>
@@ -16065,10 +16006,9 @@
                     <a:p>
                       <a:pPr algn="ctr"/>
                       <a:r>
-                        <a:rPr lang="en-IN" dirty="0" smtClean="0"/>
-                        <a:t>76.61%</a:t>
+                        <a:rPr lang="en-IN" dirty="0"/>
+                        <a:t>39.41%</a:t>
                       </a:r>
-                      <a:endParaRPr lang="en-IN" dirty="0"/>
                     </a:p>
                   </a:txBody>
                   <a:tcPr/>
@@ -16080,10 +16020,9 @@
                     <a:p>
                       <a:pPr algn="ctr"/>
                       <a:r>
-                        <a:rPr lang="en-IN" dirty="0" smtClean="0"/>
-                        <a:t>44.25%</a:t>
+                        <a:rPr lang="en-IN" dirty="0"/>
+                        <a:t>18.02%</a:t>
                       </a:r>
-                      <a:endParaRPr lang="en-IN" dirty="0"/>
                     </a:p>
                   </a:txBody>
                   <a:tcPr/>
@@ -16095,17 +16034,106 @@
                     <a:p>
                       <a:pPr algn="ctr"/>
                       <a:r>
-                        <a:rPr lang="en-IN" dirty="0" smtClean="0"/>
-                        <a:t>41.38%</a:t>
+                        <a:rPr lang="en-IN" dirty="0"/>
+                        <a:t>32.21%</a:t>
                       </a:r>
-                      <a:endParaRPr lang="en-IN" dirty="0"/>
                     </a:p>
                   </a:txBody>
                   <a:tcPr/>
                 </a:tc>
                 <a:extLst>
                   <a:ext uri="{0D108BD9-81ED-4DB2-BD59-A6C34878D82A}">
-                    <a16:rowId xmlns="" xmlns:a16="http://schemas.microsoft.com/office/drawing/2014/main" val="4075877440"/>
+                    <a16:rowId xmlns:a16="http://schemas.microsoft.com/office/drawing/2014/main" val="2740143975"/>
+                  </a:ext>
+                </a:extLst>
+              </a:tr>
+              <a:tr h="723356">
+                <a:tc>
+                  <a:txBody>
+                    <a:bodyPr/>
+                    <a:lstStyle/>
+                    <a:p>
+                      <a:r>
+                        <a:rPr lang="en-IN" dirty="0"/>
+                        <a:t>Bayesian Classifier</a:t>
+                      </a:r>
+                    </a:p>
+                  </a:txBody>
+                  <a:tcPr/>
+                </a:tc>
+                <a:tc>
+                  <a:txBody>
+                    <a:bodyPr/>
+                    <a:lstStyle/>
+                    <a:p>
+                      <a:pPr algn="ctr"/>
+                      <a:r>
+                        <a:rPr lang="en-IN" dirty="0"/>
+                        <a:t>50.73%</a:t>
+                      </a:r>
+                    </a:p>
+                  </a:txBody>
+                  <a:tcPr/>
+                </a:tc>
+                <a:tc>
+                  <a:txBody>
+                    <a:bodyPr/>
+                    <a:lstStyle/>
+                    <a:p>
+                      <a:pPr algn="ctr"/>
+                      <a:r>
+                        <a:rPr lang="en-IN" dirty="0"/>
+                        <a:t>18.86%</a:t>
+                      </a:r>
+                    </a:p>
+                  </a:txBody>
+                  <a:tcPr/>
+                </a:tc>
+                <a:tc>
+                  <a:txBody>
+                    <a:bodyPr/>
+                    <a:lstStyle/>
+                    <a:p>
+                      <a:pPr algn="ctr"/>
+                      <a:r>
+                        <a:rPr lang="en-IN" dirty="0"/>
+                        <a:t>76.61%</a:t>
+                      </a:r>
+                    </a:p>
+                  </a:txBody>
+                  <a:tcPr/>
+                </a:tc>
+                <a:tc>
+                  <a:txBody>
+                    <a:bodyPr/>
+                    <a:lstStyle/>
+                    <a:p>
+                      <a:pPr algn="ctr"/>
+                      <a:r>
+                        <a:rPr lang="en-IN" dirty="0"/>
+                        <a:t>44.25%</a:t>
+                      </a:r>
+                    </a:p>
+                  </a:txBody>
+                  <a:tcPr/>
+                </a:tc>
+                <a:tc>
+                  <a:txBody>
+                    <a:bodyPr/>
+                    <a:lstStyle/>
+                    <a:p>
+                      <a:pPr algn="ctr"/>
+                      <a:r>
+                        <a:rPr lang="en-IN" dirty="0"/>
+                        <a:t>41.38%</a:t>
+                      </a:r>
+                    </a:p>
+                  </a:txBody>
+                  <a:tcPr/>
+                </a:tc>
+                <a:extLst>
+                  <a:ext uri="{0D108BD9-81ED-4DB2-BD59-A6C34878D82A}">
+                    <a16:rowId xmlns:a16="http://schemas.microsoft.com/office/drawing/2014/main" val="4075877440"/>
                   </a:ext>
                 </a:extLst>
               </a:tr>
@@ -16116,7 +16144,7 @@
                     <a:lstStyle/>
                     <a:p>
                       <a:r>
-                        <a:rPr lang="en-US" sz="1800" dirty="0" smtClean="0"/>
+                        <a:rPr lang="en-US" sz="1800" dirty="0"/>
                         <a:t>Logistic Regression Analysis</a:t>
                       </a:r>
                       <a:endParaRPr lang="en-IN" dirty="0"/>
@@ -16181,7 +16209,7 @@
                 </a:tc>
                 <a:extLst>
                   <a:ext uri="{0D108BD9-81ED-4DB2-BD59-A6C34878D82A}">
-                    <a16:rowId xmlns="" xmlns:a16="http://schemas.microsoft.com/office/drawing/2014/main" val="541031661"/>
+                    <a16:rowId xmlns:a16="http://schemas.microsoft.com/office/drawing/2014/main" val="541031661"/>
                   </a:ext>
                 </a:extLst>
               </a:tr>
@@ -16192,10 +16220,9 @@
                     <a:lstStyle/>
                     <a:p>
                       <a:r>
-                        <a:rPr lang="en-IN" dirty="0" smtClean="0"/>
+                        <a:rPr lang="en-IN" dirty="0"/>
                         <a:t>Neural Network</a:t>
                       </a:r>
-                      <a:endParaRPr lang="en-IN" dirty="0"/>
                     </a:p>
                   </a:txBody>
                   <a:tcPr/>
@@ -16257,7 +16284,7 @@
                 </a:tc>
                 <a:extLst>
                   <a:ext uri="{0D108BD9-81ED-4DB2-BD59-A6C34878D82A}">
-                    <a16:rowId xmlns="" xmlns:a16="http://schemas.microsoft.com/office/drawing/2014/main" val="1396813758"/>
+                    <a16:rowId xmlns:a16="http://schemas.microsoft.com/office/drawing/2014/main" val="1396813758"/>
                   </a:ext>
                 </a:extLst>
               </a:tr>
@@ -16275,13 +16302,6 @@
   <p:clrMapOvr>
     <a:masterClrMapping/>
   </p:clrMapOvr>
-  <p:timing>
-    <p:tnLst>
-      <p:par>
-        <p:cTn id="1" dur="indefinite" restart="never" nodeType="tmRoot"/>
-      </p:par>
-    </p:tnLst>
-  </p:timing>
 </p:sld>
 </file>
 
@@ -16530,7 +16550,7 @@
   <a:extraClrSchemeLst/>
   <a:extLst>
     <a:ext uri="{05A4C25C-085E-4340-85A3-A5531E510DB2}">
-      <thm15:themeFamily xmlns="" xmlns:thm15="http://schemas.microsoft.com/office/thememl/2012/main" name="Circuit" id="{0AC2F7E7-15F5-431C-B2A2-456FE929F56C}" vid="{0911B802-464C-4241-8DD9-B60FF88E379F}"/>
+      <thm15:themeFamily xmlns:thm15="http://schemas.microsoft.com/office/thememl/2012/main" name="Circuit" id="{0AC2F7E7-15F5-431C-B2A2-456FE929F56C}" vid="{0911B802-464C-4241-8DD9-B60FF88E379F}"/>
     </a:ext>
   </a:extLst>
 </a:theme>
@@ -16791,7 +16811,7 @@
   <a:extraClrSchemeLst/>
   <a:extLst>
     <a:ext uri="{05A4C25C-085E-4340-85A3-A5531E510DB2}">
-      <thm15:themeFamily xmlns="" xmlns:thm15="http://schemas.microsoft.com/office/thememl/2012/main" name="Office Theme" id="{62F939B6-93AF-4DB8-9C6B-D6C7DFDC589F}" vid="{4A3C46E8-61CC-4603-A589-7422A47A8E4A}"/>
+      <thm15:themeFamily xmlns:thm15="http://schemas.microsoft.com/office/thememl/2012/main" name="Office Theme" id="{62F939B6-93AF-4DB8-9C6B-D6C7DFDC589F}" vid="{4A3C46E8-61CC-4603-A589-7422A47A8E4A}"/>
     </a:ext>
   </a:extLst>
 </a:theme>

--- a/Final Project Draft.pptx
+++ b/Final Project Draft.pptx
@@ -5,20 +5,21 @@
     <p:sldMasterId id="2147483669" r:id="rId1"/>
   </p:sldMasterIdLst>
   <p:notesMasterIdLst>
-    <p:notesMasterId r:id="rId13"/>
+    <p:notesMasterId r:id="rId14"/>
   </p:notesMasterIdLst>
   <p:sldIdLst>
     <p:sldId id="256" r:id="rId2"/>
     <p:sldId id="257" r:id="rId3"/>
     <p:sldId id="262" r:id="rId4"/>
-    <p:sldId id="268" r:id="rId5"/>
-    <p:sldId id="266" r:id="rId6"/>
-    <p:sldId id="260" r:id="rId7"/>
-    <p:sldId id="270" r:id="rId8"/>
-    <p:sldId id="271" r:id="rId9"/>
-    <p:sldId id="267" r:id="rId10"/>
-    <p:sldId id="269" r:id="rId11"/>
-    <p:sldId id="273" r:id="rId12"/>
+    <p:sldId id="274" r:id="rId5"/>
+    <p:sldId id="268" r:id="rId6"/>
+    <p:sldId id="266" r:id="rId7"/>
+    <p:sldId id="260" r:id="rId8"/>
+    <p:sldId id="270" r:id="rId9"/>
+    <p:sldId id="271" r:id="rId10"/>
+    <p:sldId id="267" r:id="rId11"/>
+    <p:sldId id="269" r:id="rId12"/>
+    <p:sldId id="273" r:id="rId13"/>
   </p:sldIdLst>
   <p:sldSz cx="12192000" cy="6858000"/>
   <p:notesSz cx="6858000" cy="9144000"/>
@@ -218,7 +219,7 @@
           <a:p>
             <a:fld id="{FFD76870-CC5D-4085-9740-AAC045ACB719}" type="datetimeFigureOut">
               <a:rPr lang="en-IN" smtClean="0"/>
-              <a:t>05/04/19</a:t>
+              <a:t>07-04-2019</a:t>
             </a:fld>
             <a:endParaRPr lang="en-IN"/>
           </a:p>
@@ -551,7 +552,7 @@
           <a:p>
             <a:fld id="{994D0557-01E8-4E04-B9A6-228EA0CD95B9}" type="slidenum">
               <a:rPr lang="en-IN" smtClean="0"/>
-              <a:t>9</a:t>
+              <a:t>10</a:t>
             </a:fld>
             <a:endParaRPr lang="en-IN"/>
           </a:p>
@@ -4846,7 +4847,7 @@
           <a:p>
             <a:fld id="{48A87A34-81AB-432B-8DAE-1953F412C126}" type="datetimeFigureOut">
               <a:rPr lang="en-US" smtClean="0"/>
-              <a:t>4/5/19</a:t>
+              <a:t>4/7/2019</a:t>
             </a:fld>
             <a:endParaRPr lang="en-US" dirty="0"/>
           </a:p>
@@ -5113,7 +5114,7 @@
           <a:p>
             <a:fld id="{48A87A34-81AB-432B-8DAE-1953F412C126}" type="datetimeFigureOut">
               <a:rPr lang="en-US" smtClean="0"/>
-              <a:t>4/5/19</a:t>
+              <a:t>4/7/2019</a:t>
             </a:fld>
             <a:endParaRPr lang="en-US" dirty="0"/>
           </a:p>
@@ -5309,7 +5310,7 @@
           <a:p>
             <a:fld id="{48A87A34-81AB-432B-8DAE-1953F412C126}" type="datetimeFigureOut">
               <a:rPr lang="en-US" smtClean="0"/>
-              <a:t>4/5/19</a:t>
+              <a:t>4/7/2019</a:t>
             </a:fld>
             <a:endParaRPr lang="en-US" dirty="0"/>
           </a:p>
@@ -5572,7 +5573,7 @@
           <a:p>
             <a:fld id="{48A87A34-81AB-432B-8DAE-1953F412C126}" type="datetimeFigureOut">
               <a:rPr lang="en-US" smtClean="0"/>
-              <a:t>4/5/19</a:t>
+              <a:t>4/7/2019</a:t>
             </a:fld>
             <a:endParaRPr lang="en-US" dirty="0"/>
           </a:p>
@@ -6006,7 +6007,7 @@
           <a:p>
             <a:fld id="{48A87A34-81AB-432B-8DAE-1953F412C126}" type="datetimeFigureOut">
               <a:rPr lang="en-US" smtClean="0"/>
-              <a:t>4/5/19</a:t>
+              <a:t>4/7/2019</a:t>
             </a:fld>
             <a:endParaRPr lang="en-US" dirty="0"/>
           </a:p>
@@ -6552,7 +6553,7 @@
           <a:p>
             <a:fld id="{48A87A34-81AB-432B-8DAE-1953F412C126}" type="datetimeFigureOut">
               <a:rPr lang="en-US" smtClean="0"/>
-              <a:t>4/5/19</a:t>
+              <a:t>4/7/2019</a:t>
             </a:fld>
             <a:endParaRPr lang="en-US" dirty="0"/>
           </a:p>
@@ -7272,7 +7273,7 @@
           <a:p>
             <a:fld id="{48A87A34-81AB-432B-8DAE-1953F412C126}" type="datetimeFigureOut">
               <a:rPr lang="en-US" smtClean="0"/>
-              <a:t>4/5/19</a:t>
+              <a:t>4/7/2019</a:t>
             </a:fld>
             <a:endParaRPr lang="en-US" dirty="0"/>
           </a:p>
@@ -7442,7 +7443,7 @@
           <a:p>
             <a:fld id="{48A87A34-81AB-432B-8DAE-1953F412C126}" type="datetimeFigureOut">
               <a:rPr lang="en-US" smtClean="0"/>
-              <a:t>4/5/19</a:t>
+              <a:t>4/7/2019</a:t>
             </a:fld>
             <a:endParaRPr lang="en-US" dirty="0"/>
           </a:p>
@@ -7622,7 +7623,7 @@
           <a:p>
             <a:fld id="{48A87A34-81AB-432B-8DAE-1953F412C126}" type="datetimeFigureOut">
               <a:rPr lang="en-US" smtClean="0"/>
-              <a:t>4/5/19</a:t>
+              <a:t>4/7/2019</a:t>
             </a:fld>
             <a:endParaRPr lang="en-US" dirty="0"/>
           </a:p>
@@ -7792,7 +7793,7 @@
           <a:p>
             <a:fld id="{48A87A34-81AB-432B-8DAE-1953F412C126}" type="datetimeFigureOut">
               <a:rPr lang="en-US" smtClean="0"/>
-              <a:t>4/5/19</a:t>
+              <a:t>4/7/2019</a:t>
             </a:fld>
             <a:endParaRPr lang="en-US" dirty="0"/>
           </a:p>
@@ -8042,7 +8043,7 @@
           <a:p>
             <a:fld id="{48A87A34-81AB-432B-8DAE-1953F412C126}" type="datetimeFigureOut">
               <a:rPr lang="en-US" smtClean="0"/>
-              <a:t>4/5/19</a:t>
+              <a:t>4/7/2019</a:t>
             </a:fld>
             <a:endParaRPr lang="en-US" dirty="0"/>
           </a:p>
@@ -8274,7 +8275,7 @@
           <a:p>
             <a:fld id="{48A87A34-81AB-432B-8DAE-1953F412C126}" type="datetimeFigureOut">
               <a:rPr lang="en-US" smtClean="0"/>
-              <a:t>4/5/19</a:t>
+              <a:t>4/7/2019</a:t>
             </a:fld>
             <a:endParaRPr lang="en-US" dirty="0"/>
           </a:p>
@@ -8655,7 +8656,7 @@
           <a:p>
             <a:fld id="{48A87A34-81AB-432B-8DAE-1953F412C126}" type="datetimeFigureOut">
               <a:rPr lang="en-US" smtClean="0"/>
-              <a:t>4/5/19</a:t>
+              <a:t>4/7/2019</a:t>
             </a:fld>
             <a:endParaRPr lang="en-US" dirty="0"/>
           </a:p>
@@ -8773,7 +8774,7 @@
           <a:p>
             <a:fld id="{48A87A34-81AB-432B-8DAE-1953F412C126}" type="datetimeFigureOut">
               <a:rPr lang="en-US" smtClean="0"/>
-              <a:t>4/5/19</a:t>
+              <a:t>4/7/2019</a:t>
             </a:fld>
             <a:endParaRPr lang="en-US" dirty="0"/>
           </a:p>
@@ -8868,7 +8869,7 @@
           <a:p>
             <a:fld id="{48A87A34-81AB-432B-8DAE-1953F412C126}" type="datetimeFigureOut">
               <a:rPr lang="en-US" smtClean="0"/>
-              <a:t>4/5/19</a:t>
+              <a:t>4/7/2019</a:t>
             </a:fld>
             <a:endParaRPr lang="en-US" dirty="0"/>
           </a:p>
@@ -9117,7 +9118,7 @@
           <a:p>
             <a:fld id="{48A87A34-81AB-432B-8DAE-1953F412C126}" type="datetimeFigureOut">
               <a:rPr lang="en-US" smtClean="0"/>
-              <a:t>4/5/19</a:t>
+              <a:t>4/7/2019</a:t>
             </a:fld>
             <a:endParaRPr lang="en-US" dirty="0"/>
           </a:p>
@@ -9397,7 +9398,7 @@
           <a:p>
             <a:fld id="{48A87A34-81AB-432B-8DAE-1953F412C126}" type="datetimeFigureOut">
               <a:rPr lang="en-US" smtClean="0"/>
-              <a:t>4/5/19</a:t>
+              <a:t>4/7/2019</a:t>
             </a:fld>
             <a:endParaRPr lang="en-US" dirty="0"/>
           </a:p>
@@ -12475,7 +12476,7 @@
             <a:fld id="{48A87A34-81AB-432B-8DAE-1953F412C126}" type="datetimeFigureOut">
               <a:rPr lang="en-US" smtClean="0"/>
               <a:pPr/>
-              <a:t>4/5/19</a:t>
+              <a:t>4/7/2019</a:t>
             </a:fld>
             <a:endParaRPr lang="en-US" dirty="0"/>
           </a:p>
@@ -13342,6 +13343,658 @@
           <a:p>
             <a:r>
               <a:rPr lang="en-IN" dirty="0"/>
+              <a:t>Model performance - Summary</a:t>
+            </a:r>
+          </a:p>
+        </p:txBody>
+      </p:sp>
+      <p:graphicFrame>
+        <p:nvGraphicFramePr>
+          <p:cNvPr id="5" name="Content Placeholder 4"/>
+          <p:cNvGraphicFramePr>
+            <a:graphicFrameLocks noGrp="1"/>
+          </p:cNvGraphicFramePr>
+          <p:nvPr>
+            <p:ph sz="half" idx="1"/>
+            <p:extLst>
+              <p:ext uri="{D42A27DB-BD31-4B8C-83A1-F6EECF244321}">
+                <p14:modId xmlns:p14="http://schemas.microsoft.com/office/powerpoint/2010/main" val="3311935798"/>
+              </p:ext>
+            </p:extLst>
+          </p:nvPr>
+        </p:nvGraphicFramePr>
+        <p:xfrm>
+          <a:off x="656451" y="1826611"/>
+          <a:ext cx="10928670" cy="4492546"/>
+        </p:xfrm>
+        <a:graphic>
+          <a:graphicData uri="http://schemas.openxmlformats.org/drawingml/2006/table">
+            <a:tbl>
+              <a:tblPr firstRow="1" bandRow="1">
+                <a:tableStyleId>{BC89EF96-8CEA-46FF-86C4-4CE0E7609802}</a:tableStyleId>
+              </a:tblPr>
+              <a:tblGrid>
+                <a:gridCol w="1709407">
+                  <a:extLst>
+                    <a:ext uri="{9D8B030D-6E8A-4147-A177-3AD203B41FA5}">
+                      <a16:colId xmlns:a16="http://schemas.microsoft.com/office/drawing/2014/main" val="3550727435"/>
+                    </a:ext>
+                  </a:extLst>
+                </a:gridCol>
+                <a:gridCol w="1487685">
+                  <a:extLst>
+                    <a:ext uri="{9D8B030D-6E8A-4147-A177-3AD203B41FA5}">
+                      <a16:colId xmlns:a16="http://schemas.microsoft.com/office/drawing/2014/main" val="3295678948"/>
+                    </a:ext>
+                  </a:extLst>
+                </a:gridCol>
+                <a:gridCol w="1592036">
+                  <a:extLst>
+                    <a:ext uri="{9D8B030D-6E8A-4147-A177-3AD203B41FA5}">
+                      <a16:colId xmlns:a16="http://schemas.microsoft.com/office/drawing/2014/main" val="485902210"/>
+                    </a:ext>
+                  </a:extLst>
+                </a:gridCol>
+                <a:gridCol w="1534885">
+                  <a:extLst>
+                    <a:ext uri="{9D8B030D-6E8A-4147-A177-3AD203B41FA5}">
+                      <a16:colId xmlns:a16="http://schemas.microsoft.com/office/drawing/2014/main" val="20003"/>
+                    </a:ext>
+                  </a:extLst>
+                </a:gridCol>
+                <a:gridCol w="1502229">
+                  <a:extLst>
+                    <a:ext uri="{9D8B030D-6E8A-4147-A177-3AD203B41FA5}">
+                      <a16:colId xmlns:a16="http://schemas.microsoft.com/office/drawing/2014/main" val="1751447481"/>
+                    </a:ext>
+                  </a:extLst>
+                </a:gridCol>
+                <a:gridCol w="3102428">
+                  <a:extLst>
+                    <a:ext uri="{9D8B030D-6E8A-4147-A177-3AD203B41FA5}">
+                      <a16:colId xmlns:a16="http://schemas.microsoft.com/office/drawing/2014/main" val="788984757"/>
+                    </a:ext>
+                  </a:extLst>
+                </a:gridCol>
+              </a:tblGrid>
+              <a:tr h="679825">
+                <a:tc rowSpan="2">
+                  <a:txBody>
+                    <a:bodyPr/>
+                    <a:lstStyle/>
+                    <a:p>
+                      <a:endParaRPr lang="en-IN" dirty="0"/>
+                    </a:p>
+                  </a:txBody>
+                  <a:tcPr/>
+                </a:tc>
+                <a:tc gridSpan="2">
+                  <a:txBody>
+                    <a:bodyPr/>
+                    <a:lstStyle/>
+                    <a:p>
+                      <a:pPr algn="ctr"/>
+                      <a:r>
+                        <a:rPr lang="en-IN" dirty="0"/>
+                        <a:t>Original components</a:t>
+                      </a:r>
+                    </a:p>
+                  </a:txBody>
+                  <a:tcPr/>
+                </a:tc>
+                <a:tc hMerge="1">
+                  <a:txBody>
+                    <a:bodyPr/>
+                    <a:lstStyle/>
+                    <a:p>
+                      <a:endParaRPr lang="en-IN" dirty="0"/>
+                    </a:p>
+                  </a:txBody>
+                  <a:tcPr/>
+                </a:tc>
+                <a:tc gridSpan="2">
+                  <a:txBody>
+                    <a:bodyPr/>
+                    <a:lstStyle/>
+                    <a:p>
+                      <a:pPr algn="ctr"/>
+                      <a:r>
+                        <a:rPr lang="en-IN" dirty="0"/>
+                        <a:t>With PCA</a:t>
+                      </a:r>
+                    </a:p>
+                  </a:txBody>
+                  <a:tcPr/>
+                </a:tc>
+                <a:tc hMerge="1">
+                  <a:txBody>
+                    <a:bodyPr/>
+                    <a:lstStyle/>
+                    <a:p>
+                      <a:endParaRPr lang="en-IN" dirty="0"/>
+                    </a:p>
+                  </a:txBody>
+                  <a:tcPr/>
+                </a:tc>
+                <a:tc>
+                  <a:txBody>
+                    <a:bodyPr/>
+                    <a:lstStyle/>
+                    <a:p>
+                      <a:pPr algn="ctr"/>
+                      <a:r>
+                        <a:rPr lang="en-IN" dirty="0"/>
+                        <a:t>With Data Augmentation – Test Accuracy</a:t>
+                      </a:r>
+                    </a:p>
+                  </a:txBody>
+                  <a:tcPr/>
+                </a:tc>
+                <a:extLst>
+                  <a:ext uri="{0D108BD9-81ED-4DB2-BD59-A6C34878D82A}">
+                    <a16:rowId xmlns:a16="http://schemas.microsoft.com/office/drawing/2014/main" val="418414485"/>
+                  </a:ext>
+                </a:extLst>
+              </a:tr>
+              <a:tr h="266152">
+                <a:tc vMerge="1">
+                  <a:txBody>
+                    <a:bodyPr/>
+                    <a:lstStyle/>
+                    <a:p>
+                      <a:endParaRPr lang="en-IN" dirty="0"/>
+                    </a:p>
+                  </a:txBody>
+                  <a:tcPr/>
+                </a:tc>
+                <a:tc>
+                  <a:txBody>
+                    <a:bodyPr/>
+                    <a:lstStyle/>
+                    <a:p>
+                      <a:pPr marL="0" marR="0" indent="0" algn="ctr" defTabSz="914400" rtl="0" eaLnBrk="1" fontAlgn="auto" latinLnBrk="0" hangingPunct="1">
+                        <a:lnSpc>
+                          <a:spcPct val="100000"/>
+                        </a:lnSpc>
+                        <a:spcBef>
+                          <a:spcPts val="0"/>
+                        </a:spcBef>
+                        <a:spcAft>
+                          <a:spcPts val="0"/>
+                        </a:spcAft>
+                        <a:buClrTx/>
+                        <a:buSzTx/>
+                        <a:buFontTx/>
+                        <a:buNone/>
+                        <a:tabLst/>
+                        <a:defRPr/>
+                      </a:pPr>
+                      <a:r>
+                        <a:rPr lang="en-IN" dirty="0"/>
+                        <a:t>Training Set Accuracy</a:t>
+                      </a:r>
+                    </a:p>
+                  </a:txBody>
+                  <a:tcPr/>
+                </a:tc>
+                <a:tc>
+                  <a:txBody>
+                    <a:bodyPr/>
+                    <a:lstStyle/>
+                    <a:p>
+                      <a:pPr marL="0" marR="0" indent="0" algn="ctr" defTabSz="914400" rtl="0" eaLnBrk="1" fontAlgn="auto" latinLnBrk="0" hangingPunct="1">
+                        <a:lnSpc>
+                          <a:spcPct val="100000"/>
+                        </a:lnSpc>
+                        <a:spcBef>
+                          <a:spcPts val="0"/>
+                        </a:spcBef>
+                        <a:spcAft>
+                          <a:spcPts val="0"/>
+                        </a:spcAft>
+                        <a:buClrTx/>
+                        <a:buSzTx/>
+                        <a:buFontTx/>
+                        <a:buNone/>
+                        <a:tabLst/>
+                        <a:defRPr/>
+                      </a:pPr>
+                      <a:r>
+                        <a:rPr lang="en-IN" dirty="0"/>
+                        <a:t>Test Set Accuracy</a:t>
+                      </a:r>
+                    </a:p>
+                  </a:txBody>
+                  <a:tcPr/>
+                </a:tc>
+                <a:tc>
+                  <a:txBody>
+                    <a:bodyPr/>
+                    <a:lstStyle/>
+                    <a:p>
+                      <a:pPr algn="ctr"/>
+                      <a:r>
+                        <a:rPr lang="en-IN" dirty="0"/>
+                        <a:t>Training Set Accuracy</a:t>
+                      </a:r>
+                    </a:p>
+                  </a:txBody>
+                  <a:tcPr/>
+                </a:tc>
+                <a:tc>
+                  <a:txBody>
+                    <a:bodyPr/>
+                    <a:lstStyle/>
+                    <a:p>
+                      <a:pPr algn="ctr"/>
+                      <a:r>
+                        <a:rPr lang="en-IN" dirty="0"/>
+                        <a:t>Test Set Accuracy</a:t>
+                      </a:r>
+                    </a:p>
+                  </a:txBody>
+                  <a:tcPr/>
+                </a:tc>
+                <a:tc>
+                  <a:txBody>
+                    <a:bodyPr/>
+                    <a:lstStyle/>
+                    <a:p>
+                      <a:pPr algn="ctr"/>
+                      <a:endParaRPr lang="en-IN" dirty="0"/>
+                    </a:p>
+                  </a:txBody>
+                  <a:tcPr/>
+                </a:tc>
+                <a:extLst>
+                  <a:ext uri="{0D108BD9-81ED-4DB2-BD59-A6C34878D82A}">
+                    <a16:rowId xmlns:a16="http://schemas.microsoft.com/office/drawing/2014/main" val="10001"/>
+                  </a:ext>
+                </a:extLst>
+              </a:tr>
+              <a:tr h="894806">
+                <a:tc>
+                  <a:txBody>
+                    <a:bodyPr/>
+                    <a:lstStyle/>
+                    <a:p>
+                      <a:r>
+                        <a:rPr lang="en-US" sz="1800" dirty="0"/>
+                        <a:t>Linear Classification Analysis</a:t>
+                      </a:r>
+                      <a:endParaRPr lang="en-IN" dirty="0"/>
+                    </a:p>
+                  </a:txBody>
+                  <a:tcPr/>
+                </a:tc>
+                <a:tc>
+                  <a:txBody>
+                    <a:bodyPr/>
+                    <a:lstStyle/>
+                    <a:p>
+                      <a:pPr algn="ctr"/>
+                      <a:r>
+                        <a:rPr lang="en-IN" dirty="0"/>
+                        <a:t>48.30%</a:t>
+                      </a:r>
+                    </a:p>
+                  </a:txBody>
+                  <a:tcPr/>
+                </a:tc>
+                <a:tc>
+                  <a:txBody>
+                    <a:bodyPr/>
+                    <a:lstStyle/>
+                    <a:p>
+                      <a:pPr algn="ctr"/>
+                      <a:r>
+                        <a:rPr lang="en-IN" dirty="0"/>
+                        <a:t>34.88%</a:t>
+                      </a:r>
+                    </a:p>
+                  </a:txBody>
+                  <a:tcPr/>
+                </a:tc>
+                <a:tc>
+                  <a:txBody>
+                    <a:bodyPr/>
+                    <a:lstStyle/>
+                    <a:p>
+                      <a:pPr algn="ctr"/>
+                      <a:r>
+                        <a:rPr lang="en-IN" dirty="0"/>
+                        <a:t>39.41%</a:t>
+                      </a:r>
+                    </a:p>
+                  </a:txBody>
+                  <a:tcPr/>
+                </a:tc>
+                <a:tc>
+                  <a:txBody>
+                    <a:bodyPr/>
+                    <a:lstStyle/>
+                    <a:p>
+                      <a:pPr algn="ctr"/>
+                      <a:r>
+                        <a:rPr lang="en-IN" dirty="0"/>
+                        <a:t>18.02%</a:t>
+                      </a:r>
+                    </a:p>
+                  </a:txBody>
+                  <a:tcPr/>
+                </a:tc>
+                <a:tc>
+                  <a:txBody>
+                    <a:bodyPr/>
+                    <a:lstStyle/>
+                    <a:p>
+                      <a:pPr algn="ctr"/>
+                      <a:r>
+                        <a:rPr lang="en-IN" dirty="0"/>
+                        <a:t>32.21%</a:t>
+                      </a:r>
+                    </a:p>
+                  </a:txBody>
+                  <a:tcPr/>
+                </a:tc>
+                <a:extLst>
+                  <a:ext uri="{0D108BD9-81ED-4DB2-BD59-A6C34878D82A}">
+                    <a16:rowId xmlns:a16="http://schemas.microsoft.com/office/drawing/2014/main" val="2740143975"/>
+                  </a:ext>
+                </a:extLst>
+              </a:tr>
+              <a:tr h="723356">
+                <a:tc>
+                  <a:txBody>
+                    <a:bodyPr/>
+                    <a:lstStyle/>
+                    <a:p>
+                      <a:r>
+                        <a:rPr lang="en-IN" dirty="0"/>
+                        <a:t>Bayesian Classifier</a:t>
+                      </a:r>
+                    </a:p>
+                  </a:txBody>
+                  <a:tcPr/>
+                </a:tc>
+                <a:tc>
+                  <a:txBody>
+                    <a:bodyPr/>
+                    <a:lstStyle/>
+                    <a:p>
+                      <a:pPr algn="ctr"/>
+                      <a:r>
+                        <a:rPr lang="en-IN" dirty="0"/>
+                        <a:t>50.73%</a:t>
+                      </a:r>
+                    </a:p>
+                  </a:txBody>
+                  <a:tcPr/>
+                </a:tc>
+                <a:tc>
+                  <a:txBody>
+                    <a:bodyPr/>
+                    <a:lstStyle/>
+                    <a:p>
+                      <a:pPr algn="ctr"/>
+                      <a:r>
+                        <a:rPr lang="en-IN" dirty="0"/>
+                        <a:t>18.86%</a:t>
+                      </a:r>
+                    </a:p>
+                  </a:txBody>
+                  <a:tcPr/>
+                </a:tc>
+                <a:tc>
+                  <a:txBody>
+                    <a:bodyPr/>
+                    <a:lstStyle/>
+                    <a:p>
+                      <a:pPr algn="ctr"/>
+                      <a:r>
+                        <a:rPr lang="en-IN" dirty="0"/>
+                        <a:t>76.61%</a:t>
+                      </a:r>
+                    </a:p>
+                  </a:txBody>
+                  <a:tcPr/>
+                </a:tc>
+                <a:tc>
+                  <a:txBody>
+                    <a:bodyPr/>
+                    <a:lstStyle/>
+                    <a:p>
+                      <a:pPr algn="ctr"/>
+                      <a:r>
+                        <a:rPr lang="en-IN" dirty="0"/>
+                        <a:t>44.25%</a:t>
+                      </a:r>
+                    </a:p>
+                  </a:txBody>
+                  <a:tcPr/>
+                </a:tc>
+                <a:tc>
+                  <a:txBody>
+                    <a:bodyPr/>
+                    <a:lstStyle/>
+                    <a:p>
+                      <a:pPr algn="ctr"/>
+                      <a:r>
+                        <a:rPr lang="en-IN" dirty="0"/>
+                        <a:t>41.38%</a:t>
+                      </a:r>
+                    </a:p>
+                  </a:txBody>
+                  <a:tcPr/>
+                </a:tc>
+                <a:extLst>
+                  <a:ext uri="{0D108BD9-81ED-4DB2-BD59-A6C34878D82A}">
+                    <a16:rowId xmlns:a16="http://schemas.microsoft.com/office/drawing/2014/main" val="4075877440"/>
+                  </a:ext>
+                </a:extLst>
+              </a:tr>
+              <a:tr h="889907">
+                <a:tc>
+                  <a:txBody>
+                    <a:bodyPr/>
+                    <a:lstStyle/>
+                    <a:p>
+                      <a:r>
+                        <a:rPr lang="en-US" sz="1800" dirty="0"/>
+                        <a:t>Logistic Regression Analysis</a:t>
+                      </a:r>
+                      <a:endParaRPr lang="en-IN" dirty="0"/>
+                    </a:p>
+                  </a:txBody>
+                  <a:tcPr/>
+                </a:tc>
+                <a:tc>
+                  <a:txBody>
+                    <a:bodyPr/>
+                    <a:lstStyle/>
+                    <a:p>
+                      <a:pPr algn="ctr"/>
+                      <a:endParaRPr lang="en-IN" dirty="0"/>
+                    </a:p>
+                  </a:txBody>
+                  <a:tcPr/>
+                </a:tc>
+                <a:tc>
+                  <a:txBody>
+                    <a:bodyPr/>
+                    <a:lstStyle/>
+                    <a:p>
+                      <a:pPr algn="ctr"/>
+                      <a:endParaRPr lang="en-IN" dirty="0"/>
+                    </a:p>
+                  </a:txBody>
+                  <a:tcPr/>
+                </a:tc>
+                <a:tc>
+                  <a:txBody>
+                    <a:bodyPr/>
+                    <a:lstStyle/>
+                    <a:p>
+                      <a:pPr algn="ctr"/>
+                      <a:endParaRPr lang="en-IN" dirty="0"/>
+                    </a:p>
+                  </a:txBody>
+                  <a:tcPr/>
+                </a:tc>
+                <a:tc>
+                  <a:txBody>
+                    <a:bodyPr/>
+                    <a:lstStyle/>
+                    <a:p>
+                      <a:pPr algn="ctr"/>
+                      <a:endParaRPr lang="en-IN" dirty="0"/>
+                    </a:p>
+                  </a:txBody>
+                  <a:tcPr/>
+                </a:tc>
+                <a:tc>
+                  <a:txBody>
+                    <a:bodyPr/>
+                    <a:lstStyle/>
+                    <a:p>
+                      <a:pPr algn="ctr"/>
+                      <a:endParaRPr lang="en-IN" dirty="0"/>
+                    </a:p>
+                  </a:txBody>
+                  <a:tcPr/>
+                </a:tc>
+                <a:extLst>
+                  <a:ext uri="{0D108BD9-81ED-4DB2-BD59-A6C34878D82A}">
+                    <a16:rowId xmlns:a16="http://schemas.microsoft.com/office/drawing/2014/main" val="541031661"/>
+                  </a:ext>
+                </a:extLst>
+              </a:tr>
+              <a:tr h="620485">
+                <a:tc>
+                  <a:txBody>
+                    <a:bodyPr/>
+                    <a:lstStyle/>
+                    <a:p>
+                      <a:r>
+                        <a:rPr lang="en-IN" dirty="0"/>
+                        <a:t>Neural Network</a:t>
+                      </a:r>
+                    </a:p>
+                  </a:txBody>
+                  <a:tcPr/>
+                </a:tc>
+                <a:tc>
+                  <a:txBody>
+                    <a:bodyPr/>
+                    <a:lstStyle/>
+                    <a:p>
+                      <a:pPr algn="ctr"/>
+                      <a:endParaRPr lang="en-IN" dirty="0"/>
+                    </a:p>
+                  </a:txBody>
+                  <a:tcPr/>
+                </a:tc>
+                <a:tc>
+                  <a:txBody>
+                    <a:bodyPr/>
+                    <a:lstStyle/>
+                    <a:p>
+                      <a:pPr algn="ctr"/>
+                      <a:endParaRPr lang="en-IN"/>
+                    </a:p>
+                  </a:txBody>
+                  <a:tcPr/>
+                </a:tc>
+                <a:tc>
+                  <a:txBody>
+                    <a:bodyPr/>
+                    <a:lstStyle/>
+                    <a:p>
+                      <a:pPr algn="ctr"/>
+                      <a:endParaRPr lang="en-IN" dirty="0"/>
+                    </a:p>
+                  </a:txBody>
+                  <a:tcPr/>
+                </a:tc>
+                <a:tc>
+                  <a:txBody>
+                    <a:bodyPr/>
+                    <a:lstStyle/>
+                    <a:p>
+                      <a:pPr algn="ctr"/>
+                      <a:endParaRPr lang="en-IN"/>
+                    </a:p>
+                  </a:txBody>
+                  <a:tcPr/>
+                </a:tc>
+                <a:tc>
+                  <a:txBody>
+                    <a:bodyPr/>
+                    <a:lstStyle/>
+                    <a:p>
+                      <a:pPr algn="ctr"/>
+                      <a:endParaRPr lang="en-IN" dirty="0"/>
+                    </a:p>
+                  </a:txBody>
+                  <a:tcPr/>
+                </a:tc>
+                <a:extLst>
+                  <a:ext uri="{0D108BD9-81ED-4DB2-BD59-A6C34878D82A}">
+                    <a16:rowId xmlns:a16="http://schemas.microsoft.com/office/drawing/2014/main" val="1396813758"/>
+                  </a:ext>
+                </a:extLst>
+              </a:tr>
+            </a:tbl>
+          </a:graphicData>
+        </a:graphic>
+      </p:graphicFrame>
+    </p:spTree>
+    <p:extLst>
+      <p:ext uri="{BB962C8B-B14F-4D97-AF65-F5344CB8AC3E}">
+        <p14:creationId xmlns:p14="http://schemas.microsoft.com/office/powerpoint/2010/main" val="2834241000"/>
+      </p:ext>
+    </p:extLst>
+  </p:cSld>
+  <p:clrMapOvr>
+    <a:masterClrMapping/>
+  </p:clrMapOvr>
+</p:sld>
+</file>
+
+<file path=ppt/slides/slide11.xml><?xml version="1.0" encoding="utf-8"?>
+<p:sld xmlns:a="http://schemas.openxmlformats.org/drawingml/2006/main" xmlns:r="http://schemas.openxmlformats.org/officeDocument/2006/relationships" xmlns:p="http://schemas.openxmlformats.org/presentationml/2006/main">
+  <p:cSld>
+    <p:spTree>
+      <p:nvGrpSpPr>
+        <p:cNvPr id="1" name=""/>
+        <p:cNvGrpSpPr/>
+        <p:nvPr/>
+      </p:nvGrpSpPr>
+      <p:grpSpPr>
+        <a:xfrm>
+          <a:off x="0" y="0"/>
+          <a:ext cx="0" cy="0"/>
+          <a:chOff x="0" y="0"/>
+          <a:chExt cx="0" cy="0"/>
+        </a:xfrm>
+      </p:grpSpPr>
+      <p:sp>
+        <p:nvSpPr>
+          <p:cNvPr id="2" name="Title 1"/>
+          <p:cNvSpPr>
+            <a:spLocks noGrp="1"/>
+          </p:cNvSpPr>
+          <p:nvPr>
+            <p:ph type="title"/>
+          </p:nvPr>
+        </p:nvSpPr>
+        <p:spPr/>
+        <p:txBody>
+          <a:bodyPr/>
+          <a:lstStyle/>
+          <a:p>
+            <a:r>
+              <a:rPr lang="en-IN" dirty="0"/>
               <a:t>Interesting Observations</a:t>
             </a:r>
           </a:p>
@@ -13487,7 +14140,7 @@
 </p:sld>
 </file>
 
-<file path=ppt/slides/slide11.xml><?xml version="1.0" encoding="utf-8"?>
+<file path=ppt/slides/slide12.xml><?xml version="1.0" encoding="utf-8"?>
 <p:sld xmlns:a="http://schemas.openxmlformats.org/drawingml/2006/main" xmlns:r="http://schemas.openxmlformats.org/officeDocument/2006/relationships" xmlns:p="http://schemas.openxmlformats.org/presentationml/2006/main">
   <p:cSld>
     <p:spTree>
@@ -14380,7 +15033,13 @@
       </p:grpSpPr>
       <p:sp>
         <p:nvSpPr>
-          <p:cNvPr id="2" name="Title 1"/>
+          <p:cNvPr id="2" name="Title 1">
+            <a:extLst>
+              <a:ext uri="{FF2B5EF4-FFF2-40B4-BE49-F238E27FC236}">
+                <a16:creationId xmlns:a16="http://schemas.microsoft.com/office/drawing/2014/main" id="{3BB733D1-7FBB-48C7-A6BD-F5EB626F366D}"/>
+              </a:ext>
+            </a:extLst>
+          </p:cNvPr>
           <p:cNvSpPr>
             <a:spLocks noGrp="1"/>
           </p:cNvSpPr>
@@ -14395,14 +15054,20 @@
           <a:p>
             <a:r>
               <a:rPr lang="en-IN" dirty="0"/>
-              <a:t>K-means, Cluster purity &amp; Expectation Maximization</a:t>
+              <a:t>Cluster Purity : soft or hard clusters</a:t>
             </a:r>
           </a:p>
         </p:txBody>
       </p:sp>
       <p:sp>
         <p:nvSpPr>
-          <p:cNvPr id="3" name="Content Placeholder 2"/>
+          <p:cNvPr id="3" name="Content Placeholder 2">
+            <a:extLst>
+              <a:ext uri="{FF2B5EF4-FFF2-40B4-BE49-F238E27FC236}">
+                <a16:creationId xmlns:a16="http://schemas.microsoft.com/office/drawing/2014/main" id="{F02F2CBD-4339-4157-BB42-3B1DDAC0E7B1}"/>
+              </a:ext>
+            </a:extLst>
+          </p:cNvPr>
           <p:cNvSpPr>
             <a:spLocks noGrp="1"/>
           </p:cNvSpPr>
@@ -14412,36 +15077,55 @@
         </p:nvSpPr>
         <p:spPr/>
         <p:txBody>
-          <a:bodyPr/>
+          <a:bodyPr>
+            <a:normAutofit fontScale="92500"/>
+          </a:bodyPr>
           <a:lstStyle/>
           <a:p>
-            <a:endParaRPr lang="en-IN"/>
+            <a:r>
+              <a:rPr lang="en-US" dirty="0"/>
+              <a:t> Purity is a measure of the extent to which clusters contain a single class. Its calculation can be thought of as follows: For each cluster, count the number of data points from the most common class in said cluster. Now take the sum over all clusters and divide by the total number of data points</a:t>
+            </a:r>
+            <a:endParaRPr lang="en-IN" dirty="0"/>
           </a:p>
         </p:txBody>
       </p:sp>
-      <p:sp>
-        <p:nvSpPr>
-          <p:cNvPr id="4" name="Content Placeholder 3"/>
-          <p:cNvSpPr>
-            <a:spLocks noGrp="1"/>
-          </p:cNvSpPr>
+      <p:pic>
+        <p:nvPicPr>
+          <p:cNvPr id="27" name="Content Placeholder 26">
+            <a:extLst>
+              <a:ext uri="{FF2B5EF4-FFF2-40B4-BE49-F238E27FC236}">
+                <a16:creationId xmlns:a16="http://schemas.microsoft.com/office/drawing/2014/main" id="{A88BA9CF-19EF-4963-88AD-58682BBABEAB}"/>
+              </a:ext>
+            </a:extLst>
+          </p:cNvPr>
+          <p:cNvPicPr>
+            <a:picLocks noGrp="1" noChangeAspect="1"/>
+          </p:cNvPicPr>
           <p:nvPr>
             <p:ph sz="half" idx="2"/>
           </p:nvPr>
-        </p:nvSpPr>
-        <p:spPr/>
-        <p:txBody>
-          <a:bodyPr/>
-          <a:lstStyle/>
-          <a:p>
-            <a:endParaRPr lang="en-IN"/>
-          </a:p>
-        </p:txBody>
-      </p:sp>
+        </p:nvPicPr>
+        <p:blipFill>
+          <a:blip r:embed="rId2"/>
+          <a:stretch>
+            <a:fillRect/>
+          </a:stretch>
+        </p:blipFill>
+        <p:spPr>
+          <a:xfrm>
+            <a:off x="6415483" y="3327399"/>
+            <a:ext cx="4539458" cy="1433513"/>
+          </a:xfrm>
+          <a:prstGeom prst="rect">
+            <a:avLst/>
+          </a:prstGeom>
+        </p:spPr>
+      </p:pic>
     </p:spTree>
     <p:extLst>
       <p:ext uri="{BB962C8B-B14F-4D97-AF65-F5344CB8AC3E}">
-        <p14:creationId xmlns:p14="http://schemas.microsoft.com/office/powerpoint/2010/main" val="3192785003"/>
+        <p14:creationId xmlns:p14="http://schemas.microsoft.com/office/powerpoint/2010/main" val="2575316852"/>
       </p:ext>
     </p:extLst>
   </p:cSld>
@@ -14470,6 +15154,7161 @@
       </p:grpSpPr>
       <p:sp>
         <p:nvSpPr>
+          <p:cNvPr id="2" name="Title 1"/>
+          <p:cNvSpPr>
+            <a:spLocks noGrp="1"/>
+          </p:cNvSpPr>
+          <p:nvPr>
+            <p:ph type="title"/>
+          </p:nvPr>
+        </p:nvSpPr>
+        <p:spPr/>
+        <p:txBody>
+          <a:bodyPr/>
+          <a:lstStyle/>
+          <a:p>
+            <a:r>
+              <a:rPr lang="en-IN" dirty="0"/>
+              <a:t>K-means (left) &amp;  Expectation Maximization</a:t>
+            </a:r>
+          </a:p>
+        </p:txBody>
+      </p:sp>
+      <p:sp>
+        <p:nvSpPr>
+          <p:cNvPr id="4" name="Content Placeholder 3"/>
+          <p:cNvSpPr>
+            <a:spLocks noGrp="1"/>
+          </p:cNvSpPr>
+          <p:nvPr>
+            <p:ph sz="half" idx="2"/>
+          </p:nvPr>
+        </p:nvSpPr>
+        <p:spPr/>
+        <p:txBody>
+          <a:bodyPr/>
+          <a:lstStyle/>
+          <a:p>
+            <a:endParaRPr lang="en-IN" dirty="0"/>
+          </a:p>
+        </p:txBody>
+      </p:sp>
+      <p:pic>
+        <p:nvPicPr>
+          <p:cNvPr id="1026" name="Picture 2">
+            <a:extLst>
+              <a:ext uri="{FF2B5EF4-FFF2-40B4-BE49-F238E27FC236}">
+                <a16:creationId xmlns:a16="http://schemas.microsoft.com/office/drawing/2014/main" id="{0EEF4960-024B-4E00-BE46-91D3AB3FC4BC}"/>
+              </a:ext>
+            </a:extLst>
+          </p:cNvPr>
+          <p:cNvPicPr>
+            <a:picLocks noGrp="1" noChangeAspect="1" noChangeArrowheads="1"/>
+          </p:cNvPicPr>
+          <p:nvPr>
+            <p:ph sz="half" idx="1"/>
+          </p:nvPr>
+        </p:nvPicPr>
+        <p:blipFill>
+          <a:blip r:embed="rId2">
+            <a:extLst>
+              <a:ext uri="{28A0092B-C50C-407E-A947-70E740481C1C}">
+                <a14:useLocalDpi xmlns:a14="http://schemas.microsoft.com/office/drawing/2010/main" val="0"/>
+              </a:ext>
+            </a:extLst>
+          </a:blip>
+          <a:srcRect/>
+          <a:stretch>
+            <a:fillRect/>
+          </a:stretch>
+        </p:blipFill>
+        <p:spPr bwMode="auto">
+          <a:xfrm>
+            <a:off x="1088571" y="2239403"/>
+            <a:ext cx="4931229" cy="3524117"/>
+          </a:xfrm>
+          <a:prstGeom prst="rect">
+            <a:avLst/>
+          </a:prstGeom>
+          <a:noFill/>
+          <a:extLst>
+            <a:ext uri="{909E8E84-426E-40DD-AFC4-6F175D3DCCD1}">
+              <a14:hiddenFill xmlns:a14="http://schemas.microsoft.com/office/drawing/2010/main">
+                <a:solidFill>
+                  <a:srgbClr val="FFFFFF"/>
+                </a:solidFill>
+              </a14:hiddenFill>
+            </a:ext>
+          </a:extLst>
+        </p:spPr>
+      </p:pic>
+    </p:spTree>
+    <p:extLst>
+      <p:ext uri="{BB962C8B-B14F-4D97-AF65-F5344CB8AC3E}">
+        <p14:creationId xmlns:p14="http://schemas.microsoft.com/office/powerpoint/2010/main" val="3192785003"/>
+      </p:ext>
+    </p:extLst>
+  </p:cSld>
+  <p:clrMapOvr>
+    <a:masterClrMapping/>
+  </p:clrMapOvr>
+</p:sld>
+</file>
+
+<file path=ppt/slides/slide6.xml><?xml version="1.0" encoding="utf-8"?>
+<p:sld xmlns:a="http://schemas.openxmlformats.org/drawingml/2006/main" xmlns:r="http://schemas.openxmlformats.org/officeDocument/2006/relationships" xmlns:p="http://schemas.openxmlformats.org/presentationml/2006/main">
+  <p:cSld>
+    <p:bg>
+      <p:bgPr>
+        <a:solidFill>
+          <a:schemeClr val="bg1"/>
+        </a:solidFill>
+        <a:effectLst/>
+      </p:bgPr>
+    </p:bg>
+    <p:spTree>
+      <p:nvGrpSpPr>
+        <p:cNvPr id="1" name=""/>
+        <p:cNvGrpSpPr/>
+        <p:nvPr/>
+      </p:nvGrpSpPr>
+      <p:grpSpPr>
+        <a:xfrm>
+          <a:off x="0" y="0"/>
+          <a:ext cx="0" cy="0"/>
+          <a:chOff x="0" y="0"/>
+          <a:chExt cx="0" cy="0"/>
+        </a:xfrm>
+      </p:grpSpPr>
+      <p:pic>
+        <p:nvPicPr>
+          <p:cNvPr id="107" name="Picture 2">
+            <a:extLst>
+              <a:ext uri="{FF2B5EF4-FFF2-40B4-BE49-F238E27FC236}">
+                <a16:creationId xmlns:a16="http://schemas.microsoft.com/office/drawing/2014/main" id="{5FF7B57D-FF7B-48B3-9F60-9BCEEECF9E76}"/>
+              </a:ext>
+              <a:ext uri="{C183D7F6-B498-43B3-948B-1728B52AA6E4}">
+                <adec:decorative xmlns:adec="http://schemas.microsoft.com/office/drawing/2017/decorative" val="1"/>
+              </a:ext>
+            </a:extLst>
+          </p:cNvPr>
+          <p:cNvPicPr>
+            <a:picLocks noGrp="1" noRot="1" noChangeAspect="1" noMove="1" noResize="1" noEditPoints="1" noAdjustHandles="1" noChangeArrowheads="1" noChangeShapeType="1" noCrop="1"/>
+          </p:cNvPicPr>
+          <p:nvPr>
+            <p:extLst>
+              <p:ext uri="{386F3935-93C4-4BCD-93E2-E3B085C9AB24}">
+                <p16:designElem xmlns:p16="http://schemas.microsoft.com/office/powerpoint/2015/main" val="1"/>
+              </p:ext>
+            </p:extLst>
+          </p:nvPr>
+        </p:nvPicPr>
+        <p:blipFill>
+          <a:blip r:embed="rId2">
+            <a:alphaModFix amt="30000"/>
+            <a:extLst>
+              <a:ext uri="{28A0092B-C50C-407E-A947-70E740481C1C}">
+                <a14:useLocalDpi xmlns:a14="http://schemas.microsoft.com/office/drawing/2010/main" val="0"/>
+              </a:ext>
+            </a:extLst>
+          </a:blip>
+          <a:srcRect/>
+          <a:stretch>
+            <a:fillRect/>
+          </a:stretch>
+        </p:blipFill>
+        <p:spPr bwMode="auto">
+          <a:xfrm>
+            <a:off x="0" y="0"/>
+            <a:ext cx="12192003" cy="6858001"/>
+          </a:xfrm>
+          <a:prstGeom prst="rect">
+            <a:avLst/>
+          </a:prstGeom>
+          <a:noFill/>
+          <a:extLst>
+            <a:ext uri="{909E8E84-426E-40dd-AFC4-6F175D3DCCD1}">
+              <a14:hiddenFill xmlns="" xmlns:a16="http://schemas.microsoft.com/office/drawing/2014/main" xmlns:p14="http://schemas.microsoft.com/office/powerpoint/2010/main" xmlns:a14="http://schemas.microsoft.com/office/drawing/2010/main">
+                <a:solidFill>
+                  <a:srgbClr val="FFFFFF"/>
+                </a:solidFill>
+              </a14:hiddenFill>
+            </a:ext>
+          </a:extLst>
+        </p:spPr>
+      </p:pic>
+      <p:grpSp>
+        <p:nvGrpSpPr>
+          <p:cNvPr id="109" name="Group 108">
+            <a:extLst>
+              <a:ext uri="{FF2B5EF4-FFF2-40B4-BE49-F238E27FC236}">
+                <a16:creationId xmlns:a16="http://schemas.microsoft.com/office/drawing/2014/main" id="{EB95AFDF-FA7D-4311-9C65-6D507D92F474}"/>
+              </a:ext>
+              <a:ext uri="{C183D7F6-B498-43B3-948B-1728B52AA6E4}">
+                <adec:decorative xmlns:adec="http://schemas.microsoft.com/office/drawing/2017/decorative" val="1"/>
+              </a:ext>
+            </a:extLst>
+          </p:cNvPr>
+          <p:cNvGrpSpPr>
+            <a:grpSpLocks noGrp="1" noUngrp="1" noRot="1" noChangeAspect="1" noMove="1" noResize="1"/>
+          </p:cNvGrpSpPr>
+          <p:nvPr>
+            <p:extLst>
+              <p:ext uri="{386F3935-93C4-4BCD-93E2-E3B085C9AB24}">
+                <p16:designElem xmlns:p16="http://schemas.microsoft.com/office/powerpoint/2015/main" val="1"/>
+              </p:ext>
+            </p:extLst>
+          </p:nvPr>
+        </p:nvGrpSpPr>
+        <p:grpSpPr>
+          <a:xfrm>
+            <a:off x="-14288" y="0"/>
+            <a:ext cx="12053888" cy="6858001"/>
+            <a:chOff x="-14288" y="0"/>
+            <a:chExt cx="12053888" cy="6858001"/>
+          </a:xfrm>
+        </p:grpSpPr>
+        <p:grpSp>
+          <p:nvGrpSpPr>
+            <p:cNvPr id="110" name="Group 109">
+              <a:extLst>
+                <a:ext uri="{FF2B5EF4-FFF2-40B4-BE49-F238E27FC236}">
+                  <a16:creationId xmlns:a16="http://schemas.microsoft.com/office/drawing/2014/main" id="{9A5CCD98-20C1-4404-B788-FDA92F8A4403}"/>
+                </a:ext>
+                <a:ext uri="{C183D7F6-B498-43B3-948B-1728B52AA6E4}">
+                  <adec:decorative xmlns:adec="http://schemas.microsoft.com/office/drawing/2017/decorative" val="1"/>
+                </a:ext>
+              </a:extLst>
+            </p:cNvPr>
+            <p:cNvGrpSpPr/>
+            <p:nvPr>
+              <p:extLst>
+                <p:ext uri="{386F3935-93C4-4BCD-93E2-E3B085C9AB24}">
+                  <p16:designElem xmlns:p16="http://schemas.microsoft.com/office/powerpoint/2015/main" val="1"/>
+                </p:ext>
+              </p:extLst>
+            </p:nvPr>
+          </p:nvGrpSpPr>
+          <p:grpSpPr>
+            <a:xfrm>
+              <a:off x="-14288" y="0"/>
+              <a:ext cx="1220788" cy="6858001"/>
+              <a:chOff x="-14288" y="0"/>
+              <a:chExt cx="1220788" cy="6858001"/>
+            </a:xfrm>
+            <a:gradFill flip="none" rotWithShape="1">
+              <a:gsLst>
+                <a:gs pos="0">
+                  <a:schemeClr val="tx2"/>
+                </a:gs>
+                <a:gs pos="100000">
+                  <a:schemeClr val="bg2">
+                    <a:lumMod val="60000"/>
+                    <a:lumOff val="40000"/>
+                  </a:schemeClr>
+                </a:gs>
+              </a:gsLst>
+              <a:lin ang="5400000" scaled="0"/>
+              <a:tileRect/>
+            </a:gradFill>
+          </p:grpSpPr>
+          <p:sp>
+            <p:nvSpPr>
+              <p:cNvPr id="122" name="Rectangle 5">
+                <a:extLst>
+                  <a:ext uri="{FF2B5EF4-FFF2-40B4-BE49-F238E27FC236}">
+                    <a16:creationId xmlns:a16="http://schemas.microsoft.com/office/drawing/2014/main" id="{C1424C76-B5C3-468E-86FA-8D9B269053DE}"/>
+                  </a:ext>
+                  <a:ext uri="{C183D7F6-B498-43B3-948B-1728B52AA6E4}">
+                    <adec:decorative xmlns:adec="http://schemas.microsoft.com/office/drawing/2017/decorative" val="1"/>
+                  </a:ext>
+                </a:extLst>
+              </p:cNvPr>
+              <p:cNvSpPr>
+                <a:spLocks noChangeArrowheads="1"/>
+              </p:cNvSpPr>
+              <p:nvPr>
+                <p:extLst>
+                  <p:ext uri="{386F3935-93C4-4BCD-93E2-E3B085C9AB24}">
+                    <p16:designElem xmlns:p16="http://schemas.microsoft.com/office/powerpoint/2015/main" val="1"/>
+                  </p:ext>
+                </p:extLst>
+              </p:nvPr>
+            </p:nvSpPr>
+            <p:spPr bwMode="auto">
+              <a:xfrm>
+                <a:off x="114300" y="4763"/>
+                <a:ext cx="23813" cy="2181225"/>
+              </a:xfrm>
+              <a:prstGeom prst="rect">
+                <a:avLst/>
+              </a:prstGeom>
+              <a:grpFill/>
+              <a:ln>
+                <a:noFill/>
+              </a:ln>
+              <a:extLst>
+                <a:ext uri="{91240B29-F687-4f45-9708-019B960494DF}">
+                  <a14:hiddenLine xmlns="" xmlns:a16="http://schemas.microsoft.com/office/drawing/2014/main" xmlns:p14="http://schemas.microsoft.com/office/powerpoint/2010/main" xmlns:a14="http://schemas.microsoft.com/office/drawing/2010/main" w="9525">
+                    <a:solidFill>
+                      <a:srgbClr val="000000"/>
+                    </a:solidFill>
+                    <a:miter lim="800000"/>
+                    <a:headEnd/>
+                    <a:tailEnd/>
+                  </a14:hiddenLine>
+                </a:ext>
+              </a:extLst>
+            </p:spPr>
+          </p:sp>
+          <p:sp>
+            <p:nvSpPr>
+              <p:cNvPr id="123" name="Freeform 6">
+                <a:extLst>
+                  <a:ext uri="{FF2B5EF4-FFF2-40B4-BE49-F238E27FC236}">
+                    <a16:creationId xmlns:a16="http://schemas.microsoft.com/office/drawing/2014/main" id="{B3922267-72C9-403B-A6DE-7D0A43D5541F}"/>
+                  </a:ext>
+                  <a:ext uri="{C183D7F6-B498-43B3-948B-1728B52AA6E4}">
+                    <adec:decorative xmlns:adec="http://schemas.microsoft.com/office/drawing/2017/decorative" val="1"/>
+                  </a:ext>
+                </a:extLst>
+              </p:cNvPr>
+              <p:cNvSpPr>
+                <a:spLocks noEditPoints="1"/>
+              </p:cNvSpPr>
+              <p:nvPr>
+                <p:extLst>
+                  <p:ext uri="{386F3935-93C4-4BCD-93E2-E3B085C9AB24}">
+                    <p16:designElem xmlns:p16="http://schemas.microsoft.com/office/powerpoint/2015/main" val="1"/>
+                  </p:ext>
+                </p:extLst>
+              </p:nvPr>
+            </p:nvSpPr>
+            <p:spPr bwMode="auto">
+              <a:xfrm>
+                <a:off x="33337" y="2176463"/>
+                <a:ext cx="190500" cy="190500"/>
+              </a:xfrm>
+              <a:custGeom>
+                <a:avLst/>
+                <a:gdLst/>
+                <a:ahLst/>
+                <a:cxnLst/>
+                <a:rect l="0" t="0" r="r" b="b"/>
+                <a:pathLst>
+                  <a:path w="40" h="40">
+                    <a:moveTo>
+                      <a:pt x="20" y="40"/>
+                    </a:moveTo>
+                    <a:cubicBezTo>
+                      <a:pt x="9" y="40"/>
+                      <a:pt x="0" y="31"/>
+                      <a:pt x="0" y="20"/>
+                    </a:cubicBezTo>
+                    <a:cubicBezTo>
+                      <a:pt x="0" y="9"/>
+                      <a:pt x="9" y="0"/>
+                      <a:pt x="20" y="0"/>
+                    </a:cubicBezTo>
+                    <a:cubicBezTo>
+                      <a:pt x="31" y="0"/>
+                      <a:pt x="40" y="9"/>
+                      <a:pt x="40" y="20"/>
+                    </a:cubicBezTo>
+                    <a:cubicBezTo>
+                      <a:pt x="40" y="31"/>
+                      <a:pt x="31" y="40"/>
+                      <a:pt x="20" y="40"/>
+                    </a:cubicBezTo>
+                    <a:close/>
+                    <a:moveTo>
+                      <a:pt x="20" y="4"/>
+                    </a:moveTo>
+                    <a:cubicBezTo>
+                      <a:pt x="11" y="4"/>
+                      <a:pt x="4" y="11"/>
+                      <a:pt x="4" y="20"/>
+                    </a:cubicBezTo>
+                    <a:cubicBezTo>
+                      <a:pt x="4" y="29"/>
+                      <a:pt x="11" y="36"/>
+                      <a:pt x="20" y="36"/>
+                    </a:cubicBezTo>
+                    <a:cubicBezTo>
+                      <a:pt x="28" y="36"/>
+                      <a:pt x="36" y="29"/>
+                      <a:pt x="36" y="20"/>
+                    </a:cubicBezTo>
+                    <a:cubicBezTo>
+                      <a:pt x="36" y="11"/>
+                      <a:pt x="28" y="4"/>
+                      <a:pt x="20" y="4"/>
+                    </a:cubicBezTo>
+                    <a:close/>
+                  </a:path>
+                </a:pathLst>
+              </a:custGeom>
+              <a:grpFill/>
+              <a:ln>
+                <a:noFill/>
+              </a:ln>
+              <a:extLst>
+                <a:ext uri="{91240B29-F687-4f45-9708-019B960494DF}">
+                  <a14:hiddenLine xmlns="" xmlns:a16="http://schemas.microsoft.com/office/drawing/2014/main" xmlns:p14="http://schemas.microsoft.com/office/powerpoint/2010/main" xmlns:a14="http://schemas.microsoft.com/office/drawing/2010/main" w="9525">
+                    <a:solidFill>
+                      <a:srgbClr val="000000"/>
+                    </a:solidFill>
+                    <a:round/>
+                    <a:headEnd/>
+                    <a:tailEnd/>
+                  </a14:hiddenLine>
+                </a:ext>
+              </a:extLst>
+            </p:spPr>
+          </p:sp>
+          <p:sp>
+            <p:nvSpPr>
+              <p:cNvPr id="124" name="Freeform 7">
+                <a:extLst>
+                  <a:ext uri="{FF2B5EF4-FFF2-40B4-BE49-F238E27FC236}">
+                    <a16:creationId xmlns:a16="http://schemas.microsoft.com/office/drawing/2014/main" id="{7276DB68-2E8D-4723-852B-7476DD38FED0}"/>
+                  </a:ext>
+                  <a:ext uri="{C183D7F6-B498-43B3-948B-1728B52AA6E4}">
+                    <adec:decorative xmlns:adec="http://schemas.microsoft.com/office/drawing/2017/decorative" val="1"/>
+                  </a:ext>
+                </a:extLst>
+              </p:cNvPr>
+              <p:cNvSpPr>
+                <a:spLocks noEditPoints="1"/>
+              </p:cNvSpPr>
+              <p:nvPr>
+                <p:extLst>
+                  <p:ext uri="{386F3935-93C4-4BCD-93E2-E3B085C9AB24}">
+                    <p16:designElem xmlns:p16="http://schemas.microsoft.com/office/powerpoint/2015/main" val="1"/>
+                  </p:ext>
+                </p:extLst>
+              </p:nvPr>
+            </p:nvSpPr>
+            <p:spPr bwMode="auto">
+              <a:xfrm>
+                <a:off x="28575" y="4021138"/>
+                <a:ext cx="190500" cy="188913"/>
+              </a:xfrm>
+              <a:custGeom>
+                <a:avLst/>
+                <a:gdLst/>
+                <a:ahLst/>
+                <a:cxnLst/>
+                <a:rect l="0" t="0" r="r" b="b"/>
+                <a:pathLst>
+                  <a:path w="40" h="40">
+                    <a:moveTo>
+                      <a:pt x="20" y="40"/>
+                    </a:moveTo>
+                    <a:cubicBezTo>
+                      <a:pt x="9" y="40"/>
+                      <a:pt x="0" y="31"/>
+                      <a:pt x="0" y="20"/>
+                    </a:cubicBezTo>
+                    <a:cubicBezTo>
+                      <a:pt x="0" y="9"/>
+                      <a:pt x="9" y="0"/>
+                      <a:pt x="20" y="0"/>
+                    </a:cubicBezTo>
+                    <a:cubicBezTo>
+                      <a:pt x="31" y="0"/>
+                      <a:pt x="40" y="9"/>
+                      <a:pt x="40" y="20"/>
+                    </a:cubicBezTo>
+                    <a:cubicBezTo>
+                      <a:pt x="40" y="31"/>
+                      <a:pt x="31" y="40"/>
+                      <a:pt x="20" y="40"/>
+                    </a:cubicBezTo>
+                    <a:close/>
+                    <a:moveTo>
+                      <a:pt x="20" y="4"/>
+                    </a:moveTo>
+                    <a:cubicBezTo>
+                      <a:pt x="12" y="4"/>
+                      <a:pt x="4" y="11"/>
+                      <a:pt x="4" y="20"/>
+                    </a:cubicBezTo>
+                    <a:cubicBezTo>
+                      <a:pt x="4" y="29"/>
+                      <a:pt x="12" y="36"/>
+                      <a:pt x="20" y="36"/>
+                    </a:cubicBezTo>
+                    <a:cubicBezTo>
+                      <a:pt x="29" y="36"/>
+                      <a:pt x="36" y="29"/>
+                      <a:pt x="36" y="20"/>
+                    </a:cubicBezTo>
+                    <a:cubicBezTo>
+                      <a:pt x="36" y="11"/>
+                      <a:pt x="29" y="4"/>
+                      <a:pt x="20" y="4"/>
+                    </a:cubicBezTo>
+                    <a:close/>
+                  </a:path>
+                </a:pathLst>
+              </a:custGeom>
+              <a:grpFill/>
+              <a:ln>
+                <a:noFill/>
+              </a:ln>
+              <a:extLst>
+                <a:ext uri="{91240B29-F687-4f45-9708-019B960494DF}">
+                  <a14:hiddenLine xmlns="" xmlns:a16="http://schemas.microsoft.com/office/drawing/2014/main" xmlns:p14="http://schemas.microsoft.com/office/powerpoint/2010/main" xmlns:a14="http://schemas.microsoft.com/office/drawing/2010/main" w="9525">
+                    <a:solidFill>
+                      <a:srgbClr val="000000"/>
+                    </a:solidFill>
+                    <a:round/>
+                    <a:headEnd/>
+                    <a:tailEnd/>
+                  </a14:hiddenLine>
+                </a:ext>
+              </a:extLst>
+            </p:spPr>
+          </p:sp>
+          <p:sp>
+            <p:nvSpPr>
+              <p:cNvPr id="125" name="Freeform 8">
+                <a:extLst>
+                  <a:ext uri="{FF2B5EF4-FFF2-40B4-BE49-F238E27FC236}">
+                    <a16:creationId xmlns:a16="http://schemas.microsoft.com/office/drawing/2014/main" id="{0A155711-4993-4D1E-89EA-A397C164F0FB}"/>
+                  </a:ext>
+                  <a:ext uri="{C183D7F6-B498-43B3-948B-1728B52AA6E4}">
+                    <adec:decorative xmlns:adec="http://schemas.microsoft.com/office/drawing/2017/decorative" val="1"/>
+                  </a:ext>
+                </a:extLst>
+              </p:cNvPr>
+              <p:cNvSpPr/>
+              <p:nvPr>
+                <p:extLst>
+                  <p:ext uri="{386F3935-93C4-4BCD-93E2-E3B085C9AB24}">
+                    <p16:designElem xmlns:p16="http://schemas.microsoft.com/office/powerpoint/2015/main" val="1"/>
+                  </p:ext>
+                </p:extLst>
+              </p:nvPr>
+            </p:nvSpPr>
+            <p:spPr bwMode="auto">
+              <a:xfrm>
+                <a:off x="200025" y="4763"/>
+                <a:ext cx="369888" cy="1811338"/>
+              </a:xfrm>
+              <a:custGeom>
+                <a:avLst/>
+                <a:gdLst/>
+                <a:ahLst/>
+                <a:cxnLst/>
+                <a:rect l="0" t="0" r="r" b="b"/>
+                <a:pathLst>
+                  <a:path w="233" h="1141">
+                    <a:moveTo>
+                      <a:pt x="218" y="1141"/>
+                    </a:moveTo>
+                    <a:lnTo>
+                      <a:pt x="0" y="626"/>
+                    </a:lnTo>
+                    <a:lnTo>
+                      <a:pt x="0" y="0"/>
+                    </a:lnTo>
+                    <a:lnTo>
+                      <a:pt x="15" y="0"/>
+                    </a:lnTo>
+                    <a:lnTo>
+                      <a:pt x="15" y="623"/>
+                    </a:lnTo>
+                    <a:lnTo>
+                      <a:pt x="233" y="1135"/>
+                    </a:lnTo>
+                    <a:lnTo>
+                      <a:pt x="218" y="1141"/>
+                    </a:lnTo>
+                    <a:close/>
+                  </a:path>
+                </a:pathLst>
+              </a:custGeom>
+              <a:grpFill/>
+              <a:ln>
+                <a:noFill/>
+              </a:ln>
+              <a:extLst>
+                <a:ext uri="{91240B29-F687-4f45-9708-019B960494DF}">
+                  <a14:hiddenLine xmlns="" xmlns:a16="http://schemas.microsoft.com/office/drawing/2014/main" xmlns:p14="http://schemas.microsoft.com/office/powerpoint/2010/main" xmlns:a14="http://schemas.microsoft.com/office/drawing/2010/main" w="9525">
+                    <a:solidFill>
+                      <a:srgbClr val="000000"/>
+                    </a:solidFill>
+                    <a:round/>
+                    <a:headEnd/>
+                    <a:tailEnd/>
+                  </a14:hiddenLine>
+                </a:ext>
+              </a:extLst>
+            </p:spPr>
+          </p:sp>
+          <p:sp>
+            <p:nvSpPr>
+              <p:cNvPr id="126" name="Freeform 9">
+                <a:extLst>
+                  <a:ext uri="{FF2B5EF4-FFF2-40B4-BE49-F238E27FC236}">
+                    <a16:creationId xmlns:a16="http://schemas.microsoft.com/office/drawing/2014/main" id="{2AB42136-2551-4CAA-857F-65FA3247B49D}"/>
+                  </a:ext>
+                  <a:ext uri="{C183D7F6-B498-43B3-948B-1728B52AA6E4}">
+                    <adec:decorative xmlns:adec="http://schemas.microsoft.com/office/drawing/2017/decorative" val="1"/>
+                  </a:ext>
+                </a:extLst>
+              </p:cNvPr>
+              <p:cNvSpPr>
+                <a:spLocks noEditPoints="1"/>
+              </p:cNvSpPr>
+              <p:nvPr>
+                <p:extLst>
+                  <p:ext uri="{386F3935-93C4-4BCD-93E2-E3B085C9AB24}">
+                    <p16:designElem xmlns:p16="http://schemas.microsoft.com/office/powerpoint/2015/main" val="1"/>
+                  </p:ext>
+                </p:extLst>
+              </p:nvPr>
+            </p:nvSpPr>
+            <p:spPr bwMode="auto">
+              <a:xfrm>
+                <a:off x="503237" y="1801813"/>
+                <a:ext cx="190500" cy="188913"/>
+              </a:xfrm>
+              <a:custGeom>
+                <a:avLst/>
+                <a:gdLst/>
+                <a:ahLst/>
+                <a:cxnLst/>
+                <a:rect l="0" t="0" r="r" b="b"/>
+                <a:pathLst>
+                  <a:path w="40" h="40">
+                    <a:moveTo>
+                      <a:pt x="20" y="40"/>
+                    </a:moveTo>
+                    <a:cubicBezTo>
+                      <a:pt x="9" y="40"/>
+                      <a:pt x="0" y="31"/>
+                      <a:pt x="0" y="20"/>
+                    </a:cubicBezTo>
+                    <a:cubicBezTo>
+                      <a:pt x="0" y="9"/>
+                      <a:pt x="9" y="0"/>
+                      <a:pt x="20" y="0"/>
+                    </a:cubicBezTo>
+                    <a:cubicBezTo>
+                      <a:pt x="33" y="0"/>
+                      <a:pt x="40" y="6"/>
+                      <a:pt x="40" y="20"/>
+                    </a:cubicBezTo>
+                    <a:cubicBezTo>
+                      <a:pt x="40" y="31"/>
+                      <a:pt x="31" y="40"/>
+                      <a:pt x="20" y="40"/>
+                    </a:cubicBezTo>
+                    <a:close/>
+                    <a:moveTo>
+                      <a:pt x="20" y="4"/>
+                    </a:moveTo>
+                    <a:cubicBezTo>
+                      <a:pt x="11" y="4"/>
+                      <a:pt x="4" y="11"/>
+                      <a:pt x="4" y="20"/>
+                    </a:cubicBezTo>
+                    <a:cubicBezTo>
+                      <a:pt x="4" y="29"/>
+                      <a:pt x="11" y="36"/>
+                      <a:pt x="20" y="36"/>
+                    </a:cubicBezTo>
+                    <a:cubicBezTo>
+                      <a:pt x="28" y="36"/>
+                      <a:pt x="36" y="29"/>
+                      <a:pt x="36" y="20"/>
+                    </a:cubicBezTo>
+                    <a:cubicBezTo>
+                      <a:pt x="36" y="9"/>
+                      <a:pt x="31" y="4"/>
+                      <a:pt x="20" y="4"/>
+                    </a:cubicBezTo>
+                    <a:close/>
+                  </a:path>
+                </a:pathLst>
+              </a:custGeom>
+              <a:grpFill/>
+              <a:ln>
+                <a:noFill/>
+              </a:ln>
+              <a:extLst>
+                <a:ext uri="{91240B29-F687-4f45-9708-019B960494DF}">
+                  <a14:hiddenLine xmlns="" xmlns:a16="http://schemas.microsoft.com/office/drawing/2014/main" xmlns:p14="http://schemas.microsoft.com/office/powerpoint/2010/main" xmlns:a14="http://schemas.microsoft.com/office/drawing/2010/main" w="9525">
+                    <a:solidFill>
+                      <a:srgbClr val="000000"/>
+                    </a:solidFill>
+                    <a:round/>
+                    <a:headEnd/>
+                    <a:tailEnd/>
+                  </a14:hiddenLine>
+                </a:ext>
+              </a:extLst>
+            </p:spPr>
+          </p:sp>
+          <p:sp>
+            <p:nvSpPr>
+              <p:cNvPr id="127" name="Freeform 10">
+                <a:extLst>
+                  <a:ext uri="{FF2B5EF4-FFF2-40B4-BE49-F238E27FC236}">
+                    <a16:creationId xmlns:a16="http://schemas.microsoft.com/office/drawing/2014/main" id="{7C2ADEA1-EA3E-4C0E-A28E-460092F7FFD7}"/>
+                  </a:ext>
+                  <a:ext uri="{C183D7F6-B498-43B3-948B-1728B52AA6E4}">
+                    <adec:decorative xmlns:adec="http://schemas.microsoft.com/office/drawing/2017/decorative" val="1"/>
+                  </a:ext>
+                </a:extLst>
+              </p:cNvPr>
+              <p:cNvSpPr/>
+              <p:nvPr>
+                <p:extLst>
+                  <p:ext uri="{386F3935-93C4-4BCD-93E2-E3B085C9AB24}">
+                    <p16:designElem xmlns:p16="http://schemas.microsoft.com/office/powerpoint/2015/main" val="1"/>
+                  </p:ext>
+                </p:extLst>
+              </p:nvPr>
+            </p:nvSpPr>
+            <p:spPr bwMode="auto">
+              <a:xfrm>
+                <a:off x="285750" y="4763"/>
+                <a:ext cx="369888" cy="1430338"/>
+              </a:xfrm>
+              <a:custGeom>
+                <a:avLst/>
+                <a:gdLst/>
+                <a:ahLst/>
+                <a:cxnLst/>
+                <a:rect l="0" t="0" r="r" b="b"/>
+                <a:pathLst>
+                  <a:path w="233" h="901">
+                    <a:moveTo>
+                      <a:pt x="221" y="901"/>
+                    </a:moveTo>
+                    <a:lnTo>
+                      <a:pt x="0" y="383"/>
+                    </a:lnTo>
+                    <a:lnTo>
+                      <a:pt x="0" y="0"/>
+                    </a:lnTo>
+                    <a:lnTo>
+                      <a:pt x="18" y="0"/>
+                    </a:lnTo>
+                    <a:lnTo>
+                      <a:pt x="18" y="380"/>
+                    </a:lnTo>
+                    <a:lnTo>
+                      <a:pt x="233" y="895"/>
+                    </a:lnTo>
+                    <a:lnTo>
+                      <a:pt x="221" y="901"/>
+                    </a:lnTo>
+                    <a:close/>
+                  </a:path>
+                </a:pathLst>
+              </a:custGeom>
+              <a:grpFill/>
+              <a:ln>
+                <a:noFill/>
+              </a:ln>
+              <a:extLst>
+                <a:ext uri="{91240B29-F687-4f45-9708-019B960494DF}">
+                  <a14:hiddenLine xmlns="" xmlns:a16="http://schemas.microsoft.com/office/drawing/2014/main" xmlns:p14="http://schemas.microsoft.com/office/powerpoint/2010/main" xmlns:a14="http://schemas.microsoft.com/office/drawing/2010/main" w="9525">
+                    <a:solidFill>
+                      <a:srgbClr val="000000"/>
+                    </a:solidFill>
+                    <a:round/>
+                    <a:headEnd/>
+                    <a:tailEnd/>
+                  </a14:hiddenLine>
+                </a:ext>
+              </a:extLst>
+            </p:spPr>
+          </p:sp>
+          <p:sp>
+            <p:nvSpPr>
+              <p:cNvPr id="128" name="Freeform 11">
+                <a:extLst>
+                  <a:ext uri="{FF2B5EF4-FFF2-40B4-BE49-F238E27FC236}">
+                    <a16:creationId xmlns:a16="http://schemas.microsoft.com/office/drawing/2014/main" id="{B04584B3-081C-4286-A840-AB5B16B10AA3}"/>
+                  </a:ext>
+                  <a:ext uri="{C183D7F6-B498-43B3-948B-1728B52AA6E4}">
+                    <adec:decorative xmlns:adec="http://schemas.microsoft.com/office/drawing/2017/decorative" val="1"/>
+                  </a:ext>
+                </a:extLst>
+              </p:cNvPr>
+              <p:cNvSpPr/>
+              <p:nvPr>
+                <p:extLst>
+                  <p:ext uri="{386F3935-93C4-4BCD-93E2-E3B085C9AB24}">
+                    <p16:designElem xmlns:p16="http://schemas.microsoft.com/office/powerpoint/2015/main" val="1"/>
+                  </p:ext>
+                </p:extLst>
+              </p:nvPr>
+            </p:nvSpPr>
+            <p:spPr bwMode="auto">
+              <a:xfrm>
+                <a:off x="546100" y="0"/>
+                <a:ext cx="152400" cy="912813"/>
+              </a:xfrm>
+              <a:custGeom>
+                <a:avLst/>
+                <a:gdLst/>
+                <a:ahLst/>
+                <a:cxnLst/>
+                <a:rect l="0" t="0" r="r" b="b"/>
+                <a:pathLst>
+                  <a:path w="96" h="575">
+                    <a:moveTo>
+                      <a:pt x="96" y="575"/>
+                    </a:moveTo>
+                    <a:lnTo>
+                      <a:pt x="78" y="575"/>
+                    </a:lnTo>
+                    <a:lnTo>
+                      <a:pt x="78" y="192"/>
+                    </a:lnTo>
+                    <a:lnTo>
+                      <a:pt x="0" y="6"/>
+                    </a:lnTo>
+                    <a:lnTo>
+                      <a:pt x="15" y="0"/>
+                    </a:lnTo>
+                    <a:lnTo>
+                      <a:pt x="96" y="189"/>
+                    </a:lnTo>
+                    <a:lnTo>
+                      <a:pt x="96" y="575"/>
+                    </a:lnTo>
+                    <a:close/>
+                  </a:path>
+                </a:pathLst>
+              </a:custGeom>
+              <a:grpFill/>
+              <a:ln>
+                <a:noFill/>
+              </a:ln>
+              <a:extLst>
+                <a:ext uri="{91240B29-F687-4f45-9708-019B960494DF}">
+                  <a14:hiddenLine xmlns="" xmlns:a16="http://schemas.microsoft.com/office/drawing/2014/main" xmlns:p14="http://schemas.microsoft.com/office/powerpoint/2010/main" xmlns:a14="http://schemas.microsoft.com/office/drawing/2010/main" w="9525">
+                    <a:solidFill>
+                      <a:srgbClr val="000000"/>
+                    </a:solidFill>
+                    <a:round/>
+                    <a:headEnd/>
+                    <a:tailEnd/>
+                  </a14:hiddenLine>
+                </a:ext>
+              </a:extLst>
+            </p:spPr>
+          </p:sp>
+          <p:sp>
+            <p:nvSpPr>
+              <p:cNvPr id="129" name="Freeform 12">
+                <a:extLst>
+                  <a:ext uri="{FF2B5EF4-FFF2-40B4-BE49-F238E27FC236}">
+                    <a16:creationId xmlns:a16="http://schemas.microsoft.com/office/drawing/2014/main" id="{3AB388FD-C246-4936-A041-E0413A132986}"/>
+                  </a:ext>
+                  <a:ext uri="{C183D7F6-B498-43B3-948B-1728B52AA6E4}">
+                    <adec:decorative xmlns:adec="http://schemas.microsoft.com/office/drawing/2017/decorative" val="1"/>
+                  </a:ext>
+                </a:extLst>
+              </p:cNvPr>
+              <p:cNvSpPr>
+                <a:spLocks noEditPoints="1"/>
+              </p:cNvSpPr>
+              <p:nvPr>
+                <p:extLst>
+                  <p:ext uri="{386F3935-93C4-4BCD-93E2-E3B085C9AB24}">
+                    <p16:designElem xmlns:p16="http://schemas.microsoft.com/office/powerpoint/2015/main" val="1"/>
+                  </p:ext>
+                </p:extLst>
+              </p:nvPr>
+            </p:nvSpPr>
+            <p:spPr bwMode="auto">
+              <a:xfrm>
+                <a:off x="588962" y="1420813"/>
+                <a:ext cx="190500" cy="190500"/>
+              </a:xfrm>
+              <a:custGeom>
+                <a:avLst/>
+                <a:gdLst/>
+                <a:ahLst/>
+                <a:cxnLst/>
+                <a:rect l="0" t="0" r="r" b="b"/>
+                <a:pathLst>
+                  <a:path w="40" h="40">
+                    <a:moveTo>
+                      <a:pt x="20" y="40"/>
+                    </a:moveTo>
+                    <a:cubicBezTo>
+                      <a:pt x="9" y="40"/>
+                      <a:pt x="0" y="31"/>
+                      <a:pt x="0" y="20"/>
+                    </a:cubicBezTo>
+                    <a:cubicBezTo>
+                      <a:pt x="0" y="9"/>
+                      <a:pt x="9" y="0"/>
+                      <a:pt x="20" y="0"/>
+                    </a:cubicBezTo>
+                    <a:cubicBezTo>
+                      <a:pt x="33" y="0"/>
+                      <a:pt x="40" y="7"/>
+                      <a:pt x="40" y="20"/>
+                    </a:cubicBezTo>
+                    <a:cubicBezTo>
+                      <a:pt x="40" y="31"/>
+                      <a:pt x="31" y="40"/>
+                      <a:pt x="20" y="40"/>
+                    </a:cubicBezTo>
+                    <a:close/>
+                    <a:moveTo>
+                      <a:pt x="20" y="4"/>
+                    </a:moveTo>
+                    <a:cubicBezTo>
+                      <a:pt x="11" y="4"/>
+                      <a:pt x="4" y="11"/>
+                      <a:pt x="4" y="20"/>
+                    </a:cubicBezTo>
+                    <a:cubicBezTo>
+                      <a:pt x="4" y="29"/>
+                      <a:pt x="11" y="36"/>
+                      <a:pt x="20" y="36"/>
+                    </a:cubicBezTo>
+                    <a:cubicBezTo>
+                      <a:pt x="29" y="36"/>
+                      <a:pt x="36" y="29"/>
+                      <a:pt x="36" y="20"/>
+                    </a:cubicBezTo>
+                    <a:cubicBezTo>
+                      <a:pt x="36" y="9"/>
+                      <a:pt x="31" y="4"/>
+                      <a:pt x="20" y="4"/>
+                    </a:cubicBezTo>
+                    <a:close/>
+                  </a:path>
+                </a:pathLst>
+              </a:custGeom>
+              <a:grpFill/>
+              <a:ln>
+                <a:noFill/>
+              </a:ln>
+              <a:extLst>
+                <a:ext uri="{91240B29-F687-4f45-9708-019B960494DF}">
+                  <a14:hiddenLine xmlns="" xmlns:a16="http://schemas.microsoft.com/office/drawing/2014/main" xmlns:p14="http://schemas.microsoft.com/office/powerpoint/2010/main" xmlns:a14="http://schemas.microsoft.com/office/drawing/2010/main" w="9525">
+                    <a:solidFill>
+                      <a:srgbClr val="000000"/>
+                    </a:solidFill>
+                    <a:round/>
+                    <a:headEnd/>
+                    <a:tailEnd/>
+                  </a14:hiddenLine>
+                </a:ext>
+              </a:extLst>
+            </p:spPr>
+          </p:sp>
+          <p:sp>
+            <p:nvSpPr>
+              <p:cNvPr id="130" name="Freeform 13">
+                <a:extLst>
+                  <a:ext uri="{FF2B5EF4-FFF2-40B4-BE49-F238E27FC236}">
+                    <a16:creationId xmlns:a16="http://schemas.microsoft.com/office/drawing/2014/main" id="{57692343-2D12-4F57-836C-945D407B68B7}"/>
+                  </a:ext>
+                  <a:ext uri="{C183D7F6-B498-43B3-948B-1728B52AA6E4}">
+                    <adec:decorative xmlns:adec="http://schemas.microsoft.com/office/drawing/2017/decorative" val="1"/>
+                  </a:ext>
+                </a:extLst>
+              </p:cNvPr>
+              <p:cNvSpPr>
+                <a:spLocks noEditPoints="1"/>
+              </p:cNvSpPr>
+              <p:nvPr>
+                <p:extLst>
+                  <p:ext uri="{386F3935-93C4-4BCD-93E2-E3B085C9AB24}">
+                    <p16:designElem xmlns:p16="http://schemas.microsoft.com/office/powerpoint/2015/main" val="1"/>
+                  </p:ext>
+                </p:extLst>
+              </p:nvPr>
+            </p:nvSpPr>
+            <p:spPr bwMode="auto">
+              <a:xfrm>
+                <a:off x="588962" y="903288"/>
+                <a:ext cx="190500" cy="190500"/>
+              </a:xfrm>
+              <a:custGeom>
+                <a:avLst/>
+                <a:gdLst/>
+                <a:ahLst/>
+                <a:cxnLst/>
+                <a:rect l="0" t="0" r="r" b="b"/>
+                <a:pathLst>
+                  <a:path w="40" h="40">
+                    <a:moveTo>
+                      <a:pt x="20" y="40"/>
+                    </a:moveTo>
+                    <a:cubicBezTo>
+                      <a:pt x="9" y="40"/>
+                      <a:pt x="0" y="31"/>
+                      <a:pt x="0" y="20"/>
+                    </a:cubicBezTo>
+                    <a:cubicBezTo>
+                      <a:pt x="0" y="9"/>
+                      <a:pt x="9" y="0"/>
+                      <a:pt x="20" y="0"/>
+                    </a:cubicBezTo>
+                    <a:cubicBezTo>
+                      <a:pt x="31" y="0"/>
+                      <a:pt x="40" y="9"/>
+                      <a:pt x="40" y="20"/>
+                    </a:cubicBezTo>
+                    <a:cubicBezTo>
+                      <a:pt x="40" y="31"/>
+                      <a:pt x="31" y="40"/>
+                      <a:pt x="20" y="40"/>
+                    </a:cubicBezTo>
+                    <a:close/>
+                    <a:moveTo>
+                      <a:pt x="20" y="4"/>
+                    </a:moveTo>
+                    <a:cubicBezTo>
+                      <a:pt x="11" y="4"/>
+                      <a:pt x="4" y="11"/>
+                      <a:pt x="4" y="20"/>
+                    </a:cubicBezTo>
+                    <a:cubicBezTo>
+                      <a:pt x="4" y="29"/>
+                      <a:pt x="11" y="36"/>
+                      <a:pt x="20" y="36"/>
+                    </a:cubicBezTo>
+                    <a:cubicBezTo>
+                      <a:pt x="29" y="36"/>
+                      <a:pt x="36" y="29"/>
+                      <a:pt x="36" y="20"/>
+                    </a:cubicBezTo>
+                    <a:cubicBezTo>
+                      <a:pt x="36" y="11"/>
+                      <a:pt x="29" y="4"/>
+                      <a:pt x="20" y="4"/>
+                    </a:cubicBezTo>
+                    <a:close/>
+                  </a:path>
+                </a:pathLst>
+              </a:custGeom>
+              <a:grpFill/>
+              <a:ln>
+                <a:noFill/>
+              </a:ln>
+              <a:extLst>
+                <a:ext uri="{91240B29-F687-4f45-9708-019B960494DF}">
+                  <a14:hiddenLine xmlns="" xmlns:a16="http://schemas.microsoft.com/office/drawing/2014/main" xmlns:p14="http://schemas.microsoft.com/office/powerpoint/2010/main" xmlns:a14="http://schemas.microsoft.com/office/drawing/2010/main" w="9525">
+                    <a:solidFill>
+                      <a:srgbClr val="000000"/>
+                    </a:solidFill>
+                    <a:round/>
+                    <a:headEnd/>
+                    <a:tailEnd/>
+                  </a14:hiddenLine>
+                </a:ext>
+              </a:extLst>
+            </p:spPr>
+          </p:sp>
+          <p:sp>
+            <p:nvSpPr>
+              <p:cNvPr id="131" name="Freeform 14">
+                <a:extLst>
+                  <a:ext uri="{FF2B5EF4-FFF2-40B4-BE49-F238E27FC236}">
+                    <a16:creationId xmlns:a16="http://schemas.microsoft.com/office/drawing/2014/main" id="{062EE710-0210-4840-8698-E0DF1C617007}"/>
+                  </a:ext>
+                  <a:ext uri="{C183D7F6-B498-43B3-948B-1728B52AA6E4}">
+                    <adec:decorative xmlns:adec="http://schemas.microsoft.com/office/drawing/2017/decorative" val="1"/>
+                  </a:ext>
+                </a:extLst>
+              </p:cNvPr>
+              <p:cNvSpPr/>
+              <p:nvPr>
+                <p:extLst>
+                  <p:ext uri="{386F3935-93C4-4BCD-93E2-E3B085C9AB24}">
+                    <p16:designElem xmlns:p16="http://schemas.microsoft.com/office/powerpoint/2015/main" val="1"/>
+                  </p:ext>
+                </p:extLst>
+              </p:nvPr>
+            </p:nvSpPr>
+            <p:spPr bwMode="auto">
+              <a:xfrm>
+                <a:off x="641350" y="0"/>
+                <a:ext cx="422275" cy="527050"/>
+              </a:xfrm>
+              <a:custGeom>
+                <a:avLst/>
+                <a:gdLst/>
+                <a:ahLst/>
+                <a:cxnLst/>
+                <a:rect l="0" t="0" r="r" b="b"/>
+                <a:pathLst>
+                  <a:path w="266" h="332">
+                    <a:moveTo>
+                      <a:pt x="257" y="332"/>
+                    </a:moveTo>
+                    <a:lnTo>
+                      <a:pt x="48" y="123"/>
+                    </a:lnTo>
+                    <a:lnTo>
+                      <a:pt x="0" y="6"/>
+                    </a:lnTo>
+                    <a:lnTo>
+                      <a:pt x="15" y="0"/>
+                    </a:lnTo>
+                    <a:lnTo>
+                      <a:pt x="63" y="114"/>
+                    </a:lnTo>
+                    <a:lnTo>
+                      <a:pt x="266" y="320"/>
+                    </a:lnTo>
+                    <a:lnTo>
+                      <a:pt x="257" y="332"/>
+                    </a:lnTo>
+                    <a:close/>
+                  </a:path>
+                </a:pathLst>
+              </a:custGeom>
+              <a:grpFill/>
+              <a:ln>
+                <a:noFill/>
+              </a:ln>
+              <a:extLst>
+                <a:ext uri="{91240B29-F687-4f45-9708-019B960494DF}">
+                  <a14:hiddenLine xmlns="" xmlns:a16="http://schemas.microsoft.com/office/drawing/2014/main" xmlns:p14="http://schemas.microsoft.com/office/powerpoint/2010/main" xmlns:a14="http://schemas.microsoft.com/office/drawing/2010/main" w="9525">
+                    <a:solidFill>
+                      <a:srgbClr val="000000"/>
+                    </a:solidFill>
+                    <a:round/>
+                    <a:headEnd/>
+                    <a:tailEnd/>
+                  </a14:hiddenLine>
+                </a:ext>
+              </a:extLst>
+            </p:spPr>
+          </p:sp>
+          <p:sp>
+            <p:nvSpPr>
+              <p:cNvPr id="132" name="Freeform 15">
+                <a:extLst>
+                  <a:ext uri="{FF2B5EF4-FFF2-40B4-BE49-F238E27FC236}">
+                    <a16:creationId xmlns:a16="http://schemas.microsoft.com/office/drawing/2014/main" id="{161892F4-6071-40CD-8E18-CDEE0C91B586}"/>
+                  </a:ext>
+                  <a:ext uri="{C183D7F6-B498-43B3-948B-1728B52AA6E4}">
+                    <adec:decorative xmlns:adec="http://schemas.microsoft.com/office/drawing/2017/decorative" val="1"/>
+                  </a:ext>
+                </a:extLst>
+              </p:cNvPr>
+              <p:cNvSpPr>
+                <a:spLocks noEditPoints="1"/>
+              </p:cNvSpPr>
+              <p:nvPr>
+                <p:extLst>
+                  <p:ext uri="{386F3935-93C4-4BCD-93E2-E3B085C9AB24}">
+                    <p16:designElem xmlns:p16="http://schemas.microsoft.com/office/powerpoint/2015/main" val="1"/>
+                  </p:ext>
+                </p:extLst>
+              </p:nvPr>
+            </p:nvSpPr>
+            <p:spPr bwMode="auto">
+              <a:xfrm>
+                <a:off x="1020762" y="488950"/>
+                <a:ext cx="161925" cy="147638"/>
+              </a:xfrm>
+              <a:custGeom>
+                <a:avLst/>
+                <a:gdLst/>
+                <a:ahLst/>
+                <a:cxnLst/>
+                <a:rect l="0" t="0" r="r" b="b"/>
+                <a:pathLst>
+                  <a:path w="34" h="31">
+                    <a:moveTo>
+                      <a:pt x="17" y="31"/>
+                    </a:moveTo>
+                    <a:cubicBezTo>
+                      <a:pt x="13" y="31"/>
+                      <a:pt x="9" y="30"/>
+                      <a:pt x="6" y="27"/>
+                    </a:cubicBezTo>
+                    <a:cubicBezTo>
+                      <a:pt x="0" y="20"/>
+                      <a:pt x="0" y="10"/>
+                      <a:pt x="6" y="4"/>
+                    </a:cubicBezTo>
+                    <a:cubicBezTo>
+                      <a:pt x="9" y="1"/>
+                      <a:pt x="13" y="0"/>
+                      <a:pt x="17" y="0"/>
+                    </a:cubicBezTo>
+                    <a:cubicBezTo>
+                      <a:pt x="21" y="0"/>
+                      <a:pt x="25" y="1"/>
+                      <a:pt x="28" y="4"/>
+                    </a:cubicBezTo>
+                    <a:cubicBezTo>
+                      <a:pt x="34" y="10"/>
+                      <a:pt x="34" y="20"/>
+                      <a:pt x="28" y="27"/>
+                    </a:cubicBezTo>
+                    <a:cubicBezTo>
+                      <a:pt x="25" y="30"/>
+                      <a:pt x="21" y="31"/>
+                      <a:pt x="17" y="31"/>
+                    </a:cubicBezTo>
+                    <a:close/>
+                    <a:moveTo>
+                      <a:pt x="17" y="4"/>
+                    </a:moveTo>
+                    <a:cubicBezTo>
+                      <a:pt x="14" y="4"/>
+                      <a:pt x="11" y="5"/>
+                      <a:pt x="9" y="7"/>
+                    </a:cubicBezTo>
+                    <a:cubicBezTo>
+                      <a:pt x="4" y="12"/>
+                      <a:pt x="4" y="19"/>
+                      <a:pt x="9" y="24"/>
+                    </a:cubicBezTo>
+                    <a:cubicBezTo>
+                      <a:pt x="11" y="26"/>
+                      <a:pt x="14" y="27"/>
+                      <a:pt x="17" y="27"/>
+                    </a:cubicBezTo>
+                    <a:cubicBezTo>
+                      <a:pt x="20" y="27"/>
+                      <a:pt x="23" y="26"/>
+                      <a:pt x="25" y="24"/>
+                    </a:cubicBezTo>
+                    <a:cubicBezTo>
+                      <a:pt x="30" y="19"/>
+                      <a:pt x="30" y="12"/>
+                      <a:pt x="25" y="7"/>
+                    </a:cubicBezTo>
+                    <a:cubicBezTo>
+                      <a:pt x="23" y="5"/>
+                      <a:pt x="20" y="4"/>
+                      <a:pt x="17" y="4"/>
+                    </a:cubicBezTo>
+                    <a:close/>
+                  </a:path>
+                </a:pathLst>
+              </a:custGeom>
+              <a:grpFill/>
+              <a:ln>
+                <a:noFill/>
+              </a:ln>
+              <a:extLst>
+                <a:ext uri="{91240B29-F687-4f45-9708-019B960494DF}">
+                  <a14:hiddenLine xmlns="" xmlns:a16="http://schemas.microsoft.com/office/drawing/2014/main" xmlns:p14="http://schemas.microsoft.com/office/powerpoint/2010/main" xmlns:a14="http://schemas.microsoft.com/office/drawing/2010/main" w="9525">
+                    <a:solidFill>
+                      <a:srgbClr val="000000"/>
+                    </a:solidFill>
+                    <a:round/>
+                    <a:headEnd/>
+                    <a:tailEnd/>
+                  </a14:hiddenLine>
+                </a:ext>
+              </a:extLst>
+            </p:spPr>
+          </p:sp>
+          <p:sp>
+            <p:nvSpPr>
+              <p:cNvPr id="133" name="Line 16">
+                <a:extLst>
+                  <a:ext uri="{FF2B5EF4-FFF2-40B4-BE49-F238E27FC236}">
+                    <a16:creationId xmlns:a16="http://schemas.microsoft.com/office/drawing/2014/main" id="{3E6BBE44-8D88-407D-B1C6-10C89DD6173B}"/>
+                  </a:ext>
+                  <a:ext uri="{C183D7F6-B498-43B3-948B-1728B52AA6E4}">
+                    <adec:decorative xmlns:adec="http://schemas.microsoft.com/office/drawing/2017/decorative" val="1"/>
+                  </a:ext>
+                </a:extLst>
+              </p:cNvPr>
+              <p:cNvSpPr>
+                <a:spLocks noChangeShapeType="1"/>
+              </p:cNvSpPr>
+              <p:nvPr>
+                <p:extLst>
+                  <p:ext uri="{386F3935-93C4-4BCD-93E2-E3B085C9AB24}">
+                    <p16:designElem xmlns:p16="http://schemas.microsoft.com/office/powerpoint/2015/main" val="1"/>
+                  </p:ext>
+                </p:extLst>
+              </p:nvPr>
+            </p:nvSpPr>
+            <p:spPr bwMode="auto">
+              <a:xfrm>
+                <a:off x="-4763" y="9525"/>
+                <a:ext cx="0" cy="0"/>
+              </a:xfrm>
+              <a:prstGeom prst="line">
+                <a:avLst/>
+              </a:prstGeom>
+              <a:grpFill/>
+              <a:ln w="15" cap="flat">
+                <a:solidFill>
+                  <a:srgbClr val="FFFFFF"/>
+                </a:solidFill>
+                <a:prstDash val="solid"/>
+                <a:miter lim="800000"/>
+                <a:headEnd/>
+                <a:tailEnd/>
+              </a:ln>
+            </p:spPr>
+          </p:sp>
+          <p:sp>
+            <p:nvSpPr>
+              <p:cNvPr id="134" name="Freeform 17">
+                <a:extLst>
+                  <a:ext uri="{FF2B5EF4-FFF2-40B4-BE49-F238E27FC236}">
+                    <a16:creationId xmlns:a16="http://schemas.microsoft.com/office/drawing/2014/main" id="{1E90AE6E-328E-4730-825C-B5130F5CFCA4}"/>
+                  </a:ext>
+                  <a:ext uri="{C183D7F6-B498-43B3-948B-1728B52AA6E4}">
+                    <adec:decorative xmlns:adec="http://schemas.microsoft.com/office/drawing/2017/decorative" val="1"/>
+                  </a:ext>
+                </a:extLst>
+              </p:cNvPr>
+              <p:cNvSpPr/>
+              <p:nvPr>
+                <p:extLst>
+                  <p:ext uri="{386F3935-93C4-4BCD-93E2-E3B085C9AB24}">
+                    <p16:designElem xmlns:p16="http://schemas.microsoft.com/office/powerpoint/2015/main" val="1"/>
+                  </p:ext>
+                </p:extLst>
+              </p:nvPr>
+            </p:nvSpPr>
+            <p:spPr bwMode="auto">
+              <a:xfrm>
+                <a:off x="9525" y="1801813"/>
+                <a:ext cx="123825" cy="127000"/>
+              </a:xfrm>
+              <a:custGeom>
+                <a:avLst/>
+                <a:gdLst/>
+                <a:ahLst/>
+                <a:cxnLst/>
+                <a:rect l="0" t="0" r="r" b="b"/>
+                <a:pathLst>
+                  <a:path w="78" h="80">
+                    <a:moveTo>
+                      <a:pt x="6" y="80"/>
+                    </a:moveTo>
+                    <a:lnTo>
+                      <a:pt x="0" y="71"/>
+                    </a:lnTo>
+                    <a:lnTo>
+                      <a:pt x="69" y="0"/>
+                    </a:lnTo>
+                    <a:lnTo>
+                      <a:pt x="78" y="9"/>
+                    </a:lnTo>
+                    <a:lnTo>
+                      <a:pt x="6" y="80"/>
+                    </a:lnTo>
+                    <a:close/>
+                  </a:path>
+                </a:pathLst>
+              </a:custGeom>
+              <a:grpFill/>
+              <a:ln>
+                <a:noFill/>
+              </a:ln>
+              <a:extLst>
+                <a:ext uri="{91240B29-F687-4f45-9708-019B960494DF}">
+                  <a14:hiddenLine xmlns="" xmlns:a16="http://schemas.microsoft.com/office/drawing/2014/main" xmlns:p14="http://schemas.microsoft.com/office/powerpoint/2010/main" xmlns:a14="http://schemas.microsoft.com/office/drawing/2010/main" w="9525">
+                    <a:solidFill>
+                      <a:srgbClr val="000000"/>
+                    </a:solidFill>
+                    <a:round/>
+                    <a:headEnd/>
+                    <a:tailEnd/>
+                  </a14:hiddenLine>
+                </a:ext>
+              </a:extLst>
+            </p:spPr>
+          </p:sp>
+          <p:sp>
+            <p:nvSpPr>
+              <p:cNvPr id="135" name="Freeform 18">
+                <a:extLst>
+                  <a:ext uri="{FF2B5EF4-FFF2-40B4-BE49-F238E27FC236}">
+                    <a16:creationId xmlns:a16="http://schemas.microsoft.com/office/drawing/2014/main" id="{24EC969F-6E4A-4163-ABDA-4674429A3DC2}"/>
+                  </a:ext>
+                  <a:ext uri="{C183D7F6-B498-43B3-948B-1728B52AA6E4}">
+                    <adec:decorative xmlns:adec="http://schemas.microsoft.com/office/drawing/2017/decorative" val="1"/>
+                  </a:ext>
+                </a:extLst>
+              </p:cNvPr>
+              <p:cNvSpPr/>
+              <p:nvPr>
+                <p:extLst>
+                  <p:ext uri="{386F3935-93C4-4BCD-93E2-E3B085C9AB24}">
+                    <p16:designElem xmlns:p16="http://schemas.microsoft.com/office/powerpoint/2015/main" val="1"/>
+                  </p:ext>
+                </p:extLst>
+              </p:nvPr>
+            </p:nvSpPr>
+            <p:spPr bwMode="auto">
+              <a:xfrm>
+                <a:off x="-9525" y="3549650"/>
+                <a:ext cx="147638" cy="481013"/>
+              </a:xfrm>
+              <a:custGeom>
+                <a:avLst/>
+                <a:gdLst/>
+                <a:ahLst/>
+                <a:cxnLst/>
+                <a:rect l="0" t="0" r="r" b="b"/>
+                <a:pathLst>
+                  <a:path w="93" h="303">
+                    <a:moveTo>
+                      <a:pt x="93" y="303"/>
+                    </a:moveTo>
+                    <a:lnTo>
+                      <a:pt x="78" y="303"/>
+                    </a:lnTo>
+                    <a:lnTo>
+                      <a:pt x="78" y="78"/>
+                    </a:lnTo>
+                    <a:lnTo>
+                      <a:pt x="0" y="12"/>
+                    </a:lnTo>
+                    <a:lnTo>
+                      <a:pt x="12" y="0"/>
+                    </a:lnTo>
+                    <a:lnTo>
+                      <a:pt x="93" y="69"/>
+                    </a:lnTo>
+                    <a:lnTo>
+                      <a:pt x="93" y="303"/>
+                    </a:lnTo>
+                    <a:close/>
+                  </a:path>
+                </a:pathLst>
+              </a:custGeom>
+              <a:grpFill/>
+              <a:ln>
+                <a:noFill/>
+              </a:ln>
+              <a:extLst>
+                <a:ext uri="{91240B29-F687-4f45-9708-019B960494DF}">
+                  <a14:hiddenLine xmlns="" xmlns:a16="http://schemas.microsoft.com/office/drawing/2014/main" xmlns:p14="http://schemas.microsoft.com/office/powerpoint/2010/main" xmlns:a14="http://schemas.microsoft.com/office/drawing/2010/main" w="9525">
+                    <a:solidFill>
+                      <a:srgbClr val="000000"/>
+                    </a:solidFill>
+                    <a:round/>
+                    <a:headEnd/>
+                    <a:tailEnd/>
+                  </a14:hiddenLine>
+                </a:ext>
+              </a:extLst>
+            </p:spPr>
+          </p:sp>
+          <p:sp>
+            <p:nvSpPr>
+              <p:cNvPr id="136" name="Freeform 19">
+                <a:extLst>
+                  <a:ext uri="{FF2B5EF4-FFF2-40B4-BE49-F238E27FC236}">
+                    <a16:creationId xmlns:a16="http://schemas.microsoft.com/office/drawing/2014/main" id="{1B735C94-B049-42C6-9DEF-5DB70D58CE4B}"/>
+                  </a:ext>
+                  <a:ext uri="{C183D7F6-B498-43B3-948B-1728B52AA6E4}">
+                    <adec:decorative xmlns:adec="http://schemas.microsoft.com/office/drawing/2017/decorative" val="1"/>
+                  </a:ext>
+                </a:extLst>
+              </p:cNvPr>
+              <p:cNvSpPr/>
+              <p:nvPr>
+                <p:extLst>
+                  <p:ext uri="{386F3935-93C4-4BCD-93E2-E3B085C9AB24}">
+                    <p16:designElem xmlns:p16="http://schemas.microsoft.com/office/powerpoint/2015/main" val="1"/>
+                  </p:ext>
+                </p:extLst>
+              </p:nvPr>
+            </p:nvSpPr>
+            <p:spPr bwMode="auto">
+              <a:xfrm>
+                <a:off x="128587" y="1382713"/>
+                <a:ext cx="142875" cy="476250"/>
+              </a:xfrm>
+              <a:custGeom>
+                <a:avLst/>
+                <a:gdLst/>
+                <a:ahLst/>
+                <a:cxnLst/>
+                <a:rect l="0" t="0" r="r" b="b"/>
+                <a:pathLst>
+                  <a:path w="90" h="300">
+                    <a:moveTo>
+                      <a:pt x="90" y="300"/>
+                    </a:moveTo>
+                    <a:lnTo>
+                      <a:pt x="78" y="300"/>
+                    </a:lnTo>
+                    <a:lnTo>
+                      <a:pt x="78" y="84"/>
+                    </a:lnTo>
+                    <a:lnTo>
+                      <a:pt x="0" y="9"/>
+                    </a:lnTo>
+                    <a:lnTo>
+                      <a:pt x="9" y="0"/>
+                    </a:lnTo>
+                    <a:lnTo>
+                      <a:pt x="90" y="81"/>
+                    </a:lnTo>
+                    <a:lnTo>
+                      <a:pt x="90" y="300"/>
+                    </a:lnTo>
+                    <a:close/>
+                  </a:path>
+                </a:pathLst>
+              </a:custGeom>
+              <a:grpFill/>
+              <a:ln>
+                <a:noFill/>
+              </a:ln>
+              <a:extLst>
+                <a:ext uri="{91240B29-F687-4f45-9708-019B960494DF}">
+                  <a14:hiddenLine xmlns="" xmlns:a16="http://schemas.microsoft.com/office/drawing/2014/main" xmlns:p14="http://schemas.microsoft.com/office/powerpoint/2010/main" xmlns:a14="http://schemas.microsoft.com/office/drawing/2010/main" w="9525">
+                    <a:solidFill>
+                      <a:srgbClr val="000000"/>
+                    </a:solidFill>
+                    <a:round/>
+                    <a:headEnd/>
+                    <a:tailEnd/>
+                  </a14:hiddenLine>
+                </a:ext>
+              </a:extLst>
+            </p:spPr>
+          </p:sp>
+          <p:sp>
+            <p:nvSpPr>
+              <p:cNvPr id="137" name="Freeform 20">
+                <a:extLst>
+                  <a:ext uri="{FF2B5EF4-FFF2-40B4-BE49-F238E27FC236}">
+                    <a16:creationId xmlns:a16="http://schemas.microsoft.com/office/drawing/2014/main" id="{051C02E6-1954-478B-AEAE-BF8F36BE9417}"/>
+                  </a:ext>
+                  <a:ext uri="{C183D7F6-B498-43B3-948B-1728B52AA6E4}">
+                    <adec:decorative xmlns:adec="http://schemas.microsoft.com/office/drawing/2017/decorative" val="1"/>
+                  </a:ext>
+                </a:extLst>
+              </p:cNvPr>
+              <p:cNvSpPr>
+                <a:spLocks noEditPoints="1"/>
+              </p:cNvSpPr>
+              <p:nvPr>
+                <p:extLst>
+                  <p:ext uri="{386F3935-93C4-4BCD-93E2-E3B085C9AB24}">
+                    <p16:designElem xmlns:p16="http://schemas.microsoft.com/office/powerpoint/2015/main" val="1"/>
+                  </p:ext>
+                </p:extLst>
+              </p:nvPr>
+            </p:nvSpPr>
+            <p:spPr bwMode="auto">
+              <a:xfrm>
+                <a:off x="204787" y="1849438"/>
+                <a:ext cx="114300" cy="107950"/>
+              </a:xfrm>
+              <a:custGeom>
+                <a:avLst/>
+                <a:gdLst/>
+                <a:ahLst/>
+                <a:cxnLst/>
+                <a:rect l="0" t="0" r="r" b="b"/>
+                <a:pathLst>
+                  <a:path w="24" h="23">
+                    <a:moveTo>
+                      <a:pt x="12" y="23"/>
+                    </a:moveTo>
+                    <a:cubicBezTo>
+                      <a:pt x="6" y="23"/>
+                      <a:pt x="0" y="18"/>
+                      <a:pt x="0" y="12"/>
+                    </a:cubicBezTo>
+                    <a:cubicBezTo>
+                      <a:pt x="0" y="5"/>
+                      <a:pt x="6" y="0"/>
+                      <a:pt x="12" y="0"/>
+                    </a:cubicBezTo>
+                    <a:cubicBezTo>
+                      <a:pt x="18" y="0"/>
+                      <a:pt x="24" y="5"/>
+                      <a:pt x="24" y="12"/>
+                    </a:cubicBezTo>
+                    <a:cubicBezTo>
+                      <a:pt x="24" y="18"/>
+                      <a:pt x="18" y="23"/>
+                      <a:pt x="12" y="23"/>
+                    </a:cubicBezTo>
+                    <a:close/>
+                    <a:moveTo>
+                      <a:pt x="12" y="4"/>
+                    </a:moveTo>
+                    <a:cubicBezTo>
+                      <a:pt x="8" y="4"/>
+                      <a:pt x="4" y="8"/>
+                      <a:pt x="4" y="12"/>
+                    </a:cubicBezTo>
+                    <a:cubicBezTo>
+                      <a:pt x="4" y="16"/>
+                      <a:pt x="8" y="19"/>
+                      <a:pt x="12" y="19"/>
+                    </a:cubicBezTo>
+                    <a:cubicBezTo>
+                      <a:pt x="16" y="19"/>
+                      <a:pt x="20" y="16"/>
+                      <a:pt x="20" y="12"/>
+                    </a:cubicBezTo>
+                    <a:cubicBezTo>
+                      <a:pt x="20" y="8"/>
+                      <a:pt x="16" y="4"/>
+                      <a:pt x="12" y="4"/>
+                    </a:cubicBezTo>
+                    <a:close/>
+                  </a:path>
+                </a:pathLst>
+              </a:custGeom>
+              <a:grpFill/>
+              <a:ln>
+                <a:noFill/>
+              </a:ln>
+              <a:extLst>
+                <a:ext uri="{91240B29-F687-4f45-9708-019B960494DF}">
+                  <a14:hiddenLine xmlns="" xmlns:a16="http://schemas.microsoft.com/office/drawing/2014/main" xmlns:p14="http://schemas.microsoft.com/office/powerpoint/2010/main" xmlns:a14="http://schemas.microsoft.com/office/drawing/2010/main" w="9525">
+                    <a:solidFill>
+                      <a:srgbClr val="000000"/>
+                    </a:solidFill>
+                    <a:round/>
+                    <a:headEnd/>
+                    <a:tailEnd/>
+                  </a14:hiddenLine>
+                </a:ext>
+              </a:extLst>
+            </p:spPr>
+          </p:sp>
+          <p:sp>
+            <p:nvSpPr>
+              <p:cNvPr id="138" name="Rectangle 21">
+                <a:extLst>
+                  <a:ext uri="{FF2B5EF4-FFF2-40B4-BE49-F238E27FC236}">
+                    <a16:creationId xmlns:a16="http://schemas.microsoft.com/office/drawing/2014/main" id="{6710B1C0-310A-48D0-B824-459D9AFC2FBC}"/>
+                  </a:ext>
+                  <a:ext uri="{C183D7F6-B498-43B3-948B-1728B52AA6E4}">
+                    <adec:decorative xmlns:adec="http://schemas.microsoft.com/office/drawing/2017/decorative" val="1"/>
+                  </a:ext>
+                </a:extLst>
+              </p:cNvPr>
+              <p:cNvSpPr>
+                <a:spLocks noChangeArrowheads="1"/>
+              </p:cNvSpPr>
+              <p:nvPr>
+                <p:extLst>
+                  <p:ext uri="{386F3935-93C4-4BCD-93E2-E3B085C9AB24}">
+                    <p16:designElem xmlns:p16="http://schemas.microsoft.com/office/powerpoint/2015/main" val="1"/>
+                  </p:ext>
+                </p:extLst>
+              </p:nvPr>
+            </p:nvSpPr>
+            <p:spPr bwMode="auto">
+              <a:xfrm>
+                <a:off x="133350" y="4662488"/>
+                <a:ext cx="23813" cy="2181225"/>
+              </a:xfrm>
+              <a:prstGeom prst="rect">
+                <a:avLst/>
+              </a:prstGeom>
+              <a:grpFill/>
+              <a:ln>
+                <a:noFill/>
+              </a:ln>
+              <a:extLst>
+                <a:ext uri="{91240B29-F687-4f45-9708-019B960494DF}">
+                  <a14:hiddenLine xmlns="" xmlns:a16="http://schemas.microsoft.com/office/drawing/2014/main" xmlns:p14="http://schemas.microsoft.com/office/powerpoint/2010/main" xmlns:a14="http://schemas.microsoft.com/office/drawing/2010/main" w="9525">
+                    <a:solidFill>
+                      <a:srgbClr val="000000"/>
+                    </a:solidFill>
+                    <a:miter lim="800000"/>
+                    <a:headEnd/>
+                    <a:tailEnd/>
+                  </a14:hiddenLine>
+                </a:ext>
+              </a:extLst>
+            </p:spPr>
+          </p:sp>
+          <p:sp>
+            <p:nvSpPr>
+              <p:cNvPr id="139" name="Freeform 22">
+                <a:extLst>
+                  <a:ext uri="{FF2B5EF4-FFF2-40B4-BE49-F238E27FC236}">
+                    <a16:creationId xmlns:a16="http://schemas.microsoft.com/office/drawing/2014/main" id="{1204A606-D9A6-4DC6-9F0E-D516EA1EB957}"/>
+                  </a:ext>
+                  <a:ext uri="{C183D7F6-B498-43B3-948B-1728B52AA6E4}">
+                    <adec:decorative xmlns:adec="http://schemas.microsoft.com/office/drawing/2017/decorative" val="1"/>
+                  </a:ext>
+                </a:extLst>
+              </p:cNvPr>
+              <p:cNvSpPr/>
+              <p:nvPr>
+                <p:extLst>
+                  <p:ext uri="{386F3935-93C4-4BCD-93E2-E3B085C9AB24}">
+                    <p16:designElem xmlns:p16="http://schemas.microsoft.com/office/powerpoint/2015/main" val="1"/>
+                  </p:ext>
+                </p:extLst>
+              </p:nvPr>
+            </p:nvSpPr>
+            <p:spPr bwMode="auto">
+              <a:xfrm>
+                <a:off x="223837" y="5041900"/>
+                <a:ext cx="369888" cy="1801813"/>
+              </a:xfrm>
+              <a:custGeom>
+                <a:avLst/>
+                <a:gdLst/>
+                <a:ahLst/>
+                <a:cxnLst/>
+                <a:rect l="0" t="0" r="r" b="b"/>
+                <a:pathLst>
+                  <a:path w="233" h="1135">
+                    <a:moveTo>
+                      <a:pt x="15" y="1135"/>
+                    </a:moveTo>
+                    <a:lnTo>
+                      <a:pt x="0" y="1135"/>
+                    </a:lnTo>
+                    <a:lnTo>
+                      <a:pt x="0" y="515"/>
+                    </a:lnTo>
+                    <a:lnTo>
+                      <a:pt x="0" y="512"/>
+                    </a:lnTo>
+                    <a:lnTo>
+                      <a:pt x="218" y="0"/>
+                    </a:lnTo>
+                    <a:lnTo>
+                      <a:pt x="233" y="6"/>
+                    </a:lnTo>
+                    <a:lnTo>
+                      <a:pt x="15" y="518"/>
+                    </a:lnTo>
+                    <a:lnTo>
+                      <a:pt x="15" y="1135"/>
+                    </a:lnTo>
+                    <a:close/>
+                  </a:path>
+                </a:pathLst>
+              </a:custGeom>
+              <a:grpFill/>
+              <a:ln>
+                <a:noFill/>
+              </a:ln>
+              <a:extLst>
+                <a:ext uri="{91240B29-F687-4f45-9708-019B960494DF}">
+                  <a14:hiddenLine xmlns="" xmlns:a16="http://schemas.microsoft.com/office/drawing/2014/main" xmlns:p14="http://schemas.microsoft.com/office/powerpoint/2010/main" xmlns:a14="http://schemas.microsoft.com/office/drawing/2010/main" w="9525">
+                    <a:solidFill>
+                      <a:srgbClr val="000000"/>
+                    </a:solidFill>
+                    <a:round/>
+                    <a:headEnd/>
+                    <a:tailEnd/>
+                  </a14:hiddenLine>
+                </a:ext>
+              </a:extLst>
+            </p:spPr>
+          </p:sp>
+          <p:sp>
+            <p:nvSpPr>
+              <p:cNvPr id="140" name="Freeform 23">
+                <a:extLst>
+                  <a:ext uri="{FF2B5EF4-FFF2-40B4-BE49-F238E27FC236}">
+                    <a16:creationId xmlns:a16="http://schemas.microsoft.com/office/drawing/2014/main" id="{EE569555-0243-4979-A537-C9B4AFD5F258}"/>
+                  </a:ext>
+                  <a:ext uri="{C183D7F6-B498-43B3-948B-1728B52AA6E4}">
+                    <adec:decorative xmlns:adec="http://schemas.microsoft.com/office/drawing/2017/decorative" val="1"/>
+                  </a:ext>
+                </a:extLst>
+              </p:cNvPr>
+              <p:cNvSpPr>
+                <a:spLocks noEditPoints="1"/>
+              </p:cNvSpPr>
+              <p:nvPr>
+                <p:extLst>
+                  <p:ext uri="{386F3935-93C4-4BCD-93E2-E3B085C9AB24}">
+                    <p16:designElem xmlns:p16="http://schemas.microsoft.com/office/powerpoint/2015/main" val="1"/>
+                  </p:ext>
+                </p:extLst>
+              </p:nvPr>
+            </p:nvSpPr>
+            <p:spPr bwMode="auto">
+              <a:xfrm>
+                <a:off x="52387" y="4481513"/>
+                <a:ext cx="190500" cy="190500"/>
+              </a:xfrm>
+              <a:custGeom>
+                <a:avLst/>
+                <a:gdLst/>
+                <a:ahLst/>
+                <a:cxnLst/>
+                <a:rect l="0" t="0" r="r" b="b"/>
+                <a:pathLst>
+                  <a:path w="40" h="40">
+                    <a:moveTo>
+                      <a:pt x="20" y="40"/>
+                    </a:moveTo>
+                    <a:cubicBezTo>
+                      <a:pt x="9" y="40"/>
+                      <a:pt x="0" y="31"/>
+                      <a:pt x="0" y="20"/>
+                    </a:cubicBezTo>
+                    <a:cubicBezTo>
+                      <a:pt x="0" y="9"/>
+                      <a:pt x="9" y="0"/>
+                      <a:pt x="20" y="0"/>
+                    </a:cubicBezTo>
+                    <a:cubicBezTo>
+                      <a:pt x="31" y="0"/>
+                      <a:pt x="40" y="9"/>
+                      <a:pt x="40" y="20"/>
+                    </a:cubicBezTo>
+                    <a:cubicBezTo>
+                      <a:pt x="40" y="31"/>
+                      <a:pt x="31" y="40"/>
+                      <a:pt x="20" y="40"/>
+                    </a:cubicBezTo>
+                    <a:close/>
+                    <a:moveTo>
+                      <a:pt x="20" y="4"/>
+                    </a:moveTo>
+                    <a:cubicBezTo>
+                      <a:pt x="11" y="4"/>
+                      <a:pt x="4" y="11"/>
+                      <a:pt x="4" y="20"/>
+                    </a:cubicBezTo>
+                    <a:cubicBezTo>
+                      <a:pt x="4" y="29"/>
+                      <a:pt x="11" y="36"/>
+                      <a:pt x="20" y="36"/>
+                    </a:cubicBezTo>
+                    <a:cubicBezTo>
+                      <a:pt x="28" y="36"/>
+                      <a:pt x="36" y="29"/>
+                      <a:pt x="36" y="20"/>
+                    </a:cubicBezTo>
+                    <a:cubicBezTo>
+                      <a:pt x="36" y="11"/>
+                      <a:pt x="28" y="4"/>
+                      <a:pt x="20" y="4"/>
+                    </a:cubicBezTo>
+                    <a:close/>
+                  </a:path>
+                </a:pathLst>
+              </a:custGeom>
+              <a:grpFill/>
+              <a:ln>
+                <a:noFill/>
+              </a:ln>
+              <a:extLst>
+                <a:ext uri="{91240B29-F687-4f45-9708-019B960494DF}">
+                  <a14:hiddenLine xmlns="" xmlns:a16="http://schemas.microsoft.com/office/drawing/2014/main" xmlns:p14="http://schemas.microsoft.com/office/powerpoint/2010/main" xmlns:a14="http://schemas.microsoft.com/office/drawing/2010/main" w="9525">
+                    <a:solidFill>
+                      <a:srgbClr val="000000"/>
+                    </a:solidFill>
+                    <a:round/>
+                    <a:headEnd/>
+                    <a:tailEnd/>
+                  </a14:hiddenLine>
+                </a:ext>
+              </a:extLst>
+            </p:spPr>
+          </p:sp>
+          <p:sp>
+            <p:nvSpPr>
+              <p:cNvPr id="141" name="Freeform 24">
+                <a:extLst>
+                  <a:ext uri="{FF2B5EF4-FFF2-40B4-BE49-F238E27FC236}">
+                    <a16:creationId xmlns:a16="http://schemas.microsoft.com/office/drawing/2014/main" id="{D52A977D-4993-48AF-A792-F2DE09639149}"/>
+                  </a:ext>
+                  <a:ext uri="{C183D7F6-B498-43B3-948B-1728B52AA6E4}">
+                    <adec:decorative xmlns:adec="http://schemas.microsoft.com/office/drawing/2017/decorative" val="1"/>
+                  </a:ext>
+                </a:extLst>
+              </p:cNvPr>
+              <p:cNvSpPr/>
+              <p:nvPr>
+                <p:extLst>
+                  <p:ext uri="{386F3935-93C4-4BCD-93E2-E3B085C9AB24}">
+                    <p16:designElem xmlns:p16="http://schemas.microsoft.com/office/powerpoint/2015/main" val="1"/>
+                  </p:ext>
+                </p:extLst>
+              </p:nvPr>
+            </p:nvSpPr>
+            <p:spPr bwMode="auto">
+              <a:xfrm>
+                <a:off x="-14288" y="5627688"/>
+                <a:ext cx="85725" cy="1216025"/>
+              </a:xfrm>
+              <a:custGeom>
+                <a:avLst/>
+                <a:gdLst/>
+                <a:ahLst/>
+                <a:cxnLst/>
+                <a:rect l="0" t="0" r="r" b="b"/>
+                <a:pathLst>
+                  <a:path w="54" h="766">
+                    <a:moveTo>
+                      <a:pt x="54" y="766"/>
+                    </a:moveTo>
+                    <a:lnTo>
+                      <a:pt x="36" y="766"/>
+                    </a:lnTo>
+                    <a:lnTo>
+                      <a:pt x="36" y="149"/>
+                    </a:lnTo>
+                    <a:lnTo>
+                      <a:pt x="0" y="3"/>
+                    </a:lnTo>
+                    <a:lnTo>
+                      <a:pt x="18" y="0"/>
+                    </a:lnTo>
+                    <a:lnTo>
+                      <a:pt x="54" y="146"/>
+                    </a:lnTo>
+                    <a:lnTo>
+                      <a:pt x="54" y="766"/>
+                    </a:lnTo>
+                    <a:close/>
+                  </a:path>
+                </a:pathLst>
+              </a:custGeom>
+              <a:grpFill/>
+              <a:ln>
+                <a:noFill/>
+              </a:ln>
+              <a:extLst>
+                <a:ext uri="{91240B29-F687-4f45-9708-019B960494DF}">
+                  <a14:hiddenLine xmlns="" xmlns:a16="http://schemas.microsoft.com/office/drawing/2014/main" xmlns:p14="http://schemas.microsoft.com/office/powerpoint/2010/main" xmlns:a14="http://schemas.microsoft.com/office/drawing/2010/main" w="9525">
+                    <a:solidFill>
+                      <a:srgbClr val="000000"/>
+                    </a:solidFill>
+                    <a:round/>
+                    <a:headEnd/>
+                    <a:tailEnd/>
+                  </a14:hiddenLine>
+                </a:ext>
+              </a:extLst>
+            </p:spPr>
+          </p:sp>
+          <p:sp>
+            <p:nvSpPr>
+              <p:cNvPr id="142" name="Freeform 25">
+                <a:extLst>
+                  <a:ext uri="{FF2B5EF4-FFF2-40B4-BE49-F238E27FC236}">
+                    <a16:creationId xmlns:a16="http://schemas.microsoft.com/office/drawing/2014/main" id="{93CFF2DC-E52E-4D99-97D5-B0D7B792E50A}"/>
+                  </a:ext>
+                  <a:ext uri="{C183D7F6-B498-43B3-948B-1728B52AA6E4}">
+                    <adec:decorative xmlns:adec="http://schemas.microsoft.com/office/drawing/2017/decorative" val="1"/>
+                  </a:ext>
+                </a:extLst>
+              </p:cNvPr>
+              <p:cNvSpPr>
+                <a:spLocks noEditPoints="1"/>
+              </p:cNvSpPr>
+              <p:nvPr>
+                <p:extLst>
+                  <p:ext uri="{386F3935-93C4-4BCD-93E2-E3B085C9AB24}">
+                    <p16:designElem xmlns:p16="http://schemas.microsoft.com/office/powerpoint/2015/main" val="1"/>
+                  </p:ext>
+                </p:extLst>
+              </p:nvPr>
+            </p:nvSpPr>
+            <p:spPr bwMode="auto">
+              <a:xfrm>
+                <a:off x="527050" y="4867275"/>
+                <a:ext cx="190500" cy="188913"/>
+              </a:xfrm>
+              <a:custGeom>
+                <a:avLst/>
+                <a:gdLst/>
+                <a:ahLst/>
+                <a:cxnLst/>
+                <a:rect l="0" t="0" r="r" b="b"/>
+                <a:pathLst>
+                  <a:path w="40" h="40">
+                    <a:moveTo>
+                      <a:pt x="20" y="40"/>
+                    </a:moveTo>
+                    <a:cubicBezTo>
+                      <a:pt x="9" y="40"/>
+                      <a:pt x="0" y="31"/>
+                      <a:pt x="0" y="20"/>
+                    </a:cubicBezTo>
+                    <a:cubicBezTo>
+                      <a:pt x="0" y="9"/>
+                      <a:pt x="9" y="0"/>
+                      <a:pt x="20" y="0"/>
+                    </a:cubicBezTo>
+                    <a:cubicBezTo>
+                      <a:pt x="31" y="0"/>
+                      <a:pt x="40" y="9"/>
+                      <a:pt x="40" y="20"/>
+                    </a:cubicBezTo>
+                    <a:cubicBezTo>
+                      <a:pt x="40" y="31"/>
+                      <a:pt x="31" y="40"/>
+                      <a:pt x="20" y="40"/>
+                    </a:cubicBezTo>
+                    <a:close/>
+                    <a:moveTo>
+                      <a:pt x="20" y="4"/>
+                    </a:moveTo>
+                    <a:cubicBezTo>
+                      <a:pt x="11" y="4"/>
+                      <a:pt x="4" y="11"/>
+                      <a:pt x="4" y="20"/>
+                    </a:cubicBezTo>
+                    <a:cubicBezTo>
+                      <a:pt x="4" y="29"/>
+                      <a:pt x="11" y="36"/>
+                      <a:pt x="20" y="36"/>
+                    </a:cubicBezTo>
+                    <a:cubicBezTo>
+                      <a:pt x="29" y="36"/>
+                      <a:pt x="36" y="29"/>
+                      <a:pt x="36" y="20"/>
+                    </a:cubicBezTo>
+                    <a:cubicBezTo>
+                      <a:pt x="36" y="11"/>
+                      <a:pt x="29" y="4"/>
+                      <a:pt x="20" y="4"/>
+                    </a:cubicBezTo>
+                    <a:close/>
+                  </a:path>
+                </a:pathLst>
+              </a:custGeom>
+              <a:grpFill/>
+              <a:ln>
+                <a:noFill/>
+              </a:ln>
+              <a:extLst>
+                <a:ext uri="{91240B29-F687-4f45-9708-019B960494DF}">
+                  <a14:hiddenLine xmlns="" xmlns:a16="http://schemas.microsoft.com/office/drawing/2014/main" xmlns:p14="http://schemas.microsoft.com/office/powerpoint/2010/main" xmlns:a14="http://schemas.microsoft.com/office/drawing/2010/main" w="9525">
+                    <a:solidFill>
+                      <a:srgbClr val="000000"/>
+                    </a:solidFill>
+                    <a:round/>
+                    <a:headEnd/>
+                    <a:tailEnd/>
+                  </a14:hiddenLine>
+                </a:ext>
+              </a:extLst>
+            </p:spPr>
+          </p:sp>
+          <p:sp>
+            <p:nvSpPr>
+              <p:cNvPr id="143" name="Freeform 26">
+                <a:extLst>
+                  <a:ext uri="{FF2B5EF4-FFF2-40B4-BE49-F238E27FC236}">
+                    <a16:creationId xmlns:a16="http://schemas.microsoft.com/office/drawing/2014/main" id="{5E175372-AF09-42A7-B3D0-226C83489170}"/>
+                  </a:ext>
+                  <a:ext uri="{C183D7F6-B498-43B3-948B-1728B52AA6E4}">
+                    <adec:decorative xmlns:adec="http://schemas.microsoft.com/office/drawing/2017/decorative" val="1"/>
+                  </a:ext>
+                </a:extLst>
+              </p:cNvPr>
+              <p:cNvSpPr/>
+              <p:nvPr>
+                <p:extLst>
+                  <p:ext uri="{386F3935-93C4-4BCD-93E2-E3B085C9AB24}">
+                    <p16:designElem xmlns:p16="http://schemas.microsoft.com/office/powerpoint/2015/main" val="1"/>
+                  </p:ext>
+                </p:extLst>
+              </p:nvPr>
+            </p:nvSpPr>
+            <p:spPr bwMode="auto">
+              <a:xfrm>
+                <a:off x="309562" y="5422900"/>
+                <a:ext cx="374650" cy="1425575"/>
+              </a:xfrm>
+              <a:custGeom>
+                <a:avLst/>
+                <a:gdLst/>
+                <a:ahLst/>
+                <a:cxnLst/>
+                <a:rect l="0" t="0" r="r" b="b"/>
+                <a:pathLst>
+                  <a:path w="236" h="898">
+                    <a:moveTo>
+                      <a:pt x="18" y="898"/>
+                    </a:moveTo>
+                    <a:lnTo>
+                      <a:pt x="0" y="898"/>
+                    </a:lnTo>
+                    <a:lnTo>
+                      <a:pt x="0" y="515"/>
+                    </a:lnTo>
+                    <a:lnTo>
+                      <a:pt x="3" y="512"/>
+                    </a:lnTo>
+                    <a:lnTo>
+                      <a:pt x="221" y="0"/>
+                    </a:lnTo>
+                    <a:lnTo>
+                      <a:pt x="236" y="6"/>
+                    </a:lnTo>
+                    <a:lnTo>
+                      <a:pt x="18" y="518"/>
+                    </a:lnTo>
+                    <a:lnTo>
+                      <a:pt x="18" y="898"/>
+                    </a:lnTo>
+                    <a:close/>
+                  </a:path>
+                </a:pathLst>
+              </a:custGeom>
+              <a:grpFill/>
+              <a:ln>
+                <a:noFill/>
+              </a:ln>
+              <a:extLst>
+                <a:ext uri="{91240B29-F687-4f45-9708-019B960494DF}">
+                  <a14:hiddenLine xmlns="" xmlns:a16="http://schemas.microsoft.com/office/drawing/2014/main" xmlns:p14="http://schemas.microsoft.com/office/powerpoint/2010/main" xmlns:a14="http://schemas.microsoft.com/office/drawing/2010/main" w="9525">
+                    <a:solidFill>
+                      <a:srgbClr val="000000"/>
+                    </a:solidFill>
+                    <a:round/>
+                    <a:headEnd/>
+                    <a:tailEnd/>
+                  </a14:hiddenLine>
+                </a:ext>
+              </a:extLst>
+            </p:spPr>
+          </p:sp>
+          <p:sp>
+            <p:nvSpPr>
+              <p:cNvPr id="144" name="Freeform 27">
+                <a:extLst>
+                  <a:ext uri="{FF2B5EF4-FFF2-40B4-BE49-F238E27FC236}">
+                    <a16:creationId xmlns:a16="http://schemas.microsoft.com/office/drawing/2014/main" id="{ABF20BA9-F4B2-49EA-A573-578B1897747D}"/>
+                  </a:ext>
+                  <a:ext uri="{C183D7F6-B498-43B3-948B-1728B52AA6E4}">
+                    <adec:decorative xmlns:adec="http://schemas.microsoft.com/office/drawing/2017/decorative" val="1"/>
+                  </a:ext>
+                </a:extLst>
+              </p:cNvPr>
+              <p:cNvSpPr/>
+              <p:nvPr>
+                <p:extLst>
+                  <p:ext uri="{386F3935-93C4-4BCD-93E2-E3B085C9AB24}">
+                    <p16:designElem xmlns:p16="http://schemas.microsoft.com/office/powerpoint/2015/main" val="1"/>
+                  </p:ext>
+                </p:extLst>
+              </p:nvPr>
+            </p:nvSpPr>
+            <p:spPr bwMode="auto">
+              <a:xfrm>
+                <a:off x="569912" y="5945188"/>
+                <a:ext cx="152400" cy="912813"/>
+              </a:xfrm>
+              <a:custGeom>
+                <a:avLst/>
+                <a:gdLst/>
+                <a:ahLst/>
+                <a:cxnLst/>
+                <a:rect l="0" t="0" r="r" b="b"/>
+                <a:pathLst>
+                  <a:path w="96" h="575">
+                    <a:moveTo>
+                      <a:pt x="15" y="575"/>
+                    </a:moveTo>
+                    <a:lnTo>
+                      <a:pt x="0" y="569"/>
+                    </a:lnTo>
+                    <a:lnTo>
+                      <a:pt x="81" y="383"/>
+                    </a:lnTo>
+                    <a:lnTo>
+                      <a:pt x="81" y="0"/>
+                    </a:lnTo>
+                    <a:lnTo>
+                      <a:pt x="96" y="0"/>
+                    </a:lnTo>
+                    <a:lnTo>
+                      <a:pt x="96" y="386"/>
+                    </a:lnTo>
+                    <a:lnTo>
+                      <a:pt x="15" y="575"/>
+                    </a:lnTo>
+                    <a:close/>
+                  </a:path>
+                </a:pathLst>
+              </a:custGeom>
+              <a:grpFill/>
+              <a:ln>
+                <a:noFill/>
+              </a:ln>
+              <a:extLst>
+                <a:ext uri="{91240B29-F687-4f45-9708-019B960494DF}">
+                  <a14:hiddenLine xmlns="" xmlns:a16="http://schemas.microsoft.com/office/drawing/2014/main" xmlns:p14="http://schemas.microsoft.com/office/powerpoint/2010/main" xmlns:a14="http://schemas.microsoft.com/office/drawing/2010/main" w="9525">
+                    <a:solidFill>
+                      <a:srgbClr val="000000"/>
+                    </a:solidFill>
+                    <a:round/>
+                    <a:headEnd/>
+                    <a:tailEnd/>
+                  </a14:hiddenLine>
+                </a:ext>
+              </a:extLst>
+            </p:spPr>
+          </p:sp>
+          <p:sp>
+            <p:nvSpPr>
+              <p:cNvPr id="145" name="Freeform 28">
+                <a:extLst>
+                  <a:ext uri="{FF2B5EF4-FFF2-40B4-BE49-F238E27FC236}">
+                    <a16:creationId xmlns:a16="http://schemas.microsoft.com/office/drawing/2014/main" id="{AA3A7A4B-C811-4E23-8BFD-5823A032DA3D}"/>
+                  </a:ext>
+                  <a:ext uri="{C183D7F6-B498-43B3-948B-1728B52AA6E4}">
+                    <adec:decorative xmlns:adec="http://schemas.microsoft.com/office/drawing/2017/decorative" val="1"/>
+                  </a:ext>
+                </a:extLst>
+              </p:cNvPr>
+              <p:cNvSpPr>
+                <a:spLocks noEditPoints="1"/>
+              </p:cNvSpPr>
+              <p:nvPr>
+                <p:extLst>
+                  <p:ext uri="{386F3935-93C4-4BCD-93E2-E3B085C9AB24}">
+                    <p16:designElem xmlns:p16="http://schemas.microsoft.com/office/powerpoint/2015/main" val="1"/>
+                  </p:ext>
+                </p:extLst>
+              </p:nvPr>
+            </p:nvSpPr>
+            <p:spPr bwMode="auto">
+              <a:xfrm>
+                <a:off x="612775" y="5246688"/>
+                <a:ext cx="190500" cy="190500"/>
+              </a:xfrm>
+              <a:custGeom>
+                <a:avLst/>
+                <a:gdLst/>
+                <a:ahLst/>
+                <a:cxnLst/>
+                <a:rect l="0" t="0" r="r" b="b"/>
+                <a:pathLst>
+                  <a:path w="40" h="40">
+                    <a:moveTo>
+                      <a:pt x="20" y="40"/>
+                    </a:moveTo>
+                    <a:cubicBezTo>
+                      <a:pt x="9" y="40"/>
+                      <a:pt x="0" y="31"/>
+                      <a:pt x="0" y="20"/>
+                    </a:cubicBezTo>
+                    <a:cubicBezTo>
+                      <a:pt x="0" y="9"/>
+                      <a:pt x="9" y="0"/>
+                      <a:pt x="20" y="0"/>
+                    </a:cubicBezTo>
+                    <a:cubicBezTo>
+                      <a:pt x="31" y="0"/>
+                      <a:pt x="40" y="9"/>
+                      <a:pt x="40" y="20"/>
+                    </a:cubicBezTo>
+                    <a:cubicBezTo>
+                      <a:pt x="40" y="31"/>
+                      <a:pt x="31" y="40"/>
+                      <a:pt x="20" y="40"/>
+                    </a:cubicBezTo>
+                    <a:close/>
+                    <a:moveTo>
+                      <a:pt x="20" y="4"/>
+                    </a:moveTo>
+                    <a:cubicBezTo>
+                      <a:pt x="12" y="4"/>
+                      <a:pt x="4" y="11"/>
+                      <a:pt x="4" y="20"/>
+                    </a:cubicBezTo>
+                    <a:cubicBezTo>
+                      <a:pt x="4" y="29"/>
+                      <a:pt x="12" y="36"/>
+                      <a:pt x="20" y="36"/>
+                    </a:cubicBezTo>
+                    <a:cubicBezTo>
+                      <a:pt x="29" y="36"/>
+                      <a:pt x="36" y="29"/>
+                      <a:pt x="36" y="20"/>
+                    </a:cubicBezTo>
+                    <a:cubicBezTo>
+                      <a:pt x="36" y="11"/>
+                      <a:pt x="29" y="4"/>
+                      <a:pt x="20" y="4"/>
+                    </a:cubicBezTo>
+                    <a:close/>
+                  </a:path>
+                </a:pathLst>
+              </a:custGeom>
+              <a:grpFill/>
+              <a:ln>
+                <a:noFill/>
+              </a:ln>
+              <a:extLst>
+                <a:ext uri="{91240B29-F687-4f45-9708-019B960494DF}">
+                  <a14:hiddenLine xmlns="" xmlns:a16="http://schemas.microsoft.com/office/drawing/2014/main" xmlns:p14="http://schemas.microsoft.com/office/powerpoint/2010/main" xmlns:a14="http://schemas.microsoft.com/office/drawing/2010/main" w="9525">
+                    <a:solidFill>
+                      <a:srgbClr val="000000"/>
+                    </a:solidFill>
+                    <a:round/>
+                    <a:headEnd/>
+                    <a:tailEnd/>
+                  </a14:hiddenLine>
+                </a:ext>
+              </a:extLst>
+            </p:spPr>
+          </p:sp>
+          <p:sp>
+            <p:nvSpPr>
+              <p:cNvPr id="146" name="Freeform 29">
+                <a:extLst>
+                  <a:ext uri="{FF2B5EF4-FFF2-40B4-BE49-F238E27FC236}">
+                    <a16:creationId xmlns:a16="http://schemas.microsoft.com/office/drawing/2014/main" id="{47537781-F057-4B97-AD8F-12FE9BE599A8}"/>
+                  </a:ext>
+                  <a:ext uri="{C183D7F6-B498-43B3-948B-1728B52AA6E4}">
+                    <adec:decorative xmlns:adec="http://schemas.microsoft.com/office/drawing/2017/decorative" val="1"/>
+                  </a:ext>
+                </a:extLst>
+              </p:cNvPr>
+              <p:cNvSpPr>
+                <a:spLocks noEditPoints="1"/>
+              </p:cNvSpPr>
+              <p:nvPr>
+                <p:extLst>
+                  <p:ext uri="{386F3935-93C4-4BCD-93E2-E3B085C9AB24}">
+                    <p16:designElem xmlns:p16="http://schemas.microsoft.com/office/powerpoint/2015/main" val="1"/>
+                  </p:ext>
+                </p:extLst>
+              </p:nvPr>
+            </p:nvSpPr>
+            <p:spPr bwMode="auto">
+              <a:xfrm>
+                <a:off x="612775" y="5764213"/>
+                <a:ext cx="190500" cy="190500"/>
+              </a:xfrm>
+              <a:custGeom>
+                <a:avLst/>
+                <a:gdLst/>
+                <a:ahLst/>
+                <a:cxnLst/>
+                <a:rect l="0" t="0" r="r" b="b"/>
+                <a:pathLst>
+                  <a:path w="40" h="40">
+                    <a:moveTo>
+                      <a:pt x="20" y="40"/>
+                    </a:moveTo>
+                    <a:cubicBezTo>
+                      <a:pt x="9" y="40"/>
+                      <a:pt x="0" y="31"/>
+                      <a:pt x="0" y="20"/>
+                    </a:cubicBezTo>
+                    <a:cubicBezTo>
+                      <a:pt x="0" y="9"/>
+                      <a:pt x="9" y="0"/>
+                      <a:pt x="20" y="0"/>
+                    </a:cubicBezTo>
+                    <a:cubicBezTo>
+                      <a:pt x="31" y="0"/>
+                      <a:pt x="40" y="9"/>
+                      <a:pt x="40" y="20"/>
+                    </a:cubicBezTo>
+                    <a:cubicBezTo>
+                      <a:pt x="40" y="31"/>
+                      <a:pt x="31" y="40"/>
+                      <a:pt x="20" y="40"/>
+                    </a:cubicBezTo>
+                    <a:close/>
+                    <a:moveTo>
+                      <a:pt x="20" y="4"/>
+                    </a:moveTo>
+                    <a:cubicBezTo>
+                      <a:pt x="12" y="4"/>
+                      <a:pt x="4" y="11"/>
+                      <a:pt x="4" y="20"/>
+                    </a:cubicBezTo>
+                    <a:cubicBezTo>
+                      <a:pt x="4" y="29"/>
+                      <a:pt x="12" y="36"/>
+                      <a:pt x="20" y="36"/>
+                    </a:cubicBezTo>
+                    <a:cubicBezTo>
+                      <a:pt x="29" y="36"/>
+                      <a:pt x="36" y="29"/>
+                      <a:pt x="36" y="20"/>
+                    </a:cubicBezTo>
+                    <a:cubicBezTo>
+                      <a:pt x="36" y="11"/>
+                      <a:pt x="29" y="4"/>
+                      <a:pt x="20" y="4"/>
+                    </a:cubicBezTo>
+                    <a:close/>
+                  </a:path>
+                </a:pathLst>
+              </a:custGeom>
+              <a:grpFill/>
+              <a:ln>
+                <a:noFill/>
+              </a:ln>
+              <a:extLst>
+                <a:ext uri="{91240B29-F687-4f45-9708-019B960494DF}">
+                  <a14:hiddenLine xmlns="" xmlns:a16="http://schemas.microsoft.com/office/drawing/2014/main" xmlns:p14="http://schemas.microsoft.com/office/powerpoint/2010/main" xmlns:a14="http://schemas.microsoft.com/office/drawing/2010/main" w="9525">
+                    <a:solidFill>
+                      <a:srgbClr val="000000"/>
+                    </a:solidFill>
+                    <a:round/>
+                    <a:headEnd/>
+                    <a:tailEnd/>
+                  </a14:hiddenLine>
+                </a:ext>
+              </a:extLst>
+            </p:spPr>
+          </p:sp>
+          <p:sp>
+            <p:nvSpPr>
+              <p:cNvPr id="147" name="Freeform 30">
+                <a:extLst>
+                  <a:ext uri="{FF2B5EF4-FFF2-40B4-BE49-F238E27FC236}">
+                    <a16:creationId xmlns:a16="http://schemas.microsoft.com/office/drawing/2014/main" id="{078883C7-EB52-4BB7-A9A7-F8C046A8331D}"/>
+                  </a:ext>
+                  <a:ext uri="{C183D7F6-B498-43B3-948B-1728B52AA6E4}">
+                    <adec:decorative xmlns:adec="http://schemas.microsoft.com/office/drawing/2017/decorative" val="1"/>
+                  </a:ext>
+                </a:extLst>
+              </p:cNvPr>
+              <p:cNvSpPr/>
+              <p:nvPr>
+                <p:extLst>
+                  <p:ext uri="{386F3935-93C4-4BCD-93E2-E3B085C9AB24}">
+                    <p16:designElem xmlns:p16="http://schemas.microsoft.com/office/powerpoint/2015/main" val="1"/>
+                  </p:ext>
+                </p:extLst>
+              </p:nvPr>
+            </p:nvSpPr>
+            <p:spPr bwMode="auto">
+              <a:xfrm>
+                <a:off x="669925" y="6330950"/>
+                <a:ext cx="417513" cy="517525"/>
+              </a:xfrm>
+              <a:custGeom>
+                <a:avLst/>
+                <a:gdLst/>
+                <a:ahLst/>
+                <a:cxnLst/>
+                <a:rect l="0" t="0" r="r" b="b"/>
+                <a:pathLst>
+                  <a:path w="263" h="326">
+                    <a:moveTo>
+                      <a:pt x="15" y="326"/>
+                    </a:moveTo>
+                    <a:lnTo>
+                      <a:pt x="0" y="320"/>
+                    </a:lnTo>
+                    <a:lnTo>
+                      <a:pt x="45" y="206"/>
+                    </a:lnTo>
+                    <a:lnTo>
+                      <a:pt x="48" y="206"/>
+                    </a:lnTo>
+                    <a:lnTo>
+                      <a:pt x="254" y="0"/>
+                    </a:lnTo>
+                    <a:lnTo>
+                      <a:pt x="263" y="12"/>
+                    </a:lnTo>
+                    <a:lnTo>
+                      <a:pt x="60" y="215"/>
+                    </a:lnTo>
+                    <a:lnTo>
+                      <a:pt x="15" y="326"/>
+                    </a:lnTo>
+                    <a:close/>
+                  </a:path>
+                </a:pathLst>
+              </a:custGeom>
+              <a:grpFill/>
+              <a:ln>
+                <a:noFill/>
+              </a:ln>
+              <a:extLst>
+                <a:ext uri="{91240B29-F687-4f45-9708-019B960494DF}">
+                  <a14:hiddenLine xmlns="" xmlns:a16="http://schemas.microsoft.com/office/drawing/2014/main" xmlns:p14="http://schemas.microsoft.com/office/powerpoint/2010/main" xmlns:a14="http://schemas.microsoft.com/office/drawing/2010/main" w="9525">
+                    <a:solidFill>
+                      <a:srgbClr val="000000"/>
+                    </a:solidFill>
+                    <a:round/>
+                    <a:headEnd/>
+                    <a:tailEnd/>
+                  </a14:hiddenLine>
+                </a:ext>
+              </a:extLst>
+            </p:spPr>
+          </p:sp>
+          <p:sp>
+            <p:nvSpPr>
+              <p:cNvPr id="148" name="Freeform 31">
+                <a:extLst>
+                  <a:ext uri="{FF2B5EF4-FFF2-40B4-BE49-F238E27FC236}">
+                    <a16:creationId xmlns:a16="http://schemas.microsoft.com/office/drawing/2014/main" id="{63CCBBF8-5972-4ED3-AB5B-46DC425B1772}"/>
+                  </a:ext>
+                  <a:ext uri="{C183D7F6-B498-43B3-948B-1728B52AA6E4}">
+                    <adec:decorative xmlns:adec="http://schemas.microsoft.com/office/drawing/2017/decorative" val="1"/>
+                  </a:ext>
+                </a:extLst>
+              </p:cNvPr>
+              <p:cNvSpPr>
+                <a:spLocks noEditPoints="1"/>
+              </p:cNvSpPr>
+              <p:nvPr>
+                <p:extLst>
+                  <p:ext uri="{386F3935-93C4-4BCD-93E2-E3B085C9AB24}">
+                    <p16:designElem xmlns:p16="http://schemas.microsoft.com/office/powerpoint/2015/main" val="1"/>
+                  </p:ext>
+                </p:extLst>
+              </p:nvPr>
+            </p:nvSpPr>
+            <p:spPr bwMode="auto">
+              <a:xfrm>
+                <a:off x="1049337" y="6221413"/>
+                <a:ext cx="157163" cy="147638"/>
+              </a:xfrm>
+              <a:custGeom>
+                <a:avLst/>
+                <a:gdLst/>
+                <a:ahLst/>
+                <a:cxnLst/>
+                <a:rect l="0" t="0" r="r" b="b"/>
+                <a:pathLst>
+                  <a:path w="33" h="31">
+                    <a:moveTo>
+                      <a:pt x="16" y="31"/>
+                    </a:moveTo>
+                    <a:cubicBezTo>
+                      <a:pt x="12" y="31"/>
+                      <a:pt x="8" y="29"/>
+                      <a:pt x="5" y="26"/>
+                    </a:cubicBezTo>
+                    <a:cubicBezTo>
+                      <a:pt x="2" y="24"/>
+                      <a:pt x="0" y="20"/>
+                      <a:pt x="0" y="15"/>
+                    </a:cubicBezTo>
+                    <a:cubicBezTo>
+                      <a:pt x="0" y="11"/>
+                      <a:pt x="2" y="7"/>
+                      <a:pt x="5" y="4"/>
+                    </a:cubicBezTo>
+                    <a:cubicBezTo>
+                      <a:pt x="8" y="1"/>
+                      <a:pt x="12" y="0"/>
+                      <a:pt x="16" y="0"/>
+                    </a:cubicBezTo>
+                    <a:cubicBezTo>
+                      <a:pt x="20" y="0"/>
+                      <a:pt x="24" y="1"/>
+                      <a:pt x="27" y="4"/>
+                    </a:cubicBezTo>
+                    <a:cubicBezTo>
+                      <a:pt x="33" y="10"/>
+                      <a:pt x="33" y="20"/>
+                      <a:pt x="27" y="26"/>
+                    </a:cubicBezTo>
+                    <a:cubicBezTo>
+                      <a:pt x="24" y="29"/>
+                      <a:pt x="20" y="31"/>
+                      <a:pt x="16" y="31"/>
+                    </a:cubicBezTo>
+                    <a:close/>
+                    <a:moveTo>
+                      <a:pt x="16" y="4"/>
+                    </a:moveTo>
+                    <a:cubicBezTo>
+                      <a:pt x="13" y="4"/>
+                      <a:pt x="10" y="5"/>
+                      <a:pt x="8" y="7"/>
+                    </a:cubicBezTo>
+                    <a:cubicBezTo>
+                      <a:pt x="6" y="9"/>
+                      <a:pt x="4" y="12"/>
+                      <a:pt x="4" y="15"/>
+                    </a:cubicBezTo>
+                    <a:cubicBezTo>
+                      <a:pt x="4" y="19"/>
+                      <a:pt x="6" y="21"/>
+                      <a:pt x="8" y="24"/>
+                    </a:cubicBezTo>
+                    <a:cubicBezTo>
+                      <a:pt x="10" y="26"/>
+                      <a:pt x="13" y="27"/>
+                      <a:pt x="16" y="27"/>
+                    </a:cubicBezTo>
+                    <a:cubicBezTo>
+                      <a:pt x="19" y="27"/>
+                      <a:pt x="22" y="26"/>
+                      <a:pt x="24" y="24"/>
+                    </a:cubicBezTo>
+                    <a:cubicBezTo>
+                      <a:pt x="29" y="19"/>
+                      <a:pt x="29" y="12"/>
+                      <a:pt x="24" y="7"/>
+                    </a:cubicBezTo>
+                    <a:cubicBezTo>
+                      <a:pt x="22" y="5"/>
+                      <a:pt x="19" y="4"/>
+                      <a:pt x="16" y="4"/>
+                    </a:cubicBezTo>
+                    <a:close/>
+                  </a:path>
+                </a:pathLst>
+              </a:custGeom>
+              <a:grpFill/>
+              <a:ln>
+                <a:noFill/>
+              </a:ln>
+              <a:extLst>
+                <a:ext uri="{91240B29-F687-4f45-9708-019B960494DF}">
+                  <a14:hiddenLine xmlns="" xmlns:a16="http://schemas.microsoft.com/office/drawing/2014/main" xmlns:p14="http://schemas.microsoft.com/office/powerpoint/2010/main" xmlns:a14="http://schemas.microsoft.com/office/drawing/2010/main" w="9525">
+                    <a:solidFill>
+                      <a:srgbClr val="000000"/>
+                    </a:solidFill>
+                    <a:round/>
+                    <a:headEnd/>
+                    <a:tailEnd/>
+                  </a14:hiddenLine>
+                </a:ext>
+              </a:extLst>
+            </p:spPr>
+          </p:sp>
+        </p:grpSp>
+        <p:grpSp>
+          <p:nvGrpSpPr>
+            <p:cNvPr id="111" name="Group 110">
+              <a:extLst>
+                <a:ext uri="{FF2B5EF4-FFF2-40B4-BE49-F238E27FC236}">
+                  <a16:creationId xmlns:a16="http://schemas.microsoft.com/office/drawing/2014/main" id="{A8C19883-37FB-437C-A3AA-89AA6239D3A9}"/>
+                </a:ext>
+                <a:ext uri="{C183D7F6-B498-43B3-948B-1728B52AA6E4}">
+                  <adec:decorative xmlns:adec="http://schemas.microsoft.com/office/drawing/2017/decorative" val="1"/>
+                </a:ext>
+              </a:extLst>
+            </p:cNvPr>
+            <p:cNvGrpSpPr/>
+            <p:nvPr>
+              <p:extLst>
+                <p:ext uri="{386F3935-93C4-4BCD-93E2-E3B085C9AB24}">
+                  <p16:designElem xmlns:p16="http://schemas.microsoft.com/office/powerpoint/2015/main" val="1"/>
+                </p:ext>
+              </p:extLst>
+            </p:nvPr>
+          </p:nvGrpSpPr>
+          <p:grpSpPr>
+            <a:xfrm>
+              <a:off x="11364912" y="0"/>
+              <a:ext cx="674688" cy="6848476"/>
+              <a:chOff x="11364912" y="0"/>
+              <a:chExt cx="674688" cy="6848476"/>
+            </a:xfrm>
+            <a:gradFill flip="none" rotWithShape="1">
+              <a:gsLst>
+                <a:gs pos="0">
+                  <a:schemeClr val="tx2">
+                    <a:alpha val="80000"/>
+                  </a:schemeClr>
+                </a:gs>
+                <a:gs pos="100000">
+                  <a:schemeClr val="bg2">
+                    <a:lumMod val="60000"/>
+                    <a:lumOff val="40000"/>
+                    <a:alpha val="60000"/>
+                  </a:schemeClr>
+                </a:gs>
+              </a:gsLst>
+              <a:lin ang="5400000" scaled="0"/>
+              <a:tileRect/>
+            </a:gradFill>
+          </p:grpSpPr>
+          <p:sp>
+            <p:nvSpPr>
+              <p:cNvPr id="112" name="Freeform 32">
+                <a:extLst>
+                  <a:ext uri="{FF2B5EF4-FFF2-40B4-BE49-F238E27FC236}">
+                    <a16:creationId xmlns:a16="http://schemas.microsoft.com/office/drawing/2014/main" id="{AF1753DD-4CEF-45EC-B952-90EA8895D7CB}"/>
+                  </a:ext>
+                  <a:ext uri="{C183D7F6-B498-43B3-948B-1728B52AA6E4}">
+                    <adec:decorative xmlns:adec="http://schemas.microsoft.com/office/drawing/2017/decorative" val="1"/>
+                  </a:ext>
+                </a:extLst>
+              </p:cNvPr>
+              <p:cNvSpPr/>
+              <p:nvPr>
+                <p:extLst>
+                  <p:ext uri="{386F3935-93C4-4BCD-93E2-E3B085C9AB24}">
+                    <p16:designElem xmlns:p16="http://schemas.microsoft.com/office/powerpoint/2015/main" val="1"/>
+                  </p:ext>
+                </p:extLst>
+              </p:nvPr>
+            </p:nvSpPr>
+            <p:spPr bwMode="auto">
+              <a:xfrm>
+                <a:off x="11483975" y="0"/>
+                <a:ext cx="417513" cy="512763"/>
+              </a:xfrm>
+              <a:custGeom>
+                <a:avLst/>
+                <a:gdLst/>
+                <a:ahLst/>
+                <a:cxnLst/>
+                <a:rect l="0" t="0" r="r" b="b"/>
+                <a:pathLst>
+                  <a:path w="263" h="323">
+                    <a:moveTo>
+                      <a:pt x="12" y="323"/>
+                    </a:moveTo>
+                    <a:lnTo>
+                      <a:pt x="0" y="314"/>
+                    </a:lnTo>
+                    <a:lnTo>
+                      <a:pt x="203" y="108"/>
+                    </a:lnTo>
+                    <a:lnTo>
+                      <a:pt x="248" y="0"/>
+                    </a:lnTo>
+                    <a:lnTo>
+                      <a:pt x="263" y="6"/>
+                    </a:lnTo>
+                    <a:lnTo>
+                      <a:pt x="218" y="117"/>
+                    </a:lnTo>
+                    <a:lnTo>
+                      <a:pt x="218" y="117"/>
+                    </a:lnTo>
+                    <a:lnTo>
+                      <a:pt x="12" y="323"/>
+                    </a:lnTo>
+                    <a:close/>
+                  </a:path>
+                </a:pathLst>
+              </a:custGeom>
+              <a:grpFill/>
+              <a:ln>
+                <a:noFill/>
+              </a:ln>
+              <a:extLst>
+                <a:ext uri="{91240B29-F687-4f45-9708-019B960494DF}">
+                  <a14:hiddenLine xmlns="" xmlns:a16="http://schemas.microsoft.com/office/drawing/2014/main" xmlns:p14="http://schemas.microsoft.com/office/powerpoint/2010/main" xmlns:a14="http://schemas.microsoft.com/office/drawing/2010/main" w="9525">
+                    <a:solidFill>
+                      <a:srgbClr val="000000"/>
+                    </a:solidFill>
+                    <a:round/>
+                    <a:headEnd/>
+                    <a:tailEnd/>
+                  </a14:hiddenLine>
+                </a:ext>
+              </a:extLst>
+            </p:spPr>
+          </p:sp>
+          <p:sp>
+            <p:nvSpPr>
+              <p:cNvPr id="113" name="Freeform 33">
+                <a:extLst>
+                  <a:ext uri="{FF2B5EF4-FFF2-40B4-BE49-F238E27FC236}">
+                    <a16:creationId xmlns:a16="http://schemas.microsoft.com/office/drawing/2014/main" id="{5B9356DB-C1BE-4D76-8FA7-4FBAA12D1D33}"/>
+                  </a:ext>
+                  <a:ext uri="{C183D7F6-B498-43B3-948B-1728B52AA6E4}">
+                    <adec:decorative xmlns:adec="http://schemas.microsoft.com/office/drawing/2017/decorative" val="1"/>
+                  </a:ext>
+                </a:extLst>
+              </p:cNvPr>
+              <p:cNvSpPr>
+                <a:spLocks noEditPoints="1"/>
+              </p:cNvSpPr>
+              <p:nvPr>
+                <p:extLst>
+                  <p:ext uri="{386F3935-93C4-4BCD-93E2-E3B085C9AB24}">
+                    <p16:designElem xmlns:p16="http://schemas.microsoft.com/office/powerpoint/2015/main" val="1"/>
+                  </p:ext>
+                </p:extLst>
+              </p:nvPr>
+            </p:nvSpPr>
+            <p:spPr bwMode="auto">
+              <a:xfrm>
+                <a:off x="11364912" y="474663"/>
+                <a:ext cx="157163" cy="152400"/>
+              </a:xfrm>
+              <a:custGeom>
+                <a:avLst/>
+                <a:gdLst/>
+                <a:ahLst/>
+                <a:cxnLst/>
+                <a:rect l="0" t="0" r="r" b="b"/>
+                <a:pathLst>
+                  <a:path w="33" h="32">
+                    <a:moveTo>
+                      <a:pt x="17" y="32"/>
+                    </a:moveTo>
+                    <a:cubicBezTo>
+                      <a:pt x="13" y="32"/>
+                      <a:pt x="9" y="30"/>
+                      <a:pt x="6" y="27"/>
+                    </a:cubicBezTo>
+                    <a:cubicBezTo>
+                      <a:pt x="0" y="21"/>
+                      <a:pt x="0" y="11"/>
+                      <a:pt x="6" y="5"/>
+                    </a:cubicBezTo>
+                    <a:cubicBezTo>
+                      <a:pt x="9" y="2"/>
+                      <a:pt x="13" y="0"/>
+                      <a:pt x="17" y="0"/>
+                    </a:cubicBezTo>
+                    <a:cubicBezTo>
+                      <a:pt x="21" y="0"/>
+                      <a:pt x="25" y="2"/>
+                      <a:pt x="28" y="5"/>
+                    </a:cubicBezTo>
+                    <a:cubicBezTo>
+                      <a:pt x="31" y="8"/>
+                      <a:pt x="33" y="12"/>
+                      <a:pt x="33" y="16"/>
+                    </a:cubicBezTo>
+                    <a:cubicBezTo>
+                      <a:pt x="33" y="20"/>
+                      <a:pt x="31" y="24"/>
+                      <a:pt x="28" y="27"/>
+                    </a:cubicBezTo>
+                    <a:cubicBezTo>
+                      <a:pt x="25" y="30"/>
+                      <a:pt x="21" y="32"/>
+                      <a:pt x="17" y="32"/>
+                    </a:cubicBezTo>
+                    <a:close/>
+                    <a:moveTo>
+                      <a:pt x="17" y="4"/>
+                    </a:moveTo>
+                    <a:cubicBezTo>
+                      <a:pt x="14" y="4"/>
+                      <a:pt x="11" y="6"/>
+                      <a:pt x="9" y="8"/>
+                    </a:cubicBezTo>
+                    <a:cubicBezTo>
+                      <a:pt x="4" y="12"/>
+                      <a:pt x="4" y="20"/>
+                      <a:pt x="9" y="24"/>
+                    </a:cubicBezTo>
+                    <a:cubicBezTo>
+                      <a:pt x="11" y="27"/>
+                      <a:pt x="14" y="28"/>
+                      <a:pt x="17" y="28"/>
+                    </a:cubicBezTo>
+                    <a:cubicBezTo>
+                      <a:pt x="20" y="28"/>
+                      <a:pt x="23" y="27"/>
+                      <a:pt x="26" y="24"/>
+                    </a:cubicBezTo>
+                    <a:cubicBezTo>
+                      <a:pt x="30" y="20"/>
+                      <a:pt x="30" y="12"/>
+                      <a:pt x="26" y="8"/>
+                    </a:cubicBezTo>
+                    <a:cubicBezTo>
+                      <a:pt x="23" y="6"/>
+                      <a:pt x="20" y="4"/>
+                      <a:pt x="17" y="4"/>
+                    </a:cubicBezTo>
+                    <a:close/>
+                  </a:path>
+                </a:pathLst>
+              </a:custGeom>
+              <a:grpFill/>
+              <a:ln>
+                <a:noFill/>
+              </a:ln>
+              <a:extLst>
+                <a:ext uri="{91240B29-F687-4f45-9708-019B960494DF}">
+                  <a14:hiddenLine xmlns="" xmlns:a16="http://schemas.microsoft.com/office/drawing/2014/main" xmlns:p14="http://schemas.microsoft.com/office/powerpoint/2010/main" xmlns:a14="http://schemas.microsoft.com/office/drawing/2010/main" w="9525">
+                    <a:solidFill>
+                      <a:srgbClr val="000000"/>
+                    </a:solidFill>
+                    <a:round/>
+                    <a:headEnd/>
+                    <a:tailEnd/>
+                  </a14:hiddenLine>
+                </a:ext>
+              </a:extLst>
+            </p:spPr>
+          </p:sp>
+          <p:sp>
+            <p:nvSpPr>
+              <p:cNvPr id="114" name="Freeform 34">
+                <a:extLst>
+                  <a:ext uri="{FF2B5EF4-FFF2-40B4-BE49-F238E27FC236}">
+                    <a16:creationId xmlns:a16="http://schemas.microsoft.com/office/drawing/2014/main" id="{C4F59561-572D-42BA-A6FD-F3AFA1A394DD}"/>
+                  </a:ext>
+                  <a:ext uri="{C183D7F6-B498-43B3-948B-1728B52AA6E4}">
+                    <adec:decorative xmlns:adec="http://schemas.microsoft.com/office/drawing/2017/decorative" val="1"/>
+                  </a:ext>
+                </a:extLst>
+              </p:cNvPr>
+              <p:cNvSpPr>
+                <a:spLocks noEditPoints="1"/>
+              </p:cNvSpPr>
+              <p:nvPr>
+                <p:extLst>
+                  <p:ext uri="{386F3935-93C4-4BCD-93E2-E3B085C9AB24}">
+                    <p16:designElem xmlns:p16="http://schemas.microsoft.com/office/powerpoint/2015/main" val="1"/>
+                  </p:ext>
+                </p:extLst>
+              </p:nvPr>
+            </p:nvSpPr>
+            <p:spPr bwMode="auto">
+              <a:xfrm>
+                <a:off x="11631612" y="1539875"/>
+                <a:ext cx="188913" cy="190500"/>
+              </a:xfrm>
+              <a:custGeom>
+                <a:avLst/>
+                <a:gdLst/>
+                <a:ahLst/>
+                <a:cxnLst/>
+                <a:rect l="0" t="0" r="r" b="b"/>
+                <a:pathLst>
+                  <a:path w="40" h="40">
+                    <a:moveTo>
+                      <a:pt x="20" y="40"/>
+                    </a:moveTo>
+                    <a:cubicBezTo>
+                      <a:pt x="9" y="40"/>
+                      <a:pt x="0" y="31"/>
+                      <a:pt x="0" y="20"/>
+                    </a:cubicBezTo>
+                    <a:cubicBezTo>
+                      <a:pt x="0" y="9"/>
+                      <a:pt x="9" y="0"/>
+                      <a:pt x="20" y="0"/>
+                    </a:cubicBezTo>
+                    <a:cubicBezTo>
+                      <a:pt x="31" y="0"/>
+                      <a:pt x="40" y="9"/>
+                      <a:pt x="40" y="20"/>
+                    </a:cubicBezTo>
+                    <a:cubicBezTo>
+                      <a:pt x="40" y="31"/>
+                      <a:pt x="31" y="40"/>
+                      <a:pt x="20" y="40"/>
+                    </a:cubicBezTo>
+                    <a:close/>
+                    <a:moveTo>
+                      <a:pt x="20" y="4"/>
+                    </a:moveTo>
+                    <a:cubicBezTo>
+                      <a:pt x="11" y="4"/>
+                      <a:pt x="4" y="11"/>
+                      <a:pt x="4" y="20"/>
+                    </a:cubicBezTo>
+                    <a:cubicBezTo>
+                      <a:pt x="4" y="29"/>
+                      <a:pt x="11" y="36"/>
+                      <a:pt x="20" y="36"/>
+                    </a:cubicBezTo>
+                    <a:cubicBezTo>
+                      <a:pt x="29" y="36"/>
+                      <a:pt x="36" y="29"/>
+                      <a:pt x="36" y="20"/>
+                    </a:cubicBezTo>
+                    <a:cubicBezTo>
+                      <a:pt x="36" y="11"/>
+                      <a:pt x="29" y="4"/>
+                      <a:pt x="20" y="4"/>
+                    </a:cubicBezTo>
+                    <a:close/>
+                  </a:path>
+                </a:pathLst>
+              </a:custGeom>
+              <a:grpFill/>
+              <a:ln>
+                <a:noFill/>
+              </a:ln>
+              <a:extLst>
+                <a:ext uri="{91240B29-F687-4f45-9708-019B960494DF}">
+                  <a14:hiddenLine xmlns="" xmlns:a16="http://schemas.microsoft.com/office/drawing/2014/main" xmlns:p14="http://schemas.microsoft.com/office/powerpoint/2010/main" xmlns:a14="http://schemas.microsoft.com/office/drawing/2010/main" w="9525">
+                    <a:solidFill>
+                      <a:srgbClr val="000000"/>
+                    </a:solidFill>
+                    <a:round/>
+                    <a:headEnd/>
+                    <a:tailEnd/>
+                  </a14:hiddenLine>
+                </a:ext>
+              </a:extLst>
+            </p:spPr>
+          </p:sp>
+          <p:sp>
+            <p:nvSpPr>
+              <p:cNvPr id="115" name="Freeform 35">
+                <a:extLst>
+                  <a:ext uri="{FF2B5EF4-FFF2-40B4-BE49-F238E27FC236}">
+                    <a16:creationId xmlns:a16="http://schemas.microsoft.com/office/drawing/2014/main" id="{BB7A51A1-D509-4494-BAE2-1B96CAD4DB37}"/>
+                  </a:ext>
+                  <a:ext uri="{C183D7F6-B498-43B3-948B-1728B52AA6E4}">
+                    <adec:decorative xmlns:adec="http://schemas.microsoft.com/office/drawing/2017/decorative" val="1"/>
+                  </a:ext>
+                </a:extLst>
+              </p:cNvPr>
+              <p:cNvSpPr/>
+              <p:nvPr>
+                <p:extLst>
+                  <p:ext uri="{386F3935-93C4-4BCD-93E2-E3B085C9AB24}">
+                    <p16:designElem xmlns:p16="http://schemas.microsoft.com/office/powerpoint/2015/main" val="1"/>
+                  </p:ext>
+                </p:extLst>
+              </p:nvPr>
+            </p:nvSpPr>
+            <p:spPr bwMode="auto">
+              <a:xfrm>
+                <a:off x="11531600" y="5694363"/>
+                <a:ext cx="298450" cy="1154113"/>
+              </a:xfrm>
+              <a:custGeom>
+                <a:avLst/>
+                <a:gdLst/>
+                <a:ahLst/>
+                <a:cxnLst/>
+                <a:rect l="0" t="0" r="r" b="b"/>
+                <a:pathLst>
+                  <a:path w="188" h="727">
+                    <a:moveTo>
+                      <a:pt x="15" y="727"/>
+                    </a:moveTo>
+                    <a:lnTo>
+                      <a:pt x="0" y="727"/>
+                    </a:lnTo>
+                    <a:lnTo>
+                      <a:pt x="0" y="407"/>
+                    </a:lnTo>
+                    <a:lnTo>
+                      <a:pt x="0" y="407"/>
+                    </a:lnTo>
+                    <a:lnTo>
+                      <a:pt x="176" y="0"/>
+                    </a:lnTo>
+                    <a:lnTo>
+                      <a:pt x="188" y="6"/>
+                    </a:lnTo>
+                    <a:lnTo>
+                      <a:pt x="15" y="410"/>
+                    </a:lnTo>
+                    <a:lnTo>
+                      <a:pt x="15" y="727"/>
+                    </a:lnTo>
+                    <a:close/>
+                  </a:path>
+                </a:pathLst>
+              </a:custGeom>
+              <a:grpFill/>
+              <a:ln>
+                <a:noFill/>
+              </a:ln>
+              <a:extLst>
+                <a:ext uri="{91240B29-F687-4f45-9708-019B960494DF}">
+                  <a14:hiddenLine xmlns="" xmlns:a16="http://schemas.microsoft.com/office/drawing/2014/main" xmlns:p14="http://schemas.microsoft.com/office/powerpoint/2010/main" xmlns:a14="http://schemas.microsoft.com/office/drawing/2010/main" w="9525">
+                    <a:solidFill>
+                      <a:srgbClr val="000000"/>
+                    </a:solidFill>
+                    <a:round/>
+                    <a:headEnd/>
+                    <a:tailEnd/>
+                  </a14:hiddenLine>
+                </a:ext>
+              </a:extLst>
+            </p:spPr>
+          </p:sp>
+          <p:sp>
+            <p:nvSpPr>
+              <p:cNvPr id="116" name="Freeform 36">
+                <a:extLst>
+                  <a:ext uri="{FF2B5EF4-FFF2-40B4-BE49-F238E27FC236}">
+                    <a16:creationId xmlns:a16="http://schemas.microsoft.com/office/drawing/2014/main" id="{D3FE0B5A-55DE-4E56-8E9B-B92D1DB9A894}"/>
+                  </a:ext>
+                  <a:ext uri="{C183D7F6-B498-43B3-948B-1728B52AA6E4}">
+                    <adec:decorative xmlns:adec="http://schemas.microsoft.com/office/drawing/2017/decorative" val="1"/>
+                  </a:ext>
+                </a:extLst>
+              </p:cNvPr>
+              <p:cNvSpPr>
+                <a:spLocks noEditPoints="1"/>
+              </p:cNvSpPr>
+              <p:nvPr>
+                <p:extLst>
+                  <p:ext uri="{386F3935-93C4-4BCD-93E2-E3B085C9AB24}">
+                    <p16:designElem xmlns:p16="http://schemas.microsoft.com/office/powerpoint/2015/main" val="1"/>
+                  </p:ext>
+                </p:extLst>
+              </p:nvPr>
+            </p:nvSpPr>
+            <p:spPr bwMode="auto">
+              <a:xfrm>
+                <a:off x="11772900" y="5551488"/>
+                <a:ext cx="157163" cy="155575"/>
+              </a:xfrm>
+              <a:custGeom>
+                <a:avLst/>
+                <a:gdLst/>
+                <a:ahLst/>
+                <a:cxnLst/>
+                <a:rect l="0" t="0" r="r" b="b"/>
+                <a:pathLst>
+                  <a:path w="33" h="33">
+                    <a:moveTo>
+                      <a:pt x="17" y="33"/>
+                    </a:moveTo>
+                    <a:cubicBezTo>
+                      <a:pt x="8" y="33"/>
+                      <a:pt x="0" y="25"/>
+                      <a:pt x="0" y="16"/>
+                    </a:cubicBezTo>
+                    <a:cubicBezTo>
+                      <a:pt x="0" y="7"/>
+                      <a:pt x="8" y="0"/>
+                      <a:pt x="17" y="0"/>
+                    </a:cubicBezTo>
+                    <a:cubicBezTo>
+                      <a:pt x="26" y="0"/>
+                      <a:pt x="33" y="7"/>
+                      <a:pt x="33" y="16"/>
+                    </a:cubicBezTo>
+                    <a:cubicBezTo>
+                      <a:pt x="33" y="25"/>
+                      <a:pt x="26" y="33"/>
+                      <a:pt x="17" y="33"/>
+                    </a:cubicBezTo>
+                    <a:close/>
+                    <a:moveTo>
+                      <a:pt x="17" y="4"/>
+                    </a:moveTo>
+                    <a:cubicBezTo>
+                      <a:pt x="10" y="4"/>
+                      <a:pt x="4" y="9"/>
+                      <a:pt x="4" y="16"/>
+                    </a:cubicBezTo>
+                    <a:cubicBezTo>
+                      <a:pt x="4" y="23"/>
+                      <a:pt x="10" y="29"/>
+                      <a:pt x="17" y="29"/>
+                    </a:cubicBezTo>
+                    <a:cubicBezTo>
+                      <a:pt x="23" y="29"/>
+                      <a:pt x="29" y="23"/>
+                      <a:pt x="29" y="16"/>
+                    </a:cubicBezTo>
+                    <a:cubicBezTo>
+                      <a:pt x="29" y="9"/>
+                      <a:pt x="23" y="4"/>
+                      <a:pt x="17" y="4"/>
+                    </a:cubicBezTo>
+                    <a:close/>
+                  </a:path>
+                </a:pathLst>
+              </a:custGeom>
+              <a:grpFill/>
+              <a:ln>
+                <a:noFill/>
+              </a:ln>
+              <a:extLst>
+                <a:ext uri="{91240B29-F687-4f45-9708-019B960494DF}">
+                  <a14:hiddenLine xmlns="" xmlns:a16="http://schemas.microsoft.com/office/drawing/2014/main" xmlns:p14="http://schemas.microsoft.com/office/powerpoint/2010/main" xmlns:a14="http://schemas.microsoft.com/office/drawing/2010/main" w="9525">
+                    <a:solidFill>
+                      <a:srgbClr val="000000"/>
+                    </a:solidFill>
+                    <a:round/>
+                    <a:headEnd/>
+                    <a:tailEnd/>
+                  </a14:hiddenLine>
+                </a:ext>
+              </a:extLst>
+            </p:spPr>
+          </p:sp>
+          <p:sp>
+            <p:nvSpPr>
+              <p:cNvPr id="117" name="Freeform 37">
+                <a:extLst>
+                  <a:ext uri="{FF2B5EF4-FFF2-40B4-BE49-F238E27FC236}">
+                    <a16:creationId xmlns:a16="http://schemas.microsoft.com/office/drawing/2014/main" id="{F125661C-3A0E-4B6E-B2AB-1B08C8925175}"/>
+                  </a:ext>
+                  <a:ext uri="{C183D7F6-B498-43B3-948B-1728B52AA6E4}">
+                    <adec:decorative xmlns:adec="http://schemas.microsoft.com/office/drawing/2017/decorative" val="1"/>
+                  </a:ext>
+                </a:extLst>
+              </p:cNvPr>
+              <p:cNvSpPr/>
+              <p:nvPr>
+                <p:extLst>
+                  <p:ext uri="{386F3935-93C4-4BCD-93E2-E3B085C9AB24}">
+                    <p16:designElem xmlns:p16="http://schemas.microsoft.com/office/powerpoint/2015/main" val="1"/>
+                  </p:ext>
+                </p:extLst>
+              </p:nvPr>
+            </p:nvSpPr>
+            <p:spPr bwMode="auto">
+              <a:xfrm>
+                <a:off x="11710987" y="4763"/>
+                <a:ext cx="304800" cy="1544638"/>
+              </a:xfrm>
+              <a:custGeom>
+                <a:avLst/>
+                <a:gdLst/>
+                <a:ahLst/>
+                <a:cxnLst/>
+                <a:rect l="0" t="0" r="r" b="b"/>
+                <a:pathLst>
+                  <a:path w="192" h="973">
+                    <a:moveTo>
+                      <a:pt x="15" y="973"/>
+                    </a:moveTo>
+                    <a:lnTo>
+                      <a:pt x="0" y="973"/>
+                    </a:lnTo>
+                    <a:lnTo>
+                      <a:pt x="0" y="790"/>
+                    </a:lnTo>
+                    <a:lnTo>
+                      <a:pt x="174" y="614"/>
+                    </a:lnTo>
+                    <a:lnTo>
+                      <a:pt x="174" y="0"/>
+                    </a:lnTo>
+                    <a:lnTo>
+                      <a:pt x="192" y="0"/>
+                    </a:lnTo>
+                    <a:lnTo>
+                      <a:pt x="192" y="620"/>
+                    </a:lnTo>
+                    <a:lnTo>
+                      <a:pt x="15" y="796"/>
+                    </a:lnTo>
+                    <a:lnTo>
+                      <a:pt x="15" y="973"/>
+                    </a:lnTo>
+                    <a:close/>
+                  </a:path>
+                </a:pathLst>
+              </a:custGeom>
+              <a:grpFill/>
+              <a:ln>
+                <a:noFill/>
+              </a:ln>
+              <a:extLst>
+                <a:ext uri="{91240B29-F687-4f45-9708-019B960494DF}">
+                  <a14:hiddenLine xmlns="" xmlns:a16="http://schemas.microsoft.com/office/drawing/2014/main" xmlns:p14="http://schemas.microsoft.com/office/powerpoint/2010/main" xmlns:a14="http://schemas.microsoft.com/office/drawing/2010/main" w="9525">
+                    <a:solidFill>
+                      <a:srgbClr val="000000"/>
+                    </a:solidFill>
+                    <a:round/>
+                    <a:headEnd/>
+                    <a:tailEnd/>
+                  </a14:hiddenLine>
+                </a:ext>
+              </a:extLst>
+            </p:spPr>
+          </p:sp>
+          <p:sp>
+            <p:nvSpPr>
+              <p:cNvPr id="118" name="Freeform 38">
+                <a:extLst>
+                  <a:ext uri="{FF2B5EF4-FFF2-40B4-BE49-F238E27FC236}">
+                    <a16:creationId xmlns:a16="http://schemas.microsoft.com/office/drawing/2014/main" id="{39304006-EE77-438A-A0D1-537322356C1F}"/>
+                  </a:ext>
+                  <a:ext uri="{C183D7F6-B498-43B3-948B-1728B52AA6E4}">
+                    <adec:decorative xmlns:adec="http://schemas.microsoft.com/office/drawing/2017/decorative" val="1"/>
+                  </a:ext>
+                </a:extLst>
+              </p:cNvPr>
+              <p:cNvSpPr>
+                <a:spLocks noEditPoints="1"/>
+              </p:cNvSpPr>
+              <p:nvPr>
+                <p:extLst>
+                  <p:ext uri="{386F3935-93C4-4BCD-93E2-E3B085C9AB24}">
+                    <p16:designElem xmlns:p16="http://schemas.microsoft.com/office/powerpoint/2015/main" val="1"/>
+                  </p:ext>
+                </p:extLst>
+              </p:nvPr>
+            </p:nvSpPr>
+            <p:spPr bwMode="auto">
+              <a:xfrm>
+                <a:off x="11636375" y="4867275"/>
+                <a:ext cx="188913" cy="188913"/>
+              </a:xfrm>
+              <a:custGeom>
+                <a:avLst/>
+                <a:gdLst/>
+                <a:ahLst/>
+                <a:cxnLst/>
+                <a:rect l="0" t="0" r="r" b="b"/>
+                <a:pathLst>
+                  <a:path w="40" h="40">
+                    <a:moveTo>
+                      <a:pt x="20" y="40"/>
+                    </a:moveTo>
+                    <a:cubicBezTo>
+                      <a:pt x="9" y="40"/>
+                      <a:pt x="0" y="31"/>
+                      <a:pt x="0" y="20"/>
+                    </a:cubicBezTo>
+                    <a:cubicBezTo>
+                      <a:pt x="0" y="9"/>
+                      <a:pt x="9" y="0"/>
+                      <a:pt x="20" y="0"/>
+                    </a:cubicBezTo>
+                    <a:cubicBezTo>
+                      <a:pt x="31" y="0"/>
+                      <a:pt x="40" y="9"/>
+                      <a:pt x="40" y="20"/>
+                    </a:cubicBezTo>
+                    <a:cubicBezTo>
+                      <a:pt x="40" y="31"/>
+                      <a:pt x="31" y="40"/>
+                      <a:pt x="20" y="40"/>
+                    </a:cubicBezTo>
+                    <a:close/>
+                    <a:moveTo>
+                      <a:pt x="20" y="4"/>
+                    </a:moveTo>
+                    <a:cubicBezTo>
+                      <a:pt x="11" y="4"/>
+                      <a:pt x="4" y="11"/>
+                      <a:pt x="4" y="20"/>
+                    </a:cubicBezTo>
+                    <a:cubicBezTo>
+                      <a:pt x="4" y="29"/>
+                      <a:pt x="11" y="36"/>
+                      <a:pt x="20" y="36"/>
+                    </a:cubicBezTo>
+                    <a:cubicBezTo>
+                      <a:pt x="29" y="36"/>
+                      <a:pt x="36" y="29"/>
+                      <a:pt x="36" y="20"/>
+                    </a:cubicBezTo>
+                    <a:cubicBezTo>
+                      <a:pt x="36" y="11"/>
+                      <a:pt x="29" y="4"/>
+                      <a:pt x="20" y="4"/>
+                    </a:cubicBezTo>
+                    <a:close/>
+                  </a:path>
+                </a:pathLst>
+              </a:custGeom>
+              <a:grpFill/>
+              <a:ln>
+                <a:noFill/>
+              </a:ln>
+              <a:extLst>
+                <a:ext uri="{91240B29-F687-4f45-9708-019B960494DF}">
+                  <a14:hiddenLine xmlns="" xmlns:a16="http://schemas.microsoft.com/office/drawing/2014/main" xmlns:p14="http://schemas.microsoft.com/office/powerpoint/2010/main" xmlns:a14="http://schemas.microsoft.com/office/drawing/2010/main" w="9525">
+                    <a:solidFill>
+                      <a:srgbClr val="000000"/>
+                    </a:solidFill>
+                    <a:round/>
+                    <a:headEnd/>
+                    <a:tailEnd/>
+                  </a14:hiddenLine>
+                </a:ext>
+              </a:extLst>
+            </p:spPr>
+          </p:sp>
+          <p:sp>
+            <p:nvSpPr>
+              <p:cNvPr id="119" name="Freeform 39">
+                <a:extLst>
+                  <a:ext uri="{FF2B5EF4-FFF2-40B4-BE49-F238E27FC236}">
+                    <a16:creationId xmlns:a16="http://schemas.microsoft.com/office/drawing/2014/main" id="{C6031DEB-4109-4049-82CF-DD06483A2CA1}"/>
+                  </a:ext>
+                  <a:ext uri="{C183D7F6-B498-43B3-948B-1728B52AA6E4}">
+                    <adec:decorative xmlns:adec="http://schemas.microsoft.com/office/drawing/2017/decorative" val="1"/>
+                  </a:ext>
+                </a:extLst>
+              </p:cNvPr>
+              <p:cNvSpPr/>
+              <p:nvPr>
+                <p:extLst>
+                  <p:ext uri="{386F3935-93C4-4BCD-93E2-E3B085C9AB24}">
+                    <p16:designElem xmlns:p16="http://schemas.microsoft.com/office/powerpoint/2015/main" val="1"/>
+                  </p:ext>
+                </p:extLst>
+              </p:nvPr>
+            </p:nvSpPr>
+            <p:spPr bwMode="auto">
+              <a:xfrm>
+                <a:off x="11441112" y="5046663"/>
+                <a:ext cx="307975" cy="1801813"/>
+              </a:xfrm>
+              <a:custGeom>
+                <a:avLst/>
+                <a:gdLst/>
+                <a:ahLst/>
+                <a:cxnLst/>
+                <a:rect l="0" t="0" r="r" b="b"/>
+                <a:pathLst>
+                  <a:path w="194" h="1135">
+                    <a:moveTo>
+                      <a:pt x="18" y="1135"/>
+                    </a:moveTo>
+                    <a:lnTo>
+                      <a:pt x="0" y="1135"/>
+                    </a:lnTo>
+                    <a:lnTo>
+                      <a:pt x="0" y="354"/>
+                    </a:lnTo>
+                    <a:lnTo>
+                      <a:pt x="176" y="177"/>
+                    </a:lnTo>
+                    <a:lnTo>
+                      <a:pt x="176" y="0"/>
+                    </a:lnTo>
+                    <a:lnTo>
+                      <a:pt x="194" y="0"/>
+                    </a:lnTo>
+                    <a:lnTo>
+                      <a:pt x="194" y="183"/>
+                    </a:lnTo>
+                    <a:lnTo>
+                      <a:pt x="18" y="360"/>
+                    </a:lnTo>
+                    <a:lnTo>
+                      <a:pt x="18" y="1135"/>
+                    </a:lnTo>
+                    <a:close/>
+                  </a:path>
+                </a:pathLst>
+              </a:custGeom>
+              <a:grpFill/>
+              <a:ln>
+                <a:noFill/>
+              </a:ln>
+              <a:extLst>
+                <a:ext uri="{91240B29-F687-4f45-9708-019B960494DF}">
+                  <a14:hiddenLine xmlns="" xmlns:a16="http://schemas.microsoft.com/office/drawing/2014/main" xmlns:p14="http://schemas.microsoft.com/office/powerpoint/2010/main" xmlns:a14="http://schemas.microsoft.com/office/drawing/2010/main" w="9525">
+                    <a:solidFill>
+                      <a:srgbClr val="000000"/>
+                    </a:solidFill>
+                    <a:round/>
+                    <a:headEnd/>
+                    <a:tailEnd/>
+                  </a14:hiddenLine>
+                </a:ext>
+              </a:extLst>
+            </p:spPr>
+          </p:sp>
+          <p:sp>
+            <p:nvSpPr>
+              <p:cNvPr id="120" name="Freeform 40">
+                <a:extLst>
+                  <a:ext uri="{FF2B5EF4-FFF2-40B4-BE49-F238E27FC236}">
+                    <a16:creationId xmlns:a16="http://schemas.microsoft.com/office/drawing/2014/main" id="{65FC2657-18D6-4490-88D6-32E6B1C6FB15}"/>
+                  </a:ext>
+                  <a:ext uri="{C183D7F6-B498-43B3-948B-1728B52AA6E4}">
+                    <adec:decorative xmlns:adec="http://schemas.microsoft.com/office/drawing/2017/decorative" val="1"/>
+                  </a:ext>
+                </a:extLst>
+              </p:cNvPr>
+              <p:cNvSpPr>
+                <a:spLocks noEditPoints="1"/>
+              </p:cNvSpPr>
+              <p:nvPr>
+                <p:extLst>
+                  <p:ext uri="{386F3935-93C4-4BCD-93E2-E3B085C9AB24}">
+                    <p16:designElem xmlns:p16="http://schemas.microsoft.com/office/powerpoint/2015/main" val="1"/>
+                  </p:ext>
+                </p:extLst>
+              </p:nvPr>
+            </p:nvSpPr>
+            <p:spPr bwMode="auto">
+              <a:xfrm>
+                <a:off x="11849100" y="6416675"/>
+                <a:ext cx="190500" cy="188913"/>
+              </a:xfrm>
+              <a:custGeom>
+                <a:avLst/>
+                <a:gdLst/>
+                <a:ahLst/>
+                <a:cxnLst/>
+                <a:rect l="0" t="0" r="r" b="b"/>
+                <a:pathLst>
+                  <a:path w="40" h="40">
+                    <a:moveTo>
+                      <a:pt x="20" y="40"/>
+                    </a:moveTo>
+                    <a:cubicBezTo>
+                      <a:pt x="9" y="40"/>
+                      <a:pt x="0" y="31"/>
+                      <a:pt x="0" y="20"/>
+                    </a:cubicBezTo>
+                    <a:cubicBezTo>
+                      <a:pt x="0" y="9"/>
+                      <a:pt x="9" y="0"/>
+                      <a:pt x="20" y="0"/>
+                    </a:cubicBezTo>
+                    <a:cubicBezTo>
+                      <a:pt x="31" y="0"/>
+                      <a:pt x="40" y="9"/>
+                      <a:pt x="40" y="20"/>
+                    </a:cubicBezTo>
+                    <a:cubicBezTo>
+                      <a:pt x="40" y="31"/>
+                      <a:pt x="31" y="40"/>
+                      <a:pt x="20" y="40"/>
+                    </a:cubicBezTo>
+                    <a:close/>
+                    <a:moveTo>
+                      <a:pt x="20" y="4"/>
+                    </a:moveTo>
+                    <a:cubicBezTo>
+                      <a:pt x="12" y="4"/>
+                      <a:pt x="4" y="11"/>
+                      <a:pt x="4" y="20"/>
+                    </a:cubicBezTo>
+                    <a:cubicBezTo>
+                      <a:pt x="4" y="29"/>
+                      <a:pt x="12" y="36"/>
+                      <a:pt x="20" y="36"/>
+                    </a:cubicBezTo>
+                    <a:cubicBezTo>
+                      <a:pt x="29" y="36"/>
+                      <a:pt x="36" y="29"/>
+                      <a:pt x="36" y="20"/>
+                    </a:cubicBezTo>
+                    <a:cubicBezTo>
+                      <a:pt x="36" y="11"/>
+                      <a:pt x="29" y="4"/>
+                      <a:pt x="20" y="4"/>
+                    </a:cubicBezTo>
+                    <a:close/>
+                  </a:path>
+                </a:pathLst>
+              </a:custGeom>
+              <a:grpFill/>
+              <a:ln>
+                <a:noFill/>
+              </a:ln>
+              <a:extLst>
+                <a:ext uri="{91240B29-F687-4f45-9708-019B960494DF}">
+                  <a14:hiddenLine xmlns="" xmlns:a16="http://schemas.microsoft.com/office/drawing/2014/main" xmlns:p14="http://schemas.microsoft.com/office/powerpoint/2010/main" xmlns:a14="http://schemas.microsoft.com/office/drawing/2010/main" w="9525">
+                    <a:solidFill>
+                      <a:srgbClr val="000000"/>
+                    </a:solidFill>
+                    <a:round/>
+                    <a:headEnd/>
+                    <a:tailEnd/>
+                  </a14:hiddenLine>
+                </a:ext>
+              </a:extLst>
+            </p:spPr>
+          </p:sp>
+          <p:sp>
+            <p:nvSpPr>
+              <p:cNvPr id="121" name="Rectangle 41">
+                <a:extLst>
+                  <a:ext uri="{FF2B5EF4-FFF2-40B4-BE49-F238E27FC236}">
+                    <a16:creationId xmlns:a16="http://schemas.microsoft.com/office/drawing/2014/main" id="{20BEA03B-3EAD-4FA2-BC9D-25A14D635CF6}"/>
+                  </a:ext>
+                  <a:ext uri="{C183D7F6-B498-43B3-948B-1728B52AA6E4}">
+                    <adec:decorative xmlns:adec="http://schemas.microsoft.com/office/drawing/2017/decorative" val="1"/>
+                  </a:ext>
+                </a:extLst>
+              </p:cNvPr>
+              <p:cNvSpPr>
+                <a:spLocks noChangeArrowheads="1"/>
+              </p:cNvSpPr>
+              <p:nvPr>
+                <p:extLst>
+                  <p:ext uri="{386F3935-93C4-4BCD-93E2-E3B085C9AB24}">
+                    <p16:designElem xmlns:p16="http://schemas.microsoft.com/office/powerpoint/2015/main" val="1"/>
+                  </p:ext>
+                </p:extLst>
+              </p:nvPr>
+            </p:nvSpPr>
+            <p:spPr bwMode="auto">
+              <a:xfrm>
+                <a:off x="11939587" y="6596063"/>
+                <a:ext cx="23813" cy="252413"/>
+              </a:xfrm>
+              <a:prstGeom prst="rect">
+                <a:avLst/>
+              </a:prstGeom>
+              <a:grpFill/>
+              <a:ln>
+                <a:noFill/>
+              </a:ln>
+              <a:extLst>
+                <a:ext uri="{91240B29-F687-4f45-9708-019B960494DF}">
+                  <a14:hiddenLine xmlns="" xmlns:a16="http://schemas.microsoft.com/office/drawing/2014/main" xmlns:p14="http://schemas.microsoft.com/office/powerpoint/2010/main" xmlns:a14="http://schemas.microsoft.com/office/drawing/2010/main" w="9525">
+                    <a:solidFill>
+                      <a:srgbClr val="000000"/>
+                    </a:solidFill>
+                    <a:miter lim="800000"/>
+                    <a:headEnd/>
+                    <a:tailEnd/>
+                  </a14:hiddenLine>
+                </a:ext>
+              </a:extLst>
+            </p:spPr>
+          </p:sp>
+        </p:grpSp>
+      </p:grpSp>
+      <p:sp>
+        <p:nvSpPr>
+          <p:cNvPr id="192" name="Rectangle 149">
+            <a:extLst>
+              <a:ext uri="{FF2B5EF4-FFF2-40B4-BE49-F238E27FC236}">
+                <a16:creationId xmlns:a16="http://schemas.microsoft.com/office/drawing/2014/main" id="{3CBA50DB-DBC7-4B6E-B3C1-8FF1EA519791}"/>
+              </a:ext>
+              <a:ext uri="{C183D7F6-B498-43B3-948B-1728B52AA6E4}">
+                <adec:decorative xmlns:adec="http://schemas.microsoft.com/office/drawing/2017/decorative" val="1"/>
+              </a:ext>
+            </a:extLst>
+          </p:cNvPr>
+          <p:cNvSpPr>
+            <a:spLocks noGrp="1" noRot="1" noChangeAspect="1" noMove="1" noResize="1" noEditPoints="1" noAdjustHandles="1" noChangeArrowheads="1" noChangeShapeType="1" noTextEdit="1"/>
+          </p:cNvSpPr>
+          <p:nvPr>
+            <p:extLst>
+              <p:ext uri="{386F3935-93C4-4BCD-93E2-E3B085C9AB24}">
+                <p16:designElem xmlns:p16="http://schemas.microsoft.com/office/powerpoint/2015/main" val="1"/>
+              </p:ext>
+            </p:extLst>
+          </p:nvPr>
+        </p:nvSpPr>
+        <p:spPr>
+          <a:xfrm>
+            <a:off x="0" y="0"/>
+            <a:ext cx="12192000" cy="6858000"/>
+          </a:xfrm>
+          <a:prstGeom prst="rect">
+            <a:avLst/>
+          </a:prstGeom>
+          <a:ln>
+            <a:noFill/>
+          </a:ln>
+        </p:spPr>
+        <p:style>
+          <a:lnRef idx="2">
+            <a:schemeClr val="accent1">
+              <a:shade val="50000"/>
+            </a:schemeClr>
+          </a:lnRef>
+          <a:fillRef idx="1003">
+            <a:schemeClr val="dk2"/>
+          </a:fillRef>
+          <a:effectRef idx="0">
+            <a:schemeClr val="accent1"/>
+          </a:effectRef>
+          <a:fontRef idx="minor">
+            <a:schemeClr val="lt1"/>
+          </a:fontRef>
+        </p:style>
+        <p:txBody>
+          <a:bodyPr rtlCol="0" anchor="ctr"/>
+          <a:lstStyle/>
+          <a:p>
+            <a:pPr algn="ctr"/>
+            <a:endParaRPr lang="en-US"/>
+          </a:p>
+        </p:txBody>
+      </p:sp>
+      <p:grpSp>
+        <p:nvGrpSpPr>
+          <p:cNvPr id="152" name="Group 151">
+            <a:extLst>
+              <a:ext uri="{FF2B5EF4-FFF2-40B4-BE49-F238E27FC236}">
+                <a16:creationId xmlns:a16="http://schemas.microsoft.com/office/drawing/2014/main" id="{1DED8FB6-AF8D-4D98-913D-E6486FEC1021}"/>
+              </a:ext>
+              <a:ext uri="{C183D7F6-B498-43B3-948B-1728B52AA6E4}">
+                <adec:decorative xmlns:adec="http://schemas.microsoft.com/office/drawing/2017/decorative" val="1"/>
+              </a:ext>
+            </a:extLst>
+          </p:cNvPr>
+          <p:cNvGrpSpPr>
+            <a:grpSpLocks noGrp="1" noUngrp="1" noRot="1" noChangeAspect="1" noMove="1" noResize="1"/>
+          </p:cNvGrpSpPr>
+          <p:nvPr>
+            <p:extLst>
+              <p:ext uri="{386F3935-93C4-4BCD-93E2-E3B085C9AB24}">
+                <p16:designElem xmlns:p16="http://schemas.microsoft.com/office/powerpoint/2015/main" val="1"/>
+              </p:ext>
+            </p:extLst>
+          </p:nvPr>
+        </p:nvGrpSpPr>
+        <p:grpSpPr>
+          <a:xfrm>
+            <a:off x="0" y="0"/>
+            <a:ext cx="11902285" cy="6858001"/>
+            <a:chOff x="0" y="0"/>
+            <a:chExt cx="11902285" cy="6858001"/>
+          </a:xfrm>
+        </p:grpSpPr>
+        <p:grpSp>
+          <p:nvGrpSpPr>
+            <p:cNvPr id="153" name="Group 152">
+              <a:extLst>
+                <a:ext uri="{FF2B5EF4-FFF2-40B4-BE49-F238E27FC236}">
+                  <a16:creationId xmlns:a16="http://schemas.microsoft.com/office/drawing/2014/main" id="{0A805ED2-113B-4584-8827-567B5792F1FA}"/>
+                </a:ext>
+                <a:ext uri="{C183D7F6-B498-43B3-948B-1728B52AA6E4}">
+                  <adec:decorative xmlns:adec="http://schemas.microsoft.com/office/drawing/2017/decorative" val="1"/>
+                </a:ext>
+              </a:extLst>
+            </p:cNvPr>
+            <p:cNvGrpSpPr/>
+            <p:nvPr>
+              <p:extLst>
+                <p:ext uri="{386F3935-93C4-4BCD-93E2-E3B085C9AB24}">
+                  <p16:designElem xmlns:p16="http://schemas.microsoft.com/office/powerpoint/2015/main" val="1"/>
+                </p:ext>
+              </p:extLst>
+            </p:nvPr>
+          </p:nvGrpSpPr>
+          <p:grpSpPr>
+            <a:xfrm>
+              <a:off x="0" y="0"/>
+              <a:ext cx="1220788" cy="6858001"/>
+              <a:chOff x="-14288" y="0"/>
+              <a:chExt cx="1220788" cy="6858001"/>
+            </a:xfrm>
+            <a:gradFill flip="none" rotWithShape="1">
+              <a:gsLst>
+                <a:gs pos="0">
+                  <a:schemeClr val="bg2"/>
+                </a:gs>
+                <a:gs pos="100000">
+                  <a:schemeClr val="tx2">
+                    <a:lumMod val="60000"/>
+                    <a:lumOff val="40000"/>
+                  </a:schemeClr>
+                </a:gs>
+              </a:gsLst>
+              <a:lin ang="5400000" scaled="0"/>
+              <a:tileRect/>
+            </a:gradFill>
+          </p:grpSpPr>
+          <p:sp>
+            <p:nvSpPr>
+              <p:cNvPr id="165" name="Rectangle 5">
+                <a:extLst>
+                  <a:ext uri="{FF2B5EF4-FFF2-40B4-BE49-F238E27FC236}">
+                    <a16:creationId xmlns:a16="http://schemas.microsoft.com/office/drawing/2014/main" id="{C6CF21D8-CC72-4F35-A29E-3AF9E6DA1302}"/>
+                  </a:ext>
+                  <a:ext uri="{C183D7F6-B498-43B3-948B-1728B52AA6E4}">
+                    <adec:decorative xmlns:adec="http://schemas.microsoft.com/office/drawing/2017/decorative" val="1"/>
+                  </a:ext>
+                </a:extLst>
+              </p:cNvPr>
+              <p:cNvSpPr>
+                <a:spLocks noChangeArrowheads="1"/>
+              </p:cNvSpPr>
+              <p:nvPr>
+                <p:extLst>
+                  <p:ext uri="{386F3935-93C4-4BCD-93E2-E3B085C9AB24}">
+                    <p16:designElem xmlns:p16="http://schemas.microsoft.com/office/powerpoint/2015/main" val="1"/>
+                  </p:ext>
+                </p:extLst>
+              </p:nvPr>
+            </p:nvSpPr>
+            <p:spPr bwMode="auto">
+              <a:xfrm>
+                <a:off x="114300" y="4763"/>
+                <a:ext cx="23813" cy="2181225"/>
+              </a:xfrm>
+              <a:prstGeom prst="rect">
+                <a:avLst/>
+              </a:prstGeom>
+              <a:grpFill/>
+              <a:ln>
+                <a:noFill/>
+              </a:ln>
+              <a:extLst>
+                <a:ext uri="{91240B29-F687-4f45-9708-019B960494DF}">
+                  <a14:hiddenLine xmlns="" xmlns:a16="http://schemas.microsoft.com/office/drawing/2014/main" xmlns:p14="http://schemas.microsoft.com/office/powerpoint/2010/main" xmlns:a14="http://schemas.microsoft.com/office/drawing/2010/main" w="9525">
+                    <a:solidFill>
+                      <a:srgbClr val="000000"/>
+                    </a:solidFill>
+                    <a:miter lim="800000"/>
+                    <a:headEnd/>
+                    <a:tailEnd/>
+                  </a14:hiddenLine>
+                </a:ext>
+              </a:extLst>
+            </p:spPr>
+          </p:sp>
+          <p:sp>
+            <p:nvSpPr>
+              <p:cNvPr id="166" name="Freeform 6">
+                <a:extLst>
+                  <a:ext uri="{FF2B5EF4-FFF2-40B4-BE49-F238E27FC236}">
+                    <a16:creationId xmlns:a16="http://schemas.microsoft.com/office/drawing/2014/main" id="{8E60A7C3-087D-47B4-AB5A-C8B1042FD201}"/>
+                  </a:ext>
+                  <a:ext uri="{C183D7F6-B498-43B3-948B-1728B52AA6E4}">
+                    <adec:decorative xmlns:adec="http://schemas.microsoft.com/office/drawing/2017/decorative" val="1"/>
+                  </a:ext>
+                </a:extLst>
+              </p:cNvPr>
+              <p:cNvSpPr>
+                <a:spLocks noEditPoints="1"/>
+              </p:cNvSpPr>
+              <p:nvPr>
+                <p:extLst>
+                  <p:ext uri="{386F3935-93C4-4BCD-93E2-E3B085C9AB24}">
+                    <p16:designElem xmlns:p16="http://schemas.microsoft.com/office/powerpoint/2015/main" val="1"/>
+                  </p:ext>
+                </p:extLst>
+              </p:nvPr>
+            </p:nvSpPr>
+            <p:spPr bwMode="auto">
+              <a:xfrm>
+                <a:off x="33337" y="2176463"/>
+                <a:ext cx="190500" cy="190500"/>
+              </a:xfrm>
+              <a:custGeom>
+                <a:avLst/>
+                <a:gdLst/>
+                <a:ahLst/>
+                <a:cxnLst/>
+                <a:rect l="0" t="0" r="r" b="b"/>
+                <a:pathLst>
+                  <a:path w="40" h="40">
+                    <a:moveTo>
+                      <a:pt x="20" y="40"/>
+                    </a:moveTo>
+                    <a:cubicBezTo>
+                      <a:pt x="9" y="40"/>
+                      <a:pt x="0" y="31"/>
+                      <a:pt x="0" y="20"/>
+                    </a:cubicBezTo>
+                    <a:cubicBezTo>
+                      <a:pt x="0" y="9"/>
+                      <a:pt x="9" y="0"/>
+                      <a:pt x="20" y="0"/>
+                    </a:cubicBezTo>
+                    <a:cubicBezTo>
+                      <a:pt x="31" y="0"/>
+                      <a:pt x="40" y="9"/>
+                      <a:pt x="40" y="20"/>
+                    </a:cubicBezTo>
+                    <a:cubicBezTo>
+                      <a:pt x="40" y="31"/>
+                      <a:pt x="31" y="40"/>
+                      <a:pt x="20" y="40"/>
+                    </a:cubicBezTo>
+                    <a:close/>
+                    <a:moveTo>
+                      <a:pt x="20" y="4"/>
+                    </a:moveTo>
+                    <a:cubicBezTo>
+                      <a:pt x="11" y="4"/>
+                      <a:pt x="4" y="11"/>
+                      <a:pt x="4" y="20"/>
+                    </a:cubicBezTo>
+                    <a:cubicBezTo>
+                      <a:pt x="4" y="29"/>
+                      <a:pt x="11" y="36"/>
+                      <a:pt x="20" y="36"/>
+                    </a:cubicBezTo>
+                    <a:cubicBezTo>
+                      <a:pt x="28" y="36"/>
+                      <a:pt x="36" y="29"/>
+                      <a:pt x="36" y="20"/>
+                    </a:cubicBezTo>
+                    <a:cubicBezTo>
+                      <a:pt x="36" y="11"/>
+                      <a:pt x="28" y="4"/>
+                      <a:pt x="20" y="4"/>
+                    </a:cubicBezTo>
+                    <a:close/>
+                  </a:path>
+                </a:pathLst>
+              </a:custGeom>
+              <a:grpFill/>
+              <a:ln>
+                <a:noFill/>
+              </a:ln>
+              <a:extLst>
+                <a:ext uri="{91240B29-F687-4f45-9708-019B960494DF}">
+                  <a14:hiddenLine xmlns="" xmlns:a16="http://schemas.microsoft.com/office/drawing/2014/main" xmlns:p14="http://schemas.microsoft.com/office/powerpoint/2010/main" xmlns:a14="http://schemas.microsoft.com/office/drawing/2010/main" w="9525">
+                    <a:solidFill>
+                      <a:srgbClr val="000000"/>
+                    </a:solidFill>
+                    <a:round/>
+                    <a:headEnd/>
+                    <a:tailEnd/>
+                  </a14:hiddenLine>
+                </a:ext>
+              </a:extLst>
+            </p:spPr>
+          </p:sp>
+          <p:sp>
+            <p:nvSpPr>
+              <p:cNvPr id="167" name="Freeform 7">
+                <a:extLst>
+                  <a:ext uri="{FF2B5EF4-FFF2-40B4-BE49-F238E27FC236}">
+                    <a16:creationId xmlns:a16="http://schemas.microsoft.com/office/drawing/2014/main" id="{1885EECE-F6D9-4128-BC90-01583BF2699D}"/>
+                  </a:ext>
+                  <a:ext uri="{C183D7F6-B498-43B3-948B-1728B52AA6E4}">
+                    <adec:decorative xmlns:adec="http://schemas.microsoft.com/office/drawing/2017/decorative" val="1"/>
+                  </a:ext>
+                </a:extLst>
+              </p:cNvPr>
+              <p:cNvSpPr>
+                <a:spLocks noEditPoints="1"/>
+              </p:cNvSpPr>
+              <p:nvPr>
+                <p:extLst>
+                  <p:ext uri="{386F3935-93C4-4BCD-93E2-E3B085C9AB24}">
+                    <p16:designElem xmlns:p16="http://schemas.microsoft.com/office/powerpoint/2015/main" val="1"/>
+                  </p:ext>
+                </p:extLst>
+              </p:nvPr>
+            </p:nvSpPr>
+            <p:spPr bwMode="auto">
+              <a:xfrm>
+                <a:off x="28575" y="4021138"/>
+                <a:ext cx="190500" cy="188913"/>
+              </a:xfrm>
+              <a:custGeom>
+                <a:avLst/>
+                <a:gdLst/>
+                <a:ahLst/>
+                <a:cxnLst/>
+                <a:rect l="0" t="0" r="r" b="b"/>
+                <a:pathLst>
+                  <a:path w="40" h="40">
+                    <a:moveTo>
+                      <a:pt x="20" y="40"/>
+                    </a:moveTo>
+                    <a:cubicBezTo>
+                      <a:pt x="9" y="40"/>
+                      <a:pt x="0" y="31"/>
+                      <a:pt x="0" y="20"/>
+                    </a:cubicBezTo>
+                    <a:cubicBezTo>
+                      <a:pt x="0" y="9"/>
+                      <a:pt x="9" y="0"/>
+                      <a:pt x="20" y="0"/>
+                    </a:cubicBezTo>
+                    <a:cubicBezTo>
+                      <a:pt x="31" y="0"/>
+                      <a:pt x="40" y="9"/>
+                      <a:pt x="40" y="20"/>
+                    </a:cubicBezTo>
+                    <a:cubicBezTo>
+                      <a:pt x="40" y="31"/>
+                      <a:pt x="31" y="40"/>
+                      <a:pt x="20" y="40"/>
+                    </a:cubicBezTo>
+                    <a:close/>
+                    <a:moveTo>
+                      <a:pt x="20" y="4"/>
+                    </a:moveTo>
+                    <a:cubicBezTo>
+                      <a:pt x="12" y="4"/>
+                      <a:pt x="4" y="11"/>
+                      <a:pt x="4" y="20"/>
+                    </a:cubicBezTo>
+                    <a:cubicBezTo>
+                      <a:pt x="4" y="29"/>
+                      <a:pt x="12" y="36"/>
+                      <a:pt x="20" y="36"/>
+                    </a:cubicBezTo>
+                    <a:cubicBezTo>
+                      <a:pt x="29" y="36"/>
+                      <a:pt x="36" y="29"/>
+                      <a:pt x="36" y="20"/>
+                    </a:cubicBezTo>
+                    <a:cubicBezTo>
+                      <a:pt x="36" y="11"/>
+                      <a:pt x="29" y="4"/>
+                      <a:pt x="20" y="4"/>
+                    </a:cubicBezTo>
+                    <a:close/>
+                  </a:path>
+                </a:pathLst>
+              </a:custGeom>
+              <a:grpFill/>
+              <a:ln>
+                <a:noFill/>
+              </a:ln>
+              <a:extLst>
+                <a:ext uri="{91240B29-F687-4f45-9708-019B960494DF}">
+                  <a14:hiddenLine xmlns="" xmlns:a16="http://schemas.microsoft.com/office/drawing/2014/main" xmlns:p14="http://schemas.microsoft.com/office/powerpoint/2010/main" xmlns:a14="http://schemas.microsoft.com/office/drawing/2010/main" w="9525">
+                    <a:solidFill>
+                      <a:srgbClr val="000000"/>
+                    </a:solidFill>
+                    <a:round/>
+                    <a:headEnd/>
+                    <a:tailEnd/>
+                  </a14:hiddenLine>
+                </a:ext>
+              </a:extLst>
+            </p:spPr>
+          </p:sp>
+          <p:sp>
+            <p:nvSpPr>
+              <p:cNvPr id="168" name="Freeform 8">
+                <a:extLst>
+                  <a:ext uri="{FF2B5EF4-FFF2-40B4-BE49-F238E27FC236}">
+                    <a16:creationId xmlns:a16="http://schemas.microsoft.com/office/drawing/2014/main" id="{F44AA128-AA96-4FF2-A1C3-F9D2E7FD38CA}"/>
+                  </a:ext>
+                  <a:ext uri="{C183D7F6-B498-43B3-948B-1728B52AA6E4}">
+                    <adec:decorative xmlns:adec="http://schemas.microsoft.com/office/drawing/2017/decorative" val="1"/>
+                  </a:ext>
+                </a:extLst>
+              </p:cNvPr>
+              <p:cNvSpPr/>
+              <p:nvPr>
+                <p:extLst>
+                  <p:ext uri="{386F3935-93C4-4BCD-93E2-E3B085C9AB24}">
+                    <p16:designElem xmlns:p16="http://schemas.microsoft.com/office/powerpoint/2015/main" val="1"/>
+                  </p:ext>
+                </p:extLst>
+              </p:nvPr>
+            </p:nvSpPr>
+            <p:spPr bwMode="auto">
+              <a:xfrm>
+                <a:off x="200025" y="4763"/>
+                <a:ext cx="369888" cy="1811338"/>
+              </a:xfrm>
+              <a:custGeom>
+                <a:avLst/>
+                <a:gdLst/>
+                <a:ahLst/>
+                <a:cxnLst/>
+                <a:rect l="0" t="0" r="r" b="b"/>
+                <a:pathLst>
+                  <a:path w="233" h="1141">
+                    <a:moveTo>
+                      <a:pt x="218" y="1141"/>
+                    </a:moveTo>
+                    <a:lnTo>
+                      <a:pt x="0" y="626"/>
+                    </a:lnTo>
+                    <a:lnTo>
+                      <a:pt x="0" y="0"/>
+                    </a:lnTo>
+                    <a:lnTo>
+                      <a:pt x="15" y="0"/>
+                    </a:lnTo>
+                    <a:lnTo>
+                      <a:pt x="15" y="623"/>
+                    </a:lnTo>
+                    <a:lnTo>
+                      <a:pt x="233" y="1135"/>
+                    </a:lnTo>
+                    <a:lnTo>
+                      <a:pt x="218" y="1141"/>
+                    </a:lnTo>
+                    <a:close/>
+                  </a:path>
+                </a:pathLst>
+              </a:custGeom>
+              <a:grpFill/>
+              <a:ln>
+                <a:noFill/>
+              </a:ln>
+              <a:extLst>
+                <a:ext uri="{91240B29-F687-4f45-9708-019B960494DF}">
+                  <a14:hiddenLine xmlns="" xmlns:a16="http://schemas.microsoft.com/office/drawing/2014/main" xmlns:p14="http://schemas.microsoft.com/office/powerpoint/2010/main" xmlns:a14="http://schemas.microsoft.com/office/drawing/2010/main" w="9525">
+                    <a:solidFill>
+                      <a:srgbClr val="000000"/>
+                    </a:solidFill>
+                    <a:round/>
+                    <a:headEnd/>
+                    <a:tailEnd/>
+                  </a14:hiddenLine>
+                </a:ext>
+              </a:extLst>
+            </p:spPr>
+          </p:sp>
+          <p:sp>
+            <p:nvSpPr>
+              <p:cNvPr id="169" name="Freeform 9">
+                <a:extLst>
+                  <a:ext uri="{FF2B5EF4-FFF2-40B4-BE49-F238E27FC236}">
+                    <a16:creationId xmlns:a16="http://schemas.microsoft.com/office/drawing/2014/main" id="{7E52DC12-230B-4892-B284-F2FE9DE16A7C}"/>
+                  </a:ext>
+                  <a:ext uri="{C183D7F6-B498-43B3-948B-1728B52AA6E4}">
+                    <adec:decorative xmlns:adec="http://schemas.microsoft.com/office/drawing/2017/decorative" val="1"/>
+                  </a:ext>
+                </a:extLst>
+              </p:cNvPr>
+              <p:cNvSpPr>
+                <a:spLocks noEditPoints="1"/>
+              </p:cNvSpPr>
+              <p:nvPr>
+                <p:extLst>
+                  <p:ext uri="{386F3935-93C4-4BCD-93E2-E3B085C9AB24}">
+                    <p16:designElem xmlns:p16="http://schemas.microsoft.com/office/powerpoint/2015/main" val="1"/>
+                  </p:ext>
+                </p:extLst>
+              </p:nvPr>
+            </p:nvSpPr>
+            <p:spPr bwMode="auto">
+              <a:xfrm>
+                <a:off x="503237" y="1801813"/>
+                <a:ext cx="190500" cy="188913"/>
+              </a:xfrm>
+              <a:custGeom>
+                <a:avLst/>
+                <a:gdLst/>
+                <a:ahLst/>
+                <a:cxnLst/>
+                <a:rect l="0" t="0" r="r" b="b"/>
+                <a:pathLst>
+                  <a:path w="40" h="40">
+                    <a:moveTo>
+                      <a:pt x="20" y="40"/>
+                    </a:moveTo>
+                    <a:cubicBezTo>
+                      <a:pt x="9" y="40"/>
+                      <a:pt x="0" y="31"/>
+                      <a:pt x="0" y="20"/>
+                    </a:cubicBezTo>
+                    <a:cubicBezTo>
+                      <a:pt x="0" y="9"/>
+                      <a:pt x="9" y="0"/>
+                      <a:pt x="20" y="0"/>
+                    </a:cubicBezTo>
+                    <a:cubicBezTo>
+                      <a:pt x="33" y="0"/>
+                      <a:pt x="40" y="6"/>
+                      <a:pt x="40" y="20"/>
+                    </a:cubicBezTo>
+                    <a:cubicBezTo>
+                      <a:pt x="40" y="31"/>
+                      <a:pt x="31" y="40"/>
+                      <a:pt x="20" y="40"/>
+                    </a:cubicBezTo>
+                    <a:close/>
+                    <a:moveTo>
+                      <a:pt x="20" y="4"/>
+                    </a:moveTo>
+                    <a:cubicBezTo>
+                      <a:pt x="11" y="4"/>
+                      <a:pt x="4" y="11"/>
+                      <a:pt x="4" y="20"/>
+                    </a:cubicBezTo>
+                    <a:cubicBezTo>
+                      <a:pt x="4" y="29"/>
+                      <a:pt x="11" y="36"/>
+                      <a:pt x="20" y="36"/>
+                    </a:cubicBezTo>
+                    <a:cubicBezTo>
+                      <a:pt x="28" y="36"/>
+                      <a:pt x="36" y="29"/>
+                      <a:pt x="36" y="20"/>
+                    </a:cubicBezTo>
+                    <a:cubicBezTo>
+                      <a:pt x="36" y="9"/>
+                      <a:pt x="31" y="4"/>
+                      <a:pt x="20" y="4"/>
+                    </a:cubicBezTo>
+                    <a:close/>
+                  </a:path>
+                </a:pathLst>
+              </a:custGeom>
+              <a:grpFill/>
+              <a:ln>
+                <a:noFill/>
+              </a:ln>
+              <a:extLst>
+                <a:ext uri="{91240B29-F687-4f45-9708-019B960494DF}">
+                  <a14:hiddenLine xmlns="" xmlns:a16="http://schemas.microsoft.com/office/drawing/2014/main" xmlns:p14="http://schemas.microsoft.com/office/powerpoint/2010/main" xmlns:a14="http://schemas.microsoft.com/office/drawing/2010/main" w="9525">
+                    <a:solidFill>
+                      <a:srgbClr val="000000"/>
+                    </a:solidFill>
+                    <a:round/>
+                    <a:headEnd/>
+                    <a:tailEnd/>
+                  </a14:hiddenLine>
+                </a:ext>
+              </a:extLst>
+            </p:spPr>
+          </p:sp>
+          <p:sp>
+            <p:nvSpPr>
+              <p:cNvPr id="170" name="Freeform 10">
+                <a:extLst>
+                  <a:ext uri="{FF2B5EF4-FFF2-40B4-BE49-F238E27FC236}">
+                    <a16:creationId xmlns:a16="http://schemas.microsoft.com/office/drawing/2014/main" id="{A68FBF9E-B81A-41D0-8A03-6CFC30811D1F}"/>
+                  </a:ext>
+                  <a:ext uri="{C183D7F6-B498-43B3-948B-1728B52AA6E4}">
+                    <adec:decorative xmlns:adec="http://schemas.microsoft.com/office/drawing/2017/decorative" val="1"/>
+                  </a:ext>
+                </a:extLst>
+              </p:cNvPr>
+              <p:cNvSpPr/>
+              <p:nvPr>
+                <p:extLst>
+                  <p:ext uri="{386F3935-93C4-4BCD-93E2-E3B085C9AB24}">
+                    <p16:designElem xmlns:p16="http://schemas.microsoft.com/office/powerpoint/2015/main" val="1"/>
+                  </p:ext>
+                </p:extLst>
+              </p:nvPr>
+            </p:nvSpPr>
+            <p:spPr bwMode="auto">
+              <a:xfrm>
+                <a:off x="285750" y="4763"/>
+                <a:ext cx="369888" cy="1430338"/>
+              </a:xfrm>
+              <a:custGeom>
+                <a:avLst/>
+                <a:gdLst/>
+                <a:ahLst/>
+                <a:cxnLst/>
+                <a:rect l="0" t="0" r="r" b="b"/>
+                <a:pathLst>
+                  <a:path w="233" h="901">
+                    <a:moveTo>
+                      <a:pt x="221" y="901"/>
+                    </a:moveTo>
+                    <a:lnTo>
+                      <a:pt x="0" y="383"/>
+                    </a:lnTo>
+                    <a:lnTo>
+                      <a:pt x="0" y="0"/>
+                    </a:lnTo>
+                    <a:lnTo>
+                      <a:pt x="18" y="0"/>
+                    </a:lnTo>
+                    <a:lnTo>
+                      <a:pt x="18" y="380"/>
+                    </a:lnTo>
+                    <a:lnTo>
+                      <a:pt x="233" y="895"/>
+                    </a:lnTo>
+                    <a:lnTo>
+                      <a:pt x="221" y="901"/>
+                    </a:lnTo>
+                    <a:close/>
+                  </a:path>
+                </a:pathLst>
+              </a:custGeom>
+              <a:grpFill/>
+              <a:ln>
+                <a:noFill/>
+              </a:ln>
+              <a:extLst>
+                <a:ext uri="{91240B29-F687-4f45-9708-019B960494DF}">
+                  <a14:hiddenLine xmlns="" xmlns:a16="http://schemas.microsoft.com/office/drawing/2014/main" xmlns:p14="http://schemas.microsoft.com/office/powerpoint/2010/main" xmlns:a14="http://schemas.microsoft.com/office/drawing/2010/main" w="9525">
+                    <a:solidFill>
+                      <a:srgbClr val="000000"/>
+                    </a:solidFill>
+                    <a:round/>
+                    <a:headEnd/>
+                    <a:tailEnd/>
+                  </a14:hiddenLine>
+                </a:ext>
+              </a:extLst>
+            </p:spPr>
+          </p:sp>
+          <p:sp>
+            <p:nvSpPr>
+              <p:cNvPr id="171" name="Freeform 11">
+                <a:extLst>
+                  <a:ext uri="{FF2B5EF4-FFF2-40B4-BE49-F238E27FC236}">
+                    <a16:creationId xmlns:a16="http://schemas.microsoft.com/office/drawing/2014/main" id="{B0047F84-8480-494F-9241-39FF17CFFFAE}"/>
+                  </a:ext>
+                  <a:ext uri="{C183D7F6-B498-43B3-948B-1728B52AA6E4}">
+                    <adec:decorative xmlns:adec="http://schemas.microsoft.com/office/drawing/2017/decorative" val="1"/>
+                  </a:ext>
+                </a:extLst>
+              </p:cNvPr>
+              <p:cNvSpPr/>
+              <p:nvPr>
+                <p:extLst>
+                  <p:ext uri="{386F3935-93C4-4BCD-93E2-E3B085C9AB24}">
+                    <p16:designElem xmlns:p16="http://schemas.microsoft.com/office/powerpoint/2015/main" val="1"/>
+                  </p:ext>
+                </p:extLst>
+              </p:nvPr>
+            </p:nvSpPr>
+            <p:spPr bwMode="auto">
+              <a:xfrm>
+                <a:off x="546100" y="0"/>
+                <a:ext cx="152400" cy="912813"/>
+              </a:xfrm>
+              <a:custGeom>
+                <a:avLst/>
+                <a:gdLst/>
+                <a:ahLst/>
+                <a:cxnLst/>
+                <a:rect l="0" t="0" r="r" b="b"/>
+                <a:pathLst>
+                  <a:path w="96" h="575">
+                    <a:moveTo>
+                      <a:pt x="96" y="575"/>
+                    </a:moveTo>
+                    <a:lnTo>
+                      <a:pt x="78" y="575"/>
+                    </a:lnTo>
+                    <a:lnTo>
+                      <a:pt x="78" y="192"/>
+                    </a:lnTo>
+                    <a:lnTo>
+                      <a:pt x="0" y="6"/>
+                    </a:lnTo>
+                    <a:lnTo>
+                      <a:pt x="15" y="0"/>
+                    </a:lnTo>
+                    <a:lnTo>
+                      <a:pt x="96" y="189"/>
+                    </a:lnTo>
+                    <a:lnTo>
+                      <a:pt x="96" y="575"/>
+                    </a:lnTo>
+                    <a:close/>
+                  </a:path>
+                </a:pathLst>
+              </a:custGeom>
+              <a:grpFill/>
+              <a:ln>
+                <a:noFill/>
+              </a:ln>
+              <a:extLst>
+                <a:ext uri="{91240B29-F687-4f45-9708-019B960494DF}">
+                  <a14:hiddenLine xmlns="" xmlns:a16="http://schemas.microsoft.com/office/drawing/2014/main" xmlns:p14="http://schemas.microsoft.com/office/powerpoint/2010/main" xmlns:a14="http://schemas.microsoft.com/office/drawing/2010/main" w="9525">
+                    <a:solidFill>
+                      <a:srgbClr val="000000"/>
+                    </a:solidFill>
+                    <a:round/>
+                    <a:headEnd/>
+                    <a:tailEnd/>
+                  </a14:hiddenLine>
+                </a:ext>
+              </a:extLst>
+            </p:spPr>
+          </p:sp>
+          <p:sp>
+            <p:nvSpPr>
+              <p:cNvPr id="172" name="Freeform 12">
+                <a:extLst>
+                  <a:ext uri="{FF2B5EF4-FFF2-40B4-BE49-F238E27FC236}">
+                    <a16:creationId xmlns:a16="http://schemas.microsoft.com/office/drawing/2014/main" id="{8CAF76D8-4B95-4A8E-9EE5-8CCC0A7AD2CA}"/>
+                  </a:ext>
+                  <a:ext uri="{C183D7F6-B498-43B3-948B-1728B52AA6E4}">
+                    <adec:decorative xmlns:adec="http://schemas.microsoft.com/office/drawing/2017/decorative" val="1"/>
+                  </a:ext>
+                </a:extLst>
+              </p:cNvPr>
+              <p:cNvSpPr>
+                <a:spLocks noEditPoints="1"/>
+              </p:cNvSpPr>
+              <p:nvPr>
+                <p:extLst>
+                  <p:ext uri="{386F3935-93C4-4BCD-93E2-E3B085C9AB24}">
+                    <p16:designElem xmlns:p16="http://schemas.microsoft.com/office/powerpoint/2015/main" val="1"/>
+                  </p:ext>
+                </p:extLst>
+              </p:nvPr>
+            </p:nvSpPr>
+            <p:spPr bwMode="auto">
+              <a:xfrm>
+                <a:off x="588962" y="1420813"/>
+                <a:ext cx="190500" cy="190500"/>
+              </a:xfrm>
+              <a:custGeom>
+                <a:avLst/>
+                <a:gdLst/>
+                <a:ahLst/>
+                <a:cxnLst/>
+                <a:rect l="0" t="0" r="r" b="b"/>
+                <a:pathLst>
+                  <a:path w="40" h="40">
+                    <a:moveTo>
+                      <a:pt x="20" y="40"/>
+                    </a:moveTo>
+                    <a:cubicBezTo>
+                      <a:pt x="9" y="40"/>
+                      <a:pt x="0" y="31"/>
+                      <a:pt x="0" y="20"/>
+                    </a:cubicBezTo>
+                    <a:cubicBezTo>
+                      <a:pt x="0" y="9"/>
+                      <a:pt x="9" y="0"/>
+                      <a:pt x="20" y="0"/>
+                    </a:cubicBezTo>
+                    <a:cubicBezTo>
+                      <a:pt x="33" y="0"/>
+                      <a:pt x="40" y="7"/>
+                      <a:pt x="40" y="20"/>
+                    </a:cubicBezTo>
+                    <a:cubicBezTo>
+                      <a:pt x="40" y="31"/>
+                      <a:pt x="31" y="40"/>
+                      <a:pt x="20" y="40"/>
+                    </a:cubicBezTo>
+                    <a:close/>
+                    <a:moveTo>
+                      <a:pt x="20" y="4"/>
+                    </a:moveTo>
+                    <a:cubicBezTo>
+                      <a:pt x="11" y="4"/>
+                      <a:pt x="4" y="11"/>
+                      <a:pt x="4" y="20"/>
+                    </a:cubicBezTo>
+                    <a:cubicBezTo>
+                      <a:pt x="4" y="29"/>
+                      <a:pt x="11" y="36"/>
+                      <a:pt x="20" y="36"/>
+                    </a:cubicBezTo>
+                    <a:cubicBezTo>
+                      <a:pt x="29" y="36"/>
+                      <a:pt x="36" y="29"/>
+                      <a:pt x="36" y="20"/>
+                    </a:cubicBezTo>
+                    <a:cubicBezTo>
+                      <a:pt x="36" y="9"/>
+                      <a:pt x="31" y="4"/>
+                      <a:pt x="20" y="4"/>
+                    </a:cubicBezTo>
+                    <a:close/>
+                  </a:path>
+                </a:pathLst>
+              </a:custGeom>
+              <a:grpFill/>
+              <a:ln>
+                <a:noFill/>
+              </a:ln>
+              <a:extLst>
+                <a:ext uri="{91240B29-F687-4f45-9708-019B960494DF}">
+                  <a14:hiddenLine xmlns="" xmlns:a16="http://schemas.microsoft.com/office/drawing/2014/main" xmlns:p14="http://schemas.microsoft.com/office/powerpoint/2010/main" xmlns:a14="http://schemas.microsoft.com/office/drawing/2010/main" w="9525">
+                    <a:solidFill>
+                      <a:srgbClr val="000000"/>
+                    </a:solidFill>
+                    <a:round/>
+                    <a:headEnd/>
+                    <a:tailEnd/>
+                  </a14:hiddenLine>
+                </a:ext>
+              </a:extLst>
+            </p:spPr>
+          </p:sp>
+          <p:sp>
+            <p:nvSpPr>
+              <p:cNvPr id="173" name="Freeform 13">
+                <a:extLst>
+                  <a:ext uri="{FF2B5EF4-FFF2-40B4-BE49-F238E27FC236}">
+                    <a16:creationId xmlns:a16="http://schemas.microsoft.com/office/drawing/2014/main" id="{792F82F3-05A8-4A55-8C5B-81F6678B595B}"/>
+                  </a:ext>
+                  <a:ext uri="{C183D7F6-B498-43B3-948B-1728B52AA6E4}">
+                    <adec:decorative xmlns:adec="http://schemas.microsoft.com/office/drawing/2017/decorative" val="1"/>
+                  </a:ext>
+                </a:extLst>
+              </p:cNvPr>
+              <p:cNvSpPr>
+                <a:spLocks noEditPoints="1"/>
+              </p:cNvSpPr>
+              <p:nvPr>
+                <p:extLst>
+                  <p:ext uri="{386F3935-93C4-4BCD-93E2-E3B085C9AB24}">
+                    <p16:designElem xmlns:p16="http://schemas.microsoft.com/office/powerpoint/2015/main" val="1"/>
+                  </p:ext>
+                </p:extLst>
+              </p:nvPr>
+            </p:nvSpPr>
+            <p:spPr bwMode="auto">
+              <a:xfrm>
+                <a:off x="588962" y="903288"/>
+                <a:ext cx="190500" cy="190500"/>
+              </a:xfrm>
+              <a:custGeom>
+                <a:avLst/>
+                <a:gdLst/>
+                <a:ahLst/>
+                <a:cxnLst/>
+                <a:rect l="0" t="0" r="r" b="b"/>
+                <a:pathLst>
+                  <a:path w="40" h="40">
+                    <a:moveTo>
+                      <a:pt x="20" y="40"/>
+                    </a:moveTo>
+                    <a:cubicBezTo>
+                      <a:pt x="9" y="40"/>
+                      <a:pt x="0" y="31"/>
+                      <a:pt x="0" y="20"/>
+                    </a:cubicBezTo>
+                    <a:cubicBezTo>
+                      <a:pt x="0" y="9"/>
+                      <a:pt x="9" y="0"/>
+                      <a:pt x="20" y="0"/>
+                    </a:cubicBezTo>
+                    <a:cubicBezTo>
+                      <a:pt x="31" y="0"/>
+                      <a:pt x="40" y="9"/>
+                      <a:pt x="40" y="20"/>
+                    </a:cubicBezTo>
+                    <a:cubicBezTo>
+                      <a:pt x="40" y="31"/>
+                      <a:pt x="31" y="40"/>
+                      <a:pt x="20" y="40"/>
+                    </a:cubicBezTo>
+                    <a:close/>
+                    <a:moveTo>
+                      <a:pt x="20" y="4"/>
+                    </a:moveTo>
+                    <a:cubicBezTo>
+                      <a:pt x="11" y="4"/>
+                      <a:pt x="4" y="11"/>
+                      <a:pt x="4" y="20"/>
+                    </a:cubicBezTo>
+                    <a:cubicBezTo>
+                      <a:pt x="4" y="29"/>
+                      <a:pt x="11" y="36"/>
+                      <a:pt x="20" y="36"/>
+                    </a:cubicBezTo>
+                    <a:cubicBezTo>
+                      <a:pt x="29" y="36"/>
+                      <a:pt x="36" y="29"/>
+                      <a:pt x="36" y="20"/>
+                    </a:cubicBezTo>
+                    <a:cubicBezTo>
+                      <a:pt x="36" y="11"/>
+                      <a:pt x="29" y="4"/>
+                      <a:pt x="20" y="4"/>
+                    </a:cubicBezTo>
+                    <a:close/>
+                  </a:path>
+                </a:pathLst>
+              </a:custGeom>
+              <a:grpFill/>
+              <a:ln>
+                <a:noFill/>
+              </a:ln>
+              <a:extLst>
+                <a:ext uri="{91240B29-F687-4f45-9708-019B960494DF}">
+                  <a14:hiddenLine xmlns="" xmlns:a16="http://schemas.microsoft.com/office/drawing/2014/main" xmlns:p14="http://schemas.microsoft.com/office/powerpoint/2010/main" xmlns:a14="http://schemas.microsoft.com/office/drawing/2010/main" w="9525">
+                    <a:solidFill>
+                      <a:srgbClr val="000000"/>
+                    </a:solidFill>
+                    <a:round/>
+                    <a:headEnd/>
+                    <a:tailEnd/>
+                  </a14:hiddenLine>
+                </a:ext>
+              </a:extLst>
+            </p:spPr>
+          </p:sp>
+          <p:sp>
+            <p:nvSpPr>
+              <p:cNvPr id="174" name="Freeform 14">
+                <a:extLst>
+                  <a:ext uri="{FF2B5EF4-FFF2-40B4-BE49-F238E27FC236}">
+                    <a16:creationId xmlns:a16="http://schemas.microsoft.com/office/drawing/2014/main" id="{B8472536-021A-4E59-BD59-DDC090A18ABE}"/>
+                  </a:ext>
+                  <a:ext uri="{C183D7F6-B498-43B3-948B-1728B52AA6E4}">
+                    <adec:decorative xmlns:adec="http://schemas.microsoft.com/office/drawing/2017/decorative" val="1"/>
+                  </a:ext>
+                </a:extLst>
+              </p:cNvPr>
+              <p:cNvSpPr/>
+              <p:nvPr>
+                <p:extLst>
+                  <p:ext uri="{386F3935-93C4-4BCD-93E2-E3B085C9AB24}">
+                    <p16:designElem xmlns:p16="http://schemas.microsoft.com/office/powerpoint/2015/main" val="1"/>
+                  </p:ext>
+                </p:extLst>
+              </p:nvPr>
+            </p:nvSpPr>
+            <p:spPr bwMode="auto">
+              <a:xfrm>
+                <a:off x="641350" y="0"/>
+                <a:ext cx="422275" cy="527050"/>
+              </a:xfrm>
+              <a:custGeom>
+                <a:avLst/>
+                <a:gdLst/>
+                <a:ahLst/>
+                <a:cxnLst/>
+                <a:rect l="0" t="0" r="r" b="b"/>
+                <a:pathLst>
+                  <a:path w="266" h="332">
+                    <a:moveTo>
+                      <a:pt x="257" y="332"/>
+                    </a:moveTo>
+                    <a:lnTo>
+                      <a:pt x="48" y="123"/>
+                    </a:lnTo>
+                    <a:lnTo>
+                      <a:pt x="0" y="6"/>
+                    </a:lnTo>
+                    <a:lnTo>
+                      <a:pt x="15" y="0"/>
+                    </a:lnTo>
+                    <a:lnTo>
+                      <a:pt x="63" y="114"/>
+                    </a:lnTo>
+                    <a:lnTo>
+                      <a:pt x="266" y="320"/>
+                    </a:lnTo>
+                    <a:lnTo>
+                      <a:pt x="257" y="332"/>
+                    </a:lnTo>
+                    <a:close/>
+                  </a:path>
+                </a:pathLst>
+              </a:custGeom>
+              <a:grpFill/>
+              <a:ln>
+                <a:noFill/>
+              </a:ln>
+              <a:extLst>
+                <a:ext uri="{91240B29-F687-4f45-9708-019B960494DF}">
+                  <a14:hiddenLine xmlns="" xmlns:a16="http://schemas.microsoft.com/office/drawing/2014/main" xmlns:p14="http://schemas.microsoft.com/office/powerpoint/2010/main" xmlns:a14="http://schemas.microsoft.com/office/drawing/2010/main" w="9525">
+                    <a:solidFill>
+                      <a:srgbClr val="000000"/>
+                    </a:solidFill>
+                    <a:round/>
+                    <a:headEnd/>
+                    <a:tailEnd/>
+                  </a14:hiddenLine>
+                </a:ext>
+              </a:extLst>
+            </p:spPr>
+          </p:sp>
+          <p:sp>
+            <p:nvSpPr>
+              <p:cNvPr id="175" name="Freeform 15">
+                <a:extLst>
+                  <a:ext uri="{FF2B5EF4-FFF2-40B4-BE49-F238E27FC236}">
+                    <a16:creationId xmlns:a16="http://schemas.microsoft.com/office/drawing/2014/main" id="{AEBEF646-3C12-469F-B194-A161A7A95D2F}"/>
+                  </a:ext>
+                  <a:ext uri="{C183D7F6-B498-43B3-948B-1728B52AA6E4}">
+                    <adec:decorative xmlns:adec="http://schemas.microsoft.com/office/drawing/2017/decorative" val="1"/>
+                  </a:ext>
+                </a:extLst>
+              </p:cNvPr>
+              <p:cNvSpPr>
+                <a:spLocks noEditPoints="1"/>
+              </p:cNvSpPr>
+              <p:nvPr>
+                <p:extLst>
+                  <p:ext uri="{386F3935-93C4-4BCD-93E2-E3B085C9AB24}">
+                    <p16:designElem xmlns:p16="http://schemas.microsoft.com/office/powerpoint/2015/main" val="1"/>
+                  </p:ext>
+                </p:extLst>
+              </p:nvPr>
+            </p:nvSpPr>
+            <p:spPr bwMode="auto">
+              <a:xfrm>
+                <a:off x="1020762" y="488950"/>
+                <a:ext cx="161925" cy="147638"/>
+              </a:xfrm>
+              <a:custGeom>
+                <a:avLst/>
+                <a:gdLst/>
+                <a:ahLst/>
+                <a:cxnLst/>
+                <a:rect l="0" t="0" r="r" b="b"/>
+                <a:pathLst>
+                  <a:path w="34" h="31">
+                    <a:moveTo>
+                      <a:pt x="17" y="31"/>
+                    </a:moveTo>
+                    <a:cubicBezTo>
+                      <a:pt x="13" y="31"/>
+                      <a:pt x="9" y="30"/>
+                      <a:pt x="6" y="27"/>
+                    </a:cubicBezTo>
+                    <a:cubicBezTo>
+                      <a:pt x="0" y="20"/>
+                      <a:pt x="0" y="10"/>
+                      <a:pt x="6" y="4"/>
+                    </a:cubicBezTo>
+                    <a:cubicBezTo>
+                      <a:pt x="9" y="1"/>
+                      <a:pt x="13" y="0"/>
+                      <a:pt x="17" y="0"/>
+                    </a:cubicBezTo>
+                    <a:cubicBezTo>
+                      <a:pt x="21" y="0"/>
+                      <a:pt x="25" y="1"/>
+                      <a:pt x="28" y="4"/>
+                    </a:cubicBezTo>
+                    <a:cubicBezTo>
+                      <a:pt x="34" y="10"/>
+                      <a:pt x="34" y="20"/>
+                      <a:pt x="28" y="27"/>
+                    </a:cubicBezTo>
+                    <a:cubicBezTo>
+                      <a:pt x="25" y="30"/>
+                      <a:pt x="21" y="31"/>
+                      <a:pt x="17" y="31"/>
+                    </a:cubicBezTo>
+                    <a:close/>
+                    <a:moveTo>
+                      <a:pt x="17" y="4"/>
+                    </a:moveTo>
+                    <a:cubicBezTo>
+                      <a:pt x="14" y="4"/>
+                      <a:pt x="11" y="5"/>
+                      <a:pt x="9" y="7"/>
+                    </a:cubicBezTo>
+                    <a:cubicBezTo>
+                      <a:pt x="4" y="12"/>
+                      <a:pt x="4" y="19"/>
+                      <a:pt x="9" y="24"/>
+                    </a:cubicBezTo>
+                    <a:cubicBezTo>
+                      <a:pt x="11" y="26"/>
+                      <a:pt x="14" y="27"/>
+                      <a:pt x="17" y="27"/>
+                    </a:cubicBezTo>
+                    <a:cubicBezTo>
+                      <a:pt x="20" y="27"/>
+                      <a:pt x="23" y="26"/>
+                      <a:pt x="25" y="24"/>
+                    </a:cubicBezTo>
+                    <a:cubicBezTo>
+                      <a:pt x="30" y="19"/>
+                      <a:pt x="30" y="12"/>
+                      <a:pt x="25" y="7"/>
+                    </a:cubicBezTo>
+                    <a:cubicBezTo>
+                      <a:pt x="23" y="5"/>
+                      <a:pt x="20" y="4"/>
+                      <a:pt x="17" y="4"/>
+                    </a:cubicBezTo>
+                    <a:close/>
+                  </a:path>
+                </a:pathLst>
+              </a:custGeom>
+              <a:grpFill/>
+              <a:ln>
+                <a:noFill/>
+              </a:ln>
+              <a:extLst>
+                <a:ext uri="{91240B29-F687-4f45-9708-019B960494DF}">
+                  <a14:hiddenLine xmlns="" xmlns:a16="http://schemas.microsoft.com/office/drawing/2014/main" xmlns:p14="http://schemas.microsoft.com/office/powerpoint/2010/main" xmlns:a14="http://schemas.microsoft.com/office/drawing/2010/main" w="9525">
+                    <a:solidFill>
+                      <a:srgbClr val="000000"/>
+                    </a:solidFill>
+                    <a:round/>
+                    <a:headEnd/>
+                    <a:tailEnd/>
+                  </a14:hiddenLine>
+                </a:ext>
+              </a:extLst>
+            </p:spPr>
+          </p:sp>
+          <p:sp>
+            <p:nvSpPr>
+              <p:cNvPr id="176" name="Line 16">
+                <a:extLst>
+                  <a:ext uri="{FF2B5EF4-FFF2-40B4-BE49-F238E27FC236}">
+                    <a16:creationId xmlns:a16="http://schemas.microsoft.com/office/drawing/2014/main" id="{D4501159-D7AC-4307-9DFC-C8F3A94341DA}"/>
+                  </a:ext>
+                  <a:ext uri="{C183D7F6-B498-43B3-948B-1728B52AA6E4}">
+                    <adec:decorative xmlns:adec="http://schemas.microsoft.com/office/drawing/2017/decorative" val="1"/>
+                  </a:ext>
+                </a:extLst>
+              </p:cNvPr>
+              <p:cNvSpPr>
+                <a:spLocks noChangeShapeType="1"/>
+              </p:cNvSpPr>
+              <p:nvPr>
+                <p:extLst>
+                  <p:ext uri="{386F3935-93C4-4BCD-93E2-E3B085C9AB24}">
+                    <p16:designElem xmlns:p16="http://schemas.microsoft.com/office/powerpoint/2015/main" val="1"/>
+                  </p:ext>
+                </p:extLst>
+              </p:nvPr>
+            </p:nvSpPr>
+            <p:spPr bwMode="auto">
+              <a:xfrm>
+                <a:off x="-4763" y="9525"/>
+                <a:ext cx="0" cy="0"/>
+              </a:xfrm>
+              <a:prstGeom prst="line">
+                <a:avLst/>
+              </a:prstGeom>
+              <a:grpFill/>
+              <a:ln w="15" cap="flat">
+                <a:solidFill>
+                  <a:srgbClr val="FFFFFF"/>
+                </a:solidFill>
+                <a:prstDash val="solid"/>
+                <a:miter lim="800000"/>
+                <a:headEnd/>
+                <a:tailEnd/>
+              </a:ln>
+            </p:spPr>
+          </p:sp>
+          <p:sp>
+            <p:nvSpPr>
+              <p:cNvPr id="177" name="Freeform 17">
+                <a:extLst>
+                  <a:ext uri="{FF2B5EF4-FFF2-40B4-BE49-F238E27FC236}">
+                    <a16:creationId xmlns:a16="http://schemas.microsoft.com/office/drawing/2014/main" id="{B5244C41-454C-47D8-A6A9-C17EC2A36631}"/>
+                  </a:ext>
+                  <a:ext uri="{C183D7F6-B498-43B3-948B-1728B52AA6E4}">
+                    <adec:decorative xmlns:adec="http://schemas.microsoft.com/office/drawing/2017/decorative" val="1"/>
+                  </a:ext>
+                </a:extLst>
+              </p:cNvPr>
+              <p:cNvSpPr/>
+              <p:nvPr>
+                <p:extLst>
+                  <p:ext uri="{386F3935-93C4-4BCD-93E2-E3B085C9AB24}">
+                    <p16:designElem xmlns:p16="http://schemas.microsoft.com/office/powerpoint/2015/main" val="1"/>
+                  </p:ext>
+                </p:extLst>
+              </p:nvPr>
+            </p:nvSpPr>
+            <p:spPr bwMode="auto">
+              <a:xfrm>
+                <a:off x="9525" y="1801813"/>
+                <a:ext cx="123825" cy="127000"/>
+              </a:xfrm>
+              <a:custGeom>
+                <a:avLst/>
+                <a:gdLst/>
+                <a:ahLst/>
+                <a:cxnLst/>
+                <a:rect l="0" t="0" r="r" b="b"/>
+                <a:pathLst>
+                  <a:path w="78" h="80">
+                    <a:moveTo>
+                      <a:pt x="6" y="80"/>
+                    </a:moveTo>
+                    <a:lnTo>
+                      <a:pt x="0" y="71"/>
+                    </a:lnTo>
+                    <a:lnTo>
+                      <a:pt x="69" y="0"/>
+                    </a:lnTo>
+                    <a:lnTo>
+                      <a:pt x="78" y="9"/>
+                    </a:lnTo>
+                    <a:lnTo>
+                      <a:pt x="6" y="80"/>
+                    </a:lnTo>
+                    <a:close/>
+                  </a:path>
+                </a:pathLst>
+              </a:custGeom>
+              <a:grpFill/>
+              <a:ln>
+                <a:noFill/>
+              </a:ln>
+              <a:extLst>
+                <a:ext uri="{91240B29-F687-4f45-9708-019B960494DF}">
+                  <a14:hiddenLine xmlns="" xmlns:a16="http://schemas.microsoft.com/office/drawing/2014/main" xmlns:p14="http://schemas.microsoft.com/office/powerpoint/2010/main" xmlns:a14="http://schemas.microsoft.com/office/drawing/2010/main" w="9525">
+                    <a:solidFill>
+                      <a:srgbClr val="000000"/>
+                    </a:solidFill>
+                    <a:round/>
+                    <a:headEnd/>
+                    <a:tailEnd/>
+                  </a14:hiddenLine>
+                </a:ext>
+              </a:extLst>
+            </p:spPr>
+          </p:sp>
+          <p:sp>
+            <p:nvSpPr>
+              <p:cNvPr id="178" name="Freeform 18">
+                <a:extLst>
+                  <a:ext uri="{FF2B5EF4-FFF2-40B4-BE49-F238E27FC236}">
+                    <a16:creationId xmlns:a16="http://schemas.microsoft.com/office/drawing/2014/main" id="{8FA883B8-99FB-4540-B573-F0674BFB1C2A}"/>
+                  </a:ext>
+                  <a:ext uri="{C183D7F6-B498-43B3-948B-1728B52AA6E4}">
+                    <adec:decorative xmlns:adec="http://schemas.microsoft.com/office/drawing/2017/decorative" val="1"/>
+                  </a:ext>
+                </a:extLst>
+              </p:cNvPr>
+              <p:cNvSpPr/>
+              <p:nvPr>
+                <p:extLst>
+                  <p:ext uri="{386F3935-93C4-4BCD-93E2-E3B085C9AB24}">
+                    <p16:designElem xmlns:p16="http://schemas.microsoft.com/office/powerpoint/2015/main" val="1"/>
+                  </p:ext>
+                </p:extLst>
+              </p:nvPr>
+            </p:nvSpPr>
+            <p:spPr bwMode="auto">
+              <a:xfrm>
+                <a:off x="-9525" y="3549650"/>
+                <a:ext cx="147638" cy="481013"/>
+              </a:xfrm>
+              <a:custGeom>
+                <a:avLst/>
+                <a:gdLst/>
+                <a:ahLst/>
+                <a:cxnLst/>
+                <a:rect l="0" t="0" r="r" b="b"/>
+                <a:pathLst>
+                  <a:path w="93" h="303">
+                    <a:moveTo>
+                      <a:pt x="93" y="303"/>
+                    </a:moveTo>
+                    <a:lnTo>
+                      <a:pt x="78" y="303"/>
+                    </a:lnTo>
+                    <a:lnTo>
+                      <a:pt x="78" y="78"/>
+                    </a:lnTo>
+                    <a:lnTo>
+                      <a:pt x="0" y="12"/>
+                    </a:lnTo>
+                    <a:lnTo>
+                      <a:pt x="12" y="0"/>
+                    </a:lnTo>
+                    <a:lnTo>
+                      <a:pt x="93" y="69"/>
+                    </a:lnTo>
+                    <a:lnTo>
+                      <a:pt x="93" y="303"/>
+                    </a:lnTo>
+                    <a:close/>
+                  </a:path>
+                </a:pathLst>
+              </a:custGeom>
+              <a:grpFill/>
+              <a:ln>
+                <a:noFill/>
+              </a:ln>
+              <a:extLst>
+                <a:ext uri="{91240B29-F687-4f45-9708-019B960494DF}">
+                  <a14:hiddenLine xmlns="" xmlns:a16="http://schemas.microsoft.com/office/drawing/2014/main" xmlns:p14="http://schemas.microsoft.com/office/powerpoint/2010/main" xmlns:a14="http://schemas.microsoft.com/office/drawing/2010/main" w="9525">
+                    <a:solidFill>
+                      <a:srgbClr val="000000"/>
+                    </a:solidFill>
+                    <a:round/>
+                    <a:headEnd/>
+                    <a:tailEnd/>
+                  </a14:hiddenLine>
+                </a:ext>
+              </a:extLst>
+            </p:spPr>
+          </p:sp>
+          <p:sp>
+            <p:nvSpPr>
+              <p:cNvPr id="179" name="Freeform 19">
+                <a:extLst>
+                  <a:ext uri="{FF2B5EF4-FFF2-40B4-BE49-F238E27FC236}">
+                    <a16:creationId xmlns:a16="http://schemas.microsoft.com/office/drawing/2014/main" id="{F1178B7C-5A00-4E5B-9010-B1477621E049}"/>
+                  </a:ext>
+                  <a:ext uri="{C183D7F6-B498-43B3-948B-1728B52AA6E4}">
+                    <adec:decorative xmlns:adec="http://schemas.microsoft.com/office/drawing/2017/decorative" val="1"/>
+                  </a:ext>
+                </a:extLst>
+              </p:cNvPr>
+              <p:cNvSpPr/>
+              <p:nvPr>
+                <p:extLst>
+                  <p:ext uri="{386F3935-93C4-4BCD-93E2-E3B085C9AB24}">
+                    <p16:designElem xmlns:p16="http://schemas.microsoft.com/office/powerpoint/2015/main" val="1"/>
+                  </p:ext>
+                </p:extLst>
+              </p:nvPr>
+            </p:nvSpPr>
+            <p:spPr bwMode="auto">
+              <a:xfrm>
+                <a:off x="128587" y="1382713"/>
+                <a:ext cx="142875" cy="476250"/>
+              </a:xfrm>
+              <a:custGeom>
+                <a:avLst/>
+                <a:gdLst/>
+                <a:ahLst/>
+                <a:cxnLst/>
+                <a:rect l="0" t="0" r="r" b="b"/>
+                <a:pathLst>
+                  <a:path w="90" h="300">
+                    <a:moveTo>
+                      <a:pt x="90" y="300"/>
+                    </a:moveTo>
+                    <a:lnTo>
+                      <a:pt x="78" y="300"/>
+                    </a:lnTo>
+                    <a:lnTo>
+                      <a:pt x="78" y="84"/>
+                    </a:lnTo>
+                    <a:lnTo>
+                      <a:pt x="0" y="9"/>
+                    </a:lnTo>
+                    <a:lnTo>
+                      <a:pt x="9" y="0"/>
+                    </a:lnTo>
+                    <a:lnTo>
+                      <a:pt x="90" y="81"/>
+                    </a:lnTo>
+                    <a:lnTo>
+                      <a:pt x="90" y="300"/>
+                    </a:lnTo>
+                    <a:close/>
+                  </a:path>
+                </a:pathLst>
+              </a:custGeom>
+              <a:grpFill/>
+              <a:ln>
+                <a:noFill/>
+              </a:ln>
+              <a:extLst>
+                <a:ext uri="{91240B29-F687-4f45-9708-019B960494DF}">
+                  <a14:hiddenLine xmlns="" xmlns:a16="http://schemas.microsoft.com/office/drawing/2014/main" xmlns:p14="http://schemas.microsoft.com/office/powerpoint/2010/main" xmlns:a14="http://schemas.microsoft.com/office/drawing/2010/main" w="9525">
+                    <a:solidFill>
+                      <a:srgbClr val="000000"/>
+                    </a:solidFill>
+                    <a:round/>
+                    <a:headEnd/>
+                    <a:tailEnd/>
+                  </a14:hiddenLine>
+                </a:ext>
+              </a:extLst>
+            </p:spPr>
+          </p:sp>
+          <p:sp>
+            <p:nvSpPr>
+              <p:cNvPr id="180" name="Freeform 20">
+                <a:extLst>
+                  <a:ext uri="{FF2B5EF4-FFF2-40B4-BE49-F238E27FC236}">
+                    <a16:creationId xmlns:a16="http://schemas.microsoft.com/office/drawing/2014/main" id="{E359D5D8-EE2E-4714-A40A-C3A6D91F9897}"/>
+                  </a:ext>
+                  <a:ext uri="{C183D7F6-B498-43B3-948B-1728B52AA6E4}">
+                    <adec:decorative xmlns:adec="http://schemas.microsoft.com/office/drawing/2017/decorative" val="1"/>
+                  </a:ext>
+                </a:extLst>
+              </p:cNvPr>
+              <p:cNvSpPr>
+                <a:spLocks noEditPoints="1"/>
+              </p:cNvSpPr>
+              <p:nvPr>
+                <p:extLst>
+                  <p:ext uri="{386F3935-93C4-4BCD-93E2-E3B085C9AB24}">
+                    <p16:designElem xmlns:p16="http://schemas.microsoft.com/office/powerpoint/2015/main" val="1"/>
+                  </p:ext>
+                </p:extLst>
+              </p:nvPr>
+            </p:nvSpPr>
+            <p:spPr bwMode="auto">
+              <a:xfrm>
+                <a:off x="204787" y="1849438"/>
+                <a:ext cx="114300" cy="107950"/>
+              </a:xfrm>
+              <a:custGeom>
+                <a:avLst/>
+                <a:gdLst/>
+                <a:ahLst/>
+                <a:cxnLst/>
+                <a:rect l="0" t="0" r="r" b="b"/>
+                <a:pathLst>
+                  <a:path w="24" h="23">
+                    <a:moveTo>
+                      <a:pt x="12" y="23"/>
+                    </a:moveTo>
+                    <a:cubicBezTo>
+                      <a:pt x="6" y="23"/>
+                      <a:pt x="0" y="18"/>
+                      <a:pt x="0" y="12"/>
+                    </a:cubicBezTo>
+                    <a:cubicBezTo>
+                      <a:pt x="0" y="5"/>
+                      <a:pt x="6" y="0"/>
+                      <a:pt x="12" y="0"/>
+                    </a:cubicBezTo>
+                    <a:cubicBezTo>
+                      <a:pt x="18" y="0"/>
+                      <a:pt x="24" y="5"/>
+                      <a:pt x="24" y="12"/>
+                    </a:cubicBezTo>
+                    <a:cubicBezTo>
+                      <a:pt x="24" y="18"/>
+                      <a:pt x="18" y="23"/>
+                      <a:pt x="12" y="23"/>
+                    </a:cubicBezTo>
+                    <a:close/>
+                    <a:moveTo>
+                      <a:pt x="12" y="4"/>
+                    </a:moveTo>
+                    <a:cubicBezTo>
+                      <a:pt x="8" y="4"/>
+                      <a:pt x="4" y="8"/>
+                      <a:pt x="4" y="12"/>
+                    </a:cubicBezTo>
+                    <a:cubicBezTo>
+                      <a:pt x="4" y="16"/>
+                      <a:pt x="8" y="19"/>
+                      <a:pt x="12" y="19"/>
+                    </a:cubicBezTo>
+                    <a:cubicBezTo>
+                      <a:pt x="16" y="19"/>
+                      <a:pt x="20" y="16"/>
+                      <a:pt x="20" y="12"/>
+                    </a:cubicBezTo>
+                    <a:cubicBezTo>
+                      <a:pt x="20" y="8"/>
+                      <a:pt x="16" y="4"/>
+                      <a:pt x="12" y="4"/>
+                    </a:cubicBezTo>
+                    <a:close/>
+                  </a:path>
+                </a:pathLst>
+              </a:custGeom>
+              <a:grpFill/>
+              <a:ln>
+                <a:noFill/>
+              </a:ln>
+              <a:extLst>
+                <a:ext uri="{91240B29-F687-4f45-9708-019B960494DF}">
+                  <a14:hiddenLine xmlns="" xmlns:a16="http://schemas.microsoft.com/office/drawing/2014/main" xmlns:p14="http://schemas.microsoft.com/office/powerpoint/2010/main" xmlns:a14="http://schemas.microsoft.com/office/drawing/2010/main" w="9525">
+                    <a:solidFill>
+                      <a:srgbClr val="000000"/>
+                    </a:solidFill>
+                    <a:round/>
+                    <a:headEnd/>
+                    <a:tailEnd/>
+                  </a14:hiddenLine>
+                </a:ext>
+              </a:extLst>
+            </p:spPr>
+          </p:sp>
+          <p:sp>
+            <p:nvSpPr>
+              <p:cNvPr id="181" name="Rectangle 21">
+                <a:extLst>
+                  <a:ext uri="{FF2B5EF4-FFF2-40B4-BE49-F238E27FC236}">
+                    <a16:creationId xmlns:a16="http://schemas.microsoft.com/office/drawing/2014/main" id="{8A89C2E5-F892-4666-85FB-995578FBC739}"/>
+                  </a:ext>
+                  <a:ext uri="{C183D7F6-B498-43B3-948B-1728B52AA6E4}">
+                    <adec:decorative xmlns:adec="http://schemas.microsoft.com/office/drawing/2017/decorative" val="1"/>
+                  </a:ext>
+                </a:extLst>
+              </p:cNvPr>
+              <p:cNvSpPr>
+                <a:spLocks noChangeArrowheads="1"/>
+              </p:cNvSpPr>
+              <p:nvPr>
+                <p:extLst>
+                  <p:ext uri="{386F3935-93C4-4BCD-93E2-E3B085C9AB24}">
+                    <p16:designElem xmlns:p16="http://schemas.microsoft.com/office/powerpoint/2015/main" val="1"/>
+                  </p:ext>
+                </p:extLst>
+              </p:nvPr>
+            </p:nvSpPr>
+            <p:spPr bwMode="auto">
+              <a:xfrm>
+                <a:off x="133350" y="4662488"/>
+                <a:ext cx="23813" cy="2181225"/>
+              </a:xfrm>
+              <a:prstGeom prst="rect">
+                <a:avLst/>
+              </a:prstGeom>
+              <a:grpFill/>
+              <a:ln>
+                <a:noFill/>
+              </a:ln>
+              <a:extLst>
+                <a:ext uri="{91240B29-F687-4f45-9708-019B960494DF}">
+                  <a14:hiddenLine xmlns="" xmlns:a16="http://schemas.microsoft.com/office/drawing/2014/main" xmlns:p14="http://schemas.microsoft.com/office/powerpoint/2010/main" xmlns:a14="http://schemas.microsoft.com/office/drawing/2010/main" w="9525">
+                    <a:solidFill>
+                      <a:srgbClr val="000000"/>
+                    </a:solidFill>
+                    <a:miter lim="800000"/>
+                    <a:headEnd/>
+                    <a:tailEnd/>
+                  </a14:hiddenLine>
+                </a:ext>
+              </a:extLst>
+            </p:spPr>
+          </p:sp>
+          <p:sp>
+            <p:nvSpPr>
+              <p:cNvPr id="182" name="Freeform 22">
+                <a:extLst>
+                  <a:ext uri="{FF2B5EF4-FFF2-40B4-BE49-F238E27FC236}">
+                    <a16:creationId xmlns:a16="http://schemas.microsoft.com/office/drawing/2014/main" id="{6DC6174B-0EC3-4A81-A0D1-D10DBB869A5A}"/>
+                  </a:ext>
+                  <a:ext uri="{C183D7F6-B498-43B3-948B-1728B52AA6E4}">
+                    <adec:decorative xmlns:adec="http://schemas.microsoft.com/office/drawing/2017/decorative" val="1"/>
+                  </a:ext>
+                </a:extLst>
+              </p:cNvPr>
+              <p:cNvSpPr/>
+              <p:nvPr>
+                <p:extLst>
+                  <p:ext uri="{386F3935-93C4-4BCD-93E2-E3B085C9AB24}">
+                    <p16:designElem xmlns:p16="http://schemas.microsoft.com/office/powerpoint/2015/main" val="1"/>
+                  </p:ext>
+                </p:extLst>
+              </p:nvPr>
+            </p:nvSpPr>
+            <p:spPr bwMode="auto">
+              <a:xfrm>
+                <a:off x="223837" y="5041900"/>
+                <a:ext cx="369888" cy="1801813"/>
+              </a:xfrm>
+              <a:custGeom>
+                <a:avLst/>
+                <a:gdLst/>
+                <a:ahLst/>
+                <a:cxnLst/>
+                <a:rect l="0" t="0" r="r" b="b"/>
+                <a:pathLst>
+                  <a:path w="233" h="1135">
+                    <a:moveTo>
+                      <a:pt x="15" y="1135"/>
+                    </a:moveTo>
+                    <a:lnTo>
+                      <a:pt x="0" y="1135"/>
+                    </a:lnTo>
+                    <a:lnTo>
+                      <a:pt x="0" y="515"/>
+                    </a:lnTo>
+                    <a:lnTo>
+                      <a:pt x="0" y="512"/>
+                    </a:lnTo>
+                    <a:lnTo>
+                      <a:pt x="218" y="0"/>
+                    </a:lnTo>
+                    <a:lnTo>
+                      <a:pt x="233" y="6"/>
+                    </a:lnTo>
+                    <a:lnTo>
+                      <a:pt x="15" y="518"/>
+                    </a:lnTo>
+                    <a:lnTo>
+                      <a:pt x="15" y="1135"/>
+                    </a:lnTo>
+                    <a:close/>
+                  </a:path>
+                </a:pathLst>
+              </a:custGeom>
+              <a:grpFill/>
+              <a:ln>
+                <a:noFill/>
+              </a:ln>
+              <a:extLst>
+                <a:ext uri="{91240B29-F687-4f45-9708-019B960494DF}">
+                  <a14:hiddenLine xmlns="" xmlns:a16="http://schemas.microsoft.com/office/drawing/2014/main" xmlns:p14="http://schemas.microsoft.com/office/powerpoint/2010/main" xmlns:a14="http://schemas.microsoft.com/office/drawing/2010/main" w="9525">
+                    <a:solidFill>
+                      <a:srgbClr val="000000"/>
+                    </a:solidFill>
+                    <a:round/>
+                    <a:headEnd/>
+                    <a:tailEnd/>
+                  </a14:hiddenLine>
+                </a:ext>
+              </a:extLst>
+            </p:spPr>
+          </p:sp>
+          <p:sp>
+            <p:nvSpPr>
+              <p:cNvPr id="183" name="Freeform 23">
+                <a:extLst>
+                  <a:ext uri="{FF2B5EF4-FFF2-40B4-BE49-F238E27FC236}">
+                    <a16:creationId xmlns:a16="http://schemas.microsoft.com/office/drawing/2014/main" id="{2CB96070-0553-4F79-984C-8DABB1CD5DB5}"/>
+                  </a:ext>
+                  <a:ext uri="{C183D7F6-B498-43B3-948B-1728B52AA6E4}">
+                    <adec:decorative xmlns:adec="http://schemas.microsoft.com/office/drawing/2017/decorative" val="1"/>
+                  </a:ext>
+                </a:extLst>
+              </p:cNvPr>
+              <p:cNvSpPr>
+                <a:spLocks noEditPoints="1"/>
+              </p:cNvSpPr>
+              <p:nvPr>
+                <p:extLst>
+                  <p:ext uri="{386F3935-93C4-4BCD-93E2-E3B085C9AB24}">
+                    <p16:designElem xmlns:p16="http://schemas.microsoft.com/office/powerpoint/2015/main" val="1"/>
+                  </p:ext>
+                </p:extLst>
+              </p:nvPr>
+            </p:nvSpPr>
+            <p:spPr bwMode="auto">
+              <a:xfrm>
+                <a:off x="52387" y="4481513"/>
+                <a:ext cx="190500" cy="190500"/>
+              </a:xfrm>
+              <a:custGeom>
+                <a:avLst/>
+                <a:gdLst/>
+                <a:ahLst/>
+                <a:cxnLst/>
+                <a:rect l="0" t="0" r="r" b="b"/>
+                <a:pathLst>
+                  <a:path w="40" h="40">
+                    <a:moveTo>
+                      <a:pt x="20" y="40"/>
+                    </a:moveTo>
+                    <a:cubicBezTo>
+                      <a:pt x="9" y="40"/>
+                      <a:pt x="0" y="31"/>
+                      <a:pt x="0" y="20"/>
+                    </a:cubicBezTo>
+                    <a:cubicBezTo>
+                      <a:pt x="0" y="9"/>
+                      <a:pt x="9" y="0"/>
+                      <a:pt x="20" y="0"/>
+                    </a:cubicBezTo>
+                    <a:cubicBezTo>
+                      <a:pt x="31" y="0"/>
+                      <a:pt x="40" y="9"/>
+                      <a:pt x="40" y="20"/>
+                    </a:cubicBezTo>
+                    <a:cubicBezTo>
+                      <a:pt x="40" y="31"/>
+                      <a:pt x="31" y="40"/>
+                      <a:pt x="20" y="40"/>
+                    </a:cubicBezTo>
+                    <a:close/>
+                    <a:moveTo>
+                      <a:pt x="20" y="4"/>
+                    </a:moveTo>
+                    <a:cubicBezTo>
+                      <a:pt x="11" y="4"/>
+                      <a:pt x="4" y="11"/>
+                      <a:pt x="4" y="20"/>
+                    </a:cubicBezTo>
+                    <a:cubicBezTo>
+                      <a:pt x="4" y="29"/>
+                      <a:pt x="11" y="36"/>
+                      <a:pt x="20" y="36"/>
+                    </a:cubicBezTo>
+                    <a:cubicBezTo>
+                      <a:pt x="28" y="36"/>
+                      <a:pt x="36" y="29"/>
+                      <a:pt x="36" y="20"/>
+                    </a:cubicBezTo>
+                    <a:cubicBezTo>
+                      <a:pt x="36" y="11"/>
+                      <a:pt x="28" y="4"/>
+                      <a:pt x="20" y="4"/>
+                    </a:cubicBezTo>
+                    <a:close/>
+                  </a:path>
+                </a:pathLst>
+              </a:custGeom>
+              <a:grpFill/>
+              <a:ln>
+                <a:noFill/>
+              </a:ln>
+              <a:extLst>
+                <a:ext uri="{91240B29-F687-4f45-9708-019B960494DF}">
+                  <a14:hiddenLine xmlns="" xmlns:a16="http://schemas.microsoft.com/office/drawing/2014/main" xmlns:p14="http://schemas.microsoft.com/office/powerpoint/2010/main" xmlns:a14="http://schemas.microsoft.com/office/drawing/2010/main" w="9525">
+                    <a:solidFill>
+                      <a:srgbClr val="000000"/>
+                    </a:solidFill>
+                    <a:round/>
+                    <a:headEnd/>
+                    <a:tailEnd/>
+                  </a14:hiddenLine>
+                </a:ext>
+              </a:extLst>
+            </p:spPr>
+          </p:sp>
+          <p:sp>
+            <p:nvSpPr>
+              <p:cNvPr id="184" name="Freeform 24">
+                <a:extLst>
+                  <a:ext uri="{FF2B5EF4-FFF2-40B4-BE49-F238E27FC236}">
+                    <a16:creationId xmlns:a16="http://schemas.microsoft.com/office/drawing/2014/main" id="{BA23B6E2-3718-4009-B80E-9279154B1918}"/>
+                  </a:ext>
+                  <a:ext uri="{C183D7F6-B498-43B3-948B-1728B52AA6E4}">
+                    <adec:decorative xmlns:adec="http://schemas.microsoft.com/office/drawing/2017/decorative" val="1"/>
+                  </a:ext>
+                </a:extLst>
+              </p:cNvPr>
+              <p:cNvSpPr/>
+              <p:nvPr>
+                <p:extLst>
+                  <p:ext uri="{386F3935-93C4-4BCD-93E2-E3B085C9AB24}">
+                    <p16:designElem xmlns:p16="http://schemas.microsoft.com/office/powerpoint/2015/main" val="1"/>
+                  </p:ext>
+                </p:extLst>
+              </p:nvPr>
+            </p:nvSpPr>
+            <p:spPr bwMode="auto">
+              <a:xfrm>
+                <a:off x="-14288" y="5627688"/>
+                <a:ext cx="85725" cy="1216025"/>
+              </a:xfrm>
+              <a:custGeom>
+                <a:avLst/>
+                <a:gdLst/>
+                <a:ahLst/>
+                <a:cxnLst/>
+                <a:rect l="0" t="0" r="r" b="b"/>
+                <a:pathLst>
+                  <a:path w="54" h="766">
+                    <a:moveTo>
+                      <a:pt x="54" y="766"/>
+                    </a:moveTo>
+                    <a:lnTo>
+                      <a:pt x="36" y="766"/>
+                    </a:lnTo>
+                    <a:lnTo>
+                      <a:pt x="36" y="149"/>
+                    </a:lnTo>
+                    <a:lnTo>
+                      <a:pt x="0" y="3"/>
+                    </a:lnTo>
+                    <a:lnTo>
+                      <a:pt x="18" y="0"/>
+                    </a:lnTo>
+                    <a:lnTo>
+                      <a:pt x="54" y="146"/>
+                    </a:lnTo>
+                    <a:lnTo>
+                      <a:pt x="54" y="766"/>
+                    </a:lnTo>
+                    <a:close/>
+                  </a:path>
+                </a:pathLst>
+              </a:custGeom>
+              <a:grpFill/>
+              <a:ln>
+                <a:noFill/>
+              </a:ln>
+              <a:extLst>
+                <a:ext uri="{91240B29-F687-4f45-9708-019B960494DF}">
+                  <a14:hiddenLine xmlns="" xmlns:a16="http://schemas.microsoft.com/office/drawing/2014/main" xmlns:p14="http://schemas.microsoft.com/office/powerpoint/2010/main" xmlns:a14="http://schemas.microsoft.com/office/drawing/2010/main" w="9525">
+                    <a:solidFill>
+                      <a:srgbClr val="000000"/>
+                    </a:solidFill>
+                    <a:round/>
+                    <a:headEnd/>
+                    <a:tailEnd/>
+                  </a14:hiddenLine>
+                </a:ext>
+              </a:extLst>
+            </p:spPr>
+          </p:sp>
+          <p:sp>
+            <p:nvSpPr>
+              <p:cNvPr id="185" name="Freeform 25">
+                <a:extLst>
+                  <a:ext uri="{FF2B5EF4-FFF2-40B4-BE49-F238E27FC236}">
+                    <a16:creationId xmlns:a16="http://schemas.microsoft.com/office/drawing/2014/main" id="{CAFB32D5-E528-419B-80EE-1475633970AC}"/>
+                  </a:ext>
+                  <a:ext uri="{C183D7F6-B498-43B3-948B-1728B52AA6E4}">
+                    <adec:decorative xmlns:adec="http://schemas.microsoft.com/office/drawing/2017/decorative" val="1"/>
+                  </a:ext>
+                </a:extLst>
+              </p:cNvPr>
+              <p:cNvSpPr>
+                <a:spLocks noEditPoints="1"/>
+              </p:cNvSpPr>
+              <p:nvPr>
+                <p:extLst>
+                  <p:ext uri="{386F3935-93C4-4BCD-93E2-E3B085C9AB24}">
+                    <p16:designElem xmlns:p16="http://schemas.microsoft.com/office/powerpoint/2015/main" val="1"/>
+                  </p:ext>
+                </p:extLst>
+              </p:nvPr>
+            </p:nvSpPr>
+            <p:spPr bwMode="auto">
+              <a:xfrm>
+                <a:off x="527050" y="4867275"/>
+                <a:ext cx="190500" cy="188913"/>
+              </a:xfrm>
+              <a:custGeom>
+                <a:avLst/>
+                <a:gdLst/>
+                <a:ahLst/>
+                <a:cxnLst/>
+                <a:rect l="0" t="0" r="r" b="b"/>
+                <a:pathLst>
+                  <a:path w="40" h="40">
+                    <a:moveTo>
+                      <a:pt x="20" y="40"/>
+                    </a:moveTo>
+                    <a:cubicBezTo>
+                      <a:pt x="9" y="40"/>
+                      <a:pt x="0" y="31"/>
+                      <a:pt x="0" y="20"/>
+                    </a:cubicBezTo>
+                    <a:cubicBezTo>
+                      <a:pt x="0" y="9"/>
+                      <a:pt x="9" y="0"/>
+                      <a:pt x="20" y="0"/>
+                    </a:cubicBezTo>
+                    <a:cubicBezTo>
+                      <a:pt x="31" y="0"/>
+                      <a:pt x="40" y="9"/>
+                      <a:pt x="40" y="20"/>
+                    </a:cubicBezTo>
+                    <a:cubicBezTo>
+                      <a:pt x="40" y="31"/>
+                      <a:pt x="31" y="40"/>
+                      <a:pt x="20" y="40"/>
+                    </a:cubicBezTo>
+                    <a:close/>
+                    <a:moveTo>
+                      <a:pt x="20" y="4"/>
+                    </a:moveTo>
+                    <a:cubicBezTo>
+                      <a:pt x="11" y="4"/>
+                      <a:pt x="4" y="11"/>
+                      <a:pt x="4" y="20"/>
+                    </a:cubicBezTo>
+                    <a:cubicBezTo>
+                      <a:pt x="4" y="29"/>
+                      <a:pt x="11" y="36"/>
+                      <a:pt x="20" y="36"/>
+                    </a:cubicBezTo>
+                    <a:cubicBezTo>
+                      <a:pt x="29" y="36"/>
+                      <a:pt x="36" y="29"/>
+                      <a:pt x="36" y="20"/>
+                    </a:cubicBezTo>
+                    <a:cubicBezTo>
+                      <a:pt x="36" y="11"/>
+                      <a:pt x="29" y="4"/>
+                      <a:pt x="20" y="4"/>
+                    </a:cubicBezTo>
+                    <a:close/>
+                  </a:path>
+                </a:pathLst>
+              </a:custGeom>
+              <a:grpFill/>
+              <a:ln>
+                <a:noFill/>
+              </a:ln>
+              <a:extLst>
+                <a:ext uri="{91240B29-F687-4f45-9708-019B960494DF}">
+                  <a14:hiddenLine xmlns="" xmlns:a16="http://schemas.microsoft.com/office/drawing/2014/main" xmlns:p14="http://schemas.microsoft.com/office/powerpoint/2010/main" xmlns:a14="http://schemas.microsoft.com/office/drawing/2010/main" w="9525">
+                    <a:solidFill>
+                      <a:srgbClr val="000000"/>
+                    </a:solidFill>
+                    <a:round/>
+                    <a:headEnd/>
+                    <a:tailEnd/>
+                  </a14:hiddenLine>
+                </a:ext>
+              </a:extLst>
+            </p:spPr>
+          </p:sp>
+          <p:sp>
+            <p:nvSpPr>
+              <p:cNvPr id="186" name="Freeform 26">
+                <a:extLst>
+                  <a:ext uri="{FF2B5EF4-FFF2-40B4-BE49-F238E27FC236}">
+                    <a16:creationId xmlns:a16="http://schemas.microsoft.com/office/drawing/2014/main" id="{A68ADD35-4FEA-404D-B2F3-23556E6E8F72}"/>
+                  </a:ext>
+                  <a:ext uri="{C183D7F6-B498-43B3-948B-1728B52AA6E4}">
+                    <adec:decorative xmlns:adec="http://schemas.microsoft.com/office/drawing/2017/decorative" val="1"/>
+                  </a:ext>
+                </a:extLst>
+              </p:cNvPr>
+              <p:cNvSpPr/>
+              <p:nvPr>
+                <p:extLst>
+                  <p:ext uri="{386F3935-93C4-4BCD-93E2-E3B085C9AB24}">
+                    <p16:designElem xmlns:p16="http://schemas.microsoft.com/office/powerpoint/2015/main" val="1"/>
+                  </p:ext>
+                </p:extLst>
+              </p:nvPr>
+            </p:nvSpPr>
+            <p:spPr bwMode="auto">
+              <a:xfrm>
+                <a:off x="309562" y="5422900"/>
+                <a:ext cx="374650" cy="1425575"/>
+              </a:xfrm>
+              <a:custGeom>
+                <a:avLst/>
+                <a:gdLst/>
+                <a:ahLst/>
+                <a:cxnLst/>
+                <a:rect l="0" t="0" r="r" b="b"/>
+                <a:pathLst>
+                  <a:path w="236" h="898">
+                    <a:moveTo>
+                      <a:pt x="18" y="898"/>
+                    </a:moveTo>
+                    <a:lnTo>
+                      <a:pt x="0" y="898"/>
+                    </a:lnTo>
+                    <a:lnTo>
+                      <a:pt x="0" y="515"/>
+                    </a:lnTo>
+                    <a:lnTo>
+                      <a:pt x="3" y="512"/>
+                    </a:lnTo>
+                    <a:lnTo>
+                      <a:pt x="221" y="0"/>
+                    </a:lnTo>
+                    <a:lnTo>
+                      <a:pt x="236" y="6"/>
+                    </a:lnTo>
+                    <a:lnTo>
+                      <a:pt x="18" y="518"/>
+                    </a:lnTo>
+                    <a:lnTo>
+                      <a:pt x="18" y="898"/>
+                    </a:lnTo>
+                    <a:close/>
+                  </a:path>
+                </a:pathLst>
+              </a:custGeom>
+              <a:grpFill/>
+              <a:ln>
+                <a:noFill/>
+              </a:ln>
+              <a:extLst>
+                <a:ext uri="{91240B29-F687-4f45-9708-019B960494DF}">
+                  <a14:hiddenLine xmlns="" xmlns:a16="http://schemas.microsoft.com/office/drawing/2014/main" xmlns:p14="http://schemas.microsoft.com/office/powerpoint/2010/main" xmlns:a14="http://schemas.microsoft.com/office/drawing/2010/main" w="9525">
+                    <a:solidFill>
+                      <a:srgbClr val="000000"/>
+                    </a:solidFill>
+                    <a:round/>
+                    <a:headEnd/>
+                    <a:tailEnd/>
+                  </a14:hiddenLine>
+                </a:ext>
+              </a:extLst>
+            </p:spPr>
+          </p:sp>
+          <p:sp>
+            <p:nvSpPr>
+              <p:cNvPr id="187" name="Freeform 27">
+                <a:extLst>
+                  <a:ext uri="{FF2B5EF4-FFF2-40B4-BE49-F238E27FC236}">
+                    <a16:creationId xmlns:a16="http://schemas.microsoft.com/office/drawing/2014/main" id="{89CF17CA-49E3-4B4A-836A-4FD55C67BECE}"/>
+                  </a:ext>
+                  <a:ext uri="{C183D7F6-B498-43B3-948B-1728B52AA6E4}">
+                    <adec:decorative xmlns:adec="http://schemas.microsoft.com/office/drawing/2017/decorative" val="1"/>
+                  </a:ext>
+                </a:extLst>
+              </p:cNvPr>
+              <p:cNvSpPr/>
+              <p:nvPr>
+                <p:extLst>
+                  <p:ext uri="{386F3935-93C4-4BCD-93E2-E3B085C9AB24}">
+                    <p16:designElem xmlns:p16="http://schemas.microsoft.com/office/powerpoint/2015/main" val="1"/>
+                  </p:ext>
+                </p:extLst>
+              </p:nvPr>
+            </p:nvSpPr>
+            <p:spPr bwMode="auto">
+              <a:xfrm>
+                <a:off x="569912" y="5945188"/>
+                <a:ext cx="152400" cy="912813"/>
+              </a:xfrm>
+              <a:custGeom>
+                <a:avLst/>
+                <a:gdLst/>
+                <a:ahLst/>
+                <a:cxnLst/>
+                <a:rect l="0" t="0" r="r" b="b"/>
+                <a:pathLst>
+                  <a:path w="96" h="575">
+                    <a:moveTo>
+                      <a:pt x="15" y="575"/>
+                    </a:moveTo>
+                    <a:lnTo>
+                      <a:pt x="0" y="569"/>
+                    </a:lnTo>
+                    <a:lnTo>
+                      <a:pt x="81" y="383"/>
+                    </a:lnTo>
+                    <a:lnTo>
+                      <a:pt x="81" y="0"/>
+                    </a:lnTo>
+                    <a:lnTo>
+                      <a:pt x="96" y="0"/>
+                    </a:lnTo>
+                    <a:lnTo>
+                      <a:pt x="96" y="386"/>
+                    </a:lnTo>
+                    <a:lnTo>
+                      <a:pt x="15" y="575"/>
+                    </a:lnTo>
+                    <a:close/>
+                  </a:path>
+                </a:pathLst>
+              </a:custGeom>
+              <a:grpFill/>
+              <a:ln>
+                <a:noFill/>
+              </a:ln>
+              <a:extLst>
+                <a:ext uri="{91240B29-F687-4f45-9708-019B960494DF}">
+                  <a14:hiddenLine xmlns="" xmlns:a16="http://schemas.microsoft.com/office/drawing/2014/main" xmlns:p14="http://schemas.microsoft.com/office/powerpoint/2010/main" xmlns:a14="http://schemas.microsoft.com/office/drawing/2010/main" w="9525">
+                    <a:solidFill>
+                      <a:srgbClr val="000000"/>
+                    </a:solidFill>
+                    <a:round/>
+                    <a:headEnd/>
+                    <a:tailEnd/>
+                  </a14:hiddenLine>
+                </a:ext>
+              </a:extLst>
+            </p:spPr>
+          </p:sp>
+          <p:sp>
+            <p:nvSpPr>
+              <p:cNvPr id="188" name="Freeform 28">
+                <a:extLst>
+                  <a:ext uri="{FF2B5EF4-FFF2-40B4-BE49-F238E27FC236}">
+                    <a16:creationId xmlns:a16="http://schemas.microsoft.com/office/drawing/2014/main" id="{AB394F2E-F3E7-4CED-84A9-35C47AB287C8}"/>
+                  </a:ext>
+                  <a:ext uri="{C183D7F6-B498-43B3-948B-1728B52AA6E4}">
+                    <adec:decorative xmlns:adec="http://schemas.microsoft.com/office/drawing/2017/decorative" val="1"/>
+                  </a:ext>
+                </a:extLst>
+              </p:cNvPr>
+              <p:cNvSpPr>
+                <a:spLocks noEditPoints="1"/>
+              </p:cNvSpPr>
+              <p:nvPr>
+                <p:extLst>
+                  <p:ext uri="{386F3935-93C4-4BCD-93E2-E3B085C9AB24}">
+                    <p16:designElem xmlns:p16="http://schemas.microsoft.com/office/powerpoint/2015/main" val="1"/>
+                  </p:ext>
+                </p:extLst>
+              </p:nvPr>
+            </p:nvSpPr>
+            <p:spPr bwMode="auto">
+              <a:xfrm>
+                <a:off x="612775" y="5246688"/>
+                <a:ext cx="190500" cy="190500"/>
+              </a:xfrm>
+              <a:custGeom>
+                <a:avLst/>
+                <a:gdLst/>
+                <a:ahLst/>
+                <a:cxnLst/>
+                <a:rect l="0" t="0" r="r" b="b"/>
+                <a:pathLst>
+                  <a:path w="40" h="40">
+                    <a:moveTo>
+                      <a:pt x="20" y="40"/>
+                    </a:moveTo>
+                    <a:cubicBezTo>
+                      <a:pt x="9" y="40"/>
+                      <a:pt x="0" y="31"/>
+                      <a:pt x="0" y="20"/>
+                    </a:cubicBezTo>
+                    <a:cubicBezTo>
+                      <a:pt x="0" y="9"/>
+                      <a:pt x="9" y="0"/>
+                      <a:pt x="20" y="0"/>
+                    </a:cubicBezTo>
+                    <a:cubicBezTo>
+                      <a:pt x="31" y="0"/>
+                      <a:pt x="40" y="9"/>
+                      <a:pt x="40" y="20"/>
+                    </a:cubicBezTo>
+                    <a:cubicBezTo>
+                      <a:pt x="40" y="31"/>
+                      <a:pt x="31" y="40"/>
+                      <a:pt x="20" y="40"/>
+                    </a:cubicBezTo>
+                    <a:close/>
+                    <a:moveTo>
+                      <a:pt x="20" y="4"/>
+                    </a:moveTo>
+                    <a:cubicBezTo>
+                      <a:pt x="12" y="4"/>
+                      <a:pt x="4" y="11"/>
+                      <a:pt x="4" y="20"/>
+                    </a:cubicBezTo>
+                    <a:cubicBezTo>
+                      <a:pt x="4" y="29"/>
+                      <a:pt x="12" y="36"/>
+                      <a:pt x="20" y="36"/>
+                    </a:cubicBezTo>
+                    <a:cubicBezTo>
+                      <a:pt x="29" y="36"/>
+                      <a:pt x="36" y="29"/>
+                      <a:pt x="36" y="20"/>
+                    </a:cubicBezTo>
+                    <a:cubicBezTo>
+                      <a:pt x="36" y="11"/>
+                      <a:pt x="29" y="4"/>
+                      <a:pt x="20" y="4"/>
+                    </a:cubicBezTo>
+                    <a:close/>
+                  </a:path>
+                </a:pathLst>
+              </a:custGeom>
+              <a:grpFill/>
+              <a:ln>
+                <a:noFill/>
+              </a:ln>
+              <a:extLst>
+                <a:ext uri="{91240B29-F687-4f45-9708-019B960494DF}">
+                  <a14:hiddenLine xmlns="" xmlns:a16="http://schemas.microsoft.com/office/drawing/2014/main" xmlns:p14="http://schemas.microsoft.com/office/powerpoint/2010/main" xmlns:a14="http://schemas.microsoft.com/office/drawing/2010/main" w="9525">
+                    <a:solidFill>
+                      <a:srgbClr val="000000"/>
+                    </a:solidFill>
+                    <a:round/>
+                    <a:headEnd/>
+                    <a:tailEnd/>
+                  </a14:hiddenLine>
+                </a:ext>
+              </a:extLst>
+            </p:spPr>
+          </p:sp>
+          <p:sp>
+            <p:nvSpPr>
+              <p:cNvPr id="189" name="Freeform 29">
+                <a:extLst>
+                  <a:ext uri="{FF2B5EF4-FFF2-40B4-BE49-F238E27FC236}">
+                    <a16:creationId xmlns:a16="http://schemas.microsoft.com/office/drawing/2014/main" id="{FF816C2F-3999-4A9F-8395-5D68ED33A41E}"/>
+                  </a:ext>
+                  <a:ext uri="{C183D7F6-B498-43B3-948B-1728B52AA6E4}">
+                    <adec:decorative xmlns:adec="http://schemas.microsoft.com/office/drawing/2017/decorative" val="1"/>
+                  </a:ext>
+                </a:extLst>
+              </p:cNvPr>
+              <p:cNvSpPr>
+                <a:spLocks noEditPoints="1"/>
+              </p:cNvSpPr>
+              <p:nvPr>
+                <p:extLst>
+                  <p:ext uri="{386F3935-93C4-4BCD-93E2-E3B085C9AB24}">
+                    <p16:designElem xmlns:p16="http://schemas.microsoft.com/office/powerpoint/2015/main" val="1"/>
+                  </p:ext>
+                </p:extLst>
+              </p:nvPr>
+            </p:nvSpPr>
+            <p:spPr bwMode="auto">
+              <a:xfrm>
+                <a:off x="612775" y="5764213"/>
+                <a:ext cx="190500" cy="190500"/>
+              </a:xfrm>
+              <a:custGeom>
+                <a:avLst/>
+                <a:gdLst/>
+                <a:ahLst/>
+                <a:cxnLst/>
+                <a:rect l="0" t="0" r="r" b="b"/>
+                <a:pathLst>
+                  <a:path w="40" h="40">
+                    <a:moveTo>
+                      <a:pt x="20" y="40"/>
+                    </a:moveTo>
+                    <a:cubicBezTo>
+                      <a:pt x="9" y="40"/>
+                      <a:pt x="0" y="31"/>
+                      <a:pt x="0" y="20"/>
+                    </a:cubicBezTo>
+                    <a:cubicBezTo>
+                      <a:pt x="0" y="9"/>
+                      <a:pt x="9" y="0"/>
+                      <a:pt x="20" y="0"/>
+                    </a:cubicBezTo>
+                    <a:cubicBezTo>
+                      <a:pt x="31" y="0"/>
+                      <a:pt x="40" y="9"/>
+                      <a:pt x="40" y="20"/>
+                    </a:cubicBezTo>
+                    <a:cubicBezTo>
+                      <a:pt x="40" y="31"/>
+                      <a:pt x="31" y="40"/>
+                      <a:pt x="20" y="40"/>
+                    </a:cubicBezTo>
+                    <a:close/>
+                    <a:moveTo>
+                      <a:pt x="20" y="4"/>
+                    </a:moveTo>
+                    <a:cubicBezTo>
+                      <a:pt x="12" y="4"/>
+                      <a:pt x="4" y="11"/>
+                      <a:pt x="4" y="20"/>
+                    </a:cubicBezTo>
+                    <a:cubicBezTo>
+                      <a:pt x="4" y="29"/>
+                      <a:pt x="12" y="36"/>
+                      <a:pt x="20" y="36"/>
+                    </a:cubicBezTo>
+                    <a:cubicBezTo>
+                      <a:pt x="29" y="36"/>
+                      <a:pt x="36" y="29"/>
+                      <a:pt x="36" y="20"/>
+                    </a:cubicBezTo>
+                    <a:cubicBezTo>
+                      <a:pt x="36" y="11"/>
+                      <a:pt x="29" y="4"/>
+                      <a:pt x="20" y="4"/>
+                    </a:cubicBezTo>
+                    <a:close/>
+                  </a:path>
+                </a:pathLst>
+              </a:custGeom>
+              <a:grpFill/>
+              <a:ln>
+                <a:noFill/>
+              </a:ln>
+              <a:extLst>
+                <a:ext uri="{91240B29-F687-4f45-9708-019B960494DF}">
+                  <a14:hiddenLine xmlns="" xmlns:a16="http://schemas.microsoft.com/office/drawing/2014/main" xmlns:p14="http://schemas.microsoft.com/office/powerpoint/2010/main" xmlns:a14="http://schemas.microsoft.com/office/drawing/2010/main" w="9525">
+                    <a:solidFill>
+                      <a:srgbClr val="000000"/>
+                    </a:solidFill>
+                    <a:round/>
+                    <a:headEnd/>
+                    <a:tailEnd/>
+                  </a14:hiddenLine>
+                </a:ext>
+              </a:extLst>
+            </p:spPr>
+          </p:sp>
+          <p:sp>
+            <p:nvSpPr>
+              <p:cNvPr id="190" name="Freeform 30">
+                <a:extLst>
+                  <a:ext uri="{FF2B5EF4-FFF2-40B4-BE49-F238E27FC236}">
+                    <a16:creationId xmlns:a16="http://schemas.microsoft.com/office/drawing/2014/main" id="{82AD6AC6-71D5-4BD8-9185-D3062968B57E}"/>
+                  </a:ext>
+                  <a:ext uri="{C183D7F6-B498-43B3-948B-1728B52AA6E4}">
+                    <adec:decorative xmlns:adec="http://schemas.microsoft.com/office/drawing/2017/decorative" val="1"/>
+                  </a:ext>
+                </a:extLst>
+              </p:cNvPr>
+              <p:cNvSpPr/>
+              <p:nvPr>
+                <p:extLst>
+                  <p:ext uri="{386F3935-93C4-4BCD-93E2-E3B085C9AB24}">
+                    <p16:designElem xmlns:p16="http://schemas.microsoft.com/office/powerpoint/2015/main" val="1"/>
+                  </p:ext>
+                </p:extLst>
+              </p:nvPr>
+            </p:nvSpPr>
+            <p:spPr bwMode="auto">
+              <a:xfrm>
+                <a:off x="669925" y="6330950"/>
+                <a:ext cx="417513" cy="517525"/>
+              </a:xfrm>
+              <a:custGeom>
+                <a:avLst/>
+                <a:gdLst/>
+                <a:ahLst/>
+                <a:cxnLst/>
+                <a:rect l="0" t="0" r="r" b="b"/>
+                <a:pathLst>
+                  <a:path w="263" h="326">
+                    <a:moveTo>
+                      <a:pt x="15" y="326"/>
+                    </a:moveTo>
+                    <a:lnTo>
+                      <a:pt x="0" y="320"/>
+                    </a:lnTo>
+                    <a:lnTo>
+                      <a:pt x="45" y="206"/>
+                    </a:lnTo>
+                    <a:lnTo>
+                      <a:pt x="48" y="206"/>
+                    </a:lnTo>
+                    <a:lnTo>
+                      <a:pt x="254" y="0"/>
+                    </a:lnTo>
+                    <a:lnTo>
+                      <a:pt x="263" y="12"/>
+                    </a:lnTo>
+                    <a:lnTo>
+                      <a:pt x="60" y="215"/>
+                    </a:lnTo>
+                    <a:lnTo>
+                      <a:pt x="15" y="326"/>
+                    </a:lnTo>
+                    <a:close/>
+                  </a:path>
+                </a:pathLst>
+              </a:custGeom>
+              <a:grpFill/>
+              <a:ln>
+                <a:noFill/>
+              </a:ln>
+              <a:extLst>
+                <a:ext uri="{91240B29-F687-4f45-9708-019B960494DF}">
+                  <a14:hiddenLine xmlns="" xmlns:a16="http://schemas.microsoft.com/office/drawing/2014/main" xmlns:p14="http://schemas.microsoft.com/office/powerpoint/2010/main" xmlns:a14="http://schemas.microsoft.com/office/drawing/2010/main" w="9525">
+                    <a:solidFill>
+                      <a:srgbClr val="000000"/>
+                    </a:solidFill>
+                    <a:round/>
+                    <a:headEnd/>
+                    <a:tailEnd/>
+                  </a14:hiddenLine>
+                </a:ext>
+              </a:extLst>
+            </p:spPr>
+          </p:sp>
+          <p:sp>
+            <p:nvSpPr>
+              <p:cNvPr id="191" name="Freeform 31">
+                <a:extLst>
+                  <a:ext uri="{FF2B5EF4-FFF2-40B4-BE49-F238E27FC236}">
+                    <a16:creationId xmlns:a16="http://schemas.microsoft.com/office/drawing/2014/main" id="{743A50C2-65CF-4F4C-B412-6149A93ACFE5}"/>
+                  </a:ext>
+                  <a:ext uri="{C183D7F6-B498-43B3-948B-1728B52AA6E4}">
+                    <adec:decorative xmlns:adec="http://schemas.microsoft.com/office/drawing/2017/decorative" val="1"/>
+                  </a:ext>
+                </a:extLst>
+              </p:cNvPr>
+              <p:cNvSpPr>
+                <a:spLocks noEditPoints="1"/>
+              </p:cNvSpPr>
+              <p:nvPr>
+                <p:extLst>
+                  <p:ext uri="{386F3935-93C4-4BCD-93E2-E3B085C9AB24}">
+                    <p16:designElem xmlns:p16="http://schemas.microsoft.com/office/powerpoint/2015/main" val="1"/>
+                  </p:ext>
+                </p:extLst>
+              </p:nvPr>
+            </p:nvSpPr>
+            <p:spPr bwMode="auto">
+              <a:xfrm>
+                <a:off x="1049337" y="6221413"/>
+                <a:ext cx="157163" cy="147638"/>
+              </a:xfrm>
+              <a:custGeom>
+                <a:avLst/>
+                <a:gdLst/>
+                <a:ahLst/>
+                <a:cxnLst/>
+                <a:rect l="0" t="0" r="r" b="b"/>
+                <a:pathLst>
+                  <a:path w="33" h="31">
+                    <a:moveTo>
+                      <a:pt x="16" y="31"/>
+                    </a:moveTo>
+                    <a:cubicBezTo>
+                      <a:pt x="12" y="31"/>
+                      <a:pt x="8" y="29"/>
+                      <a:pt x="5" y="26"/>
+                    </a:cubicBezTo>
+                    <a:cubicBezTo>
+                      <a:pt x="2" y="24"/>
+                      <a:pt x="0" y="20"/>
+                      <a:pt x="0" y="15"/>
+                    </a:cubicBezTo>
+                    <a:cubicBezTo>
+                      <a:pt x="0" y="11"/>
+                      <a:pt x="2" y="7"/>
+                      <a:pt x="5" y="4"/>
+                    </a:cubicBezTo>
+                    <a:cubicBezTo>
+                      <a:pt x="8" y="1"/>
+                      <a:pt x="12" y="0"/>
+                      <a:pt x="16" y="0"/>
+                    </a:cubicBezTo>
+                    <a:cubicBezTo>
+                      <a:pt x="20" y="0"/>
+                      <a:pt x="24" y="1"/>
+                      <a:pt x="27" y="4"/>
+                    </a:cubicBezTo>
+                    <a:cubicBezTo>
+                      <a:pt x="33" y="10"/>
+                      <a:pt x="33" y="20"/>
+                      <a:pt x="27" y="26"/>
+                    </a:cubicBezTo>
+                    <a:cubicBezTo>
+                      <a:pt x="24" y="29"/>
+                      <a:pt x="20" y="31"/>
+                      <a:pt x="16" y="31"/>
+                    </a:cubicBezTo>
+                    <a:close/>
+                    <a:moveTo>
+                      <a:pt x="16" y="4"/>
+                    </a:moveTo>
+                    <a:cubicBezTo>
+                      <a:pt x="13" y="4"/>
+                      <a:pt x="10" y="5"/>
+                      <a:pt x="8" y="7"/>
+                    </a:cubicBezTo>
+                    <a:cubicBezTo>
+                      <a:pt x="6" y="9"/>
+                      <a:pt x="4" y="12"/>
+                      <a:pt x="4" y="15"/>
+                    </a:cubicBezTo>
+                    <a:cubicBezTo>
+                      <a:pt x="4" y="19"/>
+                      <a:pt x="6" y="21"/>
+                      <a:pt x="8" y="24"/>
+                    </a:cubicBezTo>
+                    <a:cubicBezTo>
+                      <a:pt x="10" y="26"/>
+                      <a:pt x="13" y="27"/>
+                      <a:pt x="16" y="27"/>
+                    </a:cubicBezTo>
+                    <a:cubicBezTo>
+                      <a:pt x="19" y="27"/>
+                      <a:pt x="22" y="26"/>
+                      <a:pt x="24" y="24"/>
+                    </a:cubicBezTo>
+                    <a:cubicBezTo>
+                      <a:pt x="29" y="19"/>
+                      <a:pt x="29" y="12"/>
+                      <a:pt x="24" y="7"/>
+                    </a:cubicBezTo>
+                    <a:cubicBezTo>
+                      <a:pt x="22" y="5"/>
+                      <a:pt x="19" y="4"/>
+                      <a:pt x="16" y="4"/>
+                    </a:cubicBezTo>
+                    <a:close/>
+                  </a:path>
+                </a:pathLst>
+              </a:custGeom>
+              <a:grpFill/>
+              <a:ln>
+                <a:noFill/>
+              </a:ln>
+              <a:extLst>
+                <a:ext uri="{91240B29-F687-4f45-9708-019B960494DF}">
+                  <a14:hiddenLine xmlns="" xmlns:a16="http://schemas.microsoft.com/office/drawing/2014/main" xmlns:p14="http://schemas.microsoft.com/office/powerpoint/2010/main" xmlns:a14="http://schemas.microsoft.com/office/drawing/2010/main" w="9525">
+                    <a:solidFill>
+                      <a:srgbClr val="000000"/>
+                    </a:solidFill>
+                    <a:round/>
+                    <a:headEnd/>
+                    <a:tailEnd/>
+                  </a14:hiddenLine>
+                </a:ext>
+              </a:extLst>
+            </p:spPr>
+          </p:sp>
+        </p:grpSp>
+        <p:grpSp>
+          <p:nvGrpSpPr>
+            <p:cNvPr id="154" name="Group 153">
+              <a:extLst>
+                <a:ext uri="{FF2B5EF4-FFF2-40B4-BE49-F238E27FC236}">
+                  <a16:creationId xmlns:a16="http://schemas.microsoft.com/office/drawing/2014/main" id="{6C0E7A88-FEDF-4C4F-A6B4-F7DDE9DE926A}"/>
+                </a:ext>
+                <a:ext uri="{C183D7F6-B498-43B3-948B-1728B52AA6E4}">
+                  <adec:decorative xmlns:adec="http://schemas.microsoft.com/office/drawing/2017/decorative" val="1"/>
+                </a:ext>
+              </a:extLst>
+            </p:cNvPr>
+            <p:cNvGrpSpPr/>
+            <p:nvPr>
+              <p:extLst>
+                <p:ext uri="{386F3935-93C4-4BCD-93E2-E3B085C9AB24}">
+                  <p16:designElem xmlns:p16="http://schemas.microsoft.com/office/powerpoint/2015/main" val="1"/>
+                </p:ext>
+              </p:extLst>
+            </p:nvPr>
+          </p:nvGrpSpPr>
+          <p:grpSpPr>
+            <a:xfrm>
+              <a:off x="11227597" y="0"/>
+              <a:ext cx="674688" cy="6848476"/>
+              <a:chOff x="11364912" y="0"/>
+              <a:chExt cx="674688" cy="6848476"/>
+            </a:xfrm>
+            <a:gradFill flip="none" rotWithShape="1">
+              <a:gsLst>
+                <a:gs pos="0">
+                  <a:schemeClr val="bg2"/>
+                </a:gs>
+                <a:gs pos="100000">
+                  <a:schemeClr val="tx2">
+                    <a:lumMod val="60000"/>
+                    <a:lumOff val="40000"/>
+                  </a:schemeClr>
+                </a:gs>
+              </a:gsLst>
+              <a:lin ang="5400000" scaled="0"/>
+              <a:tileRect/>
+            </a:gradFill>
+          </p:grpSpPr>
+          <p:sp>
+            <p:nvSpPr>
+              <p:cNvPr id="155" name="Freeform 32">
+                <a:extLst>
+                  <a:ext uri="{FF2B5EF4-FFF2-40B4-BE49-F238E27FC236}">
+                    <a16:creationId xmlns:a16="http://schemas.microsoft.com/office/drawing/2014/main" id="{AE94B3EE-D5C0-4BDE-B6AA-7599F0486EA5}"/>
+                  </a:ext>
+                  <a:ext uri="{C183D7F6-B498-43B3-948B-1728B52AA6E4}">
+                    <adec:decorative xmlns:adec="http://schemas.microsoft.com/office/drawing/2017/decorative" val="1"/>
+                  </a:ext>
+                </a:extLst>
+              </p:cNvPr>
+              <p:cNvSpPr/>
+              <p:nvPr>
+                <p:extLst>
+                  <p:ext uri="{386F3935-93C4-4BCD-93E2-E3B085C9AB24}">
+                    <p16:designElem xmlns:p16="http://schemas.microsoft.com/office/powerpoint/2015/main" val="1"/>
+                  </p:ext>
+                </p:extLst>
+              </p:nvPr>
+            </p:nvSpPr>
+            <p:spPr bwMode="auto">
+              <a:xfrm>
+                <a:off x="11483975" y="0"/>
+                <a:ext cx="417513" cy="512763"/>
+              </a:xfrm>
+              <a:custGeom>
+                <a:avLst/>
+                <a:gdLst/>
+                <a:ahLst/>
+                <a:cxnLst/>
+                <a:rect l="0" t="0" r="r" b="b"/>
+                <a:pathLst>
+                  <a:path w="263" h="323">
+                    <a:moveTo>
+                      <a:pt x="12" y="323"/>
+                    </a:moveTo>
+                    <a:lnTo>
+                      <a:pt x="0" y="314"/>
+                    </a:lnTo>
+                    <a:lnTo>
+                      <a:pt x="203" y="108"/>
+                    </a:lnTo>
+                    <a:lnTo>
+                      <a:pt x="248" y="0"/>
+                    </a:lnTo>
+                    <a:lnTo>
+                      <a:pt x="263" y="6"/>
+                    </a:lnTo>
+                    <a:lnTo>
+                      <a:pt x="218" y="117"/>
+                    </a:lnTo>
+                    <a:lnTo>
+                      <a:pt x="218" y="117"/>
+                    </a:lnTo>
+                    <a:lnTo>
+                      <a:pt x="12" y="323"/>
+                    </a:lnTo>
+                    <a:close/>
+                  </a:path>
+                </a:pathLst>
+              </a:custGeom>
+              <a:grpFill/>
+              <a:ln>
+                <a:noFill/>
+              </a:ln>
+              <a:extLst>
+                <a:ext uri="{91240B29-F687-4f45-9708-019B960494DF}">
+                  <a14:hiddenLine xmlns="" xmlns:a16="http://schemas.microsoft.com/office/drawing/2014/main" xmlns:p14="http://schemas.microsoft.com/office/powerpoint/2010/main" xmlns:a14="http://schemas.microsoft.com/office/drawing/2010/main" w="9525">
+                    <a:solidFill>
+                      <a:srgbClr val="000000"/>
+                    </a:solidFill>
+                    <a:round/>
+                    <a:headEnd/>
+                    <a:tailEnd/>
+                  </a14:hiddenLine>
+                </a:ext>
+              </a:extLst>
+            </p:spPr>
+          </p:sp>
+          <p:sp>
+            <p:nvSpPr>
+              <p:cNvPr id="156" name="Freeform 33">
+                <a:extLst>
+                  <a:ext uri="{FF2B5EF4-FFF2-40B4-BE49-F238E27FC236}">
+                    <a16:creationId xmlns:a16="http://schemas.microsoft.com/office/drawing/2014/main" id="{5EF110E8-C00D-454E-8F3A-ECF2D356676F}"/>
+                  </a:ext>
+                  <a:ext uri="{C183D7F6-B498-43B3-948B-1728B52AA6E4}">
+                    <adec:decorative xmlns:adec="http://schemas.microsoft.com/office/drawing/2017/decorative" val="1"/>
+                  </a:ext>
+                </a:extLst>
+              </p:cNvPr>
+              <p:cNvSpPr>
+                <a:spLocks noEditPoints="1"/>
+              </p:cNvSpPr>
+              <p:nvPr>
+                <p:extLst>
+                  <p:ext uri="{386F3935-93C4-4BCD-93E2-E3B085C9AB24}">
+                    <p16:designElem xmlns:p16="http://schemas.microsoft.com/office/powerpoint/2015/main" val="1"/>
+                  </p:ext>
+                </p:extLst>
+              </p:nvPr>
+            </p:nvSpPr>
+            <p:spPr bwMode="auto">
+              <a:xfrm>
+                <a:off x="11364912" y="474663"/>
+                <a:ext cx="157163" cy="152400"/>
+              </a:xfrm>
+              <a:custGeom>
+                <a:avLst/>
+                <a:gdLst/>
+                <a:ahLst/>
+                <a:cxnLst/>
+                <a:rect l="0" t="0" r="r" b="b"/>
+                <a:pathLst>
+                  <a:path w="33" h="32">
+                    <a:moveTo>
+                      <a:pt x="17" y="32"/>
+                    </a:moveTo>
+                    <a:cubicBezTo>
+                      <a:pt x="13" y="32"/>
+                      <a:pt x="9" y="30"/>
+                      <a:pt x="6" y="27"/>
+                    </a:cubicBezTo>
+                    <a:cubicBezTo>
+                      <a:pt x="0" y="21"/>
+                      <a:pt x="0" y="11"/>
+                      <a:pt x="6" y="5"/>
+                    </a:cubicBezTo>
+                    <a:cubicBezTo>
+                      <a:pt x="9" y="2"/>
+                      <a:pt x="13" y="0"/>
+                      <a:pt x="17" y="0"/>
+                    </a:cubicBezTo>
+                    <a:cubicBezTo>
+                      <a:pt x="21" y="0"/>
+                      <a:pt x="25" y="2"/>
+                      <a:pt x="28" y="5"/>
+                    </a:cubicBezTo>
+                    <a:cubicBezTo>
+                      <a:pt x="31" y="8"/>
+                      <a:pt x="33" y="12"/>
+                      <a:pt x="33" y="16"/>
+                    </a:cubicBezTo>
+                    <a:cubicBezTo>
+                      <a:pt x="33" y="20"/>
+                      <a:pt x="31" y="24"/>
+                      <a:pt x="28" y="27"/>
+                    </a:cubicBezTo>
+                    <a:cubicBezTo>
+                      <a:pt x="25" y="30"/>
+                      <a:pt x="21" y="32"/>
+                      <a:pt x="17" y="32"/>
+                    </a:cubicBezTo>
+                    <a:close/>
+                    <a:moveTo>
+                      <a:pt x="17" y="4"/>
+                    </a:moveTo>
+                    <a:cubicBezTo>
+                      <a:pt x="14" y="4"/>
+                      <a:pt x="11" y="6"/>
+                      <a:pt x="9" y="8"/>
+                    </a:cubicBezTo>
+                    <a:cubicBezTo>
+                      <a:pt x="4" y="12"/>
+                      <a:pt x="4" y="20"/>
+                      <a:pt x="9" y="24"/>
+                    </a:cubicBezTo>
+                    <a:cubicBezTo>
+                      <a:pt x="11" y="27"/>
+                      <a:pt x="14" y="28"/>
+                      <a:pt x="17" y="28"/>
+                    </a:cubicBezTo>
+                    <a:cubicBezTo>
+                      <a:pt x="20" y="28"/>
+                      <a:pt x="23" y="27"/>
+                      <a:pt x="26" y="24"/>
+                    </a:cubicBezTo>
+                    <a:cubicBezTo>
+                      <a:pt x="30" y="20"/>
+                      <a:pt x="30" y="12"/>
+                      <a:pt x="26" y="8"/>
+                    </a:cubicBezTo>
+                    <a:cubicBezTo>
+                      <a:pt x="23" y="6"/>
+                      <a:pt x="20" y="4"/>
+                      <a:pt x="17" y="4"/>
+                    </a:cubicBezTo>
+                    <a:close/>
+                  </a:path>
+                </a:pathLst>
+              </a:custGeom>
+              <a:grpFill/>
+              <a:ln>
+                <a:noFill/>
+              </a:ln>
+              <a:extLst>
+                <a:ext uri="{91240B29-F687-4f45-9708-019B960494DF}">
+                  <a14:hiddenLine xmlns="" xmlns:a16="http://schemas.microsoft.com/office/drawing/2014/main" xmlns:p14="http://schemas.microsoft.com/office/powerpoint/2010/main" xmlns:a14="http://schemas.microsoft.com/office/drawing/2010/main" w="9525">
+                    <a:solidFill>
+                      <a:srgbClr val="000000"/>
+                    </a:solidFill>
+                    <a:round/>
+                    <a:headEnd/>
+                    <a:tailEnd/>
+                  </a14:hiddenLine>
+                </a:ext>
+              </a:extLst>
+            </p:spPr>
+          </p:sp>
+          <p:sp>
+            <p:nvSpPr>
+              <p:cNvPr id="157" name="Freeform 34">
+                <a:extLst>
+                  <a:ext uri="{FF2B5EF4-FFF2-40B4-BE49-F238E27FC236}">
+                    <a16:creationId xmlns:a16="http://schemas.microsoft.com/office/drawing/2014/main" id="{BFC5F327-6927-4F35-9AF6-C45527BB4512}"/>
+                  </a:ext>
+                  <a:ext uri="{C183D7F6-B498-43B3-948B-1728B52AA6E4}">
+                    <adec:decorative xmlns:adec="http://schemas.microsoft.com/office/drawing/2017/decorative" val="1"/>
+                  </a:ext>
+                </a:extLst>
+              </p:cNvPr>
+              <p:cNvSpPr>
+                <a:spLocks noEditPoints="1"/>
+              </p:cNvSpPr>
+              <p:nvPr>
+                <p:extLst>
+                  <p:ext uri="{386F3935-93C4-4BCD-93E2-E3B085C9AB24}">
+                    <p16:designElem xmlns:p16="http://schemas.microsoft.com/office/powerpoint/2015/main" val="1"/>
+                  </p:ext>
+                </p:extLst>
+              </p:nvPr>
+            </p:nvSpPr>
+            <p:spPr bwMode="auto">
+              <a:xfrm>
+                <a:off x="11631612" y="1539875"/>
+                <a:ext cx="188913" cy="190500"/>
+              </a:xfrm>
+              <a:custGeom>
+                <a:avLst/>
+                <a:gdLst/>
+                <a:ahLst/>
+                <a:cxnLst/>
+                <a:rect l="0" t="0" r="r" b="b"/>
+                <a:pathLst>
+                  <a:path w="40" h="40">
+                    <a:moveTo>
+                      <a:pt x="20" y="40"/>
+                    </a:moveTo>
+                    <a:cubicBezTo>
+                      <a:pt x="9" y="40"/>
+                      <a:pt x="0" y="31"/>
+                      <a:pt x="0" y="20"/>
+                    </a:cubicBezTo>
+                    <a:cubicBezTo>
+                      <a:pt x="0" y="9"/>
+                      <a:pt x="9" y="0"/>
+                      <a:pt x="20" y="0"/>
+                    </a:cubicBezTo>
+                    <a:cubicBezTo>
+                      <a:pt x="31" y="0"/>
+                      <a:pt x="40" y="9"/>
+                      <a:pt x="40" y="20"/>
+                    </a:cubicBezTo>
+                    <a:cubicBezTo>
+                      <a:pt x="40" y="31"/>
+                      <a:pt x="31" y="40"/>
+                      <a:pt x="20" y="40"/>
+                    </a:cubicBezTo>
+                    <a:close/>
+                    <a:moveTo>
+                      <a:pt x="20" y="4"/>
+                    </a:moveTo>
+                    <a:cubicBezTo>
+                      <a:pt x="11" y="4"/>
+                      <a:pt x="4" y="11"/>
+                      <a:pt x="4" y="20"/>
+                    </a:cubicBezTo>
+                    <a:cubicBezTo>
+                      <a:pt x="4" y="29"/>
+                      <a:pt x="11" y="36"/>
+                      <a:pt x="20" y="36"/>
+                    </a:cubicBezTo>
+                    <a:cubicBezTo>
+                      <a:pt x="29" y="36"/>
+                      <a:pt x="36" y="29"/>
+                      <a:pt x="36" y="20"/>
+                    </a:cubicBezTo>
+                    <a:cubicBezTo>
+                      <a:pt x="36" y="11"/>
+                      <a:pt x="29" y="4"/>
+                      <a:pt x="20" y="4"/>
+                    </a:cubicBezTo>
+                    <a:close/>
+                  </a:path>
+                </a:pathLst>
+              </a:custGeom>
+              <a:grpFill/>
+              <a:ln>
+                <a:noFill/>
+              </a:ln>
+              <a:extLst>
+                <a:ext uri="{91240B29-F687-4f45-9708-019B960494DF}">
+                  <a14:hiddenLine xmlns="" xmlns:a16="http://schemas.microsoft.com/office/drawing/2014/main" xmlns:p14="http://schemas.microsoft.com/office/powerpoint/2010/main" xmlns:a14="http://schemas.microsoft.com/office/drawing/2010/main" w="9525">
+                    <a:solidFill>
+                      <a:srgbClr val="000000"/>
+                    </a:solidFill>
+                    <a:round/>
+                    <a:headEnd/>
+                    <a:tailEnd/>
+                  </a14:hiddenLine>
+                </a:ext>
+              </a:extLst>
+            </p:spPr>
+          </p:sp>
+          <p:sp>
+            <p:nvSpPr>
+              <p:cNvPr id="158" name="Freeform 35">
+                <a:extLst>
+                  <a:ext uri="{FF2B5EF4-FFF2-40B4-BE49-F238E27FC236}">
+                    <a16:creationId xmlns:a16="http://schemas.microsoft.com/office/drawing/2014/main" id="{BF2D314D-AEDE-418D-9702-D3CDB98C30FB}"/>
+                  </a:ext>
+                  <a:ext uri="{C183D7F6-B498-43B3-948B-1728B52AA6E4}">
+                    <adec:decorative xmlns:adec="http://schemas.microsoft.com/office/drawing/2017/decorative" val="1"/>
+                  </a:ext>
+                </a:extLst>
+              </p:cNvPr>
+              <p:cNvSpPr/>
+              <p:nvPr>
+                <p:extLst>
+                  <p:ext uri="{386F3935-93C4-4BCD-93E2-E3B085C9AB24}">
+                    <p16:designElem xmlns:p16="http://schemas.microsoft.com/office/powerpoint/2015/main" val="1"/>
+                  </p:ext>
+                </p:extLst>
+              </p:nvPr>
+            </p:nvSpPr>
+            <p:spPr bwMode="auto">
+              <a:xfrm>
+                <a:off x="11531600" y="5694363"/>
+                <a:ext cx="298450" cy="1154113"/>
+              </a:xfrm>
+              <a:custGeom>
+                <a:avLst/>
+                <a:gdLst/>
+                <a:ahLst/>
+                <a:cxnLst/>
+                <a:rect l="0" t="0" r="r" b="b"/>
+                <a:pathLst>
+                  <a:path w="188" h="727">
+                    <a:moveTo>
+                      <a:pt x="15" y="727"/>
+                    </a:moveTo>
+                    <a:lnTo>
+                      <a:pt x="0" y="727"/>
+                    </a:lnTo>
+                    <a:lnTo>
+                      <a:pt x="0" y="407"/>
+                    </a:lnTo>
+                    <a:lnTo>
+                      <a:pt x="0" y="407"/>
+                    </a:lnTo>
+                    <a:lnTo>
+                      <a:pt x="176" y="0"/>
+                    </a:lnTo>
+                    <a:lnTo>
+                      <a:pt x="188" y="6"/>
+                    </a:lnTo>
+                    <a:lnTo>
+                      <a:pt x="15" y="410"/>
+                    </a:lnTo>
+                    <a:lnTo>
+                      <a:pt x="15" y="727"/>
+                    </a:lnTo>
+                    <a:close/>
+                  </a:path>
+                </a:pathLst>
+              </a:custGeom>
+              <a:grpFill/>
+              <a:ln>
+                <a:noFill/>
+              </a:ln>
+              <a:extLst>
+                <a:ext uri="{91240B29-F687-4f45-9708-019B960494DF}">
+                  <a14:hiddenLine xmlns="" xmlns:a16="http://schemas.microsoft.com/office/drawing/2014/main" xmlns:p14="http://schemas.microsoft.com/office/powerpoint/2010/main" xmlns:a14="http://schemas.microsoft.com/office/drawing/2010/main" w="9525">
+                    <a:solidFill>
+                      <a:srgbClr val="000000"/>
+                    </a:solidFill>
+                    <a:round/>
+                    <a:headEnd/>
+                    <a:tailEnd/>
+                  </a14:hiddenLine>
+                </a:ext>
+              </a:extLst>
+            </p:spPr>
+          </p:sp>
+          <p:sp>
+            <p:nvSpPr>
+              <p:cNvPr id="159" name="Freeform 36">
+                <a:extLst>
+                  <a:ext uri="{FF2B5EF4-FFF2-40B4-BE49-F238E27FC236}">
+                    <a16:creationId xmlns:a16="http://schemas.microsoft.com/office/drawing/2014/main" id="{64FD07F8-3CA6-4209-9A9E-30609FE9A36D}"/>
+                  </a:ext>
+                  <a:ext uri="{C183D7F6-B498-43B3-948B-1728B52AA6E4}">
+                    <adec:decorative xmlns:adec="http://schemas.microsoft.com/office/drawing/2017/decorative" val="1"/>
+                  </a:ext>
+                </a:extLst>
+              </p:cNvPr>
+              <p:cNvSpPr>
+                <a:spLocks noEditPoints="1"/>
+              </p:cNvSpPr>
+              <p:nvPr>
+                <p:extLst>
+                  <p:ext uri="{386F3935-93C4-4BCD-93E2-E3B085C9AB24}">
+                    <p16:designElem xmlns:p16="http://schemas.microsoft.com/office/powerpoint/2015/main" val="1"/>
+                  </p:ext>
+                </p:extLst>
+              </p:nvPr>
+            </p:nvSpPr>
+            <p:spPr bwMode="auto">
+              <a:xfrm>
+                <a:off x="11772900" y="5551488"/>
+                <a:ext cx="157163" cy="155575"/>
+              </a:xfrm>
+              <a:custGeom>
+                <a:avLst/>
+                <a:gdLst/>
+                <a:ahLst/>
+                <a:cxnLst/>
+                <a:rect l="0" t="0" r="r" b="b"/>
+                <a:pathLst>
+                  <a:path w="33" h="33">
+                    <a:moveTo>
+                      <a:pt x="17" y="33"/>
+                    </a:moveTo>
+                    <a:cubicBezTo>
+                      <a:pt x="8" y="33"/>
+                      <a:pt x="0" y="25"/>
+                      <a:pt x="0" y="16"/>
+                    </a:cubicBezTo>
+                    <a:cubicBezTo>
+                      <a:pt x="0" y="7"/>
+                      <a:pt x="8" y="0"/>
+                      <a:pt x="17" y="0"/>
+                    </a:cubicBezTo>
+                    <a:cubicBezTo>
+                      <a:pt x="26" y="0"/>
+                      <a:pt x="33" y="7"/>
+                      <a:pt x="33" y="16"/>
+                    </a:cubicBezTo>
+                    <a:cubicBezTo>
+                      <a:pt x="33" y="25"/>
+                      <a:pt x="26" y="33"/>
+                      <a:pt x="17" y="33"/>
+                    </a:cubicBezTo>
+                    <a:close/>
+                    <a:moveTo>
+                      <a:pt x="17" y="4"/>
+                    </a:moveTo>
+                    <a:cubicBezTo>
+                      <a:pt x="10" y="4"/>
+                      <a:pt x="4" y="9"/>
+                      <a:pt x="4" y="16"/>
+                    </a:cubicBezTo>
+                    <a:cubicBezTo>
+                      <a:pt x="4" y="23"/>
+                      <a:pt x="10" y="29"/>
+                      <a:pt x="17" y="29"/>
+                    </a:cubicBezTo>
+                    <a:cubicBezTo>
+                      <a:pt x="23" y="29"/>
+                      <a:pt x="29" y="23"/>
+                      <a:pt x="29" y="16"/>
+                    </a:cubicBezTo>
+                    <a:cubicBezTo>
+                      <a:pt x="29" y="9"/>
+                      <a:pt x="23" y="4"/>
+                      <a:pt x="17" y="4"/>
+                    </a:cubicBezTo>
+                    <a:close/>
+                  </a:path>
+                </a:pathLst>
+              </a:custGeom>
+              <a:grpFill/>
+              <a:ln>
+                <a:noFill/>
+              </a:ln>
+              <a:extLst>
+                <a:ext uri="{91240B29-F687-4f45-9708-019B960494DF}">
+                  <a14:hiddenLine xmlns="" xmlns:a16="http://schemas.microsoft.com/office/drawing/2014/main" xmlns:p14="http://schemas.microsoft.com/office/powerpoint/2010/main" xmlns:a14="http://schemas.microsoft.com/office/drawing/2010/main" w="9525">
+                    <a:solidFill>
+                      <a:srgbClr val="000000"/>
+                    </a:solidFill>
+                    <a:round/>
+                    <a:headEnd/>
+                    <a:tailEnd/>
+                  </a14:hiddenLine>
+                </a:ext>
+              </a:extLst>
+            </p:spPr>
+          </p:sp>
+          <p:sp>
+            <p:nvSpPr>
+              <p:cNvPr id="160" name="Freeform 37">
+                <a:extLst>
+                  <a:ext uri="{FF2B5EF4-FFF2-40B4-BE49-F238E27FC236}">
+                    <a16:creationId xmlns:a16="http://schemas.microsoft.com/office/drawing/2014/main" id="{AB0AE24D-CD49-4B57-82E0-780F62AE4FDE}"/>
+                  </a:ext>
+                  <a:ext uri="{C183D7F6-B498-43B3-948B-1728B52AA6E4}">
+                    <adec:decorative xmlns:adec="http://schemas.microsoft.com/office/drawing/2017/decorative" val="1"/>
+                  </a:ext>
+                </a:extLst>
+              </p:cNvPr>
+              <p:cNvSpPr/>
+              <p:nvPr>
+                <p:extLst>
+                  <p:ext uri="{386F3935-93C4-4BCD-93E2-E3B085C9AB24}">
+                    <p16:designElem xmlns:p16="http://schemas.microsoft.com/office/powerpoint/2015/main" val="1"/>
+                  </p:ext>
+                </p:extLst>
+              </p:nvPr>
+            </p:nvSpPr>
+            <p:spPr bwMode="auto">
+              <a:xfrm>
+                <a:off x="11710987" y="4763"/>
+                <a:ext cx="304800" cy="1544638"/>
+              </a:xfrm>
+              <a:custGeom>
+                <a:avLst/>
+                <a:gdLst/>
+                <a:ahLst/>
+                <a:cxnLst/>
+                <a:rect l="0" t="0" r="r" b="b"/>
+                <a:pathLst>
+                  <a:path w="192" h="973">
+                    <a:moveTo>
+                      <a:pt x="15" y="973"/>
+                    </a:moveTo>
+                    <a:lnTo>
+                      <a:pt x="0" y="973"/>
+                    </a:lnTo>
+                    <a:lnTo>
+                      <a:pt x="0" y="790"/>
+                    </a:lnTo>
+                    <a:lnTo>
+                      <a:pt x="174" y="614"/>
+                    </a:lnTo>
+                    <a:lnTo>
+                      <a:pt x="174" y="0"/>
+                    </a:lnTo>
+                    <a:lnTo>
+                      <a:pt x="192" y="0"/>
+                    </a:lnTo>
+                    <a:lnTo>
+                      <a:pt x="192" y="620"/>
+                    </a:lnTo>
+                    <a:lnTo>
+                      <a:pt x="15" y="796"/>
+                    </a:lnTo>
+                    <a:lnTo>
+                      <a:pt x="15" y="973"/>
+                    </a:lnTo>
+                    <a:close/>
+                  </a:path>
+                </a:pathLst>
+              </a:custGeom>
+              <a:grpFill/>
+              <a:ln>
+                <a:noFill/>
+              </a:ln>
+              <a:extLst>
+                <a:ext uri="{91240B29-F687-4f45-9708-019B960494DF}">
+                  <a14:hiddenLine xmlns="" xmlns:a16="http://schemas.microsoft.com/office/drawing/2014/main" xmlns:p14="http://schemas.microsoft.com/office/powerpoint/2010/main" xmlns:a14="http://schemas.microsoft.com/office/drawing/2010/main" w="9525">
+                    <a:solidFill>
+                      <a:srgbClr val="000000"/>
+                    </a:solidFill>
+                    <a:round/>
+                    <a:headEnd/>
+                    <a:tailEnd/>
+                  </a14:hiddenLine>
+                </a:ext>
+              </a:extLst>
+            </p:spPr>
+          </p:sp>
+          <p:sp>
+            <p:nvSpPr>
+              <p:cNvPr id="161" name="Freeform 38">
+                <a:extLst>
+                  <a:ext uri="{FF2B5EF4-FFF2-40B4-BE49-F238E27FC236}">
+                    <a16:creationId xmlns:a16="http://schemas.microsoft.com/office/drawing/2014/main" id="{66803AF8-6368-45E6-A0B7-C0C4CFFEEB51}"/>
+                  </a:ext>
+                  <a:ext uri="{C183D7F6-B498-43B3-948B-1728B52AA6E4}">
+                    <adec:decorative xmlns:adec="http://schemas.microsoft.com/office/drawing/2017/decorative" val="1"/>
+                  </a:ext>
+                </a:extLst>
+              </p:cNvPr>
+              <p:cNvSpPr>
+                <a:spLocks noEditPoints="1"/>
+              </p:cNvSpPr>
+              <p:nvPr>
+                <p:extLst>
+                  <p:ext uri="{386F3935-93C4-4BCD-93E2-E3B085C9AB24}">
+                    <p16:designElem xmlns:p16="http://schemas.microsoft.com/office/powerpoint/2015/main" val="1"/>
+                  </p:ext>
+                </p:extLst>
+              </p:nvPr>
+            </p:nvSpPr>
+            <p:spPr bwMode="auto">
+              <a:xfrm>
+                <a:off x="11636375" y="4867275"/>
+                <a:ext cx="188913" cy="188913"/>
+              </a:xfrm>
+              <a:custGeom>
+                <a:avLst/>
+                <a:gdLst/>
+                <a:ahLst/>
+                <a:cxnLst/>
+                <a:rect l="0" t="0" r="r" b="b"/>
+                <a:pathLst>
+                  <a:path w="40" h="40">
+                    <a:moveTo>
+                      <a:pt x="20" y="40"/>
+                    </a:moveTo>
+                    <a:cubicBezTo>
+                      <a:pt x="9" y="40"/>
+                      <a:pt x="0" y="31"/>
+                      <a:pt x="0" y="20"/>
+                    </a:cubicBezTo>
+                    <a:cubicBezTo>
+                      <a:pt x="0" y="9"/>
+                      <a:pt x="9" y="0"/>
+                      <a:pt x="20" y="0"/>
+                    </a:cubicBezTo>
+                    <a:cubicBezTo>
+                      <a:pt x="31" y="0"/>
+                      <a:pt x="40" y="9"/>
+                      <a:pt x="40" y="20"/>
+                    </a:cubicBezTo>
+                    <a:cubicBezTo>
+                      <a:pt x="40" y="31"/>
+                      <a:pt x="31" y="40"/>
+                      <a:pt x="20" y="40"/>
+                    </a:cubicBezTo>
+                    <a:close/>
+                    <a:moveTo>
+                      <a:pt x="20" y="4"/>
+                    </a:moveTo>
+                    <a:cubicBezTo>
+                      <a:pt x="11" y="4"/>
+                      <a:pt x="4" y="11"/>
+                      <a:pt x="4" y="20"/>
+                    </a:cubicBezTo>
+                    <a:cubicBezTo>
+                      <a:pt x="4" y="29"/>
+                      <a:pt x="11" y="36"/>
+                      <a:pt x="20" y="36"/>
+                    </a:cubicBezTo>
+                    <a:cubicBezTo>
+                      <a:pt x="29" y="36"/>
+                      <a:pt x="36" y="29"/>
+                      <a:pt x="36" y="20"/>
+                    </a:cubicBezTo>
+                    <a:cubicBezTo>
+                      <a:pt x="36" y="11"/>
+                      <a:pt x="29" y="4"/>
+                      <a:pt x="20" y="4"/>
+                    </a:cubicBezTo>
+                    <a:close/>
+                  </a:path>
+                </a:pathLst>
+              </a:custGeom>
+              <a:grpFill/>
+              <a:ln>
+                <a:noFill/>
+              </a:ln>
+              <a:extLst>
+                <a:ext uri="{91240B29-F687-4f45-9708-019B960494DF}">
+                  <a14:hiddenLine xmlns="" xmlns:a16="http://schemas.microsoft.com/office/drawing/2014/main" xmlns:p14="http://schemas.microsoft.com/office/powerpoint/2010/main" xmlns:a14="http://schemas.microsoft.com/office/drawing/2010/main" w="9525">
+                    <a:solidFill>
+                      <a:srgbClr val="000000"/>
+                    </a:solidFill>
+                    <a:round/>
+                    <a:headEnd/>
+                    <a:tailEnd/>
+                  </a14:hiddenLine>
+                </a:ext>
+              </a:extLst>
+            </p:spPr>
+          </p:sp>
+          <p:sp>
+            <p:nvSpPr>
+              <p:cNvPr id="162" name="Freeform 39">
+                <a:extLst>
+                  <a:ext uri="{FF2B5EF4-FFF2-40B4-BE49-F238E27FC236}">
+                    <a16:creationId xmlns:a16="http://schemas.microsoft.com/office/drawing/2014/main" id="{B4761E05-2792-472B-A814-9616151CF305}"/>
+                  </a:ext>
+                  <a:ext uri="{C183D7F6-B498-43B3-948B-1728B52AA6E4}">
+                    <adec:decorative xmlns:adec="http://schemas.microsoft.com/office/drawing/2017/decorative" val="1"/>
+                  </a:ext>
+                </a:extLst>
+              </p:cNvPr>
+              <p:cNvSpPr/>
+              <p:nvPr>
+                <p:extLst>
+                  <p:ext uri="{386F3935-93C4-4BCD-93E2-E3B085C9AB24}">
+                    <p16:designElem xmlns:p16="http://schemas.microsoft.com/office/powerpoint/2015/main" val="1"/>
+                  </p:ext>
+                </p:extLst>
+              </p:nvPr>
+            </p:nvSpPr>
+            <p:spPr bwMode="auto">
+              <a:xfrm>
+                <a:off x="11441112" y="5046663"/>
+                <a:ext cx="307975" cy="1801813"/>
+              </a:xfrm>
+              <a:custGeom>
+                <a:avLst/>
+                <a:gdLst/>
+                <a:ahLst/>
+                <a:cxnLst/>
+                <a:rect l="0" t="0" r="r" b="b"/>
+                <a:pathLst>
+                  <a:path w="194" h="1135">
+                    <a:moveTo>
+                      <a:pt x="18" y="1135"/>
+                    </a:moveTo>
+                    <a:lnTo>
+                      <a:pt x="0" y="1135"/>
+                    </a:lnTo>
+                    <a:lnTo>
+                      <a:pt x="0" y="354"/>
+                    </a:lnTo>
+                    <a:lnTo>
+                      <a:pt x="176" y="177"/>
+                    </a:lnTo>
+                    <a:lnTo>
+                      <a:pt x="176" y="0"/>
+                    </a:lnTo>
+                    <a:lnTo>
+                      <a:pt x="194" y="0"/>
+                    </a:lnTo>
+                    <a:lnTo>
+                      <a:pt x="194" y="183"/>
+                    </a:lnTo>
+                    <a:lnTo>
+                      <a:pt x="18" y="360"/>
+                    </a:lnTo>
+                    <a:lnTo>
+                      <a:pt x="18" y="1135"/>
+                    </a:lnTo>
+                    <a:close/>
+                  </a:path>
+                </a:pathLst>
+              </a:custGeom>
+              <a:grpFill/>
+              <a:ln>
+                <a:noFill/>
+              </a:ln>
+              <a:extLst>
+                <a:ext uri="{91240B29-F687-4f45-9708-019B960494DF}">
+                  <a14:hiddenLine xmlns="" xmlns:a16="http://schemas.microsoft.com/office/drawing/2014/main" xmlns:p14="http://schemas.microsoft.com/office/powerpoint/2010/main" xmlns:a14="http://schemas.microsoft.com/office/drawing/2010/main" w="9525">
+                    <a:solidFill>
+                      <a:srgbClr val="000000"/>
+                    </a:solidFill>
+                    <a:round/>
+                    <a:headEnd/>
+                    <a:tailEnd/>
+                  </a14:hiddenLine>
+                </a:ext>
+              </a:extLst>
+            </p:spPr>
+          </p:sp>
+          <p:sp>
+            <p:nvSpPr>
+              <p:cNvPr id="163" name="Freeform 40">
+                <a:extLst>
+                  <a:ext uri="{FF2B5EF4-FFF2-40B4-BE49-F238E27FC236}">
+                    <a16:creationId xmlns:a16="http://schemas.microsoft.com/office/drawing/2014/main" id="{40B6A261-9427-4E70-9564-048AD009BD83}"/>
+                  </a:ext>
+                  <a:ext uri="{C183D7F6-B498-43B3-948B-1728B52AA6E4}">
+                    <adec:decorative xmlns:adec="http://schemas.microsoft.com/office/drawing/2017/decorative" val="1"/>
+                  </a:ext>
+                </a:extLst>
+              </p:cNvPr>
+              <p:cNvSpPr>
+                <a:spLocks noEditPoints="1"/>
+              </p:cNvSpPr>
+              <p:nvPr>
+                <p:extLst>
+                  <p:ext uri="{386F3935-93C4-4BCD-93E2-E3B085C9AB24}">
+                    <p16:designElem xmlns:p16="http://schemas.microsoft.com/office/powerpoint/2015/main" val="1"/>
+                  </p:ext>
+                </p:extLst>
+              </p:nvPr>
+            </p:nvSpPr>
+            <p:spPr bwMode="auto">
+              <a:xfrm>
+                <a:off x="11849100" y="6416675"/>
+                <a:ext cx="190500" cy="188913"/>
+              </a:xfrm>
+              <a:custGeom>
+                <a:avLst/>
+                <a:gdLst/>
+                <a:ahLst/>
+                <a:cxnLst/>
+                <a:rect l="0" t="0" r="r" b="b"/>
+                <a:pathLst>
+                  <a:path w="40" h="40">
+                    <a:moveTo>
+                      <a:pt x="20" y="40"/>
+                    </a:moveTo>
+                    <a:cubicBezTo>
+                      <a:pt x="9" y="40"/>
+                      <a:pt x="0" y="31"/>
+                      <a:pt x="0" y="20"/>
+                    </a:cubicBezTo>
+                    <a:cubicBezTo>
+                      <a:pt x="0" y="9"/>
+                      <a:pt x="9" y="0"/>
+                      <a:pt x="20" y="0"/>
+                    </a:cubicBezTo>
+                    <a:cubicBezTo>
+                      <a:pt x="31" y="0"/>
+                      <a:pt x="40" y="9"/>
+                      <a:pt x="40" y="20"/>
+                    </a:cubicBezTo>
+                    <a:cubicBezTo>
+                      <a:pt x="40" y="31"/>
+                      <a:pt x="31" y="40"/>
+                      <a:pt x="20" y="40"/>
+                    </a:cubicBezTo>
+                    <a:close/>
+                    <a:moveTo>
+                      <a:pt x="20" y="4"/>
+                    </a:moveTo>
+                    <a:cubicBezTo>
+                      <a:pt x="12" y="4"/>
+                      <a:pt x="4" y="11"/>
+                      <a:pt x="4" y="20"/>
+                    </a:cubicBezTo>
+                    <a:cubicBezTo>
+                      <a:pt x="4" y="29"/>
+                      <a:pt x="12" y="36"/>
+                      <a:pt x="20" y="36"/>
+                    </a:cubicBezTo>
+                    <a:cubicBezTo>
+                      <a:pt x="29" y="36"/>
+                      <a:pt x="36" y="29"/>
+                      <a:pt x="36" y="20"/>
+                    </a:cubicBezTo>
+                    <a:cubicBezTo>
+                      <a:pt x="36" y="11"/>
+                      <a:pt x="29" y="4"/>
+                      <a:pt x="20" y="4"/>
+                    </a:cubicBezTo>
+                    <a:close/>
+                  </a:path>
+                </a:pathLst>
+              </a:custGeom>
+              <a:grpFill/>
+              <a:ln>
+                <a:noFill/>
+              </a:ln>
+              <a:extLst>
+                <a:ext uri="{91240B29-F687-4f45-9708-019B960494DF}">
+                  <a14:hiddenLine xmlns="" xmlns:a16="http://schemas.microsoft.com/office/drawing/2014/main" xmlns:p14="http://schemas.microsoft.com/office/powerpoint/2010/main" xmlns:a14="http://schemas.microsoft.com/office/drawing/2010/main" w="9525">
+                    <a:solidFill>
+                      <a:srgbClr val="000000"/>
+                    </a:solidFill>
+                    <a:round/>
+                    <a:headEnd/>
+                    <a:tailEnd/>
+                  </a14:hiddenLine>
+                </a:ext>
+              </a:extLst>
+            </p:spPr>
+          </p:sp>
+          <p:sp>
+            <p:nvSpPr>
+              <p:cNvPr id="164" name="Rectangle 41">
+                <a:extLst>
+                  <a:ext uri="{FF2B5EF4-FFF2-40B4-BE49-F238E27FC236}">
+                    <a16:creationId xmlns:a16="http://schemas.microsoft.com/office/drawing/2014/main" id="{68BFDFBE-2286-4123-9436-E1DF84AF494F}"/>
+                  </a:ext>
+                  <a:ext uri="{C183D7F6-B498-43B3-948B-1728B52AA6E4}">
+                    <adec:decorative xmlns:adec="http://schemas.microsoft.com/office/drawing/2017/decorative" val="1"/>
+                  </a:ext>
+                </a:extLst>
+              </p:cNvPr>
+              <p:cNvSpPr>
+                <a:spLocks noChangeArrowheads="1"/>
+              </p:cNvSpPr>
+              <p:nvPr>
+                <p:extLst>
+                  <p:ext uri="{386F3935-93C4-4BCD-93E2-E3B085C9AB24}">
+                    <p16:designElem xmlns:p16="http://schemas.microsoft.com/office/powerpoint/2015/main" val="1"/>
+                  </p:ext>
+                </p:extLst>
+              </p:nvPr>
+            </p:nvSpPr>
+            <p:spPr bwMode="auto">
+              <a:xfrm>
+                <a:off x="11939587" y="6596063"/>
+                <a:ext cx="23813" cy="252413"/>
+              </a:xfrm>
+              <a:prstGeom prst="rect">
+                <a:avLst/>
+              </a:prstGeom>
+              <a:grpFill/>
+              <a:ln>
+                <a:noFill/>
+              </a:ln>
+              <a:extLst>
+                <a:ext uri="{91240B29-F687-4f45-9708-019B960494DF}">
+                  <a14:hiddenLine xmlns="" xmlns:a16="http://schemas.microsoft.com/office/drawing/2014/main" xmlns:p14="http://schemas.microsoft.com/office/powerpoint/2010/main" xmlns:a14="http://schemas.microsoft.com/office/drawing/2010/main" w="9525">
+                    <a:solidFill>
+                      <a:srgbClr val="000000"/>
+                    </a:solidFill>
+                    <a:miter lim="800000"/>
+                    <a:headEnd/>
+                    <a:tailEnd/>
+                  </a14:hiddenLine>
+                </a:ext>
+              </a:extLst>
+            </p:spPr>
+          </p:sp>
+        </p:grpSp>
+      </p:grpSp>
+      <p:pic>
+        <p:nvPicPr>
+          <p:cNvPr id="193" name="Picture 2">
+            <a:extLst>
+              <a:ext uri="{FF2B5EF4-FFF2-40B4-BE49-F238E27FC236}">
+                <a16:creationId xmlns:a16="http://schemas.microsoft.com/office/drawing/2014/main" id="{5B3DE270-418F-47A7-B311-C4D876041DC6}"/>
+              </a:ext>
+              <a:ext uri="{C183D7F6-B498-43B3-948B-1728B52AA6E4}">
+                <adec:decorative xmlns:adec="http://schemas.microsoft.com/office/drawing/2017/decorative" val="1"/>
+              </a:ext>
+            </a:extLst>
+          </p:cNvPr>
+          <p:cNvPicPr>
+            <a:picLocks noGrp="1" noRot="1" noChangeAspect="1" noMove="1" noResize="1" noEditPoints="1" noAdjustHandles="1" noChangeArrowheads="1" noChangeShapeType="1" noCrop="1"/>
+          </p:cNvPicPr>
+          <p:nvPr>
+            <p:extLst>
+              <p:ext uri="{386F3935-93C4-4BCD-93E2-E3B085C9AB24}">
+                <p16:designElem xmlns:p16="http://schemas.microsoft.com/office/powerpoint/2015/main" val="1"/>
+              </p:ext>
+            </p:extLst>
+          </p:nvPr>
+        </p:nvPicPr>
+        <p:blipFill>
+          <a:blip r:embed="rId2">
+            <a:alphaModFix amt="30000"/>
+            <a:extLst>
+              <a:ext uri="{28A0092B-C50C-407E-A947-70E740481C1C}">
+                <a14:useLocalDpi xmlns:a14="http://schemas.microsoft.com/office/drawing/2010/main" val="0"/>
+              </a:ext>
+            </a:extLst>
+          </a:blip>
+          <a:srcRect/>
+          <a:stretch>
+            <a:fillRect/>
+          </a:stretch>
+        </p:blipFill>
+        <p:spPr bwMode="auto">
+          <a:xfrm>
+            <a:off x="0" y="0"/>
+            <a:ext cx="12192003" cy="6858001"/>
+          </a:xfrm>
+          <a:prstGeom prst="rect">
+            <a:avLst/>
+          </a:prstGeom>
+          <a:noFill/>
+          <a:extLst>
+            <a:ext uri="{909E8E84-426E-40dd-AFC4-6F175D3DCCD1}">
+              <a14:hiddenFill xmlns="" xmlns:a16="http://schemas.microsoft.com/office/drawing/2014/main" xmlns:p14="http://schemas.microsoft.com/office/powerpoint/2010/main" xmlns:a14="http://schemas.microsoft.com/office/drawing/2010/main">
+                <a:solidFill>
+                  <a:srgbClr val="FFFFFF"/>
+                </a:solidFill>
+              </a14:hiddenFill>
+            </a:ext>
+          </a:extLst>
+        </p:spPr>
+      </p:pic>
+      <p:sp>
+        <p:nvSpPr>
           <p:cNvPr id="2" name="Title 1">
             <a:extLst>
               <a:ext uri="{FF2B5EF4-FFF2-40B4-BE49-F238E27FC236}">
@@ -14484,24 +22323,142 @@
             <p:ph type="title"/>
           </p:nvPr>
         </p:nvSpPr>
-        <p:spPr/>
+        <p:spPr>
+          <a:xfrm>
+            <a:off x="8036041" y="618518"/>
+            <a:ext cx="3281003" cy="1478570"/>
+          </a:xfrm>
+        </p:spPr>
         <p:txBody>
-          <a:bodyPr/>
+          <a:bodyPr vert="horz" lIns="91440" tIns="45720" rIns="91440" bIns="45720" rtlCol="0" anchor="b">
+            <a:normAutofit/>
+          </a:bodyPr>
           <a:lstStyle/>
           <a:p>
             <a:r>
-              <a:rPr lang="en-US" dirty="0"/>
+              <a:rPr lang="en-US" sz="2800">
+                <a:solidFill>
+                  <a:srgbClr val="FFFFFF"/>
+                </a:solidFill>
+              </a:rPr>
               <a:t>Logistic Regression classifier</a:t>
             </a:r>
           </a:p>
         </p:txBody>
       </p:sp>
+      <p:sp useBgFill="1">
+        <p:nvSpPr>
+          <p:cNvPr id="195" name="Round Diagonal Corner Rectangle 11">
+            <a:extLst>
+              <a:ext uri="{FF2B5EF4-FFF2-40B4-BE49-F238E27FC236}">
+                <a16:creationId xmlns:a16="http://schemas.microsoft.com/office/drawing/2014/main" id="{A1351C6B-7343-451F-AB4A-1CE294A4E927}"/>
+              </a:ext>
+              <a:ext uri="{C183D7F6-B498-43B3-948B-1728B52AA6E4}">
+                <adec:decorative xmlns:adec="http://schemas.microsoft.com/office/drawing/2017/decorative" val="1"/>
+              </a:ext>
+            </a:extLst>
+          </p:cNvPr>
+          <p:cNvSpPr>
+            <a:spLocks noGrp="1" noRot="1" noChangeAspect="1" noMove="1" noResize="1" noEditPoints="1" noAdjustHandles="1" noChangeArrowheads="1" noChangeShapeType="1" noTextEdit="1"/>
+          </p:cNvSpPr>
+          <p:nvPr>
+            <p:extLst>
+              <p:ext uri="{386F3935-93C4-4BCD-93E2-E3B085C9AB24}">
+                <p16:designElem xmlns:p16="http://schemas.microsoft.com/office/powerpoint/2015/main" val="1"/>
+              </p:ext>
+            </p:extLst>
+          </p:nvPr>
+        </p:nvSpPr>
+        <p:spPr>
+          <a:xfrm>
+            <a:off x="798949" y="808057"/>
+            <a:ext cx="6752461" cy="5234394"/>
+          </a:xfrm>
+          <a:prstGeom prst="round2DiagRect">
+            <a:avLst>
+              <a:gd name="adj1" fmla="val 7418"/>
+              <a:gd name="adj2" fmla="val 0"/>
+            </a:avLst>
+          </a:prstGeom>
+          <a:ln w="19050" cap="sq">
+            <a:solidFill>
+              <a:schemeClr val="tx2">
+                <a:lumMod val="60000"/>
+                <a:lumOff val="40000"/>
+                <a:alpha val="60000"/>
+              </a:schemeClr>
+            </a:solidFill>
+            <a:miter lim="800000"/>
+          </a:ln>
+          <a:effectLst>
+            <a:outerShdw blurRad="88900" dist="38100" dir="5400000" algn="t" rotWithShape="0">
+              <a:prstClr val="black">
+                <a:alpha val="40000"/>
+              </a:prstClr>
+            </a:outerShdw>
+          </a:effectLst>
+        </p:spPr>
+        <p:style>
+          <a:lnRef idx="2">
+            <a:schemeClr val="accent1">
+              <a:shade val="50000"/>
+            </a:schemeClr>
+          </a:lnRef>
+          <a:fillRef idx="1">
+            <a:schemeClr val="accent1"/>
+          </a:fillRef>
+          <a:effectRef idx="0">
+            <a:schemeClr val="accent1"/>
+          </a:effectRef>
+          <a:fontRef idx="minor">
+            <a:schemeClr val="lt1"/>
+          </a:fontRef>
+        </p:style>
+        <p:txBody>
+          <a:bodyPr rtlCol="0" anchor="ctr"/>
+          <a:lstStyle/>
+          <a:p>
+            <a:pPr algn="ctr"/>
+            <a:endParaRPr lang="en-US"/>
+          </a:p>
+        </p:txBody>
+      </p:sp>
+      <p:pic>
+        <p:nvPicPr>
+          <p:cNvPr id="9" name="Content Placeholder 5">
+            <a:extLst>
+              <a:ext uri="{FF2B5EF4-FFF2-40B4-BE49-F238E27FC236}">
+                <a16:creationId xmlns:a16="http://schemas.microsoft.com/office/drawing/2014/main" id="{F6ABF9AC-1FAF-4D9A-A63D-4850602B059C}"/>
+              </a:ext>
+            </a:extLst>
+          </p:cNvPr>
+          <p:cNvPicPr>
+            <a:picLocks noChangeAspect="1"/>
+          </p:cNvPicPr>
+          <p:nvPr/>
+        </p:nvPicPr>
+        <p:blipFill>
+          <a:blip r:embed="rId3"/>
+          <a:stretch>
+            <a:fillRect/>
+          </a:stretch>
+        </p:blipFill>
+        <p:spPr>
+          <a:xfrm>
+            <a:off x="1118988" y="1382714"/>
+            <a:ext cx="6112382" cy="3863974"/>
+          </a:xfrm>
+          <a:prstGeom prst="rect">
+            <a:avLst/>
+          </a:prstGeom>
+        </p:spPr>
+      </p:pic>
       <p:sp>
         <p:nvSpPr>
-          <p:cNvPr id="3" name="Content Placeholder 2">
+          <p:cNvPr id="11" name="Content Placeholder 10">
             <a:extLst>
               <a:ext uri="{FF2B5EF4-FFF2-40B4-BE49-F238E27FC236}">
-                <a16:creationId xmlns:a16="http://schemas.microsoft.com/office/drawing/2014/main" id="{FA0C8D5D-E5D2-44E2-84C9-DB263BC00B11}"/>
+                <a16:creationId xmlns:a16="http://schemas.microsoft.com/office/drawing/2014/main" id="{C9D5AF68-48D5-4964-B0F7-EDAD0AF4E91B}"/>
               </a:ext>
             </a:extLst>
           </p:cNvPr>
@@ -14512,37 +22469,26 @@
             <p:ph sz="half" idx="1"/>
           </p:nvPr>
         </p:nvSpPr>
-        <p:spPr/>
+        <p:spPr>
+          <a:xfrm>
+            <a:off x="8036041" y="2249487"/>
+            <a:ext cx="3281004" cy="3541714"/>
+          </a:xfrm>
+        </p:spPr>
         <p:txBody>
-          <a:bodyPr/>
+          <a:bodyPr vert="horz" lIns="91440" tIns="45720" rIns="91440" bIns="45720" rtlCol="0">
+            <a:normAutofit/>
+          </a:bodyPr>
           <a:lstStyle/>
           <a:p>
-            <a:endParaRPr lang="en-US"/>
-          </a:p>
-        </p:txBody>
-      </p:sp>
-      <p:sp>
-        <p:nvSpPr>
-          <p:cNvPr id="4" name="Content Placeholder 3">
-            <a:extLst>
-              <a:ext uri="{FF2B5EF4-FFF2-40B4-BE49-F238E27FC236}">
-                <a16:creationId xmlns:a16="http://schemas.microsoft.com/office/drawing/2014/main" id="{18B30F1E-0F8D-4C56-9A12-89065408D6AB}"/>
-              </a:ext>
-            </a:extLst>
-          </p:cNvPr>
-          <p:cNvSpPr>
-            <a:spLocks noGrp="1"/>
-          </p:cNvSpPr>
-          <p:nvPr>
-            <p:ph sz="half" idx="2"/>
-          </p:nvPr>
-        </p:nvSpPr>
-        <p:spPr/>
-        <p:txBody>
-          <a:bodyPr/>
-          <a:lstStyle/>
-          <a:p>
-            <a:endParaRPr lang="en-US"/>
+            <a:r>
+              <a:rPr lang="en-US" sz="1800" dirty="0">
+                <a:solidFill>
+                  <a:srgbClr val="FFFFFF"/>
+                </a:solidFill>
+              </a:rPr>
+              <a:t>Training set with 19 Principle Components explaining 75% of the variability, gave exactly the same results as the data with all the 2304 features.</a:t>
+            </a:r>
           </a:p>
         </p:txBody>
       </p:sp>
@@ -14559,7 +22505,7 @@
 </p:sld>
 </file>
 
-<file path=ppt/slides/slide6.xml><?xml version="1.0" encoding="utf-8"?>
+<file path=ppt/slides/slide7.xml><?xml version="1.0" encoding="utf-8"?>
 <p:sld xmlns:a="http://schemas.openxmlformats.org/drawingml/2006/main" xmlns:r="http://schemas.openxmlformats.org/officeDocument/2006/relationships" xmlns:p="http://schemas.openxmlformats.org/presentationml/2006/main">
   <p:cSld>
     <p:spTree>
@@ -14874,7 +22820,7 @@
 </p:sld>
 </file>
 
-<file path=ppt/slides/slide7.xml><?xml version="1.0" encoding="utf-8"?>
+<file path=ppt/slides/slide8.xml><?xml version="1.0" encoding="utf-8"?>
 <p:sld xmlns:a="http://schemas.openxmlformats.org/drawingml/2006/main" xmlns:r="http://schemas.openxmlformats.org/officeDocument/2006/relationships" xmlns:p="http://schemas.openxmlformats.org/presentationml/2006/main">
   <p:cSld>
     <p:spTree>
@@ -15563,7 +23509,7 @@
 </p:sld>
 </file>
 
-<file path=ppt/slides/slide8.xml><?xml version="1.0" encoding="utf-8"?>
+<file path=ppt/slides/slide9.xml><?xml version="1.0" encoding="utf-8"?>
 <p:sld xmlns:a="http://schemas.openxmlformats.org/drawingml/2006/main" xmlns:r="http://schemas.openxmlformats.org/officeDocument/2006/relationships" xmlns:p="http://schemas.openxmlformats.org/presentationml/2006/main">
   <p:cSld>
     <p:spTree>
@@ -15644,658 +23590,6 @@
     <p:extLst>
       <p:ext uri="{BB962C8B-B14F-4D97-AF65-F5344CB8AC3E}">
         <p14:creationId xmlns:p14="http://schemas.microsoft.com/office/powerpoint/2010/main" val="2331576351"/>
-      </p:ext>
-    </p:extLst>
-  </p:cSld>
-  <p:clrMapOvr>
-    <a:masterClrMapping/>
-  </p:clrMapOvr>
-</p:sld>
-</file>
-
-<file path=ppt/slides/slide9.xml><?xml version="1.0" encoding="utf-8"?>
-<p:sld xmlns:a="http://schemas.openxmlformats.org/drawingml/2006/main" xmlns:r="http://schemas.openxmlformats.org/officeDocument/2006/relationships" xmlns:p="http://schemas.openxmlformats.org/presentationml/2006/main">
-  <p:cSld>
-    <p:spTree>
-      <p:nvGrpSpPr>
-        <p:cNvPr id="1" name=""/>
-        <p:cNvGrpSpPr/>
-        <p:nvPr/>
-      </p:nvGrpSpPr>
-      <p:grpSpPr>
-        <a:xfrm>
-          <a:off x="0" y="0"/>
-          <a:ext cx="0" cy="0"/>
-          <a:chOff x="0" y="0"/>
-          <a:chExt cx="0" cy="0"/>
-        </a:xfrm>
-      </p:grpSpPr>
-      <p:sp>
-        <p:nvSpPr>
-          <p:cNvPr id="2" name="Title 1"/>
-          <p:cNvSpPr>
-            <a:spLocks noGrp="1"/>
-          </p:cNvSpPr>
-          <p:nvPr>
-            <p:ph type="title"/>
-          </p:nvPr>
-        </p:nvSpPr>
-        <p:spPr/>
-        <p:txBody>
-          <a:bodyPr/>
-          <a:lstStyle/>
-          <a:p>
-            <a:r>
-              <a:rPr lang="en-IN" dirty="0"/>
-              <a:t>Model performance - Summary</a:t>
-            </a:r>
-          </a:p>
-        </p:txBody>
-      </p:sp>
-      <p:graphicFrame>
-        <p:nvGraphicFramePr>
-          <p:cNvPr id="5" name="Content Placeholder 4"/>
-          <p:cNvGraphicFramePr>
-            <a:graphicFrameLocks noGrp="1"/>
-          </p:cNvGraphicFramePr>
-          <p:nvPr>
-            <p:ph sz="half" idx="1"/>
-            <p:extLst>
-              <p:ext uri="{D42A27DB-BD31-4B8C-83A1-F6EECF244321}">
-                <p14:modId xmlns:p14="http://schemas.microsoft.com/office/powerpoint/2010/main" val="3311935798"/>
-              </p:ext>
-            </p:extLst>
-          </p:nvPr>
-        </p:nvGraphicFramePr>
-        <p:xfrm>
-          <a:off x="656451" y="1826611"/>
-          <a:ext cx="10928670" cy="4492546"/>
-        </p:xfrm>
-        <a:graphic>
-          <a:graphicData uri="http://schemas.openxmlformats.org/drawingml/2006/table">
-            <a:tbl>
-              <a:tblPr firstRow="1" bandRow="1">
-                <a:tableStyleId>{BC89EF96-8CEA-46FF-86C4-4CE0E7609802}</a:tableStyleId>
-              </a:tblPr>
-              <a:tblGrid>
-                <a:gridCol w="1709407">
-                  <a:extLst>
-                    <a:ext uri="{9D8B030D-6E8A-4147-A177-3AD203B41FA5}">
-                      <a16:colId xmlns:a16="http://schemas.microsoft.com/office/drawing/2014/main" val="3550727435"/>
-                    </a:ext>
-                  </a:extLst>
-                </a:gridCol>
-                <a:gridCol w="1487685">
-                  <a:extLst>
-                    <a:ext uri="{9D8B030D-6E8A-4147-A177-3AD203B41FA5}">
-                      <a16:colId xmlns:a16="http://schemas.microsoft.com/office/drawing/2014/main" val="3295678948"/>
-                    </a:ext>
-                  </a:extLst>
-                </a:gridCol>
-                <a:gridCol w="1592036">
-                  <a:extLst>
-                    <a:ext uri="{9D8B030D-6E8A-4147-A177-3AD203B41FA5}">
-                      <a16:colId xmlns:a16="http://schemas.microsoft.com/office/drawing/2014/main" val="485902210"/>
-                    </a:ext>
-                  </a:extLst>
-                </a:gridCol>
-                <a:gridCol w="1534885">
-                  <a:extLst>
-                    <a:ext uri="{9D8B030D-6E8A-4147-A177-3AD203B41FA5}">
-                      <a16:colId xmlns:a16="http://schemas.microsoft.com/office/drawing/2014/main" val="20003"/>
-                    </a:ext>
-                  </a:extLst>
-                </a:gridCol>
-                <a:gridCol w="1502229">
-                  <a:extLst>
-                    <a:ext uri="{9D8B030D-6E8A-4147-A177-3AD203B41FA5}">
-                      <a16:colId xmlns:a16="http://schemas.microsoft.com/office/drawing/2014/main" val="1751447481"/>
-                    </a:ext>
-                  </a:extLst>
-                </a:gridCol>
-                <a:gridCol w="3102428">
-                  <a:extLst>
-                    <a:ext uri="{9D8B030D-6E8A-4147-A177-3AD203B41FA5}">
-                      <a16:colId xmlns:a16="http://schemas.microsoft.com/office/drawing/2014/main" val="788984757"/>
-                    </a:ext>
-                  </a:extLst>
-                </a:gridCol>
-              </a:tblGrid>
-              <a:tr h="679825">
-                <a:tc rowSpan="2">
-                  <a:txBody>
-                    <a:bodyPr/>
-                    <a:lstStyle/>
-                    <a:p>
-                      <a:endParaRPr lang="en-IN" dirty="0"/>
-                    </a:p>
-                  </a:txBody>
-                  <a:tcPr/>
-                </a:tc>
-                <a:tc gridSpan="2">
-                  <a:txBody>
-                    <a:bodyPr/>
-                    <a:lstStyle/>
-                    <a:p>
-                      <a:pPr algn="ctr"/>
-                      <a:r>
-                        <a:rPr lang="en-IN" dirty="0"/>
-                        <a:t>Original components</a:t>
-                      </a:r>
-                    </a:p>
-                  </a:txBody>
-                  <a:tcPr/>
-                </a:tc>
-                <a:tc hMerge="1">
-                  <a:txBody>
-                    <a:bodyPr/>
-                    <a:lstStyle/>
-                    <a:p>
-                      <a:endParaRPr lang="en-IN" dirty="0"/>
-                    </a:p>
-                  </a:txBody>
-                  <a:tcPr/>
-                </a:tc>
-                <a:tc gridSpan="2">
-                  <a:txBody>
-                    <a:bodyPr/>
-                    <a:lstStyle/>
-                    <a:p>
-                      <a:pPr algn="ctr"/>
-                      <a:r>
-                        <a:rPr lang="en-IN" dirty="0"/>
-                        <a:t>With PCA</a:t>
-                      </a:r>
-                    </a:p>
-                  </a:txBody>
-                  <a:tcPr/>
-                </a:tc>
-                <a:tc hMerge="1">
-                  <a:txBody>
-                    <a:bodyPr/>
-                    <a:lstStyle/>
-                    <a:p>
-                      <a:endParaRPr lang="en-IN" dirty="0"/>
-                    </a:p>
-                  </a:txBody>
-                  <a:tcPr/>
-                </a:tc>
-                <a:tc>
-                  <a:txBody>
-                    <a:bodyPr/>
-                    <a:lstStyle/>
-                    <a:p>
-                      <a:pPr algn="ctr"/>
-                      <a:r>
-                        <a:rPr lang="en-IN" dirty="0"/>
-                        <a:t>With Data Augmentation – Test Accuracy</a:t>
-                      </a:r>
-                    </a:p>
-                  </a:txBody>
-                  <a:tcPr/>
-                </a:tc>
-                <a:extLst>
-                  <a:ext uri="{0D108BD9-81ED-4DB2-BD59-A6C34878D82A}">
-                    <a16:rowId xmlns:a16="http://schemas.microsoft.com/office/drawing/2014/main" val="418414485"/>
-                  </a:ext>
-                </a:extLst>
-              </a:tr>
-              <a:tr h="266152">
-                <a:tc vMerge="1">
-                  <a:txBody>
-                    <a:bodyPr/>
-                    <a:lstStyle/>
-                    <a:p>
-                      <a:endParaRPr lang="en-IN" dirty="0"/>
-                    </a:p>
-                  </a:txBody>
-                  <a:tcPr/>
-                </a:tc>
-                <a:tc>
-                  <a:txBody>
-                    <a:bodyPr/>
-                    <a:lstStyle/>
-                    <a:p>
-                      <a:pPr marL="0" marR="0" indent="0" algn="ctr" defTabSz="914400" rtl="0" eaLnBrk="1" fontAlgn="auto" latinLnBrk="0" hangingPunct="1">
-                        <a:lnSpc>
-                          <a:spcPct val="100000"/>
-                        </a:lnSpc>
-                        <a:spcBef>
-                          <a:spcPts val="0"/>
-                        </a:spcBef>
-                        <a:spcAft>
-                          <a:spcPts val="0"/>
-                        </a:spcAft>
-                        <a:buClrTx/>
-                        <a:buSzTx/>
-                        <a:buFontTx/>
-                        <a:buNone/>
-                        <a:tabLst/>
-                        <a:defRPr/>
-                      </a:pPr>
-                      <a:r>
-                        <a:rPr lang="en-IN" dirty="0"/>
-                        <a:t>Training Set Accuracy</a:t>
-                      </a:r>
-                    </a:p>
-                  </a:txBody>
-                  <a:tcPr/>
-                </a:tc>
-                <a:tc>
-                  <a:txBody>
-                    <a:bodyPr/>
-                    <a:lstStyle/>
-                    <a:p>
-                      <a:pPr marL="0" marR="0" indent="0" algn="ctr" defTabSz="914400" rtl="0" eaLnBrk="1" fontAlgn="auto" latinLnBrk="0" hangingPunct="1">
-                        <a:lnSpc>
-                          <a:spcPct val="100000"/>
-                        </a:lnSpc>
-                        <a:spcBef>
-                          <a:spcPts val="0"/>
-                        </a:spcBef>
-                        <a:spcAft>
-                          <a:spcPts val="0"/>
-                        </a:spcAft>
-                        <a:buClrTx/>
-                        <a:buSzTx/>
-                        <a:buFontTx/>
-                        <a:buNone/>
-                        <a:tabLst/>
-                        <a:defRPr/>
-                      </a:pPr>
-                      <a:r>
-                        <a:rPr lang="en-IN" dirty="0"/>
-                        <a:t>Test Set Accuracy</a:t>
-                      </a:r>
-                    </a:p>
-                  </a:txBody>
-                  <a:tcPr/>
-                </a:tc>
-                <a:tc>
-                  <a:txBody>
-                    <a:bodyPr/>
-                    <a:lstStyle/>
-                    <a:p>
-                      <a:pPr algn="ctr"/>
-                      <a:r>
-                        <a:rPr lang="en-IN" dirty="0"/>
-                        <a:t>Training Set Accuracy</a:t>
-                      </a:r>
-                    </a:p>
-                  </a:txBody>
-                  <a:tcPr/>
-                </a:tc>
-                <a:tc>
-                  <a:txBody>
-                    <a:bodyPr/>
-                    <a:lstStyle/>
-                    <a:p>
-                      <a:pPr algn="ctr"/>
-                      <a:r>
-                        <a:rPr lang="en-IN" dirty="0"/>
-                        <a:t>Test Set Accuracy</a:t>
-                      </a:r>
-                    </a:p>
-                  </a:txBody>
-                  <a:tcPr/>
-                </a:tc>
-                <a:tc>
-                  <a:txBody>
-                    <a:bodyPr/>
-                    <a:lstStyle/>
-                    <a:p>
-                      <a:pPr algn="ctr"/>
-                      <a:endParaRPr lang="en-IN" dirty="0"/>
-                    </a:p>
-                  </a:txBody>
-                  <a:tcPr/>
-                </a:tc>
-                <a:extLst>
-                  <a:ext uri="{0D108BD9-81ED-4DB2-BD59-A6C34878D82A}">
-                    <a16:rowId xmlns:a16="http://schemas.microsoft.com/office/drawing/2014/main" val="10001"/>
-                  </a:ext>
-                </a:extLst>
-              </a:tr>
-              <a:tr h="894806">
-                <a:tc>
-                  <a:txBody>
-                    <a:bodyPr/>
-                    <a:lstStyle/>
-                    <a:p>
-                      <a:r>
-                        <a:rPr lang="en-US" sz="1800" dirty="0"/>
-                        <a:t>Linear Classification Analysis</a:t>
-                      </a:r>
-                      <a:endParaRPr lang="en-IN" dirty="0"/>
-                    </a:p>
-                  </a:txBody>
-                  <a:tcPr/>
-                </a:tc>
-                <a:tc>
-                  <a:txBody>
-                    <a:bodyPr/>
-                    <a:lstStyle/>
-                    <a:p>
-                      <a:pPr algn="ctr"/>
-                      <a:r>
-                        <a:rPr lang="en-IN" dirty="0"/>
-                        <a:t>48.30%</a:t>
-                      </a:r>
-                    </a:p>
-                  </a:txBody>
-                  <a:tcPr/>
-                </a:tc>
-                <a:tc>
-                  <a:txBody>
-                    <a:bodyPr/>
-                    <a:lstStyle/>
-                    <a:p>
-                      <a:pPr algn="ctr"/>
-                      <a:r>
-                        <a:rPr lang="en-IN" dirty="0"/>
-                        <a:t>34.88%</a:t>
-                      </a:r>
-                    </a:p>
-                  </a:txBody>
-                  <a:tcPr/>
-                </a:tc>
-                <a:tc>
-                  <a:txBody>
-                    <a:bodyPr/>
-                    <a:lstStyle/>
-                    <a:p>
-                      <a:pPr algn="ctr"/>
-                      <a:r>
-                        <a:rPr lang="en-IN" dirty="0"/>
-                        <a:t>39.41%</a:t>
-                      </a:r>
-                    </a:p>
-                  </a:txBody>
-                  <a:tcPr/>
-                </a:tc>
-                <a:tc>
-                  <a:txBody>
-                    <a:bodyPr/>
-                    <a:lstStyle/>
-                    <a:p>
-                      <a:pPr algn="ctr"/>
-                      <a:r>
-                        <a:rPr lang="en-IN" dirty="0"/>
-                        <a:t>18.02%</a:t>
-                      </a:r>
-                    </a:p>
-                  </a:txBody>
-                  <a:tcPr/>
-                </a:tc>
-                <a:tc>
-                  <a:txBody>
-                    <a:bodyPr/>
-                    <a:lstStyle/>
-                    <a:p>
-                      <a:pPr algn="ctr"/>
-                      <a:r>
-                        <a:rPr lang="en-IN" dirty="0"/>
-                        <a:t>32.21%</a:t>
-                      </a:r>
-                    </a:p>
-                  </a:txBody>
-                  <a:tcPr/>
-                </a:tc>
-                <a:extLst>
-                  <a:ext uri="{0D108BD9-81ED-4DB2-BD59-A6C34878D82A}">
-                    <a16:rowId xmlns:a16="http://schemas.microsoft.com/office/drawing/2014/main" val="2740143975"/>
-                  </a:ext>
-                </a:extLst>
-              </a:tr>
-              <a:tr h="723356">
-                <a:tc>
-                  <a:txBody>
-                    <a:bodyPr/>
-                    <a:lstStyle/>
-                    <a:p>
-                      <a:r>
-                        <a:rPr lang="en-IN" dirty="0"/>
-                        <a:t>Bayesian Classifier</a:t>
-                      </a:r>
-                    </a:p>
-                  </a:txBody>
-                  <a:tcPr/>
-                </a:tc>
-                <a:tc>
-                  <a:txBody>
-                    <a:bodyPr/>
-                    <a:lstStyle/>
-                    <a:p>
-                      <a:pPr algn="ctr"/>
-                      <a:r>
-                        <a:rPr lang="en-IN" dirty="0"/>
-                        <a:t>50.73%</a:t>
-                      </a:r>
-                    </a:p>
-                  </a:txBody>
-                  <a:tcPr/>
-                </a:tc>
-                <a:tc>
-                  <a:txBody>
-                    <a:bodyPr/>
-                    <a:lstStyle/>
-                    <a:p>
-                      <a:pPr algn="ctr"/>
-                      <a:r>
-                        <a:rPr lang="en-IN" dirty="0"/>
-                        <a:t>18.86%</a:t>
-                      </a:r>
-                    </a:p>
-                  </a:txBody>
-                  <a:tcPr/>
-                </a:tc>
-                <a:tc>
-                  <a:txBody>
-                    <a:bodyPr/>
-                    <a:lstStyle/>
-                    <a:p>
-                      <a:pPr algn="ctr"/>
-                      <a:r>
-                        <a:rPr lang="en-IN" dirty="0"/>
-                        <a:t>76.61%</a:t>
-                      </a:r>
-                    </a:p>
-                  </a:txBody>
-                  <a:tcPr/>
-                </a:tc>
-                <a:tc>
-                  <a:txBody>
-                    <a:bodyPr/>
-                    <a:lstStyle/>
-                    <a:p>
-                      <a:pPr algn="ctr"/>
-                      <a:r>
-                        <a:rPr lang="en-IN" dirty="0"/>
-                        <a:t>44.25%</a:t>
-                      </a:r>
-                    </a:p>
-                  </a:txBody>
-                  <a:tcPr/>
-                </a:tc>
-                <a:tc>
-                  <a:txBody>
-                    <a:bodyPr/>
-                    <a:lstStyle/>
-                    <a:p>
-                      <a:pPr algn="ctr"/>
-                      <a:r>
-                        <a:rPr lang="en-IN" dirty="0"/>
-                        <a:t>41.38%</a:t>
-                      </a:r>
-                    </a:p>
-                  </a:txBody>
-                  <a:tcPr/>
-                </a:tc>
-                <a:extLst>
-                  <a:ext uri="{0D108BD9-81ED-4DB2-BD59-A6C34878D82A}">
-                    <a16:rowId xmlns:a16="http://schemas.microsoft.com/office/drawing/2014/main" val="4075877440"/>
-                  </a:ext>
-                </a:extLst>
-              </a:tr>
-              <a:tr h="889907">
-                <a:tc>
-                  <a:txBody>
-                    <a:bodyPr/>
-                    <a:lstStyle/>
-                    <a:p>
-                      <a:r>
-                        <a:rPr lang="en-US" sz="1800" dirty="0"/>
-                        <a:t>Logistic Regression Analysis</a:t>
-                      </a:r>
-                      <a:endParaRPr lang="en-IN" dirty="0"/>
-                    </a:p>
-                  </a:txBody>
-                  <a:tcPr/>
-                </a:tc>
-                <a:tc>
-                  <a:txBody>
-                    <a:bodyPr/>
-                    <a:lstStyle/>
-                    <a:p>
-                      <a:pPr algn="ctr"/>
-                      <a:endParaRPr lang="en-IN" dirty="0"/>
-                    </a:p>
-                  </a:txBody>
-                  <a:tcPr/>
-                </a:tc>
-                <a:tc>
-                  <a:txBody>
-                    <a:bodyPr/>
-                    <a:lstStyle/>
-                    <a:p>
-                      <a:pPr algn="ctr"/>
-                      <a:endParaRPr lang="en-IN" dirty="0"/>
-                    </a:p>
-                  </a:txBody>
-                  <a:tcPr/>
-                </a:tc>
-                <a:tc>
-                  <a:txBody>
-                    <a:bodyPr/>
-                    <a:lstStyle/>
-                    <a:p>
-                      <a:pPr algn="ctr"/>
-                      <a:endParaRPr lang="en-IN" dirty="0"/>
-                    </a:p>
-                  </a:txBody>
-                  <a:tcPr/>
-                </a:tc>
-                <a:tc>
-                  <a:txBody>
-                    <a:bodyPr/>
-                    <a:lstStyle/>
-                    <a:p>
-                      <a:pPr algn="ctr"/>
-                      <a:endParaRPr lang="en-IN" dirty="0"/>
-                    </a:p>
-                  </a:txBody>
-                  <a:tcPr/>
-                </a:tc>
-                <a:tc>
-                  <a:txBody>
-                    <a:bodyPr/>
-                    <a:lstStyle/>
-                    <a:p>
-                      <a:pPr algn="ctr"/>
-                      <a:endParaRPr lang="en-IN" dirty="0"/>
-                    </a:p>
-                  </a:txBody>
-                  <a:tcPr/>
-                </a:tc>
-                <a:extLst>
-                  <a:ext uri="{0D108BD9-81ED-4DB2-BD59-A6C34878D82A}">
-                    <a16:rowId xmlns:a16="http://schemas.microsoft.com/office/drawing/2014/main" val="541031661"/>
-                  </a:ext>
-                </a:extLst>
-              </a:tr>
-              <a:tr h="620485">
-                <a:tc>
-                  <a:txBody>
-                    <a:bodyPr/>
-                    <a:lstStyle/>
-                    <a:p>
-                      <a:r>
-                        <a:rPr lang="en-IN" dirty="0"/>
-                        <a:t>Neural Network</a:t>
-                      </a:r>
-                    </a:p>
-                  </a:txBody>
-                  <a:tcPr/>
-                </a:tc>
-                <a:tc>
-                  <a:txBody>
-                    <a:bodyPr/>
-                    <a:lstStyle/>
-                    <a:p>
-                      <a:pPr algn="ctr"/>
-                      <a:endParaRPr lang="en-IN" dirty="0"/>
-                    </a:p>
-                  </a:txBody>
-                  <a:tcPr/>
-                </a:tc>
-                <a:tc>
-                  <a:txBody>
-                    <a:bodyPr/>
-                    <a:lstStyle/>
-                    <a:p>
-                      <a:pPr algn="ctr"/>
-                      <a:endParaRPr lang="en-IN"/>
-                    </a:p>
-                  </a:txBody>
-                  <a:tcPr/>
-                </a:tc>
-                <a:tc>
-                  <a:txBody>
-                    <a:bodyPr/>
-                    <a:lstStyle/>
-                    <a:p>
-                      <a:pPr algn="ctr"/>
-                      <a:endParaRPr lang="en-IN" dirty="0"/>
-                    </a:p>
-                  </a:txBody>
-                  <a:tcPr/>
-                </a:tc>
-                <a:tc>
-                  <a:txBody>
-                    <a:bodyPr/>
-                    <a:lstStyle/>
-                    <a:p>
-                      <a:pPr algn="ctr"/>
-                      <a:endParaRPr lang="en-IN"/>
-                    </a:p>
-                  </a:txBody>
-                  <a:tcPr/>
-                </a:tc>
-                <a:tc>
-                  <a:txBody>
-                    <a:bodyPr/>
-                    <a:lstStyle/>
-                    <a:p>
-                      <a:pPr algn="ctr"/>
-                      <a:endParaRPr lang="en-IN" dirty="0"/>
-                    </a:p>
-                  </a:txBody>
-                  <a:tcPr/>
-                </a:tc>
-                <a:extLst>
-                  <a:ext uri="{0D108BD9-81ED-4DB2-BD59-A6C34878D82A}">
-                    <a16:rowId xmlns:a16="http://schemas.microsoft.com/office/drawing/2014/main" val="1396813758"/>
-                  </a:ext>
-                </a:extLst>
-              </a:tr>
-            </a:tbl>
-          </a:graphicData>
-        </a:graphic>
-      </p:graphicFrame>
-    </p:spTree>
-    <p:extLst>
-      <p:ext uri="{BB962C8B-B14F-4D97-AF65-F5344CB8AC3E}">
-        <p14:creationId xmlns:p14="http://schemas.microsoft.com/office/powerpoint/2010/main" val="2834241000"/>
       </p:ext>
     </p:extLst>
   </p:cSld>

--- a/Final Project Draft.pptx
+++ b/Final Project Draft.pptx
@@ -122,7 +122,7 @@
   </p:defaultTextStyle>
   <p:extLst>
     <p:ext uri="{EFAFB233-063F-42B5-8137-9DF3F51BA10A}">
-      <p15:sldGuideLst xmlns:p15="http://schemas.microsoft.com/office/powerpoint/2012/main">
+      <p15:sldGuideLst xmlns:p15="http://schemas.microsoft.com/office/powerpoint/2012/main" xmlns="">
         <p15:guide id="1" orient="horz" pos="2160">
           <p15:clr>
             <a:srgbClr val="A4A3A4"/>
@@ -12904,7 +12904,7 @@
           <p:cNvPr id="2" name="Title 1">
             <a:extLst>
               <a:ext uri="{FF2B5EF4-FFF2-40B4-BE49-F238E27FC236}">
-                <a16:creationId xmlns:a16="http://schemas.microsoft.com/office/drawing/2014/main" id="{C8971EAA-0D3C-48DE-9FFF-6A535ABFC033}"/>
+                <a16:creationId xmlns:a16="http://schemas.microsoft.com/office/drawing/2014/main" xmlns="" id="{C8971EAA-0D3C-48DE-9FFF-6A535ABFC033}"/>
               </a:ext>
             </a:extLst>
           </p:cNvPr>
@@ -12938,7 +12938,7 @@
           <p:cNvPr id="5" name="Subtitle 4">
             <a:extLst>
               <a:ext uri="{FF2B5EF4-FFF2-40B4-BE49-F238E27FC236}">
-                <a16:creationId xmlns:a16="http://schemas.microsoft.com/office/drawing/2014/main" id="{46AD44FD-08F9-4FAD-9C48-D5370D6B5C4A}"/>
+                <a16:creationId xmlns:a16="http://schemas.microsoft.com/office/drawing/2014/main" xmlns="" id="{46AD44FD-08F9-4FAD-9C48-D5370D6B5C4A}"/>
               </a:ext>
             </a:extLst>
           </p:cNvPr>
@@ -13054,7 +13054,7 @@
           <p:cNvPr id="6" name="Picture 5">
             <a:extLst>
               <a:ext uri="{FF2B5EF4-FFF2-40B4-BE49-F238E27FC236}">
-                <a16:creationId xmlns:a16="http://schemas.microsoft.com/office/drawing/2014/main" id="{C04D2CE3-FADE-4444-BF01-5877D5BCC980}"/>
+                <a16:creationId xmlns:a16="http://schemas.microsoft.com/office/drawing/2014/main" xmlns="" id="{C04D2CE3-FADE-4444-BF01-5877D5BCC980}"/>
               </a:ext>
             </a:extLst>
           </p:cNvPr>
@@ -13084,7 +13084,7 @@
           <p:cNvPr id="7" name="Picture 6">
             <a:extLst>
               <a:ext uri="{FF2B5EF4-FFF2-40B4-BE49-F238E27FC236}">
-                <a16:creationId xmlns:a16="http://schemas.microsoft.com/office/drawing/2014/main" id="{2A8D4E12-6DAC-43E1-B8A5-DAB48EDC7D6E}"/>
+                <a16:creationId xmlns:a16="http://schemas.microsoft.com/office/drawing/2014/main" xmlns="" id="{2A8D4E12-6DAC-43E1-B8A5-DAB48EDC7D6E}"/>
               </a:ext>
             </a:extLst>
           </p:cNvPr>
@@ -13114,7 +13114,7 @@
           <p:cNvPr id="8" name="Picture 7">
             <a:extLst>
               <a:ext uri="{FF2B5EF4-FFF2-40B4-BE49-F238E27FC236}">
-                <a16:creationId xmlns:a16="http://schemas.microsoft.com/office/drawing/2014/main" id="{DEC9A47A-34DF-4FB6-877F-3C1541D6D98D}"/>
+                <a16:creationId xmlns:a16="http://schemas.microsoft.com/office/drawing/2014/main" xmlns="" id="{DEC9A47A-34DF-4FB6-877F-3C1541D6D98D}"/>
               </a:ext>
             </a:extLst>
           </p:cNvPr>
@@ -13144,7 +13144,7 @@
           <p:cNvPr id="9" name="Picture 8">
             <a:extLst>
               <a:ext uri="{FF2B5EF4-FFF2-40B4-BE49-F238E27FC236}">
-                <a16:creationId xmlns:a16="http://schemas.microsoft.com/office/drawing/2014/main" id="{75A97654-9ACF-43A2-BA5E-3ACE534F6BB1}"/>
+                <a16:creationId xmlns:a16="http://schemas.microsoft.com/office/drawing/2014/main" xmlns="" id="{75A97654-9ACF-43A2-BA5E-3ACE534F6BB1}"/>
               </a:ext>
             </a:extLst>
           </p:cNvPr>
@@ -13174,7 +13174,7 @@
           <p:cNvPr id="10" name="Picture 9">
             <a:extLst>
               <a:ext uri="{FF2B5EF4-FFF2-40B4-BE49-F238E27FC236}">
-                <a16:creationId xmlns:a16="http://schemas.microsoft.com/office/drawing/2014/main" id="{9B7E195B-B314-46BB-9947-09C095EEE81B}"/>
+                <a16:creationId xmlns:a16="http://schemas.microsoft.com/office/drawing/2014/main" xmlns="" id="{9B7E195B-B314-46BB-9947-09C095EEE81B}"/>
               </a:ext>
             </a:extLst>
           </p:cNvPr>
@@ -13204,7 +13204,7 @@
           <p:cNvPr id="11" name="Picture 10">
             <a:extLst>
               <a:ext uri="{FF2B5EF4-FFF2-40B4-BE49-F238E27FC236}">
-                <a16:creationId xmlns:a16="http://schemas.microsoft.com/office/drawing/2014/main" id="{EBF10B3E-7F59-4AE2-B659-45D4C2DBBC08}"/>
+                <a16:creationId xmlns:a16="http://schemas.microsoft.com/office/drawing/2014/main" xmlns="" id="{EBF10B3E-7F59-4AE2-B659-45D4C2DBBC08}"/>
               </a:ext>
             </a:extLst>
           </p:cNvPr>
@@ -13234,7 +13234,7 @@
           <p:cNvPr id="12" name="Picture 11">
             <a:extLst>
               <a:ext uri="{FF2B5EF4-FFF2-40B4-BE49-F238E27FC236}">
-                <a16:creationId xmlns:a16="http://schemas.microsoft.com/office/drawing/2014/main" id="{F3A2CC9D-FB19-4D63-894F-B0AE04B6056D}"/>
+                <a16:creationId xmlns:a16="http://schemas.microsoft.com/office/drawing/2014/main" xmlns="" id="{F3A2CC9D-FB19-4D63-894F-B0AE04B6056D}"/>
               </a:ext>
             </a:extLst>
           </p:cNvPr>
@@ -13264,7 +13264,7 @@
           <p:cNvPr id="14" name="TextBox 13">
             <a:extLst>
               <a:ext uri="{FF2B5EF4-FFF2-40B4-BE49-F238E27FC236}">
-                <a16:creationId xmlns:a16="http://schemas.microsoft.com/office/drawing/2014/main" id="{6F9E1177-B80E-4CEF-A256-343DFAE24982}"/>
+                <a16:creationId xmlns:a16="http://schemas.microsoft.com/office/drawing/2014/main" xmlns="" id="{6F9E1177-B80E-4CEF-A256-343DFAE24982}"/>
               </a:ext>
             </a:extLst>
           </p:cNvPr>
@@ -13303,7 +13303,7 @@
           <p:cNvPr id="13" name="TextBox 12">
             <a:extLst>
               <a:ext uri="{FF2B5EF4-FFF2-40B4-BE49-F238E27FC236}">
-                <a16:creationId xmlns:a16="http://schemas.microsoft.com/office/drawing/2014/main" id="{4CA538C8-DDF0-40BF-BA51-8FE033F34B63}"/>
+                <a16:creationId xmlns:a16="http://schemas.microsoft.com/office/drawing/2014/main" xmlns="" id="{4CA538C8-DDF0-40BF-BA51-8FE033F34B63}"/>
               </a:ext>
             </a:extLst>
           </p:cNvPr>
@@ -13352,6 +13352,13 @@
   <p:clrMapOvr>
     <a:masterClrMapping/>
   </p:clrMapOvr>
+  <p:timing>
+    <p:tnLst>
+      <p:par>
+        <p:cTn id="1" dur="indefinite" restart="never" nodeType="tmRoot"/>
+      </p:par>
+    </p:tnLst>
+  </p:timing>
 </p:sld>
 </file>
 
@@ -13492,6 +13499,13 @@
   <p:clrMapOvr>
     <a:masterClrMapping/>
   </p:clrMapOvr>
+  <p:timing>
+    <p:tnLst>
+      <p:par>
+        <p:cTn id="1" dur="indefinite" restart="never" nodeType="tmRoot"/>
+      </p:par>
+    </p:tnLst>
+  </p:timing>
 </p:sld>
 </file>
 
@@ -13544,7 +13558,7 @@
           <p:cNvPr id="7" name="Picture 2">
             <a:extLst>
               <a:ext uri="{FF2B5EF4-FFF2-40B4-BE49-F238E27FC236}">
-                <a16:creationId xmlns:a16="http://schemas.microsoft.com/office/drawing/2014/main" id="{B76E598F-1C59-4394-8340-986200DECB1E}"/>
+                <a16:creationId xmlns:a16="http://schemas.microsoft.com/office/drawing/2014/main" xmlns="" id="{B76E598F-1C59-4394-8340-986200DECB1E}"/>
               </a:ext>
             </a:extLst>
           </p:cNvPr>
@@ -13604,7 +13618,7 @@
           <p:cNvPr id="10" name="Content Placeholder 2">
             <a:extLst>
               <a:ext uri="{FF2B5EF4-FFF2-40B4-BE49-F238E27FC236}">
-                <a16:creationId xmlns:a16="http://schemas.microsoft.com/office/drawing/2014/main" id="{AD2387E2-7737-4B33-9C53-E4D7580B42D3}"/>
+                <a16:creationId xmlns:a16="http://schemas.microsoft.com/office/drawing/2014/main" xmlns="" id="{AD2387E2-7737-4B33-9C53-E4D7580B42D3}"/>
               </a:ext>
             </a:extLst>
           </p:cNvPr>
@@ -13688,6 +13702,13 @@
   <p:clrMapOvr>
     <a:masterClrMapping/>
   </p:clrMapOvr>
+  <p:timing>
+    <p:tnLst>
+      <p:par>
+        <p:cTn id="1" dur="indefinite" restart="never" nodeType="tmRoot"/>
+      </p:par>
+    </p:tnLst>
+  </p:timing>
 </p:sld>
 </file>
 
@@ -13782,6 +13803,13 @@
   <p:clrMapOvr>
     <a:masterClrMapping/>
   </p:clrMapOvr>
+  <p:timing>
+    <p:tnLst>
+      <p:par>
+        <p:cTn id="1" dur="indefinite" restart="never" nodeType="tmRoot"/>
+      </p:par>
+    </p:tnLst>
+  </p:timing>
 </p:sld>
 </file>
 
@@ -13839,7 +13867,7 @@
             <p:ph sz="half" idx="1"/>
             <p:extLst>
               <p:ext uri="{D42A27DB-BD31-4B8C-83A1-F6EECF244321}">
-                <p14:modId xmlns:p14="http://schemas.microsoft.com/office/powerpoint/2010/main" val="3564214917"/>
+                <p14:modId xmlns:p14="http://schemas.microsoft.com/office/powerpoint/2010/main" val="1696046622"/>
               </p:ext>
             </p:extLst>
           </p:nvPr>
@@ -13858,42 +13886,42 @@
                 <a:gridCol w="1859335">
                   <a:extLst>
                     <a:ext uri="{9D8B030D-6E8A-4147-A177-3AD203B41FA5}">
-                      <a16:colId xmlns:a16="http://schemas.microsoft.com/office/drawing/2014/main" val="3550727435"/>
+                      <a16:colId xmlns:a16="http://schemas.microsoft.com/office/drawing/2014/main" xmlns="" val="3550727435"/>
                     </a:ext>
                   </a:extLst>
                 </a:gridCol>
                 <a:gridCol w="1618167">
                   <a:extLst>
                     <a:ext uri="{9D8B030D-6E8A-4147-A177-3AD203B41FA5}">
-                      <a16:colId xmlns:a16="http://schemas.microsoft.com/office/drawing/2014/main" val="3295678948"/>
+                      <a16:colId xmlns:a16="http://schemas.microsoft.com/office/drawing/2014/main" xmlns="" val="3295678948"/>
                     </a:ext>
                   </a:extLst>
                 </a:gridCol>
                 <a:gridCol w="1731670">
                   <a:extLst>
                     <a:ext uri="{9D8B030D-6E8A-4147-A177-3AD203B41FA5}">
-                      <a16:colId xmlns:a16="http://schemas.microsoft.com/office/drawing/2014/main" val="485902210"/>
+                      <a16:colId xmlns:a16="http://schemas.microsoft.com/office/drawing/2014/main" xmlns="" val="485902210"/>
                     </a:ext>
                   </a:extLst>
                 </a:gridCol>
                 <a:gridCol w="1669506">
                   <a:extLst>
                     <a:ext uri="{9D8B030D-6E8A-4147-A177-3AD203B41FA5}">
-                      <a16:colId xmlns:a16="http://schemas.microsoft.com/office/drawing/2014/main" val="20003"/>
+                      <a16:colId xmlns:a16="http://schemas.microsoft.com/office/drawing/2014/main" xmlns="" val="20003"/>
                     </a:ext>
                   </a:extLst>
                 </a:gridCol>
                 <a:gridCol w="1633986">
                   <a:extLst>
                     <a:ext uri="{9D8B030D-6E8A-4147-A177-3AD203B41FA5}">
-                      <a16:colId xmlns:a16="http://schemas.microsoft.com/office/drawing/2014/main" val="1751447481"/>
+                      <a16:colId xmlns:a16="http://schemas.microsoft.com/office/drawing/2014/main" xmlns="" val="1751447481"/>
                     </a:ext>
                   </a:extLst>
                 </a:gridCol>
                 <a:gridCol w="3374535">
                   <a:extLst>
                     <a:ext uri="{9D8B030D-6E8A-4147-A177-3AD203B41FA5}">
-                      <a16:colId xmlns:a16="http://schemas.microsoft.com/office/drawing/2014/main" val="788984757"/>
+                      <a16:colId xmlns:a16="http://schemas.microsoft.com/office/drawing/2014/main" xmlns="" val="788984757"/>
                     </a:ext>
                   </a:extLst>
                 </a:gridCol>
@@ -13973,7 +14001,7 @@
                 </a:tc>
                 <a:extLst>
                   <a:ext uri="{0D108BD9-81ED-4DB2-BD59-A6C34878D82A}">
-                    <a16:rowId xmlns:a16="http://schemas.microsoft.com/office/drawing/2014/main" val="418414485"/>
+                    <a16:rowId xmlns:a16="http://schemas.microsoft.com/office/drawing/2014/main" xmlns="" val="418414485"/>
                   </a:ext>
                 </a:extLst>
               </a:tr>
@@ -14089,7 +14117,7 @@
                 </a:tc>
                 <a:extLst>
                   <a:ext uri="{0D108BD9-81ED-4DB2-BD59-A6C34878D82A}">
-                    <a16:rowId xmlns:a16="http://schemas.microsoft.com/office/drawing/2014/main" val="10001"/>
+                    <a16:rowId xmlns:a16="http://schemas.microsoft.com/office/drawing/2014/main" xmlns="" val="10001"/>
                   </a:ext>
                 </a:extLst>
               </a:tr>
@@ -14200,7 +14228,7 @@
                 </a:tc>
                 <a:extLst>
                   <a:ext uri="{0D108BD9-81ED-4DB2-BD59-A6C34878D82A}">
-                    <a16:rowId xmlns:a16="http://schemas.microsoft.com/office/drawing/2014/main" val="2740143975"/>
+                    <a16:rowId xmlns:a16="http://schemas.microsoft.com/office/drawing/2014/main" xmlns="" val="2740143975"/>
                   </a:ext>
                 </a:extLst>
               </a:tr>
@@ -14211,16 +14239,21 @@
                     <a:lstStyle/>
                     <a:p>
                       <a:r>
-                        <a:rPr lang="en-IN" dirty="0">
-                          <a:highlight>
-                            <a:srgbClr val="FFFF00"/>
-                          </a:highlight>
+                        <a:rPr lang="en-IN" sz="1800" kern="1200" dirty="0">
+                          <a:solidFill>
+                            <a:schemeClr val="tx1"/>
+                          </a:solidFill>
+                          <a:latin typeface="+mn-lt"/>
+                          <a:ea typeface="+mn-ea"/>
+                          <a:cs typeface="+mn-cs"/>
                         </a:rPr>
                         <a:t>Bayesian Classifier</a:t>
                       </a:r>
                     </a:p>
                   </a:txBody>
-                  <a:tcPr/>
+                  <a:tcPr>
+                    <a:noFill/>
+                  </a:tcPr>
                 </a:tc>
                 <a:tc>
                   <a:txBody>
@@ -14229,10 +14262,13 @@
                     <a:p>
                       <a:pPr algn="ctr"/>
                       <a:r>
-                        <a:rPr lang="en-IN" dirty="0">
-                          <a:highlight>
-                            <a:srgbClr val="FFFF00"/>
-                          </a:highlight>
+                        <a:rPr lang="en-IN" sz="1800" kern="1200" dirty="0">
+                          <a:solidFill>
+                            <a:schemeClr val="tx1"/>
+                          </a:solidFill>
+                          <a:latin typeface="+mn-lt"/>
+                          <a:ea typeface="+mn-ea"/>
+                          <a:cs typeface="+mn-cs"/>
                         </a:rPr>
                         <a:t>50.73%</a:t>
                       </a:r>
@@ -14247,10 +14283,13 @@
                     <a:p>
                       <a:pPr algn="ctr"/>
                       <a:r>
-                        <a:rPr lang="en-IN" dirty="0">
-                          <a:highlight>
-                            <a:srgbClr val="FFFF00"/>
-                          </a:highlight>
+                        <a:rPr lang="en-IN" sz="1800" kern="1200" dirty="0">
+                          <a:solidFill>
+                            <a:schemeClr val="tx1"/>
+                          </a:solidFill>
+                          <a:latin typeface="+mn-lt"/>
+                          <a:ea typeface="+mn-ea"/>
+                          <a:cs typeface="+mn-cs"/>
                         </a:rPr>
                         <a:t>18.86%</a:t>
                       </a:r>
@@ -14265,10 +14304,13 @@
                     <a:p>
                       <a:pPr algn="ctr"/>
                       <a:r>
-                        <a:rPr lang="en-IN" dirty="0">
-                          <a:highlight>
-                            <a:srgbClr val="FFFF00"/>
-                          </a:highlight>
+                        <a:rPr lang="en-IN" sz="1800" kern="1200" dirty="0">
+                          <a:solidFill>
+                            <a:schemeClr val="tx1"/>
+                          </a:solidFill>
+                          <a:latin typeface="+mn-lt"/>
+                          <a:ea typeface="+mn-ea"/>
+                          <a:cs typeface="+mn-cs"/>
                         </a:rPr>
                         <a:t>76.61%</a:t>
                       </a:r>
@@ -14283,10 +14325,13 @@
                     <a:p>
                       <a:pPr algn="ctr"/>
                       <a:r>
-                        <a:rPr lang="en-IN" dirty="0">
-                          <a:highlight>
-                            <a:srgbClr val="FFFF00"/>
-                          </a:highlight>
+                        <a:rPr lang="en-IN" sz="1800" kern="1200" dirty="0">
+                          <a:solidFill>
+                            <a:schemeClr val="tx1"/>
+                          </a:solidFill>
+                          <a:latin typeface="+mn-lt"/>
+                          <a:ea typeface="+mn-ea"/>
+                          <a:cs typeface="+mn-cs"/>
                         </a:rPr>
                         <a:t>44.25%</a:t>
                       </a:r>
@@ -14301,10 +14346,13 @@
                     <a:p>
                       <a:pPr algn="ctr"/>
                       <a:r>
-                        <a:rPr lang="en-IN" dirty="0">
-                          <a:highlight>
-                            <a:srgbClr val="FFFF00"/>
-                          </a:highlight>
+                        <a:rPr lang="en-IN" sz="1800" kern="1200" dirty="0">
+                          <a:solidFill>
+                            <a:schemeClr val="tx1"/>
+                          </a:solidFill>
+                          <a:latin typeface="+mn-lt"/>
+                          <a:ea typeface="+mn-ea"/>
+                          <a:cs typeface="+mn-cs"/>
                         </a:rPr>
                         <a:t>41.38%</a:t>
                       </a:r>
@@ -14314,7 +14362,7 @@
                 </a:tc>
                 <a:extLst>
                   <a:ext uri="{0D108BD9-81ED-4DB2-BD59-A6C34878D82A}">
-                    <a16:rowId xmlns:a16="http://schemas.microsoft.com/office/drawing/2014/main" val="4075877440"/>
+                    <a16:rowId xmlns:a16="http://schemas.microsoft.com/office/drawing/2014/main" xmlns="" val="4075877440"/>
                   </a:ext>
                 </a:extLst>
               </a:tr>
@@ -14410,7 +14458,7 @@
                 </a:tc>
                 <a:extLst>
                   <a:ext uri="{0D108BD9-81ED-4DB2-BD59-A6C34878D82A}">
-                    <a16:rowId xmlns:a16="http://schemas.microsoft.com/office/drawing/2014/main" val="541031661"/>
+                    <a16:rowId xmlns:a16="http://schemas.microsoft.com/office/drawing/2014/main" xmlns="" val="541031661"/>
                   </a:ext>
                 </a:extLst>
               </a:tr>
@@ -14505,7 +14553,7 @@
                 </a:tc>
                 <a:extLst>
                   <a:ext uri="{0D108BD9-81ED-4DB2-BD59-A6C34878D82A}">
-                    <a16:rowId xmlns:a16="http://schemas.microsoft.com/office/drawing/2014/main" val="1396813758"/>
+                    <a16:rowId xmlns:a16="http://schemas.microsoft.com/office/drawing/2014/main" xmlns="" val="1396813758"/>
                   </a:ext>
                 </a:extLst>
               </a:tr>
@@ -14518,7 +14566,7 @@
           <p:cNvPr id="3" name="Rectangle 2">
             <a:extLst>
               <a:ext uri="{FF2B5EF4-FFF2-40B4-BE49-F238E27FC236}">
-                <a16:creationId xmlns:a16="http://schemas.microsoft.com/office/drawing/2014/main" id="{6D24092D-9014-4601-A8E5-A4FB3F59660D}"/>
+                <a16:creationId xmlns:a16="http://schemas.microsoft.com/office/drawing/2014/main" xmlns="" id="{6D24092D-9014-4601-A8E5-A4FB3F59660D}"/>
               </a:ext>
             </a:extLst>
           </p:cNvPr>
@@ -14566,6 +14614,13 @@
   <p:clrMapOvr>
     <a:masterClrMapping/>
   </p:clrMapOvr>
+  <p:timing>
+    <p:tnLst>
+      <p:par>
+        <p:cTn id="1" dur="indefinite" restart="never" nodeType="tmRoot"/>
+      </p:par>
+    </p:tnLst>
+  </p:timing>
 </p:sld>
 </file>
 
@@ -14627,8 +14682,8 @@
         </p:nvSpPr>
         <p:spPr>
           <a:xfrm>
-            <a:off x="217058" y="1660020"/>
-            <a:ext cx="4749210" cy="4579462"/>
+            <a:off x="734940" y="1461331"/>
+            <a:ext cx="4546361" cy="4761059"/>
           </a:xfrm>
         </p:spPr>
         <p:txBody>
@@ -14665,7 +14720,15 @@
             </a:pPr>
             <a:r>
               <a:rPr lang="en-IN" sz="1400" dirty="0"/>
-              <a:t>Beyond 370 PCs, the covariance matrices get quite large, and unstable. Many cases, the determinant evaluates to a negative value, preventing predictions as well.</a:t>
+              <a:t>Beyond 370 PCs, the covariance matrices get quite large, and unstable. Many cases, the determinant </a:t>
+            </a:r>
+            <a:r>
+              <a:rPr lang="en-IN" sz="1400" dirty="0" smtClean="0"/>
+              <a:t>(for Disgust class) evaluates </a:t>
+            </a:r>
+            <a:r>
+              <a:rPr lang="en-IN" sz="1400" dirty="0"/>
+              <a:t>to a negative value, preventing predictions as well.</a:t>
             </a:r>
           </a:p>
           <a:p>
@@ -14678,23 +14741,43 @@
             </a:pPr>
             <a:r>
               <a:rPr lang="en-US" sz="1400" dirty="0"/>
-              <a:t>100% PPV in disgust class for </a:t>
-            </a:r>
-            <a:r>
-              <a:rPr lang="en-US" sz="1400" dirty="0" err="1"/>
-              <a:t>bayesian</a:t>
+              <a:t>100% PPV in </a:t>
+            </a:r>
+            <a:r>
+              <a:rPr lang="en-US" sz="1400" dirty="0" smtClean="0"/>
+              <a:t>Disgust </a:t>
             </a:r>
             <a:r>
               <a:rPr lang="en-US" sz="1400" dirty="0"/>
-              <a:t> classifier and rest </a:t>
-            </a:r>
-            <a:r>
-              <a:rPr lang="en-US" sz="1400" dirty="0" err="1"/>
-              <a:t>ppvs</a:t>
+              <a:t>class for </a:t>
             </a:r>
             <a:r>
               <a:rPr lang="en-US" sz="1400" dirty="0"/>
-              <a:t> are very low. Reason might be unbalanced classes determined by their counts.</a:t>
+              <a:t>B</a:t>
+            </a:r>
+            <a:r>
+              <a:rPr lang="en-US" sz="1400" dirty="0" smtClean="0"/>
+              <a:t>ayesian </a:t>
+            </a:r>
+            <a:r>
+              <a:rPr lang="en-US" sz="1400" dirty="0"/>
+              <a:t>classifier and rest </a:t>
+            </a:r>
+            <a:r>
+              <a:rPr lang="en-US" sz="1400" dirty="0" smtClean="0"/>
+              <a:t>PPVs </a:t>
+            </a:r>
+            <a:r>
+              <a:rPr lang="en-US" sz="1400" dirty="0"/>
+              <a:t>are </a:t>
+            </a:r>
+            <a:r>
+              <a:rPr lang="en-US" sz="1400" dirty="0" smtClean="0"/>
+              <a:t>lower. </a:t>
+            </a:r>
+            <a:r>
+              <a:rPr lang="en-US" sz="1400" dirty="0"/>
+              <a:t>Reason might be unbalanced classes determined by their counts.</a:t>
             </a:r>
           </a:p>
           <a:p>
@@ -14706,12 +14789,20 @@
               <a:buChar char="Ø"/>
             </a:pPr>
             <a:r>
+              <a:rPr lang="en-US" sz="1400" dirty="0" smtClean="0"/>
+              <a:t>Principal </a:t>
+            </a:r>
+            <a:r>
               <a:rPr lang="en-US" sz="1400" dirty="0"/>
-              <a:t>Principle components make the distributions more </a:t>
-            </a:r>
-            <a:r>
-              <a:rPr lang="en-US" sz="1400" dirty="0" err="1"/>
-              <a:t>guassian</a:t>
+              <a:t>components make the distributions more </a:t>
+            </a:r>
+            <a:r>
+              <a:rPr lang="en-US" sz="1400" dirty="0" smtClean="0"/>
+              <a:t>G</a:t>
+            </a:r>
+            <a:r>
+              <a:rPr lang="en-US" sz="1400" dirty="0" smtClean="0"/>
+              <a:t>aussian</a:t>
             </a:r>
             <a:endParaRPr lang="en-IN" sz="1400" dirty="0"/>
           </a:p>
@@ -14790,8 +14881,8 @@
         </p:blipFill>
         <p:spPr bwMode="auto">
           <a:xfrm>
-            <a:off x="4041913" y="907325"/>
-            <a:ext cx="7446359" cy="5633331"/>
+            <a:off x="5264970" y="1563880"/>
+            <a:ext cx="6334400" cy="4792110"/>
           </a:xfrm>
           <a:prstGeom prst="rect">
             <a:avLst/>
@@ -14826,7 +14917,7 @@
           <p:cNvPr id="3" name="Rectangle 2">
             <a:extLst>
               <a:ext uri="{FF2B5EF4-FFF2-40B4-BE49-F238E27FC236}">
-                <a16:creationId xmlns:a16="http://schemas.microsoft.com/office/drawing/2014/main" id="{30B14E7A-8F0E-4DEC-9955-CEF62AB818B0}"/>
+                <a16:creationId xmlns:a16="http://schemas.microsoft.com/office/drawing/2014/main" xmlns="" id="{30B14E7A-8F0E-4DEC-9955-CEF62AB818B0}"/>
               </a:ext>
             </a:extLst>
           </p:cNvPr>
@@ -14874,6 +14965,13 @@
   <p:clrMapOvr>
     <a:masterClrMapping/>
   </p:clrMapOvr>
+  <p:timing>
+    <p:tnLst>
+      <p:par>
+        <p:cTn id="1" dur="indefinite" restart="never" nodeType="tmRoot"/>
+      </p:par>
+    </p:tnLst>
+  </p:timing>
 </p:sld>
 </file>
 
@@ -14899,7 +14997,7 @@
           <p:cNvPr id="2" name="Title 1">
             <a:extLst>
               <a:ext uri="{FF2B5EF4-FFF2-40B4-BE49-F238E27FC236}">
-                <a16:creationId xmlns:a16="http://schemas.microsoft.com/office/drawing/2014/main" id="{58293DE5-6A3F-4CB5-9B2D-B26F445310F7}"/>
+                <a16:creationId xmlns:a16="http://schemas.microsoft.com/office/drawing/2014/main" xmlns="" id="{58293DE5-6A3F-4CB5-9B2D-B26F445310F7}"/>
               </a:ext>
             </a:extLst>
           </p:cNvPr>
@@ -14937,7 +15035,7 @@
           <p:cNvPr id="3" name="Content Placeholder 2">
             <a:extLst>
               <a:ext uri="{FF2B5EF4-FFF2-40B4-BE49-F238E27FC236}">
-                <a16:creationId xmlns:a16="http://schemas.microsoft.com/office/drawing/2014/main" id="{AEF930C9-DE34-42D1-B51C-D4367365A454}"/>
+                <a16:creationId xmlns:a16="http://schemas.microsoft.com/office/drawing/2014/main" xmlns="" id="{AEF930C9-DE34-42D1-B51C-D4367365A454}"/>
               </a:ext>
             </a:extLst>
           </p:cNvPr>
@@ -14950,8 +15048,8 @@
         </p:nvSpPr>
         <p:spPr>
           <a:xfrm>
-            <a:off x="1141410" y="2249486"/>
-            <a:ext cx="4878389" cy="4164566"/>
+            <a:off x="1141410" y="2025353"/>
+            <a:ext cx="5182478" cy="4388699"/>
           </a:xfrm>
         </p:spPr>
         <p:txBody>
@@ -14983,7 +15081,15 @@
             <a:pPr lvl="1"/>
             <a:r>
               <a:rPr lang="en-US" sz="2400" dirty="0"/>
-              <a:t>Each 2304 features long (48x48 grayscale image)</a:t>
+              <a:t>Each </a:t>
+            </a:r>
+            <a:r>
+              <a:rPr lang="en-US" sz="2400" dirty="0" smtClean="0"/>
+              <a:t>sample is 2304 </a:t>
+            </a:r>
+            <a:r>
+              <a:rPr lang="en-US" sz="2400" dirty="0"/>
+              <a:t>features long (48x48 grayscale image)</a:t>
             </a:r>
           </a:p>
           <a:p>
@@ -14995,16 +15101,25 @@
           <a:p>
             <a:pPr lvl="1"/>
             <a:r>
+              <a:rPr lang="en-US" sz="2400" dirty="0" smtClean="0"/>
+              <a:t>7178 </a:t>
+            </a:r>
+            <a:r>
               <a:rPr lang="en-US" sz="2400" dirty="0"/>
-              <a:t>7178 samples</a:t>
+              <a:t>samples</a:t>
             </a:r>
           </a:p>
           <a:p>
             <a:pPr lvl="1"/>
             <a:r>
               <a:rPr lang="en-US" sz="2400" dirty="0"/>
-              <a:t>20% of complete set</a:t>
-            </a:r>
+              <a:t>20% of complete </a:t>
+            </a:r>
+            <a:r>
+              <a:rPr lang="en-US" sz="2400" dirty="0" smtClean="0"/>
+              <a:t>set (10% used for evaluation, 10% for validation)</a:t>
+            </a:r>
+            <a:endParaRPr lang="en-US" sz="2400" dirty="0"/>
           </a:p>
         </p:txBody>
       </p:sp>
@@ -15013,7 +15128,7 @@
           <p:cNvPr id="4" name="Content Placeholder 3">
             <a:extLst>
               <a:ext uri="{FF2B5EF4-FFF2-40B4-BE49-F238E27FC236}">
-                <a16:creationId xmlns:a16="http://schemas.microsoft.com/office/drawing/2014/main" id="{B2018AEE-6A81-49B2-AD03-CBA865B5659F}"/>
+                <a16:creationId xmlns:a16="http://schemas.microsoft.com/office/drawing/2014/main" xmlns="" id="{B2018AEE-6A81-49B2-AD03-CBA865B5659F}"/>
               </a:ext>
             </a:extLst>
           </p:cNvPr>
@@ -15147,6 +15262,13 @@
   <p:clrMapOvr>
     <a:masterClrMapping/>
   </p:clrMapOvr>
+  <p:timing>
+    <p:tnLst>
+      <p:par>
+        <p:cTn id="1" dur="indefinite" restart="never" nodeType="tmRoot"/>
+      </p:par>
+    </p:tnLst>
+  </p:timing>
 </p:sld>
 </file>
 
@@ -15172,7 +15294,7 @@
           <p:cNvPr id="6" name="Picture 5">
             <a:extLst>
               <a:ext uri="{FF2B5EF4-FFF2-40B4-BE49-F238E27FC236}">
-                <a16:creationId xmlns:a16="http://schemas.microsoft.com/office/drawing/2014/main" id="{5D56938D-3BE8-CE48-AA21-BE82D471014E}"/>
+                <a16:creationId xmlns:a16="http://schemas.microsoft.com/office/drawing/2014/main" xmlns="" id="{5D56938D-3BE8-CE48-AA21-BE82D471014E}"/>
               </a:ext>
             </a:extLst>
           </p:cNvPr>
@@ -15202,7 +15324,7 @@
           <p:cNvPr id="7" name="TextBox 6">
             <a:extLst>
               <a:ext uri="{FF2B5EF4-FFF2-40B4-BE49-F238E27FC236}">
-                <a16:creationId xmlns:a16="http://schemas.microsoft.com/office/drawing/2014/main" id="{D915B283-25CC-1646-BC03-AAA3C5A9F1CF}"/>
+                <a16:creationId xmlns:a16="http://schemas.microsoft.com/office/drawing/2014/main" xmlns="" id="{D915B283-25CC-1646-BC03-AAA3C5A9F1CF}"/>
               </a:ext>
             </a:extLst>
           </p:cNvPr>
@@ -15237,7 +15359,7 @@
           <p:cNvPr id="8" name="TextBox 7">
             <a:extLst>
               <a:ext uri="{FF2B5EF4-FFF2-40B4-BE49-F238E27FC236}">
-                <a16:creationId xmlns:a16="http://schemas.microsoft.com/office/drawing/2014/main" id="{77363FA3-080C-7D46-AEA8-CC10D34C1207}"/>
+                <a16:creationId xmlns:a16="http://schemas.microsoft.com/office/drawing/2014/main" xmlns="" id="{77363FA3-080C-7D46-AEA8-CC10D34C1207}"/>
               </a:ext>
             </a:extLst>
           </p:cNvPr>
@@ -15272,7 +15394,7 @@
           <p:cNvPr id="9" name="Picture 8">
             <a:extLst>
               <a:ext uri="{FF2B5EF4-FFF2-40B4-BE49-F238E27FC236}">
-                <a16:creationId xmlns:a16="http://schemas.microsoft.com/office/drawing/2014/main" id="{FF582211-B22A-104F-8420-2A250CBCAA9E}"/>
+                <a16:creationId xmlns:a16="http://schemas.microsoft.com/office/drawing/2014/main" xmlns="" id="{FF582211-B22A-104F-8420-2A250CBCAA9E}"/>
               </a:ext>
             </a:extLst>
           </p:cNvPr>
@@ -15302,7 +15424,7 @@
           <p:cNvPr id="10" name="Picture 9">
             <a:extLst>
               <a:ext uri="{FF2B5EF4-FFF2-40B4-BE49-F238E27FC236}">
-                <a16:creationId xmlns:a16="http://schemas.microsoft.com/office/drawing/2014/main" id="{64C88E78-58A0-AA4F-8247-DD709B7A6D22}"/>
+                <a16:creationId xmlns:a16="http://schemas.microsoft.com/office/drawing/2014/main" xmlns="" id="{64C88E78-58A0-AA4F-8247-DD709B7A6D22}"/>
               </a:ext>
             </a:extLst>
           </p:cNvPr>
@@ -15332,7 +15454,7 @@
           <p:cNvPr id="11" name="Picture 10">
             <a:extLst>
               <a:ext uri="{FF2B5EF4-FFF2-40B4-BE49-F238E27FC236}">
-                <a16:creationId xmlns:a16="http://schemas.microsoft.com/office/drawing/2014/main" id="{58BB88A8-9BD7-0741-B3D1-AF9BD689186F}"/>
+                <a16:creationId xmlns:a16="http://schemas.microsoft.com/office/drawing/2014/main" xmlns="" id="{58BB88A8-9BD7-0741-B3D1-AF9BD689186F}"/>
               </a:ext>
             </a:extLst>
           </p:cNvPr>
@@ -15362,7 +15484,7 @@
           <p:cNvPr id="12" name="Picture 11">
             <a:extLst>
               <a:ext uri="{FF2B5EF4-FFF2-40B4-BE49-F238E27FC236}">
-                <a16:creationId xmlns:a16="http://schemas.microsoft.com/office/drawing/2014/main" id="{E7ACC8CD-4378-9048-8D98-21A2B9229B32}"/>
+                <a16:creationId xmlns:a16="http://schemas.microsoft.com/office/drawing/2014/main" xmlns="" id="{E7ACC8CD-4378-9048-8D98-21A2B9229B32}"/>
               </a:ext>
             </a:extLst>
           </p:cNvPr>
@@ -15392,7 +15514,7 @@
           <p:cNvPr id="13" name="Picture 12">
             <a:extLst>
               <a:ext uri="{FF2B5EF4-FFF2-40B4-BE49-F238E27FC236}">
-                <a16:creationId xmlns:a16="http://schemas.microsoft.com/office/drawing/2014/main" id="{8241D1AC-3E3B-4B48-BA98-D299381640D0}"/>
+                <a16:creationId xmlns:a16="http://schemas.microsoft.com/office/drawing/2014/main" xmlns="" id="{8241D1AC-3E3B-4B48-BA98-D299381640D0}"/>
               </a:ext>
             </a:extLst>
           </p:cNvPr>
@@ -15422,7 +15544,7 @@
           <p:cNvPr id="14" name="Picture 13">
             <a:extLst>
               <a:ext uri="{FF2B5EF4-FFF2-40B4-BE49-F238E27FC236}">
-                <a16:creationId xmlns:a16="http://schemas.microsoft.com/office/drawing/2014/main" id="{E0EA4702-2322-264D-A590-075F66A6A62D}"/>
+                <a16:creationId xmlns:a16="http://schemas.microsoft.com/office/drawing/2014/main" xmlns="" id="{E0EA4702-2322-264D-A590-075F66A6A62D}"/>
               </a:ext>
             </a:extLst>
           </p:cNvPr>
@@ -15452,7 +15574,7 @@
           <p:cNvPr id="15" name="TextBox 14">
             <a:extLst>
               <a:ext uri="{FF2B5EF4-FFF2-40B4-BE49-F238E27FC236}">
-                <a16:creationId xmlns:a16="http://schemas.microsoft.com/office/drawing/2014/main" id="{37F33105-3CB6-5448-993D-18286D514369}"/>
+                <a16:creationId xmlns:a16="http://schemas.microsoft.com/office/drawing/2014/main" xmlns="" id="{37F33105-3CB6-5448-993D-18286D514369}"/>
               </a:ext>
             </a:extLst>
           </p:cNvPr>
@@ -15491,7 +15613,7 @@
           <p:cNvPr id="16" name="TextBox 15">
             <a:extLst>
               <a:ext uri="{FF2B5EF4-FFF2-40B4-BE49-F238E27FC236}">
-                <a16:creationId xmlns:a16="http://schemas.microsoft.com/office/drawing/2014/main" id="{2D9E2BE1-00EA-4649-A03B-4CA2B529D5AD}"/>
+                <a16:creationId xmlns:a16="http://schemas.microsoft.com/office/drawing/2014/main" xmlns="" id="{2D9E2BE1-00EA-4649-A03B-4CA2B529D5AD}"/>
               </a:ext>
             </a:extLst>
           </p:cNvPr>
@@ -15530,7 +15652,7 @@
           <p:cNvPr id="17" name="TextBox 16">
             <a:extLst>
               <a:ext uri="{FF2B5EF4-FFF2-40B4-BE49-F238E27FC236}">
-                <a16:creationId xmlns:a16="http://schemas.microsoft.com/office/drawing/2014/main" id="{A97E85AB-C406-4348-9B0F-C64047D9B338}"/>
+                <a16:creationId xmlns:a16="http://schemas.microsoft.com/office/drawing/2014/main" xmlns="" id="{A97E85AB-C406-4348-9B0F-C64047D9B338}"/>
               </a:ext>
             </a:extLst>
           </p:cNvPr>
@@ -15569,7 +15691,7 @@
           <p:cNvPr id="2" name="Rectangle 1">
             <a:extLst>
               <a:ext uri="{FF2B5EF4-FFF2-40B4-BE49-F238E27FC236}">
-                <a16:creationId xmlns:a16="http://schemas.microsoft.com/office/drawing/2014/main" id="{E3222E19-2670-4835-9385-7B4B7C92EB90}"/>
+                <a16:creationId xmlns:a16="http://schemas.microsoft.com/office/drawing/2014/main" xmlns="" id="{E3222E19-2670-4835-9385-7B4B7C92EB90}"/>
               </a:ext>
             </a:extLst>
           </p:cNvPr>
@@ -15608,6 +15730,13 @@
   <p:clrMapOvr>
     <a:masterClrMapping/>
   </p:clrMapOvr>
+  <p:timing>
+    <p:tnLst>
+      <p:par>
+        <p:cTn id="1" dur="indefinite" restart="never" nodeType="tmRoot"/>
+      </p:par>
+    </p:tnLst>
+  </p:timing>
 </p:sld>
 </file>
 
@@ -15633,7 +15762,7 @@
           <p:cNvPr id="5" name="Title 1">
             <a:extLst>
               <a:ext uri="{FF2B5EF4-FFF2-40B4-BE49-F238E27FC236}">
-                <a16:creationId xmlns:a16="http://schemas.microsoft.com/office/drawing/2014/main" id="{B99B477F-0B4C-4A7D-8070-4D8823C41C4A}"/>
+                <a16:creationId xmlns:a16="http://schemas.microsoft.com/office/drawing/2014/main" xmlns="" id="{B99B477F-0B4C-4A7D-8070-4D8823C41C4A}"/>
               </a:ext>
             </a:extLst>
           </p:cNvPr>
@@ -15693,7 +15822,7 @@
           <p:cNvPr id="10" name="Content Placeholder 9">
             <a:extLst>
               <a:ext uri="{FF2B5EF4-FFF2-40B4-BE49-F238E27FC236}">
-                <a16:creationId xmlns:a16="http://schemas.microsoft.com/office/drawing/2014/main" id="{5D6A86AE-D427-4173-88E8-FCA663A174C3}"/>
+                <a16:creationId xmlns:a16="http://schemas.microsoft.com/office/drawing/2014/main" xmlns="" id="{5D6A86AE-D427-4173-88E8-FCA663A174C3}"/>
               </a:ext>
             </a:extLst>
           </p:cNvPr>
@@ -15723,21 +15852,21 @@
                 <a:gridCol w="1626129">
                   <a:extLst>
                     <a:ext uri="{9D8B030D-6E8A-4147-A177-3AD203B41FA5}">
-                      <a16:colId xmlns:a16="http://schemas.microsoft.com/office/drawing/2014/main" val="3783705459"/>
+                      <a16:colId xmlns:a16="http://schemas.microsoft.com/office/drawing/2014/main" xmlns="" val="3783705459"/>
                     </a:ext>
                   </a:extLst>
                 </a:gridCol>
                 <a:gridCol w="1626129">
                   <a:extLst>
                     <a:ext uri="{9D8B030D-6E8A-4147-A177-3AD203B41FA5}">
-                      <a16:colId xmlns:a16="http://schemas.microsoft.com/office/drawing/2014/main" val="842042690"/>
+                      <a16:colId xmlns:a16="http://schemas.microsoft.com/office/drawing/2014/main" xmlns="" val="842042690"/>
                     </a:ext>
                   </a:extLst>
                 </a:gridCol>
                 <a:gridCol w="1626129">
                   <a:extLst>
                     <a:ext uri="{9D8B030D-6E8A-4147-A177-3AD203B41FA5}">
-                      <a16:colId xmlns:a16="http://schemas.microsoft.com/office/drawing/2014/main" val="517438777"/>
+                      <a16:colId xmlns:a16="http://schemas.microsoft.com/office/drawing/2014/main" xmlns="" val="517438777"/>
                     </a:ext>
                   </a:extLst>
                 </a:gridCol>
@@ -15784,7 +15913,7 @@
                 </a:tc>
                 <a:extLst>
                   <a:ext uri="{0D108BD9-81ED-4DB2-BD59-A6C34878D82A}">
-                    <a16:rowId xmlns:a16="http://schemas.microsoft.com/office/drawing/2014/main" val="2449312198"/>
+                    <a16:rowId xmlns:a16="http://schemas.microsoft.com/office/drawing/2014/main" xmlns="" val="2449312198"/>
                   </a:ext>
                 </a:extLst>
               </a:tr>
@@ -15834,7 +15963,7 @@
                 </a:tc>
                 <a:extLst>
                   <a:ext uri="{0D108BD9-81ED-4DB2-BD59-A6C34878D82A}">
-                    <a16:rowId xmlns:a16="http://schemas.microsoft.com/office/drawing/2014/main" val="3917471711"/>
+                    <a16:rowId xmlns:a16="http://schemas.microsoft.com/office/drawing/2014/main" xmlns="" val="3917471711"/>
                   </a:ext>
                 </a:extLst>
               </a:tr>
@@ -15884,7 +16013,7 @@
                 </a:tc>
                 <a:extLst>
                   <a:ext uri="{0D108BD9-81ED-4DB2-BD59-A6C34878D82A}">
-                    <a16:rowId xmlns:a16="http://schemas.microsoft.com/office/drawing/2014/main" val="2138382457"/>
+                    <a16:rowId xmlns:a16="http://schemas.microsoft.com/office/drawing/2014/main" xmlns="" val="2138382457"/>
                   </a:ext>
                 </a:extLst>
               </a:tr>
@@ -15934,7 +16063,7 @@
                 </a:tc>
                 <a:extLst>
                   <a:ext uri="{0D108BD9-81ED-4DB2-BD59-A6C34878D82A}">
-                    <a16:rowId xmlns:a16="http://schemas.microsoft.com/office/drawing/2014/main" val="828003314"/>
+                    <a16:rowId xmlns:a16="http://schemas.microsoft.com/office/drawing/2014/main" xmlns="" val="828003314"/>
                   </a:ext>
                 </a:extLst>
               </a:tr>
@@ -15984,7 +16113,7 @@
                 </a:tc>
                 <a:extLst>
                   <a:ext uri="{0D108BD9-81ED-4DB2-BD59-A6C34878D82A}">
-                    <a16:rowId xmlns:a16="http://schemas.microsoft.com/office/drawing/2014/main" val="1909103786"/>
+                    <a16:rowId xmlns:a16="http://schemas.microsoft.com/office/drawing/2014/main" xmlns="" val="1909103786"/>
                   </a:ext>
                 </a:extLst>
               </a:tr>
@@ -16034,7 +16163,7 @@
                 </a:tc>
                 <a:extLst>
                   <a:ext uri="{0D108BD9-81ED-4DB2-BD59-A6C34878D82A}">
-                    <a16:rowId xmlns:a16="http://schemas.microsoft.com/office/drawing/2014/main" val="1026246193"/>
+                    <a16:rowId xmlns:a16="http://schemas.microsoft.com/office/drawing/2014/main" xmlns="" val="1026246193"/>
                   </a:ext>
                 </a:extLst>
               </a:tr>
@@ -16084,7 +16213,7 @@
                 </a:tc>
                 <a:extLst>
                   <a:ext uri="{0D108BD9-81ED-4DB2-BD59-A6C34878D82A}">
-                    <a16:rowId xmlns:a16="http://schemas.microsoft.com/office/drawing/2014/main" val="3862785627"/>
+                    <a16:rowId xmlns:a16="http://schemas.microsoft.com/office/drawing/2014/main" xmlns="" val="3862785627"/>
                   </a:ext>
                 </a:extLst>
               </a:tr>
@@ -16134,7 +16263,7 @@
                 </a:tc>
                 <a:extLst>
                   <a:ext uri="{0D108BD9-81ED-4DB2-BD59-A6C34878D82A}">
-                    <a16:rowId xmlns:a16="http://schemas.microsoft.com/office/drawing/2014/main" val="424314168"/>
+                    <a16:rowId xmlns:a16="http://schemas.microsoft.com/office/drawing/2014/main" xmlns="" val="424314168"/>
                   </a:ext>
                 </a:extLst>
               </a:tr>
@@ -16147,7 +16276,7 @@
           <p:cNvPr id="7" name="TextBox 6">
             <a:extLst>
               <a:ext uri="{FF2B5EF4-FFF2-40B4-BE49-F238E27FC236}">
-                <a16:creationId xmlns:a16="http://schemas.microsoft.com/office/drawing/2014/main" id="{0C3376BF-7719-4F41-AA1C-F7296E85CF16}"/>
+                <a16:creationId xmlns:a16="http://schemas.microsoft.com/office/drawing/2014/main" xmlns="" id="{0C3376BF-7719-4F41-AA1C-F7296E85CF16}"/>
               </a:ext>
             </a:extLst>
           </p:cNvPr>
@@ -16191,6 +16320,13 @@
   <p:clrMapOvr>
     <a:masterClrMapping/>
   </p:clrMapOvr>
+  <p:timing>
+    <p:tnLst>
+      <p:par>
+        <p:cTn id="1" dur="indefinite" restart="never" nodeType="tmRoot"/>
+      </p:par>
+    </p:tnLst>
+  </p:timing>
 </p:sld>
 </file>
 
@@ -16216,7 +16352,7 @@
           <p:cNvPr id="2" name="Title 1">
             <a:extLst>
               <a:ext uri="{FF2B5EF4-FFF2-40B4-BE49-F238E27FC236}">
-                <a16:creationId xmlns:a16="http://schemas.microsoft.com/office/drawing/2014/main" id="{3BB733D1-7FBB-48C7-A6BD-F5EB626F366D}"/>
+                <a16:creationId xmlns:a16="http://schemas.microsoft.com/office/drawing/2014/main" xmlns="" id="{3BB733D1-7FBB-48C7-A6BD-F5EB626F366D}"/>
               </a:ext>
             </a:extLst>
           </p:cNvPr>
@@ -16258,7 +16394,7 @@
           <p:cNvPr id="3" name="Content Placeholder 2">
             <a:extLst>
               <a:ext uri="{FF2B5EF4-FFF2-40B4-BE49-F238E27FC236}">
-                <a16:creationId xmlns:a16="http://schemas.microsoft.com/office/drawing/2014/main" id="{F02F2CBD-4339-4157-BB42-3B1DDAC0E7B1}"/>
+                <a16:creationId xmlns:a16="http://schemas.microsoft.com/office/drawing/2014/main" xmlns="" id="{F02F2CBD-4339-4157-BB42-3B1DDAC0E7B1}"/>
               </a:ext>
             </a:extLst>
           </p:cNvPr>
@@ -16297,7 +16433,7 @@
           <p:cNvPr id="27" name="Content Placeholder 26">
             <a:extLst>
               <a:ext uri="{FF2B5EF4-FFF2-40B4-BE49-F238E27FC236}">
-                <a16:creationId xmlns:a16="http://schemas.microsoft.com/office/drawing/2014/main" id="{A88BA9CF-19EF-4963-88AD-58682BBABEAB}"/>
+                <a16:creationId xmlns:a16="http://schemas.microsoft.com/office/drawing/2014/main" xmlns="" id="{A88BA9CF-19EF-4963-88AD-58682BBABEAB}"/>
               </a:ext>
             </a:extLst>
           </p:cNvPr>
@@ -16329,7 +16465,7 @@
           <p:cNvPr id="5" name="Picture 2">
             <a:extLst>
               <a:ext uri="{FF2B5EF4-FFF2-40B4-BE49-F238E27FC236}">
-                <a16:creationId xmlns:a16="http://schemas.microsoft.com/office/drawing/2014/main" id="{0BAD14BD-27E8-41D6-9B1A-0403F310BCD2}"/>
+                <a16:creationId xmlns:a16="http://schemas.microsoft.com/office/drawing/2014/main" xmlns="" id="{0BAD14BD-27E8-41D6-9B1A-0403F310BCD2}"/>
               </a:ext>
             </a:extLst>
           </p:cNvPr>
@@ -16376,7 +16512,7 @@
           <p:cNvPr id="7" name="Title 1">
             <a:extLst>
               <a:ext uri="{FF2B5EF4-FFF2-40B4-BE49-F238E27FC236}">
-                <a16:creationId xmlns:a16="http://schemas.microsoft.com/office/drawing/2014/main" id="{075EAB31-FB4F-49F3-A379-A3422927C8A3}"/>
+                <a16:creationId xmlns:a16="http://schemas.microsoft.com/office/drawing/2014/main" xmlns="" id="{075EAB31-FB4F-49F3-A379-A3422927C8A3}"/>
               </a:ext>
             </a:extLst>
           </p:cNvPr>
@@ -16435,6 +16571,13 @@
   <p:clrMapOvr>
     <a:masterClrMapping/>
   </p:clrMapOvr>
+  <p:timing>
+    <p:tnLst>
+      <p:par>
+        <p:cTn id="1" dur="indefinite" restart="never" nodeType="tmRoot"/>
+      </p:par>
+    </p:tnLst>
+  </p:timing>
 </p:sld>
 </file>
 
@@ -16524,7 +16667,7 @@
           <p:cNvPr id="5" name="Content Placeholder 4">
             <a:extLst>
               <a:ext uri="{FF2B5EF4-FFF2-40B4-BE49-F238E27FC236}">
-                <a16:creationId xmlns:a16="http://schemas.microsoft.com/office/drawing/2014/main" id="{CEA01515-E5CF-4375-887A-C99FA93FB9F3}"/>
+                <a16:creationId xmlns:a16="http://schemas.microsoft.com/office/drawing/2014/main" xmlns="" id="{CEA01515-E5CF-4375-887A-C99FA93FB9F3}"/>
               </a:ext>
             </a:extLst>
           </p:cNvPr>
@@ -16566,6 +16709,13 @@
   <p:clrMapOvr>
     <a:masterClrMapping/>
   </p:clrMapOvr>
+  <p:timing>
+    <p:tnLst>
+      <p:par>
+        <p:cTn id="1" dur="indefinite" restart="never" nodeType="tmRoot"/>
+      </p:par>
+    </p:tnLst>
+  </p:timing>
 </p:sld>
 </file>
 
@@ -16596,7 +16746,7 @@
           <p:cNvPr id="2" name="Title 1">
             <a:extLst>
               <a:ext uri="{FF2B5EF4-FFF2-40B4-BE49-F238E27FC236}">
-                <a16:creationId xmlns:a16="http://schemas.microsoft.com/office/drawing/2014/main" id="{DACA88CE-21C6-4B0E-A7F8-45202789E753}"/>
+                <a16:creationId xmlns:a16="http://schemas.microsoft.com/office/drawing/2014/main" xmlns="" id="{DACA88CE-21C6-4B0E-A7F8-45202789E753}"/>
               </a:ext>
             </a:extLst>
           </p:cNvPr>
@@ -16631,7 +16781,7 @@
           <p:cNvPr id="11" name="Content Placeholder 10">
             <a:extLst>
               <a:ext uri="{FF2B5EF4-FFF2-40B4-BE49-F238E27FC236}">
-                <a16:creationId xmlns:a16="http://schemas.microsoft.com/office/drawing/2014/main" id="{C9D5AF68-48D5-4964-B0F7-EDAD0AF4E91B}"/>
+                <a16:creationId xmlns:a16="http://schemas.microsoft.com/office/drawing/2014/main" xmlns="" id="{C9D5AF68-48D5-4964-B0F7-EDAD0AF4E91B}"/>
               </a:ext>
             </a:extLst>
           </p:cNvPr>
@@ -16692,7 +16842,7 @@
           <p:cNvPr id="9" name="Content Placeholder 5">
             <a:extLst>
               <a:ext uri="{FF2B5EF4-FFF2-40B4-BE49-F238E27FC236}">
-                <a16:creationId xmlns:a16="http://schemas.microsoft.com/office/drawing/2014/main" id="{F6ABF9AC-1FAF-4D9A-A63D-4850602B059C}"/>
+                <a16:creationId xmlns:a16="http://schemas.microsoft.com/office/drawing/2014/main" xmlns="" id="{F6ABF9AC-1FAF-4D9A-A63D-4850602B059C}"/>
               </a:ext>
             </a:extLst>
           </p:cNvPr>
@@ -16722,7 +16872,7 @@
           <p:cNvPr id="89" name="Title 1">
             <a:extLst>
               <a:ext uri="{FF2B5EF4-FFF2-40B4-BE49-F238E27FC236}">
-                <a16:creationId xmlns:a16="http://schemas.microsoft.com/office/drawing/2014/main" id="{4F0242D0-8432-47F4-9A71-222DBA46FE63}"/>
+                <a16:creationId xmlns:a16="http://schemas.microsoft.com/office/drawing/2014/main" xmlns="" id="{4F0242D0-8432-47F4-9A71-222DBA46FE63}"/>
               </a:ext>
             </a:extLst>
           </p:cNvPr>
@@ -16781,7 +16931,7 @@
           <p:cNvPr id="3" name="Rectangle 2">
             <a:extLst>
               <a:ext uri="{FF2B5EF4-FFF2-40B4-BE49-F238E27FC236}">
-                <a16:creationId xmlns:a16="http://schemas.microsoft.com/office/drawing/2014/main" id="{E41DDA01-81FC-4E63-875C-A7BE23B0077D}"/>
+                <a16:creationId xmlns:a16="http://schemas.microsoft.com/office/drawing/2014/main" xmlns="" id="{E41DDA01-81FC-4E63-875C-A7BE23B0077D}"/>
               </a:ext>
             </a:extLst>
           </p:cNvPr>
@@ -16825,6 +16975,13 @@
   <p:clrMapOvr>
     <a:overrideClrMapping bg1="lt1" tx1="dk1" bg2="lt2" tx2="dk2" accent1="accent1" accent2="accent2" accent3="accent3" accent4="accent4" accent5="accent5" accent6="accent6" hlink="hlink" folHlink="folHlink"/>
   </p:clrMapOvr>
+  <p:timing>
+    <p:tnLst>
+      <p:par>
+        <p:cTn id="1" dur="indefinite" restart="never" nodeType="tmRoot"/>
+      </p:par>
+    </p:tnLst>
+  </p:timing>
 </p:sld>
 </file>
 
@@ -16850,7 +17007,7 @@
           <p:cNvPr id="2" name="Title 1">
             <a:extLst>
               <a:ext uri="{FF2B5EF4-FFF2-40B4-BE49-F238E27FC236}">
-                <a16:creationId xmlns:a16="http://schemas.microsoft.com/office/drawing/2014/main" id="{C55C24C6-B163-4227-BDFA-DB2684557434}"/>
+                <a16:creationId xmlns:a16="http://schemas.microsoft.com/office/drawing/2014/main" xmlns="" id="{C55C24C6-B163-4227-BDFA-DB2684557434}"/>
               </a:ext>
             </a:extLst>
           </p:cNvPr>
@@ -16883,7 +17040,7 @@
           <p:cNvPr id="7" name="TextBox 6">
             <a:extLst>
               <a:ext uri="{FF2B5EF4-FFF2-40B4-BE49-F238E27FC236}">
-                <a16:creationId xmlns:a16="http://schemas.microsoft.com/office/drawing/2014/main" id="{8D0767D8-301B-0741-A1B6-F8297F8239C8}"/>
+                <a16:creationId xmlns:a16="http://schemas.microsoft.com/office/drawing/2014/main" xmlns="" id="{8D0767D8-301B-0741-A1B6-F8297F8239C8}"/>
               </a:ext>
             </a:extLst>
           </p:cNvPr>
@@ -16933,7 +17090,7 @@
           <p:cNvPr id="4" name="Picture 3">
             <a:extLst>
               <a:ext uri="{FF2B5EF4-FFF2-40B4-BE49-F238E27FC236}">
-                <a16:creationId xmlns:a16="http://schemas.microsoft.com/office/drawing/2014/main" id="{52C56562-CF38-2D43-BDA9-EEE249A4623B}"/>
+                <a16:creationId xmlns:a16="http://schemas.microsoft.com/office/drawing/2014/main" xmlns="" id="{52C56562-CF38-2D43-BDA9-EEE249A4623B}"/>
               </a:ext>
             </a:extLst>
           </p:cNvPr>
@@ -16963,7 +17120,7 @@
           <p:cNvPr id="6" name="TextBox 5">
             <a:extLst>
               <a:ext uri="{FF2B5EF4-FFF2-40B4-BE49-F238E27FC236}">
-                <a16:creationId xmlns:a16="http://schemas.microsoft.com/office/drawing/2014/main" id="{0C603B1F-1F97-3F47-A1FB-49F34A0EE4CD}"/>
+                <a16:creationId xmlns:a16="http://schemas.microsoft.com/office/drawing/2014/main" xmlns="" id="{0C603B1F-1F97-3F47-A1FB-49F34A0EE4CD}"/>
               </a:ext>
             </a:extLst>
           </p:cNvPr>
@@ -16998,7 +17155,7 @@
           <p:cNvPr id="8" name="Picture 7">
             <a:extLst>
               <a:ext uri="{FF2B5EF4-FFF2-40B4-BE49-F238E27FC236}">
-                <a16:creationId xmlns:a16="http://schemas.microsoft.com/office/drawing/2014/main" id="{4F12DBDF-1060-474A-8A8F-FCC1497E6E0D}"/>
+                <a16:creationId xmlns:a16="http://schemas.microsoft.com/office/drawing/2014/main" xmlns="" id="{4F12DBDF-1060-474A-8A8F-FCC1497E6E0D}"/>
               </a:ext>
             </a:extLst>
           </p:cNvPr>
@@ -17028,7 +17185,7 @@
           <p:cNvPr id="9" name="TextBox 8">
             <a:extLst>
               <a:ext uri="{FF2B5EF4-FFF2-40B4-BE49-F238E27FC236}">
-                <a16:creationId xmlns:a16="http://schemas.microsoft.com/office/drawing/2014/main" id="{0C67FCF7-2BF8-C14B-B7D9-A01E4568A068}"/>
+                <a16:creationId xmlns:a16="http://schemas.microsoft.com/office/drawing/2014/main" xmlns="" id="{0C67FCF7-2BF8-C14B-B7D9-A01E4568A068}"/>
               </a:ext>
             </a:extLst>
           </p:cNvPr>
@@ -17069,7 +17226,7 @@
           <p:cNvPr id="11" name="Picture 10">
             <a:extLst>
               <a:ext uri="{FF2B5EF4-FFF2-40B4-BE49-F238E27FC236}">
-                <a16:creationId xmlns:a16="http://schemas.microsoft.com/office/drawing/2014/main" id="{3CEEFBBA-2F68-E84C-A33A-83887726A5C4}"/>
+                <a16:creationId xmlns:a16="http://schemas.microsoft.com/office/drawing/2014/main" xmlns="" id="{3CEEFBBA-2F68-E84C-A33A-83887726A5C4}"/>
               </a:ext>
             </a:extLst>
           </p:cNvPr>
@@ -17099,7 +17256,7 @@
           <p:cNvPr id="12" name="TextBox 11">
             <a:extLst>
               <a:ext uri="{FF2B5EF4-FFF2-40B4-BE49-F238E27FC236}">
-                <a16:creationId xmlns:a16="http://schemas.microsoft.com/office/drawing/2014/main" id="{0DFC4A9A-4943-CB4C-ADFB-D51C461B19C8}"/>
+                <a16:creationId xmlns:a16="http://schemas.microsoft.com/office/drawing/2014/main" xmlns="" id="{0DFC4A9A-4943-CB4C-ADFB-D51C461B19C8}"/>
               </a:ext>
             </a:extLst>
           </p:cNvPr>
@@ -17145,6 +17302,13 @@
   <p:clrMapOvr>
     <a:masterClrMapping/>
   </p:clrMapOvr>
+  <p:timing>
+    <p:tnLst>
+      <p:par>
+        <p:cTn id="1" dur="indefinite" restart="never" nodeType="tmRoot"/>
+      </p:par>
+    </p:tnLst>
+  </p:timing>
 </p:sld>
 </file>
 
@@ -17210,7 +17374,7 @@
         </p:spPr>
         <p:txBody>
           <a:bodyPr>
-            <a:normAutofit/>
+            <a:normAutofit fontScale="92500" lnSpcReduction="10000"/>
           </a:bodyPr>
           <a:lstStyle/>
           <a:p>
@@ -17244,15 +17408,44 @@
           <a:p>
             <a:r>
               <a:rPr lang="en-IN" sz="1800" dirty="0"/>
-              <a:t>Other approaches</a:t>
-            </a:r>
+              <a:t>Other </a:t>
+            </a:r>
+            <a:r>
+              <a:rPr lang="en-IN" sz="1800" dirty="0" smtClean="0"/>
+              <a:t>approaches, using 360 PCs</a:t>
+            </a:r>
+            <a:endParaRPr lang="en-IN" sz="1800" dirty="0"/>
           </a:p>
           <a:p>
             <a:pPr lvl="1"/>
             <a:r>
               <a:rPr lang="en-IN" sz="1800" dirty="0"/>
+              <a:t>Augmented dataset with </a:t>
+            </a:r>
+            <a:r>
+              <a:rPr lang="en-IN" sz="1800" dirty="0" smtClean="0"/>
+              <a:t>3, 6 &amp; 10 degree </a:t>
+            </a:r>
+            <a:r>
+              <a:rPr lang="en-IN" sz="1800" dirty="0"/>
+              <a:t>rotations: </a:t>
+            </a:r>
+            <a:r>
+              <a:rPr lang="en-IN" sz="1800" dirty="0" smtClean="0"/>
+              <a:t>41.38% </a:t>
+            </a:r>
+            <a:r>
+              <a:rPr lang="en-IN" sz="1800" dirty="0"/>
+              <a:t>Accuracy</a:t>
+            </a:r>
+          </a:p>
+          <a:p>
+            <a:pPr lvl="1"/>
+            <a:r>
+              <a:rPr lang="en-IN" sz="1800" dirty="0" smtClean="0"/>
               <a:t>Augmented dataset with 3 &amp; 6 degree rotations: 42.46% Accuracy</a:t>
             </a:r>
+            <a:endParaRPr lang="en-IN" sz="1800" dirty="0"/>
           </a:p>
           <a:p>
             <a:pPr lvl="1"/>
@@ -17278,14 +17471,14 @@
           <p:nvPr>
             <p:extLst>
               <p:ext uri="{D42A27DB-BD31-4B8C-83A1-F6EECF244321}">
-                <p14:modId xmlns:p14="http://schemas.microsoft.com/office/powerpoint/2010/main" val="1752835441"/>
+                <p14:modId xmlns:p14="http://schemas.microsoft.com/office/powerpoint/2010/main" val="1953420769"/>
               </p:ext>
             </p:extLst>
           </p:nvPr>
         </p:nvGraphicFramePr>
         <p:xfrm>
-          <a:off x="368341" y="3529097"/>
-          <a:ext cx="11455317" cy="1789043"/>
+          <a:off x="1026371" y="3611422"/>
+          <a:ext cx="9709251" cy="1296126"/>
         </p:xfrm>
         <a:graphic>
           <a:graphicData uri="http://schemas.openxmlformats.org/drawingml/2006/table">
@@ -17294,64 +17487,64 @@
                 <a:tableStyleId>{5C22544A-7EE6-4342-B048-85BDC9FD1C3A}</a:tableStyleId>
               </a:tblPr>
               <a:tblGrid>
-                <a:gridCol w="1636572">
+                <a:gridCol w="2045399">
                   <a:extLst>
                     <a:ext uri="{9D8B030D-6E8A-4147-A177-3AD203B41FA5}">
-                      <a16:colId xmlns:a16="http://schemas.microsoft.com/office/drawing/2014/main" val="20000"/>
+                      <a16:colId xmlns:a16="http://schemas.microsoft.com/office/drawing/2014/main" xmlns="" val="20000"/>
                     </a:ext>
                   </a:extLst>
                 </a:gridCol>
-                <a:gridCol w="1199266">
+                <a:gridCol w="1107127">
                   <a:extLst>
                     <a:ext uri="{9D8B030D-6E8A-4147-A177-3AD203B41FA5}">
-                      <a16:colId xmlns:a16="http://schemas.microsoft.com/office/drawing/2014/main" val="20001"/>
+                      <a16:colId xmlns:a16="http://schemas.microsoft.com/office/drawing/2014/main" xmlns="" val="20001"/>
                     </a:ext>
                   </a:extLst>
                 </a:gridCol>
-                <a:gridCol w="1417921">
+                <a:gridCol w="982767">
                   <a:extLst>
                     <a:ext uri="{9D8B030D-6E8A-4147-A177-3AD203B41FA5}">
-                      <a16:colId xmlns:a16="http://schemas.microsoft.com/office/drawing/2014/main" val="20002"/>
+                      <a16:colId xmlns:a16="http://schemas.microsoft.com/office/drawing/2014/main" xmlns="" val="20002"/>
                     </a:ext>
                   </a:extLst>
                 </a:gridCol>
-                <a:gridCol w="1417921">
+                <a:gridCol w="1076770">
                   <a:extLst>
                     <a:ext uri="{9D8B030D-6E8A-4147-A177-3AD203B41FA5}">
-                      <a16:colId xmlns:a16="http://schemas.microsoft.com/office/drawing/2014/main" val="20003"/>
+                      <a16:colId xmlns:a16="http://schemas.microsoft.com/office/drawing/2014/main" xmlns="" val="20003"/>
                     </a:ext>
                   </a:extLst>
                 </a:gridCol>
-                <a:gridCol w="1417921">
+                <a:gridCol w="1059678">
                   <a:extLst>
                     <a:ext uri="{9D8B030D-6E8A-4147-A177-3AD203B41FA5}">
-                      <a16:colId xmlns:a16="http://schemas.microsoft.com/office/drawing/2014/main" val="20004"/>
+                      <a16:colId xmlns:a16="http://schemas.microsoft.com/office/drawing/2014/main" xmlns="" val="20004"/>
                     </a:ext>
                   </a:extLst>
                 </a:gridCol>
-                <a:gridCol w="1417921">
+                <a:gridCol w="1016950">
                   <a:extLst>
                     <a:ext uri="{9D8B030D-6E8A-4147-A177-3AD203B41FA5}">
-                      <a16:colId xmlns:a16="http://schemas.microsoft.com/office/drawing/2014/main" val="20005"/>
+                      <a16:colId xmlns:a16="http://schemas.microsoft.com/office/drawing/2014/main" xmlns="" val="20005"/>
                     </a:ext>
                   </a:extLst>
                 </a:gridCol>
-                <a:gridCol w="1492402">
+                <a:gridCol w="1222048">
                   <a:extLst>
                     <a:ext uri="{9D8B030D-6E8A-4147-A177-3AD203B41FA5}">
-                      <a16:colId xmlns:a16="http://schemas.microsoft.com/office/drawing/2014/main" val="20006"/>
+                      <a16:colId xmlns:a16="http://schemas.microsoft.com/office/drawing/2014/main" xmlns="" val="20006"/>
                     </a:ext>
                   </a:extLst>
                 </a:gridCol>
-                <a:gridCol w="1455393">
+                <a:gridCol w="1198512">
                   <a:extLst>
                     <a:ext uri="{9D8B030D-6E8A-4147-A177-3AD203B41FA5}">
-                      <a16:colId xmlns:a16="http://schemas.microsoft.com/office/drawing/2014/main" val="20007"/>
+                      <a16:colId xmlns:a16="http://schemas.microsoft.com/office/drawing/2014/main" xmlns="" val="20007"/>
                     </a:ext>
                   </a:extLst>
                 </a:gridCol>
               </a:tblGrid>
-              <a:tr h="670891">
+              <a:tr h="464921">
                 <a:tc>
                   <a:txBody>
                     <a:bodyPr/>
@@ -17462,20 +17655,21 @@
                 </a:tc>
                 <a:extLst>
                   <a:ext uri="{0D108BD9-81ED-4DB2-BD59-A6C34878D82A}">
-                    <a16:rowId xmlns:a16="http://schemas.microsoft.com/office/drawing/2014/main" val="10000"/>
+                    <a16:rowId xmlns:a16="http://schemas.microsoft.com/office/drawing/2014/main" xmlns="" val="10000"/>
                   </a:ext>
                 </a:extLst>
               </a:tr>
-              <a:tr h="559076">
+              <a:tr h="434965">
                 <a:tc>
                   <a:txBody>
                     <a:bodyPr/>
                     <a:lstStyle/>
                     <a:p>
                       <a:r>
-                        <a:rPr lang="en-US" sz="2000" dirty="0"/>
-                        <a:t>PPV</a:t>
+                        <a:rPr lang="en-US" sz="2000" dirty="0" smtClean="0"/>
+                        <a:t>PPV (Precision)</a:t>
                       </a:r>
+                      <a:endParaRPr lang="en-US" sz="2000" dirty="0"/>
                     </a:p>
                   </a:txBody>
                   <a:tcPr/>
@@ -17580,20 +17774,21 @@
                 </a:tc>
                 <a:extLst>
                   <a:ext uri="{0D108BD9-81ED-4DB2-BD59-A6C34878D82A}">
-                    <a16:rowId xmlns:a16="http://schemas.microsoft.com/office/drawing/2014/main" val="10001"/>
+                    <a16:rowId xmlns:a16="http://schemas.microsoft.com/office/drawing/2014/main" xmlns="" val="10001"/>
                   </a:ext>
                 </a:extLst>
               </a:tr>
-              <a:tr h="559076">
+              <a:tr h="367469">
                 <a:tc>
                   <a:txBody>
                     <a:bodyPr/>
                     <a:lstStyle/>
                     <a:p>
                       <a:r>
-                        <a:rPr lang="en-US" sz="2000" dirty="0"/>
-                        <a:t>Sensitivity</a:t>
+                        <a:rPr lang="en-US" sz="2000" dirty="0" smtClean="0"/>
+                        <a:t>Sensitivity (Recall)</a:t>
                       </a:r>
+                      <a:endParaRPr lang="en-US" sz="2000" dirty="0"/>
                     </a:p>
                   </a:txBody>
                   <a:tcPr/>
@@ -17735,7 +17930,7 @@
                 </a:tc>
                 <a:extLst>
                   <a:ext uri="{0D108BD9-81ED-4DB2-BD59-A6C34878D82A}">
-                    <a16:rowId xmlns:a16="http://schemas.microsoft.com/office/drawing/2014/main" val="10002"/>
+                    <a16:rowId xmlns:a16="http://schemas.microsoft.com/office/drawing/2014/main" xmlns="" val="10002"/>
                   </a:ext>
                 </a:extLst>
               </a:tr>
@@ -17748,7 +17943,7 @@
           <p:cNvPr id="6" name="Rectangle 5">
             <a:extLst>
               <a:ext uri="{FF2B5EF4-FFF2-40B4-BE49-F238E27FC236}">
-                <a16:creationId xmlns:a16="http://schemas.microsoft.com/office/drawing/2014/main" id="{1AE81389-C846-4D6C-B598-3243F2032E67}"/>
+                <a16:creationId xmlns:a16="http://schemas.microsoft.com/office/drawing/2014/main" xmlns="" id="{1AE81389-C846-4D6C-B598-3243F2032E67}"/>
               </a:ext>
             </a:extLst>
           </p:cNvPr>
@@ -17796,6 +17991,13 @@
   <p:clrMapOvr>
     <a:masterClrMapping/>
   </p:clrMapOvr>
+  <p:timing>
+    <p:tnLst>
+      <p:par>
+        <p:cTn id="1" dur="indefinite" restart="never" nodeType="tmRoot"/>
+      </p:par>
+    </p:tnLst>
+  </p:timing>
 </p:sld>
 </file>
 
@@ -18044,7 +18246,7 @@
   <a:extraClrSchemeLst/>
   <a:extLst>
     <a:ext uri="{05A4C25C-085E-4340-85A3-A5531E510DB2}">
-      <thm15:themeFamily xmlns:thm15="http://schemas.microsoft.com/office/thememl/2012/main" name="Circuit" id="{0AC2F7E7-15F5-431C-B2A2-456FE929F56C}" vid="{0911B802-464C-4241-8DD9-B60FF88E379F}"/>
+      <thm15:themeFamily xmlns:thm15="http://schemas.microsoft.com/office/thememl/2012/main" xmlns="" name="Circuit" id="{0AC2F7E7-15F5-431C-B2A2-456FE929F56C}" vid="{0911B802-464C-4241-8DD9-B60FF88E379F}"/>
     </a:ext>
   </a:extLst>
 </a:theme>
@@ -18305,7 +18507,7 @@
   <a:extraClrSchemeLst/>
   <a:extLst>
     <a:ext uri="{05A4C25C-085E-4340-85A3-A5531E510DB2}">
-      <thm15:themeFamily xmlns:thm15="http://schemas.microsoft.com/office/thememl/2012/main" name="Office Theme" id="{62F939B6-93AF-4DB8-9C6B-D6C7DFDC589F}" vid="{4A3C46E8-61CC-4603-A589-7422A47A8E4A}"/>
+      <thm15:themeFamily xmlns:thm15="http://schemas.microsoft.com/office/thememl/2012/main" xmlns="" name="Office Theme" id="{62F939B6-93AF-4DB8-9C6B-D6C7DFDC589F}" vid="{4A3C46E8-61CC-4603-A589-7422A47A8E4A}"/>
     </a:ext>
   </a:extLst>
 </a:theme>

--- a/Final Project Draft.pptx
+++ b/Final Project Draft.pptx
@@ -5,7 +5,7 @@
     <p:sldMasterId id="2147483669" r:id="rId1"/>
   </p:sldMasterIdLst>
   <p:notesMasterIdLst>
-    <p:notesMasterId r:id="rId16"/>
+    <p:notesMasterId r:id="rId17"/>
   </p:notesMasterIdLst>
   <p:sldIdLst>
     <p:sldId id="256" r:id="rId2"/>
@@ -14,14 +14,15 @@
     <p:sldId id="276" r:id="rId5"/>
     <p:sldId id="274" r:id="rId6"/>
     <p:sldId id="268" r:id="rId7"/>
-    <p:sldId id="266" r:id="rId8"/>
-    <p:sldId id="260" r:id="rId9"/>
-    <p:sldId id="270" r:id="rId10"/>
-    <p:sldId id="278" r:id="rId11"/>
-    <p:sldId id="275" r:id="rId12"/>
-    <p:sldId id="271" r:id="rId13"/>
-    <p:sldId id="267" r:id="rId14"/>
-    <p:sldId id="273" r:id="rId15"/>
+    <p:sldId id="280" r:id="rId8"/>
+    <p:sldId id="266" r:id="rId9"/>
+    <p:sldId id="260" r:id="rId10"/>
+    <p:sldId id="270" r:id="rId11"/>
+    <p:sldId id="278" r:id="rId12"/>
+    <p:sldId id="275" r:id="rId13"/>
+    <p:sldId id="271" r:id="rId14"/>
+    <p:sldId id="267" r:id="rId15"/>
+    <p:sldId id="273" r:id="rId16"/>
   </p:sldIdLst>
   <p:sldSz cx="12192000" cy="6858000"/>
   <p:notesSz cx="6858000" cy="9144000"/>
@@ -122,7 +123,7 @@
   </p:defaultTextStyle>
   <p:extLst>
     <p:ext uri="{EFAFB233-063F-42B5-8137-9DF3F51BA10A}">
-      <p15:sldGuideLst xmlns:p15="http://schemas.microsoft.com/office/powerpoint/2012/main" xmlns="">
+      <p15:sldGuideLst xmlns:p15="http://schemas.microsoft.com/office/powerpoint/2012/main">
         <p15:guide id="1" orient="horz" pos="2160">
           <p15:clr>
             <a:srgbClr val="A4A3A4"/>
@@ -554,7 +555,7 @@
           <a:p>
             <a:fld id="{994D0557-01E8-4E04-B9A6-228EA0CD95B9}" type="slidenum">
               <a:rPr lang="en-IN" smtClean="0"/>
-              <a:t>13</a:t>
+              <a:t>14</a:t>
             </a:fld>
             <a:endParaRPr lang="en-IN"/>
           </a:p>
@@ -12904,7 +12905,7 @@
           <p:cNvPr id="2" name="Title 1">
             <a:extLst>
               <a:ext uri="{FF2B5EF4-FFF2-40B4-BE49-F238E27FC236}">
-                <a16:creationId xmlns:a16="http://schemas.microsoft.com/office/drawing/2014/main" xmlns="" id="{C8971EAA-0D3C-48DE-9FFF-6A535ABFC033}"/>
+                <a16:creationId xmlns:a16="http://schemas.microsoft.com/office/drawing/2014/main" id="{C8971EAA-0D3C-48DE-9FFF-6A535ABFC033}"/>
               </a:ext>
             </a:extLst>
           </p:cNvPr>
@@ -12938,7 +12939,7 @@
           <p:cNvPr id="5" name="Subtitle 4">
             <a:extLst>
               <a:ext uri="{FF2B5EF4-FFF2-40B4-BE49-F238E27FC236}">
-                <a16:creationId xmlns:a16="http://schemas.microsoft.com/office/drawing/2014/main" xmlns="" id="{46AD44FD-08F9-4FAD-9C48-D5370D6B5C4A}"/>
+                <a16:creationId xmlns:a16="http://schemas.microsoft.com/office/drawing/2014/main" id="{46AD44FD-08F9-4FAD-9C48-D5370D6B5C4A}"/>
               </a:ext>
             </a:extLst>
           </p:cNvPr>
@@ -13054,7 +13055,7 @@
           <p:cNvPr id="6" name="Picture 5">
             <a:extLst>
               <a:ext uri="{FF2B5EF4-FFF2-40B4-BE49-F238E27FC236}">
-                <a16:creationId xmlns:a16="http://schemas.microsoft.com/office/drawing/2014/main" xmlns="" id="{C04D2CE3-FADE-4444-BF01-5877D5BCC980}"/>
+                <a16:creationId xmlns:a16="http://schemas.microsoft.com/office/drawing/2014/main" id="{C04D2CE3-FADE-4444-BF01-5877D5BCC980}"/>
               </a:ext>
             </a:extLst>
           </p:cNvPr>
@@ -13084,7 +13085,7 @@
           <p:cNvPr id="7" name="Picture 6">
             <a:extLst>
               <a:ext uri="{FF2B5EF4-FFF2-40B4-BE49-F238E27FC236}">
-                <a16:creationId xmlns:a16="http://schemas.microsoft.com/office/drawing/2014/main" xmlns="" id="{2A8D4E12-6DAC-43E1-B8A5-DAB48EDC7D6E}"/>
+                <a16:creationId xmlns:a16="http://schemas.microsoft.com/office/drawing/2014/main" id="{2A8D4E12-6DAC-43E1-B8A5-DAB48EDC7D6E}"/>
               </a:ext>
             </a:extLst>
           </p:cNvPr>
@@ -13114,7 +13115,7 @@
           <p:cNvPr id="8" name="Picture 7">
             <a:extLst>
               <a:ext uri="{FF2B5EF4-FFF2-40B4-BE49-F238E27FC236}">
-                <a16:creationId xmlns:a16="http://schemas.microsoft.com/office/drawing/2014/main" xmlns="" id="{DEC9A47A-34DF-4FB6-877F-3C1541D6D98D}"/>
+                <a16:creationId xmlns:a16="http://schemas.microsoft.com/office/drawing/2014/main" id="{DEC9A47A-34DF-4FB6-877F-3C1541D6D98D}"/>
               </a:ext>
             </a:extLst>
           </p:cNvPr>
@@ -13144,7 +13145,7 @@
           <p:cNvPr id="9" name="Picture 8">
             <a:extLst>
               <a:ext uri="{FF2B5EF4-FFF2-40B4-BE49-F238E27FC236}">
-                <a16:creationId xmlns:a16="http://schemas.microsoft.com/office/drawing/2014/main" xmlns="" id="{75A97654-9ACF-43A2-BA5E-3ACE534F6BB1}"/>
+                <a16:creationId xmlns:a16="http://schemas.microsoft.com/office/drawing/2014/main" id="{75A97654-9ACF-43A2-BA5E-3ACE534F6BB1}"/>
               </a:ext>
             </a:extLst>
           </p:cNvPr>
@@ -13174,7 +13175,7 @@
           <p:cNvPr id="10" name="Picture 9">
             <a:extLst>
               <a:ext uri="{FF2B5EF4-FFF2-40B4-BE49-F238E27FC236}">
-                <a16:creationId xmlns:a16="http://schemas.microsoft.com/office/drawing/2014/main" xmlns="" id="{9B7E195B-B314-46BB-9947-09C095EEE81B}"/>
+                <a16:creationId xmlns:a16="http://schemas.microsoft.com/office/drawing/2014/main" id="{9B7E195B-B314-46BB-9947-09C095EEE81B}"/>
               </a:ext>
             </a:extLst>
           </p:cNvPr>
@@ -13204,7 +13205,7 @@
           <p:cNvPr id="11" name="Picture 10">
             <a:extLst>
               <a:ext uri="{FF2B5EF4-FFF2-40B4-BE49-F238E27FC236}">
-                <a16:creationId xmlns:a16="http://schemas.microsoft.com/office/drawing/2014/main" xmlns="" id="{EBF10B3E-7F59-4AE2-B659-45D4C2DBBC08}"/>
+                <a16:creationId xmlns:a16="http://schemas.microsoft.com/office/drawing/2014/main" id="{EBF10B3E-7F59-4AE2-B659-45D4C2DBBC08}"/>
               </a:ext>
             </a:extLst>
           </p:cNvPr>
@@ -13234,7 +13235,7 @@
           <p:cNvPr id="12" name="Picture 11">
             <a:extLst>
               <a:ext uri="{FF2B5EF4-FFF2-40B4-BE49-F238E27FC236}">
-                <a16:creationId xmlns:a16="http://schemas.microsoft.com/office/drawing/2014/main" xmlns="" id="{F3A2CC9D-FB19-4D63-894F-B0AE04B6056D}"/>
+                <a16:creationId xmlns:a16="http://schemas.microsoft.com/office/drawing/2014/main" id="{F3A2CC9D-FB19-4D63-894F-B0AE04B6056D}"/>
               </a:ext>
             </a:extLst>
           </p:cNvPr>
@@ -13264,7 +13265,7 @@
           <p:cNvPr id="14" name="TextBox 13">
             <a:extLst>
               <a:ext uri="{FF2B5EF4-FFF2-40B4-BE49-F238E27FC236}">
-                <a16:creationId xmlns:a16="http://schemas.microsoft.com/office/drawing/2014/main" xmlns="" id="{6F9E1177-B80E-4CEF-A256-343DFAE24982}"/>
+                <a16:creationId xmlns:a16="http://schemas.microsoft.com/office/drawing/2014/main" id="{6F9E1177-B80E-4CEF-A256-343DFAE24982}"/>
               </a:ext>
             </a:extLst>
           </p:cNvPr>
@@ -13303,7 +13304,7 @@
           <p:cNvPr id="13" name="TextBox 12">
             <a:extLst>
               <a:ext uri="{FF2B5EF4-FFF2-40B4-BE49-F238E27FC236}">
-                <a16:creationId xmlns:a16="http://schemas.microsoft.com/office/drawing/2014/main" xmlns="" id="{4CA538C8-DDF0-40BF-BA51-8FE033F34B63}"/>
+                <a16:creationId xmlns:a16="http://schemas.microsoft.com/office/drawing/2014/main" id="{4CA538C8-DDF0-40BF-BA51-8FE033F34B63}"/>
               </a:ext>
             </a:extLst>
           </p:cNvPr>
@@ -13352,13 +13353,6 @@
   <p:clrMapOvr>
     <a:masterClrMapping/>
   </p:clrMapOvr>
-  <p:timing>
-    <p:tnLst>
-      <p:par>
-        <p:cTn id="1" dur="indefinite" restart="never" nodeType="tmRoot"/>
-      </p:par>
-    </p:tnLst>
-  </p:timing>
 </p:sld>
 </file>
 
@@ -13406,3956 +13400,6 @@
           </a:p>
         </p:txBody>
       </p:sp>
-      <p:pic>
-        <p:nvPicPr>
-          <p:cNvPr id="2050" name="Picture 2"/>
-          <p:cNvPicPr>
-            <a:picLocks noChangeAspect="1" noChangeArrowheads="1"/>
-          </p:cNvPicPr>
-          <p:nvPr/>
-        </p:nvPicPr>
-        <p:blipFill>
-          <a:blip r:embed="rId2">
-            <a:extLst>
-              <a:ext uri="{28A0092B-C50C-407E-A947-70E740481C1C}">
-                <a14:useLocalDpi xmlns:a14="http://schemas.microsoft.com/office/drawing/2010/main" val="0"/>
-              </a:ext>
-            </a:extLst>
-          </a:blip>
-          <a:srcRect/>
-          <a:stretch>
-            <a:fillRect/>
-          </a:stretch>
-        </p:blipFill>
-        <p:spPr bwMode="auto">
-          <a:xfrm>
-            <a:off x="959759" y="1344418"/>
-            <a:ext cx="9776612" cy="5081744"/>
-          </a:xfrm>
-          <a:prstGeom prst="rect">
-            <a:avLst/>
-          </a:prstGeom>
-          <a:noFill/>
-          <a:ln>
-            <a:noFill/>
-          </a:ln>
-          <a:extLst>
-            <a:ext uri="{909E8E84-426E-40DD-AFC4-6F175D3DCCD1}">
-              <a14:hiddenFill xmlns:a14="http://schemas.microsoft.com/office/drawing/2010/main">
-                <a:solidFill>
-                  <a:schemeClr val="accent1"/>
-                </a:solidFill>
-              </a14:hiddenFill>
-            </a:ext>
-            <a:ext uri="{91240B29-F687-4F45-9708-019B960494DF}">
-              <a14:hiddenLine xmlns:a14="http://schemas.microsoft.com/office/drawing/2010/main" w="9525">
-                <a:solidFill>
-                  <a:schemeClr val="tx1"/>
-                </a:solidFill>
-                <a:miter lim="800000"/>
-                <a:headEnd/>
-                <a:tailEnd/>
-              </a14:hiddenLine>
-            </a:ext>
-          </a:extLst>
-        </p:spPr>
-      </p:pic>
-      <p:sp>
-        <p:nvSpPr>
-          <p:cNvPr id="5" name="TextBox 4"/>
-          <p:cNvSpPr txBox="1"/>
-          <p:nvPr/>
-        </p:nvSpPr>
-        <p:spPr>
-          <a:xfrm>
-            <a:off x="1443527" y="795849"/>
-            <a:ext cx="8230560" cy="369332"/>
-          </a:xfrm>
-          <a:prstGeom prst="rect">
-            <a:avLst/>
-          </a:prstGeom>
-          <a:noFill/>
-        </p:spPr>
-        <p:txBody>
-          <a:bodyPr wrap="square" rtlCol="0">
-            <a:spAutoFit/>
-          </a:bodyPr>
-          <a:lstStyle/>
-          <a:p>
-            <a:r>
-              <a:rPr lang="en-US" dirty="0"/>
-              <a:t>Scatter plot across the first two PCs, with each class shown in a separate plot</a:t>
-            </a:r>
-          </a:p>
-        </p:txBody>
-      </p:sp>
-    </p:spTree>
-    <p:extLst>
-      <p:ext uri="{BB962C8B-B14F-4D97-AF65-F5344CB8AC3E}">
-        <p14:creationId xmlns:p14="http://schemas.microsoft.com/office/powerpoint/2010/main" val="180155673"/>
-      </p:ext>
-    </p:extLst>
-  </p:cSld>
-  <p:clrMapOvr>
-    <a:masterClrMapping/>
-  </p:clrMapOvr>
-  <p:timing>
-    <p:tnLst>
-      <p:par>
-        <p:cTn id="1" dur="indefinite" restart="never" nodeType="tmRoot"/>
-      </p:par>
-    </p:tnLst>
-  </p:timing>
-</p:sld>
-</file>
-
-<file path=ppt/slides/slide11.xml><?xml version="1.0" encoding="utf-8"?>
-<p:sld xmlns:a="http://schemas.openxmlformats.org/drawingml/2006/main" xmlns:r="http://schemas.openxmlformats.org/officeDocument/2006/relationships" xmlns:p="http://schemas.openxmlformats.org/presentationml/2006/main">
-  <p:cSld>
-    <p:spTree>
-      <p:nvGrpSpPr>
-        <p:cNvPr id="1" name=""/>
-        <p:cNvGrpSpPr/>
-        <p:nvPr/>
-      </p:nvGrpSpPr>
-      <p:grpSpPr>
-        <a:xfrm>
-          <a:off x="0" y="0"/>
-          <a:ext cx="0" cy="0"/>
-          <a:chOff x="0" y="0"/>
-          <a:chExt cx="0" cy="0"/>
-        </a:xfrm>
-      </p:grpSpPr>
-      <p:sp>
-        <p:nvSpPr>
-          <p:cNvPr id="2" name="Title 1"/>
-          <p:cNvSpPr>
-            <a:spLocks noGrp="1"/>
-          </p:cNvSpPr>
-          <p:nvPr>
-            <p:ph type="title"/>
-          </p:nvPr>
-        </p:nvSpPr>
-        <p:spPr>
-          <a:xfrm>
-            <a:off x="1143001" y="11536"/>
-            <a:ext cx="9905998" cy="605076"/>
-          </a:xfrm>
-        </p:spPr>
-        <p:txBody>
-          <a:bodyPr/>
-          <a:lstStyle/>
-          <a:p>
-            <a:r>
-              <a:rPr lang="en-IN" dirty="0"/>
-              <a:t>Histogram Classifier</a:t>
-            </a:r>
-          </a:p>
-        </p:txBody>
-      </p:sp>
-      <p:pic>
-        <p:nvPicPr>
-          <p:cNvPr id="7" name="Picture 2">
-            <a:extLst>
-              <a:ext uri="{FF2B5EF4-FFF2-40B4-BE49-F238E27FC236}">
-                <a16:creationId xmlns:a16="http://schemas.microsoft.com/office/drawing/2014/main" xmlns="" id="{B76E598F-1C59-4394-8340-986200DECB1E}"/>
-              </a:ext>
-            </a:extLst>
-          </p:cNvPr>
-          <p:cNvPicPr>
-            <a:picLocks noChangeAspect="1" noChangeArrowheads="1"/>
-          </p:cNvPicPr>
-          <p:nvPr/>
-        </p:nvPicPr>
-        <p:blipFill>
-          <a:blip r:embed="rId2">
-            <a:extLst>
-              <a:ext uri="{28A0092B-C50C-407E-A947-70E740481C1C}">
-                <a14:useLocalDpi xmlns:a14="http://schemas.microsoft.com/office/drawing/2010/main" val="0"/>
-              </a:ext>
-            </a:extLst>
-          </a:blip>
-          <a:srcRect/>
-          <a:stretch>
-            <a:fillRect/>
-          </a:stretch>
-        </p:blipFill>
-        <p:spPr bwMode="auto">
-          <a:xfrm>
-            <a:off x="1143001" y="864319"/>
-            <a:ext cx="6052929" cy="5761224"/>
-          </a:xfrm>
-          <a:prstGeom prst="rect">
-            <a:avLst/>
-          </a:prstGeom>
-          <a:noFill/>
-          <a:ln>
-            <a:noFill/>
-          </a:ln>
-          <a:extLst>
-            <a:ext uri="{909E8E84-426E-40DD-AFC4-6F175D3DCCD1}">
-              <a14:hiddenFill xmlns:a14="http://schemas.microsoft.com/office/drawing/2010/main">
-                <a:solidFill>
-                  <a:schemeClr val="accent1"/>
-                </a:solidFill>
-              </a14:hiddenFill>
-            </a:ext>
-            <a:ext uri="{91240B29-F687-4F45-9708-019B960494DF}">
-              <a14:hiddenLine xmlns:a14="http://schemas.microsoft.com/office/drawing/2010/main" w="9525">
-                <a:solidFill>
-                  <a:schemeClr val="tx1"/>
-                </a:solidFill>
-                <a:miter lim="800000"/>
-                <a:headEnd/>
-                <a:tailEnd/>
-              </a14:hiddenLine>
-            </a:ext>
-          </a:extLst>
-        </p:spPr>
-      </p:pic>
-      <p:sp>
-        <p:nvSpPr>
-          <p:cNvPr id="10" name="Content Placeholder 2">
-            <a:extLst>
-              <a:ext uri="{FF2B5EF4-FFF2-40B4-BE49-F238E27FC236}">
-                <a16:creationId xmlns:a16="http://schemas.microsoft.com/office/drawing/2014/main" xmlns="" id="{AD2387E2-7737-4B33-9C53-E4D7580B42D3}"/>
-              </a:ext>
-            </a:extLst>
-          </p:cNvPr>
-          <p:cNvSpPr>
-            <a:spLocks noGrp="1"/>
-          </p:cNvSpPr>
-          <p:nvPr>
-            <p:ph sz="half" idx="1"/>
-          </p:nvPr>
-        </p:nvSpPr>
-        <p:spPr>
-          <a:xfrm>
-            <a:off x="7385578" y="982296"/>
-            <a:ext cx="3663421" cy="5643247"/>
-          </a:xfrm>
-        </p:spPr>
-        <p:txBody>
-          <a:bodyPr>
-            <a:normAutofit/>
-          </a:bodyPr>
-          <a:lstStyle/>
-          <a:p>
-            <a:r>
-              <a:rPr lang="en-IN" sz="1800" dirty="0"/>
-              <a:t>Why did Histogram classifier not work?</a:t>
-            </a:r>
-          </a:p>
-          <a:p>
-            <a:pPr>
-              <a:buFont typeface="Wingdings"/>
-              <a:buChar char="Ø"/>
-            </a:pPr>
-            <a:r>
-              <a:rPr lang="en-IN" sz="1800" dirty="0"/>
-              <a:t>Say, we use 8 PC features, and 8 bins, we have ~17million bins in a histogram, but only 28709 data points. So, a very sparsely populated histogram.</a:t>
-            </a:r>
-          </a:p>
-          <a:p>
-            <a:pPr>
-              <a:buFont typeface="Wingdings"/>
-              <a:buChar char="Ø"/>
-            </a:pPr>
-            <a:r>
-              <a:rPr lang="en-IN" sz="1800" dirty="0"/>
-              <a:t>When we look to predict with such a histogram, bins corresponding to queries are likely empty, resulting in no prediction.</a:t>
-            </a:r>
-          </a:p>
-          <a:p>
-            <a:pPr>
-              <a:buFont typeface="Wingdings"/>
-              <a:buChar char="Ø"/>
-            </a:pPr>
-            <a:r>
-              <a:rPr lang="en-IN" sz="1800" dirty="0"/>
-              <a:t>Table shown to the left indicates this condition.</a:t>
-            </a:r>
-          </a:p>
-          <a:p>
-            <a:pPr>
-              <a:buFont typeface="Wingdings"/>
-              <a:buChar char="Ø"/>
-            </a:pPr>
-            <a:endParaRPr lang="en-IN" sz="1800" dirty="0"/>
-          </a:p>
-          <a:p>
-            <a:pPr>
-              <a:buFont typeface="Wingdings"/>
-              <a:buChar char="Ø"/>
-            </a:pPr>
-            <a:endParaRPr lang="en-IN" sz="1800" dirty="0"/>
-          </a:p>
-        </p:txBody>
-      </p:sp>
-    </p:spTree>
-    <p:extLst>
-      <p:ext uri="{BB962C8B-B14F-4D97-AF65-F5344CB8AC3E}">
-        <p14:creationId xmlns:p14="http://schemas.microsoft.com/office/powerpoint/2010/main" val="2994617201"/>
-      </p:ext>
-    </p:extLst>
-  </p:cSld>
-  <p:clrMapOvr>
-    <a:masterClrMapping/>
-  </p:clrMapOvr>
-  <p:timing>
-    <p:tnLst>
-      <p:par>
-        <p:cTn id="1" dur="indefinite" restart="never" nodeType="tmRoot"/>
-      </p:par>
-    </p:tnLst>
-  </p:timing>
-</p:sld>
-</file>
-
-<file path=ppt/slides/slide12.xml><?xml version="1.0" encoding="utf-8"?>
-<p:sld xmlns:a="http://schemas.openxmlformats.org/drawingml/2006/main" xmlns:r="http://schemas.openxmlformats.org/officeDocument/2006/relationships" xmlns:p="http://schemas.openxmlformats.org/presentationml/2006/main">
-  <p:cSld>
-    <p:spTree>
-      <p:nvGrpSpPr>
-        <p:cNvPr id="1" name=""/>
-        <p:cNvGrpSpPr/>
-        <p:nvPr/>
-      </p:nvGrpSpPr>
-      <p:grpSpPr>
-        <a:xfrm>
-          <a:off x="0" y="0"/>
-          <a:ext cx="0" cy="0"/>
-          <a:chOff x="0" y="0"/>
-          <a:chExt cx="0" cy="0"/>
-        </a:xfrm>
-      </p:grpSpPr>
-      <p:sp>
-        <p:nvSpPr>
-          <p:cNvPr id="2" name="Title 1"/>
-          <p:cNvSpPr>
-            <a:spLocks noGrp="1"/>
-          </p:cNvSpPr>
-          <p:nvPr>
-            <p:ph type="title"/>
-          </p:nvPr>
-        </p:nvSpPr>
-        <p:spPr/>
-        <p:txBody>
-          <a:bodyPr/>
-          <a:lstStyle/>
-          <a:p>
-            <a:r>
-              <a:rPr lang="en-IN" dirty="0">
-                <a:highlight>
-                  <a:srgbClr val="FFFF00"/>
-                </a:highlight>
-              </a:rPr>
-              <a:t>Neural Network</a:t>
-            </a:r>
-          </a:p>
-        </p:txBody>
-      </p:sp>
-      <p:sp>
-        <p:nvSpPr>
-          <p:cNvPr id="3" name="Content Placeholder 2"/>
-          <p:cNvSpPr>
-            <a:spLocks noGrp="1"/>
-          </p:cNvSpPr>
-          <p:nvPr>
-            <p:ph sz="half" idx="1"/>
-          </p:nvPr>
-        </p:nvSpPr>
-        <p:spPr/>
-        <p:txBody>
-          <a:bodyPr/>
-          <a:lstStyle/>
-          <a:p>
-            <a:endParaRPr lang="en-IN"/>
-          </a:p>
-        </p:txBody>
-      </p:sp>
-      <p:sp>
-        <p:nvSpPr>
-          <p:cNvPr id="4" name="Content Placeholder 3"/>
-          <p:cNvSpPr>
-            <a:spLocks noGrp="1"/>
-          </p:cNvSpPr>
-          <p:nvPr>
-            <p:ph sz="half" idx="2"/>
-          </p:nvPr>
-        </p:nvSpPr>
-        <p:spPr/>
-        <p:txBody>
-          <a:bodyPr/>
-          <a:lstStyle/>
-          <a:p>
-            <a:endParaRPr lang="en-IN"/>
-          </a:p>
-        </p:txBody>
-      </p:sp>
-    </p:spTree>
-    <p:extLst>
-      <p:ext uri="{BB962C8B-B14F-4D97-AF65-F5344CB8AC3E}">
-        <p14:creationId xmlns:p14="http://schemas.microsoft.com/office/powerpoint/2010/main" val="2331576351"/>
-      </p:ext>
-    </p:extLst>
-  </p:cSld>
-  <p:clrMapOvr>
-    <a:masterClrMapping/>
-  </p:clrMapOvr>
-  <p:timing>
-    <p:tnLst>
-      <p:par>
-        <p:cTn id="1" dur="indefinite" restart="never" nodeType="tmRoot"/>
-      </p:par>
-    </p:tnLst>
-  </p:timing>
-</p:sld>
-</file>
-
-<file path=ppt/slides/slide13.xml><?xml version="1.0" encoding="utf-8"?>
-<p:sld xmlns:a="http://schemas.openxmlformats.org/drawingml/2006/main" xmlns:r="http://schemas.openxmlformats.org/officeDocument/2006/relationships" xmlns:p="http://schemas.openxmlformats.org/presentationml/2006/main">
-  <p:cSld>
-    <p:spTree>
-      <p:nvGrpSpPr>
-        <p:cNvPr id="1" name=""/>
-        <p:cNvGrpSpPr/>
-        <p:nvPr/>
-      </p:nvGrpSpPr>
-      <p:grpSpPr>
-        <a:xfrm>
-          <a:off x="0" y="0"/>
-          <a:ext cx="0" cy="0"/>
-          <a:chOff x="0" y="0"/>
-          <a:chExt cx="0" cy="0"/>
-        </a:xfrm>
-      </p:grpSpPr>
-      <p:sp>
-        <p:nvSpPr>
-          <p:cNvPr id="2" name="Title 1"/>
-          <p:cNvSpPr>
-            <a:spLocks noGrp="1"/>
-          </p:cNvSpPr>
-          <p:nvPr>
-            <p:ph type="title"/>
-          </p:nvPr>
-        </p:nvSpPr>
-        <p:spPr>
-          <a:xfrm>
-            <a:off x="1167787" y="0"/>
-            <a:ext cx="9905998" cy="689113"/>
-          </a:xfrm>
-        </p:spPr>
-        <p:txBody>
-          <a:bodyPr/>
-          <a:lstStyle/>
-          <a:p>
-            <a:r>
-              <a:rPr lang="en-IN" dirty="0"/>
-              <a:t>Model performance - Summary</a:t>
-            </a:r>
-          </a:p>
-        </p:txBody>
-      </p:sp>
-      <p:graphicFrame>
-        <p:nvGraphicFramePr>
-          <p:cNvPr id="5" name="Content Placeholder 4"/>
-          <p:cNvGraphicFramePr>
-            <a:graphicFrameLocks noGrp="1"/>
-          </p:cNvGraphicFramePr>
-          <p:nvPr>
-            <p:ph sz="half" idx="1"/>
-            <p:extLst>
-              <p:ext uri="{D42A27DB-BD31-4B8C-83A1-F6EECF244321}">
-                <p14:modId xmlns:p14="http://schemas.microsoft.com/office/powerpoint/2010/main" val="1696046622"/>
-              </p:ext>
-            </p:extLst>
-          </p:nvPr>
-        </p:nvGraphicFramePr>
-        <p:xfrm>
-          <a:off x="0" y="965219"/>
-          <a:ext cx="11887199" cy="5369319"/>
-        </p:xfrm>
-        <a:graphic>
-          <a:graphicData uri="http://schemas.openxmlformats.org/drawingml/2006/table">
-            <a:tbl>
-              <a:tblPr firstRow="1" bandRow="1">
-                <a:tableStyleId>{BC89EF96-8CEA-46FF-86C4-4CE0E7609802}</a:tableStyleId>
-              </a:tblPr>
-              <a:tblGrid>
-                <a:gridCol w="1859335">
-                  <a:extLst>
-                    <a:ext uri="{9D8B030D-6E8A-4147-A177-3AD203B41FA5}">
-                      <a16:colId xmlns:a16="http://schemas.microsoft.com/office/drawing/2014/main" xmlns="" val="3550727435"/>
-                    </a:ext>
-                  </a:extLst>
-                </a:gridCol>
-                <a:gridCol w="1618167">
-                  <a:extLst>
-                    <a:ext uri="{9D8B030D-6E8A-4147-A177-3AD203B41FA5}">
-                      <a16:colId xmlns:a16="http://schemas.microsoft.com/office/drawing/2014/main" xmlns="" val="3295678948"/>
-                    </a:ext>
-                  </a:extLst>
-                </a:gridCol>
-                <a:gridCol w="1731670">
-                  <a:extLst>
-                    <a:ext uri="{9D8B030D-6E8A-4147-A177-3AD203B41FA5}">
-                      <a16:colId xmlns:a16="http://schemas.microsoft.com/office/drawing/2014/main" xmlns="" val="485902210"/>
-                    </a:ext>
-                  </a:extLst>
-                </a:gridCol>
-                <a:gridCol w="1669506">
-                  <a:extLst>
-                    <a:ext uri="{9D8B030D-6E8A-4147-A177-3AD203B41FA5}">
-                      <a16:colId xmlns:a16="http://schemas.microsoft.com/office/drawing/2014/main" xmlns="" val="20003"/>
-                    </a:ext>
-                  </a:extLst>
-                </a:gridCol>
-                <a:gridCol w="1633986">
-                  <a:extLst>
-                    <a:ext uri="{9D8B030D-6E8A-4147-A177-3AD203B41FA5}">
-                      <a16:colId xmlns:a16="http://schemas.microsoft.com/office/drawing/2014/main" xmlns="" val="1751447481"/>
-                    </a:ext>
-                  </a:extLst>
-                </a:gridCol>
-                <a:gridCol w="3374535">
-                  <a:extLst>
-                    <a:ext uri="{9D8B030D-6E8A-4147-A177-3AD203B41FA5}">
-                      <a16:colId xmlns:a16="http://schemas.microsoft.com/office/drawing/2014/main" xmlns="" val="788984757"/>
-                    </a:ext>
-                  </a:extLst>
-                </a:gridCol>
-              </a:tblGrid>
-              <a:tr h="812501">
-                <a:tc rowSpan="2">
-                  <a:txBody>
-                    <a:bodyPr/>
-                    <a:lstStyle/>
-                    <a:p>
-                      <a:endParaRPr lang="en-IN" dirty="0"/>
-                    </a:p>
-                  </a:txBody>
-                  <a:tcPr/>
-                </a:tc>
-                <a:tc gridSpan="2">
-                  <a:txBody>
-                    <a:bodyPr/>
-                    <a:lstStyle/>
-                    <a:p>
-                      <a:pPr algn="ctr"/>
-                      <a:r>
-                        <a:rPr lang="en-IN" dirty="0"/>
-                        <a:t>Original components</a:t>
-                      </a:r>
-                    </a:p>
-                  </a:txBody>
-                  <a:tcPr/>
-                </a:tc>
-                <a:tc hMerge="1">
-                  <a:txBody>
-                    <a:bodyPr/>
-                    <a:lstStyle/>
-                    <a:p>
-                      <a:endParaRPr lang="en-IN" dirty="0"/>
-                    </a:p>
-                  </a:txBody>
-                  <a:tcPr/>
-                </a:tc>
-                <a:tc gridSpan="2">
-                  <a:txBody>
-                    <a:bodyPr/>
-                    <a:lstStyle/>
-                    <a:p>
-                      <a:pPr algn="ctr"/>
-                      <a:r>
-                        <a:rPr lang="en-IN" dirty="0"/>
-                        <a:t>With PCA</a:t>
-                      </a:r>
-                    </a:p>
-                  </a:txBody>
-                  <a:tcPr/>
-                </a:tc>
-                <a:tc hMerge="1">
-                  <a:txBody>
-                    <a:bodyPr/>
-                    <a:lstStyle/>
-                    <a:p>
-                      <a:endParaRPr lang="en-IN" dirty="0"/>
-                    </a:p>
-                  </a:txBody>
-                  <a:tcPr/>
-                </a:tc>
-                <a:tc>
-                  <a:txBody>
-                    <a:bodyPr/>
-                    <a:lstStyle/>
-                    <a:p>
-                      <a:pPr algn="ctr"/>
-                      <a:r>
-                        <a:rPr lang="en-IN" dirty="0"/>
-                        <a:t>With Data Augmentation – Test Accuracy</a:t>
-                      </a:r>
-                    </a:p>
-                  </a:txBody>
-                  <a:tcPr/>
-                </a:tc>
-                <a:extLst>
-                  <a:ext uri="{0D108BD9-81ED-4DB2-BD59-A6C34878D82A}">
-                    <a16:rowId xmlns:a16="http://schemas.microsoft.com/office/drawing/2014/main" xmlns="" val="418414485"/>
-                  </a:ext>
-                </a:extLst>
-              </a:tr>
-              <a:tr h="764999">
-                <a:tc vMerge="1">
-                  <a:txBody>
-                    <a:bodyPr/>
-                    <a:lstStyle/>
-                    <a:p>
-                      <a:endParaRPr lang="en-IN" dirty="0"/>
-                    </a:p>
-                  </a:txBody>
-                  <a:tcPr/>
-                </a:tc>
-                <a:tc>
-                  <a:txBody>
-                    <a:bodyPr/>
-                    <a:lstStyle/>
-                    <a:p>
-                      <a:pPr marL="0" marR="0" indent="0" algn="ctr" defTabSz="914400" rtl="0" eaLnBrk="1" fontAlgn="auto" latinLnBrk="0" hangingPunct="1">
-                        <a:lnSpc>
-                          <a:spcPct val="100000"/>
-                        </a:lnSpc>
-                        <a:spcBef>
-                          <a:spcPts val="0"/>
-                        </a:spcBef>
-                        <a:spcAft>
-                          <a:spcPts val="0"/>
-                        </a:spcAft>
-                        <a:buClrTx/>
-                        <a:buSzTx/>
-                        <a:buFontTx/>
-                        <a:buNone/>
-                        <a:tabLst/>
-                        <a:defRPr/>
-                      </a:pPr>
-                      <a:r>
-                        <a:rPr lang="en-IN" dirty="0"/>
-                        <a:t>Training Set Accuracy</a:t>
-                      </a:r>
-                    </a:p>
-                  </a:txBody>
-                  <a:tcPr/>
-                </a:tc>
-                <a:tc>
-                  <a:txBody>
-                    <a:bodyPr/>
-                    <a:lstStyle/>
-                    <a:p>
-                      <a:pPr marL="0" marR="0" indent="0" algn="ctr" defTabSz="914400" rtl="0" eaLnBrk="1" fontAlgn="auto" latinLnBrk="0" hangingPunct="1">
-                        <a:lnSpc>
-                          <a:spcPct val="100000"/>
-                        </a:lnSpc>
-                        <a:spcBef>
-                          <a:spcPts val="0"/>
-                        </a:spcBef>
-                        <a:spcAft>
-                          <a:spcPts val="0"/>
-                        </a:spcAft>
-                        <a:buClrTx/>
-                        <a:buSzTx/>
-                        <a:buFontTx/>
-                        <a:buNone/>
-                        <a:tabLst/>
-                        <a:defRPr/>
-                      </a:pPr>
-                      <a:r>
-                        <a:rPr lang="en-IN" dirty="0"/>
-                        <a:t>Test Set Accuracy</a:t>
-                      </a:r>
-                    </a:p>
-                  </a:txBody>
-                  <a:tcPr/>
-                </a:tc>
-                <a:tc>
-                  <a:txBody>
-                    <a:bodyPr/>
-                    <a:lstStyle/>
-                    <a:p>
-                      <a:pPr algn="ctr"/>
-                      <a:r>
-                        <a:rPr lang="en-IN" dirty="0"/>
-                        <a:t>Training Set Accuracy</a:t>
-                      </a:r>
-                    </a:p>
-                  </a:txBody>
-                  <a:tcPr/>
-                </a:tc>
-                <a:tc>
-                  <a:txBody>
-                    <a:bodyPr/>
-                    <a:lstStyle/>
-                    <a:p>
-                      <a:pPr algn="ctr"/>
-                      <a:r>
-                        <a:rPr lang="en-IN" dirty="0"/>
-                        <a:t>Test Set Accuracy</a:t>
-                      </a:r>
-                    </a:p>
-                  </a:txBody>
-                  <a:tcPr/>
-                </a:tc>
-                <a:tc>
-                  <a:txBody>
-                    <a:bodyPr/>
-                    <a:lstStyle/>
-                    <a:p>
-                      <a:pPr algn="ctr"/>
-                      <a:endParaRPr lang="en-IN" dirty="0"/>
-                    </a:p>
-                  </a:txBody>
-                  <a:tcPr/>
-                </a:tc>
-                <a:extLst>
-                  <a:ext uri="{0D108BD9-81ED-4DB2-BD59-A6C34878D82A}">
-                    <a16:rowId xmlns:a16="http://schemas.microsoft.com/office/drawing/2014/main" xmlns="" val="10001"/>
-                  </a:ext>
-                </a:extLst>
-              </a:tr>
-              <a:tr h="1092856">
-                <a:tc>
-                  <a:txBody>
-                    <a:bodyPr/>
-                    <a:lstStyle/>
-                    <a:p>
-                      <a:r>
-                        <a:rPr lang="en-US" sz="1800" dirty="0"/>
-                        <a:t>Linear Classification Analysis</a:t>
-                      </a:r>
-                      <a:endParaRPr lang="en-IN" dirty="0"/>
-                    </a:p>
-                  </a:txBody>
-                  <a:tcPr/>
-                </a:tc>
-                <a:tc>
-                  <a:txBody>
-                    <a:bodyPr/>
-                    <a:lstStyle/>
-                    <a:p>
-                      <a:pPr algn="ctr"/>
-                      <a:r>
-                        <a:rPr lang="en-IN" dirty="0">
-                          <a:highlight>
-                            <a:srgbClr val="FFFF00"/>
-                          </a:highlight>
-                        </a:rPr>
-                        <a:t>48.30%</a:t>
-                      </a:r>
-                    </a:p>
-                  </a:txBody>
-                  <a:tcPr/>
-                </a:tc>
-                <a:tc>
-                  <a:txBody>
-                    <a:bodyPr/>
-                    <a:lstStyle/>
-                    <a:p>
-                      <a:pPr algn="ctr"/>
-                      <a:r>
-                        <a:rPr lang="en-IN" dirty="0">
-                          <a:highlight>
-                            <a:srgbClr val="FFFF00"/>
-                          </a:highlight>
-                        </a:rPr>
-                        <a:t>34.88%</a:t>
-                      </a:r>
-                    </a:p>
-                  </a:txBody>
-                  <a:tcPr/>
-                </a:tc>
-                <a:tc>
-                  <a:txBody>
-                    <a:bodyPr/>
-                    <a:lstStyle/>
-                    <a:p>
-                      <a:pPr algn="ctr"/>
-                      <a:r>
-                        <a:rPr lang="en-IN" dirty="0">
-                          <a:highlight>
-                            <a:srgbClr val="FFFF00"/>
-                          </a:highlight>
-                        </a:rPr>
-                        <a:t>39.41%</a:t>
-                      </a:r>
-                    </a:p>
-                  </a:txBody>
-                  <a:tcPr/>
-                </a:tc>
-                <a:tc>
-                  <a:txBody>
-                    <a:bodyPr/>
-                    <a:lstStyle/>
-                    <a:p>
-                      <a:pPr algn="ctr"/>
-                      <a:r>
-                        <a:rPr lang="en-IN" dirty="0">
-                          <a:highlight>
-                            <a:srgbClr val="FFFF00"/>
-                          </a:highlight>
-                        </a:rPr>
-                        <a:t>18.02%</a:t>
-                      </a:r>
-                    </a:p>
-                  </a:txBody>
-                  <a:tcPr/>
-                </a:tc>
-                <a:tc>
-                  <a:txBody>
-                    <a:bodyPr/>
-                    <a:lstStyle/>
-                    <a:p>
-                      <a:pPr algn="ctr"/>
-                      <a:r>
-                        <a:rPr lang="en-IN" dirty="0">
-                          <a:highlight>
-                            <a:srgbClr val="FFFF00"/>
-                          </a:highlight>
-                        </a:rPr>
-                        <a:t>32.21%</a:t>
-                      </a:r>
-                    </a:p>
-                  </a:txBody>
-                  <a:tcPr/>
-                </a:tc>
-                <a:extLst>
-                  <a:ext uri="{0D108BD9-81ED-4DB2-BD59-A6C34878D82A}">
-                    <a16:rowId xmlns:a16="http://schemas.microsoft.com/office/drawing/2014/main" xmlns="" val="2740143975"/>
-                  </a:ext>
-                </a:extLst>
-              </a:tr>
-              <a:tr h="864527">
-                <a:tc>
-                  <a:txBody>
-                    <a:bodyPr/>
-                    <a:lstStyle/>
-                    <a:p>
-                      <a:r>
-                        <a:rPr lang="en-IN" sz="1800" kern="1200" dirty="0">
-                          <a:solidFill>
-                            <a:schemeClr val="tx1"/>
-                          </a:solidFill>
-                          <a:latin typeface="+mn-lt"/>
-                          <a:ea typeface="+mn-ea"/>
-                          <a:cs typeface="+mn-cs"/>
-                        </a:rPr>
-                        <a:t>Bayesian Classifier</a:t>
-                      </a:r>
-                    </a:p>
-                  </a:txBody>
-                  <a:tcPr>
-                    <a:noFill/>
-                  </a:tcPr>
-                </a:tc>
-                <a:tc>
-                  <a:txBody>
-                    <a:bodyPr/>
-                    <a:lstStyle/>
-                    <a:p>
-                      <a:pPr algn="ctr"/>
-                      <a:r>
-                        <a:rPr lang="en-IN" sz="1800" kern="1200" dirty="0">
-                          <a:solidFill>
-                            <a:schemeClr val="tx1"/>
-                          </a:solidFill>
-                          <a:latin typeface="+mn-lt"/>
-                          <a:ea typeface="+mn-ea"/>
-                          <a:cs typeface="+mn-cs"/>
-                        </a:rPr>
-                        <a:t>50.73%</a:t>
-                      </a:r>
-                    </a:p>
-                  </a:txBody>
-                  <a:tcPr/>
-                </a:tc>
-                <a:tc>
-                  <a:txBody>
-                    <a:bodyPr/>
-                    <a:lstStyle/>
-                    <a:p>
-                      <a:pPr algn="ctr"/>
-                      <a:r>
-                        <a:rPr lang="en-IN" sz="1800" kern="1200" dirty="0">
-                          <a:solidFill>
-                            <a:schemeClr val="tx1"/>
-                          </a:solidFill>
-                          <a:latin typeface="+mn-lt"/>
-                          <a:ea typeface="+mn-ea"/>
-                          <a:cs typeface="+mn-cs"/>
-                        </a:rPr>
-                        <a:t>18.86%</a:t>
-                      </a:r>
-                    </a:p>
-                  </a:txBody>
-                  <a:tcPr/>
-                </a:tc>
-                <a:tc>
-                  <a:txBody>
-                    <a:bodyPr/>
-                    <a:lstStyle/>
-                    <a:p>
-                      <a:pPr algn="ctr"/>
-                      <a:r>
-                        <a:rPr lang="en-IN" sz="1800" kern="1200" dirty="0">
-                          <a:solidFill>
-                            <a:schemeClr val="tx1"/>
-                          </a:solidFill>
-                          <a:latin typeface="+mn-lt"/>
-                          <a:ea typeface="+mn-ea"/>
-                          <a:cs typeface="+mn-cs"/>
-                        </a:rPr>
-                        <a:t>76.61%</a:t>
-                      </a:r>
-                    </a:p>
-                  </a:txBody>
-                  <a:tcPr/>
-                </a:tc>
-                <a:tc>
-                  <a:txBody>
-                    <a:bodyPr/>
-                    <a:lstStyle/>
-                    <a:p>
-                      <a:pPr algn="ctr"/>
-                      <a:r>
-                        <a:rPr lang="en-IN" sz="1800" kern="1200" dirty="0">
-                          <a:solidFill>
-                            <a:schemeClr val="tx1"/>
-                          </a:solidFill>
-                          <a:latin typeface="+mn-lt"/>
-                          <a:ea typeface="+mn-ea"/>
-                          <a:cs typeface="+mn-cs"/>
-                        </a:rPr>
-                        <a:t>44.25%</a:t>
-                      </a:r>
-                    </a:p>
-                  </a:txBody>
-                  <a:tcPr/>
-                </a:tc>
-                <a:tc>
-                  <a:txBody>
-                    <a:bodyPr/>
-                    <a:lstStyle/>
-                    <a:p>
-                      <a:pPr algn="ctr"/>
-                      <a:r>
-                        <a:rPr lang="en-IN" sz="1800" kern="1200" dirty="0">
-                          <a:solidFill>
-                            <a:schemeClr val="tx1"/>
-                          </a:solidFill>
-                          <a:latin typeface="+mn-lt"/>
-                          <a:ea typeface="+mn-ea"/>
-                          <a:cs typeface="+mn-cs"/>
-                        </a:rPr>
-                        <a:t>41.38%</a:t>
-                      </a:r>
-                    </a:p>
-                  </a:txBody>
-                  <a:tcPr/>
-                </a:tc>
-                <a:extLst>
-                  <a:ext uri="{0D108BD9-81ED-4DB2-BD59-A6C34878D82A}">
-                    <a16:rowId xmlns:a16="http://schemas.microsoft.com/office/drawing/2014/main" xmlns="" val="4075877440"/>
-                  </a:ext>
-                </a:extLst>
-              </a:tr>
-              <a:tr h="1092856">
-                <a:tc>
-                  <a:txBody>
-                    <a:bodyPr/>
-                    <a:lstStyle/>
-                    <a:p>
-                      <a:r>
-                        <a:rPr lang="en-US" sz="1800" dirty="0"/>
-                        <a:t>Logistic Regression Analysis</a:t>
-                      </a:r>
-                      <a:endParaRPr lang="en-IN" dirty="0"/>
-                    </a:p>
-                  </a:txBody>
-                  <a:tcPr/>
-                </a:tc>
-                <a:tc>
-                  <a:txBody>
-                    <a:bodyPr/>
-                    <a:lstStyle/>
-                    <a:p>
-                      <a:pPr algn="ctr"/>
-                      <a:endParaRPr lang="en-IN" dirty="0">
-                        <a:highlight>
-                          <a:srgbClr val="FFFF00"/>
-                        </a:highlight>
-                      </a:endParaRPr>
-                    </a:p>
-                  </a:txBody>
-                  <a:tcPr/>
-                </a:tc>
-                <a:tc>
-                  <a:txBody>
-                    <a:bodyPr/>
-                    <a:lstStyle/>
-                    <a:p>
-                      <a:pPr algn="ctr"/>
-                      <a:endParaRPr lang="en-IN" dirty="0">
-                        <a:highlight>
-                          <a:srgbClr val="FFFF00"/>
-                        </a:highlight>
-                      </a:endParaRPr>
-                    </a:p>
-                  </a:txBody>
-                  <a:tcPr/>
-                </a:tc>
-                <a:tc>
-                  <a:txBody>
-                    <a:bodyPr/>
-                    <a:lstStyle/>
-                    <a:p>
-                      <a:pPr algn="ctr"/>
-                      <a:endParaRPr lang="en-IN" dirty="0">
-                        <a:highlight>
-                          <a:srgbClr val="FFFF00"/>
-                        </a:highlight>
-                      </a:endParaRPr>
-                    </a:p>
-                  </a:txBody>
-                  <a:tcPr/>
-                </a:tc>
-                <a:tc>
-                  <a:txBody>
-                    <a:bodyPr/>
-                    <a:lstStyle/>
-                    <a:p>
-                      <a:pPr algn="ctr"/>
-                      <a:endParaRPr lang="en-IN" dirty="0">
-                        <a:highlight>
-                          <a:srgbClr val="FFFF00"/>
-                        </a:highlight>
-                      </a:endParaRPr>
-                    </a:p>
-                  </a:txBody>
-                  <a:tcPr/>
-                </a:tc>
-                <a:tc>
-                  <a:txBody>
-                    <a:bodyPr/>
-                    <a:lstStyle/>
-                    <a:p>
-                      <a:pPr algn="ctr"/>
-                      <a:endParaRPr lang="en-IN" dirty="0">
-                        <a:highlight>
-                          <a:srgbClr val="FFFF00"/>
-                        </a:highlight>
-                      </a:endParaRPr>
-                    </a:p>
-                  </a:txBody>
-                  <a:tcPr/>
-                </a:tc>
-                <a:extLst>
-                  <a:ext uri="{0D108BD9-81ED-4DB2-BD59-A6C34878D82A}">
-                    <a16:rowId xmlns:a16="http://schemas.microsoft.com/office/drawing/2014/main" xmlns="" val="541031661"/>
-                  </a:ext>
-                </a:extLst>
-              </a:tr>
-              <a:tr h="741580">
-                <a:tc>
-                  <a:txBody>
-                    <a:bodyPr/>
-                    <a:lstStyle/>
-                    <a:p>
-                      <a:r>
-                        <a:rPr lang="en-IN" dirty="0"/>
-                        <a:t>Neural Network</a:t>
-                      </a:r>
-                    </a:p>
-                  </a:txBody>
-                  <a:tcPr/>
-                </a:tc>
-                <a:tc>
-                  <a:txBody>
-                    <a:bodyPr/>
-                    <a:lstStyle/>
-                    <a:p>
-                      <a:pPr algn="ctr"/>
-                      <a:endParaRPr lang="en-IN" dirty="0">
-                        <a:highlight>
-                          <a:srgbClr val="FFFF00"/>
-                        </a:highlight>
-                      </a:endParaRPr>
-                    </a:p>
-                  </a:txBody>
-                  <a:tcPr/>
-                </a:tc>
-                <a:tc>
-                  <a:txBody>
-                    <a:bodyPr/>
-                    <a:lstStyle/>
-                    <a:p>
-                      <a:pPr algn="ctr"/>
-                      <a:endParaRPr lang="en-IN" dirty="0">
-                        <a:highlight>
-                          <a:srgbClr val="FFFF00"/>
-                        </a:highlight>
-                      </a:endParaRPr>
-                    </a:p>
-                  </a:txBody>
-                  <a:tcPr/>
-                </a:tc>
-                <a:tc>
-                  <a:txBody>
-                    <a:bodyPr/>
-                    <a:lstStyle/>
-                    <a:p>
-                      <a:pPr algn="ctr"/>
-                      <a:endParaRPr lang="en-IN" dirty="0">
-                        <a:highlight>
-                          <a:srgbClr val="FFFF00"/>
-                        </a:highlight>
-                      </a:endParaRPr>
-                    </a:p>
-                  </a:txBody>
-                  <a:tcPr/>
-                </a:tc>
-                <a:tc>
-                  <a:txBody>
-                    <a:bodyPr/>
-                    <a:lstStyle/>
-                    <a:p>
-                      <a:pPr algn="ctr"/>
-                      <a:endParaRPr lang="en-IN" dirty="0">
-                        <a:highlight>
-                          <a:srgbClr val="FFFF00"/>
-                        </a:highlight>
-                      </a:endParaRPr>
-                    </a:p>
-                  </a:txBody>
-                  <a:tcPr/>
-                </a:tc>
-                <a:tc>
-                  <a:txBody>
-                    <a:bodyPr/>
-                    <a:lstStyle/>
-                    <a:p>
-                      <a:pPr algn="ctr"/>
-                      <a:endParaRPr lang="en-IN" dirty="0">
-                        <a:highlight>
-                          <a:srgbClr val="FFFF00"/>
-                        </a:highlight>
-                      </a:endParaRPr>
-                    </a:p>
-                  </a:txBody>
-                  <a:tcPr/>
-                </a:tc>
-                <a:extLst>
-                  <a:ext uri="{0D108BD9-81ED-4DB2-BD59-A6C34878D82A}">
-                    <a16:rowId xmlns:a16="http://schemas.microsoft.com/office/drawing/2014/main" xmlns="" val="1396813758"/>
-                  </a:ext>
-                </a:extLst>
-              </a:tr>
-            </a:tbl>
-          </a:graphicData>
-        </a:graphic>
-      </p:graphicFrame>
-      <p:sp>
-        <p:nvSpPr>
-          <p:cNvPr id="3" name="Rectangle 2">
-            <a:extLst>
-              <a:ext uri="{FF2B5EF4-FFF2-40B4-BE49-F238E27FC236}">
-                <a16:creationId xmlns:a16="http://schemas.microsoft.com/office/drawing/2014/main" xmlns="" id="{6D24092D-9014-4601-A8E5-A4FB3F59660D}"/>
-              </a:ext>
-            </a:extLst>
-          </p:cNvPr>
-          <p:cNvSpPr/>
-          <p:nvPr/>
-        </p:nvSpPr>
-        <p:spPr>
-          <a:xfrm>
-            <a:off x="2929891" y="6425978"/>
-            <a:ext cx="6078395" cy="369332"/>
-          </a:xfrm>
-          <a:prstGeom prst="rect">
-            <a:avLst/>
-          </a:prstGeom>
-        </p:spPr>
-        <p:txBody>
-          <a:bodyPr wrap="none">
-            <a:spAutoFit/>
-          </a:bodyPr>
-          <a:lstStyle/>
-          <a:p>
-            <a:r>
-              <a:rPr lang="en-IN" dirty="0">
-                <a:highlight>
-                  <a:srgbClr val="FFFF00"/>
-                </a:highlight>
-              </a:rPr>
-              <a:t>Everyone to verify and update results, Gaurav to add animation</a:t>
-            </a:r>
-            <a:endParaRPr lang="en-US" dirty="0">
-              <a:highlight>
-                <a:srgbClr val="FFFF00"/>
-              </a:highlight>
-            </a:endParaRPr>
-          </a:p>
-        </p:txBody>
-      </p:sp>
-    </p:spTree>
-    <p:extLst>
-      <p:ext uri="{BB962C8B-B14F-4D97-AF65-F5344CB8AC3E}">
-        <p14:creationId xmlns:p14="http://schemas.microsoft.com/office/powerpoint/2010/main" val="2834241000"/>
-      </p:ext>
-    </p:extLst>
-  </p:cSld>
-  <p:clrMapOvr>
-    <a:masterClrMapping/>
-  </p:clrMapOvr>
-  <p:timing>
-    <p:tnLst>
-      <p:par>
-        <p:cTn id="1" dur="indefinite" restart="never" nodeType="tmRoot"/>
-      </p:par>
-    </p:tnLst>
-  </p:timing>
-</p:sld>
-</file>
-
-<file path=ppt/slides/slide14.xml><?xml version="1.0" encoding="utf-8"?>
-<p:sld xmlns:a="http://schemas.openxmlformats.org/drawingml/2006/main" xmlns:r="http://schemas.openxmlformats.org/officeDocument/2006/relationships" xmlns:p="http://schemas.openxmlformats.org/presentationml/2006/main">
-  <p:cSld>
-    <p:spTree>
-      <p:nvGrpSpPr>
-        <p:cNvPr id="1" name=""/>
-        <p:cNvGrpSpPr/>
-        <p:nvPr/>
-      </p:nvGrpSpPr>
-      <p:grpSpPr>
-        <a:xfrm>
-          <a:off x="0" y="0"/>
-          <a:ext cx="0" cy="0"/>
-          <a:chOff x="0" y="0"/>
-          <a:chExt cx="0" cy="0"/>
-        </a:xfrm>
-      </p:grpSpPr>
-      <p:sp>
-        <p:nvSpPr>
-          <p:cNvPr id="2" name="Title 1"/>
-          <p:cNvSpPr>
-            <a:spLocks noGrp="1"/>
-          </p:cNvSpPr>
-          <p:nvPr>
-            <p:ph type="title"/>
-          </p:nvPr>
-        </p:nvSpPr>
-        <p:spPr>
-          <a:xfrm>
-            <a:off x="1143001" y="35422"/>
-            <a:ext cx="9905998" cy="583096"/>
-          </a:xfrm>
-        </p:spPr>
-        <p:txBody>
-          <a:bodyPr>
-            <a:normAutofit fontScale="90000"/>
-          </a:bodyPr>
-          <a:lstStyle/>
-          <a:p>
-            <a:r>
-              <a:rPr lang="en-IN" dirty="0"/>
-              <a:t>Interesting Observations</a:t>
-            </a:r>
-          </a:p>
-        </p:txBody>
-      </p:sp>
-      <p:sp>
-        <p:nvSpPr>
-          <p:cNvPr id="4" name="Content Placeholder 2"/>
-          <p:cNvSpPr>
-            <a:spLocks noGrp="1"/>
-          </p:cNvSpPr>
-          <p:nvPr>
-            <p:ph sz="half" idx="1"/>
-          </p:nvPr>
-        </p:nvSpPr>
-        <p:spPr>
-          <a:xfrm>
-            <a:off x="734940" y="1461331"/>
-            <a:ext cx="4546361" cy="4761059"/>
-          </a:xfrm>
-        </p:spPr>
-        <p:txBody>
-          <a:bodyPr>
-            <a:noAutofit/>
-          </a:bodyPr>
-          <a:lstStyle/>
-          <a:p>
-            <a:r>
-              <a:rPr lang="en-IN" sz="1400" dirty="0"/>
-              <a:t>Bayesian classifier accuracy falls after a certain number of Principal Components</a:t>
-            </a:r>
-          </a:p>
-          <a:p>
-            <a:pPr>
-              <a:lnSpc>
-                <a:spcPct val="100000"/>
-              </a:lnSpc>
-              <a:buFont typeface="Wingdings"/>
-              <a:buChar char="Ø"/>
-            </a:pPr>
-            <a:r>
-              <a:rPr lang="en-IN" sz="1400" dirty="0"/>
-              <a:t>PCA gave us 2304 PCs. And initially, for the first ~360 components, adding them to training set improved the accuracy. But beyond that, accuracy started to decline.</a:t>
-            </a:r>
-          </a:p>
-          <a:p>
-            <a:pPr>
-              <a:lnSpc>
-                <a:spcPct val="100000"/>
-              </a:lnSpc>
-              <a:buFont typeface="Wingdings"/>
-              <a:buChar char="Ø"/>
-            </a:pPr>
-            <a:r>
-              <a:rPr lang="en-IN" sz="1400" dirty="0"/>
-              <a:t>Beyond 370 PCs, the covariance matrices get quite large, and unstable. Many cases, the determinant </a:t>
-            </a:r>
-            <a:r>
-              <a:rPr lang="en-IN" sz="1400" dirty="0" smtClean="0"/>
-              <a:t>(for Disgust class) evaluates </a:t>
-            </a:r>
-            <a:r>
-              <a:rPr lang="en-IN" sz="1400" dirty="0"/>
-              <a:t>to a negative value, preventing predictions as well.</a:t>
-            </a:r>
-          </a:p>
-          <a:p>
-            <a:pPr>
-              <a:lnSpc>
-                <a:spcPct val="100000"/>
-              </a:lnSpc>
-              <a:buFont typeface="Wingdings"/>
-              <a:buChar char="Ø"/>
-            </a:pPr>
-            <a:r>
-              <a:rPr lang="en-US" sz="1400" dirty="0"/>
-              <a:t>100% PPV in </a:t>
-            </a:r>
-            <a:r>
-              <a:rPr lang="en-US" sz="1400" dirty="0" smtClean="0"/>
-              <a:t>Disgust </a:t>
-            </a:r>
-            <a:r>
-              <a:rPr lang="en-US" sz="1400" dirty="0"/>
-              <a:t>class for </a:t>
-            </a:r>
-            <a:r>
-              <a:rPr lang="en-US" sz="1400" dirty="0"/>
-              <a:t>B</a:t>
-            </a:r>
-            <a:r>
-              <a:rPr lang="en-US" sz="1400" dirty="0" smtClean="0"/>
-              <a:t>ayesian </a:t>
-            </a:r>
-            <a:r>
-              <a:rPr lang="en-US" sz="1400" dirty="0"/>
-              <a:t>classifier and rest </a:t>
-            </a:r>
-            <a:r>
-              <a:rPr lang="en-US" sz="1400" dirty="0" smtClean="0"/>
-              <a:t>PPVs </a:t>
-            </a:r>
-            <a:r>
-              <a:rPr lang="en-US" sz="1400" dirty="0"/>
-              <a:t>are </a:t>
-            </a:r>
-            <a:r>
-              <a:rPr lang="en-US" sz="1400" dirty="0" smtClean="0"/>
-              <a:t>lower. </a:t>
-            </a:r>
-            <a:r>
-              <a:rPr lang="en-US" sz="1400" dirty="0"/>
-              <a:t>Reason might be unbalanced classes determined by their counts.</a:t>
-            </a:r>
-          </a:p>
-          <a:p>
-            <a:pPr>
-              <a:lnSpc>
-                <a:spcPct val="100000"/>
-              </a:lnSpc>
-              <a:buFont typeface="Wingdings"/>
-              <a:buChar char="Ø"/>
-            </a:pPr>
-            <a:r>
-              <a:rPr lang="en-US" sz="1400" dirty="0" smtClean="0"/>
-              <a:t>Principal </a:t>
-            </a:r>
-            <a:r>
-              <a:rPr lang="en-US" sz="1400" dirty="0"/>
-              <a:t>components make the distributions more </a:t>
-            </a:r>
-            <a:r>
-              <a:rPr lang="en-US" sz="1400" dirty="0" smtClean="0"/>
-              <a:t>G</a:t>
-            </a:r>
-            <a:r>
-              <a:rPr lang="en-US" sz="1400" dirty="0" smtClean="0"/>
-              <a:t>aussian</a:t>
-            </a:r>
-            <a:endParaRPr lang="en-IN" sz="1400" dirty="0"/>
-          </a:p>
-          <a:p>
-            <a:pPr marL="0" indent="0">
-              <a:lnSpc>
-                <a:spcPct val="100000"/>
-              </a:lnSpc>
-              <a:buNone/>
-            </a:pPr>
-            <a:r>
-              <a:rPr lang="en-IN" sz="1400" dirty="0"/>
-              <a:t>NOTE: even for lesser number of PCs, switched to ‘</a:t>
-            </a:r>
-            <a:r>
-              <a:rPr lang="en-IN" sz="1400" dirty="0" err="1"/>
-              <a:t>numpy.linalg.slogdet</a:t>
-            </a:r>
-            <a:r>
-              <a:rPr lang="en-IN" sz="1400" dirty="0"/>
-              <a:t>()’ and determined ‘pdf’ on a log scale, as ‘</a:t>
-            </a:r>
-            <a:r>
-              <a:rPr lang="en-IN" sz="1400" dirty="0" err="1"/>
-              <a:t>numpy.linalg.det</a:t>
-            </a:r>
-            <a:r>
-              <a:rPr lang="en-IN" sz="1400" dirty="0"/>
-              <a:t>()’ fails with “</a:t>
-            </a:r>
-            <a:r>
-              <a:rPr lang="en-US" sz="1400" dirty="0" err="1"/>
-              <a:t>RuntimeWarning</a:t>
-            </a:r>
-            <a:r>
-              <a:rPr lang="en-US" sz="1400" dirty="0"/>
-              <a:t>: overflow encountered</a:t>
-            </a:r>
-            <a:r>
-              <a:rPr lang="en-IN" sz="1400" dirty="0"/>
-              <a:t>”.</a:t>
-            </a:r>
-          </a:p>
-          <a:p>
-            <a:pPr>
-              <a:lnSpc>
-                <a:spcPct val="100000"/>
-              </a:lnSpc>
-              <a:buFont typeface="Wingdings"/>
-              <a:buChar char="Ø"/>
-            </a:pPr>
-            <a:endParaRPr lang="en-IN" sz="1300" dirty="0"/>
-          </a:p>
-        </p:txBody>
-      </p:sp>
-      <p:pic>
-        <p:nvPicPr>
-          <p:cNvPr id="1026" name="Picture 2"/>
-          <p:cNvPicPr>
-            <a:picLocks noChangeAspect="1" noChangeArrowheads="1"/>
-          </p:cNvPicPr>
-          <p:nvPr/>
-        </p:nvPicPr>
-        <p:blipFill>
-          <a:blip r:embed="rId2">
-            <a:extLst>
-              <a:ext uri="{28A0092B-C50C-407E-A947-70E740481C1C}">
-                <a14:useLocalDpi xmlns:a14="http://schemas.microsoft.com/office/drawing/2010/main" val="0"/>
-              </a:ext>
-            </a:extLst>
-          </a:blip>
-          <a:srcRect/>
-          <a:stretch>
-            <a:fillRect/>
-          </a:stretch>
-        </p:blipFill>
-        <p:spPr bwMode="auto">
-          <a:xfrm>
-            <a:off x="5264970" y="1563880"/>
-            <a:ext cx="6334400" cy="4792110"/>
-          </a:xfrm>
-          <a:prstGeom prst="rect">
-            <a:avLst/>
-          </a:prstGeom>
-          <a:noFill/>
-          <a:ln>
-            <a:noFill/>
-          </a:ln>
-          <a:extLst>
-            <a:ext uri="{909E8E84-426E-40DD-AFC4-6F175D3DCCD1}">
-              <a14:hiddenFill xmlns:a14="http://schemas.microsoft.com/office/drawing/2010/main">
-                <a:solidFill>
-                  <a:schemeClr val="accent1"/>
-                </a:solidFill>
-              </a14:hiddenFill>
-            </a:ext>
-            <a:ext uri="{91240B29-F687-4F45-9708-019B960494DF}">
-              <a14:hiddenLine xmlns:a14="http://schemas.microsoft.com/office/drawing/2010/main" w="9525">
-                <a:solidFill>
-                  <a:schemeClr val="tx1"/>
-                </a:solidFill>
-                <a:miter lim="800000"/>
-                <a:headEnd/>
-                <a:tailEnd/>
-              </a14:hiddenLine>
-            </a:ext>
-          </a:extLst>
-        </p:spPr>
-      </p:pic>
-      <p:sp>
-        <p:nvSpPr>
-          <p:cNvPr id="3" name="Rectangle 2">
-            <a:extLst>
-              <a:ext uri="{FF2B5EF4-FFF2-40B4-BE49-F238E27FC236}">
-                <a16:creationId xmlns:a16="http://schemas.microsoft.com/office/drawing/2014/main" xmlns="" id="{30B14E7A-8F0E-4DEC-9955-CEF62AB818B0}"/>
-              </a:ext>
-            </a:extLst>
-          </p:cNvPr>
-          <p:cNvSpPr/>
-          <p:nvPr/>
-        </p:nvSpPr>
-        <p:spPr>
-          <a:xfrm>
-            <a:off x="1143001" y="6355990"/>
-            <a:ext cx="2949397" cy="369332"/>
-          </a:xfrm>
-          <a:prstGeom prst="rect">
-            <a:avLst/>
-          </a:prstGeom>
-        </p:spPr>
-        <p:txBody>
-          <a:bodyPr wrap="none">
-            <a:spAutoFit/>
-          </a:bodyPr>
-          <a:lstStyle/>
-          <a:p>
-            <a:r>
-              <a:rPr lang="en-IN" dirty="0">
-                <a:highlight>
-                  <a:srgbClr val="FFFF00"/>
-                </a:highlight>
-              </a:rPr>
-              <a:t>Gaurav to review and update</a:t>
-            </a:r>
-            <a:endParaRPr lang="en-US" dirty="0">
-              <a:highlight>
-                <a:srgbClr val="FFFF00"/>
-              </a:highlight>
-            </a:endParaRPr>
-          </a:p>
-        </p:txBody>
-      </p:sp>
-    </p:spTree>
-    <p:extLst>
-      <p:ext uri="{BB962C8B-B14F-4D97-AF65-F5344CB8AC3E}">
-        <p14:creationId xmlns:p14="http://schemas.microsoft.com/office/powerpoint/2010/main" val="3346745492"/>
-      </p:ext>
-    </p:extLst>
-  </p:cSld>
-  <p:clrMapOvr>
-    <a:masterClrMapping/>
-  </p:clrMapOvr>
-  <p:timing>
-    <p:tnLst>
-      <p:par>
-        <p:cTn id="1" dur="indefinite" restart="never" nodeType="tmRoot"/>
-      </p:par>
-    </p:tnLst>
-  </p:timing>
-</p:sld>
-</file>
-
-<file path=ppt/slides/slide2.xml><?xml version="1.0" encoding="utf-8"?>
-<p:sld xmlns:a="http://schemas.openxmlformats.org/drawingml/2006/main" xmlns:r="http://schemas.openxmlformats.org/officeDocument/2006/relationships" xmlns:p="http://schemas.openxmlformats.org/presentationml/2006/main">
-  <p:cSld>
-    <p:spTree>
-      <p:nvGrpSpPr>
-        <p:cNvPr id="1" name=""/>
-        <p:cNvGrpSpPr/>
-        <p:nvPr/>
-      </p:nvGrpSpPr>
-      <p:grpSpPr>
-        <a:xfrm>
-          <a:off x="0" y="0"/>
-          <a:ext cx="0" cy="0"/>
-          <a:chOff x="0" y="0"/>
-          <a:chExt cx="0" cy="0"/>
-        </a:xfrm>
-      </p:grpSpPr>
-      <p:sp>
-        <p:nvSpPr>
-          <p:cNvPr id="2" name="Title 1">
-            <a:extLst>
-              <a:ext uri="{FF2B5EF4-FFF2-40B4-BE49-F238E27FC236}">
-                <a16:creationId xmlns:a16="http://schemas.microsoft.com/office/drawing/2014/main" xmlns="" id="{58293DE5-6A3F-4CB5-9B2D-B26F445310F7}"/>
-              </a:ext>
-            </a:extLst>
-          </p:cNvPr>
-          <p:cNvSpPr>
-            <a:spLocks noGrp="1"/>
-          </p:cNvSpPr>
-          <p:nvPr>
-            <p:ph type="title"/>
-          </p:nvPr>
-        </p:nvSpPr>
-        <p:spPr/>
-        <p:txBody>
-          <a:bodyPr>
-            <a:normAutofit fontScale="90000"/>
-          </a:bodyPr>
-          <a:lstStyle/>
-          <a:p>
-            <a:r>
-              <a:rPr lang="en-US" dirty="0"/>
-              <a:t>Data source:</a:t>
-            </a:r>
-            <a:br>
-              <a:rPr lang="en-US" dirty="0"/>
-            </a:br>
-            <a:r>
-              <a:rPr lang="en-US" cap="none" dirty="0"/>
-              <a:t>https://www.kaggle.com/c/challenges-in-representation-learning-facial-expression-recognition-challenge/data</a:t>
-            </a:r>
-            <a:endParaRPr lang="en-US" dirty="0"/>
-          </a:p>
-        </p:txBody>
-      </p:sp>
-      <p:sp>
-        <p:nvSpPr>
-          <p:cNvPr id="3" name="Content Placeholder 2">
-            <a:extLst>
-              <a:ext uri="{FF2B5EF4-FFF2-40B4-BE49-F238E27FC236}">
-                <a16:creationId xmlns:a16="http://schemas.microsoft.com/office/drawing/2014/main" xmlns="" id="{AEF930C9-DE34-42D1-B51C-D4367365A454}"/>
-              </a:ext>
-            </a:extLst>
-          </p:cNvPr>
-          <p:cNvSpPr>
-            <a:spLocks noGrp="1"/>
-          </p:cNvSpPr>
-          <p:nvPr>
-            <p:ph sz="half" idx="1"/>
-          </p:nvPr>
-        </p:nvSpPr>
-        <p:spPr>
-          <a:xfrm>
-            <a:off x="1141410" y="2025353"/>
-            <a:ext cx="5182478" cy="4388699"/>
-          </a:xfrm>
-        </p:spPr>
-        <p:txBody>
-          <a:bodyPr>
-            <a:noAutofit/>
-          </a:bodyPr>
-          <a:lstStyle/>
-          <a:p>
-            <a:r>
-              <a:rPr lang="en-US" dirty="0"/>
-              <a:t>Training data size: </a:t>
-            </a:r>
-          </a:p>
-          <a:p>
-            <a:pPr lvl="1"/>
-            <a:r>
-              <a:rPr lang="en-US" sz="2400" dirty="0"/>
-              <a:t>28709 samples </a:t>
-            </a:r>
-          </a:p>
-          <a:p>
-            <a:pPr lvl="1"/>
-            <a:r>
-              <a:rPr lang="en-US" sz="2400" dirty="0"/>
-              <a:t>80% of complete set</a:t>
-            </a:r>
-          </a:p>
-          <a:p>
-            <a:pPr lvl="1"/>
-            <a:r>
-              <a:rPr lang="en-US" sz="2400" dirty="0"/>
-              <a:t>Each </a:t>
-            </a:r>
-            <a:r>
-              <a:rPr lang="en-US" sz="2400" dirty="0" smtClean="0"/>
-              <a:t>sample is 2304 </a:t>
-            </a:r>
-            <a:r>
-              <a:rPr lang="en-US" sz="2400" dirty="0"/>
-              <a:t>features long (48x48 grayscale image)</a:t>
-            </a:r>
-          </a:p>
-          <a:p>
-            <a:r>
-              <a:rPr lang="en-US" dirty="0"/>
-              <a:t>Test set: </a:t>
-            </a:r>
-          </a:p>
-          <a:p>
-            <a:pPr lvl="1"/>
-            <a:r>
-              <a:rPr lang="en-US" sz="2400" dirty="0" smtClean="0"/>
-              <a:t>7178 </a:t>
-            </a:r>
-            <a:r>
-              <a:rPr lang="en-US" sz="2400" dirty="0"/>
-              <a:t>samples</a:t>
-            </a:r>
-          </a:p>
-          <a:p>
-            <a:pPr lvl="1"/>
-            <a:r>
-              <a:rPr lang="en-US" sz="2400" dirty="0"/>
-              <a:t>20% of complete </a:t>
-            </a:r>
-            <a:r>
-              <a:rPr lang="en-US" sz="2400" dirty="0" smtClean="0"/>
-              <a:t>set (10% used for evaluation, 10% for validation)</a:t>
-            </a:r>
-            <a:endParaRPr lang="en-US" sz="2400" dirty="0"/>
-          </a:p>
-        </p:txBody>
-      </p:sp>
-      <p:sp>
-        <p:nvSpPr>
-          <p:cNvPr id="4" name="Content Placeholder 3">
-            <a:extLst>
-              <a:ext uri="{FF2B5EF4-FFF2-40B4-BE49-F238E27FC236}">
-                <a16:creationId xmlns:a16="http://schemas.microsoft.com/office/drawing/2014/main" xmlns="" id="{B2018AEE-6A81-49B2-AD03-CBA865B5659F}"/>
-              </a:ext>
-            </a:extLst>
-          </p:cNvPr>
-          <p:cNvSpPr>
-            <a:spLocks noGrp="1"/>
-          </p:cNvSpPr>
-          <p:nvPr>
-            <p:ph sz="half" idx="2"/>
-          </p:nvPr>
-        </p:nvSpPr>
-        <p:spPr>
-          <a:xfrm>
-            <a:off x="6633896" y="2106957"/>
-            <a:ext cx="4956854" cy="4608514"/>
-          </a:xfrm>
-        </p:spPr>
-        <p:txBody>
-          <a:bodyPr>
-            <a:normAutofit fontScale="92500" lnSpcReduction="20000"/>
-          </a:bodyPr>
-          <a:lstStyle/>
-          <a:p>
-            <a:pPr marL="0" indent="0">
-              <a:buNone/>
-            </a:pPr>
-            <a:r>
-              <a:rPr lang="en-US" dirty="0"/>
-              <a:t>Methodology:</a:t>
-            </a:r>
-          </a:p>
-          <a:p>
-            <a:pPr marL="0" indent="0">
-              <a:buNone/>
-            </a:pPr>
-            <a:r>
-              <a:rPr lang="en-US" dirty="0"/>
-              <a:t>Unsupervised:</a:t>
-            </a:r>
-          </a:p>
-          <a:p>
-            <a:pPr marL="457200" indent="-457200">
-              <a:buAutoNum type="arabicPeriod"/>
-            </a:pPr>
-            <a:r>
-              <a:rPr lang="en-US" dirty="0"/>
-              <a:t>Expectation Maximization</a:t>
-            </a:r>
-          </a:p>
-          <a:p>
-            <a:pPr marL="0" indent="0">
-              <a:buNone/>
-            </a:pPr>
-            <a:r>
-              <a:rPr lang="en-US" dirty="0"/>
-              <a:t>Supervised:</a:t>
-            </a:r>
-          </a:p>
-          <a:p>
-            <a:pPr marL="457200" indent="-457200">
-              <a:buFont typeface="+mj-lt"/>
-              <a:buAutoNum type="arabicPeriod"/>
-            </a:pPr>
-            <a:r>
-              <a:rPr lang="en-US" sz="2000" dirty="0"/>
-              <a:t>Logistic Regression Classifier</a:t>
-            </a:r>
-          </a:p>
-          <a:p>
-            <a:pPr marL="457200" indent="-457200">
-              <a:buFont typeface="+mj-lt"/>
-              <a:buAutoNum type="arabicPeriod"/>
-            </a:pPr>
-            <a:r>
-              <a:rPr lang="en-US" sz="2000" dirty="0"/>
-              <a:t>Linear Classifier</a:t>
-            </a:r>
-          </a:p>
-          <a:p>
-            <a:pPr marL="457200" indent="-457200">
-              <a:buFont typeface="+mj-lt"/>
-              <a:buAutoNum type="arabicPeriod"/>
-            </a:pPr>
-            <a:r>
-              <a:rPr lang="en-US" sz="2000" dirty="0"/>
-              <a:t>Bayesian Classification </a:t>
-            </a:r>
-          </a:p>
-          <a:p>
-            <a:pPr marL="457200" indent="-457200">
-              <a:buFont typeface="+mj-lt"/>
-              <a:buAutoNum type="arabicPeriod"/>
-            </a:pPr>
-            <a:r>
-              <a:rPr lang="en-US" sz="2000" dirty="0"/>
-              <a:t>Principal Component Analysis</a:t>
-            </a:r>
-          </a:p>
-          <a:p>
-            <a:pPr marL="457200" indent="-457200">
-              <a:buFont typeface="+mj-lt"/>
-              <a:buAutoNum type="arabicPeriod"/>
-            </a:pPr>
-            <a:r>
-              <a:rPr lang="en-US" sz="2000" dirty="0"/>
-              <a:t>Histogram Analysis</a:t>
-            </a:r>
-          </a:p>
-          <a:p>
-            <a:pPr marL="457200" indent="-457200">
-              <a:buFont typeface="+mj-lt"/>
-              <a:buAutoNum type="arabicPeriod"/>
-            </a:pPr>
-            <a:r>
-              <a:rPr lang="en-US" sz="2000" dirty="0"/>
-              <a:t>Neural Networks</a:t>
-            </a:r>
-            <a:br>
-              <a:rPr lang="en-US" sz="2000" dirty="0"/>
-            </a:br>
-            <a:endParaRPr lang="en-US" sz="2000" dirty="0"/>
-          </a:p>
-        </p:txBody>
-      </p:sp>
-    </p:spTree>
-    <p:extLst>
-      <p:ext uri="{BB962C8B-B14F-4D97-AF65-F5344CB8AC3E}">
-        <p14:creationId xmlns:p14="http://schemas.microsoft.com/office/powerpoint/2010/main" val="2083066354"/>
-      </p:ext>
-    </p:extLst>
-  </p:cSld>
-  <p:clrMapOvr>
-    <a:masterClrMapping/>
-  </p:clrMapOvr>
-  <p:timing>
-    <p:tnLst>
-      <p:par>
-        <p:cTn id="1" dur="indefinite" restart="never" nodeType="tmRoot"/>
-      </p:par>
-    </p:tnLst>
-  </p:timing>
-</p:sld>
-</file>
-
-<file path=ppt/slides/slide3.xml><?xml version="1.0" encoding="utf-8"?>
-<p:sld xmlns:a="http://schemas.openxmlformats.org/drawingml/2006/main" xmlns:r="http://schemas.openxmlformats.org/officeDocument/2006/relationships" xmlns:p="http://schemas.openxmlformats.org/presentationml/2006/main">
-  <p:cSld>
-    <p:spTree>
-      <p:nvGrpSpPr>
-        <p:cNvPr id="1" name=""/>
-        <p:cNvGrpSpPr/>
-        <p:nvPr/>
-      </p:nvGrpSpPr>
-      <p:grpSpPr>
-        <a:xfrm>
-          <a:off x="0" y="0"/>
-          <a:ext cx="0" cy="0"/>
-          <a:chOff x="0" y="0"/>
-          <a:chExt cx="0" cy="0"/>
-        </a:xfrm>
-      </p:grpSpPr>
-      <p:pic>
-        <p:nvPicPr>
-          <p:cNvPr id="6" name="Picture 5">
-            <a:extLst>
-              <a:ext uri="{FF2B5EF4-FFF2-40B4-BE49-F238E27FC236}">
-                <a16:creationId xmlns:a16="http://schemas.microsoft.com/office/drawing/2014/main" xmlns="" id="{5D56938D-3BE8-CE48-AA21-BE82D471014E}"/>
-              </a:ext>
-            </a:extLst>
-          </p:cNvPr>
-          <p:cNvPicPr>
-            <a:picLocks noChangeAspect="1"/>
-          </p:cNvPicPr>
-          <p:nvPr/>
-        </p:nvPicPr>
-        <p:blipFill>
-          <a:blip r:embed="rId2"/>
-          <a:stretch>
-            <a:fillRect/>
-          </a:stretch>
-        </p:blipFill>
-        <p:spPr>
-          <a:xfrm>
-            <a:off x="622852" y="3124201"/>
-            <a:ext cx="1860550" cy="1879600"/>
-          </a:xfrm>
-          <a:prstGeom prst="rect">
-            <a:avLst/>
-          </a:prstGeom>
-        </p:spPr>
-      </p:pic>
-      <p:sp>
-        <p:nvSpPr>
-          <p:cNvPr id="7" name="TextBox 6">
-            <a:extLst>
-              <a:ext uri="{FF2B5EF4-FFF2-40B4-BE49-F238E27FC236}">
-                <a16:creationId xmlns:a16="http://schemas.microsoft.com/office/drawing/2014/main" xmlns="" id="{D915B283-25CC-1646-BC03-AAA3C5A9F1CF}"/>
-              </a:ext>
-            </a:extLst>
-          </p:cNvPr>
-          <p:cNvSpPr txBox="1"/>
-          <p:nvPr/>
-        </p:nvSpPr>
-        <p:spPr>
-          <a:xfrm>
-            <a:off x="1289272" y="1956977"/>
-            <a:ext cx="643125" cy="461665"/>
-          </a:xfrm>
-          <a:prstGeom prst="rect">
-            <a:avLst/>
-          </a:prstGeom>
-          <a:noFill/>
-        </p:spPr>
-        <p:txBody>
-          <a:bodyPr wrap="none" rtlCol="0">
-            <a:spAutoFit/>
-          </a:bodyPr>
-          <a:lstStyle/>
-          <a:p>
-            <a:r>
-              <a:rPr lang="en-US" sz="2400" dirty="0"/>
-              <a:t>Left</a:t>
-            </a:r>
-          </a:p>
-        </p:txBody>
-      </p:sp>
-      <p:sp>
-        <p:nvSpPr>
-          <p:cNvPr id="8" name="TextBox 7">
-            <a:extLst>
-              <a:ext uri="{FF2B5EF4-FFF2-40B4-BE49-F238E27FC236}">
-                <a16:creationId xmlns:a16="http://schemas.microsoft.com/office/drawing/2014/main" xmlns="" id="{77363FA3-080C-7D46-AEA8-CC10D34C1207}"/>
-              </a:ext>
-            </a:extLst>
-          </p:cNvPr>
-          <p:cNvSpPr txBox="1"/>
-          <p:nvPr/>
-        </p:nvSpPr>
-        <p:spPr>
-          <a:xfrm>
-            <a:off x="1232366" y="5300870"/>
-            <a:ext cx="793807" cy="461665"/>
-          </a:xfrm>
-          <a:prstGeom prst="rect">
-            <a:avLst/>
-          </a:prstGeom>
-          <a:noFill/>
-        </p:spPr>
-        <p:txBody>
-          <a:bodyPr wrap="none" rtlCol="0">
-            <a:spAutoFit/>
-          </a:bodyPr>
-          <a:lstStyle/>
-          <a:p>
-            <a:r>
-              <a:rPr lang="en-US" sz="2400" dirty="0"/>
-              <a:t>Right</a:t>
-            </a:r>
-          </a:p>
-        </p:txBody>
-      </p:sp>
-      <p:pic>
-        <p:nvPicPr>
-          <p:cNvPr id="9" name="Picture 8">
-            <a:extLst>
-              <a:ext uri="{FF2B5EF4-FFF2-40B4-BE49-F238E27FC236}">
-                <a16:creationId xmlns:a16="http://schemas.microsoft.com/office/drawing/2014/main" xmlns="" id="{FF582211-B22A-104F-8420-2A250CBCAA9E}"/>
-              </a:ext>
-            </a:extLst>
-          </p:cNvPr>
-          <p:cNvPicPr>
-            <a:picLocks noChangeAspect="1"/>
-          </p:cNvPicPr>
-          <p:nvPr/>
-        </p:nvPicPr>
-        <p:blipFill>
-          <a:blip r:embed="rId3"/>
-          <a:stretch>
-            <a:fillRect/>
-          </a:stretch>
-        </p:blipFill>
-        <p:spPr>
-          <a:xfrm>
-            <a:off x="3290528" y="1386160"/>
-            <a:ext cx="2104361" cy="2125906"/>
-          </a:xfrm>
-          <a:prstGeom prst="rect">
-            <a:avLst/>
-          </a:prstGeom>
-        </p:spPr>
-      </p:pic>
-      <p:pic>
-        <p:nvPicPr>
-          <p:cNvPr id="10" name="Picture 9">
-            <a:extLst>
-              <a:ext uri="{FF2B5EF4-FFF2-40B4-BE49-F238E27FC236}">
-                <a16:creationId xmlns:a16="http://schemas.microsoft.com/office/drawing/2014/main" xmlns="" id="{64C88E78-58A0-AA4F-8247-DD709B7A6D22}"/>
-              </a:ext>
-            </a:extLst>
-          </p:cNvPr>
-          <p:cNvPicPr>
-            <a:picLocks noChangeAspect="1"/>
-          </p:cNvPicPr>
-          <p:nvPr/>
-        </p:nvPicPr>
-        <p:blipFill>
-          <a:blip r:embed="rId4"/>
-          <a:stretch>
-            <a:fillRect/>
-          </a:stretch>
-        </p:blipFill>
-        <p:spPr>
-          <a:xfrm>
-            <a:off x="6024463" y="1342675"/>
-            <a:ext cx="2104362" cy="2125909"/>
-          </a:xfrm>
-          <a:prstGeom prst="rect">
-            <a:avLst/>
-          </a:prstGeom>
-        </p:spPr>
-      </p:pic>
-      <p:pic>
-        <p:nvPicPr>
-          <p:cNvPr id="11" name="Picture 10">
-            <a:extLst>
-              <a:ext uri="{FF2B5EF4-FFF2-40B4-BE49-F238E27FC236}">
-                <a16:creationId xmlns:a16="http://schemas.microsoft.com/office/drawing/2014/main" xmlns="" id="{58BB88A8-9BD7-0741-B3D1-AF9BD689186F}"/>
-              </a:ext>
-            </a:extLst>
-          </p:cNvPr>
-          <p:cNvPicPr>
-            <a:picLocks noChangeAspect="1"/>
-          </p:cNvPicPr>
-          <p:nvPr/>
-        </p:nvPicPr>
-        <p:blipFill>
-          <a:blip r:embed="rId5"/>
-          <a:stretch>
-            <a:fillRect/>
-          </a:stretch>
-        </p:blipFill>
-        <p:spPr>
-          <a:xfrm>
-            <a:off x="8688156" y="1328076"/>
-            <a:ext cx="2133263" cy="2155105"/>
-          </a:xfrm>
-          <a:prstGeom prst="rect">
-            <a:avLst/>
-          </a:prstGeom>
-        </p:spPr>
-      </p:pic>
-      <p:pic>
-        <p:nvPicPr>
-          <p:cNvPr id="12" name="Picture 11">
-            <a:extLst>
-              <a:ext uri="{FF2B5EF4-FFF2-40B4-BE49-F238E27FC236}">
-                <a16:creationId xmlns:a16="http://schemas.microsoft.com/office/drawing/2014/main" xmlns="" id="{E7ACC8CD-4378-9048-8D98-21A2B9229B32}"/>
-              </a:ext>
-            </a:extLst>
-          </p:cNvPr>
-          <p:cNvPicPr>
-            <a:picLocks noChangeAspect="1"/>
-          </p:cNvPicPr>
-          <p:nvPr/>
-        </p:nvPicPr>
-        <p:blipFill>
-          <a:blip r:embed="rId6"/>
-          <a:stretch>
-            <a:fillRect/>
-          </a:stretch>
-        </p:blipFill>
-        <p:spPr>
-          <a:xfrm>
-            <a:off x="3290529" y="4352342"/>
-            <a:ext cx="2104361" cy="2125907"/>
-          </a:xfrm>
-          <a:prstGeom prst="rect">
-            <a:avLst/>
-          </a:prstGeom>
-        </p:spPr>
-      </p:pic>
-      <p:pic>
-        <p:nvPicPr>
-          <p:cNvPr id="13" name="Picture 12">
-            <a:extLst>
-              <a:ext uri="{FF2B5EF4-FFF2-40B4-BE49-F238E27FC236}">
-                <a16:creationId xmlns:a16="http://schemas.microsoft.com/office/drawing/2014/main" xmlns="" id="{8241D1AC-3E3B-4B48-BA98-D299381640D0}"/>
-              </a:ext>
-            </a:extLst>
-          </p:cNvPr>
-          <p:cNvPicPr>
-            <a:picLocks noChangeAspect="1"/>
-          </p:cNvPicPr>
-          <p:nvPr/>
-        </p:nvPicPr>
-        <p:blipFill>
-          <a:blip r:embed="rId7"/>
-          <a:stretch>
-            <a:fillRect/>
-          </a:stretch>
-        </p:blipFill>
-        <p:spPr>
-          <a:xfrm>
-            <a:off x="5989341" y="4352341"/>
-            <a:ext cx="2104362" cy="2125908"/>
-          </a:xfrm>
-          <a:prstGeom prst="rect">
-            <a:avLst/>
-          </a:prstGeom>
-        </p:spPr>
-      </p:pic>
-      <p:pic>
-        <p:nvPicPr>
-          <p:cNvPr id="14" name="Picture 13">
-            <a:extLst>
-              <a:ext uri="{FF2B5EF4-FFF2-40B4-BE49-F238E27FC236}">
-                <a16:creationId xmlns:a16="http://schemas.microsoft.com/office/drawing/2014/main" xmlns="" id="{E0EA4702-2322-264D-A590-075F66A6A62D}"/>
-              </a:ext>
-            </a:extLst>
-          </p:cNvPr>
-          <p:cNvPicPr>
-            <a:picLocks noChangeAspect="1"/>
-          </p:cNvPicPr>
-          <p:nvPr/>
-        </p:nvPicPr>
-        <p:blipFill>
-          <a:blip r:embed="rId8"/>
-          <a:stretch>
-            <a:fillRect/>
-          </a:stretch>
-        </p:blipFill>
-        <p:spPr>
-          <a:xfrm>
-            <a:off x="8688155" y="4352341"/>
-            <a:ext cx="2133264" cy="2125908"/>
-          </a:xfrm>
-          <a:prstGeom prst="rect">
-            <a:avLst/>
-          </a:prstGeom>
-        </p:spPr>
-      </p:pic>
-      <p:sp>
-        <p:nvSpPr>
-          <p:cNvPr id="15" name="TextBox 14">
-            <a:extLst>
-              <a:ext uri="{FF2B5EF4-FFF2-40B4-BE49-F238E27FC236}">
-                <a16:creationId xmlns:a16="http://schemas.microsoft.com/office/drawing/2014/main" xmlns="" id="{37F33105-3CB6-5448-993D-18286D514369}"/>
-              </a:ext>
-            </a:extLst>
-          </p:cNvPr>
-          <p:cNvSpPr txBox="1"/>
-          <p:nvPr/>
-        </p:nvSpPr>
-        <p:spPr>
-          <a:xfrm>
-            <a:off x="3687528" y="735190"/>
-            <a:ext cx="1382110" cy="461665"/>
-          </a:xfrm>
-          <a:prstGeom prst="rect">
-            <a:avLst/>
-          </a:prstGeom>
-          <a:noFill/>
-        </p:spPr>
-        <p:txBody>
-          <a:bodyPr wrap="none" rtlCol="0">
-            <a:spAutoFit/>
-          </a:bodyPr>
-          <a:lstStyle/>
-          <a:p>
-            <a:r>
-              <a:rPr lang="en-US" dirty="0"/>
-              <a:t>3 </a:t>
-            </a:r>
-            <a:r>
-              <a:rPr lang="en-US" sz="2400" dirty="0"/>
-              <a:t>degrees</a:t>
-            </a:r>
-          </a:p>
-        </p:txBody>
-      </p:sp>
-      <p:sp>
-        <p:nvSpPr>
-          <p:cNvPr id="16" name="TextBox 15">
-            <a:extLst>
-              <a:ext uri="{FF2B5EF4-FFF2-40B4-BE49-F238E27FC236}">
-                <a16:creationId xmlns:a16="http://schemas.microsoft.com/office/drawing/2014/main" xmlns="" id="{2D9E2BE1-00EA-4649-A03B-4CA2B529D5AD}"/>
-              </a:ext>
-            </a:extLst>
-          </p:cNvPr>
-          <p:cNvSpPr txBox="1"/>
-          <p:nvPr/>
-        </p:nvSpPr>
-        <p:spPr>
-          <a:xfrm>
-            <a:off x="6350467" y="698473"/>
-            <a:ext cx="1382110" cy="461665"/>
-          </a:xfrm>
-          <a:prstGeom prst="rect">
-            <a:avLst/>
-          </a:prstGeom>
-          <a:noFill/>
-        </p:spPr>
-        <p:txBody>
-          <a:bodyPr wrap="none" rtlCol="0">
-            <a:spAutoFit/>
-          </a:bodyPr>
-          <a:lstStyle/>
-          <a:p>
-            <a:r>
-              <a:rPr lang="en-US" dirty="0"/>
-              <a:t>6 </a:t>
-            </a:r>
-            <a:r>
-              <a:rPr lang="en-US" sz="2400" dirty="0"/>
-              <a:t>degrees</a:t>
-            </a:r>
-          </a:p>
-        </p:txBody>
-      </p:sp>
-      <p:sp>
-        <p:nvSpPr>
-          <p:cNvPr id="17" name="TextBox 16">
-            <a:extLst>
-              <a:ext uri="{FF2B5EF4-FFF2-40B4-BE49-F238E27FC236}">
-                <a16:creationId xmlns:a16="http://schemas.microsoft.com/office/drawing/2014/main" xmlns="" id="{A97E85AB-C406-4348-9B0F-C64047D9B338}"/>
-              </a:ext>
-            </a:extLst>
-          </p:cNvPr>
-          <p:cNvSpPr txBox="1"/>
-          <p:nvPr/>
-        </p:nvSpPr>
-        <p:spPr>
-          <a:xfrm>
-            <a:off x="8844180" y="698473"/>
-            <a:ext cx="1508746" cy="461665"/>
-          </a:xfrm>
-          <a:prstGeom prst="rect">
-            <a:avLst/>
-          </a:prstGeom>
-          <a:noFill/>
-        </p:spPr>
-        <p:txBody>
-          <a:bodyPr wrap="none" rtlCol="0">
-            <a:spAutoFit/>
-          </a:bodyPr>
-          <a:lstStyle/>
-          <a:p>
-            <a:r>
-              <a:rPr lang="en-US" dirty="0"/>
-              <a:t>10 </a:t>
-            </a:r>
-            <a:r>
-              <a:rPr lang="en-US" sz="2400" dirty="0"/>
-              <a:t>degrees</a:t>
-            </a:r>
-          </a:p>
-        </p:txBody>
-      </p:sp>
-      <p:sp>
-        <p:nvSpPr>
-          <p:cNvPr id="2" name="Rectangle 1">
-            <a:extLst>
-              <a:ext uri="{FF2B5EF4-FFF2-40B4-BE49-F238E27FC236}">
-                <a16:creationId xmlns:a16="http://schemas.microsoft.com/office/drawing/2014/main" xmlns="" id="{E3222E19-2670-4835-9385-7B4B7C92EB90}"/>
-              </a:ext>
-            </a:extLst>
-          </p:cNvPr>
-          <p:cNvSpPr/>
-          <p:nvPr/>
-        </p:nvSpPr>
-        <p:spPr>
-          <a:xfrm>
-            <a:off x="758401" y="117713"/>
-            <a:ext cx="11224591" cy="646331"/>
-          </a:xfrm>
-          <a:prstGeom prst="rect">
-            <a:avLst/>
-          </a:prstGeom>
-        </p:spPr>
-        <p:txBody>
-          <a:bodyPr wrap="square">
-            <a:spAutoFit/>
-          </a:bodyPr>
-          <a:lstStyle/>
-          <a:p>
-            <a:r>
-              <a:rPr lang="en-US" sz="3600" dirty="0"/>
-              <a:t>Data Augmentation: Data Size Increase using Image Rotation</a:t>
-            </a:r>
-          </a:p>
-        </p:txBody>
-      </p:sp>
-    </p:spTree>
-    <p:extLst>
-      <p:ext uri="{BB962C8B-B14F-4D97-AF65-F5344CB8AC3E}">
-        <p14:creationId xmlns:p14="http://schemas.microsoft.com/office/powerpoint/2010/main" val="1968058337"/>
-      </p:ext>
-    </p:extLst>
-  </p:cSld>
-  <p:clrMapOvr>
-    <a:masterClrMapping/>
-  </p:clrMapOvr>
-  <p:timing>
-    <p:tnLst>
-      <p:par>
-        <p:cTn id="1" dur="indefinite" restart="never" nodeType="tmRoot"/>
-      </p:par>
-    </p:tnLst>
-  </p:timing>
-</p:sld>
-</file>
-
-<file path=ppt/slides/slide4.xml><?xml version="1.0" encoding="utf-8"?>
-<p:sld xmlns:a="http://schemas.openxmlformats.org/drawingml/2006/main" xmlns:r="http://schemas.openxmlformats.org/officeDocument/2006/relationships" xmlns:p="http://schemas.openxmlformats.org/presentationml/2006/main">
-  <p:cSld>
-    <p:spTree>
-      <p:nvGrpSpPr>
-        <p:cNvPr id="1" name=""/>
-        <p:cNvGrpSpPr/>
-        <p:nvPr/>
-      </p:nvGrpSpPr>
-      <p:grpSpPr>
-        <a:xfrm>
-          <a:off x="0" y="0"/>
-          <a:ext cx="0" cy="0"/>
-          <a:chOff x="0" y="0"/>
-          <a:chExt cx="0" cy="0"/>
-        </a:xfrm>
-      </p:grpSpPr>
-      <p:sp>
-        <p:nvSpPr>
-          <p:cNvPr id="5" name="Title 1">
-            <a:extLst>
-              <a:ext uri="{FF2B5EF4-FFF2-40B4-BE49-F238E27FC236}">
-                <a16:creationId xmlns:a16="http://schemas.microsoft.com/office/drawing/2014/main" xmlns="" id="{B99B477F-0B4C-4A7D-8070-4D8823C41C4A}"/>
-              </a:ext>
-            </a:extLst>
-          </p:cNvPr>
-          <p:cNvSpPr txBox="1">
-            <a:spLocks/>
-          </p:cNvSpPr>
-          <p:nvPr/>
-        </p:nvSpPr>
-        <p:spPr>
-          <a:xfrm>
-            <a:off x="1141413" y="0"/>
-            <a:ext cx="9924152" cy="1066800"/>
-          </a:xfrm>
-          <a:prstGeom prst="rect">
-            <a:avLst/>
-          </a:prstGeom>
-        </p:spPr>
-        <p:txBody>
-          <a:bodyPr vert="horz" lIns="91440" tIns="45720" rIns="91440" bIns="45720" rtlCol="0" anchor="ctr">
-            <a:normAutofit fontScale="97500"/>
-          </a:bodyPr>
-          <a:lstStyle>
-            <a:lvl1pPr algn="l" defTabSz="914400" rtl="0" eaLnBrk="1" latinLnBrk="0" hangingPunct="1">
-              <a:lnSpc>
-                <a:spcPct val="90000"/>
-              </a:lnSpc>
-              <a:spcBef>
-                <a:spcPct val="0"/>
-              </a:spcBef>
-              <a:buNone/>
-              <a:defRPr sz="3600" kern="1200" cap="all" baseline="0">
-                <a:solidFill>
-                  <a:schemeClr val="tx1"/>
-                </a:solidFill>
-                <a:latin typeface="+mj-lt"/>
-                <a:ea typeface="+mj-ea"/>
-                <a:cs typeface="+mj-cs"/>
-              </a:defRPr>
-            </a:lvl1pPr>
-          </a:lstStyle>
-          <a:p>
-            <a:r>
-              <a:rPr lang="en-IN" dirty="0"/>
-              <a:t>Unsupervised model:</a:t>
-            </a:r>
-          </a:p>
-          <a:p>
-            <a:r>
-              <a:rPr lang="en-IN" dirty="0"/>
-              <a:t>Expectation Maximization analysis</a:t>
-            </a:r>
-          </a:p>
-        </p:txBody>
-      </p:sp>
-      <p:graphicFrame>
-        <p:nvGraphicFramePr>
-          <p:cNvPr id="10" name="Content Placeholder 9">
-            <a:extLst>
-              <a:ext uri="{FF2B5EF4-FFF2-40B4-BE49-F238E27FC236}">
-                <a16:creationId xmlns:a16="http://schemas.microsoft.com/office/drawing/2014/main" xmlns="" id="{5D6A86AE-D427-4173-88E8-FCA663A174C3}"/>
-              </a:ext>
-            </a:extLst>
-          </p:cNvPr>
-          <p:cNvGraphicFramePr>
-            <a:graphicFrameLocks noGrp="1"/>
-          </p:cNvGraphicFramePr>
-          <p:nvPr>
-            <p:ph sz="half" idx="1"/>
-            <p:extLst>
-              <p:ext uri="{D42A27DB-BD31-4B8C-83A1-F6EECF244321}">
-                <p14:modId xmlns:p14="http://schemas.microsoft.com/office/powerpoint/2010/main" val="4076536763"/>
-              </p:ext>
-            </p:extLst>
-          </p:nvPr>
-        </p:nvGraphicFramePr>
-        <p:xfrm>
-          <a:off x="1141413" y="2249488"/>
-          <a:ext cx="4878387" cy="3541712"/>
-        </p:xfrm>
-        <a:graphic>
-          <a:graphicData uri="http://schemas.openxmlformats.org/drawingml/2006/table">
-            <a:tbl>
-              <a:tblPr firstRow="1" bandRow="1">
-                <a:tableStyleId>{5C22544A-7EE6-4342-B048-85BDC9FD1C3A}</a:tableStyleId>
-              </a:tblPr>
-              <a:tblGrid>
-                <a:gridCol w="1626129">
-                  <a:extLst>
-                    <a:ext uri="{9D8B030D-6E8A-4147-A177-3AD203B41FA5}">
-                      <a16:colId xmlns:a16="http://schemas.microsoft.com/office/drawing/2014/main" xmlns="" val="3783705459"/>
-                    </a:ext>
-                  </a:extLst>
-                </a:gridCol>
-                <a:gridCol w="1626129">
-                  <a:extLst>
-                    <a:ext uri="{9D8B030D-6E8A-4147-A177-3AD203B41FA5}">
-                      <a16:colId xmlns:a16="http://schemas.microsoft.com/office/drawing/2014/main" xmlns="" val="842042690"/>
-                    </a:ext>
-                  </a:extLst>
-                </a:gridCol>
-                <a:gridCol w="1626129">
-                  <a:extLst>
-                    <a:ext uri="{9D8B030D-6E8A-4147-A177-3AD203B41FA5}">
-                      <a16:colId xmlns:a16="http://schemas.microsoft.com/office/drawing/2014/main" xmlns="" val="517438777"/>
-                    </a:ext>
-                  </a:extLst>
-                </a:gridCol>
-              </a:tblGrid>
-              <a:tr h="442714">
-                <a:tc>
-                  <a:txBody>
-                    <a:bodyPr/>
-                    <a:lstStyle/>
-                    <a:p>
-                      <a:r>
-                        <a:rPr lang="en-US" dirty="0"/>
-                        <a:t>Class Labels</a:t>
-                      </a:r>
-                    </a:p>
-                  </a:txBody>
-                  <a:tcPr/>
-                </a:tc>
-                <a:tc>
-                  <a:txBody>
-                    <a:bodyPr/>
-                    <a:lstStyle/>
-                    <a:p>
-                      <a:r>
-                        <a:rPr lang="en-US" dirty="0"/>
-                        <a:t>GT Count</a:t>
-                      </a:r>
-                    </a:p>
-                  </a:txBody>
-                  <a:tcPr/>
-                </a:tc>
-                <a:tc>
-                  <a:txBody>
-                    <a:bodyPr/>
-                    <a:lstStyle/>
-                    <a:p>
-                      <a:r>
-                        <a:rPr lang="en-US" dirty="0"/>
-                        <a:t>EM Count</a:t>
-                      </a:r>
-                    </a:p>
-                  </a:txBody>
-                  <a:tcPr/>
-                </a:tc>
-                <a:extLst>
-                  <a:ext uri="{0D108BD9-81ED-4DB2-BD59-A6C34878D82A}">
-                    <a16:rowId xmlns:a16="http://schemas.microsoft.com/office/drawing/2014/main" xmlns="" val="2449312198"/>
-                  </a:ext>
-                </a:extLst>
-              </a:tr>
-              <a:tr h="442714">
-                <a:tc>
-                  <a:txBody>
-                    <a:bodyPr/>
-                    <a:lstStyle/>
-                    <a:p>
-                      <a:r>
-                        <a:rPr lang="en-US" dirty="0"/>
-                        <a:t>0 = Angry</a:t>
-                      </a:r>
-                    </a:p>
-                  </a:txBody>
-                  <a:tcPr/>
-                </a:tc>
-                <a:tc>
-                  <a:txBody>
-                    <a:bodyPr/>
-                    <a:lstStyle/>
-                    <a:p>
-                      <a:r>
-                        <a:rPr lang="en-US" dirty="0"/>
-                        <a:t>3995</a:t>
-                      </a:r>
-                    </a:p>
-                  </a:txBody>
-                  <a:tcPr/>
-                </a:tc>
-                <a:tc>
-                  <a:txBody>
-                    <a:bodyPr/>
-                    <a:lstStyle/>
-                    <a:p>
-                      <a:r>
-                        <a:rPr lang="en-US" dirty="0">
-                          <a:highlight>
-                            <a:srgbClr val="FFFF00"/>
-                          </a:highlight>
-                        </a:rPr>
-                        <a:t>3608</a:t>
-                      </a:r>
-                    </a:p>
-                  </a:txBody>
-                  <a:tcPr/>
-                </a:tc>
-                <a:extLst>
-                  <a:ext uri="{0D108BD9-81ED-4DB2-BD59-A6C34878D82A}">
-                    <a16:rowId xmlns:a16="http://schemas.microsoft.com/office/drawing/2014/main" xmlns="" val="3917471711"/>
-                  </a:ext>
-                </a:extLst>
-              </a:tr>
-              <a:tr h="442714">
-                <a:tc>
-                  <a:txBody>
-                    <a:bodyPr/>
-                    <a:lstStyle/>
-                    <a:p>
-                      <a:r>
-                        <a:rPr lang="en-US" dirty="0"/>
-                        <a:t>1 = Disgust</a:t>
-                      </a:r>
-                    </a:p>
-                  </a:txBody>
-                  <a:tcPr/>
-                </a:tc>
-                <a:tc>
-                  <a:txBody>
-                    <a:bodyPr/>
-                    <a:lstStyle/>
-                    <a:p>
-                      <a:r>
-                        <a:rPr lang="en-US" dirty="0"/>
-                        <a:t>436</a:t>
-                      </a:r>
-                    </a:p>
-                  </a:txBody>
-                  <a:tcPr/>
-                </a:tc>
-                <a:tc>
-                  <a:txBody>
-                    <a:bodyPr/>
-                    <a:lstStyle/>
-                    <a:p>
-                      <a:r>
-                        <a:rPr lang="en-US" dirty="0">
-                          <a:highlight>
-                            <a:srgbClr val="FFFF00"/>
-                          </a:highlight>
-                        </a:rPr>
-                        <a:t>3912</a:t>
-                      </a:r>
-                    </a:p>
-                  </a:txBody>
-                  <a:tcPr/>
-                </a:tc>
-                <a:extLst>
-                  <a:ext uri="{0D108BD9-81ED-4DB2-BD59-A6C34878D82A}">
-                    <a16:rowId xmlns:a16="http://schemas.microsoft.com/office/drawing/2014/main" xmlns="" val="2138382457"/>
-                  </a:ext>
-                </a:extLst>
-              </a:tr>
-              <a:tr h="442714">
-                <a:tc>
-                  <a:txBody>
-                    <a:bodyPr/>
-                    <a:lstStyle/>
-                    <a:p>
-                      <a:r>
-                        <a:rPr lang="en-US" dirty="0"/>
-                        <a:t>2 = Fear</a:t>
-                      </a:r>
-                    </a:p>
-                  </a:txBody>
-                  <a:tcPr/>
-                </a:tc>
-                <a:tc>
-                  <a:txBody>
-                    <a:bodyPr/>
-                    <a:lstStyle/>
-                    <a:p>
-                      <a:r>
-                        <a:rPr lang="en-US" dirty="0"/>
-                        <a:t>4097</a:t>
-                      </a:r>
-                    </a:p>
-                  </a:txBody>
-                  <a:tcPr/>
-                </a:tc>
-                <a:tc>
-                  <a:txBody>
-                    <a:bodyPr/>
-                    <a:lstStyle/>
-                    <a:p>
-                      <a:r>
-                        <a:rPr lang="en-US" dirty="0">
-                          <a:highlight>
-                            <a:srgbClr val="FFFF00"/>
-                          </a:highlight>
-                        </a:rPr>
-                        <a:t>4511</a:t>
-                      </a:r>
-                    </a:p>
-                  </a:txBody>
-                  <a:tcPr/>
-                </a:tc>
-                <a:extLst>
-                  <a:ext uri="{0D108BD9-81ED-4DB2-BD59-A6C34878D82A}">
-                    <a16:rowId xmlns:a16="http://schemas.microsoft.com/office/drawing/2014/main" xmlns="" val="828003314"/>
-                  </a:ext>
-                </a:extLst>
-              </a:tr>
-              <a:tr h="442714">
-                <a:tc>
-                  <a:txBody>
-                    <a:bodyPr/>
-                    <a:lstStyle/>
-                    <a:p>
-                      <a:r>
-                        <a:rPr lang="en-US" dirty="0"/>
-                        <a:t>3 = Happy</a:t>
-                      </a:r>
-                    </a:p>
-                  </a:txBody>
-                  <a:tcPr/>
-                </a:tc>
-                <a:tc>
-                  <a:txBody>
-                    <a:bodyPr/>
-                    <a:lstStyle/>
-                    <a:p>
-                      <a:r>
-                        <a:rPr lang="en-US" dirty="0"/>
-                        <a:t>7215</a:t>
-                      </a:r>
-                    </a:p>
-                  </a:txBody>
-                  <a:tcPr/>
-                </a:tc>
-                <a:tc>
-                  <a:txBody>
-                    <a:bodyPr/>
-                    <a:lstStyle/>
-                    <a:p>
-                      <a:r>
-                        <a:rPr lang="en-US" dirty="0">
-                          <a:highlight>
-                            <a:srgbClr val="FFFF00"/>
-                          </a:highlight>
-                        </a:rPr>
-                        <a:t>4002</a:t>
-                      </a:r>
-                    </a:p>
-                  </a:txBody>
-                  <a:tcPr/>
-                </a:tc>
-                <a:extLst>
-                  <a:ext uri="{0D108BD9-81ED-4DB2-BD59-A6C34878D82A}">
-                    <a16:rowId xmlns:a16="http://schemas.microsoft.com/office/drawing/2014/main" xmlns="" val="1909103786"/>
-                  </a:ext>
-                </a:extLst>
-              </a:tr>
-              <a:tr h="442714">
-                <a:tc>
-                  <a:txBody>
-                    <a:bodyPr/>
-                    <a:lstStyle/>
-                    <a:p>
-                      <a:r>
-                        <a:rPr lang="en-US" dirty="0"/>
-                        <a:t>4 = Sad</a:t>
-                      </a:r>
-                    </a:p>
-                  </a:txBody>
-                  <a:tcPr/>
-                </a:tc>
-                <a:tc>
-                  <a:txBody>
-                    <a:bodyPr/>
-                    <a:lstStyle/>
-                    <a:p>
-                      <a:r>
-                        <a:rPr lang="en-US" dirty="0"/>
-                        <a:t>4830</a:t>
-                      </a:r>
-                    </a:p>
-                  </a:txBody>
-                  <a:tcPr/>
-                </a:tc>
-                <a:tc>
-                  <a:txBody>
-                    <a:bodyPr/>
-                    <a:lstStyle/>
-                    <a:p>
-                      <a:r>
-                        <a:rPr lang="en-US" dirty="0">
-                          <a:highlight>
-                            <a:srgbClr val="FFFF00"/>
-                          </a:highlight>
-                        </a:rPr>
-                        <a:t>4112</a:t>
-                      </a:r>
-                    </a:p>
-                  </a:txBody>
-                  <a:tcPr/>
-                </a:tc>
-                <a:extLst>
-                  <a:ext uri="{0D108BD9-81ED-4DB2-BD59-A6C34878D82A}">
-                    <a16:rowId xmlns:a16="http://schemas.microsoft.com/office/drawing/2014/main" xmlns="" val="1026246193"/>
-                  </a:ext>
-                </a:extLst>
-              </a:tr>
-              <a:tr h="442714">
-                <a:tc>
-                  <a:txBody>
-                    <a:bodyPr/>
-                    <a:lstStyle/>
-                    <a:p>
-                      <a:r>
-                        <a:rPr lang="en-US" dirty="0"/>
-                        <a:t>5 = Surprise</a:t>
-                      </a:r>
-                    </a:p>
-                  </a:txBody>
-                  <a:tcPr/>
-                </a:tc>
-                <a:tc>
-                  <a:txBody>
-                    <a:bodyPr/>
-                    <a:lstStyle/>
-                    <a:p>
-                      <a:r>
-                        <a:rPr lang="en-US" dirty="0"/>
-                        <a:t>3171</a:t>
-                      </a:r>
-                    </a:p>
-                  </a:txBody>
-                  <a:tcPr/>
-                </a:tc>
-                <a:tc>
-                  <a:txBody>
-                    <a:bodyPr/>
-                    <a:lstStyle/>
-                    <a:p>
-                      <a:r>
-                        <a:rPr lang="en-US" dirty="0">
-                          <a:highlight>
-                            <a:srgbClr val="FFFF00"/>
-                          </a:highlight>
-                        </a:rPr>
-                        <a:t>4159</a:t>
-                      </a:r>
-                    </a:p>
-                  </a:txBody>
-                  <a:tcPr/>
-                </a:tc>
-                <a:extLst>
-                  <a:ext uri="{0D108BD9-81ED-4DB2-BD59-A6C34878D82A}">
-                    <a16:rowId xmlns:a16="http://schemas.microsoft.com/office/drawing/2014/main" xmlns="" val="3862785627"/>
-                  </a:ext>
-                </a:extLst>
-              </a:tr>
-              <a:tr h="442714">
-                <a:tc>
-                  <a:txBody>
-                    <a:bodyPr/>
-                    <a:lstStyle/>
-                    <a:p>
-                      <a:r>
-                        <a:rPr lang="en-US" dirty="0"/>
-                        <a:t>6 = Neutral</a:t>
-                      </a:r>
-                    </a:p>
-                  </a:txBody>
-                  <a:tcPr/>
-                </a:tc>
-                <a:tc>
-                  <a:txBody>
-                    <a:bodyPr/>
-                    <a:lstStyle/>
-                    <a:p>
-                      <a:r>
-                        <a:rPr lang="en-US" dirty="0"/>
-                        <a:t>4965</a:t>
-                      </a:r>
-                    </a:p>
-                  </a:txBody>
-                  <a:tcPr/>
-                </a:tc>
-                <a:tc>
-                  <a:txBody>
-                    <a:bodyPr/>
-                    <a:lstStyle/>
-                    <a:p>
-                      <a:r>
-                        <a:rPr lang="en-US" dirty="0">
-                          <a:highlight>
-                            <a:srgbClr val="FFFF00"/>
-                          </a:highlight>
-                        </a:rPr>
-                        <a:t>4405</a:t>
-                      </a:r>
-                    </a:p>
-                  </a:txBody>
-                  <a:tcPr/>
-                </a:tc>
-                <a:extLst>
-                  <a:ext uri="{0D108BD9-81ED-4DB2-BD59-A6C34878D82A}">
-                    <a16:rowId xmlns:a16="http://schemas.microsoft.com/office/drawing/2014/main" xmlns="" val="424314168"/>
-                  </a:ext>
-                </a:extLst>
-              </a:tr>
-            </a:tbl>
-          </a:graphicData>
-        </a:graphic>
-      </p:graphicFrame>
-      <p:sp>
-        <p:nvSpPr>
-          <p:cNvPr id="7" name="TextBox 6">
-            <a:extLst>
-              <a:ext uri="{FF2B5EF4-FFF2-40B4-BE49-F238E27FC236}">
-                <a16:creationId xmlns:a16="http://schemas.microsoft.com/office/drawing/2014/main" xmlns="" id="{0C3376BF-7719-4F41-AA1C-F7296E85CF16}"/>
-              </a:ext>
-            </a:extLst>
-          </p:cNvPr>
-          <p:cNvSpPr txBox="1"/>
-          <p:nvPr/>
-        </p:nvSpPr>
-        <p:spPr>
-          <a:xfrm>
-            <a:off x="5459896" y="6215270"/>
-            <a:ext cx="1842052" cy="369332"/>
-          </a:xfrm>
-          <a:prstGeom prst="rect">
-            <a:avLst/>
-          </a:prstGeom>
-          <a:noFill/>
-        </p:spPr>
-        <p:txBody>
-          <a:bodyPr wrap="square" rtlCol="0">
-            <a:spAutoFit/>
-          </a:bodyPr>
-          <a:lstStyle/>
-          <a:p>
-            <a:r>
-              <a:rPr lang="en-US" dirty="0">
-                <a:highlight>
-                  <a:srgbClr val="FFFF00"/>
-                </a:highlight>
-              </a:rPr>
-              <a:t>To Be Updated</a:t>
-            </a:r>
-          </a:p>
-        </p:txBody>
-      </p:sp>
-    </p:spTree>
-    <p:extLst>
-      <p:ext uri="{BB962C8B-B14F-4D97-AF65-F5344CB8AC3E}">
-        <p14:creationId xmlns:p14="http://schemas.microsoft.com/office/powerpoint/2010/main" val="4201967867"/>
-      </p:ext>
-    </p:extLst>
-  </p:cSld>
-  <p:clrMapOvr>
-    <a:masterClrMapping/>
-  </p:clrMapOvr>
-  <p:timing>
-    <p:tnLst>
-      <p:par>
-        <p:cTn id="1" dur="indefinite" restart="never" nodeType="tmRoot"/>
-      </p:par>
-    </p:tnLst>
-  </p:timing>
-</p:sld>
-</file>
-
-<file path=ppt/slides/slide5.xml><?xml version="1.0" encoding="utf-8"?>
-<p:sld xmlns:a="http://schemas.openxmlformats.org/drawingml/2006/main" xmlns:r="http://schemas.openxmlformats.org/officeDocument/2006/relationships" xmlns:p="http://schemas.openxmlformats.org/presentationml/2006/main">
-  <p:cSld>
-    <p:spTree>
-      <p:nvGrpSpPr>
-        <p:cNvPr id="1" name=""/>
-        <p:cNvGrpSpPr/>
-        <p:nvPr/>
-      </p:nvGrpSpPr>
-      <p:grpSpPr>
-        <a:xfrm>
-          <a:off x="0" y="0"/>
-          <a:ext cx="0" cy="0"/>
-          <a:chOff x="0" y="0"/>
-          <a:chExt cx="0" cy="0"/>
-        </a:xfrm>
-      </p:grpSpPr>
-      <p:sp>
-        <p:nvSpPr>
-          <p:cNvPr id="2" name="Title 1">
-            <a:extLst>
-              <a:ext uri="{FF2B5EF4-FFF2-40B4-BE49-F238E27FC236}">
-                <a16:creationId xmlns:a16="http://schemas.microsoft.com/office/drawing/2014/main" xmlns="" id="{3BB733D1-7FBB-48C7-A6BD-F5EB626F366D}"/>
-              </a:ext>
-            </a:extLst>
-          </p:cNvPr>
-          <p:cNvSpPr>
-            <a:spLocks noGrp="1"/>
-          </p:cNvSpPr>
-          <p:nvPr>
-            <p:ph type="title"/>
-          </p:nvPr>
-        </p:nvSpPr>
-        <p:spPr>
-          <a:xfrm>
-            <a:off x="1143001" y="0"/>
-            <a:ext cx="4489173" cy="1066800"/>
-          </a:xfrm>
-        </p:spPr>
-        <p:txBody>
-          <a:bodyPr>
-            <a:normAutofit fontScale="90000"/>
-          </a:bodyPr>
-          <a:lstStyle/>
-          <a:p>
-            <a:r>
-              <a:rPr lang="en-IN" dirty="0"/>
-              <a:t>Cluster Purity:</a:t>
-            </a:r>
-            <a:br>
-              <a:rPr lang="en-IN" dirty="0"/>
-            </a:br>
-            <a:r>
-              <a:rPr lang="en-IN" dirty="0"/>
-              <a:t>soft or hard clusters</a:t>
-            </a:r>
-          </a:p>
-        </p:txBody>
-      </p:sp>
-      <p:sp>
-        <p:nvSpPr>
-          <p:cNvPr id="3" name="Content Placeholder 2">
-            <a:extLst>
-              <a:ext uri="{FF2B5EF4-FFF2-40B4-BE49-F238E27FC236}">
-                <a16:creationId xmlns:a16="http://schemas.microsoft.com/office/drawing/2014/main" xmlns="" id="{F02F2CBD-4339-4157-BB42-3B1DDAC0E7B1}"/>
-              </a:ext>
-            </a:extLst>
-          </p:cNvPr>
-          <p:cNvSpPr>
-            <a:spLocks noGrp="1"/>
-          </p:cNvSpPr>
-          <p:nvPr>
-            <p:ph sz="half" idx="1"/>
-          </p:nvPr>
-        </p:nvSpPr>
-        <p:spPr>
-          <a:xfrm>
-            <a:off x="758688" y="1495217"/>
-            <a:ext cx="4873485" cy="2791861"/>
-          </a:xfrm>
-        </p:spPr>
-        <p:txBody>
-          <a:bodyPr>
-            <a:normAutofit fontScale="92500" lnSpcReduction="20000"/>
-          </a:bodyPr>
-          <a:lstStyle/>
-          <a:p>
-            <a:pPr marL="0" indent="0">
-              <a:buNone/>
-            </a:pPr>
-            <a:r>
-              <a:rPr lang="en-US" dirty="0"/>
-              <a:t>Purity is a measure of the extent to which clusters contain a single class. Its calculation can be thought of as follows: For each cluster, count the number of data points from the most common class in said cluster. Now take the sum over all clusters and divide by the total number of data points</a:t>
-            </a:r>
-            <a:endParaRPr lang="en-IN" dirty="0"/>
-          </a:p>
-        </p:txBody>
-      </p:sp>
-      <p:pic>
-        <p:nvPicPr>
-          <p:cNvPr id="27" name="Content Placeholder 26">
-            <a:extLst>
-              <a:ext uri="{FF2B5EF4-FFF2-40B4-BE49-F238E27FC236}">
-                <a16:creationId xmlns:a16="http://schemas.microsoft.com/office/drawing/2014/main" xmlns="" id="{A88BA9CF-19EF-4963-88AD-58682BBABEAB}"/>
-              </a:ext>
-            </a:extLst>
-          </p:cNvPr>
-          <p:cNvPicPr>
-            <a:picLocks noGrp="1" noChangeAspect="1"/>
-          </p:cNvPicPr>
-          <p:nvPr>
-            <p:ph sz="half" idx="2"/>
-          </p:nvPr>
-        </p:nvPicPr>
-        <p:blipFill>
-          <a:blip r:embed="rId2"/>
-          <a:stretch>
-            <a:fillRect/>
-          </a:stretch>
-        </p:blipFill>
-        <p:spPr>
-          <a:xfrm>
-            <a:off x="758688" y="4715496"/>
-            <a:ext cx="4539458" cy="1433513"/>
-          </a:xfrm>
-          <a:prstGeom prst="rect">
-            <a:avLst/>
-          </a:prstGeom>
-        </p:spPr>
-      </p:pic>
-      <p:pic>
-        <p:nvPicPr>
-          <p:cNvPr id="5" name="Picture 2">
-            <a:extLst>
-              <a:ext uri="{FF2B5EF4-FFF2-40B4-BE49-F238E27FC236}">
-                <a16:creationId xmlns:a16="http://schemas.microsoft.com/office/drawing/2014/main" xmlns="" id="{0BAD14BD-27E8-41D6-9B1A-0403F310BCD2}"/>
-              </a:ext>
-            </a:extLst>
-          </p:cNvPr>
-          <p:cNvPicPr>
-            <a:picLocks noChangeAspect="1" noChangeArrowheads="1"/>
-          </p:cNvPicPr>
-          <p:nvPr/>
-        </p:nvPicPr>
-        <p:blipFill>
-          <a:blip r:embed="rId3">
-            <a:extLst>
-              <a:ext uri="{28A0092B-C50C-407E-A947-70E740481C1C}">
-                <a14:useLocalDpi xmlns:a14="http://schemas.microsoft.com/office/drawing/2010/main" val="0"/>
-              </a:ext>
-            </a:extLst>
-          </a:blip>
-          <a:srcRect/>
-          <a:stretch>
-            <a:fillRect/>
-          </a:stretch>
-        </p:blipFill>
-        <p:spPr bwMode="auto">
-          <a:xfrm>
-            <a:off x="5632174" y="1340533"/>
-            <a:ext cx="6342419" cy="4808476"/>
-          </a:xfrm>
-          <a:prstGeom prst="rect">
-            <a:avLst/>
-          </a:prstGeom>
-          <a:noFill/>
-          <a:extLst>
-            <a:ext uri="{909E8E84-426E-40DD-AFC4-6F175D3DCCD1}">
-              <a14:hiddenFill xmlns:a14="http://schemas.microsoft.com/office/drawing/2010/main">
-                <a:solidFill>
-                  <a:srgbClr val="FFFFFF"/>
-                </a:solidFill>
-              </a14:hiddenFill>
-            </a:ext>
-          </a:extLst>
-        </p:spPr>
-      </p:pic>
-      <p:sp>
-        <p:nvSpPr>
-          <p:cNvPr id="7" name="Title 1">
-            <a:extLst>
-              <a:ext uri="{FF2B5EF4-FFF2-40B4-BE49-F238E27FC236}">
-                <a16:creationId xmlns:a16="http://schemas.microsoft.com/office/drawing/2014/main" xmlns="" id="{075EAB31-FB4F-49F3-A379-A3422927C8A3}"/>
-              </a:ext>
-            </a:extLst>
-          </p:cNvPr>
-          <p:cNvSpPr txBox="1">
-            <a:spLocks/>
-          </p:cNvSpPr>
-          <p:nvPr/>
-        </p:nvSpPr>
-        <p:spPr>
-          <a:xfrm>
-            <a:off x="6790710" y="61112"/>
-            <a:ext cx="4489173" cy="1066800"/>
-          </a:xfrm>
-          <a:prstGeom prst="rect">
-            <a:avLst/>
-          </a:prstGeom>
-        </p:spPr>
-        <p:txBody>
-          <a:bodyPr vert="horz" lIns="91440" tIns="45720" rIns="91440" bIns="45720" rtlCol="0" anchor="ctr">
-            <a:normAutofit fontScale="97500"/>
-          </a:bodyPr>
-          <a:lstStyle>
-            <a:lvl1pPr algn="l" defTabSz="914400" rtl="0" eaLnBrk="1" latinLnBrk="0" hangingPunct="1">
-              <a:lnSpc>
-                <a:spcPct val="90000"/>
-              </a:lnSpc>
-              <a:spcBef>
-                <a:spcPct val="0"/>
-              </a:spcBef>
-              <a:buNone/>
-              <a:defRPr sz="3600" kern="1200" cap="all" baseline="0">
-                <a:solidFill>
-                  <a:schemeClr val="tx1"/>
-                </a:solidFill>
-                <a:latin typeface="+mj-lt"/>
-                <a:ea typeface="+mj-ea"/>
-                <a:cs typeface="+mj-cs"/>
-              </a:defRPr>
-            </a:lvl1pPr>
-          </a:lstStyle>
-          <a:p>
-            <a:r>
-              <a:rPr lang="en-IN" dirty="0"/>
-              <a:t>K-means</a:t>
-            </a:r>
-          </a:p>
-        </p:txBody>
-      </p:sp>
-    </p:spTree>
-    <p:extLst>
-      <p:ext uri="{BB962C8B-B14F-4D97-AF65-F5344CB8AC3E}">
-        <p14:creationId xmlns:p14="http://schemas.microsoft.com/office/powerpoint/2010/main" val="2575316852"/>
-      </p:ext>
-    </p:extLst>
-  </p:cSld>
-  <p:clrMapOvr>
-    <a:masterClrMapping/>
-  </p:clrMapOvr>
-  <p:timing>
-    <p:tnLst>
-      <p:par>
-        <p:cTn id="1" dur="indefinite" restart="never" nodeType="tmRoot"/>
-      </p:par>
-    </p:tnLst>
-  </p:timing>
-</p:sld>
-</file>
-
-<file path=ppt/slides/slide6.xml><?xml version="1.0" encoding="utf-8"?>
-<p:sld xmlns:a="http://schemas.openxmlformats.org/drawingml/2006/main" xmlns:r="http://schemas.openxmlformats.org/officeDocument/2006/relationships" xmlns:p="http://schemas.openxmlformats.org/presentationml/2006/main">
-  <p:cSld>
-    <p:spTree>
-      <p:nvGrpSpPr>
-        <p:cNvPr id="1" name=""/>
-        <p:cNvGrpSpPr/>
-        <p:nvPr/>
-      </p:nvGrpSpPr>
-      <p:grpSpPr>
-        <a:xfrm>
-          <a:off x="0" y="0"/>
-          <a:ext cx="0" cy="0"/>
-          <a:chOff x="0" y="0"/>
-          <a:chExt cx="0" cy="0"/>
-        </a:xfrm>
-      </p:grpSpPr>
-      <p:sp>
-        <p:nvSpPr>
-          <p:cNvPr id="2" name="Title 1"/>
-          <p:cNvSpPr>
-            <a:spLocks noGrp="1"/>
-          </p:cNvSpPr>
-          <p:nvPr>
-            <p:ph type="title"/>
-          </p:nvPr>
-        </p:nvSpPr>
-        <p:spPr>
-          <a:xfrm>
-            <a:off x="1143001" y="0"/>
-            <a:ext cx="9905998" cy="768626"/>
-          </a:xfrm>
-        </p:spPr>
-        <p:txBody>
-          <a:bodyPr/>
-          <a:lstStyle/>
-          <a:p>
-            <a:r>
-              <a:rPr lang="en-IN" dirty="0"/>
-              <a:t>Logical regression</a:t>
-            </a:r>
-          </a:p>
-        </p:txBody>
-      </p:sp>
-      <p:sp>
-        <p:nvSpPr>
-          <p:cNvPr id="4" name="Content Placeholder 3"/>
-          <p:cNvSpPr>
-            <a:spLocks noGrp="1"/>
-          </p:cNvSpPr>
-          <p:nvPr>
-            <p:ph sz="half" idx="2"/>
-          </p:nvPr>
-        </p:nvSpPr>
-        <p:spPr>
-          <a:xfrm>
-            <a:off x="1217612" y="3697356"/>
-            <a:ext cx="9829800" cy="2093843"/>
-          </a:xfrm>
-        </p:spPr>
-        <p:txBody>
-          <a:bodyPr/>
-          <a:lstStyle/>
-          <a:p>
-            <a:r>
-              <a:rPr lang="en-US" dirty="0">
-                <a:highlight>
-                  <a:srgbClr val="FFFF00"/>
-                </a:highlight>
-              </a:rPr>
-              <a:t>ADD incorrectly predicted IMAGES for each of the 7 expressions</a:t>
-            </a:r>
-          </a:p>
-          <a:p>
-            <a:pPr marL="0" indent="0">
-              <a:buNone/>
-            </a:pPr>
-            <a:endParaRPr lang="en-IN" dirty="0"/>
-          </a:p>
-        </p:txBody>
-      </p:sp>
-      <p:sp>
-        <p:nvSpPr>
-          <p:cNvPr id="5" name="Content Placeholder 4">
-            <a:extLst>
-              <a:ext uri="{FF2B5EF4-FFF2-40B4-BE49-F238E27FC236}">
-                <a16:creationId xmlns:a16="http://schemas.microsoft.com/office/drawing/2014/main" xmlns="" id="{CEA01515-E5CF-4375-887A-C99FA93FB9F3}"/>
-              </a:ext>
-            </a:extLst>
-          </p:cNvPr>
-          <p:cNvSpPr>
-            <a:spLocks noGrp="1"/>
-          </p:cNvSpPr>
-          <p:nvPr>
-            <p:ph sz="half" idx="1"/>
-          </p:nvPr>
-        </p:nvSpPr>
-        <p:spPr>
-          <a:xfrm>
-            <a:off x="1217611" y="778495"/>
-            <a:ext cx="9370876" cy="878027"/>
-          </a:xfrm>
-        </p:spPr>
-        <p:txBody>
-          <a:bodyPr/>
-          <a:lstStyle/>
-          <a:p>
-            <a:r>
-              <a:rPr lang="en-US" dirty="0">
-                <a:highlight>
-                  <a:srgbClr val="FFFF00"/>
-                </a:highlight>
-              </a:rPr>
-              <a:t>ADD correctly predicted IMAGES for each of the 7 expressions</a:t>
-            </a:r>
-          </a:p>
-        </p:txBody>
-      </p:sp>
-    </p:spTree>
-    <p:extLst>
-      <p:ext uri="{BB962C8B-B14F-4D97-AF65-F5344CB8AC3E}">
-        <p14:creationId xmlns:p14="http://schemas.microsoft.com/office/powerpoint/2010/main" val="3192785003"/>
-      </p:ext>
-    </p:extLst>
-  </p:cSld>
-  <p:clrMapOvr>
-    <a:masterClrMapping/>
-  </p:clrMapOvr>
-  <p:timing>
-    <p:tnLst>
-      <p:par>
-        <p:cTn id="1" dur="indefinite" restart="never" nodeType="tmRoot"/>
-      </p:par>
-    </p:tnLst>
-  </p:timing>
-</p:sld>
-</file>
-
-<file path=ppt/slides/slide7.xml><?xml version="1.0" encoding="utf-8"?>
-<p:sld xmlns:a="http://schemas.openxmlformats.org/drawingml/2006/main" xmlns:r="http://schemas.openxmlformats.org/officeDocument/2006/relationships" xmlns:p="http://schemas.openxmlformats.org/presentationml/2006/main">
-  <p:cSld>
-    <p:bg>
-      <p:bgRef idx="1001">
-        <a:schemeClr val="bg1"/>
-      </p:bgRef>
-    </p:bg>
-    <p:spTree>
-      <p:nvGrpSpPr>
-        <p:cNvPr id="1" name=""/>
-        <p:cNvGrpSpPr/>
-        <p:nvPr/>
-      </p:nvGrpSpPr>
-      <p:grpSpPr>
-        <a:xfrm>
-          <a:off x="0" y="0"/>
-          <a:ext cx="0" cy="0"/>
-          <a:chOff x="0" y="0"/>
-          <a:chExt cx="0" cy="0"/>
-        </a:xfrm>
-      </p:grpSpPr>
-      <p:sp>
-        <p:nvSpPr>
-          <p:cNvPr id="2" name="Title 1">
-            <a:extLst>
-              <a:ext uri="{FF2B5EF4-FFF2-40B4-BE49-F238E27FC236}">
-                <a16:creationId xmlns:a16="http://schemas.microsoft.com/office/drawing/2014/main" xmlns="" id="{DACA88CE-21C6-4B0E-A7F8-45202789E753}"/>
-              </a:ext>
-            </a:extLst>
-          </p:cNvPr>
-          <p:cNvSpPr>
-            <a:spLocks noGrp="1"/>
-          </p:cNvSpPr>
-          <p:nvPr>
-            <p:ph type="title"/>
-          </p:nvPr>
-        </p:nvSpPr>
-        <p:spPr>
-          <a:xfrm>
-            <a:off x="8036041" y="618518"/>
-            <a:ext cx="3281003" cy="1478570"/>
-          </a:xfrm>
-        </p:spPr>
-        <p:txBody>
-          <a:bodyPr vert="horz" lIns="91440" tIns="45720" rIns="91440" bIns="45720" rtlCol="0" anchor="b">
-            <a:normAutofit/>
-          </a:bodyPr>
-          <a:lstStyle/>
-          <a:p>
-            <a:r>
-              <a:rPr lang="en-US" sz="2800" dirty="0"/>
-              <a:t>Outcome summary</a:t>
-            </a:r>
-          </a:p>
-        </p:txBody>
-      </p:sp>
-      <p:sp>
-        <p:nvSpPr>
-          <p:cNvPr id="11" name="Content Placeholder 10">
-            <a:extLst>
-              <a:ext uri="{FF2B5EF4-FFF2-40B4-BE49-F238E27FC236}">
-                <a16:creationId xmlns:a16="http://schemas.microsoft.com/office/drawing/2014/main" xmlns="" id="{C9D5AF68-48D5-4964-B0F7-EDAD0AF4E91B}"/>
-              </a:ext>
-            </a:extLst>
-          </p:cNvPr>
-          <p:cNvSpPr>
-            <a:spLocks noGrp="1"/>
-          </p:cNvSpPr>
-          <p:nvPr>
-            <p:ph sz="half" idx="1"/>
-          </p:nvPr>
-        </p:nvSpPr>
-        <p:spPr>
-          <a:xfrm>
-            <a:off x="8036041" y="2249487"/>
-            <a:ext cx="3281004" cy="3541714"/>
-          </a:xfrm>
-        </p:spPr>
-        <p:txBody>
-          <a:bodyPr vert="horz" lIns="91440" tIns="45720" rIns="91440" bIns="45720" rtlCol="0">
-            <a:normAutofit/>
-          </a:bodyPr>
-          <a:lstStyle/>
-          <a:p>
-            <a:r>
-              <a:rPr lang="en-US" sz="1800" dirty="0"/>
-              <a:t>Used 19 PC’s on Training set explaining 75% of the variability</a:t>
-            </a:r>
-          </a:p>
-          <a:p>
-            <a:r>
-              <a:rPr lang="en-US" sz="1800" dirty="0"/>
-              <a:t>Exact same results as the data with all the 2304 features.</a:t>
-            </a:r>
-          </a:p>
-          <a:p>
-            <a:r>
-              <a:rPr lang="en-US" sz="1800" dirty="0"/>
-              <a:t>Training Set Accuracy: 31.4%</a:t>
-            </a:r>
-          </a:p>
-          <a:p>
-            <a:r>
-              <a:rPr lang="en-US" sz="1800" dirty="0"/>
-              <a:t>Test Set Accuracy: </a:t>
-            </a:r>
-            <a:r>
-              <a:rPr lang="en-US" sz="1800" dirty="0">
-                <a:highlight>
-                  <a:srgbClr val="FFFF00"/>
-                </a:highlight>
-              </a:rPr>
-              <a:t>31.23%</a:t>
-            </a:r>
-          </a:p>
-        </p:txBody>
-      </p:sp>
-      <p:pic>
-        <p:nvPicPr>
-          <p:cNvPr id="9" name="Content Placeholder 5">
-            <a:extLst>
-              <a:ext uri="{FF2B5EF4-FFF2-40B4-BE49-F238E27FC236}">
-                <a16:creationId xmlns:a16="http://schemas.microsoft.com/office/drawing/2014/main" xmlns="" id="{F6ABF9AC-1FAF-4D9A-A63D-4850602B059C}"/>
-              </a:ext>
-            </a:extLst>
-          </p:cNvPr>
-          <p:cNvPicPr>
-            <a:picLocks noChangeAspect="1"/>
-          </p:cNvPicPr>
-          <p:nvPr/>
-        </p:nvPicPr>
-        <p:blipFill>
-          <a:blip r:embed="rId3"/>
-          <a:stretch>
-            <a:fillRect/>
-          </a:stretch>
-        </p:blipFill>
-        <p:spPr>
-          <a:xfrm>
-            <a:off x="1357527" y="2562158"/>
-            <a:ext cx="6112382" cy="3863974"/>
-          </a:xfrm>
-          <a:prstGeom prst="rect">
-            <a:avLst/>
-          </a:prstGeom>
-        </p:spPr>
-      </p:pic>
-      <p:sp>
-        <p:nvSpPr>
-          <p:cNvPr id="89" name="Title 1">
-            <a:extLst>
-              <a:ext uri="{FF2B5EF4-FFF2-40B4-BE49-F238E27FC236}">
-                <a16:creationId xmlns:a16="http://schemas.microsoft.com/office/drawing/2014/main" xmlns="" id="{4F0242D0-8432-47F4-9A71-222DBA46FE63}"/>
-              </a:ext>
-            </a:extLst>
-          </p:cNvPr>
-          <p:cNvSpPr txBox="1">
-            <a:spLocks/>
-          </p:cNvSpPr>
-          <p:nvPr/>
-        </p:nvSpPr>
-        <p:spPr>
-          <a:xfrm>
-            <a:off x="1143001" y="0"/>
-            <a:ext cx="9905998" cy="768626"/>
-          </a:xfrm>
-          <a:prstGeom prst="rect">
-            <a:avLst/>
-          </a:prstGeom>
-        </p:spPr>
-        <p:txBody>
-          <a:bodyPr vert="horz" lIns="91440" tIns="45720" rIns="91440" bIns="45720" rtlCol="0" anchor="ctr">
-            <a:normAutofit/>
-          </a:bodyPr>
-          <a:lstStyle>
-            <a:lvl1pPr algn="l" defTabSz="914400" rtl="0" eaLnBrk="1" latinLnBrk="0" hangingPunct="1">
-              <a:lnSpc>
-                <a:spcPct val="90000"/>
-              </a:lnSpc>
-              <a:spcBef>
-                <a:spcPct val="0"/>
-              </a:spcBef>
-              <a:buNone/>
-              <a:defRPr sz="3600" kern="1200" cap="all" baseline="0">
-                <a:solidFill>
-                  <a:schemeClr val="tx1"/>
-                </a:solidFill>
-                <a:latin typeface="+mj-lt"/>
-                <a:ea typeface="+mj-ea"/>
-                <a:cs typeface="+mj-cs"/>
-              </a:defRPr>
-            </a:lvl1pPr>
-          </a:lstStyle>
-          <a:p>
-            <a:r>
-              <a:rPr lang="en-IN" dirty="0"/>
-              <a:t>Logical regression:</a:t>
-            </a:r>
-            <a:endParaRPr lang="en-IN" dirty="0">
-              <a:highlight>
-                <a:srgbClr val="FFFF00"/>
-              </a:highlight>
-            </a:endParaRPr>
-          </a:p>
-        </p:txBody>
-      </p:sp>
-      <p:sp>
-        <p:nvSpPr>
-          <p:cNvPr id="3" name="Rectangle 2">
-            <a:extLst>
-              <a:ext uri="{FF2B5EF4-FFF2-40B4-BE49-F238E27FC236}">
-                <a16:creationId xmlns:a16="http://schemas.microsoft.com/office/drawing/2014/main" xmlns="" id="{E41DDA01-81FC-4E63-875C-A7BE23B0077D}"/>
-              </a:ext>
-            </a:extLst>
-          </p:cNvPr>
-          <p:cNvSpPr/>
-          <p:nvPr/>
-        </p:nvSpPr>
-        <p:spPr>
-          <a:xfrm>
-            <a:off x="1382392" y="1880155"/>
-            <a:ext cx="2728696" cy="369332"/>
-          </a:xfrm>
-          <a:prstGeom prst="rect">
-            <a:avLst/>
-          </a:prstGeom>
-        </p:spPr>
-        <p:txBody>
-          <a:bodyPr wrap="none">
-            <a:spAutoFit/>
-          </a:bodyPr>
-          <a:lstStyle/>
-          <a:p>
-            <a:r>
-              <a:rPr lang="en-IN" dirty="0">
-                <a:highlight>
-                  <a:srgbClr val="FFFF00"/>
-                </a:highlight>
-              </a:rPr>
-              <a:t>Replace below with graphs</a:t>
-            </a:r>
-            <a:endParaRPr lang="en-US" dirty="0"/>
-          </a:p>
-        </p:txBody>
-      </p:sp>
-    </p:spTree>
-    <p:extLst>
-      <p:ext uri="{BB962C8B-B14F-4D97-AF65-F5344CB8AC3E}">
-        <p14:creationId xmlns:p14="http://schemas.microsoft.com/office/powerpoint/2010/main" val="3167898224"/>
-      </p:ext>
-    </p:extLst>
-  </p:cSld>
-  <p:clrMapOvr>
-    <a:overrideClrMapping bg1="lt1" tx1="dk1" bg2="lt2" tx2="dk2" accent1="accent1" accent2="accent2" accent3="accent3" accent4="accent4" accent5="accent5" accent6="accent6" hlink="hlink" folHlink="folHlink"/>
-  </p:clrMapOvr>
-  <p:timing>
-    <p:tnLst>
-      <p:par>
-        <p:cTn id="1" dur="indefinite" restart="never" nodeType="tmRoot"/>
-      </p:par>
-    </p:tnLst>
-  </p:timing>
-</p:sld>
-</file>
-
-<file path=ppt/slides/slide8.xml><?xml version="1.0" encoding="utf-8"?>
-<p:sld xmlns:a="http://schemas.openxmlformats.org/drawingml/2006/main" xmlns:r="http://schemas.openxmlformats.org/officeDocument/2006/relationships" xmlns:p="http://schemas.openxmlformats.org/presentationml/2006/main">
-  <p:cSld>
-    <p:spTree>
-      <p:nvGrpSpPr>
-        <p:cNvPr id="1" name=""/>
-        <p:cNvGrpSpPr/>
-        <p:nvPr/>
-      </p:nvGrpSpPr>
-      <p:grpSpPr>
-        <a:xfrm>
-          <a:off x="0" y="0"/>
-          <a:ext cx="0" cy="0"/>
-          <a:chOff x="0" y="0"/>
-          <a:chExt cx="0" cy="0"/>
-        </a:xfrm>
-      </p:grpSpPr>
-      <p:sp>
-        <p:nvSpPr>
-          <p:cNvPr id="2" name="Title 1">
-            <a:extLst>
-              <a:ext uri="{FF2B5EF4-FFF2-40B4-BE49-F238E27FC236}">
-                <a16:creationId xmlns:a16="http://schemas.microsoft.com/office/drawing/2014/main" xmlns="" id="{C55C24C6-B163-4227-BDFA-DB2684557434}"/>
-              </a:ext>
-            </a:extLst>
-          </p:cNvPr>
-          <p:cNvSpPr>
-            <a:spLocks noGrp="1"/>
-          </p:cNvSpPr>
-          <p:nvPr>
-            <p:ph type="title"/>
-          </p:nvPr>
-        </p:nvSpPr>
-        <p:spPr>
-          <a:xfrm>
-            <a:off x="1143001" y="79543"/>
-            <a:ext cx="9905998" cy="698205"/>
-          </a:xfrm>
-        </p:spPr>
-        <p:txBody>
-          <a:bodyPr/>
-          <a:lstStyle/>
-          <a:p>
-            <a:r>
-              <a:rPr lang="en-US" dirty="0"/>
-              <a:t>linear classifier</a:t>
-            </a:r>
-          </a:p>
-        </p:txBody>
-      </p:sp>
-      <p:sp>
-        <p:nvSpPr>
-          <p:cNvPr id="7" name="TextBox 6">
-            <a:extLst>
-              <a:ext uri="{FF2B5EF4-FFF2-40B4-BE49-F238E27FC236}">
-                <a16:creationId xmlns:a16="http://schemas.microsoft.com/office/drawing/2014/main" xmlns="" id="{8D0767D8-301B-0741-A1B6-F8297F8239C8}"/>
-              </a:ext>
-            </a:extLst>
-          </p:cNvPr>
-          <p:cNvSpPr txBox="1"/>
-          <p:nvPr/>
-        </p:nvSpPr>
-        <p:spPr>
-          <a:xfrm>
-            <a:off x="1143001" y="777748"/>
-            <a:ext cx="5628860" cy="1938992"/>
-          </a:xfrm>
-          <a:prstGeom prst="rect">
-            <a:avLst/>
-          </a:prstGeom>
-          <a:noFill/>
-        </p:spPr>
-        <p:txBody>
-          <a:bodyPr wrap="square" rtlCol="0">
-            <a:spAutoFit/>
-          </a:bodyPr>
-          <a:lstStyle/>
-          <a:p>
-            <a:r>
-              <a:rPr lang="en-US" sz="2400" dirty="0"/>
-              <a:t>48% Accuracy on Training Data</a:t>
-            </a:r>
-          </a:p>
-          <a:p>
-            <a:r>
-              <a:rPr lang="en-US" sz="2400" dirty="0"/>
-              <a:t>34% Accuracy on Test Data</a:t>
-            </a:r>
-          </a:p>
-          <a:p>
-            <a:endParaRPr lang="en-US" sz="2400" dirty="0"/>
-          </a:p>
-          <a:p>
-            <a:r>
-              <a:rPr lang="en-US" sz="2400" dirty="0"/>
-              <a:t>Attempted to use PCA with 350 components, yet accuracy was slightly worse.</a:t>
-            </a:r>
-          </a:p>
-        </p:txBody>
-      </p:sp>
-      <p:pic>
-        <p:nvPicPr>
-          <p:cNvPr id="4" name="Picture 3">
-            <a:extLst>
-              <a:ext uri="{FF2B5EF4-FFF2-40B4-BE49-F238E27FC236}">
-                <a16:creationId xmlns:a16="http://schemas.microsoft.com/office/drawing/2014/main" xmlns="" id="{52C56562-CF38-2D43-BDA9-EEE249A4623B}"/>
-              </a:ext>
-            </a:extLst>
-          </p:cNvPr>
-          <p:cNvPicPr>
-            <a:picLocks noChangeAspect="1"/>
-          </p:cNvPicPr>
-          <p:nvPr/>
-        </p:nvPicPr>
-        <p:blipFill>
-          <a:blip r:embed="rId2"/>
-          <a:stretch>
-            <a:fillRect/>
-          </a:stretch>
-        </p:blipFill>
-        <p:spPr>
-          <a:xfrm>
-            <a:off x="463826" y="2829365"/>
-            <a:ext cx="6202017" cy="3850207"/>
-          </a:xfrm>
-          <a:prstGeom prst="rect">
-            <a:avLst/>
-          </a:prstGeom>
-        </p:spPr>
-      </p:pic>
-      <p:sp>
-        <p:nvSpPr>
-          <p:cNvPr id="6" name="TextBox 5">
-            <a:extLst>
-              <a:ext uri="{FF2B5EF4-FFF2-40B4-BE49-F238E27FC236}">
-                <a16:creationId xmlns:a16="http://schemas.microsoft.com/office/drawing/2014/main" xmlns="" id="{0C603B1F-1F97-3F47-A1FB-49F34A0EE4CD}"/>
-              </a:ext>
-            </a:extLst>
-          </p:cNvPr>
-          <p:cNvSpPr txBox="1"/>
-          <p:nvPr/>
-        </p:nvSpPr>
-        <p:spPr>
-          <a:xfrm>
-            <a:off x="6959343" y="750844"/>
-            <a:ext cx="3679469" cy="461665"/>
-          </a:xfrm>
-          <a:prstGeom prst="rect">
-            <a:avLst/>
-          </a:prstGeom>
-          <a:noFill/>
-        </p:spPr>
-        <p:txBody>
-          <a:bodyPr wrap="none" rtlCol="0">
-            <a:spAutoFit/>
-          </a:bodyPr>
-          <a:lstStyle/>
-          <a:p>
-            <a:r>
-              <a:rPr lang="en-US" sz="2400" dirty="0"/>
-              <a:t>16% Accuracy on New Data</a:t>
-            </a:r>
-          </a:p>
-        </p:txBody>
-      </p:sp>
-      <p:pic>
-        <p:nvPicPr>
-          <p:cNvPr id="8" name="Picture 7">
-            <a:extLst>
-              <a:ext uri="{FF2B5EF4-FFF2-40B4-BE49-F238E27FC236}">
-                <a16:creationId xmlns:a16="http://schemas.microsoft.com/office/drawing/2014/main" xmlns="" id="{4F12DBDF-1060-474A-8A8F-FCC1497E6E0D}"/>
-              </a:ext>
-            </a:extLst>
-          </p:cNvPr>
-          <p:cNvPicPr>
-            <a:picLocks noChangeAspect="1"/>
-          </p:cNvPicPr>
-          <p:nvPr/>
-        </p:nvPicPr>
-        <p:blipFill>
-          <a:blip r:embed="rId3"/>
-          <a:stretch>
-            <a:fillRect/>
-          </a:stretch>
-        </p:blipFill>
-        <p:spPr>
-          <a:xfrm>
-            <a:off x="6959343" y="1449049"/>
-            <a:ext cx="2551314" cy="2568970"/>
-          </a:xfrm>
-          <a:prstGeom prst="rect">
-            <a:avLst/>
-          </a:prstGeom>
-        </p:spPr>
-      </p:pic>
-      <p:sp>
-        <p:nvSpPr>
-          <p:cNvPr id="9" name="TextBox 8">
-            <a:extLst>
-              <a:ext uri="{FF2B5EF4-FFF2-40B4-BE49-F238E27FC236}">
-                <a16:creationId xmlns:a16="http://schemas.microsoft.com/office/drawing/2014/main" xmlns="" id="{0C67FCF7-2BF8-C14B-B7D9-A01E4568A068}"/>
-              </a:ext>
-            </a:extLst>
-          </p:cNvPr>
-          <p:cNvSpPr txBox="1"/>
-          <p:nvPr/>
-        </p:nvSpPr>
-        <p:spPr>
-          <a:xfrm>
-            <a:off x="9574234" y="2160638"/>
-            <a:ext cx="2286588" cy="646331"/>
-          </a:xfrm>
-          <a:prstGeom prst="rect">
-            <a:avLst/>
-          </a:prstGeom>
-          <a:noFill/>
-        </p:spPr>
-        <p:txBody>
-          <a:bodyPr wrap="none" rtlCol="0">
-            <a:spAutoFit/>
-          </a:bodyPr>
-          <a:lstStyle/>
-          <a:p>
-            <a:r>
-              <a:rPr lang="en-US" dirty="0"/>
-              <a:t>Label = 1 (Disgust)</a:t>
-            </a:r>
-          </a:p>
-          <a:p>
-            <a:r>
-              <a:rPr lang="en-US" dirty="0"/>
-              <a:t>Predicted = 3 (Happy)</a:t>
-            </a:r>
-          </a:p>
-        </p:txBody>
-      </p:sp>
-      <p:pic>
-        <p:nvPicPr>
-          <p:cNvPr id="11" name="Picture 10">
-            <a:extLst>
-              <a:ext uri="{FF2B5EF4-FFF2-40B4-BE49-F238E27FC236}">
-                <a16:creationId xmlns:a16="http://schemas.microsoft.com/office/drawing/2014/main" xmlns="" id="{3CEEFBBA-2F68-E84C-A33A-83887726A5C4}"/>
-              </a:ext>
-            </a:extLst>
-          </p:cNvPr>
-          <p:cNvPicPr>
-            <a:picLocks noChangeAspect="1"/>
-          </p:cNvPicPr>
-          <p:nvPr/>
-        </p:nvPicPr>
-        <p:blipFill>
-          <a:blip r:embed="rId4"/>
-          <a:stretch>
-            <a:fillRect/>
-          </a:stretch>
-        </p:blipFill>
-        <p:spPr>
-          <a:xfrm>
-            <a:off x="6959343" y="4110602"/>
-            <a:ext cx="2551314" cy="2568970"/>
-          </a:xfrm>
-          <a:prstGeom prst="rect">
-            <a:avLst/>
-          </a:prstGeom>
-        </p:spPr>
-      </p:pic>
-      <p:sp>
-        <p:nvSpPr>
-          <p:cNvPr id="12" name="TextBox 11">
-            <a:extLst>
-              <a:ext uri="{FF2B5EF4-FFF2-40B4-BE49-F238E27FC236}">
-                <a16:creationId xmlns:a16="http://schemas.microsoft.com/office/drawing/2014/main" xmlns="" id="{0DFC4A9A-4943-CB4C-ADFB-D51C461B19C8}"/>
-              </a:ext>
-            </a:extLst>
-          </p:cNvPr>
-          <p:cNvSpPr txBox="1"/>
-          <p:nvPr/>
-        </p:nvSpPr>
-        <p:spPr>
-          <a:xfrm>
-            <a:off x="9574234" y="4754468"/>
-            <a:ext cx="2346476" cy="646331"/>
-          </a:xfrm>
-          <a:prstGeom prst="rect">
-            <a:avLst/>
-          </a:prstGeom>
-          <a:noFill/>
-        </p:spPr>
-        <p:txBody>
-          <a:bodyPr wrap="none" rtlCol="0">
-            <a:spAutoFit/>
-          </a:bodyPr>
-          <a:lstStyle/>
-          <a:p>
-            <a:r>
-              <a:rPr lang="en-US" dirty="0"/>
-              <a:t>Label = 6 (Neutral)</a:t>
-            </a:r>
-          </a:p>
-          <a:p>
-            <a:r>
-              <a:rPr lang="en-US" dirty="0"/>
-              <a:t>Predicted = 6 (Neutral)</a:t>
-            </a:r>
-          </a:p>
-        </p:txBody>
-      </p:sp>
-    </p:spTree>
-    <p:extLst>
-      <p:ext uri="{BB962C8B-B14F-4D97-AF65-F5344CB8AC3E}">
-        <p14:creationId xmlns:p14="http://schemas.microsoft.com/office/powerpoint/2010/main" val="4041029037"/>
-      </p:ext>
-    </p:extLst>
-  </p:cSld>
-  <p:clrMapOvr>
-    <a:masterClrMapping/>
-  </p:clrMapOvr>
-  <p:timing>
-    <p:tnLst>
-      <p:par>
-        <p:cTn id="1" dur="indefinite" restart="never" nodeType="tmRoot"/>
-      </p:par>
-    </p:tnLst>
-  </p:timing>
-</p:sld>
-</file>
-
-<file path=ppt/slides/slide9.xml><?xml version="1.0" encoding="utf-8"?>
-<p:sld xmlns:a="http://schemas.openxmlformats.org/drawingml/2006/main" xmlns:r="http://schemas.openxmlformats.org/officeDocument/2006/relationships" xmlns:p="http://schemas.openxmlformats.org/presentationml/2006/main">
-  <p:cSld>
-    <p:spTree>
-      <p:nvGrpSpPr>
-        <p:cNvPr id="1" name=""/>
-        <p:cNvGrpSpPr/>
-        <p:nvPr/>
-      </p:nvGrpSpPr>
-      <p:grpSpPr>
-        <a:xfrm>
-          <a:off x="0" y="0"/>
-          <a:ext cx="0" cy="0"/>
-          <a:chOff x="0" y="0"/>
-          <a:chExt cx="0" cy="0"/>
-        </a:xfrm>
-      </p:grpSpPr>
-      <p:sp>
-        <p:nvSpPr>
-          <p:cNvPr id="2" name="Title 1"/>
-          <p:cNvSpPr>
-            <a:spLocks noGrp="1"/>
-          </p:cNvSpPr>
-          <p:nvPr>
-            <p:ph type="title"/>
-          </p:nvPr>
-        </p:nvSpPr>
-        <p:spPr>
-          <a:xfrm>
-            <a:off x="1143001" y="11536"/>
-            <a:ext cx="9905998" cy="605076"/>
-          </a:xfrm>
-        </p:spPr>
-        <p:txBody>
-          <a:bodyPr/>
-          <a:lstStyle/>
-          <a:p>
-            <a:r>
-              <a:rPr lang="en-IN" dirty="0"/>
-              <a:t>Bayesian Classifier</a:t>
-            </a:r>
-          </a:p>
-        </p:txBody>
-      </p:sp>
       <p:sp>
         <p:nvSpPr>
           <p:cNvPr id="3" name="Content Placeholder 2"/>
@@ -17408,44 +13452,22 @@
           <a:p>
             <a:r>
               <a:rPr lang="en-IN" sz="1800" dirty="0"/>
-              <a:t>Other </a:t>
-            </a:r>
-            <a:r>
-              <a:rPr lang="en-IN" sz="1800" dirty="0" smtClean="0"/>
-              <a:t>approaches, using 360 PCs</a:t>
-            </a:r>
-            <a:endParaRPr lang="en-IN" sz="1800" dirty="0"/>
+              <a:t>Other approaches, using 360 PCs</a:t>
+            </a:r>
           </a:p>
           <a:p>
             <a:pPr lvl="1"/>
             <a:r>
               <a:rPr lang="en-IN" sz="1800" dirty="0"/>
-              <a:t>Augmented dataset with </a:t>
-            </a:r>
-            <a:r>
-              <a:rPr lang="en-IN" sz="1800" dirty="0" smtClean="0"/>
-              <a:t>3, 6 &amp; 10 degree </a:t>
-            </a:r>
+              <a:t>Augmented dataset with 3, 6 &amp; 10 degree rotations: 41.38% Accuracy</a:t>
+            </a:r>
+          </a:p>
+          <a:p>
+            <a:pPr lvl="1"/>
             <a:r>
               <a:rPr lang="en-IN" sz="1800" dirty="0"/>
-              <a:t>rotations: </a:t>
-            </a:r>
-            <a:r>
-              <a:rPr lang="en-IN" sz="1800" dirty="0" smtClean="0"/>
-              <a:t>41.38% </a:t>
-            </a:r>
-            <a:r>
-              <a:rPr lang="en-IN" sz="1800" dirty="0"/>
-              <a:t>Accuracy</a:t>
-            </a:r>
-          </a:p>
-          <a:p>
-            <a:pPr lvl="1"/>
-            <a:r>
-              <a:rPr lang="en-IN" sz="1800" dirty="0" smtClean="0"/>
               <a:t>Augmented dataset with 3 &amp; 6 degree rotations: 42.46% Accuracy</a:t>
             </a:r>
-            <a:endParaRPr lang="en-IN" sz="1800" dirty="0"/>
           </a:p>
           <a:p>
             <a:pPr lvl="1"/>
@@ -17490,56 +13512,56 @@
                 <a:gridCol w="2045399">
                   <a:extLst>
                     <a:ext uri="{9D8B030D-6E8A-4147-A177-3AD203B41FA5}">
-                      <a16:colId xmlns:a16="http://schemas.microsoft.com/office/drawing/2014/main" xmlns="" val="20000"/>
+                      <a16:colId xmlns:a16="http://schemas.microsoft.com/office/drawing/2014/main" val="20000"/>
                     </a:ext>
                   </a:extLst>
                 </a:gridCol>
                 <a:gridCol w="1107127">
                   <a:extLst>
                     <a:ext uri="{9D8B030D-6E8A-4147-A177-3AD203B41FA5}">
-                      <a16:colId xmlns:a16="http://schemas.microsoft.com/office/drawing/2014/main" xmlns="" val="20001"/>
+                      <a16:colId xmlns:a16="http://schemas.microsoft.com/office/drawing/2014/main" val="20001"/>
                     </a:ext>
                   </a:extLst>
                 </a:gridCol>
                 <a:gridCol w="982767">
                   <a:extLst>
                     <a:ext uri="{9D8B030D-6E8A-4147-A177-3AD203B41FA5}">
-                      <a16:colId xmlns:a16="http://schemas.microsoft.com/office/drawing/2014/main" xmlns="" val="20002"/>
+                      <a16:colId xmlns:a16="http://schemas.microsoft.com/office/drawing/2014/main" val="20002"/>
                     </a:ext>
                   </a:extLst>
                 </a:gridCol>
                 <a:gridCol w="1076770">
                   <a:extLst>
                     <a:ext uri="{9D8B030D-6E8A-4147-A177-3AD203B41FA5}">
-                      <a16:colId xmlns:a16="http://schemas.microsoft.com/office/drawing/2014/main" xmlns="" val="20003"/>
+                      <a16:colId xmlns:a16="http://schemas.microsoft.com/office/drawing/2014/main" val="20003"/>
                     </a:ext>
                   </a:extLst>
                 </a:gridCol>
                 <a:gridCol w="1059678">
                   <a:extLst>
                     <a:ext uri="{9D8B030D-6E8A-4147-A177-3AD203B41FA5}">
-                      <a16:colId xmlns:a16="http://schemas.microsoft.com/office/drawing/2014/main" xmlns="" val="20004"/>
+                      <a16:colId xmlns:a16="http://schemas.microsoft.com/office/drawing/2014/main" val="20004"/>
                     </a:ext>
                   </a:extLst>
                 </a:gridCol>
                 <a:gridCol w="1016950">
                   <a:extLst>
                     <a:ext uri="{9D8B030D-6E8A-4147-A177-3AD203B41FA5}">
-                      <a16:colId xmlns:a16="http://schemas.microsoft.com/office/drawing/2014/main" xmlns="" val="20005"/>
+                      <a16:colId xmlns:a16="http://schemas.microsoft.com/office/drawing/2014/main" val="20005"/>
                     </a:ext>
                   </a:extLst>
                 </a:gridCol>
                 <a:gridCol w="1222048">
                   <a:extLst>
                     <a:ext uri="{9D8B030D-6E8A-4147-A177-3AD203B41FA5}">
-                      <a16:colId xmlns:a16="http://schemas.microsoft.com/office/drawing/2014/main" xmlns="" val="20006"/>
+                      <a16:colId xmlns:a16="http://schemas.microsoft.com/office/drawing/2014/main" val="20006"/>
                     </a:ext>
                   </a:extLst>
                 </a:gridCol>
                 <a:gridCol w="1198512">
                   <a:extLst>
                     <a:ext uri="{9D8B030D-6E8A-4147-A177-3AD203B41FA5}">
-                      <a16:colId xmlns:a16="http://schemas.microsoft.com/office/drawing/2014/main" xmlns="" val="20007"/>
+                      <a16:colId xmlns:a16="http://schemas.microsoft.com/office/drawing/2014/main" val="20007"/>
                     </a:ext>
                   </a:extLst>
                 </a:gridCol>
@@ -17655,7 +13677,7 @@
                 </a:tc>
                 <a:extLst>
                   <a:ext uri="{0D108BD9-81ED-4DB2-BD59-A6C34878D82A}">
-                    <a16:rowId xmlns:a16="http://schemas.microsoft.com/office/drawing/2014/main" xmlns="" val="10000"/>
+                    <a16:rowId xmlns:a16="http://schemas.microsoft.com/office/drawing/2014/main" val="10000"/>
                   </a:ext>
                 </a:extLst>
               </a:tr>
@@ -17666,10 +13688,9 @@
                     <a:lstStyle/>
                     <a:p>
                       <a:r>
-                        <a:rPr lang="en-US" sz="2000" dirty="0" smtClean="0"/>
+                        <a:rPr lang="en-US" sz="2000" dirty="0"/>
                         <a:t>PPV (Precision)</a:t>
                       </a:r>
-                      <a:endParaRPr lang="en-US" sz="2000" dirty="0"/>
                     </a:p>
                   </a:txBody>
                   <a:tcPr/>
@@ -17774,7 +13795,7 @@
                 </a:tc>
                 <a:extLst>
                   <a:ext uri="{0D108BD9-81ED-4DB2-BD59-A6C34878D82A}">
-                    <a16:rowId xmlns:a16="http://schemas.microsoft.com/office/drawing/2014/main" xmlns="" val="10001"/>
+                    <a16:rowId xmlns:a16="http://schemas.microsoft.com/office/drawing/2014/main" val="10001"/>
                   </a:ext>
                 </a:extLst>
               </a:tr>
@@ -17785,10 +13806,9 @@
                     <a:lstStyle/>
                     <a:p>
                       <a:r>
-                        <a:rPr lang="en-US" sz="2000" dirty="0" smtClean="0"/>
+                        <a:rPr lang="en-US" sz="2000" dirty="0"/>
                         <a:t>Sensitivity (Recall)</a:t>
                       </a:r>
-                      <a:endParaRPr lang="en-US" sz="2000" dirty="0"/>
                     </a:p>
                   </a:txBody>
                   <a:tcPr/>
@@ -17930,7 +13950,7 @@
                 </a:tc>
                 <a:extLst>
                   <a:ext uri="{0D108BD9-81ED-4DB2-BD59-A6C34878D82A}">
-                    <a16:rowId xmlns:a16="http://schemas.microsoft.com/office/drawing/2014/main" xmlns="" val="10002"/>
+                    <a16:rowId xmlns:a16="http://schemas.microsoft.com/office/drawing/2014/main" val="10002"/>
                   </a:ext>
                 </a:extLst>
               </a:tr>
@@ -17943,7 +13963,7 @@
           <p:cNvPr id="6" name="Rectangle 5">
             <a:extLst>
               <a:ext uri="{FF2B5EF4-FFF2-40B4-BE49-F238E27FC236}">
-                <a16:creationId xmlns:a16="http://schemas.microsoft.com/office/drawing/2014/main" xmlns="" id="{1AE81389-C846-4D6C-B598-3243F2032E67}"/>
+                <a16:creationId xmlns:a16="http://schemas.microsoft.com/office/drawing/2014/main" id="{1AE81389-C846-4D6C-B598-3243F2032E67}"/>
               </a:ext>
             </a:extLst>
           </p:cNvPr>
@@ -17991,13 +14011,4832 @@
   <p:clrMapOvr>
     <a:masterClrMapping/>
   </p:clrMapOvr>
-  <p:timing>
-    <p:tnLst>
-      <p:par>
-        <p:cTn id="1" dur="indefinite" restart="never" nodeType="tmRoot"/>
-      </p:par>
-    </p:tnLst>
-  </p:timing>
+</p:sld>
+</file>
+
+<file path=ppt/slides/slide11.xml><?xml version="1.0" encoding="utf-8"?>
+<p:sld xmlns:a="http://schemas.openxmlformats.org/drawingml/2006/main" xmlns:r="http://schemas.openxmlformats.org/officeDocument/2006/relationships" xmlns:p="http://schemas.openxmlformats.org/presentationml/2006/main">
+  <p:cSld>
+    <p:spTree>
+      <p:nvGrpSpPr>
+        <p:cNvPr id="1" name=""/>
+        <p:cNvGrpSpPr/>
+        <p:nvPr/>
+      </p:nvGrpSpPr>
+      <p:grpSpPr>
+        <a:xfrm>
+          <a:off x="0" y="0"/>
+          <a:ext cx="0" cy="0"/>
+          <a:chOff x="0" y="0"/>
+          <a:chExt cx="0" cy="0"/>
+        </a:xfrm>
+      </p:grpSpPr>
+      <p:sp>
+        <p:nvSpPr>
+          <p:cNvPr id="2" name="Title 1"/>
+          <p:cNvSpPr>
+            <a:spLocks noGrp="1"/>
+          </p:cNvSpPr>
+          <p:nvPr>
+            <p:ph type="title"/>
+          </p:nvPr>
+        </p:nvSpPr>
+        <p:spPr>
+          <a:xfrm>
+            <a:off x="1143001" y="11536"/>
+            <a:ext cx="9905998" cy="605076"/>
+          </a:xfrm>
+        </p:spPr>
+        <p:txBody>
+          <a:bodyPr/>
+          <a:lstStyle/>
+          <a:p>
+            <a:r>
+              <a:rPr lang="en-IN" dirty="0"/>
+              <a:t>Bayesian Classifier</a:t>
+            </a:r>
+          </a:p>
+        </p:txBody>
+      </p:sp>
+      <p:pic>
+        <p:nvPicPr>
+          <p:cNvPr id="2050" name="Picture 2"/>
+          <p:cNvPicPr>
+            <a:picLocks noChangeAspect="1" noChangeArrowheads="1"/>
+          </p:cNvPicPr>
+          <p:nvPr/>
+        </p:nvPicPr>
+        <p:blipFill>
+          <a:blip r:embed="rId2">
+            <a:extLst>
+              <a:ext uri="{28A0092B-C50C-407E-A947-70E740481C1C}">
+                <a14:useLocalDpi xmlns:a14="http://schemas.microsoft.com/office/drawing/2010/main" val="0"/>
+              </a:ext>
+            </a:extLst>
+          </a:blip>
+          <a:srcRect/>
+          <a:stretch>
+            <a:fillRect/>
+          </a:stretch>
+        </p:blipFill>
+        <p:spPr bwMode="auto">
+          <a:xfrm>
+            <a:off x="959759" y="1344418"/>
+            <a:ext cx="9776612" cy="5081744"/>
+          </a:xfrm>
+          <a:prstGeom prst="rect">
+            <a:avLst/>
+          </a:prstGeom>
+          <a:noFill/>
+          <a:ln>
+            <a:noFill/>
+          </a:ln>
+          <a:extLst>
+            <a:ext uri="{909E8E84-426E-40DD-AFC4-6F175D3DCCD1}">
+              <a14:hiddenFill xmlns:a14="http://schemas.microsoft.com/office/drawing/2010/main">
+                <a:solidFill>
+                  <a:schemeClr val="accent1"/>
+                </a:solidFill>
+              </a14:hiddenFill>
+            </a:ext>
+            <a:ext uri="{91240B29-F687-4F45-9708-019B960494DF}">
+              <a14:hiddenLine xmlns:a14="http://schemas.microsoft.com/office/drawing/2010/main" w="9525">
+                <a:solidFill>
+                  <a:schemeClr val="tx1"/>
+                </a:solidFill>
+                <a:miter lim="800000"/>
+                <a:headEnd/>
+                <a:tailEnd/>
+              </a14:hiddenLine>
+            </a:ext>
+          </a:extLst>
+        </p:spPr>
+      </p:pic>
+      <p:sp>
+        <p:nvSpPr>
+          <p:cNvPr id="5" name="TextBox 4"/>
+          <p:cNvSpPr txBox="1"/>
+          <p:nvPr/>
+        </p:nvSpPr>
+        <p:spPr>
+          <a:xfrm>
+            <a:off x="1443527" y="795849"/>
+            <a:ext cx="8230560" cy="369332"/>
+          </a:xfrm>
+          <a:prstGeom prst="rect">
+            <a:avLst/>
+          </a:prstGeom>
+          <a:noFill/>
+        </p:spPr>
+        <p:txBody>
+          <a:bodyPr wrap="square" rtlCol="0">
+            <a:spAutoFit/>
+          </a:bodyPr>
+          <a:lstStyle/>
+          <a:p>
+            <a:r>
+              <a:rPr lang="en-US" dirty="0"/>
+              <a:t>Scatter plot across the first two PCs, with each class shown in a separate plot</a:t>
+            </a:r>
+          </a:p>
+        </p:txBody>
+      </p:sp>
+    </p:spTree>
+    <p:extLst>
+      <p:ext uri="{BB962C8B-B14F-4D97-AF65-F5344CB8AC3E}">
+        <p14:creationId xmlns:p14="http://schemas.microsoft.com/office/powerpoint/2010/main" val="180155673"/>
+      </p:ext>
+    </p:extLst>
+  </p:cSld>
+  <p:clrMapOvr>
+    <a:masterClrMapping/>
+  </p:clrMapOvr>
+</p:sld>
+</file>
+
+<file path=ppt/slides/slide12.xml><?xml version="1.0" encoding="utf-8"?>
+<p:sld xmlns:a="http://schemas.openxmlformats.org/drawingml/2006/main" xmlns:r="http://schemas.openxmlformats.org/officeDocument/2006/relationships" xmlns:p="http://schemas.openxmlformats.org/presentationml/2006/main">
+  <p:cSld>
+    <p:spTree>
+      <p:nvGrpSpPr>
+        <p:cNvPr id="1" name=""/>
+        <p:cNvGrpSpPr/>
+        <p:nvPr/>
+      </p:nvGrpSpPr>
+      <p:grpSpPr>
+        <a:xfrm>
+          <a:off x="0" y="0"/>
+          <a:ext cx="0" cy="0"/>
+          <a:chOff x="0" y="0"/>
+          <a:chExt cx="0" cy="0"/>
+        </a:xfrm>
+      </p:grpSpPr>
+      <p:sp>
+        <p:nvSpPr>
+          <p:cNvPr id="2" name="Title 1"/>
+          <p:cNvSpPr>
+            <a:spLocks noGrp="1"/>
+          </p:cNvSpPr>
+          <p:nvPr>
+            <p:ph type="title"/>
+          </p:nvPr>
+        </p:nvSpPr>
+        <p:spPr>
+          <a:xfrm>
+            <a:off x="1143001" y="11536"/>
+            <a:ext cx="9905998" cy="605076"/>
+          </a:xfrm>
+        </p:spPr>
+        <p:txBody>
+          <a:bodyPr/>
+          <a:lstStyle/>
+          <a:p>
+            <a:r>
+              <a:rPr lang="en-IN" dirty="0"/>
+              <a:t>Histogram Classifier</a:t>
+            </a:r>
+          </a:p>
+        </p:txBody>
+      </p:sp>
+      <p:pic>
+        <p:nvPicPr>
+          <p:cNvPr id="7" name="Picture 2">
+            <a:extLst>
+              <a:ext uri="{FF2B5EF4-FFF2-40B4-BE49-F238E27FC236}">
+                <a16:creationId xmlns:a16="http://schemas.microsoft.com/office/drawing/2014/main" id="{B76E598F-1C59-4394-8340-986200DECB1E}"/>
+              </a:ext>
+            </a:extLst>
+          </p:cNvPr>
+          <p:cNvPicPr>
+            <a:picLocks noChangeAspect="1" noChangeArrowheads="1"/>
+          </p:cNvPicPr>
+          <p:nvPr/>
+        </p:nvPicPr>
+        <p:blipFill>
+          <a:blip r:embed="rId2">
+            <a:extLst>
+              <a:ext uri="{28A0092B-C50C-407E-A947-70E740481C1C}">
+                <a14:useLocalDpi xmlns:a14="http://schemas.microsoft.com/office/drawing/2010/main" val="0"/>
+              </a:ext>
+            </a:extLst>
+          </a:blip>
+          <a:srcRect/>
+          <a:stretch>
+            <a:fillRect/>
+          </a:stretch>
+        </p:blipFill>
+        <p:spPr bwMode="auto">
+          <a:xfrm>
+            <a:off x="1143001" y="864319"/>
+            <a:ext cx="6052929" cy="5761224"/>
+          </a:xfrm>
+          <a:prstGeom prst="rect">
+            <a:avLst/>
+          </a:prstGeom>
+          <a:noFill/>
+          <a:ln>
+            <a:noFill/>
+          </a:ln>
+          <a:extLst>
+            <a:ext uri="{909E8E84-426E-40DD-AFC4-6F175D3DCCD1}">
+              <a14:hiddenFill xmlns:a14="http://schemas.microsoft.com/office/drawing/2010/main">
+                <a:solidFill>
+                  <a:schemeClr val="accent1"/>
+                </a:solidFill>
+              </a14:hiddenFill>
+            </a:ext>
+            <a:ext uri="{91240B29-F687-4F45-9708-019B960494DF}">
+              <a14:hiddenLine xmlns:a14="http://schemas.microsoft.com/office/drawing/2010/main" w="9525">
+                <a:solidFill>
+                  <a:schemeClr val="tx1"/>
+                </a:solidFill>
+                <a:miter lim="800000"/>
+                <a:headEnd/>
+                <a:tailEnd/>
+              </a14:hiddenLine>
+            </a:ext>
+          </a:extLst>
+        </p:spPr>
+      </p:pic>
+      <p:sp>
+        <p:nvSpPr>
+          <p:cNvPr id="10" name="Content Placeholder 2">
+            <a:extLst>
+              <a:ext uri="{FF2B5EF4-FFF2-40B4-BE49-F238E27FC236}">
+                <a16:creationId xmlns:a16="http://schemas.microsoft.com/office/drawing/2014/main" id="{AD2387E2-7737-4B33-9C53-E4D7580B42D3}"/>
+              </a:ext>
+            </a:extLst>
+          </p:cNvPr>
+          <p:cNvSpPr>
+            <a:spLocks noGrp="1"/>
+          </p:cNvSpPr>
+          <p:nvPr>
+            <p:ph sz="half" idx="1"/>
+          </p:nvPr>
+        </p:nvSpPr>
+        <p:spPr>
+          <a:xfrm>
+            <a:off x="7385578" y="982296"/>
+            <a:ext cx="3663421" cy="5643247"/>
+          </a:xfrm>
+        </p:spPr>
+        <p:txBody>
+          <a:bodyPr>
+            <a:normAutofit/>
+          </a:bodyPr>
+          <a:lstStyle/>
+          <a:p>
+            <a:r>
+              <a:rPr lang="en-IN" sz="1800" dirty="0"/>
+              <a:t>Why did Histogram classifier not work?</a:t>
+            </a:r>
+          </a:p>
+          <a:p>
+            <a:pPr>
+              <a:buFont typeface="Wingdings"/>
+              <a:buChar char="Ø"/>
+            </a:pPr>
+            <a:r>
+              <a:rPr lang="en-IN" sz="1800" dirty="0"/>
+              <a:t>Say, we use 8 PC features, and 8 bins, we have ~17million bins in a histogram, but only 28709 data points. So, a very sparsely populated histogram.</a:t>
+            </a:r>
+          </a:p>
+          <a:p>
+            <a:pPr>
+              <a:buFont typeface="Wingdings"/>
+              <a:buChar char="Ø"/>
+            </a:pPr>
+            <a:r>
+              <a:rPr lang="en-IN" sz="1800" dirty="0"/>
+              <a:t>When we look to predict with such a histogram, bins corresponding to queries are likely empty, resulting in no prediction.</a:t>
+            </a:r>
+          </a:p>
+          <a:p>
+            <a:pPr>
+              <a:buFont typeface="Wingdings"/>
+              <a:buChar char="Ø"/>
+            </a:pPr>
+            <a:r>
+              <a:rPr lang="en-IN" sz="1800" dirty="0"/>
+              <a:t>Table shown to the left indicates this condition.</a:t>
+            </a:r>
+          </a:p>
+          <a:p>
+            <a:pPr>
+              <a:buFont typeface="Wingdings"/>
+              <a:buChar char="Ø"/>
+            </a:pPr>
+            <a:endParaRPr lang="en-IN" sz="1800" dirty="0"/>
+          </a:p>
+          <a:p>
+            <a:pPr>
+              <a:buFont typeface="Wingdings"/>
+              <a:buChar char="Ø"/>
+            </a:pPr>
+            <a:endParaRPr lang="en-IN" sz="1800" dirty="0"/>
+          </a:p>
+        </p:txBody>
+      </p:sp>
+    </p:spTree>
+    <p:extLst>
+      <p:ext uri="{BB962C8B-B14F-4D97-AF65-F5344CB8AC3E}">
+        <p14:creationId xmlns:p14="http://schemas.microsoft.com/office/powerpoint/2010/main" val="2994617201"/>
+      </p:ext>
+    </p:extLst>
+  </p:cSld>
+  <p:clrMapOvr>
+    <a:masterClrMapping/>
+  </p:clrMapOvr>
+</p:sld>
+</file>
+
+<file path=ppt/slides/slide13.xml><?xml version="1.0" encoding="utf-8"?>
+<p:sld xmlns:a="http://schemas.openxmlformats.org/drawingml/2006/main" xmlns:r="http://schemas.openxmlformats.org/officeDocument/2006/relationships" xmlns:p="http://schemas.openxmlformats.org/presentationml/2006/main">
+  <p:cSld>
+    <p:spTree>
+      <p:nvGrpSpPr>
+        <p:cNvPr id="1" name=""/>
+        <p:cNvGrpSpPr/>
+        <p:nvPr/>
+      </p:nvGrpSpPr>
+      <p:grpSpPr>
+        <a:xfrm>
+          <a:off x="0" y="0"/>
+          <a:ext cx="0" cy="0"/>
+          <a:chOff x="0" y="0"/>
+          <a:chExt cx="0" cy="0"/>
+        </a:xfrm>
+      </p:grpSpPr>
+      <p:sp>
+        <p:nvSpPr>
+          <p:cNvPr id="2" name="Title 1"/>
+          <p:cNvSpPr>
+            <a:spLocks noGrp="1"/>
+          </p:cNvSpPr>
+          <p:nvPr>
+            <p:ph type="title"/>
+          </p:nvPr>
+        </p:nvSpPr>
+        <p:spPr/>
+        <p:txBody>
+          <a:bodyPr/>
+          <a:lstStyle/>
+          <a:p>
+            <a:r>
+              <a:rPr lang="en-IN" dirty="0">
+                <a:highlight>
+                  <a:srgbClr val="FFFF00"/>
+                </a:highlight>
+              </a:rPr>
+              <a:t>Neural Network</a:t>
+            </a:r>
+          </a:p>
+        </p:txBody>
+      </p:sp>
+      <p:sp>
+        <p:nvSpPr>
+          <p:cNvPr id="3" name="Content Placeholder 2"/>
+          <p:cNvSpPr>
+            <a:spLocks noGrp="1"/>
+          </p:cNvSpPr>
+          <p:nvPr>
+            <p:ph sz="half" idx="1"/>
+          </p:nvPr>
+        </p:nvSpPr>
+        <p:spPr/>
+        <p:txBody>
+          <a:bodyPr/>
+          <a:lstStyle/>
+          <a:p>
+            <a:endParaRPr lang="en-IN"/>
+          </a:p>
+        </p:txBody>
+      </p:sp>
+      <p:sp>
+        <p:nvSpPr>
+          <p:cNvPr id="4" name="Content Placeholder 3"/>
+          <p:cNvSpPr>
+            <a:spLocks noGrp="1"/>
+          </p:cNvSpPr>
+          <p:nvPr>
+            <p:ph sz="half" idx="2"/>
+          </p:nvPr>
+        </p:nvSpPr>
+        <p:spPr/>
+        <p:txBody>
+          <a:bodyPr/>
+          <a:lstStyle/>
+          <a:p>
+            <a:endParaRPr lang="en-IN"/>
+          </a:p>
+        </p:txBody>
+      </p:sp>
+    </p:spTree>
+    <p:extLst>
+      <p:ext uri="{BB962C8B-B14F-4D97-AF65-F5344CB8AC3E}">
+        <p14:creationId xmlns:p14="http://schemas.microsoft.com/office/powerpoint/2010/main" val="2331576351"/>
+      </p:ext>
+    </p:extLst>
+  </p:cSld>
+  <p:clrMapOvr>
+    <a:masterClrMapping/>
+  </p:clrMapOvr>
+</p:sld>
+</file>
+
+<file path=ppt/slides/slide14.xml><?xml version="1.0" encoding="utf-8"?>
+<p:sld xmlns:a="http://schemas.openxmlformats.org/drawingml/2006/main" xmlns:r="http://schemas.openxmlformats.org/officeDocument/2006/relationships" xmlns:p="http://schemas.openxmlformats.org/presentationml/2006/main">
+  <p:cSld>
+    <p:spTree>
+      <p:nvGrpSpPr>
+        <p:cNvPr id="1" name=""/>
+        <p:cNvGrpSpPr/>
+        <p:nvPr/>
+      </p:nvGrpSpPr>
+      <p:grpSpPr>
+        <a:xfrm>
+          <a:off x="0" y="0"/>
+          <a:ext cx="0" cy="0"/>
+          <a:chOff x="0" y="0"/>
+          <a:chExt cx="0" cy="0"/>
+        </a:xfrm>
+      </p:grpSpPr>
+      <p:sp>
+        <p:nvSpPr>
+          <p:cNvPr id="2" name="Title 1"/>
+          <p:cNvSpPr>
+            <a:spLocks noGrp="1"/>
+          </p:cNvSpPr>
+          <p:nvPr>
+            <p:ph type="title"/>
+          </p:nvPr>
+        </p:nvSpPr>
+        <p:spPr>
+          <a:xfrm>
+            <a:off x="1167787" y="0"/>
+            <a:ext cx="9905998" cy="689113"/>
+          </a:xfrm>
+        </p:spPr>
+        <p:txBody>
+          <a:bodyPr/>
+          <a:lstStyle/>
+          <a:p>
+            <a:r>
+              <a:rPr lang="en-IN" dirty="0"/>
+              <a:t>Model performance - Summary</a:t>
+            </a:r>
+          </a:p>
+        </p:txBody>
+      </p:sp>
+      <p:graphicFrame>
+        <p:nvGraphicFramePr>
+          <p:cNvPr id="5" name="Content Placeholder 4"/>
+          <p:cNvGraphicFramePr>
+            <a:graphicFrameLocks noGrp="1"/>
+          </p:cNvGraphicFramePr>
+          <p:nvPr>
+            <p:ph sz="half" idx="1"/>
+            <p:extLst>
+              <p:ext uri="{D42A27DB-BD31-4B8C-83A1-F6EECF244321}">
+                <p14:modId xmlns:p14="http://schemas.microsoft.com/office/powerpoint/2010/main" val="3724978116"/>
+              </p:ext>
+            </p:extLst>
+          </p:nvPr>
+        </p:nvGraphicFramePr>
+        <p:xfrm>
+          <a:off x="0" y="965219"/>
+          <a:ext cx="11887199" cy="5369319"/>
+        </p:xfrm>
+        <a:graphic>
+          <a:graphicData uri="http://schemas.openxmlformats.org/drawingml/2006/table">
+            <a:tbl>
+              <a:tblPr firstRow="1" bandRow="1">
+                <a:tableStyleId>{BC89EF96-8CEA-46FF-86C4-4CE0E7609802}</a:tableStyleId>
+              </a:tblPr>
+              <a:tblGrid>
+                <a:gridCol w="1859335">
+                  <a:extLst>
+                    <a:ext uri="{9D8B030D-6E8A-4147-A177-3AD203B41FA5}">
+                      <a16:colId xmlns:a16="http://schemas.microsoft.com/office/drawing/2014/main" val="3550727435"/>
+                    </a:ext>
+                  </a:extLst>
+                </a:gridCol>
+                <a:gridCol w="1618167">
+                  <a:extLst>
+                    <a:ext uri="{9D8B030D-6E8A-4147-A177-3AD203B41FA5}">
+                      <a16:colId xmlns:a16="http://schemas.microsoft.com/office/drawing/2014/main" val="3295678948"/>
+                    </a:ext>
+                  </a:extLst>
+                </a:gridCol>
+                <a:gridCol w="1731670">
+                  <a:extLst>
+                    <a:ext uri="{9D8B030D-6E8A-4147-A177-3AD203B41FA5}">
+                      <a16:colId xmlns:a16="http://schemas.microsoft.com/office/drawing/2014/main" val="485902210"/>
+                    </a:ext>
+                  </a:extLst>
+                </a:gridCol>
+                <a:gridCol w="1669506">
+                  <a:extLst>
+                    <a:ext uri="{9D8B030D-6E8A-4147-A177-3AD203B41FA5}">
+                      <a16:colId xmlns:a16="http://schemas.microsoft.com/office/drawing/2014/main" val="20003"/>
+                    </a:ext>
+                  </a:extLst>
+                </a:gridCol>
+                <a:gridCol w="1633986">
+                  <a:extLst>
+                    <a:ext uri="{9D8B030D-6E8A-4147-A177-3AD203B41FA5}">
+                      <a16:colId xmlns:a16="http://schemas.microsoft.com/office/drawing/2014/main" val="1751447481"/>
+                    </a:ext>
+                  </a:extLst>
+                </a:gridCol>
+                <a:gridCol w="3374535">
+                  <a:extLst>
+                    <a:ext uri="{9D8B030D-6E8A-4147-A177-3AD203B41FA5}">
+                      <a16:colId xmlns:a16="http://schemas.microsoft.com/office/drawing/2014/main" val="788984757"/>
+                    </a:ext>
+                  </a:extLst>
+                </a:gridCol>
+              </a:tblGrid>
+              <a:tr h="812501">
+                <a:tc rowSpan="2">
+                  <a:txBody>
+                    <a:bodyPr/>
+                    <a:lstStyle/>
+                    <a:p>
+                      <a:endParaRPr lang="en-IN" dirty="0"/>
+                    </a:p>
+                  </a:txBody>
+                  <a:tcPr/>
+                </a:tc>
+                <a:tc gridSpan="2">
+                  <a:txBody>
+                    <a:bodyPr/>
+                    <a:lstStyle/>
+                    <a:p>
+                      <a:pPr algn="ctr"/>
+                      <a:r>
+                        <a:rPr lang="en-IN" dirty="0"/>
+                        <a:t>Original components</a:t>
+                      </a:r>
+                    </a:p>
+                  </a:txBody>
+                  <a:tcPr/>
+                </a:tc>
+                <a:tc hMerge="1">
+                  <a:txBody>
+                    <a:bodyPr/>
+                    <a:lstStyle/>
+                    <a:p>
+                      <a:endParaRPr lang="en-IN" dirty="0"/>
+                    </a:p>
+                  </a:txBody>
+                  <a:tcPr/>
+                </a:tc>
+                <a:tc gridSpan="2">
+                  <a:txBody>
+                    <a:bodyPr/>
+                    <a:lstStyle/>
+                    <a:p>
+                      <a:pPr algn="ctr"/>
+                      <a:r>
+                        <a:rPr lang="en-IN" dirty="0"/>
+                        <a:t>With PCA</a:t>
+                      </a:r>
+                    </a:p>
+                  </a:txBody>
+                  <a:tcPr/>
+                </a:tc>
+                <a:tc hMerge="1">
+                  <a:txBody>
+                    <a:bodyPr/>
+                    <a:lstStyle/>
+                    <a:p>
+                      <a:endParaRPr lang="en-IN" dirty="0"/>
+                    </a:p>
+                  </a:txBody>
+                  <a:tcPr/>
+                </a:tc>
+                <a:tc>
+                  <a:txBody>
+                    <a:bodyPr/>
+                    <a:lstStyle/>
+                    <a:p>
+                      <a:pPr algn="ctr"/>
+                      <a:r>
+                        <a:rPr lang="en-IN" dirty="0"/>
+                        <a:t>With Data Augmentation – Test Accuracy</a:t>
+                      </a:r>
+                    </a:p>
+                  </a:txBody>
+                  <a:tcPr/>
+                </a:tc>
+                <a:extLst>
+                  <a:ext uri="{0D108BD9-81ED-4DB2-BD59-A6C34878D82A}">
+                    <a16:rowId xmlns:a16="http://schemas.microsoft.com/office/drawing/2014/main" val="418414485"/>
+                  </a:ext>
+                </a:extLst>
+              </a:tr>
+              <a:tr h="764999">
+                <a:tc vMerge="1">
+                  <a:txBody>
+                    <a:bodyPr/>
+                    <a:lstStyle/>
+                    <a:p>
+                      <a:endParaRPr lang="en-IN" dirty="0"/>
+                    </a:p>
+                  </a:txBody>
+                  <a:tcPr/>
+                </a:tc>
+                <a:tc>
+                  <a:txBody>
+                    <a:bodyPr/>
+                    <a:lstStyle/>
+                    <a:p>
+                      <a:pPr marL="0" marR="0" indent="0" algn="ctr" defTabSz="914400" rtl="0" eaLnBrk="1" fontAlgn="auto" latinLnBrk="0" hangingPunct="1">
+                        <a:lnSpc>
+                          <a:spcPct val="100000"/>
+                        </a:lnSpc>
+                        <a:spcBef>
+                          <a:spcPts val="0"/>
+                        </a:spcBef>
+                        <a:spcAft>
+                          <a:spcPts val="0"/>
+                        </a:spcAft>
+                        <a:buClrTx/>
+                        <a:buSzTx/>
+                        <a:buFontTx/>
+                        <a:buNone/>
+                        <a:tabLst/>
+                        <a:defRPr/>
+                      </a:pPr>
+                      <a:r>
+                        <a:rPr lang="en-IN" dirty="0"/>
+                        <a:t>Training Set Accuracy</a:t>
+                      </a:r>
+                    </a:p>
+                  </a:txBody>
+                  <a:tcPr/>
+                </a:tc>
+                <a:tc>
+                  <a:txBody>
+                    <a:bodyPr/>
+                    <a:lstStyle/>
+                    <a:p>
+                      <a:pPr marL="0" marR="0" indent="0" algn="ctr" defTabSz="914400" rtl="0" eaLnBrk="1" fontAlgn="auto" latinLnBrk="0" hangingPunct="1">
+                        <a:lnSpc>
+                          <a:spcPct val="100000"/>
+                        </a:lnSpc>
+                        <a:spcBef>
+                          <a:spcPts val="0"/>
+                        </a:spcBef>
+                        <a:spcAft>
+                          <a:spcPts val="0"/>
+                        </a:spcAft>
+                        <a:buClrTx/>
+                        <a:buSzTx/>
+                        <a:buFontTx/>
+                        <a:buNone/>
+                        <a:tabLst/>
+                        <a:defRPr/>
+                      </a:pPr>
+                      <a:r>
+                        <a:rPr lang="en-IN" dirty="0"/>
+                        <a:t>Test Set Accuracy</a:t>
+                      </a:r>
+                    </a:p>
+                  </a:txBody>
+                  <a:tcPr/>
+                </a:tc>
+                <a:tc>
+                  <a:txBody>
+                    <a:bodyPr/>
+                    <a:lstStyle/>
+                    <a:p>
+                      <a:pPr algn="ctr"/>
+                      <a:r>
+                        <a:rPr lang="en-IN" dirty="0"/>
+                        <a:t>Training Set Accuracy</a:t>
+                      </a:r>
+                    </a:p>
+                  </a:txBody>
+                  <a:tcPr/>
+                </a:tc>
+                <a:tc>
+                  <a:txBody>
+                    <a:bodyPr/>
+                    <a:lstStyle/>
+                    <a:p>
+                      <a:pPr algn="ctr"/>
+                      <a:r>
+                        <a:rPr lang="en-IN" dirty="0"/>
+                        <a:t>Test Set Accuracy</a:t>
+                      </a:r>
+                    </a:p>
+                  </a:txBody>
+                  <a:tcPr/>
+                </a:tc>
+                <a:tc>
+                  <a:txBody>
+                    <a:bodyPr/>
+                    <a:lstStyle/>
+                    <a:p>
+                      <a:pPr algn="ctr"/>
+                      <a:endParaRPr lang="en-IN" dirty="0"/>
+                    </a:p>
+                  </a:txBody>
+                  <a:tcPr/>
+                </a:tc>
+                <a:extLst>
+                  <a:ext uri="{0D108BD9-81ED-4DB2-BD59-A6C34878D82A}">
+                    <a16:rowId xmlns:a16="http://schemas.microsoft.com/office/drawing/2014/main" val="10001"/>
+                  </a:ext>
+                </a:extLst>
+              </a:tr>
+              <a:tr h="1092856">
+                <a:tc>
+                  <a:txBody>
+                    <a:bodyPr/>
+                    <a:lstStyle/>
+                    <a:p>
+                      <a:r>
+                        <a:rPr lang="en-US" sz="1800" dirty="0"/>
+                        <a:t>Linear Classification Analysis</a:t>
+                      </a:r>
+                      <a:endParaRPr lang="en-IN" dirty="0"/>
+                    </a:p>
+                  </a:txBody>
+                  <a:tcPr/>
+                </a:tc>
+                <a:tc>
+                  <a:txBody>
+                    <a:bodyPr/>
+                    <a:lstStyle/>
+                    <a:p>
+                      <a:pPr algn="ctr"/>
+                      <a:r>
+                        <a:rPr lang="en-IN" dirty="0">
+                          <a:highlight>
+                            <a:srgbClr val="FFFF00"/>
+                          </a:highlight>
+                        </a:rPr>
+                        <a:t>48.30%</a:t>
+                      </a:r>
+                    </a:p>
+                  </a:txBody>
+                  <a:tcPr/>
+                </a:tc>
+                <a:tc>
+                  <a:txBody>
+                    <a:bodyPr/>
+                    <a:lstStyle/>
+                    <a:p>
+                      <a:pPr algn="ctr"/>
+                      <a:r>
+                        <a:rPr lang="en-IN" dirty="0">
+                          <a:highlight>
+                            <a:srgbClr val="FFFF00"/>
+                          </a:highlight>
+                        </a:rPr>
+                        <a:t>34.88%</a:t>
+                      </a:r>
+                    </a:p>
+                  </a:txBody>
+                  <a:tcPr/>
+                </a:tc>
+                <a:tc>
+                  <a:txBody>
+                    <a:bodyPr/>
+                    <a:lstStyle/>
+                    <a:p>
+                      <a:pPr algn="ctr"/>
+                      <a:r>
+                        <a:rPr lang="en-IN" dirty="0">
+                          <a:highlight>
+                            <a:srgbClr val="FFFF00"/>
+                          </a:highlight>
+                        </a:rPr>
+                        <a:t>39.41%</a:t>
+                      </a:r>
+                    </a:p>
+                  </a:txBody>
+                  <a:tcPr/>
+                </a:tc>
+                <a:tc>
+                  <a:txBody>
+                    <a:bodyPr/>
+                    <a:lstStyle/>
+                    <a:p>
+                      <a:pPr algn="ctr"/>
+                      <a:r>
+                        <a:rPr lang="en-IN" dirty="0">
+                          <a:highlight>
+                            <a:srgbClr val="FFFF00"/>
+                          </a:highlight>
+                        </a:rPr>
+                        <a:t>18.02%</a:t>
+                      </a:r>
+                    </a:p>
+                  </a:txBody>
+                  <a:tcPr/>
+                </a:tc>
+                <a:tc>
+                  <a:txBody>
+                    <a:bodyPr/>
+                    <a:lstStyle/>
+                    <a:p>
+                      <a:pPr algn="ctr"/>
+                      <a:r>
+                        <a:rPr lang="en-IN" dirty="0">
+                          <a:highlight>
+                            <a:srgbClr val="FFFF00"/>
+                          </a:highlight>
+                        </a:rPr>
+                        <a:t>32.21%</a:t>
+                      </a:r>
+                    </a:p>
+                  </a:txBody>
+                  <a:tcPr/>
+                </a:tc>
+                <a:extLst>
+                  <a:ext uri="{0D108BD9-81ED-4DB2-BD59-A6C34878D82A}">
+                    <a16:rowId xmlns:a16="http://schemas.microsoft.com/office/drawing/2014/main" val="2740143975"/>
+                  </a:ext>
+                </a:extLst>
+              </a:tr>
+              <a:tr h="864527">
+                <a:tc>
+                  <a:txBody>
+                    <a:bodyPr/>
+                    <a:lstStyle/>
+                    <a:p>
+                      <a:r>
+                        <a:rPr lang="en-IN" sz="1800" kern="1200" dirty="0">
+                          <a:solidFill>
+                            <a:schemeClr val="tx1"/>
+                          </a:solidFill>
+                          <a:latin typeface="+mn-lt"/>
+                          <a:ea typeface="+mn-ea"/>
+                          <a:cs typeface="+mn-cs"/>
+                        </a:rPr>
+                        <a:t>Bayesian Classifier</a:t>
+                      </a:r>
+                    </a:p>
+                  </a:txBody>
+                  <a:tcPr>
+                    <a:noFill/>
+                  </a:tcPr>
+                </a:tc>
+                <a:tc>
+                  <a:txBody>
+                    <a:bodyPr/>
+                    <a:lstStyle/>
+                    <a:p>
+                      <a:pPr algn="ctr"/>
+                      <a:r>
+                        <a:rPr lang="en-IN" sz="1800" kern="1200" dirty="0">
+                          <a:solidFill>
+                            <a:schemeClr val="tx1"/>
+                          </a:solidFill>
+                          <a:latin typeface="+mn-lt"/>
+                          <a:ea typeface="+mn-ea"/>
+                          <a:cs typeface="+mn-cs"/>
+                        </a:rPr>
+                        <a:t>50.73%</a:t>
+                      </a:r>
+                    </a:p>
+                  </a:txBody>
+                  <a:tcPr/>
+                </a:tc>
+                <a:tc>
+                  <a:txBody>
+                    <a:bodyPr/>
+                    <a:lstStyle/>
+                    <a:p>
+                      <a:pPr algn="ctr"/>
+                      <a:r>
+                        <a:rPr lang="en-IN" sz="1800" kern="1200" dirty="0">
+                          <a:solidFill>
+                            <a:schemeClr val="tx1"/>
+                          </a:solidFill>
+                          <a:latin typeface="+mn-lt"/>
+                          <a:ea typeface="+mn-ea"/>
+                          <a:cs typeface="+mn-cs"/>
+                        </a:rPr>
+                        <a:t>18.86%</a:t>
+                      </a:r>
+                    </a:p>
+                  </a:txBody>
+                  <a:tcPr/>
+                </a:tc>
+                <a:tc>
+                  <a:txBody>
+                    <a:bodyPr/>
+                    <a:lstStyle/>
+                    <a:p>
+                      <a:pPr algn="ctr"/>
+                      <a:r>
+                        <a:rPr lang="en-IN" sz="1800" kern="1200" dirty="0">
+                          <a:solidFill>
+                            <a:schemeClr val="tx1"/>
+                          </a:solidFill>
+                          <a:latin typeface="+mn-lt"/>
+                          <a:ea typeface="+mn-ea"/>
+                          <a:cs typeface="+mn-cs"/>
+                        </a:rPr>
+                        <a:t>76.61%</a:t>
+                      </a:r>
+                    </a:p>
+                  </a:txBody>
+                  <a:tcPr/>
+                </a:tc>
+                <a:tc>
+                  <a:txBody>
+                    <a:bodyPr/>
+                    <a:lstStyle/>
+                    <a:p>
+                      <a:pPr algn="ctr"/>
+                      <a:r>
+                        <a:rPr lang="en-IN" sz="1800" kern="1200" dirty="0">
+                          <a:solidFill>
+                            <a:schemeClr val="tx1"/>
+                          </a:solidFill>
+                          <a:latin typeface="+mn-lt"/>
+                          <a:ea typeface="+mn-ea"/>
+                          <a:cs typeface="+mn-cs"/>
+                        </a:rPr>
+                        <a:t>44.25%</a:t>
+                      </a:r>
+                    </a:p>
+                  </a:txBody>
+                  <a:tcPr/>
+                </a:tc>
+                <a:tc>
+                  <a:txBody>
+                    <a:bodyPr/>
+                    <a:lstStyle/>
+                    <a:p>
+                      <a:pPr algn="ctr"/>
+                      <a:r>
+                        <a:rPr lang="en-IN" sz="1800" kern="1200" dirty="0">
+                          <a:solidFill>
+                            <a:schemeClr val="tx1"/>
+                          </a:solidFill>
+                          <a:latin typeface="+mn-lt"/>
+                          <a:ea typeface="+mn-ea"/>
+                          <a:cs typeface="+mn-cs"/>
+                        </a:rPr>
+                        <a:t>41.38%</a:t>
+                      </a:r>
+                    </a:p>
+                  </a:txBody>
+                  <a:tcPr/>
+                </a:tc>
+                <a:extLst>
+                  <a:ext uri="{0D108BD9-81ED-4DB2-BD59-A6C34878D82A}">
+                    <a16:rowId xmlns:a16="http://schemas.microsoft.com/office/drawing/2014/main" val="4075877440"/>
+                  </a:ext>
+                </a:extLst>
+              </a:tr>
+              <a:tr h="1092856">
+                <a:tc>
+                  <a:txBody>
+                    <a:bodyPr/>
+                    <a:lstStyle/>
+                    <a:p>
+                      <a:r>
+                        <a:rPr lang="en-US" sz="1800" dirty="0"/>
+                        <a:t>Logistic Regression Analysis</a:t>
+                      </a:r>
+                      <a:endParaRPr lang="en-IN" dirty="0"/>
+                    </a:p>
+                  </a:txBody>
+                  <a:tcPr/>
+                </a:tc>
+                <a:tc>
+                  <a:txBody>
+                    <a:bodyPr/>
+                    <a:lstStyle/>
+                    <a:p>
+                      <a:pPr algn="ctr"/>
+                      <a:r>
+                        <a:rPr lang="en-IN" dirty="0">
+                          <a:highlight>
+                            <a:srgbClr val="FFFF00"/>
+                          </a:highlight>
+                        </a:rPr>
+                        <a:t>31.40%</a:t>
+                      </a:r>
+                    </a:p>
+                  </a:txBody>
+                  <a:tcPr/>
+                </a:tc>
+                <a:tc>
+                  <a:txBody>
+                    <a:bodyPr/>
+                    <a:lstStyle/>
+                    <a:p>
+                      <a:pPr algn="ctr"/>
+                      <a:r>
+                        <a:rPr lang="en-IN" dirty="0">
+                          <a:highlight>
+                            <a:srgbClr val="FFFF00"/>
+                          </a:highlight>
+                        </a:rPr>
+                        <a:t>31.23%</a:t>
+                      </a:r>
+                    </a:p>
+                  </a:txBody>
+                  <a:tcPr/>
+                </a:tc>
+                <a:tc>
+                  <a:txBody>
+                    <a:bodyPr/>
+                    <a:lstStyle/>
+                    <a:p>
+                      <a:pPr algn="ctr"/>
+                      <a:r>
+                        <a:rPr lang="en-IN" dirty="0">
+                          <a:highlight>
+                            <a:srgbClr val="FFFF00"/>
+                          </a:highlight>
+                        </a:rPr>
+                        <a:t>31.40%</a:t>
+                      </a:r>
+                    </a:p>
+                  </a:txBody>
+                  <a:tcPr/>
+                </a:tc>
+                <a:tc>
+                  <a:txBody>
+                    <a:bodyPr/>
+                    <a:lstStyle/>
+                    <a:p>
+                      <a:pPr algn="ctr"/>
+                      <a:r>
+                        <a:rPr lang="en-IN" dirty="0">
+                          <a:highlight>
+                            <a:srgbClr val="FFFF00"/>
+                          </a:highlight>
+                        </a:rPr>
+                        <a:t>31.23%</a:t>
+                      </a:r>
+                    </a:p>
+                  </a:txBody>
+                  <a:tcPr/>
+                </a:tc>
+                <a:tc>
+                  <a:txBody>
+                    <a:bodyPr/>
+                    <a:lstStyle/>
+                    <a:p>
+                      <a:pPr algn="ctr"/>
+                      <a:r>
+                        <a:rPr lang="en-IN" dirty="0">
+                          <a:highlight>
+                            <a:srgbClr val="FFFF00"/>
+                          </a:highlight>
+                        </a:rPr>
+                        <a:t>33.11%</a:t>
+                      </a:r>
+                    </a:p>
+                  </a:txBody>
+                  <a:tcPr/>
+                </a:tc>
+                <a:extLst>
+                  <a:ext uri="{0D108BD9-81ED-4DB2-BD59-A6C34878D82A}">
+                    <a16:rowId xmlns:a16="http://schemas.microsoft.com/office/drawing/2014/main" val="541031661"/>
+                  </a:ext>
+                </a:extLst>
+              </a:tr>
+              <a:tr h="741580">
+                <a:tc>
+                  <a:txBody>
+                    <a:bodyPr/>
+                    <a:lstStyle/>
+                    <a:p>
+                      <a:r>
+                        <a:rPr lang="en-IN" dirty="0"/>
+                        <a:t>Neural Network</a:t>
+                      </a:r>
+                    </a:p>
+                  </a:txBody>
+                  <a:tcPr/>
+                </a:tc>
+                <a:tc>
+                  <a:txBody>
+                    <a:bodyPr/>
+                    <a:lstStyle/>
+                    <a:p>
+                      <a:pPr algn="ctr"/>
+                      <a:endParaRPr lang="en-IN" dirty="0">
+                        <a:highlight>
+                          <a:srgbClr val="FFFF00"/>
+                        </a:highlight>
+                      </a:endParaRPr>
+                    </a:p>
+                  </a:txBody>
+                  <a:tcPr/>
+                </a:tc>
+                <a:tc>
+                  <a:txBody>
+                    <a:bodyPr/>
+                    <a:lstStyle/>
+                    <a:p>
+                      <a:pPr algn="ctr"/>
+                      <a:endParaRPr lang="en-IN" dirty="0">
+                        <a:highlight>
+                          <a:srgbClr val="FFFF00"/>
+                        </a:highlight>
+                      </a:endParaRPr>
+                    </a:p>
+                  </a:txBody>
+                  <a:tcPr/>
+                </a:tc>
+                <a:tc>
+                  <a:txBody>
+                    <a:bodyPr/>
+                    <a:lstStyle/>
+                    <a:p>
+                      <a:pPr algn="ctr"/>
+                      <a:endParaRPr lang="en-IN" dirty="0">
+                        <a:highlight>
+                          <a:srgbClr val="FFFF00"/>
+                        </a:highlight>
+                      </a:endParaRPr>
+                    </a:p>
+                  </a:txBody>
+                  <a:tcPr/>
+                </a:tc>
+                <a:tc>
+                  <a:txBody>
+                    <a:bodyPr/>
+                    <a:lstStyle/>
+                    <a:p>
+                      <a:pPr algn="ctr"/>
+                      <a:endParaRPr lang="en-IN" dirty="0">
+                        <a:highlight>
+                          <a:srgbClr val="FFFF00"/>
+                        </a:highlight>
+                      </a:endParaRPr>
+                    </a:p>
+                  </a:txBody>
+                  <a:tcPr/>
+                </a:tc>
+                <a:tc>
+                  <a:txBody>
+                    <a:bodyPr/>
+                    <a:lstStyle/>
+                    <a:p>
+                      <a:pPr algn="ctr"/>
+                      <a:endParaRPr lang="en-IN" dirty="0">
+                        <a:highlight>
+                          <a:srgbClr val="FFFF00"/>
+                        </a:highlight>
+                      </a:endParaRPr>
+                    </a:p>
+                  </a:txBody>
+                  <a:tcPr/>
+                </a:tc>
+                <a:extLst>
+                  <a:ext uri="{0D108BD9-81ED-4DB2-BD59-A6C34878D82A}">
+                    <a16:rowId xmlns:a16="http://schemas.microsoft.com/office/drawing/2014/main" val="1396813758"/>
+                  </a:ext>
+                </a:extLst>
+              </a:tr>
+            </a:tbl>
+          </a:graphicData>
+        </a:graphic>
+      </p:graphicFrame>
+      <p:sp>
+        <p:nvSpPr>
+          <p:cNvPr id="3" name="Rectangle 2">
+            <a:extLst>
+              <a:ext uri="{FF2B5EF4-FFF2-40B4-BE49-F238E27FC236}">
+                <a16:creationId xmlns:a16="http://schemas.microsoft.com/office/drawing/2014/main" id="{6D24092D-9014-4601-A8E5-A4FB3F59660D}"/>
+              </a:ext>
+            </a:extLst>
+          </p:cNvPr>
+          <p:cNvSpPr/>
+          <p:nvPr/>
+        </p:nvSpPr>
+        <p:spPr>
+          <a:xfrm>
+            <a:off x="2929891" y="6425978"/>
+            <a:ext cx="6078395" cy="369332"/>
+          </a:xfrm>
+          <a:prstGeom prst="rect">
+            <a:avLst/>
+          </a:prstGeom>
+        </p:spPr>
+        <p:txBody>
+          <a:bodyPr wrap="none">
+            <a:spAutoFit/>
+          </a:bodyPr>
+          <a:lstStyle/>
+          <a:p>
+            <a:r>
+              <a:rPr lang="en-IN" dirty="0">
+                <a:highlight>
+                  <a:srgbClr val="FFFF00"/>
+                </a:highlight>
+              </a:rPr>
+              <a:t>Everyone to verify and update results, Gaurav to add animation</a:t>
+            </a:r>
+            <a:endParaRPr lang="en-US" dirty="0">
+              <a:highlight>
+                <a:srgbClr val="FFFF00"/>
+              </a:highlight>
+            </a:endParaRPr>
+          </a:p>
+        </p:txBody>
+      </p:sp>
+    </p:spTree>
+    <p:extLst>
+      <p:ext uri="{BB962C8B-B14F-4D97-AF65-F5344CB8AC3E}">
+        <p14:creationId xmlns:p14="http://schemas.microsoft.com/office/powerpoint/2010/main" val="2834241000"/>
+      </p:ext>
+    </p:extLst>
+  </p:cSld>
+  <p:clrMapOvr>
+    <a:masterClrMapping/>
+  </p:clrMapOvr>
+</p:sld>
+</file>
+
+<file path=ppt/slides/slide15.xml><?xml version="1.0" encoding="utf-8"?>
+<p:sld xmlns:a="http://schemas.openxmlformats.org/drawingml/2006/main" xmlns:r="http://schemas.openxmlformats.org/officeDocument/2006/relationships" xmlns:p="http://schemas.openxmlformats.org/presentationml/2006/main">
+  <p:cSld>
+    <p:spTree>
+      <p:nvGrpSpPr>
+        <p:cNvPr id="1" name=""/>
+        <p:cNvGrpSpPr/>
+        <p:nvPr/>
+      </p:nvGrpSpPr>
+      <p:grpSpPr>
+        <a:xfrm>
+          <a:off x="0" y="0"/>
+          <a:ext cx="0" cy="0"/>
+          <a:chOff x="0" y="0"/>
+          <a:chExt cx="0" cy="0"/>
+        </a:xfrm>
+      </p:grpSpPr>
+      <p:sp>
+        <p:nvSpPr>
+          <p:cNvPr id="2" name="Title 1"/>
+          <p:cNvSpPr>
+            <a:spLocks noGrp="1"/>
+          </p:cNvSpPr>
+          <p:nvPr>
+            <p:ph type="title"/>
+          </p:nvPr>
+        </p:nvSpPr>
+        <p:spPr>
+          <a:xfrm>
+            <a:off x="1143001" y="35422"/>
+            <a:ext cx="9905998" cy="583096"/>
+          </a:xfrm>
+        </p:spPr>
+        <p:txBody>
+          <a:bodyPr>
+            <a:normAutofit fontScale="90000"/>
+          </a:bodyPr>
+          <a:lstStyle/>
+          <a:p>
+            <a:r>
+              <a:rPr lang="en-IN" dirty="0"/>
+              <a:t>Interesting Observations</a:t>
+            </a:r>
+          </a:p>
+        </p:txBody>
+      </p:sp>
+      <p:sp>
+        <p:nvSpPr>
+          <p:cNvPr id="4" name="Content Placeholder 2"/>
+          <p:cNvSpPr>
+            <a:spLocks noGrp="1"/>
+          </p:cNvSpPr>
+          <p:nvPr>
+            <p:ph sz="half" idx="1"/>
+          </p:nvPr>
+        </p:nvSpPr>
+        <p:spPr>
+          <a:xfrm>
+            <a:off x="734940" y="1461331"/>
+            <a:ext cx="4546361" cy="4761059"/>
+          </a:xfrm>
+        </p:spPr>
+        <p:txBody>
+          <a:bodyPr>
+            <a:noAutofit/>
+          </a:bodyPr>
+          <a:lstStyle/>
+          <a:p>
+            <a:r>
+              <a:rPr lang="en-IN" sz="1400" dirty="0"/>
+              <a:t>Bayesian classifier accuracy falls after a certain number of Principal Components</a:t>
+            </a:r>
+          </a:p>
+          <a:p>
+            <a:pPr>
+              <a:lnSpc>
+                <a:spcPct val="100000"/>
+              </a:lnSpc>
+              <a:buFont typeface="Wingdings"/>
+              <a:buChar char="Ø"/>
+            </a:pPr>
+            <a:r>
+              <a:rPr lang="en-IN" sz="1400" dirty="0"/>
+              <a:t>PCA gave us 2304 PCs. And initially, for the first ~360 components, adding them to training set improved the accuracy. But beyond that, accuracy started to decline.</a:t>
+            </a:r>
+          </a:p>
+          <a:p>
+            <a:pPr>
+              <a:lnSpc>
+                <a:spcPct val="100000"/>
+              </a:lnSpc>
+              <a:buFont typeface="Wingdings"/>
+              <a:buChar char="Ø"/>
+            </a:pPr>
+            <a:r>
+              <a:rPr lang="en-IN" sz="1400" dirty="0"/>
+              <a:t>Beyond 370 PCs, the covariance matrices get quite large, and unstable. Many cases, the determinant (for Disgust class) evaluates to a negative value, preventing predictions as well.</a:t>
+            </a:r>
+          </a:p>
+          <a:p>
+            <a:pPr>
+              <a:lnSpc>
+                <a:spcPct val="100000"/>
+              </a:lnSpc>
+              <a:buFont typeface="Wingdings"/>
+              <a:buChar char="Ø"/>
+            </a:pPr>
+            <a:r>
+              <a:rPr lang="en-US" sz="1400" dirty="0"/>
+              <a:t>100% PPV in Disgust class for Bayesian classifier and rest PPVs are lower. Reason might be unbalanced classes determined by their counts.</a:t>
+            </a:r>
+          </a:p>
+          <a:p>
+            <a:pPr>
+              <a:lnSpc>
+                <a:spcPct val="100000"/>
+              </a:lnSpc>
+              <a:buFont typeface="Wingdings"/>
+              <a:buChar char="Ø"/>
+            </a:pPr>
+            <a:r>
+              <a:rPr lang="en-US" sz="1400" dirty="0"/>
+              <a:t>Principal components make the distributions more Gaussian</a:t>
+            </a:r>
+            <a:endParaRPr lang="en-IN" sz="1400" dirty="0"/>
+          </a:p>
+          <a:p>
+            <a:pPr marL="0" indent="0">
+              <a:lnSpc>
+                <a:spcPct val="100000"/>
+              </a:lnSpc>
+              <a:buNone/>
+            </a:pPr>
+            <a:r>
+              <a:rPr lang="en-IN" sz="1400" dirty="0"/>
+              <a:t>NOTE: even for lesser number of PCs, switched to ‘</a:t>
+            </a:r>
+            <a:r>
+              <a:rPr lang="en-IN" sz="1400" dirty="0" err="1"/>
+              <a:t>numpy.linalg.slogdet</a:t>
+            </a:r>
+            <a:r>
+              <a:rPr lang="en-IN" sz="1400" dirty="0"/>
+              <a:t>()’ and determined ‘pdf’ on a log scale, as ‘</a:t>
+            </a:r>
+            <a:r>
+              <a:rPr lang="en-IN" sz="1400" dirty="0" err="1"/>
+              <a:t>numpy.linalg.det</a:t>
+            </a:r>
+            <a:r>
+              <a:rPr lang="en-IN" sz="1400" dirty="0"/>
+              <a:t>()’ fails with “</a:t>
+            </a:r>
+            <a:r>
+              <a:rPr lang="en-US" sz="1400" dirty="0" err="1"/>
+              <a:t>RuntimeWarning</a:t>
+            </a:r>
+            <a:r>
+              <a:rPr lang="en-US" sz="1400" dirty="0"/>
+              <a:t>: overflow encountered</a:t>
+            </a:r>
+            <a:r>
+              <a:rPr lang="en-IN" sz="1400" dirty="0"/>
+              <a:t>”.</a:t>
+            </a:r>
+          </a:p>
+          <a:p>
+            <a:pPr>
+              <a:lnSpc>
+                <a:spcPct val="100000"/>
+              </a:lnSpc>
+              <a:buFont typeface="Wingdings"/>
+              <a:buChar char="Ø"/>
+            </a:pPr>
+            <a:endParaRPr lang="en-IN" sz="1300" dirty="0"/>
+          </a:p>
+        </p:txBody>
+      </p:sp>
+      <p:pic>
+        <p:nvPicPr>
+          <p:cNvPr id="1026" name="Picture 2"/>
+          <p:cNvPicPr>
+            <a:picLocks noChangeAspect="1" noChangeArrowheads="1"/>
+          </p:cNvPicPr>
+          <p:nvPr/>
+        </p:nvPicPr>
+        <p:blipFill>
+          <a:blip r:embed="rId2">
+            <a:extLst>
+              <a:ext uri="{28A0092B-C50C-407E-A947-70E740481C1C}">
+                <a14:useLocalDpi xmlns:a14="http://schemas.microsoft.com/office/drawing/2010/main" val="0"/>
+              </a:ext>
+            </a:extLst>
+          </a:blip>
+          <a:srcRect/>
+          <a:stretch>
+            <a:fillRect/>
+          </a:stretch>
+        </p:blipFill>
+        <p:spPr bwMode="auto">
+          <a:xfrm>
+            <a:off x="5264970" y="1563880"/>
+            <a:ext cx="6334400" cy="4792110"/>
+          </a:xfrm>
+          <a:prstGeom prst="rect">
+            <a:avLst/>
+          </a:prstGeom>
+          <a:noFill/>
+          <a:ln>
+            <a:noFill/>
+          </a:ln>
+          <a:extLst>
+            <a:ext uri="{909E8E84-426E-40DD-AFC4-6F175D3DCCD1}">
+              <a14:hiddenFill xmlns:a14="http://schemas.microsoft.com/office/drawing/2010/main">
+                <a:solidFill>
+                  <a:schemeClr val="accent1"/>
+                </a:solidFill>
+              </a14:hiddenFill>
+            </a:ext>
+            <a:ext uri="{91240B29-F687-4F45-9708-019B960494DF}">
+              <a14:hiddenLine xmlns:a14="http://schemas.microsoft.com/office/drawing/2010/main" w="9525">
+                <a:solidFill>
+                  <a:schemeClr val="tx1"/>
+                </a:solidFill>
+                <a:miter lim="800000"/>
+                <a:headEnd/>
+                <a:tailEnd/>
+              </a14:hiddenLine>
+            </a:ext>
+          </a:extLst>
+        </p:spPr>
+      </p:pic>
+      <p:sp>
+        <p:nvSpPr>
+          <p:cNvPr id="3" name="Rectangle 2">
+            <a:extLst>
+              <a:ext uri="{FF2B5EF4-FFF2-40B4-BE49-F238E27FC236}">
+                <a16:creationId xmlns:a16="http://schemas.microsoft.com/office/drawing/2014/main" id="{30B14E7A-8F0E-4DEC-9955-CEF62AB818B0}"/>
+              </a:ext>
+            </a:extLst>
+          </p:cNvPr>
+          <p:cNvSpPr/>
+          <p:nvPr/>
+        </p:nvSpPr>
+        <p:spPr>
+          <a:xfrm>
+            <a:off x="1143001" y="6355990"/>
+            <a:ext cx="2949397" cy="369332"/>
+          </a:xfrm>
+          <a:prstGeom prst="rect">
+            <a:avLst/>
+          </a:prstGeom>
+        </p:spPr>
+        <p:txBody>
+          <a:bodyPr wrap="none">
+            <a:spAutoFit/>
+          </a:bodyPr>
+          <a:lstStyle/>
+          <a:p>
+            <a:r>
+              <a:rPr lang="en-IN" dirty="0">
+                <a:highlight>
+                  <a:srgbClr val="FFFF00"/>
+                </a:highlight>
+              </a:rPr>
+              <a:t>Gaurav to review and update</a:t>
+            </a:r>
+            <a:endParaRPr lang="en-US" dirty="0">
+              <a:highlight>
+                <a:srgbClr val="FFFF00"/>
+              </a:highlight>
+            </a:endParaRPr>
+          </a:p>
+        </p:txBody>
+      </p:sp>
+    </p:spTree>
+    <p:extLst>
+      <p:ext uri="{BB962C8B-B14F-4D97-AF65-F5344CB8AC3E}">
+        <p14:creationId xmlns:p14="http://schemas.microsoft.com/office/powerpoint/2010/main" val="3346745492"/>
+      </p:ext>
+    </p:extLst>
+  </p:cSld>
+  <p:clrMapOvr>
+    <a:masterClrMapping/>
+  </p:clrMapOvr>
+</p:sld>
+</file>
+
+<file path=ppt/slides/slide2.xml><?xml version="1.0" encoding="utf-8"?>
+<p:sld xmlns:a="http://schemas.openxmlformats.org/drawingml/2006/main" xmlns:r="http://schemas.openxmlformats.org/officeDocument/2006/relationships" xmlns:p="http://schemas.openxmlformats.org/presentationml/2006/main">
+  <p:cSld>
+    <p:spTree>
+      <p:nvGrpSpPr>
+        <p:cNvPr id="1" name=""/>
+        <p:cNvGrpSpPr/>
+        <p:nvPr/>
+      </p:nvGrpSpPr>
+      <p:grpSpPr>
+        <a:xfrm>
+          <a:off x="0" y="0"/>
+          <a:ext cx="0" cy="0"/>
+          <a:chOff x="0" y="0"/>
+          <a:chExt cx="0" cy="0"/>
+        </a:xfrm>
+      </p:grpSpPr>
+      <p:sp>
+        <p:nvSpPr>
+          <p:cNvPr id="2" name="Title 1">
+            <a:extLst>
+              <a:ext uri="{FF2B5EF4-FFF2-40B4-BE49-F238E27FC236}">
+                <a16:creationId xmlns:a16="http://schemas.microsoft.com/office/drawing/2014/main" id="{58293DE5-6A3F-4CB5-9B2D-B26F445310F7}"/>
+              </a:ext>
+            </a:extLst>
+          </p:cNvPr>
+          <p:cNvSpPr>
+            <a:spLocks noGrp="1"/>
+          </p:cNvSpPr>
+          <p:nvPr>
+            <p:ph type="title"/>
+          </p:nvPr>
+        </p:nvSpPr>
+        <p:spPr/>
+        <p:txBody>
+          <a:bodyPr>
+            <a:normAutofit fontScale="90000"/>
+          </a:bodyPr>
+          <a:lstStyle/>
+          <a:p>
+            <a:r>
+              <a:rPr lang="en-US" dirty="0"/>
+              <a:t>Data source:</a:t>
+            </a:r>
+            <a:br>
+              <a:rPr lang="en-US" dirty="0"/>
+            </a:br>
+            <a:r>
+              <a:rPr lang="en-US" cap="none" dirty="0"/>
+              <a:t>https://www.kaggle.com/c/challenges-in-representation-learning-facial-expression-recognition-challenge/data</a:t>
+            </a:r>
+            <a:endParaRPr lang="en-US" dirty="0"/>
+          </a:p>
+        </p:txBody>
+      </p:sp>
+      <p:sp>
+        <p:nvSpPr>
+          <p:cNvPr id="3" name="Content Placeholder 2">
+            <a:extLst>
+              <a:ext uri="{FF2B5EF4-FFF2-40B4-BE49-F238E27FC236}">
+                <a16:creationId xmlns:a16="http://schemas.microsoft.com/office/drawing/2014/main" id="{AEF930C9-DE34-42D1-B51C-D4367365A454}"/>
+              </a:ext>
+            </a:extLst>
+          </p:cNvPr>
+          <p:cNvSpPr>
+            <a:spLocks noGrp="1"/>
+          </p:cNvSpPr>
+          <p:nvPr>
+            <p:ph sz="half" idx="1"/>
+          </p:nvPr>
+        </p:nvSpPr>
+        <p:spPr>
+          <a:xfrm>
+            <a:off x="1141410" y="2025353"/>
+            <a:ext cx="5182478" cy="4388699"/>
+          </a:xfrm>
+        </p:spPr>
+        <p:txBody>
+          <a:bodyPr>
+            <a:noAutofit/>
+          </a:bodyPr>
+          <a:lstStyle/>
+          <a:p>
+            <a:r>
+              <a:rPr lang="en-US" dirty="0"/>
+              <a:t>Training data size: </a:t>
+            </a:r>
+          </a:p>
+          <a:p>
+            <a:pPr lvl="1"/>
+            <a:r>
+              <a:rPr lang="en-US" sz="2400" dirty="0"/>
+              <a:t>28709 samples </a:t>
+            </a:r>
+          </a:p>
+          <a:p>
+            <a:pPr lvl="1"/>
+            <a:r>
+              <a:rPr lang="en-US" sz="2400" dirty="0"/>
+              <a:t>80% of complete set</a:t>
+            </a:r>
+          </a:p>
+          <a:p>
+            <a:pPr lvl="1"/>
+            <a:r>
+              <a:rPr lang="en-US" sz="2400" dirty="0"/>
+              <a:t>Each sample is 2304 features long (48x48 grayscale image)</a:t>
+            </a:r>
+          </a:p>
+          <a:p>
+            <a:r>
+              <a:rPr lang="en-US" dirty="0"/>
+              <a:t>Test set: </a:t>
+            </a:r>
+          </a:p>
+          <a:p>
+            <a:pPr lvl="1"/>
+            <a:r>
+              <a:rPr lang="en-US" sz="2400" dirty="0"/>
+              <a:t>7178 samples</a:t>
+            </a:r>
+          </a:p>
+          <a:p>
+            <a:pPr lvl="1"/>
+            <a:r>
+              <a:rPr lang="en-US" sz="2400" dirty="0"/>
+              <a:t>20% of complete set (10% used for evaluation, 10% for validation)</a:t>
+            </a:r>
+          </a:p>
+        </p:txBody>
+      </p:sp>
+      <p:sp>
+        <p:nvSpPr>
+          <p:cNvPr id="4" name="Content Placeholder 3">
+            <a:extLst>
+              <a:ext uri="{FF2B5EF4-FFF2-40B4-BE49-F238E27FC236}">
+                <a16:creationId xmlns:a16="http://schemas.microsoft.com/office/drawing/2014/main" id="{B2018AEE-6A81-49B2-AD03-CBA865B5659F}"/>
+              </a:ext>
+            </a:extLst>
+          </p:cNvPr>
+          <p:cNvSpPr>
+            <a:spLocks noGrp="1"/>
+          </p:cNvSpPr>
+          <p:nvPr>
+            <p:ph sz="half" idx="2"/>
+          </p:nvPr>
+        </p:nvSpPr>
+        <p:spPr>
+          <a:xfrm>
+            <a:off x="6633896" y="2106957"/>
+            <a:ext cx="4956854" cy="4608514"/>
+          </a:xfrm>
+        </p:spPr>
+        <p:txBody>
+          <a:bodyPr>
+            <a:normAutofit fontScale="92500" lnSpcReduction="20000"/>
+          </a:bodyPr>
+          <a:lstStyle/>
+          <a:p>
+            <a:pPr marL="0" indent="0">
+              <a:buNone/>
+            </a:pPr>
+            <a:r>
+              <a:rPr lang="en-US" dirty="0"/>
+              <a:t>Methodology:</a:t>
+            </a:r>
+          </a:p>
+          <a:p>
+            <a:pPr marL="0" indent="0">
+              <a:buNone/>
+            </a:pPr>
+            <a:r>
+              <a:rPr lang="en-US" dirty="0"/>
+              <a:t>Unsupervised:</a:t>
+            </a:r>
+          </a:p>
+          <a:p>
+            <a:pPr marL="457200" indent="-457200">
+              <a:buAutoNum type="arabicPeriod"/>
+            </a:pPr>
+            <a:r>
+              <a:rPr lang="en-US" dirty="0"/>
+              <a:t>Expectation Maximization</a:t>
+            </a:r>
+          </a:p>
+          <a:p>
+            <a:pPr marL="0" indent="0">
+              <a:buNone/>
+            </a:pPr>
+            <a:r>
+              <a:rPr lang="en-US" dirty="0"/>
+              <a:t>Supervised:</a:t>
+            </a:r>
+          </a:p>
+          <a:p>
+            <a:pPr marL="457200" indent="-457200">
+              <a:buFont typeface="+mj-lt"/>
+              <a:buAutoNum type="arabicPeriod"/>
+            </a:pPr>
+            <a:r>
+              <a:rPr lang="en-US" sz="2000" dirty="0"/>
+              <a:t>Logistic Regression Classifier</a:t>
+            </a:r>
+          </a:p>
+          <a:p>
+            <a:pPr marL="457200" indent="-457200">
+              <a:buFont typeface="+mj-lt"/>
+              <a:buAutoNum type="arabicPeriod"/>
+            </a:pPr>
+            <a:r>
+              <a:rPr lang="en-US" sz="2000" dirty="0"/>
+              <a:t>Linear Classifier</a:t>
+            </a:r>
+          </a:p>
+          <a:p>
+            <a:pPr marL="457200" indent="-457200">
+              <a:buFont typeface="+mj-lt"/>
+              <a:buAutoNum type="arabicPeriod"/>
+            </a:pPr>
+            <a:r>
+              <a:rPr lang="en-US" sz="2000" dirty="0"/>
+              <a:t>Bayesian Classification </a:t>
+            </a:r>
+          </a:p>
+          <a:p>
+            <a:pPr marL="457200" indent="-457200">
+              <a:buFont typeface="+mj-lt"/>
+              <a:buAutoNum type="arabicPeriod"/>
+            </a:pPr>
+            <a:r>
+              <a:rPr lang="en-US" sz="2000" dirty="0"/>
+              <a:t>Principal Component Analysis</a:t>
+            </a:r>
+          </a:p>
+          <a:p>
+            <a:pPr marL="457200" indent="-457200">
+              <a:buFont typeface="+mj-lt"/>
+              <a:buAutoNum type="arabicPeriod"/>
+            </a:pPr>
+            <a:r>
+              <a:rPr lang="en-US" sz="2000" dirty="0"/>
+              <a:t>Histogram Analysis</a:t>
+            </a:r>
+          </a:p>
+          <a:p>
+            <a:pPr marL="457200" indent="-457200">
+              <a:buFont typeface="+mj-lt"/>
+              <a:buAutoNum type="arabicPeriod"/>
+            </a:pPr>
+            <a:r>
+              <a:rPr lang="en-US" sz="2000" dirty="0"/>
+              <a:t>Neural Networks</a:t>
+            </a:r>
+            <a:br>
+              <a:rPr lang="en-US" sz="2000" dirty="0"/>
+            </a:br>
+            <a:endParaRPr lang="en-US" sz="2000" dirty="0"/>
+          </a:p>
+        </p:txBody>
+      </p:sp>
+    </p:spTree>
+    <p:extLst>
+      <p:ext uri="{BB962C8B-B14F-4D97-AF65-F5344CB8AC3E}">
+        <p14:creationId xmlns:p14="http://schemas.microsoft.com/office/powerpoint/2010/main" val="2083066354"/>
+      </p:ext>
+    </p:extLst>
+  </p:cSld>
+  <p:clrMapOvr>
+    <a:masterClrMapping/>
+  </p:clrMapOvr>
+</p:sld>
+</file>
+
+<file path=ppt/slides/slide3.xml><?xml version="1.0" encoding="utf-8"?>
+<p:sld xmlns:a="http://schemas.openxmlformats.org/drawingml/2006/main" xmlns:r="http://schemas.openxmlformats.org/officeDocument/2006/relationships" xmlns:p="http://schemas.openxmlformats.org/presentationml/2006/main">
+  <p:cSld>
+    <p:spTree>
+      <p:nvGrpSpPr>
+        <p:cNvPr id="1" name=""/>
+        <p:cNvGrpSpPr/>
+        <p:nvPr/>
+      </p:nvGrpSpPr>
+      <p:grpSpPr>
+        <a:xfrm>
+          <a:off x="0" y="0"/>
+          <a:ext cx="0" cy="0"/>
+          <a:chOff x="0" y="0"/>
+          <a:chExt cx="0" cy="0"/>
+        </a:xfrm>
+      </p:grpSpPr>
+      <p:pic>
+        <p:nvPicPr>
+          <p:cNvPr id="6" name="Picture 5">
+            <a:extLst>
+              <a:ext uri="{FF2B5EF4-FFF2-40B4-BE49-F238E27FC236}">
+                <a16:creationId xmlns:a16="http://schemas.microsoft.com/office/drawing/2014/main" id="{5D56938D-3BE8-CE48-AA21-BE82D471014E}"/>
+              </a:ext>
+            </a:extLst>
+          </p:cNvPr>
+          <p:cNvPicPr>
+            <a:picLocks noChangeAspect="1"/>
+          </p:cNvPicPr>
+          <p:nvPr/>
+        </p:nvPicPr>
+        <p:blipFill>
+          <a:blip r:embed="rId2"/>
+          <a:stretch>
+            <a:fillRect/>
+          </a:stretch>
+        </p:blipFill>
+        <p:spPr>
+          <a:xfrm>
+            <a:off x="622852" y="3124201"/>
+            <a:ext cx="1860550" cy="1879600"/>
+          </a:xfrm>
+          <a:prstGeom prst="rect">
+            <a:avLst/>
+          </a:prstGeom>
+        </p:spPr>
+      </p:pic>
+      <p:sp>
+        <p:nvSpPr>
+          <p:cNvPr id="7" name="TextBox 6">
+            <a:extLst>
+              <a:ext uri="{FF2B5EF4-FFF2-40B4-BE49-F238E27FC236}">
+                <a16:creationId xmlns:a16="http://schemas.microsoft.com/office/drawing/2014/main" id="{D915B283-25CC-1646-BC03-AAA3C5A9F1CF}"/>
+              </a:ext>
+            </a:extLst>
+          </p:cNvPr>
+          <p:cNvSpPr txBox="1"/>
+          <p:nvPr/>
+        </p:nvSpPr>
+        <p:spPr>
+          <a:xfrm>
+            <a:off x="1289272" y="1956977"/>
+            <a:ext cx="643125" cy="461665"/>
+          </a:xfrm>
+          <a:prstGeom prst="rect">
+            <a:avLst/>
+          </a:prstGeom>
+          <a:noFill/>
+        </p:spPr>
+        <p:txBody>
+          <a:bodyPr wrap="none" rtlCol="0">
+            <a:spAutoFit/>
+          </a:bodyPr>
+          <a:lstStyle/>
+          <a:p>
+            <a:r>
+              <a:rPr lang="en-US" sz="2400" dirty="0"/>
+              <a:t>Left</a:t>
+            </a:r>
+          </a:p>
+        </p:txBody>
+      </p:sp>
+      <p:sp>
+        <p:nvSpPr>
+          <p:cNvPr id="8" name="TextBox 7">
+            <a:extLst>
+              <a:ext uri="{FF2B5EF4-FFF2-40B4-BE49-F238E27FC236}">
+                <a16:creationId xmlns:a16="http://schemas.microsoft.com/office/drawing/2014/main" id="{77363FA3-080C-7D46-AEA8-CC10D34C1207}"/>
+              </a:ext>
+            </a:extLst>
+          </p:cNvPr>
+          <p:cNvSpPr txBox="1"/>
+          <p:nvPr/>
+        </p:nvSpPr>
+        <p:spPr>
+          <a:xfrm>
+            <a:off x="1232366" y="5300870"/>
+            <a:ext cx="793807" cy="461665"/>
+          </a:xfrm>
+          <a:prstGeom prst="rect">
+            <a:avLst/>
+          </a:prstGeom>
+          <a:noFill/>
+        </p:spPr>
+        <p:txBody>
+          <a:bodyPr wrap="none" rtlCol="0">
+            <a:spAutoFit/>
+          </a:bodyPr>
+          <a:lstStyle/>
+          <a:p>
+            <a:r>
+              <a:rPr lang="en-US" sz="2400" dirty="0"/>
+              <a:t>Right</a:t>
+            </a:r>
+          </a:p>
+        </p:txBody>
+      </p:sp>
+      <p:pic>
+        <p:nvPicPr>
+          <p:cNvPr id="9" name="Picture 8">
+            <a:extLst>
+              <a:ext uri="{FF2B5EF4-FFF2-40B4-BE49-F238E27FC236}">
+                <a16:creationId xmlns:a16="http://schemas.microsoft.com/office/drawing/2014/main" id="{FF582211-B22A-104F-8420-2A250CBCAA9E}"/>
+              </a:ext>
+            </a:extLst>
+          </p:cNvPr>
+          <p:cNvPicPr>
+            <a:picLocks noChangeAspect="1"/>
+          </p:cNvPicPr>
+          <p:nvPr/>
+        </p:nvPicPr>
+        <p:blipFill>
+          <a:blip r:embed="rId3"/>
+          <a:stretch>
+            <a:fillRect/>
+          </a:stretch>
+        </p:blipFill>
+        <p:spPr>
+          <a:xfrm>
+            <a:off x="3290528" y="1386160"/>
+            <a:ext cx="2104361" cy="2125906"/>
+          </a:xfrm>
+          <a:prstGeom prst="rect">
+            <a:avLst/>
+          </a:prstGeom>
+        </p:spPr>
+      </p:pic>
+      <p:pic>
+        <p:nvPicPr>
+          <p:cNvPr id="10" name="Picture 9">
+            <a:extLst>
+              <a:ext uri="{FF2B5EF4-FFF2-40B4-BE49-F238E27FC236}">
+                <a16:creationId xmlns:a16="http://schemas.microsoft.com/office/drawing/2014/main" id="{64C88E78-58A0-AA4F-8247-DD709B7A6D22}"/>
+              </a:ext>
+            </a:extLst>
+          </p:cNvPr>
+          <p:cNvPicPr>
+            <a:picLocks noChangeAspect="1"/>
+          </p:cNvPicPr>
+          <p:nvPr/>
+        </p:nvPicPr>
+        <p:blipFill>
+          <a:blip r:embed="rId4"/>
+          <a:stretch>
+            <a:fillRect/>
+          </a:stretch>
+        </p:blipFill>
+        <p:spPr>
+          <a:xfrm>
+            <a:off x="6024463" y="1342675"/>
+            <a:ext cx="2104362" cy="2125909"/>
+          </a:xfrm>
+          <a:prstGeom prst="rect">
+            <a:avLst/>
+          </a:prstGeom>
+        </p:spPr>
+      </p:pic>
+      <p:pic>
+        <p:nvPicPr>
+          <p:cNvPr id="11" name="Picture 10">
+            <a:extLst>
+              <a:ext uri="{FF2B5EF4-FFF2-40B4-BE49-F238E27FC236}">
+                <a16:creationId xmlns:a16="http://schemas.microsoft.com/office/drawing/2014/main" id="{58BB88A8-9BD7-0741-B3D1-AF9BD689186F}"/>
+              </a:ext>
+            </a:extLst>
+          </p:cNvPr>
+          <p:cNvPicPr>
+            <a:picLocks noChangeAspect="1"/>
+          </p:cNvPicPr>
+          <p:nvPr/>
+        </p:nvPicPr>
+        <p:blipFill>
+          <a:blip r:embed="rId5"/>
+          <a:stretch>
+            <a:fillRect/>
+          </a:stretch>
+        </p:blipFill>
+        <p:spPr>
+          <a:xfrm>
+            <a:off x="8688156" y="1328076"/>
+            <a:ext cx="2133263" cy="2155105"/>
+          </a:xfrm>
+          <a:prstGeom prst="rect">
+            <a:avLst/>
+          </a:prstGeom>
+        </p:spPr>
+      </p:pic>
+      <p:pic>
+        <p:nvPicPr>
+          <p:cNvPr id="12" name="Picture 11">
+            <a:extLst>
+              <a:ext uri="{FF2B5EF4-FFF2-40B4-BE49-F238E27FC236}">
+                <a16:creationId xmlns:a16="http://schemas.microsoft.com/office/drawing/2014/main" id="{E7ACC8CD-4378-9048-8D98-21A2B9229B32}"/>
+              </a:ext>
+            </a:extLst>
+          </p:cNvPr>
+          <p:cNvPicPr>
+            <a:picLocks noChangeAspect="1"/>
+          </p:cNvPicPr>
+          <p:nvPr/>
+        </p:nvPicPr>
+        <p:blipFill>
+          <a:blip r:embed="rId6"/>
+          <a:stretch>
+            <a:fillRect/>
+          </a:stretch>
+        </p:blipFill>
+        <p:spPr>
+          <a:xfrm>
+            <a:off x="3290529" y="4352342"/>
+            <a:ext cx="2104361" cy="2125907"/>
+          </a:xfrm>
+          <a:prstGeom prst="rect">
+            <a:avLst/>
+          </a:prstGeom>
+        </p:spPr>
+      </p:pic>
+      <p:pic>
+        <p:nvPicPr>
+          <p:cNvPr id="13" name="Picture 12">
+            <a:extLst>
+              <a:ext uri="{FF2B5EF4-FFF2-40B4-BE49-F238E27FC236}">
+                <a16:creationId xmlns:a16="http://schemas.microsoft.com/office/drawing/2014/main" id="{8241D1AC-3E3B-4B48-BA98-D299381640D0}"/>
+              </a:ext>
+            </a:extLst>
+          </p:cNvPr>
+          <p:cNvPicPr>
+            <a:picLocks noChangeAspect="1"/>
+          </p:cNvPicPr>
+          <p:nvPr/>
+        </p:nvPicPr>
+        <p:blipFill>
+          <a:blip r:embed="rId7"/>
+          <a:stretch>
+            <a:fillRect/>
+          </a:stretch>
+        </p:blipFill>
+        <p:spPr>
+          <a:xfrm>
+            <a:off x="5989341" y="4352341"/>
+            <a:ext cx="2104362" cy="2125908"/>
+          </a:xfrm>
+          <a:prstGeom prst="rect">
+            <a:avLst/>
+          </a:prstGeom>
+        </p:spPr>
+      </p:pic>
+      <p:pic>
+        <p:nvPicPr>
+          <p:cNvPr id="14" name="Picture 13">
+            <a:extLst>
+              <a:ext uri="{FF2B5EF4-FFF2-40B4-BE49-F238E27FC236}">
+                <a16:creationId xmlns:a16="http://schemas.microsoft.com/office/drawing/2014/main" id="{E0EA4702-2322-264D-A590-075F66A6A62D}"/>
+              </a:ext>
+            </a:extLst>
+          </p:cNvPr>
+          <p:cNvPicPr>
+            <a:picLocks noChangeAspect="1"/>
+          </p:cNvPicPr>
+          <p:nvPr/>
+        </p:nvPicPr>
+        <p:blipFill>
+          <a:blip r:embed="rId8"/>
+          <a:stretch>
+            <a:fillRect/>
+          </a:stretch>
+        </p:blipFill>
+        <p:spPr>
+          <a:xfrm>
+            <a:off x="8688155" y="4352341"/>
+            <a:ext cx="2133264" cy="2125908"/>
+          </a:xfrm>
+          <a:prstGeom prst="rect">
+            <a:avLst/>
+          </a:prstGeom>
+        </p:spPr>
+      </p:pic>
+      <p:sp>
+        <p:nvSpPr>
+          <p:cNvPr id="15" name="TextBox 14">
+            <a:extLst>
+              <a:ext uri="{FF2B5EF4-FFF2-40B4-BE49-F238E27FC236}">
+                <a16:creationId xmlns:a16="http://schemas.microsoft.com/office/drawing/2014/main" id="{37F33105-3CB6-5448-993D-18286D514369}"/>
+              </a:ext>
+            </a:extLst>
+          </p:cNvPr>
+          <p:cNvSpPr txBox="1"/>
+          <p:nvPr/>
+        </p:nvSpPr>
+        <p:spPr>
+          <a:xfrm>
+            <a:off x="3687528" y="735190"/>
+            <a:ext cx="1382110" cy="461665"/>
+          </a:xfrm>
+          <a:prstGeom prst="rect">
+            <a:avLst/>
+          </a:prstGeom>
+          <a:noFill/>
+        </p:spPr>
+        <p:txBody>
+          <a:bodyPr wrap="none" rtlCol="0">
+            <a:spAutoFit/>
+          </a:bodyPr>
+          <a:lstStyle/>
+          <a:p>
+            <a:r>
+              <a:rPr lang="en-US" dirty="0"/>
+              <a:t>3 </a:t>
+            </a:r>
+            <a:r>
+              <a:rPr lang="en-US" sz="2400" dirty="0"/>
+              <a:t>degrees</a:t>
+            </a:r>
+          </a:p>
+        </p:txBody>
+      </p:sp>
+      <p:sp>
+        <p:nvSpPr>
+          <p:cNvPr id="16" name="TextBox 15">
+            <a:extLst>
+              <a:ext uri="{FF2B5EF4-FFF2-40B4-BE49-F238E27FC236}">
+                <a16:creationId xmlns:a16="http://schemas.microsoft.com/office/drawing/2014/main" id="{2D9E2BE1-00EA-4649-A03B-4CA2B529D5AD}"/>
+              </a:ext>
+            </a:extLst>
+          </p:cNvPr>
+          <p:cNvSpPr txBox="1"/>
+          <p:nvPr/>
+        </p:nvSpPr>
+        <p:spPr>
+          <a:xfrm>
+            <a:off x="6350467" y="698473"/>
+            <a:ext cx="1382110" cy="461665"/>
+          </a:xfrm>
+          <a:prstGeom prst="rect">
+            <a:avLst/>
+          </a:prstGeom>
+          <a:noFill/>
+        </p:spPr>
+        <p:txBody>
+          <a:bodyPr wrap="none" rtlCol="0">
+            <a:spAutoFit/>
+          </a:bodyPr>
+          <a:lstStyle/>
+          <a:p>
+            <a:r>
+              <a:rPr lang="en-US" dirty="0"/>
+              <a:t>6 </a:t>
+            </a:r>
+            <a:r>
+              <a:rPr lang="en-US" sz="2400" dirty="0"/>
+              <a:t>degrees</a:t>
+            </a:r>
+          </a:p>
+        </p:txBody>
+      </p:sp>
+      <p:sp>
+        <p:nvSpPr>
+          <p:cNvPr id="17" name="TextBox 16">
+            <a:extLst>
+              <a:ext uri="{FF2B5EF4-FFF2-40B4-BE49-F238E27FC236}">
+                <a16:creationId xmlns:a16="http://schemas.microsoft.com/office/drawing/2014/main" id="{A97E85AB-C406-4348-9B0F-C64047D9B338}"/>
+              </a:ext>
+            </a:extLst>
+          </p:cNvPr>
+          <p:cNvSpPr txBox="1"/>
+          <p:nvPr/>
+        </p:nvSpPr>
+        <p:spPr>
+          <a:xfrm>
+            <a:off x="8844180" y="698473"/>
+            <a:ext cx="1508746" cy="461665"/>
+          </a:xfrm>
+          <a:prstGeom prst="rect">
+            <a:avLst/>
+          </a:prstGeom>
+          <a:noFill/>
+        </p:spPr>
+        <p:txBody>
+          <a:bodyPr wrap="none" rtlCol="0">
+            <a:spAutoFit/>
+          </a:bodyPr>
+          <a:lstStyle/>
+          <a:p>
+            <a:r>
+              <a:rPr lang="en-US" dirty="0"/>
+              <a:t>10 </a:t>
+            </a:r>
+            <a:r>
+              <a:rPr lang="en-US" sz="2400" dirty="0"/>
+              <a:t>degrees</a:t>
+            </a:r>
+          </a:p>
+        </p:txBody>
+      </p:sp>
+      <p:sp>
+        <p:nvSpPr>
+          <p:cNvPr id="2" name="Rectangle 1">
+            <a:extLst>
+              <a:ext uri="{FF2B5EF4-FFF2-40B4-BE49-F238E27FC236}">
+                <a16:creationId xmlns:a16="http://schemas.microsoft.com/office/drawing/2014/main" id="{E3222E19-2670-4835-9385-7B4B7C92EB90}"/>
+              </a:ext>
+            </a:extLst>
+          </p:cNvPr>
+          <p:cNvSpPr/>
+          <p:nvPr/>
+        </p:nvSpPr>
+        <p:spPr>
+          <a:xfrm>
+            <a:off x="758401" y="117713"/>
+            <a:ext cx="11224591" cy="646331"/>
+          </a:xfrm>
+          <a:prstGeom prst="rect">
+            <a:avLst/>
+          </a:prstGeom>
+        </p:spPr>
+        <p:txBody>
+          <a:bodyPr wrap="square">
+            <a:spAutoFit/>
+          </a:bodyPr>
+          <a:lstStyle/>
+          <a:p>
+            <a:r>
+              <a:rPr lang="en-US" sz="3600" dirty="0"/>
+              <a:t>Data Augmentation: Data Size Increase using Image Rotation</a:t>
+            </a:r>
+          </a:p>
+        </p:txBody>
+      </p:sp>
+    </p:spTree>
+    <p:extLst>
+      <p:ext uri="{BB962C8B-B14F-4D97-AF65-F5344CB8AC3E}">
+        <p14:creationId xmlns:p14="http://schemas.microsoft.com/office/powerpoint/2010/main" val="1968058337"/>
+      </p:ext>
+    </p:extLst>
+  </p:cSld>
+  <p:clrMapOvr>
+    <a:masterClrMapping/>
+  </p:clrMapOvr>
+</p:sld>
+</file>
+
+<file path=ppt/slides/slide4.xml><?xml version="1.0" encoding="utf-8"?>
+<p:sld xmlns:a="http://schemas.openxmlformats.org/drawingml/2006/main" xmlns:r="http://schemas.openxmlformats.org/officeDocument/2006/relationships" xmlns:p="http://schemas.openxmlformats.org/presentationml/2006/main">
+  <p:cSld>
+    <p:spTree>
+      <p:nvGrpSpPr>
+        <p:cNvPr id="1" name=""/>
+        <p:cNvGrpSpPr/>
+        <p:nvPr/>
+      </p:nvGrpSpPr>
+      <p:grpSpPr>
+        <a:xfrm>
+          <a:off x="0" y="0"/>
+          <a:ext cx="0" cy="0"/>
+          <a:chOff x="0" y="0"/>
+          <a:chExt cx="0" cy="0"/>
+        </a:xfrm>
+      </p:grpSpPr>
+      <p:sp>
+        <p:nvSpPr>
+          <p:cNvPr id="5" name="Title 1">
+            <a:extLst>
+              <a:ext uri="{FF2B5EF4-FFF2-40B4-BE49-F238E27FC236}">
+                <a16:creationId xmlns:a16="http://schemas.microsoft.com/office/drawing/2014/main" id="{B99B477F-0B4C-4A7D-8070-4D8823C41C4A}"/>
+              </a:ext>
+            </a:extLst>
+          </p:cNvPr>
+          <p:cNvSpPr txBox="1">
+            <a:spLocks/>
+          </p:cNvSpPr>
+          <p:nvPr/>
+        </p:nvSpPr>
+        <p:spPr>
+          <a:xfrm>
+            <a:off x="1141413" y="0"/>
+            <a:ext cx="9924152" cy="1066800"/>
+          </a:xfrm>
+          <a:prstGeom prst="rect">
+            <a:avLst/>
+          </a:prstGeom>
+        </p:spPr>
+        <p:txBody>
+          <a:bodyPr vert="horz" lIns="91440" tIns="45720" rIns="91440" bIns="45720" rtlCol="0" anchor="ctr">
+            <a:normAutofit fontScale="97500"/>
+          </a:bodyPr>
+          <a:lstStyle>
+            <a:lvl1pPr algn="l" defTabSz="914400" rtl="0" eaLnBrk="1" latinLnBrk="0" hangingPunct="1">
+              <a:lnSpc>
+                <a:spcPct val="90000"/>
+              </a:lnSpc>
+              <a:spcBef>
+                <a:spcPct val="0"/>
+              </a:spcBef>
+              <a:buNone/>
+              <a:defRPr sz="3600" kern="1200" cap="all" baseline="0">
+                <a:solidFill>
+                  <a:schemeClr val="tx1"/>
+                </a:solidFill>
+                <a:latin typeface="+mj-lt"/>
+                <a:ea typeface="+mj-ea"/>
+                <a:cs typeface="+mj-cs"/>
+              </a:defRPr>
+            </a:lvl1pPr>
+          </a:lstStyle>
+          <a:p>
+            <a:r>
+              <a:rPr lang="en-IN" dirty="0"/>
+              <a:t>Unsupervised model:</a:t>
+            </a:r>
+          </a:p>
+          <a:p>
+            <a:r>
+              <a:rPr lang="en-IN" dirty="0"/>
+              <a:t>Expectation Maximization analysis</a:t>
+            </a:r>
+          </a:p>
+        </p:txBody>
+      </p:sp>
+      <p:graphicFrame>
+        <p:nvGraphicFramePr>
+          <p:cNvPr id="10" name="Content Placeholder 9">
+            <a:extLst>
+              <a:ext uri="{FF2B5EF4-FFF2-40B4-BE49-F238E27FC236}">
+                <a16:creationId xmlns:a16="http://schemas.microsoft.com/office/drawing/2014/main" id="{5D6A86AE-D427-4173-88E8-FCA663A174C3}"/>
+              </a:ext>
+            </a:extLst>
+          </p:cNvPr>
+          <p:cNvGraphicFramePr>
+            <a:graphicFrameLocks noGrp="1"/>
+          </p:cNvGraphicFramePr>
+          <p:nvPr>
+            <p:ph sz="half" idx="1"/>
+            <p:extLst>
+              <p:ext uri="{D42A27DB-BD31-4B8C-83A1-F6EECF244321}">
+                <p14:modId xmlns:p14="http://schemas.microsoft.com/office/powerpoint/2010/main" val="4076536763"/>
+              </p:ext>
+            </p:extLst>
+          </p:nvPr>
+        </p:nvGraphicFramePr>
+        <p:xfrm>
+          <a:off x="1141413" y="2249488"/>
+          <a:ext cx="4878387" cy="3541712"/>
+        </p:xfrm>
+        <a:graphic>
+          <a:graphicData uri="http://schemas.openxmlformats.org/drawingml/2006/table">
+            <a:tbl>
+              <a:tblPr firstRow="1" bandRow="1">
+                <a:tableStyleId>{5C22544A-7EE6-4342-B048-85BDC9FD1C3A}</a:tableStyleId>
+              </a:tblPr>
+              <a:tblGrid>
+                <a:gridCol w="1626129">
+                  <a:extLst>
+                    <a:ext uri="{9D8B030D-6E8A-4147-A177-3AD203B41FA5}">
+                      <a16:colId xmlns:a16="http://schemas.microsoft.com/office/drawing/2014/main" val="3783705459"/>
+                    </a:ext>
+                  </a:extLst>
+                </a:gridCol>
+                <a:gridCol w="1626129">
+                  <a:extLst>
+                    <a:ext uri="{9D8B030D-6E8A-4147-A177-3AD203B41FA5}">
+                      <a16:colId xmlns:a16="http://schemas.microsoft.com/office/drawing/2014/main" val="842042690"/>
+                    </a:ext>
+                  </a:extLst>
+                </a:gridCol>
+                <a:gridCol w="1626129">
+                  <a:extLst>
+                    <a:ext uri="{9D8B030D-6E8A-4147-A177-3AD203B41FA5}">
+                      <a16:colId xmlns:a16="http://schemas.microsoft.com/office/drawing/2014/main" val="517438777"/>
+                    </a:ext>
+                  </a:extLst>
+                </a:gridCol>
+              </a:tblGrid>
+              <a:tr h="442714">
+                <a:tc>
+                  <a:txBody>
+                    <a:bodyPr/>
+                    <a:lstStyle/>
+                    <a:p>
+                      <a:r>
+                        <a:rPr lang="en-US" dirty="0"/>
+                        <a:t>Class Labels</a:t>
+                      </a:r>
+                    </a:p>
+                  </a:txBody>
+                  <a:tcPr/>
+                </a:tc>
+                <a:tc>
+                  <a:txBody>
+                    <a:bodyPr/>
+                    <a:lstStyle/>
+                    <a:p>
+                      <a:r>
+                        <a:rPr lang="en-US" dirty="0"/>
+                        <a:t>GT Count</a:t>
+                      </a:r>
+                    </a:p>
+                  </a:txBody>
+                  <a:tcPr/>
+                </a:tc>
+                <a:tc>
+                  <a:txBody>
+                    <a:bodyPr/>
+                    <a:lstStyle/>
+                    <a:p>
+                      <a:r>
+                        <a:rPr lang="en-US" dirty="0"/>
+                        <a:t>EM Count</a:t>
+                      </a:r>
+                    </a:p>
+                  </a:txBody>
+                  <a:tcPr/>
+                </a:tc>
+                <a:extLst>
+                  <a:ext uri="{0D108BD9-81ED-4DB2-BD59-A6C34878D82A}">
+                    <a16:rowId xmlns:a16="http://schemas.microsoft.com/office/drawing/2014/main" val="2449312198"/>
+                  </a:ext>
+                </a:extLst>
+              </a:tr>
+              <a:tr h="442714">
+                <a:tc>
+                  <a:txBody>
+                    <a:bodyPr/>
+                    <a:lstStyle/>
+                    <a:p>
+                      <a:r>
+                        <a:rPr lang="en-US" dirty="0"/>
+                        <a:t>0 = Angry</a:t>
+                      </a:r>
+                    </a:p>
+                  </a:txBody>
+                  <a:tcPr/>
+                </a:tc>
+                <a:tc>
+                  <a:txBody>
+                    <a:bodyPr/>
+                    <a:lstStyle/>
+                    <a:p>
+                      <a:r>
+                        <a:rPr lang="en-US" dirty="0"/>
+                        <a:t>3995</a:t>
+                      </a:r>
+                    </a:p>
+                  </a:txBody>
+                  <a:tcPr/>
+                </a:tc>
+                <a:tc>
+                  <a:txBody>
+                    <a:bodyPr/>
+                    <a:lstStyle/>
+                    <a:p>
+                      <a:r>
+                        <a:rPr lang="en-US" dirty="0">
+                          <a:highlight>
+                            <a:srgbClr val="FFFF00"/>
+                          </a:highlight>
+                        </a:rPr>
+                        <a:t>3608</a:t>
+                      </a:r>
+                    </a:p>
+                  </a:txBody>
+                  <a:tcPr/>
+                </a:tc>
+                <a:extLst>
+                  <a:ext uri="{0D108BD9-81ED-4DB2-BD59-A6C34878D82A}">
+                    <a16:rowId xmlns:a16="http://schemas.microsoft.com/office/drawing/2014/main" val="3917471711"/>
+                  </a:ext>
+                </a:extLst>
+              </a:tr>
+              <a:tr h="442714">
+                <a:tc>
+                  <a:txBody>
+                    <a:bodyPr/>
+                    <a:lstStyle/>
+                    <a:p>
+                      <a:r>
+                        <a:rPr lang="en-US" dirty="0"/>
+                        <a:t>1 = Disgust</a:t>
+                      </a:r>
+                    </a:p>
+                  </a:txBody>
+                  <a:tcPr/>
+                </a:tc>
+                <a:tc>
+                  <a:txBody>
+                    <a:bodyPr/>
+                    <a:lstStyle/>
+                    <a:p>
+                      <a:r>
+                        <a:rPr lang="en-US" dirty="0"/>
+                        <a:t>436</a:t>
+                      </a:r>
+                    </a:p>
+                  </a:txBody>
+                  <a:tcPr/>
+                </a:tc>
+                <a:tc>
+                  <a:txBody>
+                    <a:bodyPr/>
+                    <a:lstStyle/>
+                    <a:p>
+                      <a:r>
+                        <a:rPr lang="en-US" dirty="0">
+                          <a:highlight>
+                            <a:srgbClr val="FFFF00"/>
+                          </a:highlight>
+                        </a:rPr>
+                        <a:t>3912</a:t>
+                      </a:r>
+                    </a:p>
+                  </a:txBody>
+                  <a:tcPr/>
+                </a:tc>
+                <a:extLst>
+                  <a:ext uri="{0D108BD9-81ED-4DB2-BD59-A6C34878D82A}">
+                    <a16:rowId xmlns:a16="http://schemas.microsoft.com/office/drawing/2014/main" val="2138382457"/>
+                  </a:ext>
+                </a:extLst>
+              </a:tr>
+              <a:tr h="442714">
+                <a:tc>
+                  <a:txBody>
+                    <a:bodyPr/>
+                    <a:lstStyle/>
+                    <a:p>
+                      <a:r>
+                        <a:rPr lang="en-US" dirty="0"/>
+                        <a:t>2 = Fear</a:t>
+                      </a:r>
+                    </a:p>
+                  </a:txBody>
+                  <a:tcPr/>
+                </a:tc>
+                <a:tc>
+                  <a:txBody>
+                    <a:bodyPr/>
+                    <a:lstStyle/>
+                    <a:p>
+                      <a:r>
+                        <a:rPr lang="en-US" dirty="0"/>
+                        <a:t>4097</a:t>
+                      </a:r>
+                    </a:p>
+                  </a:txBody>
+                  <a:tcPr/>
+                </a:tc>
+                <a:tc>
+                  <a:txBody>
+                    <a:bodyPr/>
+                    <a:lstStyle/>
+                    <a:p>
+                      <a:r>
+                        <a:rPr lang="en-US" dirty="0">
+                          <a:highlight>
+                            <a:srgbClr val="FFFF00"/>
+                          </a:highlight>
+                        </a:rPr>
+                        <a:t>4511</a:t>
+                      </a:r>
+                    </a:p>
+                  </a:txBody>
+                  <a:tcPr/>
+                </a:tc>
+                <a:extLst>
+                  <a:ext uri="{0D108BD9-81ED-4DB2-BD59-A6C34878D82A}">
+                    <a16:rowId xmlns:a16="http://schemas.microsoft.com/office/drawing/2014/main" val="828003314"/>
+                  </a:ext>
+                </a:extLst>
+              </a:tr>
+              <a:tr h="442714">
+                <a:tc>
+                  <a:txBody>
+                    <a:bodyPr/>
+                    <a:lstStyle/>
+                    <a:p>
+                      <a:r>
+                        <a:rPr lang="en-US" dirty="0"/>
+                        <a:t>3 = Happy</a:t>
+                      </a:r>
+                    </a:p>
+                  </a:txBody>
+                  <a:tcPr/>
+                </a:tc>
+                <a:tc>
+                  <a:txBody>
+                    <a:bodyPr/>
+                    <a:lstStyle/>
+                    <a:p>
+                      <a:r>
+                        <a:rPr lang="en-US" dirty="0"/>
+                        <a:t>7215</a:t>
+                      </a:r>
+                    </a:p>
+                  </a:txBody>
+                  <a:tcPr/>
+                </a:tc>
+                <a:tc>
+                  <a:txBody>
+                    <a:bodyPr/>
+                    <a:lstStyle/>
+                    <a:p>
+                      <a:r>
+                        <a:rPr lang="en-US" dirty="0">
+                          <a:highlight>
+                            <a:srgbClr val="FFFF00"/>
+                          </a:highlight>
+                        </a:rPr>
+                        <a:t>4002</a:t>
+                      </a:r>
+                    </a:p>
+                  </a:txBody>
+                  <a:tcPr/>
+                </a:tc>
+                <a:extLst>
+                  <a:ext uri="{0D108BD9-81ED-4DB2-BD59-A6C34878D82A}">
+                    <a16:rowId xmlns:a16="http://schemas.microsoft.com/office/drawing/2014/main" val="1909103786"/>
+                  </a:ext>
+                </a:extLst>
+              </a:tr>
+              <a:tr h="442714">
+                <a:tc>
+                  <a:txBody>
+                    <a:bodyPr/>
+                    <a:lstStyle/>
+                    <a:p>
+                      <a:r>
+                        <a:rPr lang="en-US" dirty="0"/>
+                        <a:t>4 = Sad</a:t>
+                      </a:r>
+                    </a:p>
+                  </a:txBody>
+                  <a:tcPr/>
+                </a:tc>
+                <a:tc>
+                  <a:txBody>
+                    <a:bodyPr/>
+                    <a:lstStyle/>
+                    <a:p>
+                      <a:r>
+                        <a:rPr lang="en-US" dirty="0"/>
+                        <a:t>4830</a:t>
+                      </a:r>
+                    </a:p>
+                  </a:txBody>
+                  <a:tcPr/>
+                </a:tc>
+                <a:tc>
+                  <a:txBody>
+                    <a:bodyPr/>
+                    <a:lstStyle/>
+                    <a:p>
+                      <a:r>
+                        <a:rPr lang="en-US" dirty="0">
+                          <a:highlight>
+                            <a:srgbClr val="FFFF00"/>
+                          </a:highlight>
+                        </a:rPr>
+                        <a:t>4112</a:t>
+                      </a:r>
+                    </a:p>
+                  </a:txBody>
+                  <a:tcPr/>
+                </a:tc>
+                <a:extLst>
+                  <a:ext uri="{0D108BD9-81ED-4DB2-BD59-A6C34878D82A}">
+                    <a16:rowId xmlns:a16="http://schemas.microsoft.com/office/drawing/2014/main" val="1026246193"/>
+                  </a:ext>
+                </a:extLst>
+              </a:tr>
+              <a:tr h="442714">
+                <a:tc>
+                  <a:txBody>
+                    <a:bodyPr/>
+                    <a:lstStyle/>
+                    <a:p>
+                      <a:r>
+                        <a:rPr lang="en-US" dirty="0"/>
+                        <a:t>5 = Surprise</a:t>
+                      </a:r>
+                    </a:p>
+                  </a:txBody>
+                  <a:tcPr/>
+                </a:tc>
+                <a:tc>
+                  <a:txBody>
+                    <a:bodyPr/>
+                    <a:lstStyle/>
+                    <a:p>
+                      <a:r>
+                        <a:rPr lang="en-US" dirty="0"/>
+                        <a:t>3171</a:t>
+                      </a:r>
+                    </a:p>
+                  </a:txBody>
+                  <a:tcPr/>
+                </a:tc>
+                <a:tc>
+                  <a:txBody>
+                    <a:bodyPr/>
+                    <a:lstStyle/>
+                    <a:p>
+                      <a:r>
+                        <a:rPr lang="en-US" dirty="0">
+                          <a:highlight>
+                            <a:srgbClr val="FFFF00"/>
+                          </a:highlight>
+                        </a:rPr>
+                        <a:t>4159</a:t>
+                      </a:r>
+                    </a:p>
+                  </a:txBody>
+                  <a:tcPr/>
+                </a:tc>
+                <a:extLst>
+                  <a:ext uri="{0D108BD9-81ED-4DB2-BD59-A6C34878D82A}">
+                    <a16:rowId xmlns:a16="http://schemas.microsoft.com/office/drawing/2014/main" val="3862785627"/>
+                  </a:ext>
+                </a:extLst>
+              </a:tr>
+              <a:tr h="442714">
+                <a:tc>
+                  <a:txBody>
+                    <a:bodyPr/>
+                    <a:lstStyle/>
+                    <a:p>
+                      <a:r>
+                        <a:rPr lang="en-US" dirty="0"/>
+                        <a:t>6 = Neutral</a:t>
+                      </a:r>
+                    </a:p>
+                  </a:txBody>
+                  <a:tcPr/>
+                </a:tc>
+                <a:tc>
+                  <a:txBody>
+                    <a:bodyPr/>
+                    <a:lstStyle/>
+                    <a:p>
+                      <a:r>
+                        <a:rPr lang="en-US" dirty="0"/>
+                        <a:t>4965</a:t>
+                      </a:r>
+                    </a:p>
+                  </a:txBody>
+                  <a:tcPr/>
+                </a:tc>
+                <a:tc>
+                  <a:txBody>
+                    <a:bodyPr/>
+                    <a:lstStyle/>
+                    <a:p>
+                      <a:r>
+                        <a:rPr lang="en-US" dirty="0">
+                          <a:highlight>
+                            <a:srgbClr val="FFFF00"/>
+                          </a:highlight>
+                        </a:rPr>
+                        <a:t>4405</a:t>
+                      </a:r>
+                    </a:p>
+                  </a:txBody>
+                  <a:tcPr/>
+                </a:tc>
+                <a:extLst>
+                  <a:ext uri="{0D108BD9-81ED-4DB2-BD59-A6C34878D82A}">
+                    <a16:rowId xmlns:a16="http://schemas.microsoft.com/office/drawing/2014/main" val="424314168"/>
+                  </a:ext>
+                </a:extLst>
+              </a:tr>
+            </a:tbl>
+          </a:graphicData>
+        </a:graphic>
+      </p:graphicFrame>
+      <p:sp>
+        <p:nvSpPr>
+          <p:cNvPr id="7" name="TextBox 6">
+            <a:extLst>
+              <a:ext uri="{FF2B5EF4-FFF2-40B4-BE49-F238E27FC236}">
+                <a16:creationId xmlns:a16="http://schemas.microsoft.com/office/drawing/2014/main" id="{0C3376BF-7719-4F41-AA1C-F7296E85CF16}"/>
+              </a:ext>
+            </a:extLst>
+          </p:cNvPr>
+          <p:cNvSpPr txBox="1"/>
+          <p:nvPr/>
+        </p:nvSpPr>
+        <p:spPr>
+          <a:xfrm>
+            <a:off x="5459896" y="6215270"/>
+            <a:ext cx="1842052" cy="369332"/>
+          </a:xfrm>
+          <a:prstGeom prst="rect">
+            <a:avLst/>
+          </a:prstGeom>
+          <a:noFill/>
+        </p:spPr>
+        <p:txBody>
+          <a:bodyPr wrap="square" rtlCol="0">
+            <a:spAutoFit/>
+          </a:bodyPr>
+          <a:lstStyle/>
+          <a:p>
+            <a:r>
+              <a:rPr lang="en-US" dirty="0">
+                <a:highlight>
+                  <a:srgbClr val="FFFF00"/>
+                </a:highlight>
+              </a:rPr>
+              <a:t>To Be Updated</a:t>
+            </a:r>
+          </a:p>
+        </p:txBody>
+      </p:sp>
+    </p:spTree>
+    <p:extLst>
+      <p:ext uri="{BB962C8B-B14F-4D97-AF65-F5344CB8AC3E}">
+        <p14:creationId xmlns:p14="http://schemas.microsoft.com/office/powerpoint/2010/main" val="4201967867"/>
+      </p:ext>
+    </p:extLst>
+  </p:cSld>
+  <p:clrMapOvr>
+    <a:masterClrMapping/>
+  </p:clrMapOvr>
+</p:sld>
+</file>
+
+<file path=ppt/slides/slide5.xml><?xml version="1.0" encoding="utf-8"?>
+<p:sld xmlns:a="http://schemas.openxmlformats.org/drawingml/2006/main" xmlns:r="http://schemas.openxmlformats.org/officeDocument/2006/relationships" xmlns:p="http://schemas.openxmlformats.org/presentationml/2006/main">
+  <p:cSld>
+    <p:spTree>
+      <p:nvGrpSpPr>
+        <p:cNvPr id="1" name=""/>
+        <p:cNvGrpSpPr/>
+        <p:nvPr/>
+      </p:nvGrpSpPr>
+      <p:grpSpPr>
+        <a:xfrm>
+          <a:off x="0" y="0"/>
+          <a:ext cx="0" cy="0"/>
+          <a:chOff x="0" y="0"/>
+          <a:chExt cx="0" cy="0"/>
+        </a:xfrm>
+      </p:grpSpPr>
+      <p:sp>
+        <p:nvSpPr>
+          <p:cNvPr id="2" name="Title 1">
+            <a:extLst>
+              <a:ext uri="{FF2B5EF4-FFF2-40B4-BE49-F238E27FC236}">
+                <a16:creationId xmlns:a16="http://schemas.microsoft.com/office/drawing/2014/main" id="{3BB733D1-7FBB-48C7-A6BD-F5EB626F366D}"/>
+              </a:ext>
+            </a:extLst>
+          </p:cNvPr>
+          <p:cNvSpPr>
+            <a:spLocks noGrp="1"/>
+          </p:cNvSpPr>
+          <p:nvPr>
+            <p:ph type="title"/>
+          </p:nvPr>
+        </p:nvSpPr>
+        <p:spPr>
+          <a:xfrm>
+            <a:off x="1143001" y="0"/>
+            <a:ext cx="4489173" cy="1066800"/>
+          </a:xfrm>
+        </p:spPr>
+        <p:txBody>
+          <a:bodyPr>
+            <a:normAutofit fontScale="90000"/>
+          </a:bodyPr>
+          <a:lstStyle/>
+          <a:p>
+            <a:r>
+              <a:rPr lang="en-IN" dirty="0"/>
+              <a:t>Cluster Purity:</a:t>
+            </a:r>
+            <a:br>
+              <a:rPr lang="en-IN" dirty="0"/>
+            </a:br>
+            <a:r>
+              <a:rPr lang="en-IN" dirty="0"/>
+              <a:t>soft or hard clusters</a:t>
+            </a:r>
+          </a:p>
+        </p:txBody>
+      </p:sp>
+      <p:sp>
+        <p:nvSpPr>
+          <p:cNvPr id="3" name="Content Placeholder 2">
+            <a:extLst>
+              <a:ext uri="{FF2B5EF4-FFF2-40B4-BE49-F238E27FC236}">
+                <a16:creationId xmlns:a16="http://schemas.microsoft.com/office/drawing/2014/main" id="{F02F2CBD-4339-4157-BB42-3B1DDAC0E7B1}"/>
+              </a:ext>
+            </a:extLst>
+          </p:cNvPr>
+          <p:cNvSpPr>
+            <a:spLocks noGrp="1"/>
+          </p:cNvSpPr>
+          <p:nvPr>
+            <p:ph sz="half" idx="1"/>
+          </p:nvPr>
+        </p:nvSpPr>
+        <p:spPr>
+          <a:xfrm>
+            <a:off x="758688" y="1495217"/>
+            <a:ext cx="4873485" cy="2791861"/>
+          </a:xfrm>
+        </p:spPr>
+        <p:txBody>
+          <a:bodyPr>
+            <a:normAutofit fontScale="92500" lnSpcReduction="20000"/>
+          </a:bodyPr>
+          <a:lstStyle/>
+          <a:p>
+            <a:pPr marL="0" indent="0">
+              <a:buNone/>
+            </a:pPr>
+            <a:r>
+              <a:rPr lang="en-US" dirty="0"/>
+              <a:t>Purity is a measure of the extent to which clusters contain a single class. Its calculation can be thought of as follows: For each cluster, count the number of data points from the most common class in said cluster. Now take the sum over all clusters and divide by the total number of data points</a:t>
+            </a:r>
+            <a:endParaRPr lang="en-IN" dirty="0"/>
+          </a:p>
+        </p:txBody>
+      </p:sp>
+      <p:pic>
+        <p:nvPicPr>
+          <p:cNvPr id="27" name="Content Placeholder 26">
+            <a:extLst>
+              <a:ext uri="{FF2B5EF4-FFF2-40B4-BE49-F238E27FC236}">
+                <a16:creationId xmlns:a16="http://schemas.microsoft.com/office/drawing/2014/main" id="{A88BA9CF-19EF-4963-88AD-58682BBABEAB}"/>
+              </a:ext>
+            </a:extLst>
+          </p:cNvPr>
+          <p:cNvPicPr>
+            <a:picLocks noGrp="1" noChangeAspect="1"/>
+          </p:cNvPicPr>
+          <p:nvPr>
+            <p:ph sz="half" idx="2"/>
+          </p:nvPr>
+        </p:nvPicPr>
+        <p:blipFill>
+          <a:blip r:embed="rId2"/>
+          <a:stretch>
+            <a:fillRect/>
+          </a:stretch>
+        </p:blipFill>
+        <p:spPr>
+          <a:xfrm>
+            <a:off x="758688" y="4715496"/>
+            <a:ext cx="4539458" cy="1433513"/>
+          </a:xfrm>
+          <a:prstGeom prst="rect">
+            <a:avLst/>
+          </a:prstGeom>
+        </p:spPr>
+      </p:pic>
+      <p:pic>
+        <p:nvPicPr>
+          <p:cNvPr id="5" name="Picture 2">
+            <a:extLst>
+              <a:ext uri="{FF2B5EF4-FFF2-40B4-BE49-F238E27FC236}">
+                <a16:creationId xmlns:a16="http://schemas.microsoft.com/office/drawing/2014/main" id="{0BAD14BD-27E8-41D6-9B1A-0403F310BCD2}"/>
+              </a:ext>
+            </a:extLst>
+          </p:cNvPr>
+          <p:cNvPicPr>
+            <a:picLocks noChangeAspect="1" noChangeArrowheads="1"/>
+          </p:cNvPicPr>
+          <p:nvPr/>
+        </p:nvPicPr>
+        <p:blipFill>
+          <a:blip r:embed="rId3">
+            <a:extLst>
+              <a:ext uri="{28A0092B-C50C-407E-A947-70E740481C1C}">
+                <a14:useLocalDpi xmlns:a14="http://schemas.microsoft.com/office/drawing/2010/main" val="0"/>
+              </a:ext>
+            </a:extLst>
+          </a:blip>
+          <a:srcRect/>
+          <a:stretch>
+            <a:fillRect/>
+          </a:stretch>
+        </p:blipFill>
+        <p:spPr bwMode="auto">
+          <a:xfrm>
+            <a:off x="5632174" y="1340533"/>
+            <a:ext cx="6342419" cy="4808476"/>
+          </a:xfrm>
+          <a:prstGeom prst="rect">
+            <a:avLst/>
+          </a:prstGeom>
+          <a:noFill/>
+          <a:extLst>
+            <a:ext uri="{909E8E84-426E-40DD-AFC4-6F175D3DCCD1}">
+              <a14:hiddenFill xmlns:a14="http://schemas.microsoft.com/office/drawing/2010/main">
+                <a:solidFill>
+                  <a:srgbClr val="FFFFFF"/>
+                </a:solidFill>
+              </a14:hiddenFill>
+            </a:ext>
+          </a:extLst>
+        </p:spPr>
+      </p:pic>
+      <p:sp>
+        <p:nvSpPr>
+          <p:cNvPr id="7" name="Title 1">
+            <a:extLst>
+              <a:ext uri="{FF2B5EF4-FFF2-40B4-BE49-F238E27FC236}">
+                <a16:creationId xmlns:a16="http://schemas.microsoft.com/office/drawing/2014/main" id="{075EAB31-FB4F-49F3-A379-A3422927C8A3}"/>
+              </a:ext>
+            </a:extLst>
+          </p:cNvPr>
+          <p:cNvSpPr txBox="1">
+            <a:spLocks/>
+          </p:cNvSpPr>
+          <p:nvPr/>
+        </p:nvSpPr>
+        <p:spPr>
+          <a:xfrm>
+            <a:off x="6790710" y="61112"/>
+            <a:ext cx="4489173" cy="1066800"/>
+          </a:xfrm>
+          <a:prstGeom prst="rect">
+            <a:avLst/>
+          </a:prstGeom>
+        </p:spPr>
+        <p:txBody>
+          <a:bodyPr vert="horz" lIns="91440" tIns="45720" rIns="91440" bIns="45720" rtlCol="0" anchor="ctr">
+            <a:normAutofit fontScale="97500"/>
+          </a:bodyPr>
+          <a:lstStyle>
+            <a:lvl1pPr algn="l" defTabSz="914400" rtl="0" eaLnBrk="1" latinLnBrk="0" hangingPunct="1">
+              <a:lnSpc>
+                <a:spcPct val="90000"/>
+              </a:lnSpc>
+              <a:spcBef>
+                <a:spcPct val="0"/>
+              </a:spcBef>
+              <a:buNone/>
+              <a:defRPr sz="3600" kern="1200" cap="all" baseline="0">
+                <a:solidFill>
+                  <a:schemeClr val="tx1"/>
+                </a:solidFill>
+                <a:latin typeface="+mj-lt"/>
+                <a:ea typeface="+mj-ea"/>
+                <a:cs typeface="+mj-cs"/>
+              </a:defRPr>
+            </a:lvl1pPr>
+          </a:lstStyle>
+          <a:p>
+            <a:r>
+              <a:rPr lang="en-IN" dirty="0"/>
+              <a:t>K-means</a:t>
+            </a:r>
+          </a:p>
+        </p:txBody>
+      </p:sp>
+    </p:spTree>
+    <p:extLst>
+      <p:ext uri="{BB962C8B-B14F-4D97-AF65-F5344CB8AC3E}">
+        <p14:creationId xmlns:p14="http://schemas.microsoft.com/office/powerpoint/2010/main" val="2575316852"/>
+      </p:ext>
+    </p:extLst>
+  </p:cSld>
+  <p:clrMapOvr>
+    <a:masterClrMapping/>
+  </p:clrMapOvr>
+</p:sld>
+</file>
+
+<file path=ppt/slides/slide6.xml><?xml version="1.0" encoding="utf-8"?>
+<p:sld xmlns:a="http://schemas.openxmlformats.org/drawingml/2006/main" xmlns:r="http://schemas.openxmlformats.org/officeDocument/2006/relationships" xmlns:p="http://schemas.openxmlformats.org/presentationml/2006/main">
+  <p:cSld>
+    <p:spTree>
+      <p:nvGrpSpPr>
+        <p:cNvPr id="1" name=""/>
+        <p:cNvGrpSpPr/>
+        <p:nvPr/>
+      </p:nvGrpSpPr>
+      <p:grpSpPr>
+        <a:xfrm>
+          <a:off x="0" y="0"/>
+          <a:ext cx="0" cy="0"/>
+          <a:chOff x="0" y="0"/>
+          <a:chExt cx="0" cy="0"/>
+        </a:xfrm>
+      </p:grpSpPr>
+      <p:sp>
+        <p:nvSpPr>
+          <p:cNvPr id="2" name="Title 1"/>
+          <p:cNvSpPr>
+            <a:spLocks noGrp="1"/>
+          </p:cNvSpPr>
+          <p:nvPr>
+            <p:ph type="title"/>
+          </p:nvPr>
+        </p:nvSpPr>
+        <p:spPr>
+          <a:xfrm>
+            <a:off x="1143001" y="0"/>
+            <a:ext cx="9905998" cy="768626"/>
+          </a:xfrm>
+        </p:spPr>
+        <p:txBody>
+          <a:bodyPr/>
+          <a:lstStyle/>
+          <a:p>
+            <a:r>
+              <a:rPr lang="en-IN" dirty="0"/>
+              <a:t>Logical regression</a:t>
+            </a:r>
+          </a:p>
+        </p:txBody>
+      </p:sp>
+      <p:sp>
+        <p:nvSpPr>
+          <p:cNvPr id="4" name="Content Placeholder 3"/>
+          <p:cNvSpPr>
+            <a:spLocks noGrp="1"/>
+          </p:cNvSpPr>
+          <p:nvPr>
+            <p:ph sz="half" idx="2"/>
+          </p:nvPr>
+        </p:nvSpPr>
+        <p:spPr>
+          <a:xfrm>
+            <a:off x="1217612" y="3697356"/>
+            <a:ext cx="9829800" cy="2093843"/>
+          </a:xfrm>
+        </p:spPr>
+        <p:txBody>
+          <a:bodyPr/>
+          <a:lstStyle/>
+          <a:p>
+            <a:r>
+              <a:rPr lang="en-US" dirty="0">
+                <a:highlight>
+                  <a:srgbClr val="FFFF00"/>
+                </a:highlight>
+              </a:rPr>
+              <a:t>ADD incorrectly predicted IMAGES for each of the 7 expressions</a:t>
+            </a:r>
+          </a:p>
+          <a:p>
+            <a:pPr marL="0" indent="0">
+              <a:buNone/>
+            </a:pPr>
+            <a:endParaRPr lang="en-IN" dirty="0"/>
+          </a:p>
+        </p:txBody>
+      </p:sp>
+      <p:sp>
+        <p:nvSpPr>
+          <p:cNvPr id="5" name="Content Placeholder 4">
+            <a:extLst>
+              <a:ext uri="{FF2B5EF4-FFF2-40B4-BE49-F238E27FC236}">
+                <a16:creationId xmlns:a16="http://schemas.microsoft.com/office/drawing/2014/main" id="{CEA01515-E5CF-4375-887A-C99FA93FB9F3}"/>
+              </a:ext>
+            </a:extLst>
+          </p:cNvPr>
+          <p:cNvSpPr>
+            <a:spLocks noGrp="1"/>
+          </p:cNvSpPr>
+          <p:nvPr>
+            <p:ph sz="half" idx="1"/>
+          </p:nvPr>
+        </p:nvSpPr>
+        <p:spPr>
+          <a:xfrm>
+            <a:off x="1217611" y="778495"/>
+            <a:ext cx="9370876" cy="878027"/>
+          </a:xfrm>
+        </p:spPr>
+        <p:txBody>
+          <a:bodyPr/>
+          <a:lstStyle/>
+          <a:p>
+            <a:r>
+              <a:rPr lang="en-US" dirty="0">
+                <a:highlight>
+                  <a:srgbClr val="FFFF00"/>
+                </a:highlight>
+              </a:rPr>
+              <a:t>ADD correctly predicted IMAGES for each of the 7 expressions</a:t>
+            </a:r>
+          </a:p>
+        </p:txBody>
+      </p:sp>
+    </p:spTree>
+    <p:extLst>
+      <p:ext uri="{BB962C8B-B14F-4D97-AF65-F5344CB8AC3E}">
+        <p14:creationId xmlns:p14="http://schemas.microsoft.com/office/powerpoint/2010/main" val="3192785003"/>
+      </p:ext>
+    </p:extLst>
+  </p:cSld>
+  <p:clrMapOvr>
+    <a:masterClrMapping/>
+  </p:clrMapOvr>
+</p:sld>
+</file>
+
+<file path=ppt/slides/slide7.xml><?xml version="1.0" encoding="utf-8"?>
+<p:sld xmlns:a="http://schemas.openxmlformats.org/drawingml/2006/main" xmlns:r="http://schemas.openxmlformats.org/officeDocument/2006/relationships" xmlns:p="http://schemas.openxmlformats.org/presentationml/2006/main">
+  <p:cSld>
+    <p:spTree>
+      <p:nvGrpSpPr>
+        <p:cNvPr id="1" name=""/>
+        <p:cNvGrpSpPr/>
+        <p:nvPr/>
+      </p:nvGrpSpPr>
+      <p:grpSpPr>
+        <a:xfrm>
+          <a:off x="0" y="0"/>
+          <a:ext cx="0" cy="0"/>
+          <a:chOff x="0" y="0"/>
+          <a:chExt cx="0" cy="0"/>
+        </a:xfrm>
+      </p:grpSpPr>
+      <p:sp>
+        <p:nvSpPr>
+          <p:cNvPr id="2" name="Title 1">
+            <a:extLst>
+              <a:ext uri="{FF2B5EF4-FFF2-40B4-BE49-F238E27FC236}">
+                <a16:creationId xmlns:a16="http://schemas.microsoft.com/office/drawing/2014/main" id="{DACA88CE-21C6-4B0E-A7F8-45202789E753}"/>
+              </a:ext>
+            </a:extLst>
+          </p:cNvPr>
+          <p:cNvSpPr>
+            <a:spLocks noGrp="1"/>
+          </p:cNvSpPr>
+          <p:nvPr>
+            <p:ph type="title"/>
+          </p:nvPr>
+        </p:nvSpPr>
+        <p:spPr>
+          <a:xfrm>
+            <a:off x="1149530" y="90104"/>
+            <a:ext cx="9919063" cy="811136"/>
+          </a:xfrm>
+        </p:spPr>
+        <p:txBody>
+          <a:bodyPr>
+            <a:normAutofit fontScale="90000"/>
+          </a:bodyPr>
+          <a:lstStyle/>
+          <a:p>
+            <a:r>
+              <a:rPr lang="en-US" sz="1100" dirty="0"/>
+              <a:t>Classes: 0=Angry, 1=Disgust, 2=Fear, 3=Happy, 4=Sad, 5=Surprise, 6=Neutral</a:t>
+            </a:r>
+            <a:br>
+              <a:rPr lang="en-US" sz="1100" dirty="0"/>
+            </a:br>
+            <a:br>
+              <a:rPr lang="en-US" dirty="0"/>
+            </a:br>
+            <a:r>
+              <a:rPr lang="en-US" sz="2800" dirty="0"/>
+              <a:t>Logistic Regression classifier</a:t>
+            </a:r>
+          </a:p>
+        </p:txBody>
+      </p:sp>
+      <p:sp>
+        <p:nvSpPr>
+          <p:cNvPr id="11" name="Content Placeholder 10">
+            <a:extLst>
+              <a:ext uri="{FF2B5EF4-FFF2-40B4-BE49-F238E27FC236}">
+                <a16:creationId xmlns:a16="http://schemas.microsoft.com/office/drawing/2014/main" id="{C9D5AF68-48D5-4964-B0F7-EDAD0AF4E91B}"/>
+              </a:ext>
+            </a:extLst>
+          </p:cNvPr>
+          <p:cNvSpPr>
+            <a:spLocks noGrp="1"/>
+          </p:cNvSpPr>
+          <p:nvPr>
+            <p:ph sz="half" idx="1"/>
+          </p:nvPr>
+        </p:nvSpPr>
+        <p:spPr>
+          <a:xfrm>
+            <a:off x="7062652" y="291900"/>
+            <a:ext cx="4548982" cy="522069"/>
+          </a:xfrm>
+        </p:spPr>
+        <p:txBody>
+          <a:bodyPr>
+            <a:normAutofit lnSpcReduction="10000"/>
+          </a:bodyPr>
+          <a:lstStyle/>
+          <a:p>
+            <a:pPr marL="0" indent="0">
+              <a:buNone/>
+            </a:pPr>
+            <a:r>
+              <a:rPr lang="en-US" dirty="0"/>
+              <a:t>New Test Data: 14% Accuracy</a:t>
+            </a:r>
+          </a:p>
+          <a:p>
+            <a:endParaRPr lang="en-US" dirty="0"/>
+          </a:p>
+        </p:txBody>
+      </p:sp>
+      <p:sp>
+        <p:nvSpPr>
+          <p:cNvPr id="95" name="TextBox 94">
+            <a:extLst>
+              <a:ext uri="{FF2B5EF4-FFF2-40B4-BE49-F238E27FC236}">
+                <a16:creationId xmlns:a16="http://schemas.microsoft.com/office/drawing/2014/main" id="{36250FDF-D265-4116-B257-821CB85249D1}"/>
+              </a:ext>
+            </a:extLst>
+          </p:cNvPr>
+          <p:cNvSpPr txBox="1"/>
+          <p:nvPr/>
+        </p:nvSpPr>
+        <p:spPr>
+          <a:xfrm>
+            <a:off x="9564325" y="2326582"/>
+            <a:ext cx="2310699" cy="369332"/>
+          </a:xfrm>
+          <a:prstGeom prst="rect">
+            <a:avLst/>
+          </a:prstGeom>
+          <a:noFill/>
+        </p:spPr>
+        <p:txBody>
+          <a:bodyPr wrap="square" rtlCol="0">
+            <a:spAutoFit/>
+          </a:bodyPr>
+          <a:lstStyle/>
+          <a:p>
+            <a:r>
+              <a:rPr lang="en-US" dirty="0"/>
+              <a:t>True=0 | Pred=0</a:t>
+            </a:r>
+          </a:p>
+        </p:txBody>
+      </p:sp>
+      <p:pic>
+        <p:nvPicPr>
+          <p:cNvPr id="1026" name="Picture 2">
+            <a:extLst>
+              <a:ext uri="{FF2B5EF4-FFF2-40B4-BE49-F238E27FC236}">
+                <a16:creationId xmlns:a16="http://schemas.microsoft.com/office/drawing/2014/main" id="{84928578-FD19-42E7-9C50-8CCB85A604C6}"/>
+              </a:ext>
+            </a:extLst>
+          </p:cNvPr>
+          <p:cNvPicPr>
+            <a:picLocks noChangeAspect="1" noChangeArrowheads="1"/>
+          </p:cNvPicPr>
+          <p:nvPr/>
+        </p:nvPicPr>
+        <p:blipFill>
+          <a:blip r:embed="rId2">
+            <a:extLst>
+              <a:ext uri="{28A0092B-C50C-407E-A947-70E740481C1C}">
+                <a14:useLocalDpi xmlns:a14="http://schemas.microsoft.com/office/drawing/2010/main" val="0"/>
+              </a:ext>
+            </a:extLst>
+          </a:blip>
+          <a:srcRect/>
+          <a:stretch>
+            <a:fillRect/>
+          </a:stretch>
+        </p:blipFill>
+        <p:spPr bwMode="auto">
+          <a:xfrm>
+            <a:off x="9578320" y="783900"/>
+            <a:ext cx="1613140" cy="1637475"/>
+          </a:xfrm>
+          <a:prstGeom prst="rect">
+            <a:avLst/>
+          </a:prstGeom>
+          <a:noFill/>
+          <a:extLst>
+            <a:ext uri="{909E8E84-426E-40DD-AFC4-6F175D3DCCD1}">
+              <a14:hiddenFill xmlns:a14="http://schemas.microsoft.com/office/drawing/2010/main">
+                <a:solidFill>
+                  <a:srgbClr val="FFFFFF"/>
+                </a:solidFill>
+              </a14:hiddenFill>
+            </a:ext>
+          </a:extLst>
+        </p:spPr>
+      </p:pic>
+      <p:sp>
+        <p:nvSpPr>
+          <p:cNvPr id="98" name="TextBox 97">
+            <a:extLst>
+              <a:ext uri="{FF2B5EF4-FFF2-40B4-BE49-F238E27FC236}">
+                <a16:creationId xmlns:a16="http://schemas.microsoft.com/office/drawing/2014/main" id="{52C55EC9-4C6E-4C8C-B14B-8A8595706254}"/>
+              </a:ext>
+            </a:extLst>
+          </p:cNvPr>
+          <p:cNvSpPr txBox="1"/>
+          <p:nvPr/>
+        </p:nvSpPr>
+        <p:spPr>
+          <a:xfrm>
+            <a:off x="9656354" y="4314823"/>
+            <a:ext cx="2390775" cy="369332"/>
+          </a:xfrm>
+          <a:prstGeom prst="rect">
+            <a:avLst/>
+          </a:prstGeom>
+          <a:noFill/>
+        </p:spPr>
+        <p:txBody>
+          <a:bodyPr wrap="square" rtlCol="0">
+            <a:spAutoFit/>
+          </a:bodyPr>
+          <a:lstStyle/>
+          <a:p>
+            <a:r>
+              <a:rPr lang="en-US" dirty="0"/>
+              <a:t>True=1|Pred=1</a:t>
+            </a:r>
+          </a:p>
+        </p:txBody>
+      </p:sp>
+      <p:pic>
+        <p:nvPicPr>
+          <p:cNvPr id="1032" name="Picture 8">
+            <a:extLst>
+              <a:ext uri="{FF2B5EF4-FFF2-40B4-BE49-F238E27FC236}">
+                <a16:creationId xmlns:a16="http://schemas.microsoft.com/office/drawing/2014/main" id="{93A0FFA9-C998-417C-9222-B1BFE76E1C43}"/>
+              </a:ext>
+            </a:extLst>
+          </p:cNvPr>
+          <p:cNvPicPr>
+            <a:picLocks noChangeAspect="1" noChangeArrowheads="1"/>
+          </p:cNvPicPr>
+          <p:nvPr/>
+        </p:nvPicPr>
+        <p:blipFill>
+          <a:blip r:embed="rId3">
+            <a:extLst>
+              <a:ext uri="{28A0092B-C50C-407E-A947-70E740481C1C}">
+                <a14:useLocalDpi xmlns:a14="http://schemas.microsoft.com/office/drawing/2010/main" val="0"/>
+              </a:ext>
+            </a:extLst>
+          </a:blip>
+          <a:srcRect/>
+          <a:stretch>
+            <a:fillRect/>
+          </a:stretch>
+        </p:blipFill>
+        <p:spPr bwMode="auto">
+          <a:xfrm>
+            <a:off x="9564325" y="2649746"/>
+            <a:ext cx="1613139" cy="1838240"/>
+          </a:xfrm>
+          <a:prstGeom prst="rect">
+            <a:avLst/>
+          </a:prstGeom>
+          <a:noFill/>
+          <a:extLst>
+            <a:ext uri="{909E8E84-426E-40DD-AFC4-6F175D3DCCD1}">
+              <a14:hiddenFill xmlns:a14="http://schemas.microsoft.com/office/drawing/2010/main">
+                <a:solidFill>
+                  <a:srgbClr val="FFFFFF"/>
+                </a:solidFill>
+              </a14:hiddenFill>
+            </a:ext>
+          </a:extLst>
+        </p:spPr>
+      </p:pic>
+      <p:pic>
+        <p:nvPicPr>
+          <p:cNvPr id="1034" name="Picture 10">
+            <a:extLst>
+              <a:ext uri="{FF2B5EF4-FFF2-40B4-BE49-F238E27FC236}">
+                <a16:creationId xmlns:a16="http://schemas.microsoft.com/office/drawing/2014/main" id="{B015BE2C-8D5D-4D65-91E1-2F618FF8008A}"/>
+              </a:ext>
+            </a:extLst>
+          </p:cNvPr>
+          <p:cNvPicPr>
+            <a:picLocks noChangeAspect="1" noChangeArrowheads="1"/>
+          </p:cNvPicPr>
+          <p:nvPr/>
+        </p:nvPicPr>
+        <p:blipFill>
+          <a:blip r:embed="rId4">
+            <a:extLst>
+              <a:ext uri="{28A0092B-C50C-407E-A947-70E740481C1C}">
+                <a14:useLocalDpi xmlns:a14="http://schemas.microsoft.com/office/drawing/2010/main" val="0"/>
+              </a:ext>
+            </a:extLst>
+          </a:blip>
+          <a:srcRect/>
+          <a:stretch>
+            <a:fillRect/>
+          </a:stretch>
+        </p:blipFill>
+        <p:spPr bwMode="auto">
+          <a:xfrm>
+            <a:off x="9656354" y="4727861"/>
+            <a:ext cx="1620137" cy="1511621"/>
+          </a:xfrm>
+          <a:prstGeom prst="rect">
+            <a:avLst/>
+          </a:prstGeom>
+          <a:noFill/>
+          <a:extLst>
+            <a:ext uri="{909E8E84-426E-40DD-AFC4-6F175D3DCCD1}">
+              <a14:hiddenFill xmlns:a14="http://schemas.microsoft.com/office/drawing/2010/main">
+                <a:solidFill>
+                  <a:srgbClr val="FFFFFF"/>
+                </a:solidFill>
+              </a14:hiddenFill>
+            </a:ext>
+          </a:extLst>
+        </p:spPr>
+      </p:pic>
+      <p:sp>
+        <p:nvSpPr>
+          <p:cNvPr id="102" name="TextBox 101">
+            <a:extLst>
+              <a:ext uri="{FF2B5EF4-FFF2-40B4-BE49-F238E27FC236}">
+                <a16:creationId xmlns:a16="http://schemas.microsoft.com/office/drawing/2014/main" id="{9AEF156E-97E4-4AA2-BFCE-4CAA07D0DB51}"/>
+              </a:ext>
+            </a:extLst>
+          </p:cNvPr>
+          <p:cNvSpPr txBox="1"/>
+          <p:nvPr/>
+        </p:nvSpPr>
+        <p:spPr>
+          <a:xfrm>
+            <a:off x="9656354" y="6196768"/>
+            <a:ext cx="2390775" cy="369332"/>
+          </a:xfrm>
+          <a:prstGeom prst="rect">
+            <a:avLst/>
+          </a:prstGeom>
+          <a:noFill/>
+        </p:spPr>
+        <p:txBody>
+          <a:bodyPr wrap="square" rtlCol="0">
+            <a:spAutoFit/>
+          </a:bodyPr>
+          <a:lstStyle/>
+          <a:p>
+            <a:r>
+              <a:rPr lang="en-US" dirty="0"/>
+              <a:t>True=2 | Pred=1</a:t>
+            </a:r>
+          </a:p>
+        </p:txBody>
+      </p:sp>
+      <p:pic>
+        <p:nvPicPr>
+          <p:cNvPr id="1036" name="Picture 12">
+            <a:extLst>
+              <a:ext uri="{FF2B5EF4-FFF2-40B4-BE49-F238E27FC236}">
+                <a16:creationId xmlns:a16="http://schemas.microsoft.com/office/drawing/2014/main" id="{782BFC45-43D6-46F2-96F4-600B5F61AA22}"/>
+              </a:ext>
+            </a:extLst>
+          </p:cNvPr>
+          <p:cNvPicPr>
+            <a:picLocks noChangeAspect="1" noChangeArrowheads="1"/>
+          </p:cNvPicPr>
+          <p:nvPr/>
+        </p:nvPicPr>
+        <p:blipFill>
+          <a:blip r:embed="rId5">
+            <a:extLst>
+              <a:ext uri="{28A0092B-C50C-407E-A947-70E740481C1C}">
+                <a14:useLocalDpi xmlns:a14="http://schemas.microsoft.com/office/drawing/2010/main" val="0"/>
+              </a:ext>
+            </a:extLst>
+          </a:blip>
+          <a:srcRect/>
+          <a:stretch>
+            <a:fillRect/>
+          </a:stretch>
+        </p:blipFill>
+        <p:spPr bwMode="auto">
+          <a:xfrm>
+            <a:off x="7375366" y="813969"/>
+            <a:ext cx="1645918" cy="1639361"/>
+          </a:xfrm>
+          <a:prstGeom prst="rect">
+            <a:avLst/>
+          </a:prstGeom>
+          <a:noFill/>
+          <a:extLst>
+            <a:ext uri="{909E8E84-426E-40DD-AFC4-6F175D3DCCD1}">
+              <a14:hiddenFill xmlns:a14="http://schemas.microsoft.com/office/drawing/2010/main">
+                <a:solidFill>
+                  <a:srgbClr val="FFFFFF"/>
+                </a:solidFill>
+              </a14:hiddenFill>
+            </a:ext>
+          </a:extLst>
+        </p:spPr>
+      </p:pic>
+      <p:sp>
+        <p:nvSpPr>
+          <p:cNvPr id="104" name="TextBox 103">
+            <a:extLst>
+              <a:ext uri="{FF2B5EF4-FFF2-40B4-BE49-F238E27FC236}">
+                <a16:creationId xmlns:a16="http://schemas.microsoft.com/office/drawing/2014/main" id="{5DB10A30-A1B8-4EFE-B7C1-3FB48DB2977E}"/>
+              </a:ext>
+            </a:extLst>
+          </p:cNvPr>
+          <p:cNvSpPr txBox="1"/>
+          <p:nvPr/>
+        </p:nvSpPr>
+        <p:spPr>
+          <a:xfrm>
+            <a:off x="7375366" y="2280517"/>
+            <a:ext cx="2012932" cy="369332"/>
+          </a:xfrm>
+          <a:prstGeom prst="rect">
+            <a:avLst/>
+          </a:prstGeom>
+          <a:noFill/>
+        </p:spPr>
+        <p:txBody>
+          <a:bodyPr wrap="square" rtlCol="0">
+            <a:spAutoFit/>
+          </a:bodyPr>
+          <a:lstStyle/>
+          <a:p>
+            <a:r>
+              <a:rPr lang="en-US" dirty="0"/>
+              <a:t>True=3 | Pred=0</a:t>
+            </a:r>
+          </a:p>
+        </p:txBody>
+      </p:sp>
+      <p:pic>
+        <p:nvPicPr>
+          <p:cNvPr id="1038" name="Picture 14">
+            <a:extLst>
+              <a:ext uri="{FF2B5EF4-FFF2-40B4-BE49-F238E27FC236}">
+                <a16:creationId xmlns:a16="http://schemas.microsoft.com/office/drawing/2014/main" id="{A10E9C77-1432-44F2-86E0-4E7F4B45E32F}"/>
+              </a:ext>
+            </a:extLst>
+          </p:cNvPr>
+          <p:cNvPicPr>
+            <a:picLocks noChangeAspect="1" noChangeArrowheads="1"/>
+          </p:cNvPicPr>
+          <p:nvPr/>
+        </p:nvPicPr>
+        <p:blipFill>
+          <a:blip r:embed="rId6">
+            <a:extLst>
+              <a:ext uri="{28A0092B-C50C-407E-A947-70E740481C1C}">
+                <a14:useLocalDpi xmlns:a14="http://schemas.microsoft.com/office/drawing/2010/main" val="0"/>
+              </a:ext>
+            </a:extLst>
+          </a:blip>
+          <a:srcRect/>
+          <a:stretch>
+            <a:fillRect/>
+          </a:stretch>
+        </p:blipFill>
+        <p:spPr bwMode="auto">
+          <a:xfrm>
+            <a:off x="7375366" y="2695914"/>
+            <a:ext cx="1685695" cy="1838240"/>
+          </a:xfrm>
+          <a:prstGeom prst="rect">
+            <a:avLst/>
+          </a:prstGeom>
+          <a:noFill/>
+          <a:extLst>
+            <a:ext uri="{909E8E84-426E-40DD-AFC4-6F175D3DCCD1}">
+              <a14:hiddenFill xmlns:a14="http://schemas.microsoft.com/office/drawing/2010/main">
+                <a:solidFill>
+                  <a:srgbClr val="FFFFFF"/>
+                </a:solidFill>
+              </a14:hiddenFill>
+            </a:ext>
+          </a:extLst>
+        </p:spPr>
+      </p:pic>
+      <p:sp>
+        <p:nvSpPr>
+          <p:cNvPr id="106" name="TextBox 105">
+            <a:extLst>
+              <a:ext uri="{FF2B5EF4-FFF2-40B4-BE49-F238E27FC236}">
+                <a16:creationId xmlns:a16="http://schemas.microsoft.com/office/drawing/2014/main" id="{9FBDCC94-59CF-421F-B3FA-56E0818EB7ED}"/>
+              </a:ext>
+            </a:extLst>
+          </p:cNvPr>
+          <p:cNvSpPr txBox="1"/>
+          <p:nvPr/>
+        </p:nvSpPr>
+        <p:spPr>
+          <a:xfrm>
+            <a:off x="7375366" y="4331520"/>
+            <a:ext cx="2310699" cy="369332"/>
+          </a:xfrm>
+          <a:prstGeom prst="rect">
+            <a:avLst/>
+          </a:prstGeom>
+          <a:noFill/>
+        </p:spPr>
+        <p:txBody>
+          <a:bodyPr wrap="square" rtlCol="0">
+            <a:spAutoFit/>
+          </a:bodyPr>
+          <a:lstStyle/>
+          <a:p>
+            <a:r>
+              <a:rPr lang="en-US" dirty="0"/>
+              <a:t>True=4 | Pred=3</a:t>
+            </a:r>
+          </a:p>
+        </p:txBody>
+      </p:sp>
+      <p:pic>
+        <p:nvPicPr>
+          <p:cNvPr id="1040" name="Picture 16">
+            <a:extLst>
+              <a:ext uri="{FF2B5EF4-FFF2-40B4-BE49-F238E27FC236}">
+                <a16:creationId xmlns:a16="http://schemas.microsoft.com/office/drawing/2014/main" id="{DA046BF2-8A42-4DFC-9BF7-2251A2C4231C}"/>
+              </a:ext>
+            </a:extLst>
+          </p:cNvPr>
+          <p:cNvPicPr>
+            <a:picLocks noChangeAspect="1" noChangeArrowheads="1"/>
+          </p:cNvPicPr>
+          <p:nvPr/>
+        </p:nvPicPr>
+        <p:blipFill>
+          <a:blip r:embed="rId7">
+            <a:extLst>
+              <a:ext uri="{28A0092B-C50C-407E-A947-70E740481C1C}">
+                <a14:useLocalDpi xmlns:a14="http://schemas.microsoft.com/office/drawing/2010/main" val="0"/>
+              </a:ext>
+            </a:extLst>
+          </a:blip>
+          <a:srcRect/>
+          <a:stretch>
+            <a:fillRect/>
+          </a:stretch>
+        </p:blipFill>
+        <p:spPr bwMode="auto">
+          <a:xfrm>
+            <a:off x="7500983" y="4700853"/>
+            <a:ext cx="1620137" cy="1613682"/>
+          </a:xfrm>
+          <a:prstGeom prst="rect">
+            <a:avLst/>
+          </a:prstGeom>
+          <a:noFill/>
+          <a:extLst>
+            <a:ext uri="{909E8E84-426E-40DD-AFC4-6F175D3DCCD1}">
+              <a14:hiddenFill xmlns:a14="http://schemas.microsoft.com/office/drawing/2010/main">
+                <a:solidFill>
+                  <a:srgbClr val="FFFFFF"/>
+                </a:solidFill>
+              </a14:hiddenFill>
+            </a:ext>
+          </a:extLst>
+        </p:spPr>
+      </p:pic>
+      <p:sp>
+        <p:nvSpPr>
+          <p:cNvPr id="108" name="TextBox 107">
+            <a:extLst>
+              <a:ext uri="{FF2B5EF4-FFF2-40B4-BE49-F238E27FC236}">
+                <a16:creationId xmlns:a16="http://schemas.microsoft.com/office/drawing/2014/main" id="{CEB30713-83E9-4CCD-A210-85ABFD7AB932}"/>
+              </a:ext>
+            </a:extLst>
+          </p:cNvPr>
+          <p:cNvSpPr txBox="1"/>
+          <p:nvPr/>
+        </p:nvSpPr>
+        <p:spPr>
+          <a:xfrm>
+            <a:off x="7500983" y="6239482"/>
+            <a:ext cx="2310699" cy="369332"/>
+          </a:xfrm>
+          <a:prstGeom prst="rect">
+            <a:avLst/>
+          </a:prstGeom>
+          <a:noFill/>
+        </p:spPr>
+        <p:txBody>
+          <a:bodyPr wrap="square" rtlCol="0">
+            <a:spAutoFit/>
+          </a:bodyPr>
+          <a:lstStyle/>
+          <a:p>
+            <a:r>
+              <a:rPr lang="en-US" dirty="0"/>
+              <a:t>True=5 |Pred=6</a:t>
+            </a:r>
+          </a:p>
+        </p:txBody>
+      </p:sp>
+      <p:pic>
+        <p:nvPicPr>
+          <p:cNvPr id="1042" name="Picture 18">
+            <a:extLst>
+              <a:ext uri="{FF2B5EF4-FFF2-40B4-BE49-F238E27FC236}">
+                <a16:creationId xmlns:a16="http://schemas.microsoft.com/office/drawing/2014/main" id="{ADF0DF46-7F16-470B-B518-2F1FADB4A966}"/>
+              </a:ext>
+            </a:extLst>
+          </p:cNvPr>
+          <p:cNvPicPr>
+            <a:picLocks noChangeAspect="1" noChangeArrowheads="1"/>
+          </p:cNvPicPr>
+          <p:nvPr/>
+        </p:nvPicPr>
+        <p:blipFill>
+          <a:blip r:embed="rId8">
+            <a:extLst>
+              <a:ext uri="{28A0092B-C50C-407E-A947-70E740481C1C}">
+                <a14:useLocalDpi xmlns:a14="http://schemas.microsoft.com/office/drawing/2010/main" val="0"/>
+              </a:ext>
+            </a:extLst>
+          </a:blip>
+          <a:srcRect/>
+          <a:stretch>
+            <a:fillRect/>
+          </a:stretch>
+        </p:blipFill>
+        <p:spPr bwMode="auto">
+          <a:xfrm>
+            <a:off x="5204745" y="830774"/>
+            <a:ext cx="1612173" cy="1605750"/>
+          </a:xfrm>
+          <a:prstGeom prst="rect">
+            <a:avLst/>
+          </a:prstGeom>
+          <a:noFill/>
+          <a:extLst>
+            <a:ext uri="{909E8E84-426E-40DD-AFC4-6F175D3DCCD1}">
+              <a14:hiddenFill xmlns:a14="http://schemas.microsoft.com/office/drawing/2010/main">
+                <a:solidFill>
+                  <a:srgbClr val="FFFFFF"/>
+                </a:solidFill>
+              </a14:hiddenFill>
+            </a:ext>
+          </a:extLst>
+        </p:spPr>
+      </p:pic>
+      <p:sp>
+        <p:nvSpPr>
+          <p:cNvPr id="149" name="TextBox 148">
+            <a:extLst>
+              <a:ext uri="{FF2B5EF4-FFF2-40B4-BE49-F238E27FC236}">
+                <a16:creationId xmlns:a16="http://schemas.microsoft.com/office/drawing/2014/main" id="{68522CFD-107C-4247-9728-4A68E195B408}"/>
+              </a:ext>
+            </a:extLst>
+          </p:cNvPr>
+          <p:cNvSpPr txBox="1"/>
+          <p:nvPr/>
+        </p:nvSpPr>
+        <p:spPr>
+          <a:xfrm>
+            <a:off x="5249843" y="2267962"/>
+            <a:ext cx="1845593" cy="369332"/>
+          </a:xfrm>
+          <a:prstGeom prst="rect">
+            <a:avLst/>
+          </a:prstGeom>
+          <a:noFill/>
+        </p:spPr>
+        <p:txBody>
+          <a:bodyPr wrap="square" rtlCol="0">
+            <a:spAutoFit/>
+          </a:bodyPr>
+          <a:lstStyle/>
+          <a:p>
+            <a:r>
+              <a:rPr lang="en-US" dirty="0"/>
+              <a:t>True=6 |Pred=0</a:t>
+            </a:r>
+          </a:p>
+        </p:txBody>
+      </p:sp>
+      <p:pic>
+        <p:nvPicPr>
+          <p:cNvPr id="1048" name="Picture 24">
+            <a:extLst>
+              <a:ext uri="{FF2B5EF4-FFF2-40B4-BE49-F238E27FC236}">
+                <a16:creationId xmlns:a16="http://schemas.microsoft.com/office/drawing/2014/main" id="{847D86FF-DE63-4D48-A212-1EA7D13D003F}"/>
+              </a:ext>
+            </a:extLst>
+          </p:cNvPr>
+          <p:cNvPicPr>
+            <a:picLocks noChangeAspect="1" noChangeArrowheads="1"/>
+          </p:cNvPicPr>
+          <p:nvPr/>
+        </p:nvPicPr>
+        <p:blipFill>
+          <a:blip r:embed="rId9">
+            <a:extLst>
+              <a:ext uri="{28A0092B-C50C-407E-A947-70E740481C1C}">
+                <a14:useLocalDpi xmlns:a14="http://schemas.microsoft.com/office/drawing/2010/main" val="0"/>
+              </a:ext>
+            </a:extLst>
+          </a:blip>
+          <a:srcRect/>
+          <a:stretch>
+            <a:fillRect/>
+          </a:stretch>
+        </p:blipFill>
+        <p:spPr bwMode="auto">
+          <a:xfrm>
+            <a:off x="1111081" y="3960864"/>
+            <a:ext cx="3705225" cy="2647950"/>
+          </a:xfrm>
+          <a:prstGeom prst="rect">
+            <a:avLst/>
+          </a:prstGeom>
+          <a:noFill/>
+          <a:extLst>
+            <a:ext uri="{909E8E84-426E-40DD-AFC4-6F175D3DCCD1}">
+              <a14:hiddenFill xmlns:a14="http://schemas.microsoft.com/office/drawing/2010/main">
+                <a:solidFill>
+                  <a:srgbClr val="FFFFFF"/>
+                </a:solidFill>
+              </a14:hiddenFill>
+            </a:ext>
+          </a:extLst>
+        </p:spPr>
+      </p:pic>
+      <p:pic>
+        <p:nvPicPr>
+          <p:cNvPr id="1052" name="Picture 28">
+            <a:extLst>
+              <a:ext uri="{FF2B5EF4-FFF2-40B4-BE49-F238E27FC236}">
+                <a16:creationId xmlns:a16="http://schemas.microsoft.com/office/drawing/2014/main" id="{CBC2979F-211D-417C-A3D0-1D5B996F727F}"/>
+              </a:ext>
+            </a:extLst>
+          </p:cNvPr>
+          <p:cNvPicPr>
+            <a:picLocks noChangeAspect="1" noChangeArrowheads="1"/>
+          </p:cNvPicPr>
+          <p:nvPr/>
+        </p:nvPicPr>
+        <p:blipFill>
+          <a:blip r:embed="rId10">
+            <a:extLst>
+              <a:ext uri="{28A0092B-C50C-407E-A947-70E740481C1C}">
+                <a14:useLocalDpi xmlns:a14="http://schemas.microsoft.com/office/drawing/2010/main" val="0"/>
+              </a:ext>
+            </a:extLst>
+          </a:blip>
+          <a:srcRect/>
+          <a:stretch>
+            <a:fillRect/>
+          </a:stretch>
+        </p:blipFill>
+        <p:spPr bwMode="auto">
+          <a:xfrm>
+            <a:off x="1078031" y="1097400"/>
+            <a:ext cx="3762375" cy="2647950"/>
+          </a:xfrm>
+          <a:prstGeom prst="rect">
+            <a:avLst/>
+          </a:prstGeom>
+          <a:noFill/>
+          <a:extLst>
+            <a:ext uri="{909E8E84-426E-40DD-AFC4-6F175D3DCCD1}">
+              <a14:hiddenFill xmlns:a14="http://schemas.microsoft.com/office/drawing/2010/main">
+                <a:solidFill>
+                  <a:srgbClr val="FFFFFF"/>
+                </a:solidFill>
+              </a14:hiddenFill>
+            </a:ext>
+          </a:extLst>
+        </p:spPr>
+      </p:pic>
+      <p:sp>
+        <p:nvSpPr>
+          <p:cNvPr id="20" name="Content Placeholder 10">
+            <a:extLst>
+              <a:ext uri="{FF2B5EF4-FFF2-40B4-BE49-F238E27FC236}">
+                <a16:creationId xmlns:a16="http://schemas.microsoft.com/office/drawing/2014/main" id="{4CA7FA2E-56EA-4B26-9F0F-657A4E28F0D9}"/>
+              </a:ext>
+            </a:extLst>
+          </p:cNvPr>
+          <p:cNvSpPr txBox="1">
+            <a:spLocks/>
+          </p:cNvSpPr>
+          <p:nvPr/>
+        </p:nvSpPr>
+        <p:spPr>
+          <a:xfrm>
+            <a:off x="5204745" y="2975399"/>
+            <a:ext cx="2203406" cy="2763550"/>
+          </a:xfrm>
+          <a:prstGeom prst="rect">
+            <a:avLst/>
+          </a:prstGeom>
+        </p:spPr>
+        <p:txBody>
+          <a:bodyPr vert="horz" lIns="91440" tIns="45720" rIns="91440" bIns="45720" rtlCol="0">
+            <a:normAutofit fontScale="85000" lnSpcReduction="20000"/>
+          </a:bodyPr>
+          <a:lstStyle>
+            <a:lvl1pPr marL="228600" indent="-228600" algn="l" defTabSz="914400" rtl="0" eaLnBrk="1" latinLnBrk="0" hangingPunct="1">
+              <a:lnSpc>
+                <a:spcPct val="120000"/>
+              </a:lnSpc>
+              <a:spcBef>
+                <a:spcPts val="1000"/>
+              </a:spcBef>
+              <a:buSzPct val="125000"/>
+              <a:buFont typeface="Arial" panose="020B0604020202020204" pitchFamily="34" charset="0"/>
+              <a:buChar char="•"/>
+              <a:defRPr sz="2400" kern="1200">
+                <a:solidFill>
+                  <a:schemeClr val="tx1"/>
+                </a:solidFill>
+                <a:latin typeface="+mn-lt"/>
+                <a:ea typeface="+mn-ea"/>
+                <a:cs typeface="+mn-cs"/>
+              </a:defRPr>
+            </a:lvl1pPr>
+            <a:lvl2pPr marL="685800" indent="-228600" algn="l" defTabSz="914400" rtl="0" eaLnBrk="1" latinLnBrk="0" hangingPunct="1">
+              <a:lnSpc>
+                <a:spcPct val="120000"/>
+              </a:lnSpc>
+              <a:spcBef>
+                <a:spcPts val="500"/>
+              </a:spcBef>
+              <a:buSzPct val="125000"/>
+              <a:buFont typeface="Arial" panose="020B0604020202020204" pitchFamily="34" charset="0"/>
+              <a:buChar char="•"/>
+              <a:defRPr sz="2000" kern="1200">
+                <a:solidFill>
+                  <a:schemeClr val="tx1"/>
+                </a:solidFill>
+                <a:latin typeface="+mn-lt"/>
+                <a:ea typeface="+mn-ea"/>
+                <a:cs typeface="+mn-cs"/>
+              </a:defRPr>
+            </a:lvl2pPr>
+            <a:lvl3pPr marL="1143000" indent="-228600" algn="l" defTabSz="914400" rtl="0" eaLnBrk="1" latinLnBrk="0" hangingPunct="1">
+              <a:lnSpc>
+                <a:spcPct val="120000"/>
+              </a:lnSpc>
+              <a:spcBef>
+                <a:spcPts val="500"/>
+              </a:spcBef>
+              <a:buSzPct val="125000"/>
+              <a:buFont typeface="Arial" panose="020B0604020202020204" pitchFamily="34" charset="0"/>
+              <a:buChar char="•"/>
+              <a:defRPr sz="1800" kern="1200">
+                <a:solidFill>
+                  <a:schemeClr val="tx1"/>
+                </a:solidFill>
+                <a:latin typeface="+mn-lt"/>
+                <a:ea typeface="+mn-ea"/>
+                <a:cs typeface="+mn-cs"/>
+              </a:defRPr>
+            </a:lvl3pPr>
+            <a:lvl4pPr marL="1600200" indent="-228600" algn="l" defTabSz="914400" rtl="0" eaLnBrk="1" latinLnBrk="0" hangingPunct="1">
+              <a:lnSpc>
+                <a:spcPct val="120000"/>
+              </a:lnSpc>
+              <a:spcBef>
+                <a:spcPts val="500"/>
+              </a:spcBef>
+              <a:buSzPct val="125000"/>
+              <a:buFont typeface="Arial" panose="020B0604020202020204" pitchFamily="34" charset="0"/>
+              <a:buChar char="•"/>
+              <a:defRPr sz="1600" kern="1200">
+                <a:solidFill>
+                  <a:schemeClr val="tx1"/>
+                </a:solidFill>
+                <a:latin typeface="+mn-lt"/>
+                <a:ea typeface="+mn-ea"/>
+                <a:cs typeface="+mn-cs"/>
+              </a:defRPr>
+            </a:lvl4pPr>
+            <a:lvl5pPr marL="2057400" indent="-228600" algn="l" defTabSz="914400" rtl="0" eaLnBrk="1" latinLnBrk="0" hangingPunct="1">
+              <a:lnSpc>
+                <a:spcPct val="120000"/>
+              </a:lnSpc>
+              <a:spcBef>
+                <a:spcPts val="500"/>
+              </a:spcBef>
+              <a:buSzPct val="125000"/>
+              <a:buFont typeface="Arial" panose="020B0604020202020204" pitchFamily="34" charset="0"/>
+              <a:buChar char="•"/>
+              <a:defRPr sz="1600" kern="1200">
+                <a:solidFill>
+                  <a:schemeClr val="tx1"/>
+                </a:solidFill>
+                <a:latin typeface="+mn-lt"/>
+                <a:ea typeface="+mn-ea"/>
+                <a:cs typeface="+mn-cs"/>
+              </a:defRPr>
+            </a:lvl5pPr>
+            <a:lvl6pPr marL="2514600" indent="-228600" algn="l" defTabSz="914400" rtl="0" eaLnBrk="1" latinLnBrk="0" hangingPunct="1">
+              <a:lnSpc>
+                <a:spcPct val="120000"/>
+              </a:lnSpc>
+              <a:spcBef>
+                <a:spcPts val="500"/>
+              </a:spcBef>
+              <a:buSzPct val="125000"/>
+              <a:buFont typeface="Arial" panose="020B0604020202020204" pitchFamily="34" charset="0"/>
+              <a:buChar char="•"/>
+              <a:defRPr sz="1400" kern="1200">
+                <a:solidFill>
+                  <a:schemeClr val="tx1"/>
+                </a:solidFill>
+                <a:latin typeface="+mn-lt"/>
+                <a:ea typeface="+mn-ea"/>
+                <a:cs typeface="+mn-cs"/>
+              </a:defRPr>
+            </a:lvl6pPr>
+            <a:lvl7pPr marL="2971800" indent="-228600" algn="l" defTabSz="914400" rtl="0" eaLnBrk="1" latinLnBrk="0" hangingPunct="1">
+              <a:lnSpc>
+                <a:spcPct val="120000"/>
+              </a:lnSpc>
+              <a:spcBef>
+                <a:spcPts val="500"/>
+              </a:spcBef>
+              <a:buSzPct val="125000"/>
+              <a:buFont typeface="Arial" panose="020B0604020202020204" pitchFamily="34" charset="0"/>
+              <a:buChar char="•"/>
+              <a:defRPr sz="1400" kern="1200">
+                <a:solidFill>
+                  <a:schemeClr val="tx1"/>
+                </a:solidFill>
+                <a:latin typeface="+mn-lt"/>
+                <a:ea typeface="+mn-ea"/>
+                <a:cs typeface="+mn-cs"/>
+              </a:defRPr>
+            </a:lvl7pPr>
+            <a:lvl8pPr marL="3429000" indent="-228600" algn="l" defTabSz="914400" rtl="0" eaLnBrk="1" latinLnBrk="0" hangingPunct="1">
+              <a:lnSpc>
+                <a:spcPct val="120000"/>
+              </a:lnSpc>
+              <a:spcBef>
+                <a:spcPts val="500"/>
+              </a:spcBef>
+              <a:buSzPct val="125000"/>
+              <a:buFont typeface="Arial" panose="020B0604020202020204" pitchFamily="34" charset="0"/>
+              <a:buChar char="•"/>
+              <a:defRPr sz="1400" kern="1200">
+                <a:solidFill>
+                  <a:schemeClr val="tx1"/>
+                </a:solidFill>
+                <a:latin typeface="+mn-lt"/>
+                <a:ea typeface="+mn-ea"/>
+                <a:cs typeface="+mn-cs"/>
+              </a:defRPr>
+            </a:lvl8pPr>
+            <a:lvl9pPr marL="3886200" indent="-228600" algn="l" defTabSz="914400" rtl="0" eaLnBrk="1" latinLnBrk="0" hangingPunct="1">
+              <a:lnSpc>
+                <a:spcPct val="120000"/>
+              </a:lnSpc>
+              <a:spcBef>
+                <a:spcPts val="500"/>
+              </a:spcBef>
+              <a:buSzPct val="125000"/>
+              <a:buFont typeface="Arial" panose="020B0604020202020204" pitchFamily="34" charset="0"/>
+              <a:buChar char="•"/>
+              <a:defRPr sz="1400" kern="1200">
+                <a:solidFill>
+                  <a:schemeClr val="tx1"/>
+                </a:solidFill>
+                <a:latin typeface="+mn-lt"/>
+                <a:ea typeface="+mn-ea"/>
+                <a:cs typeface="+mn-cs"/>
+              </a:defRPr>
+            </a:lvl9pPr>
+          </a:lstStyle>
+          <a:p>
+            <a:r>
+              <a:rPr lang="en-US" sz="1800" dirty="0"/>
+              <a:t>Used 19 PC’s on Training set explaining 75% of the variability</a:t>
+            </a:r>
+          </a:p>
+          <a:p>
+            <a:r>
+              <a:rPr lang="en-US" sz="1800" dirty="0"/>
+              <a:t>Exact same results as the data with all the 2304 features.</a:t>
+            </a:r>
+          </a:p>
+          <a:p>
+            <a:r>
+              <a:rPr lang="en-US" sz="1800" dirty="0"/>
+              <a:t>Training Set Accuracy: 31.4%</a:t>
+            </a:r>
+          </a:p>
+          <a:p>
+            <a:r>
+              <a:rPr lang="en-US" sz="1800" dirty="0"/>
+              <a:t>Test Set Accuracy: </a:t>
+            </a:r>
+            <a:r>
+              <a:rPr lang="en-US" sz="1800" dirty="0">
+                <a:highlight>
+                  <a:srgbClr val="FFFF00"/>
+                </a:highlight>
+              </a:rPr>
+              <a:t>31.23%</a:t>
+            </a:r>
+          </a:p>
+        </p:txBody>
+      </p:sp>
+    </p:spTree>
+    <p:extLst>
+      <p:ext uri="{BB962C8B-B14F-4D97-AF65-F5344CB8AC3E}">
+        <p14:creationId xmlns:p14="http://schemas.microsoft.com/office/powerpoint/2010/main" val="293258084"/>
+      </p:ext>
+    </p:extLst>
+  </p:cSld>
+  <p:clrMapOvr>
+    <a:masterClrMapping/>
+  </p:clrMapOvr>
+</p:sld>
+</file>
+
+<file path=ppt/slides/slide8.xml><?xml version="1.0" encoding="utf-8"?>
+<p:sld xmlns:a="http://schemas.openxmlformats.org/drawingml/2006/main" xmlns:r="http://schemas.openxmlformats.org/officeDocument/2006/relationships" xmlns:p="http://schemas.openxmlformats.org/presentationml/2006/main">
+  <p:cSld>
+    <p:bg>
+      <p:bgRef idx="1001">
+        <a:schemeClr val="bg1"/>
+      </p:bgRef>
+    </p:bg>
+    <p:spTree>
+      <p:nvGrpSpPr>
+        <p:cNvPr id="1" name=""/>
+        <p:cNvGrpSpPr/>
+        <p:nvPr/>
+      </p:nvGrpSpPr>
+      <p:grpSpPr>
+        <a:xfrm>
+          <a:off x="0" y="0"/>
+          <a:ext cx="0" cy="0"/>
+          <a:chOff x="0" y="0"/>
+          <a:chExt cx="0" cy="0"/>
+        </a:xfrm>
+      </p:grpSpPr>
+      <p:sp>
+        <p:nvSpPr>
+          <p:cNvPr id="2" name="Title 1">
+            <a:extLst>
+              <a:ext uri="{FF2B5EF4-FFF2-40B4-BE49-F238E27FC236}">
+                <a16:creationId xmlns:a16="http://schemas.microsoft.com/office/drawing/2014/main" id="{DACA88CE-21C6-4B0E-A7F8-45202789E753}"/>
+              </a:ext>
+            </a:extLst>
+          </p:cNvPr>
+          <p:cNvSpPr>
+            <a:spLocks noGrp="1"/>
+          </p:cNvSpPr>
+          <p:nvPr>
+            <p:ph type="title"/>
+          </p:nvPr>
+        </p:nvSpPr>
+        <p:spPr>
+          <a:xfrm>
+            <a:off x="8036041" y="618518"/>
+            <a:ext cx="3281003" cy="1478570"/>
+          </a:xfrm>
+        </p:spPr>
+        <p:txBody>
+          <a:bodyPr vert="horz" lIns="91440" tIns="45720" rIns="91440" bIns="45720" rtlCol="0" anchor="b">
+            <a:normAutofit/>
+          </a:bodyPr>
+          <a:lstStyle/>
+          <a:p>
+            <a:r>
+              <a:rPr lang="en-US" sz="2800" dirty="0"/>
+              <a:t>Outcome summary</a:t>
+            </a:r>
+          </a:p>
+        </p:txBody>
+      </p:sp>
+      <p:sp>
+        <p:nvSpPr>
+          <p:cNvPr id="11" name="Content Placeholder 10">
+            <a:extLst>
+              <a:ext uri="{FF2B5EF4-FFF2-40B4-BE49-F238E27FC236}">
+                <a16:creationId xmlns:a16="http://schemas.microsoft.com/office/drawing/2014/main" id="{C9D5AF68-48D5-4964-B0F7-EDAD0AF4E91B}"/>
+              </a:ext>
+            </a:extLst>
+          </p:cNvPr>
+          <p:cNvSpPr>
+            <a:spLocks noGrp="1"/>
+          </p:cNvSpPr>
+          <p:nvPr>
+            <p:ph sz="half" idx="1"/>
+          </p:nvPr>
+        </p:nvSpPr>
+        <p:spPr>
+          <a:xfrm>
+            <a:off x="8036041" y="2249487"/>
+            <a:ext cx="3281004" cy="3541714"/>
+          </a:xfrm>
+        </p:spPr>
+        <p:txBody>
+          <a:bodyPr vert="horz" lIns="91440" tIns="45720" rIns="91440" bIns="45720" rtlCol="0">
+            <a:normAutofit/>
+          </a:bodyPr>
+          <a:lstStyle/>
+          <a:p>
+            <a:r>
+              <a:rPr lang="en-US" sz="1800" dirty="0"/>
+              <a:t>Used 19 PC’s on Training set explaining 75% of the variability</a:t>
+            </a:r>
+          </a:p>
+          <a:p>
+            <a:r>
+              <a:rPr lang="en-US" sz="1800" dirty="0"/>
+              <a:t>Exact same results as the data with all the 2304 features.</a:t>
+            </a:r>
+          </a:p>
+          <a:p>
+            <a:r>
+              <a:rPr lang="en-US" sz="1800" dirty="0"/>
+              <a:t>Training Set Accuracy: 31.4%</a:t>
+            </a:r>
+          </a:p>
+          <a:p>
+            <a:r>
+              <a:rPr lang="en-US" sz="1800" dirty="0"/>
+              <a:t>Test Set Accuracy: </a:t>
+            </a:r>
+            <a:r>
+              <a:rPr lang="en-US" sz="1800" dirty="0">
+                <a:highlight>
+                  <a:srgbClr val="FFFF00"/>
+                </a:highlight>
+              </a:rPr>
+              <a:t>31.23%</a:t>
+            </a:r>
+          </a:p>
+        </p:txBody>
+      </p:sp>
+      <p:pic>
+        <p:nvPicPr>
+          <p:cNvPr id="9" name="Content Placeholder 5">
+            <a:extLst>
+              <a:ext uri="{FF2B5EF4-FFF2-40B4-BE49-F238E27FC236}">
+                <a16:creationId xmlns:a16="http://schemas.microsoft.com/office/drawing/2014/main" id="{F6ABF9AC-1FAF-4D9A-A63D-4850602B059C}"/>
+              </a:ext>
+            </a:extLst>
+          </p:cNvPr>
+          <p:cNvPicPr>
+            <a:picLocks noChangeAspect="1"/>
+          </p:cNvPicPr>
+          <p:nvPr/>
+        </p:nvPicPr>
+        <p:blipFill>
+          <a:blip r:embed="rId3"/>
+          <a:stretch>
+            <a:fillRect/>
+          </a:stretch>
+        </p:blipFill>
+        <p:spPr>
+          <a:xfrm>
+            <a:off x="1357527" y="2562158"/>
+            <a:ext cx="6112382" cy="3863974"/>
+          </a:xfrm>
+          <a:prstGeom prst="rect">
+            <a:avLst/>
+          </a:prstGeom>
+        </p:spPr>
+      </p:pic>
+      <p:sp>
+        <p:nvSpPr>
+          <p:cNvPr id="89" name="Title 1">
+            <a:extLst>
+              <a:ext uri="{FF2B5EF4-FFF2-40B4-BE49-F238E27FC236}">
+                <a16:creationId xmlns:a16="http://schemas.microsoft.com/office/drawing/2014/main" id="{4F0242D0-8432-47F4-9A71-222DBA46FE63}"/>
+              </a:ext>
+            </a:extLst>
+          </p:cNvPr>
+          <p:cNvSpPr txBox="1">
+            <a:spLocks/>
+          </p:cNvSpPr>
+          <p:nvPr/>
+        </p:nvSpPr>
+        <p:spPr>
+          <a:xfrm>
+            <a:off x="1143001" y="0"/>
+            <a:ext cx="9905998" cy="768626"/>
+          </a:xfrm>
+          <a:prstGeom prst="rect">
+            <a:avLst/>
+          </a:prstGeom>
+        </p:spPr>
+        <p:txBody>
+          <a:bodyPr vert="horz" lIns="91440" tIns="45720" rIns="91440" bIns="45720" rtlCol="0" anchor="ctr">
+            <a:normAutofit/>
+          </a:bodyPr>
+          <a:lstStyle>
+            <a:lvl1pPr algn="l" defTabSz="914400" rtl="0" eaLnBrk="1" latinLnBrk="0" hangingPunct="1">
+              <a:lnSpc>
+                <a:spcPct val="90000"/>
+              </a:lnSpc>
+              <a:spcBef>
+                <a:spcPct val="0"/>
+              </a:spcBef>
+              <a:buNone/>
+              <a:defRPr sz="3600" kern="1200" cap="all" baseline="0">
+                <a:solidFill>
+                  <a:schemeClr val="tx1"/>
+                </a:solidFill>
+                <a:latin typeface="+mj-lt"/>
+                <a:ea typeface="+mj-ea"/>
+                <a:cs typeface="+mj-cs"/>
+              </a:defRPr>
+            </a:lvl1pPr>
+          </a:lstStyle>
+          <a:p>
+            <a:r>
+              <a:rPr lang="en-IN" dirty="0"/>
+              <a:t>Logical regression:</a:t>
+            </a:r>
+            <a:endParaRPr lang="en-IN" dirty="0">
+              <a:highlight>
+                <a:srgbClr val="FFFF00"/>
+              </a:highlight>
+            </a:endParaRPr>
+          </a:p>
+        </p:txBody>
+      </p:sp>
+      <p:sp>
+        <p:nvSpPr>
+          <p:cNvPr id="3" name="Rectangle 2">
+            <a:extLst>
+              <a:ext uri="{FF2B5EF4-FFF2-40B4-BE49-F238E27FC236}">
+                <a16:creationId xmlns:a16="http://schemas.microsoft.com/office/drawing/2014/main" id="{E41DDA01-81FC-4E63-875C-A7BE23B0077D}"/>
+              </a:ext>
+            </a:extLst>
+          </p:cNvPr>
+          <p:cNvSpPr/>
+          <p:nvPr/>
+        </p:nvSpPr>
+        <p:spPr>
+          <a:xfrm>
+            <a:off x="1382392" y="1880155"/>
+            <a:ext cx="2728696" cy="369332"/>
+          </a:xfrm>
+          <a:prstGeom prst="rect">
+            <a:avLst/>
+          </a:prstGeom>
+        </p:spPr>
+        <p:txBody>
+          <a:bodyPr wrap="none">
+            <a:spAutoFit/>
+          </a:bodyPr>
+          <a:lstStyle/>
+          <a:p>
+            <a:r>
+              <a:rPr lang="en-IN" dirty="0">
+                <a:highlight>
+                  <a:srgbClr val="FFFF00"/>
+                </a:highlight>
+              </a:rPr>
+              <a:t>Replace below with graphs</a:t>
+            </a:r>
+            <a:endParaRPr lang="en-US" dirty="0"/>
+          </a:p>
+        </p:txBody>
+      </p:sp>
+    </p:spTree>
+    <p:extLst>
+      <p:ext uri="{BB962C8B-B14F-4D97-AF65-F5344CB8AC3E}">
+        <p14:creationId xmlns:p14="http://schemas.microsoft.com/office/powerpoint/2010/main" val="3167898224"/>
+      </p:ext>
+    </p:extLst>
+  </p:cSld>
+  <p:clrMapOvr>
+    <a:overrideClrMapping bg1="lt1" tx1="dk1" bg2="lt2" tx2="dk2" accent1="accent1" accent2="accent2" accent3="accent3" accent4="accent4" accent5="accent5" accent6="accent6" hlink="hlink" folHlink="folHlink"/>
+  </p:clrMapOvr>
+</p:sld>
+</file>
+
+<file path=ppt/slides/slide9.xml><?xml version="1.0" encoding="utf-8"?>
+<p:sld xmlns:a="http://schemas.openxmlformats.org/drawingml/2006/main" xmlns:r="http://schemas.openxmlformats.org/officeDocument/2006/relationships" xmlns:p="http://schemas.openxmlformats.org/presentationml/2006/main">
+  <p:cSld>
+    <p:spTree>
+      <p:nvGrpSpPr>
+        <p:cNvPr id="1" name=""/>
+        <p:cNvGrpSpPr/>
+        <p:nvPr/>
+      </p:nvGrpSpPr>
+      <p:grpSpPr>
+        <a:xfrm>
+          <a:off x="0" y="0"/>
+          <a:ext cx="0" cy="0"/>
+          <a:chOff x="0" y="0"/>
+          <a:chExt cx="0" cy="0"/>
+        </a:xfrm>
+      </p:grpSpPr>
+      <p:sp>
+        <p:nvSpPr>
+          <p:cNvPr id="2" name="Title 1">
+            <a:extLst>
+              <a:ext uri="{FF2B5EF4-FFF2-40B4-BE49-F238E27FC236}">
+                <a16:creationId xmlns:a16="http://schemas.microsoft.com/office/drawing/2014/main" id="{C55C24C6-B163-4227-BDFA-DB2684557434}"/>
+              </a:ext>
+            </a:extLst>
+          </p:cNvPr>
+          <p:cNvSpPr>
+            <a:spLocks noGrp="1"/>
+          </p:cNvSpPr>
+          <p:nvPr>
+            <p:ph type="title"/>
+          </p:nvPr>
+        </p:nvSpPr>
+        <p:spPr>
+          <a:xfrm>
+            <a:off x="1143001" y="79543"/>
+            <a:ext cx="9905998" cy="698205"/>
+          </a:xfrm>
+        </p:spPr>
+        <p:txBody>
+          <a:bodyPr/>
+          <a:lstStyle/>
+          <a:p>
+            <a:r>
+              <a:rPr lang="en-US" dirty="0"/>
+              <a:t>linear classifier</a:t>
+            </a:r>
+          </a:p>
+        </p:txBody>
+      </p:sp>
+      <p:sp>
+        <p:nvSpPr>
+          <p:cNvPr id="7" name="TextBox 6">
+            <a:extLst>
+              <a:ext uri="{FF2B5EF4-FFF2-40B4-BE49-F238E27FC236}">
+                <a16:creationId xmlns:a16="http://schemas.microsoft.com/office/drawing/2014/main" id="{8D0767D8-301B-0741-A1B6-F8297F8239C8}"/>
+              </a:ext>
+            </a:extLst>
+          </p:cNvPr>
+          <p:cNvSpPr txBox="1"/>
+          <p:nvPr/>
+        </p:nvSpPr>
+        <p:spPr>
+          <a:xfrm>
+            <a:off x="1143001" y="777748"/>
+            <a:ext cx="5628860" cy="1938992"/>
+          </a:xfrm>
+          <a:prstGeom prst="rect">
+            <a:avLst/>
+          </a:prstGeom>
+          <a:noFill/>
+        </p:spPr>
+        <p:txBody>
+          <a:bodyPr wrap="square" rtlCol="0">
+            <a:spAutoFit/>
+          </a:bodyPr>
+          <a:lstStyle/>
+          <a:p>
+            <a:r>
+              <a:rPr lang="en-US" sz="2400" dirty="0"/>
+              <a:t>48% Accuracy on Training Data</a:t>
+            </a:r>
+          </a:p>
+          <a:p>
+            <a:r>
+              <a:rPr lang="en-US" sz="2400" dirty="0"/>
+              <a:t>34% Accuracy on Test Data</a:t>
+            </a:r>
+          </a:p>
+          <a:p>
+            <a:endParaRPr lang="en-US" sz="2400" dirty="0"/>
+          </a:p>
+          <a:p>
+            <a:r>
+              <a:rPr lang="en-US" sz="2400" dirty="0"/>
+              <a:t>Attempted to use PCA with 350 components, yet accuracy was slightly worse.</a:t>
+            </a:r>
+          </a:p>
+        </p:txBody>
+      </p:sp>
+      <p:pic>
+        <p:nvPicPr>
+          <p:cNvPr id="4" name="Picture 3">
+            <a:extLst>
+              <a:ext uri="{FF2B5EF4-FFF2-40B4-BE49-F238E27FC236}">
+                <a16:creationId xmlns:a16="http://schemas.microsoft.com/office/drawing/2014/main" id="{52C56562-CF38-2D43-BDA9-EEE249A4623B}"/>
+              </a:ext>
+            </a:extLst>
+          </p:cNvPr>
+          <p:cNvPicPr>
+            <a:picLocks noChangeAspect="1"/>
+          </p:cNvPicPr>
+          <p:nvPr/>
+        </p:nvPicPr>
+        <p:blipFill>
+          <a:blip r:embed="rId2"/>
+          <a:stretch>
+            <a:fillRect/>
+          </a:stretch>
+        </p:blipFill>
+        <p:spPr>
+          <a:xfrm>
+            <a:off x="463826" y="2829365"/>
+            <a:ext cx="6202017" cy="3850207"/>
+          </a:xfrm>
+          <a:prstGeom prst="rect">
+            <a:avLst/>
+          </a:prstGeom>
+        </p:spPr>
+      </p:pic>
+      <p:sp>
+        <p:nvSpPr>
+          <p:cNvPr id="6" name="TextBox 5">
+            <a:extLst>
+              <a:ext uri="{FF2B5EF4-FFF2-40B4-BE49-F238E27FC236}">
+                <a16:creationId xmlns:a16="http://schemas.microsoft.com/office/drawing/2014/main" id="{0C603B1F-1F97-3F47-A1FB-49F34A0EE4CD}"/>
+              </a:ext>
+            </a:extLst>
+          </p:cNvPr>
+          <p:cNvSpPr txBox="1"/>
+          <p:nvPr/>
+        </p:nvSpPr>
+        <p:spPr>
+          <a:xfrm>
+            <a:off x="6959343" y="750844"/>
+            <a:ext cx="3679469" cy="461665"/>
+          </a:xfrm>
+          <a:prstGeom prst="rect">
+            <a:avLst/>
+          </a:prstGeom>
+          <a:noFill/>
+        </p:spPr>
+        <p:txBody>
+          <a:bodyPr wrap="none" rtlCol="0">
+            <a:spAutoFit/>
+          </a:bodyPr>
+          <a:lstStyle/>
+          <a:p>
+            <a:r>
+              <a:rPr lang="en-US" sz="2400" dirty="0"/>
+              <a:t>16% Accuracy on New Data</a:t>
+            </a:r>
+          </a:p>
+        </p:txBody>
+      </p:sp>
+      <p:pic>
+        <p:nvPicPr>
+          <p:cNvPr id="8" name="Picture 7">
+            <a:extLst>
+              <a:ext uri="{FF2B5EF4-FFF2-40B4-BE49-F238E27FC236}">
+                <a16:creationId xmlns:a16="http://schemas.microsoft.com/office/drawing/2014/main" id="{4F12DBDF-1060-474A-8A8F-FCC1497E6E0D}"/>
+              </a:ext>
+            </a:extLst>
+          </p:cNvPr>
+          <p:cNvPicPr>
+            <a:picLocks noChangeAspect="1"/>
+          </p:cNvPicPr>
+          <p:nvPr/>
+        </p:nvPicPr>
+        <p:blipFill>
+          <a:blip r:embed="rId3"/>
+          <a:stretch>
+            <a:fillRect/>
+          </a:stretch>
+        </p:blipFill>
+        <p:spPr>
+          <a:xfrm>
+            <a:off x="6959343" y="1449049"/>
+            <a:ext cx="2551314" cy="2568970"/>
+          </a:xfrm>
+          <a:prstGeom prst="rect">
+            <a:avLst/>
+          </a:prstGeom>
+        </p:spPr>
+      </p:pic>
+      <p:sp>
+        <p:nvSpPr>
+          <p:cNvPr id="9" name="TextBox 8">
+            <a:extLst>
+              <a:ext uri="{FF2B5EF4-FFF2-40B4-BE49-F238E27FC236}">
+                <a16:creationId xmlns:a16="http://schemas.microsoft.com/office/drawing/2014/main" id="{0C67FCF7-2BF8-C14B-B7D9-A01E4568A068}"/>
+              </a:ext>
+            </a:extLst>
+          </p:cNvPr>
+          <p:cNvSpPr txBox="1"/>
+          <p:nvPr/>
+        </p:nvSpPr>
+        <p:spPr>
+          <a:xfrm>
+            <a:off x="9574234" y="2160638"/>
+            <a:ext cx="2286588" cy="646331"/>
+          </a:xfrm>
+          <a:prstGeom prst="rect">
+            <a:avLst/>
+          </a:prstGeom>
+          <a:noFill/>
+        </p:spPr>
+        <p:txBody>
+          <a:bodyPr wrap="none" rtlCol="0">
+            <a:spAutoFit/>
+          </a:bodyPr>
+          <a:lstStyle/>
+          <a:p>
+            <a:r>
+              <a:rPr lang="en-US" dirty="0"/>
+              <a:t>Label = 1 (Disgust)</a:t>
+            </a:r>
+          </a:p>
+          <a:p>
+            <a:r>
+              <a:rPr lang="en-US" dirty="0"/>
+              <a:t>Predicted = 3 (Happy)</a:t>
+            </a:r>
+          </a:p>
+        </p:txBody>
+      </p:sp>
+      <p:pic>
+        <p:nvPicPr>
+          <p:cNvPr id="11" name="Picture 10">
+            <a:extLst>
+              <a:ext uri="{FF2B5EF4-FFF2-40B4-BE49-F238E27FC236}">
+                <a16:creationId xmlns:a16="http://schemas.microsoft.com/office/drawing/2014/main" id="{3CEEFBBA-2F68-E84C-A33A-83887726A5C4}"/>
+              </a:ext>
+            </a:extLst>
+          </p:cNvPr>
+          <p:cNvPicPr>
+            <a:picLocks noChangeAspect="1"/>
+          </p:cNvPicPr>
+          <p:nvPr/>
+        </p:nvPicPr>
+        <p:blipFill>
+          <a:blip r:embed="rId4"/>
+          <a:stretch>
+            <a:fillRect/>
+          </a:stretch>
+        </p:blipFill>
+        <p:spPr>
+          <a:xfrm>
+            <a:off x="6959343" y="4110602"/>
+            <a:ext cx="2551314" cy="2568970"/>
+          </a:xfrm>
+          <a:prstGeom prst="rect">
+            <a:avLst/>
+          </a:prstGeom>
+        </p:spPr>
+      </p:pic>
+      <p:sp>
+        <p:nvSpPr>
+          <p:cNvPr id="12" name="TextBox 11">
+            <a:extLst>
+              <a:ext uri="{FF2B5EF4-FFF2-40B4-BE49-F238E27FC236}">
+                <a16:creationId xmlns:a16="http://schemas.microsoft.com/office/drawing/2014/main" id="{0DFC4A9A-4943-CB4C-ADFB-D51C461B19C8}"/>
+              </a:ext>
+            </a:extLst>
+          </p:cNvPr>
+          <p:cNvSpPr txBox="1"/>
+          <p:nvPr/>
+        </p:nvSpPr>
+        <p:spPr>
+          <a:xfrm>
+            <a:off x="9574234" y="4754468"/>
+            <a:ext cx="2346476" cy="646331"/>
+          </a:xfrm>
+          <a:prstGeom prst="rect">
+            <a:avLst/>
+          </a:prstGeom>
+          <a:noFill/>
+        </p:spPr>
+        <p:txBody>
+          <a:bodyPr wrap="none" rtlCol="0">
+            <a:spAutoFit/>
+          </a:bodyPr>
+          <a:lstStyle/>
+          <a:p>
+            <a:r>
+              <a:rPr lang="en-US" dirty="0"/>
+              <a:t>Label = 6 (Neutral)</a:t>
+            </a:r>
+          </a:p>
+          <a:p>
+            <a:r>
+              <a:rPr lang="en-US" dirty="0"/>
+              <a:t>Predicted = 6 (Neutral)</a:t>
+            </a:r>
+          </a:p>
+        </p:txBody>
+      </p:sp>
+    </p:spTree>
+    <p:extLst>
+      <p:ext uri="{BB962C8B-B14F-4D97-AF65-F5344CB8AC3E}">
+        <p14:creationId xmlns:p14="http://schemas.microsoft.com/office/powerpoint/2010/main" val="4041029037"/>
+      </p:ext>
+    </p:extLst>
+  </p:cSld>
+  <p:clrMapOvr>
+    <a:masterClrMapping/>
+  </p:clrMapOvr>
 </p:sld>
 </file>
 
@@ -18246,7 +19085,7 @@
   <a:extraClrSchemeLst/>
   <a:extLst>
     <a:ext uri="{05A4C25C-085E-4340-85A3-A5531E510DB2}">
-      <thm15:themeFamily xmlns:thm15="http://schemas.microsoft.com/office/thememl/2012/main" xmlns="" name="Circuit" id="{0AC2F7E7-15F5-431C-B2A2-456FE929F56C}" vid="{0911B802-464C-4241-8DD9-B60FF88E379F}"/>
+      <thm15:themeFamily xmlns:thm15="http://schemas.microsoft.com/office/thememl/2012/main" name="Circuit" id="{0AC2F7E7-15F5-431C-B2A2-456FE929F56C}" vid="{0911B802-464C-4241-8DD9-B60FF88E379F}"/>
     </a:ext>
   </a:extLst>
 </a:theme>
@@ -18507,7 +19346,7 @@
   <a:extraClrSchemeLst/>
   <a:extLst>
     <a:ext uri="{05A4C25C-085E-4340-85A3-A5531E510DB2}">
-      <thm15:themeFamily xmlns:thm15="http://schemas.microsoft.com/office/thememl/2012/main" xmlns="" name="Office Theme" id="{62F939B6-93AF-4DB8-9C6B-D6C7DFDC589F}" vid="{4A3C46E8-61CC-4603-A589-7422A47A8E4A}"/>
+      <thm15:themeFamily xmlns:thm15="http://schemas.microsoft.com/office/thememl/2012/main" name="Office Theme" id="{62F939B6-93AF-4DB8-9C6B-D6C7DFDC589F}" vid="{4A3C46E8-61CC-4603-A589-7422A47A8E4A}"/>
     </a:ext>
   </a:extLst>
 </a:theme>

--- a/Final Project Draft.pptx
+++ b/Final Project Draft.pptx
@@ -15587,22 +15587,34 @@
         <p:spPr/>
         <p:txBody>
           <a:bodyPr>
-            <a:normAutofit fontScale="90000"/>
+            <a:normAutofit/>
           </a:bodyPr>
           <a:lstStyle/>
           <a:p>
             <a:r>
-              <a:rPr lang="en-US" dirty="0"/>
+              <a:rPr lang="en-US" sz="2000" dirty="0"/>
               <a:t>Data source:</a:t>
             </a:r>
             <a:br>
-              <a:rPr lang="en-US" dirty="0"/>
+              <a:rPr lang="en-US" sz="2000" dirty="0"/>
             </a:br>
             <a:r>
-              <a:rPr lang="en-US" cap="none" dirty="0"/>
+              <a:rPr lang="en-US" sz="2000" cap="none" dirty="0">
+                <a:hlinkClick r:id="rId2"/>
+              </a:rPr>
               <a:t>https://www.kaggle.com/c/challenges-in-representation-learning-facial-expression-recognition-challenge/data</a:t>
             </a:r>
-            <a:endParaRPr lang="en-US" dirty="0"/>
+            <a:br>
+              <a:rPr lang="en-US" sz="2000" cap="none" dirty="0"/>
+            </a:br>
+            <a:br>
+              <a:rPr lang="en-US" sz="2000" cap="none" dirty="0"/>
+            </a:br>
+            <a:r>
+              <a:rPr lang="en-US" sz="2000" cap="none" dirty="0"/>
+              <a:t>Challenge hosted by Ian Goodfellow (Google) in 2013</a:t>
+            </a:r>
+            <a:endParaRPr lang="en-US" sz="2000" dirty="0"/>
           </a:p>
         </p:txBody>
       </p:sp>
@@ -15624,8 +15636,8 @@
         </p:nvSpPr>
         <p:spPr>
           <a:xfrm>
-            <a:off x="1141410" y="2025353"/>
-            <a:ext cx="5182478" cy="4388699"/>
+            <a:off x="1239065" y="2592005"/>
+            <a:ext cx="4549176" cy="3478802"/>
           </a:xfrm>
         </p:spPr>
         <p:txBody>
@@ -15635,49 +15647,49 @@
           <a:lstStyle/>
           <a:p>
             <a:r>
-              <a:rPr lang="en-US" dirty="0"/>
+              <a:rPr lang="en-US" sz="1800" dirty="0"/>
               <a:t>Training data size: </a:t>
             </a:r>
           </a:p>
           <a:p>
             <a:pPr lvl="1"/>
             <a:r>
-              <a:rPr lang="en-US" sz="2400" dirty="0"/>
-              <a:t>28709 samples </a:t>
+              <a:rPr lang="en-US" sz="1800" dirty="0"/>
+              <a:t>28,709 samples </a:t>
             </a:r>
           </a:p>
           <a:p>
             <a:pPr lvl="1"/>
             <a:r>
-              <a:rPr lang="en-US" sz="2400" dirty="0"/>
-              <a:t>80% of complete set</a:t>
+              <a:rPr lang="en-US" sz="1800" dirty="0"/>
+              <a:t>90% of complete set</a:t>
             </a:r>
           </a:p>
           <a:p>
             <a:pPr lvl="1"/>
             <a:r>
-              <a:rPr lang="en-US" sz="2400" dirty="0"/>
-              <a:t>Each sample is 2304 features long (48x48 grayscale image)</a:t>
-            </a:r>
-          </a:p>
-          <a:p>
-            <a:r>
-              <a:rPr lang="en-US" dirty="0"/>
+              <a:rPr lang="en-US" sz="1800" dirty="0"/>
+              <a:t>Each sample is 2304 features long (48x48 grayscale images)</a:t>
+            </a:r>
+          </a:p>
+          <a:p>
+            <a:r>
+              <a:rPr lang="en-US" sz="1800" dirty="0"/>
               <a:t>Test set: </a:t>
             </a:r>
           </a:p>
           <a:p>
             <a:pPr lvl="1"/>
             <a:r>
-              <a:rPr lang="en-US" sz="2400" dirty="0"/>
-              <a:t>7178 samples</a:t>
+              <a:rPr lang="en-US" sz="1800" dirty="0"/>
+              <a:t>3,589 samples</a:t>
             </a:r>
           </a:p>
           <a:p>
             <a:pPr lvl="1"/>
             <a:r>
-              <a:rPr lang="en-US" sz="2400" dirty="0"/>
-              <a:t>20% of complete set (10% used for evaluation, 10% for validation)</a:t>
+              <a:rPr lang="en-US" sz="1800" dirty="0"/>
+              <a:t>~10% of complete set</a:t>
             </a:r>
           </a:p>
         </p:txBody>
@@ -15700,13 +15712,13 @@
         </p:nvSpPr>
         <p:spPr>
           <a:xfrm>
-            <a:off x="6633896" y="2106957"/>
-            <a:ext cx="4956854" cy="4608514"/>
+            <a:off x="6631619" y="2515841"/>
+            <a:ext cx="4722919" cy="4490143"/>
           </a:xfrm>
         </p:spPr>
         <p:txBody>
           <a:bodyPr>
-            <a:normAutofit fontScale="92500" lnSpcReduction="20000"/>
+            <a:normAutofit/>
           </a:bodyPr>
           <a:lstStyle/>
           <a:p>
@@ -15714,7 +15726,7 @@
               <a:buNone/>
             </a:pPr>
             <a:r>
-              <a:rPr lang="en-US" dirty="0"/>
+              <a:rPr lang="en-US" sz="1800" b="1" u="sng" dirty="0"/>
               <a:t>Methodology:</a:t>
             </a:r>
           </a:p>
@@ -15723,7 +15735,7 @@
               <a:buNone/>
             </a:pPr>
             <a:r>
-              <a:rPr lang="en-US" dirty="0"/>
+              <a:rPr lang="en-US" sz="1800" dirty="0"/>
               <a:t>Unsupervised:</a:t>
             </a:r>
           </a:p>
@@ -15732,7 +15744,7 @@
               <a:buAutoNum type="arabicPeriod"/>
             </a:pPr>
             <a:r>
-              <a:rPr lang="en-US" dirty="0"/>
+              <a:rPr lang="en-US" sz="1600" dirty="0"/>
               <a:t>Expectation Maximization</a:t>
             </a:r>
           </a:p>
@@ -15741,7 +15753,7 @@
               <a:buNone/>
             </a:pPr>
             <a:r>
-              <a:rPr lang="en-US" dirty="0"/>
+              <a:rPr lang="en-US" sz="1800" dirty="0"/>
               <a:t>Supervised:</a:t>
             </a:r>
           </a:p>
@@ -15751,7 +15763,7 @@
               <a:buAutoNum type="arabicPeriod"/>
             </a:pPr>
             <a:r>
-              <a:rPr lang="en-US" sz="2000" dirty="0"/>
+              <a:rPr lang="en-US" sz="1600" dirty="0"/>
               <a:t>Logistic Regression Classifier</a:t>
             </a:r>
           </a:p>
@@ -15761,7 +15773,7 @@
               <a:buAutoNum type="arabicPeriod"/>
             </a:pPr>
             <a:r>
-              <a:rPr lang="en-US" sz="2000" dirty="0"/>
+              <a:rPr lang="en-US" sz="1600" dirty="0"/>
               <a:t>Linear Classifier</a:t>
             </a:r>
           </a:p>
@@ -15771,7 +15783,7 @@
               <a:buAutoNum type="arabicPeriod"/>
             </a:pPr>
             <a:r>
-              <a:rPr lang="en-US" sz="2000" dirty="0"/>
+              <a:rPr lang="en-US" sz="1600" dirty="0"/>
               <a:t>Bayesian Classification </a:t>
             </a:r>
           </a:p>
@@ -15781,7 +15793,7 @@
               <a:buAutoNum type="arabicPeriod"/>
             </a:pPr>
             <a:r>
-              <a:rPr lang="en-US" sz="2000" dirty="0"/>
+              <a:rPr lang="en-US" sz="1600" dirty="0"/>
               <a:t>Principal Component Analysis</a:t>
             </a:r>
           </a:p>
@@ -15791,7 +15803,7 @@
               <a:buAutoNum type="arabicPeriod"/>
             </a:pPr>
             <a:r>
-              <a:rPr lang="en-US" sz="2000" dirty="0"/>
+              <a:rPr lang="en-US" sz="1600" dirty="0"/>
               <a:t>Histogram Analysis</a:t>
             </a:r>
           </a:p>
@@ -15801,13 +15813,9 @@
               <a:buAutoNum type="arabicPeriod"/>
             </a:pPr>
             <a:r>
-              <a:rPr lang="en-US" sz="2000" dirty="0"/>
+              <a:rPr lang="en-US" sz="1600" dirty="0"/>
               <a:t>Neural Networks</a:t>
             </a:r>
-            <a:br>
-              <a:rPr lang="en-US" sz="2000" dirty="0"/>
-            </a:br>
-            <a:endParaRPr lang="en-US" sz="2000" dirty="0"/>
           </a:p>
         </p:txBody>
       </p:sp>
